--- a/Resources/docs/CGR Präsentation.pptx
+++ b/Resources/docs/CGR Präsentation.pptx
@@ -9,6 +9,17 @@
     <p:sldId id="257" r:id="rId3"/>
     <p:sldId id="258" r:id="rId4"/>
     <p:sldId id="259" r:id="rId5"/>
+    <p:sldId id="260" r:id="rId6"/>
+    <p:sldId id="261" r:id="rId7"/>
+    <p:sldId id="262" r:id="rId8"/>
+    <p:sldId id="266" r:id="rId9"/>
+    <p:sldId id="263" r:id="rId10"/>
+    <p:sldId id="264" r:id="rId11"/>
+    <p:sldId id="265" r:id="rId12"/>
+    <p:sldId id="268" r:id="rId13"/>
+    <p:sldId id="267" r:id="rId14"/>
+    <p:sldId id="269" r:id="rId15"/>
+    <p:sldId id="270" r:id="rId16"/>
   </p:sldIdLst>
   <p:sldSz cx="9144000" cy="6858000" type="screen4x3"/>
   <p:notesSz cx="6858000" cy="9144000"/>
@@ -116,6 +127,17 @@
             <p14:sldId id="257"/>
             <p14:sldId id="258"/>
             <p14:sldId id="259"/>
+            <p14:sldId id="260"/>
+            <p14:sldId id="261"/>
+            <p14:sldId id="262"/>
+            <p14:sldId id="266"/>
+            <p14:sldId id="263"/>
+            <p14:sldId id="264"/>
+            <p14:sldId id="265"/>
+            <p14:sldId id="268"/>
+            <p14:sldId id="267"/>
+            <p14:sldId id="269"/>
+            <p14:sldId id="270"/>
           </p14:sldIdLst>
         </p14:section>
       </p14:sectionLst>
@@ -320,7 +342,7 @@
           <a:p>
             <a:fld id="{679BC7E7-EA8E-4DA7-915E-CC098D9BADCB}" type="datetimeFigureOut">
               <a:rPr lang="en-US" smtClean="0"/>
-              <a:t>5/28/13</a:t>
+              <a:t>01.06.13</a:t>
             </a:fld>
             <a:endParaRPr lang="en-US"/>
           </a:p>
@@ -362,7 +384,7 @@
           <a:p>
             <a:fld id="{9F2F5E10-5301-4EE6-90D2-A6C4A3F62BED}" type="slidenum">
               <a:rPr lang="en-US" smtClean="0"/>
-              <a:t>‹#›</a:t>
+              <a:t>‹Nr.›</a:t>
             </a:fld>
             <a:endParaRPr lang="en-US"/>
           </a:p>
@@ -449,7 +471,7 @@
           <a:p>
             <a:fld id="{679BC7E7-EA8E-4DA7-915E-CC098D9BADCB}" type="datetimeFigureOut">
               <a:rPr lang="en-US" smtClean="0"/>
-              <a:t>5/28/13</a:t>
+              <a:t>01.06.13</a:t>
             </a:fld>
             <a:endParaRPr lang="en-US"/>
           </a:p>
@@ -491,7 +513,7 @@
           <a:p>
             <a:fld id="{9F2F5E10-5301-4EE6-90D2-A6C4A3F62BED}" type="slidenum">
               <a:rPr lang="en-US" smtClean="0"/>
-              <a:t>‹#›</a:t>
+              <a:t>‹Nr.›</a:t>
             </a:fld>
             <a:endParaRPr lang="en-US"/>
           </a:p>
@@ -754,7 +776,7 @@
           <a:p>
             <a:fld id="{679BC7E7-EA8E-4DA7-915E-CC098D9BADCB}" type="datetimeFigureOut">
               <a:rPr lang="en-US" smtClean="0"/>
-              <a:t>5/28/13</a:t>
+              <a:t>01.06.13</a:t>
             </a:fld>
             <a:endParaRPr lang="en-US"/>
           </a:p>
@@ -796,7 +818,7 @@
           <a:p>
             <a:fld id="{9F2F5E10-5301-4EE6-90D2-A6C4A3F62BED}" type="slidenum">
               <a:rPr lang="en-US" smtClean="0"/>
-              <a:t>‹#›</a:t>
+              <a:t>‹Nr.›</a:t>
             </a:fld>
             <a:endParaRPr lang="en-US"/>
           </a:p>
@@ -979,7 +1001,7 @@
           <a:p>
             <a:fld id="{679BC7E7-EA8E-4DA7-915E-CC098D9BADCB}" type="datetimeFigureOut">
               <a:rPr lang="en-US" smtClean="0"/>
-              <a:t>5/28/13</a:t>
+              <a:t>01.06.13</a:t>
             </a:fld>
             <a:endParaRPr lang="en-US"/>
           </a:p>
@@ -1021,7 +1043,7 @@
           <a:p>
             <a:fld id="{9F2F5E10-5301-4EE6-90D2-A6C4A3F62BED}" type="slidenum">
               <a:rPr lang="en-US" smtClean="0"/>
-              <a:t>‹#›</a:t>
+              <a:t>‹Nr.›</a:t>
             </a:fld>
             <a:endParaRPr lang="en-US"/>
           </a:p>
@@ -1249,7 +1271,7 @@
           <a:p>
             <a:fld id="{679BC7E7-EA8E-4DA7-915E-CC098D9BADCB}" type="datetimeFigureOut">
               <a:rPr lang="en-US" smtClean="0"/>
-              <a:t>5/28/13</a:t>
+              <a:t>01.06.13</a:t>
             </a:fld>
             <a:endParaRPr lang="en-US"/>
           </a:p>
@@ -1291,7 +1313,7 @@
           <a:p>
             <a:fld id="{9F2F5E10-5301-4EE6-90D2-A6C4A3F62BED}" type="slidenum">
               <a:rPr lang="en-US" smtClean="0"/>
-              <a:t>‹#›</a:t>
+              <a:t>‹Nr.›</a:t>
             </a:fld>
             <a:endParaRPr lang="en-US"/>
           </a:p>
@@ -1574,7 +1596,7 @@
           <a:p>
             <a:fld id="{679BC7E7-EA8E-4DA7-915E-CC098D9BADCB}" type="datetimeFigureOut">
               <a:rPr lang="en-US" smtClean="0"/>
-              <a:t>5/28/13</a:t>
+              <a:t>01.06.13</a:t>
             </a:fld>
             <a:endParaRPr lang="en-US"/>
           </a:p>
@@ -1616,7 +1638,7 @@
           <a:p>
             <a:fld id="{9F2F5E10-5301-4EE6-90D2-A6C4A3F62BED}" type="slidenum">
               <a:rPr lang="en-US" smtClean="0"/>
-              <a:t>‹#›</a:t>
+              <a:t>‹Nr.›</a:t>
             </a:fld>
             <a:endParaRPr lang="en-US"/>
           </a:p>
@@ -1767,7 +1789,7 @@
           <a:p>
             <a:fld id="{679BC7E7-EA8E-4DA7-915E-CC098D9BADCB}" type="datetimeFigureOut">
               <a:rPr lang="en-US" smtClean="0"/>
-              <a:t>5/28/13</a:t>
+              <a:t>01.06.13</a:t>
             </a:fld>
             <a:endParaRPr lang="en-US"/>
           </a:p>
@@ -1809,7 +1831,7 @@
           <a:p>
             <a:fld id="{9F2F5E10-5301-4EE6-90D2-A6C4A3F62BED}" type="slidenum">
               <a:rPr lang="en-US" smtClean="0"/>
-              <a:t>‹#›</a:t>
+              <a:t>‹Nr.›</a:t>
             </a:fld>
             <a:endParaRPr lang="en-US"/>
           </a:p>
@@ -1871,7 +1893,7 @@
           <a:p>
             <a:fld id="{679BC7E7-EA8E-4DA7-915E-CC098D9BADCB}" type="datetimeFigureOut">
               <a:rPr lang="en-US" smtClean="0"/>
-              <a:t>5/28/13</a:t>
+              <a:t>01.06.13</a:t>
             </a:fld>
             <a:endParaRPr lang="en-US"/>
           </a:p>
@@ -1913,7 +1935,7 @@
           <a:p>
             <a:fld id="{9F2F5E10-5301-4EE6-90D2-A6C4A3F62BED}" type="slidenum">
               <a:rPr lang="en-US" smtClean="0"/>
-              <a:t>‹#›</a:t>
+              <a:t>‹Nr.›</a:t>
             </a:fld>
             <a:endParaRPr lang="en-US"/>
           </a:p>
@@ -2040,7 +2062,7 @@
           <a:p>
             <a:fld id="{679BC7E7-EA8E-4DA7-915E-CC098D9BADCB}" type="datetimeFigureOut">
               <a:rPr lang="en-US" smtClean="0"/>
-              <a:t>5/28/13</a:t>
+              <a:t>01.06.13</a:t>
             </a:fld>
             <a:endParaRPr lang="en-US"/>
           </a:p>
@@ -2082,7 +2104,7 @@
           <a:p>
             <a:fld id="{9F2F5E10-5301-4EE6-90D2-A6C4A3F62BED}" type="slidenum">
               <a:rPr lang="en-US" smtClean="0"/>
-              <a:t>‹#›</a:t>
+              <a:t>‹Nr.›</a:t>
             </a:fld>
             <a:endParaRPr lang="en-US"/>
           </a:p>
@@ -2304,7 +2326,7 @@
           <a:p>
             <a:fld id="{679BC7E7-EA8E-4DA7-915E-CC098D9BADCB}" type="datetimeFigureOut">
               <a:rPr lang="en-US" smtClean="0"/>
-              <a:t>5/28/13</a:t>
+              <a:t>01.06.13</a:t>
             </a:fld>
             <a:endParaRPr lang="en-US"/>
           </a:p>
@@ -2359,7 +2381,7 @@
           <a:p>
             <a:fld id="{9F2F5E10-5301-4EE6-90D2-A6C4A3F62BED}" type="slidenum">
               <a:rPr lang="en-US" smtClean="0"/>
-              <a:t>‹#›</a:t>
+              <a:t>‹Nr.›</a:t>
             </a:fld>
             <a:endParaRPr lang="en-US"/>
           </a:p>
@@ -2638,7 +2660,7 @@
           <a:p>
             <a:fld id="{679BC7E7-EA8E-4DA7-915E-CC098D9BADCB}" type="datetimeFigureOut">
               <a:rPr lang="en-US" smtClean="0"/>
-              <a:t>5/28/13</a:t>
+              <a:t>01.06.13</a:t>
             </a:fld>
             <a:endParaRPr lang="en-US"/>
           </a:p>
@@ -2680,7 +2702,7 @@
           <a:p>
             <a:fld id="{9F2F5E10-5301-4EE6-90D2-A6C4A3F62BED}" type="slidenum">
               <a:rPr lang="en-US" smtClean="0"/>
-              <a:t>‹#›</a:t>
+              <a:t>‹Nr.›</a:t>
             </a:fld>
             <a:endParaRPr lang="en-US"/>
           </a:p>
@@ -3079,7 +3101,7 @@
           <a:p>
             <a:fld id="{679BC7E7-EA8E-4DA7-915E-CC098D9BADCB}" type="datetimeFigureOut">
               <a:rPr lang="en-US" smtClean="0"/>
-              <a:t>5/28/13</a:t>
+              <a:t>01.06.13</a:t>
             </a:fld>
             <a:endParaRPr lang="en-US"/>
           </a:p>
@@ -3121,7 +3143,7 @@
           <a:p>
             <a:fld id="{9F2F5E10-5301-4EE6-90D2-A6C4A3F62BED}" type="slidenum">
               <a:rPr lang="en-US" smtClean="0"/>
-              <a:t>‹#›</a:t>
+              <a:t>‹Nr.›</a:t>
             </a:fld>
             <a:endParaRPr lang="en-US"/>
           </a:p>
@@ -3277,7 +3299,7 @@
           <a:p>
             <a:fld id="{679BC7E7-EA8E-4DA7-915E-CC098D9BADCB}" type="datetimeFigureOut">
               <a:rPr lang="en-US" smtClean="0"/>
-              <a:t>5/28/13</a:t>
+              <a:t>01.06.13</a:t>
             </a:fld>
             <a:endParaRPr lang="en-US"/>
           </a:p>
@@ -3319,7 +3341,7 @@
           <a:p>
             <a:fld id="{9F2F5E10-5301-4EE6-90D2-A6C4A3F62BED}" type="slidenum">
               <a:rPr lang="en-US" smtClean="0"/>
-              <a:t>‹#›</a:t>
+              <a:t>‹Nr.›</a:t>
             </a:fld>
             <a:endParaRPr lang="en-US"/>
           </a:p>
@@ -3560,7 +3582,7 @@
           <a:p>
             <a:fld id="{679BC7E7-EA8E-4DA7-915E-CC098D9BADCB}" type="datetimeFigureOut">
               <a:rPr lang="en-US" smtClean="0"/>
-              <a:t>5/28/13</a:t>
+              <a:t>01.06.13</a:t>
             </a:fld>
             <a:endParaRPr lang="en-US"/>
           </a:p>
@@ -3602,7 +3624,7 @@
           <a:p>
             <a:fld id="{9F2F5E10-5301-4EE6-90D2-A6C4A3F62BED}" type="slidenum">
               <a:rPr lang="en-US" smtClean="0"/>
-              <a:t>‹#›</a:t>
+              <a:t>‹Nr.›</a:t>
             </a:fld>
             <a:endParaRPr lang="en-US"/>
           </a:p>
@@ -3928,7 +3950,7 @@
           <a:p>
             <a:fld id="{679BC7E7-EA8E-4DA7-915E-CC098D9BADCB}" type="datetimeFigureOut">
               <a:rPr lang="en-US" smtClean="0"/>
-              <a:t>5/28/13</a:t>
+              <a:t>01.06.13</a:t>
             </a:fld>
             <a:endParaRPr lang="en-US"/>
           </a:p>
@@ -3970,7 +3992,7 @@
           <a:p>
             <a:fld id="{9F2F5E10-5301-4EE6-90D2-A6C4A3F62BED}" type="slidenum">
               <a:rPr lang="en-US" smtClean="0"/>
-              <a:t>‹#›</a:t>
+              <a:t>‹Nr.›</a:t>
             </a:fld>
             <a:endParaRPr lang="en-US"/>
           </a:p>
@@ -4424,7 +4446,7 @@
           <a:p>
             <a:fld id="{679BC7E7-EA8E-4DA7-915E-CC098D9BADCB}" type="datetimeFigureOut">
               <a:rPr lang="en-US" smtClean="0"/>
-              <a:t>5/28/13</a:t>
+              <a:t>01.06.13</a:t>
             </a:fld>
             <a:endParaRPr lang="en-US"/>
           </a:p>
@@ -4466,7 +4488,7 @@
           <a:p>
             <a:fld id="{9F2F5E10-5301-4EE6-90D2-A6C4A3F62BED}" type="slidenum">
               <a:rPr lang="en-US" smtClean="0"/>
-              <a:t>‹#›</a:t>
+              <a:t>‹Nr.›</a:t>
             </a:fld>
             <a:endParaRPr lang="en-US"/>
           </a:p>
@@ -4633,7 +4655,7 @@
           <a:p>
             <a:fld id="{679BC7E7-EA8E-4DA7-915E-CC098D9BADCB}" type="datetimeFigureOut">
               <a:rPr lang="en-US" smtClean="0"/>
-              <a:t>5/28/13</a:t>
+              <a:t>01.06.13</a:t>
             </a:fld>
             <a:endParaRPr lang="en-US"/>
           </a:p>
@@ -4713,7 +4735,7 @@
           <a:p>
             <a:fld id="{9F2F5E10-5301-4EE6-90D2-A6C4A3F62BED}" type="slidenum">
               <a:rPr lang="en-US" smtClean="0"/>
-              <a:t>‹#›</a:t>
+              <a:t>‹Nr.›</a:t>
             </a:fld>
             <a:endParaRPr lang="en-US"/>
           </a:p>
@@ -5158,6 +5180,870 @@
 </p:sld>
 </file>
 
+<file path=ppt/slides/slide10.xml><?xml version="1.0" encoding="utf-8"?>
+<p:sld xmlns:a="http://schemas.openxmlformats.org/drawingml/2006/main" xmlns:r="http://schemas.openxmlformats.org/officeDocument/2006/relationships" xmlns:p="http://schemas.openxmlformats.org/presentationml/2006/main">
+  <p:cSld>
+    <p:spTree>
+      <p:nvGrpSpPr>
+        <p:cNvPr id="1" name=""/>
+        <p:cNvGrpSpPr/>
+        <p:nvPr/>
+      </p:nvGrpSpPr>
+      <p:grpSpPr>
+        <a:xfrm>
+          <a:off x="0" y="0"/>
+          <a:ext cx="0" cy="0"/>
+          <a:chOff x="0" y="0"/>
+          <a:chExt cx="0" cy="0"/>
+        </a:xfrm>
+      </p:grpSpPr>
+      <p:sp>
+        <p:nvSpPr>
+          <p:cNvPr id="2" name="Titel 1"/>
+          <p:cNvSpPr>
+            <a:spLocks noGrp="1"/>
+          </p:cNvSpPr>
+          <p:nvPr>
+            <p:ph type="title"/>
+          </p:nvPr>
+        </p:nvSpPr>
+        <p:spPr/>
+        <p:txBody>
+          <a:bodyPr/>
+          <a:lstStyle/>
+          <a:p>
+            <a:r>
+              <a:rPr lang="de-CH" dirty="0" smtClean="0"/>
+              <a:t>Konzept</a:t>
+            </a:r>
+            <a:endParaRPr lang="de-CH" dirty="0"/>
+          </a:p>
+        </p:txBody>
+      </p:sp>
+      <p:pic>
+        <p:nvPicPr>
+          <p:cNvPr id="4" name="Inhaltsplatzhalter 3"/>
+          <p:cNvPicPr>
+            <a:picLocks noGrp="1" noChangeAspect="1"/>
+          </p:cNvPicPr>
+          <p:nvPr>
+            <p:ph idx="1"/>
+          </p:nvPr>
+        </p:nvPicPr>
+        <p:blipFill>
+          <a:blip r:embed="rId2"/>
+          <a:srcRect l="-5532" r="-5532"/>
+          <a:stretch>
+            <a:fillRect/>
+          </a:stretch>
+        </p:blipFill>
+        <p:spPr/>
+      </p:pic>
+    </p:spTree>
+    <p:extLst>
+      <p:ext uri="{BB962C8B-B14F-4D97-AF65-F5344CB8AC3E}">
+        <p14:creationId xmlns:p14="http://schemas.microsoft.com/office/powerpoint/2010/main" val="1417798178"/>
+      </p:ext>
+    </p:extLst>
+  </p:cSld>
+  <p:clrMapOvr>
+    <a:masterClrMapping/>
+  </p:clrMapOvr>
+</p:sld>
+</file>
+
+<file path=ppt/slides/slide11.xml><?xml version="1.0" encoding="utf-8"?>
+<p:sld xmlns:a="http://schemas.openxmlformats.org/drawingml/2006/main" xmlns:r="http://schemas.openxmlformats.org/officeDocument/2006/relationships" xmlns:p="http://schemas.openxmlformats.org/presentationml/2006/main">
+  <p:cSld>
+    <p:spTree>
+      <p:nvGrpSpPr>
+        <p:cNvPr id="1" name=""/>
+        <p:cNvGrpSpPr/>
+        <p:nvPr/>
+      </p:nvGrpSpPr>
+      <p:grpSpPr>
+        <a:xfrm>
+          <a:off x="0" y="0"/>
+          <a:ext cx="0" cy="0"/>
+          <a:chOff x="0" y="0"/>
+          <a:chExt cx="0" cy="0"/>
+        </a:xfrm>
+      </p:grpSpPr>
+      <p:sp>
+        <p:nvSpPr>
+          <p:cNvPr id="2" name="Titel 1"/>
+          <p:cNvSpPr>
+            <a:spLocks noGrp="1"/>
+          </p:cNvSpPr>
+          <p:nvPr>
+            <p:ph type="title"/>
+          </p:nvPr>
+        </p:nvSpPr>
+        <p:spPr/>
+        <p:txBody>
+          <a:bodyPr/>
+          <a:lstStyle/>
+          <a:p>
+            <a:r>
+              <a:rPr lang="de-CH" dirty="0" smtClean="0"/>
+              <a:t>Konzept</a:t>
+            </a:r>
+            <a:endParaRPr lang="de-CH" dirty="0"/>
+          </a:p>
+        </p:txBody>
+      </p:sp>
+      <p:pic>
+        <p:nvPicPr>
+          <p:cNvPr id="4" name="Inhaltsplatzhalter 3"/>
+          <p:cNvPicPr>
+            <a:picLocks noGrp="1" noChangeAspect="1"/>
+          </p:cNvPicPr>
+          <p:nvPr>
+            <p:ph idx="1"/>
+          </p:nvPr>
+        </p:nvPicPr>
+        <p:blipFill>
+          <a:blip r:embed="rId2"/>
+          <a:srcRect l="-5532" r="-5532"/>
+          <a:stretch>
+            <a:fillRect/>
+          </a:stretch>
+        </p:blipFill>
+        <p:spPr/>
+      </p:pic>
+    </p:spTree>
+    <p:extLst>
+      <p:ext uri="{BB962C8B-B14F-4D97-AF65-F5344CB8AC3E}">
+        <p14:creationId xmlns:p14="http://schemas.microsoft.com/office/powerpoint/2010/main" val="1417798178"/>
+      </p:ext>
+    </p:extLst>
+  </p:cSld>
+  <p:clrMapOvr>
+    <a:masterClrMapping/>
+  </p:clrMapOvr>
+</p:sld>
+</file>
+
+<file path=ppt/slides/slide12.xml><?xml version="1.0" encoding="utf-8"?>
+<p:sld xmlns:a="http://schemas.openxmlformats.org/drawingml/2006/main" xmlns:r="http://schemas.openxmlformats.org/officeDocument/2006/relationships" xmlns:p="http://schemas.openxmlformats.org/presentationml/2006/main">
+  <p:cSld>
+    <p:spTree>
+      <p:nvGrpSpPr>
+        <p:cNvPr id="1" name=""/>
+        <p:cNvGrpSpPr/>
+        <p:nvPr/>
+      </p:nvGrpSpPr>
+      <p:grpSpPr>
+        <a:xfrm>
+          <a:off x="0" y="0"/>
+          <a:ext cx="0" cy="0"/>
+          <a:chOff x="0" y="0"/>
+          <a:chExt cx="0" cy="0"/>
+        </a:xfrm>
+      </p:grpSpPr>
+      <p:sp>
+        <p:nvSpPr>
+          <p:cNvPr id="2" name="Titel 1"/>
+          <p:cNvSpPr>
+            <a:spLocks noGrp="1"/>
+          </p:cNvSpPr>
+          <p:nvPr>
+            <p:ph type="title"/>
+          </p:nvPr>
+        </p:nvSpPr>
+        <p:spPr/>
+        <p:txBody>
+          <a:bodyPr/>
+          <a:lstStyle/>
+          <a:p>
+            <a:r>
+              <a:rPr lang="de-CH" dirty="0" smtClean="0"/>
+              <a:t>Datenmodell</a:t>
+            </a:r>
+            <a:endParaRPr lang="de-CH" dirty="0"/>
+          </a:p>
+        </p:txBody>
+      </p:sp>
+      <p:sp>
+        <p:nvSpPr>
+          <p:cNvPr id="3" name="Inhaltsplatzhalter 2"/>
+          <p:cNvSpPr>
+            <a:spLocks noGrp="1"/>
+          </p:cNvSpPr>
+          <p:nvPr>
+            <p:ph idx="1"/>
+          </p:nvPr>
+        </p:nvSpPr>
+        <p:spPr/>
+        <p:txBody>
+          <a:bodyPr>
+            <a:normAutofit lnSpcReduction="10000"/>
+          </a:bodyPr>
+          <a:lstStyle/>
+          <a:p>
+            <a:r>
+              <a:rPr lang="de-CH" dirty="0" smtClean="0"/>
+              <a:t>Levels</a:t>
+            </a:r>
+          </a:p>
+          <a:p>
+            <a:pPr lvl="1"/>
+            <a:r>
+              <a:rPr lang="de-CH" dirty="0" smtClean="0"/>
+              <a:t>Metainformationen</a:t>
+            </a:r>
+          </a:p>
+          <a:p>
+            <a:pPr lvl="1"/>
+            <a:r>
+              <a:rPr lang="de-CH" dirty="0" smtClean="0"/>
+              <a:t>Anordnung der Spielelemente</a:t>
+            </a:r>
+          </a:p>
+          <a:p>
+            <a:r>
+              <a:rPr lang="de-CH" dirty="0" smtClean="0"/>
+              <a:t>Entwicklerinformationen</a:t>
+            </a:r>
+          </a:p>
+          <a:p>
+            <a:pPr lvl="1"/>
+            <a:r>
+              <a:rPr lang="de-CH" dirty="0" err="1" smtClean="0"/>
+              <a:t>Social</a:t>
+            </a:r>
+            <a:r>
+              <a:rPr lang="de-CH" dirty="0" smtClean="0"/>
+              <a:t> Media</a:t>
+            </a:r>
+          </a:p>
+          <a:p>
+            <a:pPr lvl="1"/>
+            <a:r>
+              <a:rPr lang="de-CH" dirty="0" smtClean="0"/>
+              <a:t>Entwicklernamen</a:t>
+            </a:r>
+          </a:p>
+          <a:p>
+            <a:r>
+              <a:rPr lang="de-CH" dirty="0" smtClean="0"/>
+              <a:t>Spielelemente</a:t>
+            </a:r>
+          </a:p>
+          <a:p>
+            <a:pPr lvl="1"/>
+            <a:r>
+              <a:rPr lang="de-CH" dirty="0" smtClean="0"/>
+              <a:t>Animationen</a:t>
+            </a:r>
+            <a:endParaRPr lang="de-CH" dirty="0"/>
+          </a:p>
+        </p:txBody>
+      </p:sp>
+    </p:spTree>
+    <p:extLst>
+      <p:ext uri="{BB962C8B-B14F-4D97-AF65-F5344CB8AC3E}">
+        <p14:creationId xmlns:p14="http://schemas.microsoft.com/office/powerpoint/2010/main" val="1752730562"/>
+      </p:ext>
+    </p:extLst>
+  </p:cSld>
+  <p:clrMapOvr>
+    <a:masterClrMapping/>
+  </p:clrMapOvr>
+</p:sld>
+</file>
+
+<file path=ppt/slides/slide13.xml><?xml version="1.0" encoding="utf-8"?>
+<p:sld xmlns:a="http://schemas.openxmlformats.org/drawingml/2006/main" xmlns:r="http://schemas.openxmlformats.org/officeDocument/2006/relationships" xmlns:p="http://schemas.openxmlformats.org/presentationml/2006/main">
+  <p:cSld>
+    <p:spTree>
+      <p:nvGrpSpPr>
+        <p:cNvPr id="1" name=""/>
+        <p:cNvGrpSpPr/>
+        <p:nvPr/>
+      </p:nvGrpSpPr>
+      <p:grpSpPr>
+        <a:xfrm>
+          <a:off x="0" y="0"/>
+          <a:ext cx="0" cy="0"/>
+          <a:chOff x="0" y="0"/>
+          <a:chExt cx="0" cy="0"/>
+        </a:xfrm>
+      </p:grpSpPr>
+      <p:pic>
+        <p:nvPicPr>
+          <p:cNvPr id="3073" name="Picture 1" descr="Ohne Titel"/>
+          <p:cNvPicPr>
+            <a:picLocks noChangeAspect="1" noChangeArrowheads="1"/>
+          </p:cNvPicPr>
+          <p:nvPr/>
+        </p:nvPicPr>
+        <p:blipFill rotWithShape="1">
+          <a:blip r:embed="rId2">
+            <a:extLst>
+              <a:ext uri="{28A0092B-C50C-407E-A947-70E740481C1C}">
+                <a14:useLocalDpi xmlns:a14="http://schemas.microsoft.com/office/drawing/2010/main" val="0"/>
+              </a:ext>
+            </a:extLst>
+          </a:blip>
+          <a:srcRect b="45778"/>
+          <a:stretch/>
+        </p:blipFill>
+        <p:spPr bwMode="auto">
+          <a:xfrm>
+            <a:off x="1487134" y="1440974"/>
+            <a:ext cx="6169732" cy="3976052"/>
+          </a:xfrm>
+          <a:prstGeom prst="rect">
+            <a:avLst/>
+          </a:prstGeom>
+          <a:noFill/>
+          <a:ln>
+            <a:noFill/>
+          </a:ln>
+          <a:extLst>
+            <a:ext uri="{909E8E84-426E-40dd-AFC4-6F175D3DCCD1}">
+              <a14:hiddenFill xmlns:a14="http://schemas.microsoft.com/office/drawing/2010/main">
+                <a:solidFill>
+                  <a:srgbClr val="FFFFFF"/>
+                </a:solidFill>
+              </a14:hiddenFill>
+            </a:ext>
+            <a:ext uri="{91240B29-F687-4f45-9708-019B960494DF}">
+              <a14:hiddenLine xmlns:a14="http://schemas.microsoft.com/office/drawing/2010/main" w="9525">
+                <a:solidFill>
+                  <a:srgbClr val="000000"/>
+                </a:solidFill>
+                <a:miter lim="800000"/>
+                <a:headEnd/>
+                <a:tailEnd/>
+              </a14:hiddenLine>
+            </a:ext>
+          </a:extLst>
+        </p:spPr>
+      </p:pic>
+    </p:spTree>
+    <p:extLst>
+      <p:ext uri="{BB962C8B-B14F-4D97-AF65-F5344CB8AC3E}">
+        <p14:creationId xmlns:p14="http://schemas.microsoft.com/office/powerpoint/2010/main" val="3510659763"/>
+      </p:ext>
+    </p:extLst>
+  </p:cSld>
+  <p:clrMapOvr>
+    <a:masterClrMapping/>
+  </p:clrMapOvr>
+  <p:timing>
+    <p:tnLst>
+      <p:par>
+        <p:cTn xmlns:p14="http://schemas.microsoft.com/office/powerpoint/2010/main" id="1" dur="indefinite" restart="never" nodeType="tmRoot"/>
+      </p:par>
+    </p:tnLst>
+  </p:timing>
+</p:sld>
+</file>
+
+<file path=ppt/slides/slide14.xml><?xml version="1.0" encoding="utf-8"?>
+<p:sld xmlns:a="http://schemas.openxmlformats.org/drawingml/2006/main" xmlns:r="http://schemas.openxmlformats.org/officeDocument/2006/relationships" xmlns:p="http://schemas.openxmlformats.org/presentationml/2006/main">
+  <p:cSld>
+    <p:spTree>
+      <p:nvGrpSpPr>
+        <p:cNvPr id="1" name=""/>
+        <p:cNvGrpSpPr/>
+        <p:nvPr/>
+      </p:nvGrpSpPr>
+      <p:grpSpPr>
+        <a:xfrm>
+          <a:off x="0" y="0"/>
+          <a:ext cx="0" cy="0"/>
+          <a:chOff x="0" y="0"/>
+          <a:chExt cx="0" cy="0"/>
+        </a:xfrm>
+      </p:grpSpPr>
+      <p:grpSp>
+        <p:nvGrpSpPr>
+          <p:cNvPr id="2" name="Gruppierung 1"/>
+          <p:cNvGrpSpPr/>
+          <p:nvPr/>
+        </p:nvGrpSpPr>
+        <p:grpSpPr>
+          <a:xfrm>
+            <a:off x="3810144" y="2246324"/>
+            <a:ext cx="5080191" cy="2327388"/>
+            <a:chOff x="3582613" y="3015226"/>
+            <a:chExt cx="4810747" cy="2018087"/>
+          </a:xfrm>
+        </p:grpSpPr>
+        <p:pic>
+          <p:nvPicPr>
+            <p:cNvPr id="4097" name="Picture 1" descr="Unbenannt2"/>
+            <p:cNvPicPr>
+              <a:picLocks noChangeAspect="1" noChangeArrowheads="1"/>
+            </p:cNvPicPr>
+            <p:nvPr/>
+          </p:nvPicPr>
+          <p:blipFill rotWithShape="1">
+            <a:blip r:embed="rId2">
+              <a:extLst>
+                <a:ext uri="{28A0092B-C50C-407E-A947-70E740481C1C}">
+                  <a14:useLocalDpi xmlns:a14="http://schemas.microsoft.com/office/drawing/2010/main" val="0"/>
+                </a:ext>
+              </a:extLst>
+            </a:blip>
+            <a:srcRect b="93601"/>
+            <a:stretch/>
+          </p:blipFill>
+          <p:spPr bwMode="auto">
+            <a:xfrm>
+              <a:off x="3582613" y="3015226"/>
+              <a:ext cx="4810747" cy="574266"/>
+            </a:xfrm>
+            <a:prstGeom prst="rect">
+              <a:avLst/>
+            </a:prstGeom>
+            <a:noFill/>
+            <a:ln>
+              <a:noFill/>
+            </a:ln>
+            <a:extLst>
+              <a:ext uri="{909E8E84-426E-40dd-AFC4-6F175D3DCCD1}">
+                <a14:hiddenFill xmlns:a14="http://schemas.microsoft.com/office/drawing/2010/main">
+                  <a:solidFill>
+                    <a:srgbClr val="FFFFFF"/>
+                  </a:solidFill>
+                </a14:hiddenFill>
+              </a:ext>
+              <a:ext uri="{91240B29-F687-4f45-9708-019B960494DF}">
+                <a14:hiddenLine xmlns:a14="http://schemas.microsoft.com/office/drawing/2010/main" w="9525">
+                  <a:solidFill>
+                    <a:srgbClr val="000000"/>
+                  </a:solidFill>
+                  <a:miter lim="800000"/>
+                  <a:headEnd/>
+                  <a:tailEnd/>
+                </a14:hiddenLine>
+              </a:ext>
+            </a:extLst>
+          </p:spPr>
+        </p:pic>
+        <p:pic>
+          <p:nvPicPr>
+            <p:cNvPr id="4" name="Picture 1" descr="Unbenannt2"/>
+            <p:cNvPicPr>
+              <a:picLocks noChangeAspect="1" noChangeArrowheads="1"/>
+            </p:cNvPicPr>
+            <p:nvPr/>
+          </p:nvPicPr>
+          <p:blipFill rotWithShape="1">
+            <a:blip r:embed="rId2">
+              <a:extLst>
+                <a:ext uri="{28A0092B-C50C-407E-A947-70E740481C1C}">
+                  <a14:useLocalDpi xmlns:a14="http://schemas.microsoft.com/office/drawing/2010/main" val="0"/>
+                </a:ext>
+              </a:extLst>
+            </a:blip>
+            <a:srcRect t="17475" b="66282"/>
+            <a:stretch/>
+          </p:blipFill>
+          <p:spPr bwMode="auto">
+            <a:xfrm>
+              <a:off x="3582613" y="3575686"/>
+              <a:ext cx="4810747" cy="1457627"/>
+            </a:xfrm>
+            <a:prstGeom prst="rect">
+              <a:avLst/>
+            </a:prstGeom>
+            <a:noFill/>
+            <a:ln>
+              <a:noFill/>
+            </a:ln>
+            <a:extLst>
+              <a:ext uri="{909E8E84-426E-40dd-AFC4-6F175D3DCCD1}">
+                <a14:hiddenFill xmlns:a14="http://schemas.microsoft.com/office/drawing/2010/main">
+                  <a:solidFill>
+                    <a:srgbClr val="FFFFFF"/>
+                  </a:solidFill>
+                </a14:hiddenFill>
+              </a:ext>
+              <a:ext uri="{91240B29-F687-4f45-9708-019B960494DF}">
+                <a14:hiddenLine xmlns:a14="http://schemas.microsoft.com/office/drawing/2010/main" w="9525">
+                  <a:solidFill>
+                    <a:srgbClr val="000000"/>
+                  </a:solidFill>
+                  <a:miter lim="800000"/>
+                  <a:headEnd/>
+                  <a:tailEnd/>
+                </a14:hiddenLine>
+              </a:ext>
+            </a:extLst>
+          </p:spPr>
+        </p:pic>
+      </p:grpSp>
+      <p:pic>
+        <p:nvPicPr>
+          <p:cNvPr id="5" name="Picture 1" descr="Unbenannt2"/>
+          <p:cNvPicPr>
+            <a:picLocks noChangeAspect="1" noChangeArrowheads="1"/>
+          </p:cNvPicPr>
+          <p:nvPr/>
+        </p:nvPicPr>
+        <p:blipFill>
+          <a:blip r:embed="rId2">
+            <a:extLst>
+              <a:ext uri="{28A0092B-C50C-407E-A947-70E740481C1C}">
+                <a14:useLocalDpi xmlns:a14="http://schemas.microsoft.com/office/drawing/2010/main" val="0"/>
+              </a:ext>
+            </a:extLst>
+          </a:blip>
+          <a:srcRect/>
+          <a:stretch>
+            <a:fillRect/>
+          </a:stretch>
+        </p:blipFill>
+        <p:spPr bwMode="auto">
+          <a:xfrm>
+            <a:off x="207073" y="1491021"/>
+            <a:ext cx="2773421" cy="5173700"/>
+          </a:xfrm>
+          <a:prstGeom prst="rect">
+            <a:avLst/>
+          </a:prstGeom>
+          <a:noFill/>
+          <a:ln>
+            <a:noFill/>
+          </a:ln>
+          <a:extLst>
+            <a:ext uri="{909E8E84-426E-40dd-AFC4-6F175D3DCCD1}">
+              <a14:hiddenFill xmlns:a14="http://schemas.microsoft.com/office/drawing/2010/main">
+                <a:solidFill>
+                  <a:srgbClr val="FFFFFF"/>
+                </a:solidFill>
+              </a14:hiddenFill>
+            </a:ext>
+            <a:ext uri="{91240B29-F687-4f45-9708-019B960494DF}">
+              <a14:hiddenLine xmlns:a14="http://schemas.microsoft.com/office/drawing/2010/main" w="9525">
+                <a:solidFill>
+                  <a:srgbClr val="000000"/>
+                </a:solidFill>
+                <a:miter lim="800000"/>
+                <a:headEnd/>
+                <a:tailEnd/>
+              </a14:hiddenLine>
+            </a:ext>
+          </a:extLst>
+        </p:spPr>
+      </p:pic>
+      <p:sp>
+        <p:nvSpPr>
+          <p:cNvPr id="7" name="Geschweifte Klammer rechts 6"/>
+          <p:cNvSpPr/>
+          <p:nvPr/>
+        </p:nvSpPr>
+        <p:spPr>
+          <a:xfrm>
+            <a:off x="2980494" y="1561775"/>
+            <a:ext cx="829650" cy="2135654"/>
+          </a:xfrm>
+          <a:prstGeom prst="rightBrace">
+            <a:avLst>
+              <a:gd name="adj1" fmla="val 8333"/>
+              <a:gd name="adj2" fmla="val 77149"/>
+            </a:avLst>
+          </a:prstGeom>
+        </p:spPr>
+        <p:style>
+          <a:lnRef idx="2">
+            <a:schemeClr val="accent3"/>
+          </a:lnRef>
+          <a:fillRef idx="0">
+            <a:schemeClr val="accent3"/>
+          </a:fillRef>
+          <a:effectRef idx="1">
+            <a:schemeClr val="accent3"/>
+          </a:effectRef>
+          <a:fontRef idx="minor">
+            <a:schemeClr val="tx1"/>
+          </a:fontRef>
+        </p:style>
+        <p:txBody>
+          <a:bodyPr rtlCol="0" anchor="ctr"/>
+          <a:lstStyle/>
+          <a:p>
+            <a:pPr algn="ctr"/>
+            <a:endParaRPr lang="de-CH"/>
+          </a:p>
+        </p:txBody>
+      </p:sp>
+    </p:spTree>
+    <p:extLst>
+      <p:ext uri="{BB962C8B-B14F-4D97-AF65-F5344CB8AC3E}">
+        <p14:creationId xmlns:p14="http://schemas.microsoft.com/office/powerpoint/2010/main" val="3505732037"/>
+      </p:ext>
+    </p:extLst>
+  </p:cSld>
+  <p:clrMapOvr>
+    <a:masterClrMapping/>
+  </p:clrMapOvr>
+  <p:timing>
+    <p:tnLst>
+      <p:par>
+        <p:cTn xmlns:p14="http://schemas.microsoft.com/office/powerpoint/2010/main" id="1" dur="indefinite" restart="never" nodeType="tmRoot"/>
+      </p:par>
+    </p:tnLst>
+  </p:timing>
+</p:sld>
+</file>
+
+<file path=ppt/slides/slide15.xml><?xml version="1.0" encoding="utf-8"?>
+<p:sld xmlns:a="http://schemas.openxmlformats.org/drawingml/2006/main" xmlns:r="http://schemas.openxmlformats.org/officeDocument/2006/relationships" xmlns:p="http://schemas.openxmlformats.org/presentationml/2006/main">
+  <p:cSld>
+    <p:spTree>
+      <p:nvGrpSpPr>
+        <p:cNvPr id="1" name=""/>
+        <p:cNvGrpSpPr/>
+        <p:nvPr/>
+      </p:nvGrpSpPr>
+      <p:grpSpPr>
+        <a:xfrm>
+          <a:off x="0" y="0"/>
+          <a:ext cx="0" cy="0"/>
+          <a:chOff x="0" y="0"/>
+          <a:chExt cx="0" cy="0"/>
+        </a:xfrm>
+      </p:grpSpPr>
+      <p:pic>
+        <p:nvPicPr>
+          <p:cNvPr id="3" name="Picture 1" descr="Unbenannt2"/>
+          <p:cNvPicPr>
+            <a:picLocks noChangeAspect="1" noChangeArrowheads="1"/>
+          </p:cNvPicPr>
+          <p:nvPr/>
+        </p:nvPicPr>
+        <p:blipFill>
+          <a:blip r:embed="rId2">
+            <a:extLst>
+              <a:ext uri="{28A0092B-C50C-407E-A947-70E740481C1C}">
+                <a14:useLocalDpi xmlns:a14="http://schemas.microsoft.com/office/drawing/2010/main" val="0"/>
+              </a:ext>
+            </a:extLst>
+          </a:blip>
+          <a:srcRect/>
+          <a:stretch>
+            <a:fillRect/>
+          </a:stretch>
+        </p:blipFill>
+        <p:spPr bwMode="auto">
+          <a:xfrm>
+            <a:off x="207073" y="1491021"/>
+            <a:ext cx="2773421" cy="5173700"/>
+          </a:xfrm>
+          <a:prstGeom prst="rect">
+            <a:avLst/>
+          </a:prstGeom>
+          <a:noFill/>
+          <a:ln>
+            <a:noFill/>
+          </a:ln>
+          <a:extLst>
+            <a:ext uri="{909E8E84-426E-40dd-AFC4-6F175D3DCCD1}">
+              <a14:hiddenFill xmlns:a14="http://schemas.microsoft.com/office/drawing/2010/main">
+                <a:solidFill>
+                  <a:srgbClr val="FFFFFF"/>
+                </a:solidFill>
+              </a14:hiddenFill>
+            </a:ext>
+            <a:ext uri="{91240B29-F687-4f45-9708-019B960494DF}">
+              <a14:hiddenLine xmlns:a14="http://schemas.microsoft.com/office/drawing/2010/main" w="9525">
+                <a:solidFill>
+                  <a:srgbClr val="000000"/>
+                </a:solidFill>
+                <a:miter lim="800000"/>
+                <a:headEnd/>
+                <a:tailEnd/>
+              </a14:hiddenLine>
+            </a:ext>
+          </a:extLst>
+        </p:spPr>
+      </p:pic>
+      <p:grpSp>
+        <p:nvGrpSpPr>
+          <p:cNvPr id="5" name="Gruppierung 4"/>
+          <p:cNvGrpSpPr/>
+          <p:nvPr/>
+        </p:nvGrpSpPr>
+        <p:grpSpPr>
+          <a:xfrm>
+            <a:off x="3672095" y="2669938"/>
+            <a:ext cx="5076213" cy="2722676"/>
+            <a:chOff x="1149782" y="2291753"/>
+            <a:chExt cx="5076213" cy="2722676"/>
+          </a:xfrm>
+        </p:grpSpPr>
+        <p:pic>
+          <p:nvPicPr>
+            <p:cNvPr id="2" name="Picture 1" descr="Unbenannt2"/>
+            <p:cNvPicPr>
+              <a:picLocks noChangeAspect="1" noChangeArrowheads="1"/>
+            </p:cNvPicPr>
+            <p:nvPr/>
+          </p:nvPicPr>
+          <p:blipFill rotWithShape="1">
+            <a:blip r:embed="rId2">
+              <a:extLst>
+                <a:ext uri="{28A0092B-C50C-407E-A947-70E740481C1C}">
+                  <a14:useLocalDpi xmlns:a14="http://schemas.microsoft.com/office/drawing/2010/main" val="0"/>
+                </a:ext>
+              </a:extLst>
+            </a:blip>
+            <a:srcRect t="73726"/>
+            <a:stretch/>
+          </p:blipFill>
+          <p:spPr bwMode="auto">
+            <a:xfrm>
+              <a:off x="1149782" y="2526450"/>
+              <a:ext cx="5076213" cy="2487979"/>
+            </a:xfrm>
+            <a:prstGeom prst="rect">
+              <a:avLst/>
+            </a:prstGeom>
+            <a:noFill/>
+            <a:ln>
+              <a:noFill/>
+            </a:ln>
+            <a:extLst>
+              <a:ext uri="{909E8E84-426E-40dd-AFC4-6F175D3DCCD1}">
+                <a14:hiddenFill xmlns:a14="http://schemas.microsoft.com/office/drawing/2010/main">
+                  <a:solidFill>
+                    <a:srgbClr val="FFFFFF"/>
+                  </a:solidFill>
+                </a14:hiddenFill>
+              </a:ext>
+              <a:ext uri="{91240B29-F687-4f45-9708-019B960494DF}">
+                <a14:hiddenLine xmlns:a14="http://schemas.microsoft.com/office/drawing/2010/main" w="9525">
+                  <a:solidFill>
+                    <a:srgbClr val="000000"/>
+                  </a:solidFill>
+                  <a:miter lim="800000"/>
+                  <a:headEnd/>
+                  <a:tailEnd/>
+                </a14:hiddenLine>
+              </a:ext>
+            </a:extLst>
+          </p:spPr>
+        </p:pic>
+        <p:pic>
+          <p:nvPicPr>
+            <p:cNvPr id="4" name="Picture 1" descr="Unbenannt2"/>
+            <p:cNvPicPr>
+              <a:picLocks noChangeAspect="1" noChangeArrowheads="1"/>
+            </p:cNvPicPr>
+            <p:nvPr/>
+          </p:nvPicPr>
+          <p:blipFill rotWithShape="1">
+            <a:blip r:embed="rId2">
+              <a:extLst>
+                <a:ext uri="{28A0092B-C50C-407E-A947-70E740481C1C}">
+                  <a14:useLocalDpi xmlns:a14="http://schemas.microsoft.com/office/drawing/2010/main" val="0"/>
+                </a:ext>
+              </a:extLst>
+            </a:blip>
+            <a:srcRect t="42236" b="55286"/>
+            <a:stretch/>
+          </p:blipFill>
+          <p:spPr bwMode="auto">
+            <a:xfrm>
+              <a:off x="1149782" y="2291753"/>
+              <a:ext cx="5076213" cy="234697"/>
+            </a:xfrm>
+            <a:prstGeom prst="rect">
+              <a:avLst/>
+            </a:prstGeom>
+            <a:noFill/>
+            <a:ln>
+              <a:noFill/>
+            </a:ln>
+            <a:extLst>
+              <a:ext uri="{909E8E84-426E-40dd-AFC4-6F175D3DCCD1}">
+                <a14:hiddenFill xmlns:a14="http://schemas.microsoft.com/office/drawing/2010/main">
+                  <a:solidFill>
+                    <a:srgbClr val="FFFFFF"/>
+                  </a:solidFill>
+                </a14:hiddenFill>
+              </a:ext>
+              <a:ext uri="{91240B29-F687-4f45-9708-019B960494DF}">
+                <a14:hiddenLine xmlns:a14="http://schemas.microsoft.com/office/drawing/2010/main" w="9525">
+                  <a:solidFill>
+                    <a:srgbClr val="000000"/>
+                  </a:solidFill>
+                  <a:miter lim="800000"/>
+                  <a:headEnd/>
+                  <a:tailEnd/>
+                </a14:hiddenLine>
+              </a:ext>
+            </a:extLst>
+          </p:spPr>
+        </p:pic>
+      </p:grpSp>
+      <p:sp>
+        <p:nvSpPr>
+          <p:cNvPr id="6" name="Geschweifte Klammer rechts 5"/>
+          <p:cNvSpPr/>
+          <p:nvPr/>
+        </p:nvSpPr>
+        <p:spPr>
+          <a:xfrm>
+            <a:off x="2980494" y="3686132"/>
+            <a:ext cx="691601" cy="2978589"/>
+          </a:xfrm>
+          <a:prstGeom prst="rightBrace">
+            <a:avLst>
+              <a:gd name="adj1" fmla="val 8333"/>
+              <a:gd name="adj2" fmla="val 25434"/>
+            </a:avLst>
+          </a:prstGeom>
+        </p:spPr>
+        <p:style>
+          <a:lnRef idx="2">
+            <a:schemeClr val="accent3"/>
+          </a:lnRef>
+          <a:fillRef idx="0">
+            <a:schemeClr val="accent3"/>
+          </a:fillRef>
+          <a:effectRef idx="1">
+            <a:schemeClr val="accent3"/>
+          </a:effectRef>
+          <a:fontRef idx="minor">
+            <a:schemeClr val="tx1"/>
+          </a:fontRef>
+        </p:style>
+        <p:txBody>
+          <a:bodyPr rtlCol="0" anchor="ctr"/>
+          <a:lstStyle/>
+          <a:p>
+            <a:pPr algn="ctr"/>
+            <a:endParaRPr lang="de-CH"/>
+          </a:p>
+        </p:txBody>
+      </p:sp>
+    </p:spTree>
+    <p:extLst>
+      <p:ext uri="{BB962C8B-B14F-4D97-AF65-F5344CB8AC3E}">
+        <p14:creationId xmlns:p14="http://schemas.microsoft.com/office/powerpoint/2010/main" val="2180546277"/>
+      </p:ext>
+    </p:extLst>
+  </p:cSld>
+  <p:clrMapOvr>
+    <a:masterClrMapping/>
+  </p:clrMapOvr>
+  <p:timing>
+    <p:tnLst>
+      <p:par>
+        <p:cTn xmlns:p14="http://schemas.microsoft.com/office/powerpoint/2010/main" id="1" dur="indefinite" restart="never" nodeType="tmRoot"/>
+      </p:par>
+    </p:tnLst>
+  </p:timing>
+</p:sld>
+</file>
+
 <file path=ppt/slides/slide2.xml><?xml version="1.0" encoding="utf-8"?>
 <p:sld xmlns:a="http://schemas.openxmlformats.org/drawingml/2006/main" xmlns:r="http://schemas.openxmlformats.org/officeDocument/2006/relationships" xmlns:p="http://schemas.openxmlformats.org/presentationml/2006/main">
   <p:cSld>
@@ -5217,12 +6103,14 @@
               <a:rPr lang="de-CH" dirty="0" smtClean="0"/>
               <a:t>Idee</a:t>
             </a:r>
+            <a:endParaRPr lang="de-CH" dirty="0" smtClean="0"/>
           </a:p>
           <a:p>
             <a:r>
               <a:rPr lang="de-CH" dirty="0" smtClean="0"/>
-              <a:t>Umsetzung</a:t>
-            </a:r>
+              <a:t>Planung/Umsetzung</a:t>
+            </a:r>
+            <a:endParaRPr lang="de-CH" dirty="0" smtClean="0"/>
           </a:p>
           <a:p>
             <a:r>
@@ -5973,6 +6861,528 @@
 </p:sld>
 </file>
 
+<file path=ppt/slides/slide5.xml><?xml version="1.0" encoding="utf-8"?>
+<p:sld xmlns:a="http://schemas.openxmlformats.org/drawingml/2006/main" xmlns:r="http://schemas.openxmlformats.org/officeDocument/2006/relationships" xmlns:p="http://schemas.openxmlformats.org/presentationml/2006/main">
+  <p:cSld>
+    <p:spTree>
+      <p:nvGrpSpPr>
+        <p:cNvPr id="1" name=""/>
+        <p:cNvGrpSpPr/>
+        <p:nvPr/>
+      </p:nvGrpSpPr>
+      <p:grpSpPr>
+        <a:xfrm>
+          <a:off x="0" y="0"/>
+          <a:ext cx="0" cy="0"/>
+          <a:chOff x="0" y="0"/>
+          <a:chExt cx="0" cy="0"/>
+        </a:xfrm>
+      </p:grpSpPr>
+      <p:sp>
+        <p:nvSpPr>
+          <p:cNvPr id="2" name="Titel 1"/>
+          <p:cNvSpPr>
+            <a:spLocks noGrp="1"/>
+          </p:cNvSpPr>
+          <p:nvPr>
+            <p:ph type="title"/>
+          </p:nvPr>
+        </p:nvSpPr>
+        <p:spPr/>
+        <p:txBody>
+          <a:bodyPr/>
+          <a:lstStyle/>
+          <a:p>
+            <a:r>
+              <a:rPr lang="de-CH" dirty="0" smtClean="0"/>
+              <a:t>Voranalyse</a:t>
+            </a:r>
+            <a:endParaRPr lang="de-CH" dirty="0"/>
+          </a:p>
+        </p:txBody>
+      </p:sp>
+      <p:sp>
+        <p:nvSpPr>
+          <p:cNvPr id="3" name="Inhaltsplatzhalter 2"/>
+          <p:cNvSpPr>
+            <a:spLocks noGrp="1"/>
+          </p:cNvSpPr>
+          <p:nvPr>
+            <p:ph idx="1"/>
+          </p:nvPr>
+        </p:nvSpPr>
+        <p:spPr/>
+        <p:txBody>
+          <a:bodyPr>
+            <a:normAutofit/>
+          </a:bodyPr>
+          <a:lstStyle/>
+          <a:p>
+            <a:r>
+              <a:rPr lang="de-CH" dirty="0" smtClean="0"/>
+              <a:t>Ist-Zustand &amp; </a:t>
+            </a:r>
+            <a:r>
+              <a:rPr lang="de-CH" dirty="0"/>
+              <a:t>Soll-</a:t>
+            </a:r>
+            <a:r>
+              <a:rPr lang="de-CH" dirty="0" smtClean="0"/>
+              <a:t>Zustand</a:t>
+            </a:r>
+          </a:p>
+          <a:p>
+            <a:r>
+              <a:rPr lang="de-CH" dirty="0" smtClean="0"/>
+              <a:t>Ziele</a:t>
+            </a:r>
+          </a:p>
+          <a:p>
+            <a:r>
+              <a:rPr lang="de-CH" dirty="0" smtClean="0"/>
+              <a:t>Lösungsvarianten</a:t>
+            </a:r>
+          </a:p>
+          <a:p>
+            <a:pPr lvl="1"/>
+            <a:r>
+              <a:rPr lang="de-CH" dirty="0" smtClean="0"/>
+              <a:t>Cocos2D</a:t>
+            </a:r>
+          </a:p>
+          <a:p>
+            <a:pPr lvl="1"/>
+            <a:r>
+              <a:rPr lang="de-CH" dirty="0" smtClean="0"/>
+              <a:t>Cocos2D-5</a:t>
+            </a:r>
+          </a:p>
+          <a:p>
+            <a:pPr lvl="1"/>
+            <a:r>
+              <a:rPr lang="de-CH" dirty="0" smtClean="0"/>
+              <a:t>OpenGL</a:t>
+            </a:r>
+          </a:p>
+          <a:p>
+            <a:pPr lvl="1"/>
+            <a:r>
+              <a:rPr lang="de-CH" dirty="0" err="1" smtClean="0"/>
+              <a:t>Sparrow</a:t>
+            </a:r>
+            <a:endParaRPr lang="de-CH" dirty="0" smtClean="0"/>
+          </a:p>
+        </p:txBody>
+      </p:sp>
+    </p:spTree>
+    <p:extLst>
+      <p:ext uri="{BB962C8B-B14F-4D97-AF65-F5344CB8AC3E}">
+        <p14:creationId xmlns:p14="http://schemas.microsoft.com/office/powerpoint/2010/main" val="3025817099"/>
+      </p:ext>
+    </p:extLst>
+  </p:cSld>
+  <p:clrMapOvr>
+    <a:masterClrMapping/>
+  </p:clrMapOvr>
+</p:sld>
+</file>
+
+<file path=ppt/slides/slide6.xml><?xml version="1.0" encoding="utf-8"?>
+<p:sld xmlns:a="http://schemas.openxmlformats.org/drawingml/2006/main" xmlns:r="http://schemas.openxmlformats.org/officeDocument/2006/relationships" xmlns:p="http://schemas.openxmlformats.org/presentationml/2006/main">
+  <p:cSld>
+    <p:spTree>
+      <p:nvGrpSpPr>
+        <p:cNvPr id="1" name=""/>
+        <p:cNvGrpSpPr/>
+        <p:nvPr/>
+      </p:nvGrpSpPr>
+      <p:grpSpPr>
+        <a:xfrm>
+          <a:off x="0" y="0"/>
+          <a:ext cx="0" cy="0"/>
+          <a:chOff x="0" y="0"/>
+          <a:chExt cx="0" cy="0"/>
+        </a:xfrm>
+      </p:grpSpPr>
+      <p:sp>
+        <p:nvSpPr>
+          <p:cNvPr id="2" name="Titel 1"/>
+          <p:cNvSpPr>
+            <a:spLocks noGrp="1"/>
+          </p:cNvSpPr>
+          <p:nvPr>
+            <p:ph type="title"/>
+          </p:nvPr>
+        </p:nvSpPr>
+        <p:spPr/>
+        <p:txBody>
+          <a:bodyPr/>
+          <a:lstStyle/>
+          <a:p>
+            <a:r>
+              <a:rPr lang="de-CH" dirty="0" smtClean="0"/>
+              <a:t>Vergleich</a:t>
+            </a:r>
+            <a:endParaRPr lang="de-CH" dirty="0"/>
+          </a:p>
+        </p:txBody>
+      </p:sp>
+      <p:sp>
+        <p:nvSpPr>
+          <p:cNvPr id="9" name="Textplatzhalter 8"/>
+          <p:cNvSpPr>
+            <a:spLocks noGrp="1"/>
+          </p:cNvSpPr>
+          <p:nvPr>
+            <p:ph type="body" idx="1"/>
+          </p:nvPr>
+        </p:nvSpPr>
+        <p:spPr/>
+        <p:txBody>
+          <a:bodyPr/>
+          <a:lstStyle/>
+          <a:p>
+            <a:r>
+              <a:rPr lang="de-CH" dirty="0" smtClean="0"/>
+              <a:t>Cocos2D</a:t>
+            </a:r>
+            <a:endParaRPr lang="de-CH" dirty="0"/>
+          </a:p>
+        </p:txBody>
+      </p:sp>
+      <p:sp>
+        <p:nvSpPr>
+          <p:cNvPr id="11" name="Textplatzhalter 10"/>
+          <p:cNvSpPr>
+            <a:spLocks noGrp="1"/>
+          </p:cNvSpPr>
+          <p:nvPr>
+            <p:ph type="body" sz="quarter" idx="3"/>
+          </p:nvPr>
+        </p:nvSpPr>
+        <p:spPr/>
+        <p:txBody>
+          <a:bodyPr/>
+          <a:lstStyle/>
+          <a:p>
+            <a:r>
+              <a:rPr lang="de-CH" dirty="0" smtClean="0"/>
+              <a:t>OpenGL</a:t>
+            </a:r>
+            <a:endParaRPr lang="de-CH" dirty="0"/>
+          </a:p>
+        </p:txBody>
+      </p:sp>
+      <p:pic>
+        <p:nvPicPr>
+          <p:cNvPr id="13" name="Inhaltsplatzhalter 12" descr="cocos2d.png"/>
+          <p:cNvPicPr>
+            <a:picLocks noGrp="1" noChangeAspect="1"/>
+          </p:cNvPicPr>
+          <p:nvPr>
+            <p:ph sz="half" idx="2"/>
+          </p:nvPr>
+        </p:nvPicPr>
+        <p:blipFill>
+          <a:blip r:embed="rId2">
+            <a:extLst>
+              <a:ext uri="{28A0092B-C50C-407E-A947-70E740481C1C}">
+                <a14:useLocalDpi xmlns:a14="http://schemas.microsoft.com/office/drawing/2010/main" val="0"/>
+              </a:ext>
+            </a:extLst>
+          </a:blip>
+          <a:srcRect l="-33432" r="-33432"/>
+          <a:stretch>
+            <a:fillRect/>
+          </a:stretch>
+        </p:blipFill>
+        <p:spPr>
+          <a:xfrm>
+            <a:off x="741363" y="3160713"/>
+            <a:ext cx="3767137" cy="2890837"/>
+          </a:xfrm>
+          <a:prstGeom prst="rect">
+            <a:avLst/>
+          </a:prstGeom>
+        </p:spPr>
+      </p:pic>
+      <p:pic>
+        <p:nvPicPr>
+          <p:cNvPr id="14" name="Inhaltsplatzhalter 13" descr="opengl.png"/>
+          <p:cNvPicPr>
+            <a:picLocks noGrp="1" noChangeAspect="1"/>
+          </p:cNvPicPr>
+          <p:nvPr>
+            <p:ph sz="quarter" idx="4"/>
+          </p:nvPr>
+        </p:nvPicPr>
+        <p:blipFill>
+          <a:blip r:embed="rId3">
+            <a:extLst>
+              <a:ext uri="{28A0092B-C50C-407E-A947-70E740481C1C}">
+                <a14:useLocalDpi xmlns:a14="http://schemas.microsoft.com/office/drawing/2010/main" val="0"/>
+              </a:ext>
+            </a:extLst>
+          </a:blip>
+          <a:srcRect l="-33418" r="-33418"/>
+          <a:stretch>
+            <a:fillRect/>
+          </a:stretch>
+        </p:blipFill>
+        <p:spPr>
+          <a:prstGeom prst="rect">
+            <a:avLst/>
+          </a:prstGeom>
+        </p:spPr>
+      </p:pic>
+    </p:spTree>
+    <p:extLst>
+      <p:ext uri="{BB962C8B-B14F-4D97-AF65-F5344CB8AC3E}">
+        <p14:creationId xmlns:p14="http://schemas.microsoft.com/office/powerpoint/2010/main" val="2991355206"/>
+      </p:ext>
+    </p:extLst>
+  </p:cSld>
+  <p:clrMapOvr>
+    <a:masterClrMapping/>
+  </p:clrMapOvr>
+</p:sld>
+</file>
+
+<file path=ppt/slides/slide7.xml><?xml version="1.0" encoding="utf-8"?>
+<p:sld xmlns:a="http://schemas.openxmlformats.org/drawingml/2006/main" xmlns:r="http://schemas.openxmlformats.org/officeDocument/2006/relationships" xmlns:p="http://schemas.openxmlformats.org/presentationml/2006/main">
+  <p:cSld>
+    <p:spTree>
+      <p:nvGrpSpPr>
+        <p:cNvPr id="1" name=""/>
+        <p:cNvGrpSpPr/>
+        <p:nvPr/>
+      </p:nvGrpSpPr>
+      <p:grpSpPr>
+        <a:xfrm>
+          <a:off x="0" y="0"/>
+          <a:ext cx="0" cy="0"/>
+          <a:chOff x="0" y="0"/>
+          <a:chExt cx="0" cy="0"/>
+        </a:xfrm>
+      </p:grpSpPr>
+      <p:sp>
+        <p:nvSpPr>
+          <p:cNvPr id="2" name="Titel 1"/>
+          <p:cNvSpPr>
+            <a:spLocks noGrp="1"/>
+          </p:cNvSpPr>
+          <p:nvPr>
+            <p:ph type="title"/>
+          </p:nvPr>
+        </p:nvSpPr>
+        <p:spPr/>
+        <p:txBody>
+          <a:bodyPr/>
+          <a:lstStyle/>
+          <a:p>
+            <a:r>
+              <a:rPr lang="de-CH" dirty="0" smtClean="0"/>
+              <a:t>Entscheid</a:t>
+            </a:r>
+            <a:endParaRPr lang="de-CH" dirty="0"/>
+          </a:p>
+        </p:txBody>
+      </p:sp>
+      <p:sp>
+        <p:nvSpPr>
+          <p:cNvPr id="7" name="Inhaltsplatzhalter 6"/>
+          <p:cNvSpPr>
+            <a:spLocks noGrp="1"/>
+          </p:cNvSpPr>
+          <p:nvPr>
+            <p:ph idx="1"/>
+          </p:nvPr>
+        </p:nvSpPr>
+        <p:spPr/>
+        <p:txBody>
+          <a:bodyPr/>
+          <a:lstStyle/>
+          <a:p>
+            <a:r>
+              <a:rPr lang="de-CH" dirty="0" smtClean="0"/>
+              <a:t>Cocos2D</a:t>
+            </a:r>
+          </a:p>
+          <a:p>
+            <a:r>
+              <a:rPr lang="de-CH" dirty="0" err="1" smtClean="0"/>
+              <a:t>Objective</a:t>
+            </a:r>
+            <a:r>
+              <a:rPr lang="de-CH" dirty="0" smtClean="0"/>
+              <a:t> C</a:t>
+            </a:r>
+          </a:p>
+          <a:p>
+            <a:r>
+              <a:rPr lang="de-CH" dirty="0" smtClean="0"/>
+              <a:t>Native Applikation</a:t>
+            </a:r>
+          </a:p>
+        </p:txBody>
+      </p:sp>
+    </p:spTree>
+    <p:extLst>
+      <p:ext uri="{BB962C8B-B14F-4D97-AF65-F5344CB8AC3E}">
+        <p14:creationId xmlns:p14="http://schemas.microsoft.com/office/powerpoint/2010/main" val="2805056239"/>
+      </p:ext>
+    </p:extLst>
+  </p:cSld>
+  <p:clrMapOvr>
+    <a:masterClrMapping/>
+  </p:clrMapOvr>
+</p:sld>
+</file>
+
+<file path=ppt/slides/slide8.xml><?xml version="1.0" encoding="utf-8"?>
+<p:sld xmlns:a="http://schemas.openxmlformats.org/drawingml/2006/main" xmlns:r="http://schemas.openxmlformats.org/officeDocument/2006/relationships" xmlns:p="http://schemas.openxmlformats.org/presentationml/2006/main">
+  <p:cSld>
+    <p:spTree>
+      <p:nvGrpSpPr>
+        <p:cNvPr id="1" name=""/>
+        <p:cNvGrpSpPr/>
+        <p:nvPr/>
+      </p:nvGrpSpPr>
+      <p:grpSpPr>
+        <a:xfrm>
+          <a:off x="0" y="0"/>
+          <a:ext cx="0" cy="0"/>
+          <a:chOff x="0" y="0"/>
+          <a:chExt cx="0" cy="0"/>
+        </a:xfrm>
+      </p:grpSpPr>
+      <p:sp>
+        <p:nvSpPr>
+          <p:cNvPr id="2" name="Titel 1"/>
+          <p:cNvSpPr>
+            <a:spLocks noGrp="1"/>
+          </p:cNvSpPr>
+          <p:nvPr>
+            <p:ph type="title"/>
+          </p:nvPr>
+        </p:nvSpPr>
+        <p:spPr/>
+        <p:txBody>
+          <a:bodyPr/>
+          <a:lstStyle/>
+          <a:p>
+            <a:r>
+              <a:rPr lang="de-CH" dirty="0" smtClean="0"/>
+              <a:t>Konzept</a:t>
+            </a:r>
+            <a:endParaRPr lang="de-CH" dirty="0"/>
+          </a:p>
+        </p:txBody>
+      </p:sp>
+      <p:pic>
+        <p:nvPicPr>
+          <p:cNvPr id="4" name="Inhaltsplatzhalter 3"/>
+          <p:cNvPicPr>
+            <a:picLocks noGrp="1" noChangeAspect="1"/>
+          </p:cNvPicPr>
+          <p:nvPr>
+            <p:ph idx="1"/>
+          </p:nvPr>
+        </p:nvPicPr>
+        <p:blipFill>
+          <a:blip r:embed="rId2"/>
+          <a:srcRect l="-5532" r="-5532"/>
+          <a:stretch>
+            <a:fillRect/>
+          </a:stretch>
+        </p:blipFill>
+        <p:spPr/>
+      </p:pic>
+    </p:spTree>
+    <p:extLst>
+      <p:ext uri="{BB962C8B-B14F-4D97-AF65-F5344CB8AC3E}">
+        <p14:creationId xmlns:p14="http://schemas.microsoft.com/office/powerpoint/2010/main" val="1855678142"/>
+      </p:ext>
+    </p:extLst>
+  </p:cSld>
+  <p:clrMapOvr>
+    <a:masterClrMapping/>
+  </p:clrMapOvr>
+</p:sld>
+</file>
+
+<file path=ppt/slides/slide9.xml><?xml version="1.0" encoding="utf-8"?>
+<p:sld xmlns:a="http://schemas.openxmlformats.org/drawingml/2006/main" xmlns:r="http://schemas.openxmlformats.org/officeDocument/2006/relationships" xmlns:p="http://schemas.openxmlformats.org/presentationml/2006/main">
+  <p:cSld>
+    <p:spTree>
+      <p:nvGrpSpPr>
+        <p:cNvPr id="1" name=""/>
+        <p:cNvGrpSpPr/>
+        <p:nvPr/>
+      </p:nvGrpSpPr>
+      <p:grpSpPr>
+        <a:xfrm>
+          <a:off x="0" y="0"/>
+          <a:ext cx="0" cy="0"/>
+          <a:chOff x="0" y="0"/>
+          <a:chExt cx="0" cy="0"/>
+        </a:xfrm>
+      </p:grpSpPr>
+      <p:sp>
+        <p:nvSpPr>
+          <p:cNvPr id="2" name="Titel 1"/>
+          <p:cNvSpPr>
+            <a:spLocks noGrp="1"/>
+          </p:cNvSpPr>
+          <p:nvPr>
+            <p:ph type="title"/>
+          </p:nvPr>
+        </p:nvSpPr>
+        <p:spPr/>
+        <p:txBody>
+          <a:bodyPr/>
+          <a:lstStyle/>
+          <a:p>
+            <a:r>
+              <a:rPr lang="de-CH" dirty="0" smtClean="0"/>
+              <a:t>Konzept</a:t>
+            </a:r>
+            <a:endParaRPr lang="de-CH" dirty="0"/>
+          </a:p>
+        </p:txBody>
+      </p:sp>
+      <p:pic>
+        <p:nvPicPr>
+          <p:cNvPr id="10" name="Inhaltsplatzhalter 3"/>
+          <p:cNvPicPr>
+            <a:picLocks noGrp="1" noChangeAspect="1"/>
+          </p:cNvPicPr>
+          <p:nvPr>
+            <p:ph idx="1"/>
+          </p:nvPr>
+        </p:nvPicPr>
+        <p:blipFill>
+          <a:blip r:embed="rId2"/>
+          <a:srcRect l="-5532" r="-5532"/>
+          <a:stretch>
+            <a:fillRect/>
+          </a:stretch>
+        </p:blipFill>
+        <p:spPr/>
+      </p:pic>
+    </p:spTree>
+    <p:extLst>
+      <p:ext uri="{BB962C8B-B14F-4D97-AF65-F5344CB8AC3E}">
+        <p14:creationId xmlns:p14="http://schemas.microsoft.com/office/powerpoint/2010/main" val="497561131"/>
+      </p:ext>
+    </p:extLst>
+  </p:cSld>
+  <p:clrMapOvr>
+    <a:masterClrMapping/>
+  </p:clrMapOvr>
+</p:sld>
+</file>
+
 <file path=ppt/theme/theme1.xml><?xml version="1.0" encoding="utf-8"?>
 <a:theme xmlns:a="http://schemas.openxmlformats.org/drawingml/2006/main" name="Genesis">
   <a:themeElements>

--- a/Resources/docs/CGR Präsentation.pptx
+++ b/Resources/docs/CGR Präsentation.pptx
@@ -4,6 +4,9 @@
   <p:sldMasterIdLst>
     <p:sldMasterId id="2147483660" r:id="rId1"/>
   </p:sldMasterIdLst>
+  <p:notesMasterIdLst>
+    <p:notesMasterId r:id="rId25"/>
+  </p:notesMasterIdLst>
   <p:sldIdLst>
     <p:sldId id="256" r:id="rId2"/>
     <p:sldId id="257" r:id="rId3"/>
@@ -16,10 +19,18 @@
     <p:sldId id="263" r:id="rId10"/>
     <p:sldId id="264" r:id="rId11"/>
     <p:sldId id="265" r:id="rId12"/>
-    <p:sldId id="268" r:id="rId13"/>
-    <p:sldId id="267" r:id="rId14"/>
-    <p:sldId id="269" r:id="rId15"/>
-    <p:sldId id="270" r:id="rId16"/>
+    <p:sldId id="273" r:id="rId13"/>
+    <p:sldId id="272" r:id="rId14"/>
+    <p:sldId id="277" r:id="rId15"/>
+    <p:sldId id="268" r:id="rId16"/>
+    <p:sldId id="279" r:id="rId17"/>
+    <p:sldId id="278" r:id="rId18"/>
+    <p:sldId id="269" r:id="rId19"/>
+    <p:sldId id="270" r:id="rId20"/>
+    <p:sldId id="271" r:id="rId21"/>
+    <p:sldId id="276" r:id="rId22"/>
+    <p:sldId id="275" r:id="rId23"/>
+    <p:sldId id="274" r:id="rId24"/>
   </p:sldIdLst>
   <p:sldSz cx="9144000" cy="6858000" type="screen4x3"/>
   <p:notesSz cx="6858000" cy="9144000"/>
@@ -134,16 +145,458 @@
             <p14:sldId id="263"/>
             <p14:sldId id="264"/>
             <p14:sldId id="265"/>
+            <p14:sldId id="273"/>
+            <p14:sldId id="272"/>
+            <p14:sldId id="277"/>
             <p14:sldId id="268"/>
-            <p14:sldId id="267"/>
+            <p14:sldId id="279"/>
+            <p14:sldId id="278"/>
             <p14:sldId id="269"/>
             <p14:sldId id="270"/>
+            <p14:sldId id="271"/>
+            <p14:sldId id="276"/>
+            <p14:sldId id="275"/>
+            <p14:sldId id="274"/>
           </p14:sldIdLst>
         </p14:section>
       </p14:sectionLst>
     </p:ext>
   </p:extLst>
 </p:presentation>
+</file>
+
+<file path=ppt/notesMasters/notesMaster1.xml><?xml version="1.0" encoding="utf-8"?>
+<p:notesMaster xmlns:a="http://schemas.openxmlformats.org/drawingml/2006/main" xmlns:r="http://schemas.openxmlformats.org/officeDocument/2006/relationships" xmlns:p="http://schemas.openxmlformats.org/presentationml/2006/main">
+  <p:cSld>
+    <p:bg>
+      <p:bgRef idx="1001">
+        <a:schemeClr val="bg1"/>
+      </p:bgRef>
+    </p:bg>
+    <p:spTree>
+      <p:nvGrpSpPr>
+        <p:cNvPr id="1" name=""/>
+        <p:cNvGrpSpPr/>
+        <p:nvPr/>
+      </p:nvGrpSpPr>
+      <p:grpSpPr>
+        <a:xfrm>
+          <a:off x="0" y="0"/>
+          <a:ext cx="0" cy="0"/>
+          <a:chOff x="0" y="0"/>
+          <a:chExt cx="0" cy="0"/>
+        </a:xfrm>
+      </p:grpSpPr>
+      <p:sp>
+        <p:nvSpPr>
+          <p:cNvPr id="2" name="Überschriftenplatzhalter 1"/>
+          <p:cNvSpPr>
+            <a:spLocks noGrp="1"/>
+          </p:cNvSpPr>
+          <p:nvPr>
+            <p:ph type="hdr" sz="quarter"/>
+          </p:nvPr>
+        </p:nvSpPr>
+        <p:spPr>
+          <a:xfrm>
+            <a:off x="0" y="0"/>
+            <a:ext cx="2971800" cy="457200"/>
+          </a:xfrm>
+          <a:prstGeom prst="rect">
+            <a:avLst/>
+          </a:prstGeom>
+        </p:spPr>
+        <p:txBody>
+          <a:bodyPr vert="horz" lIns="91440" tIns="45720" rIns="91440" bIns="45720" rtlCol="0"/>
+          <a:lstStyle>
+            <a:lvl1pPr algn="l">
+              <a:defRPr sz="1200"/>
+            </a:lvl1pPr>
+          </a:lstStyle>
+          <a:p>
+            <a:endParaRPr lang="de-CH"/>
+          </a:p>
+        </p:txBody>
+      </p:sp>
+      <p:sp>
+        <p:nvSpPr>
+          <p:cNvPr id="3" name="Datumsplatzhalter 2"/>
+          <p:cNvSpPr>
+            <a:spLocks noGrp="1"/>
+          </p:cNvSpPr>
+          <p:nvPr>
+            <p:ph type="dt" idx="1"/>
+          </p:nvPr>
+        </p:nvSpPr>
+        <p:spPr>
+          <a:xfrm>
+            <a:off x="3884613" y="0"/>
+            <a:ext cx="2971800" cy="457200"/>
+          </a:xfrm>
+          <a:prstGeom prst="rect">
+            <a:avLst/>
+          </a:prstGeom>
+        </p:spPr>
+        <p:txBody>
+          <a:bodyPr vert="horz" lIns="91440" tIns="45720" rIns="91440" bIns="45720" rtlCol="0"/>
+          <a:lstStyle>
+            <a:lvl1pPr algn="r">
+              <a:defRPr sz="1200"/>
+            </a:lvl1pPr>
+          </a:lstStyle>
+          <a:p>
+            <a:fld id="{789F516F-1FA8-7C41-BBD1-DC2FBAEBBB08}" type="datetimeFigureOut">
+              <a:rPr lang="de-DE" smtClean="0"/>
+              <a:t>02.06.13</a:t>
+            </a:fld>
+            <a:endParaRPr lang="de-CH"/>
+          </a:p>
+        </p:txBody>
+      </p:sp>
+      <p:sp>
+        <p:nvSpPr>
+          <p:cNvPr id="4" name="Folienbildplatzhalter 3"/>
+          <p:cNvSpPr>
+            <a:spLocks noGrp="1" noRot="1" noChangeAspect="1"/>
+          </p:cNvSpPr>
+          <p:nvPr>
+            <p:ph type="sldImg" idx="2"/>
+          </p:nvPr>
+        </p:nvSpPr>
+        <p:spPr>
+          <a:xfrm>
+            <a:off x="1143000" y="685800"/>
+            <a:ext cx="4572000" cy="3429000"/>
+          </a:xfrm>
+          <a:prstGeom prst="rect">
+            <a:avLst/>
+          </a:prstGeom>
+          <a:noFill/>
+          <a:ln w="12700">
+            <a:solidFill>
+              <a:prstClr val="black"/>
+            </a:solidFill>
+          </a:ln>
+        </p:spPr>
+        <p:txBody>
+          <a:bodyPr vert="horz" lIns="91440" tIns="45720" rIns="91440" bIns="45720" rtlCol="0" anchor="ctr"/>
+          <a:lstStyle/>
+          <a:p>
+            <a:endParaRPr lang="de-CH"/>
+          </a:p>
+        </p:txBody>
+      </p:sp>
+      <p:sp>
+        <p:nvSpPr>
+          <p:cNvPr id="5" name="Notizenplatzhalter 4"/>
+          <p:cNvSpPr>
+            <a:spLocks noGrp="1"/>
+          </p:cNvSpPr>
+          <p:nvPr>
+            <p:ph type="body" sz="quarter" idx="3"/>
+          </p:nvPr>
+        </p:nvSpPr>
+        <p:spPr>
+          <a:xfrm>
+            <a:off x="685800" y="4343400"/>
+            <a:ext cx="5486400" cy="4114800"/>
+          </a:xfrm>
+          <a:prstGeom prst="rect">
+            <a:avLst/>
+          </a:prstGeom>
+        </p:spPr>
+        <p:txBody>
+          <a:bodyPr vert="horz" lIns="91440" tIns="45720" rIns="91440" bIns="45720" rtlCol="0"/>
+          <a:lstStyle/>
+          <a:p>
+            <a:pPr lvl="0"/>
+            <a:r>
+              <a:rPr lang="de-CH" smtClean="0"/>
+              <a:t>Mastertextformat bearbeiten</a:t>
+            </a:r>
+          </a:p>
+          <a:p>
+            <a:pPr lvl="1"/>
+            <a:r>
+              <a:rPr lang="de-CH" smtClean="0"/>
+              <a:t>Zweite Ebene</a:t>
+            </a:r>
+          </a:p>
+          <a:p>
+            <a:pPr lvl="2"/>
+            <a:r>
+              <a:rPr lang="de-CH" smtClean="0"/>
+              <a:t>Dritte Ebene</a:t>
+            </a:r>
+          </a:p>
+          <a:p>
+            <a:pPr lvl="3"/>
+            <a:r>
+              <a:rPr lang="de-CH" smtClean="0"/>
+              <a:t>Vierte Ebene</a:t>
+            </a:r>
+          </a:p>
+          <a:p>
+            <a:pPr lvl="4"/>
+            <a:r>
+              <a:rPr lang="de-CH" smtClean="0"/>
+              <a:t>Fünfte Ebene</a:t>
+            </a:r>
+            <a:endParaRPr lang="de-CH"/>
+          </a:p>
+        </p:txBody>
+      </p:sp>
+      <p:sp>
+        <p:nvSpPr>
+          <p:cNvPr id="6" name="Fußzeilenplatzhalter 5"/>
+          <p:cNvSpPr>
+            <a:spLocks noGrp="1"/>
+          </p:cNvSpPr>
+          <p:nvPr>
+            <p:ph type="ftr" sz="quarter" idx="4"/>
+          </p:nvPr>
+        </p:nvSpPr>
+        <p:spPr>
+          <a:xfrm>
+            <a:off x="0" y="8685213"/>
+            <a:ext cx="2971800" cy="457200"/>
+          </a:xfrm>
+          <a:prstGeom prst="rect">
+            <a:avLst/>
+          </a:prstGeom>
+        </p:spPr>
+        <p:txBody>
+          <a:bodyPr vert="horz" lIns="91440" tIns="45720" rIns="91440" bIns="45720" rtlCol="0" anchor="b"/>
+          <a:lstStyle>
+            <a:lvl1pPr algn="l">
+              <a:defRPr sz="1200"/>
+            </a:lvl1pPr>
+          </a:lstStyle>
+          <a:p>
+            <a:endParaRPr lang="de-CH"/>
+          </a:p>
+        </p:txBody>
+      </p:sp>
+      <p:sp>
+        <p:nvSpPr>
+          <p:cNvPr id="7" name="Foliennummernplatzhalter 6"/>
+          <p:cNvSpPr>
+            <a:spLocks noGrp="1"/>
+          </p:cNvSpPr>
+          <p:nvPr>
+            <p:ph type="sldNum" sz="quarter" idx="5"/>
+          </p:nvPr>
+        </p:nvSpPr>
+        <p:spPr>
+          <a:xfrm>
+            <a:off x="3884613" y="8685213"/>
+            <a:ext cx="2971800" cy="457200"/>
+          </a:xfrm>
+          <a:prstGeom prst="rect">
+            <a:avLst/>
+          </a:prstGeom>
+        </p:spPr>
+        <p:txBody>
+          <a:bodyPr vert="horz" lIns="91440" tIns="45720" rIns="91440" bIns="45720" rtlCol="0" anchor="b"/>
+          <a:lstStyle>
+            <a:lvl1pPr algn="r">
+              <a:defRPr sz="1200"/>
+            </a:lvl1pPr>
+          </a:lstStyle>
+          <a:p>
+            <a:fld id="{458936C2-DE73-2746-BFC2-272EF4250367}" type="slidenum">
+              <a:rPr lang="de-CH" smtClean="0"/>
+              <a:t>‹Nr.›</a:t>
+            </a:fld>
+            <a:endParaRPr lang="de-CH"/>
+          </a:p>
+        </p:txBody>
+      </p:sp>
+    </p:spTree>
+    <p:extLst>
+      <p:ext uri="{BB962C8B-B14F-4D97-AF65-F5344CB8AC3E}">
+        <p14:creationId xmlns:p14="http://schemas.microsoft.com/office/powerpoint/2010/main" val="3484662688"/>
+      </p:ext>
+    </p:extLst>
+  </p:cSld>
+  <p:clrMap bg1="lt1" tx1="dk1" bg2="lt2" tx2="dk2" accent1="accent1" accent2="accent2" accent3="accent3" accent4="accent4" accent5="accent5" accent6="accent6" hlink="hlink" folHlink="folHlink"/>
+  <p:notesStyle>
+    <a:lvl1pPr marL="0" algn="l" defTabSz="457200" rtl="0" eaLnBrk="1" latinLnBrk="0" hangingPunct="1">
+      <a:defRPr sz="1200" kern="1200">
+        <a:solidFill>
+          <a:schemeClr val="tx1"/>
+        </a:solidFill>
+        <a:latin typeface="+mn-lt"/>
+        <a:ea typeface="+mn-ea"/>
+        <a:cs typeface="+mn-cs"/>
+      </a:defRPr>
+    </a:lvl1pPr>
+    <a:lvl2pPr marL="457200" algn="l" defTabSz="457200" rtl="0" eaLnBrk="1" latinLnBrk="0" hangingPunct="1">
+      <a:defRPr sz="1200" kern="1200">
+        <a:solidFill>
+          <a:schemeClr val="tx1"/>
+        </a:solidFill>
+        <a:latin typeface="+mn-lt"/>
+        <a:ea typeface="+mn-ea"/>
+        <a:cs typeface="+mn-cs"/>
+      </a:defRPr>
+    </a:lvl2pPr>
+    <a:lvl3pPr marL="914400" algn="l" defTabSz="457200" rtl="0" eaLnBrk="1" latinLnBrk="0" hangingPunct="1">
+      <a:defRPr sz="1200" kern="1200">
+        <a:solidFill>
+          <a:schemeClr val="tx1"/>
+        </a:solidFill>
+        <a:latin typeface="+mn-lt"/>
+        <a:ea typeface="+mn-ea"/>
+        <a:cs typeface="+mn-cs"/>
+      </a:defRPr>
+    </a:lvl3pPr>
+    <a:lvl4pPr marL="1371600" algn="l" defTabSz="457200" rtl="0" eaLnBrk="1" latinLnBrk="0" hangingPunct="1">
+      <a:defRPr sz="1200" kern="1200">
+        <a:solidFill>
+          <a:schemeClr val="tx1"/>
+        </a:solidFill>
+        <a:latin typeface="+mn-lt"/>
+        <a:ea typeface="+mn-ea"/>
+        <a:cs typeface="+mn-cs"/>
+      </a:defRPr>
+    </a:lvl4pPr>
+    <a:lvl5pPr marL="1828800" algn="l" defTabSz="457200" rtl="0" eaLnBrk="1" latinLnBrk="0" hangingPunct="1">
+      <a:defRPr sz="1200" kern="1200">
+        <a:solidFill>
+          <a:schemeClr val="tx1"/>
+        </a:solidFill>
+        <a:latin typeface="+mn-lt"/>
+        <a:ea typeface="+mn-ea"/>
+        <a:cs typeface="+mn-cs"/>
+      </a:defRPr>
+    </a:lvl5pPr>
+    <a:lvl6pPr marL="2286000" algn="l" defTabSz="457200" rtl="0" eaLnBrk="1" latinLnBrk="0" hangingPunct="1">
+      <a:defRPr sz="1200" kern="1200">
+        <a:solidFill>
+          <a:schemeClr val="tx1"/>
+        </a:solidFill>
+        <a:latin typeface="+mn-lt"/>
+        <a:ea typeface="+mn-ea"/>
+        <a:cs typeface="+mn-cs"/>
+      </a:defRPr>
+    </a:lvl6pPr>
+    <a:lvl7pPr marL="2743200" algn="l" defTabSz="457200" rtl="0" eaLnBrk="1" latinLnBrk="0" hangingPunct="1">
+      <a:defRPr sz="1200" kern="1200">
+        <a:solidFill>
+          <a:schemeClr val="tx1"/>
+        </a:solidFill>
+        <a:latin typeface="+mn-lt"/>
+        <a:ea typeface="+mn-ea"/>
+        <a:cs typeface="+mn-cs"/>
+      </a:defRPr>
+    </a:lvl7pPr>
+    <a:lvl8pPr marL="3200400" algn="l" defTabSz="457200" rtl="0" eaLnBrk="1" latinLnBrk="0" hangingPunct="1">
+      <a:defRPr sz="1200" kern="1200">
+        <a:solidFill>
+          <a:schemeClr val="tx1"/>
+        </a:solidFill>
+        <a:latin typeface="+mn-lt"/>
+        <a:ea typeface="+mn-ea"/>
+        <a:cs typeface="+mn-cs"/>
+      </a:defRPr>
+    </a:lvl8pPr>
+    <a:lvl9pPr marL="3657600" algn="l" defTabSz="457200" rtl="0" eaLnBrk="1" latinLnBrk="0" hangingPunct="1">
+      <a:defRPr sz="1200" kern="1200">
+        <a:solidFill>
+          <a:schemeClr val="tx1"/>
+        </a:solidFill>
+        <a:latin typeface="+mn-lt"/>
+        <a:ea typeface="+mn-ea"/>
+        <a:cs typeface="+mn-cs"/>
+      </a:defRPr>
+    </a:lvl9pPr>
+  </p:notesStyle>
+</p:notesMaster>
+</file>
+
+<file path=ppt/notesSlides/notesSlide1.xml><?xml version="1.0" encoding="utf-8"?>
+<p:notes xmlns:a="http://schemas.openxmlformats.org/drawingml/2006/main" xmlns:r="http://schemas.openxmlformats.org/officeDocument/2006/relationships" xmlns:p="http://schemas.openxmlformats.org/presentationml/2006/main">
+  <p:cSld>
+    <p:spTree>
+      <p:nvGrpSpPr>
+        <p:cNvPr id="1" name=""/>
+        <p:cNvGrpSpPr/>
+        <p:nvPr/>
+      </p:nvGrpSpPr>
+      <p:grpSpPr>
+        <a:xfrm>
+          <a:off x="0" y="0"/>
+          <a:ext cx="0" cy="0"/>
+          <a:chOff x="0" y="0"/>
+          <a:chExt cx="0" cy="0"/>
+        </a:xfrm>
+      </p:grpSpPr>
+      <p:sp>
+        <p:nvSpPr>
+          <p:cNvPr id="2" name="Folienbildplatzhalter 1"/>
+          <p:cNvSpPr>
+            <a:spLocks noGrp="1" noRot="1" noChangeAspect="1"/>
+          </p:cNvSpPr>
+          <p:nvPr>
+            <p:ph type="sldImg"/>
+          </p:nvPr>
+        </p:nvSpPr>
+        <p:spPr/>
+      </p:sp>
+      <p:sp>
+        <p:nvSpPr>
+          <p:cNvPr id="3" name="Notizenplatzhalter 2"/>
+          <p:cNvSpPr>
+            <a:spLocks noGrp="1"/>
+          </p:cNvSpPr>
+          <p:nvPr>
+            <p:ph type="body" idx="1"/>
+          </p:nvPr>
+        </p:nvSpPr>
+        <p:spPr/>
+        <p:txBody>
+          <a:bodyPr/>
+          <a:lstStyle/>
+          <a:p>
+            <a:endParaRPr lang="de-CH" dirty="0"/>
+          </a:p>
+        </p:txBody>
+      </p:sp>
+      <p:sp>
+        <p:nvSpPr>
+          <p:cNvPr id="4" name="Foliennummernplatzhalter 3"/>
+          <p:cNvSpPr>
+            <a:spLocks noGrp="1"/>
+          </p:cNvSpPr>
+          <p:nvPr>
+            <p:ph type="sldNum" sz="quarter" idx="10"/>
+          </p:nvPr>
+        </p:nvSpPr>
+        <p:spPr/>
+        <p:txBody>
+          <a:bodyPr/>
+          <a:lstStyle/>
+          <a:p>
+            <a:fld id="{458936C2-DE73-2746-BFC2-272EF4250367}" type="slidenum">
+              <a:rPr lang="de-CH" smtClean="0"/>
+              <a:t>13</a:t>
+            </a:fld>
+            <a:endParaRPr lang="de-CH"/>
+          </a:p>
+        </p:txBody>
+      </p:sp>
+    </p:spTree>
+    <p:extLst>
+      <p:ext uri="{BB962C8B-B14F-4D97-AF65-F5344CB8AC3E}">
+        <p14:creationId xmlns:p14="http://schemas.microsoft.com/office/powerpoint/2010/main" val="439564370"/>
+      </p:ext>
+    </p:extLst>
+  </p:cSld>
+  <p:clrMapOvr>
+    <a:masterClrMapping/>
+  </p:clrMapOvr>
+</p:notes>
 </file>
 
 <file path=ppt/slideLayouts/slideLayout1.xml><?xml version="1.0" encoding="utf-8"?>
@@ -342,7 +795,7 @@
           <a:p>
             <a:fld id="{679BC7E7-EA8E-4DA7-915E-CC098D9BADCB}" type="datetimeFigureOut">
               <a:rPr lang="en-US" smtClean="0"/>
-              <a:t>01.06.13</a:t>
+              <a:t>02.06.13</a:t>
             </a:fld>
             <a:endParaRPr lang="en-US"/>
           </a:p>
@@ -429,6 +882,18 @@
   <p:clrMapOvr>
     <a:overrideClrMapping bg1="lt1" tx1="dk1" bg2="lt2" tx2="dk2" accent1="accent1" accent2="accent2" accent3="accent3" accent4="accent4" accent5="accent5" accent6="accent6" hlink="hlink" folHlink="folHlink"/>
   </p:clrMapOvr>
+  <mc:AlternateContent xmlns:mc="http://schemas.openxmlformats.org/markup-compatibility/2006">
+    <mc:Choice xmlns:p14="http://schemas.microsoft.com/office/powerpoint/2010/main" Requires="p14">
+      <p:transition spd="slow" p14:dur="1200">
+        <p14:prism/>
+      </p:transition>
+    </mc:Choice>
+    <mc:Fallback>
+      <p:transition xmlns:p14="http://schemas.microsoft.com/office/powerpoint/2010/main" spd="slow">
+        <p:fade/>
+      </p:transition>
+    </mc:Fallback>
+  </mc:AlternateContent>
 </p:sldLayout>
 </file>
 
@@ -471,7 +936,7 @@
           <a:p>
             <a:fld id="{679BC7E7-EA8E-4DA7-915E-CC098D9BADCB}" type="datetimeFigureOut">
               <a:rPr lang="en-US" smtClean="0"/>
-              <a:t>01.06.13</a:t>
+              <a:t>02.06.13</a:t>
             </a:fld>
             <a:endParaRPr lang="en-US"/>
           </a:p>
@@ -524,6 +989,18 @@
   <p:clrMapOvr>
     <a:overrideClrMapping bg1="lt1" tx1="dk1" bg2="lt2" tx2="dk2" accent1="accent1" accent2="accent2" accent3="accent3" accent4="accent4" accent5="accent5" accent6="accent6" hlink="hlink" folHlink="folHlink"/>
   </p:clrMapOvr>
+  <mc:AlternateContent xmlns:mc="http://schemas.openxmlformats.org/markup-compatibility/2006">
+    <mc:Choice xmlns:p14="http://schemas.microsoft.com/office/powerpoint/2010/main" Requires="p14">
+      <p:transition spd="slow" p14:dur="1200">
+        <p14:prism/>
+      </p:transition>
+    </mc:Choice>
+    <mc:Fallback>
+      <p:transition xmlns:p14="http://schemas.microsoft.com/office/powerpoint/2010/main" spd="slow">
+        <p:fade/>
+      </p:transition>
+    </mc:Fallback>
+  </mc:AlternateContent>
 </p:sldLayout>
 </file>
 
@@ -776,7 +1253,7 @@
           <a:p>
             <a:fld id="{679BC7E7-EA8E-4DA7-915E-CC098D9BADCB}" type="datetimeFigureOut">
               <a:rPr lang="en-US" smtClean="0"/>
-              <a:t>01.06.13</a:t>
+              <a:t>02.06.13</a:t>
             </a:fld>
             <a:endParaRPr lang="en-US"/>
           </a:p>
@@ -829,6 +1306,18 @@
   <p:clrMapOvr>
     <a:masterClrMapping/>
   </p:clrMapOvr>
+  <mc:AlternateContent xmlns:mc="http://schemas.openxmlformats.org/markup-compatibility/2006">
+    <mc:Choice xmlns:p14="http://schemas.microsoft.com/office/powerpoint/2010/main" Requires="p14">
+      <p:transition spd="slow" p14:dur="1200">
+        <p14:prism/>
+      </p:transition>
+    </mc:Choice>
+    <mc:Fallback>
+      <p:transition xmlns:p14="http://schemas.microsoft.com/office/powerpoint/2010/main" spd="slow">
+        <p:fade/>
+      </p:transition>
+    </mc:Fallback>
+  </mc:AlternateContent>
 </p:sldLayout>
 </file>
 
@@ -1001,7 +1490,7 @@
           <a:p>
             <a:fld id="{679BC7E7-EA8E-4DA7-915E-CC098D9BADCB}" type="datetimeFigureOut">
               <a:rPr lang="en-US" smtClean="0"/>
-              <a:t>01.06.13</a:t>
+              <a:t>02.06.13</a:t>
             </a:fld>
             <a:endParaRPr lang="en-US"/>
           </a:p>
@@ -1099,6 +1588,18 @@
   <p:clrMapOvr>
     <a:masterClrMapping/>
   </p:clrMapOvr>
+  <mc:AlternateContent xmlns:mc="http://schemas.openxmlformats.org/markup-compatibility/2006">
+    <mc:Choice xmlns:p14="http://schemas.microsoft.com/office/powerpoint/2010/main" Requires="p14">
+      <p:transition spd="slow" p14:dur="1200">
+        <p14:prism/>
+      </p:transition>
+    </mc:Choice>
+    <mc:Fallback>
+      <p:transition xmlns:p14="http://schemas.microsoft.com/office/powerpoint/2010/main" spd="slow">
+        <p:fade/>
+      </p:transition>
+    </mc:Fallback>
+  </mc:AlternateContent>
 </p:sldLayout>
 </file>
 
@@ -1271,7 +1772,7 @@
           <a:p>
             <a:fld id="{679BC7E7-EA8E-4DA7-915E-CC098D9BADCB}" type="datetimeFigureOut">
               <a:rPr lang="en-US" smtClean="0"/>
-              <a:t>01.06.13</a:t>
+              <a:t>02.06.13</a:t>
             </a:fld>
             <a:endParaRPr lang="en-US"/>
           </a:p>
@@ -1463,6 +1964,18 @@
   <p:clrMapOvr>
     <a:masterClrMapping/>
   </p:clrMapOvr>
+  <mc:AlternateContent xmlns:mc="http://schemas.openxmlformats.org/markup-compatibility/2006">
+    <mc:Choice xmlns:p14="http://schemas.microsoft.com/office/powerpoint/2010/main" Requires="p14">
+      <p:transition spd="slow" p14:dur="1200">
+        <p14:prism/>
+      </p:transition>
+    </mc:Choice>
+    <mc:Fallback>
+      <p:transition xmlns:p14="http://schemas.microsoft.com/office/powerpoint/2010/main" spd="slow">
+        <p:fade/>
+      </p:transition>
+    </mc:Fallback>
+  </mc:AlternateContent>
 </p:sldLayout>
 </file>
 
@@ -1596,7 +2109,7 @@
           <a:p>
             <a:fld id="{679BC7E7-EA8E-4DA7-915E-CC098D9BADCB}" type="datetimeFigureOut">
               <a:rPr lang="en-US" smtClean="0"/>
-              <a:t>01.06.13</a:t>
+              <a:t>02.06.13</a:t>
             </a:fld>
             <a:endParaRPr lang="en-US"/>
           </a:p>
@@ -1649,6 +2162,18 @@
   <p:clrMapOvr>
     <a:masterClrMapping/>
   </p:clrMapOvr>
+  <mc:AlternateContent xmlns:mc="http://schemas.openxmlformats.org/markup-compatibility/2006">
+    <mc:Choice xmlns:p14="http://schemas.microsoft.com/office/powerpoint/2010/main" Requires="p14">
+      <p:transition spd="slow" p14:dur="1200">
+        <p14:prism/>
+      </p:transition>
+    </mc:Choice>
+    <mc:Fallback>
+      <p:transition xmlns:p14="http://schemas.microsoft.com/office/powerpoint/2010/main" spd="slow">
+        <p:fade/>
+      </p:transition>
+    </mc:Fallback>
+  </mc:AlternateContent>
 </p:sldLayout>
 </file>
 
@@ -1789,7 +2314,7 @@
           <a:p>
             <a:fld id="{679BC7E7-EA8E-4DA7-915E-CC098D9BADCB}" type="datetimeFigureOut">
               <a:rPr lang="en-US" smtClean="0"/>
-              <a:t>01.06.13</a:t>
+              <a:t>02.06.13</a:t>
             </a:fld>
             <a:endParaRPr lang="en-US"/>
           </a:p>
@@ -1842,6 +2367,18 @@
   <p:clrMapOvr>
     <a:masterClrMapping/>
   </p:clrMapOvr>
+  <mc:AlternateContent xmlns:mc="http://schemas.openxmlformats.org/markup-compatibility/2006">
+    <mc:Choice xmlns:p14="http://schemas.microsoft.com/office/powerpoint/2010/main" Requires="p14">
+      <p:transition spd="slow" p14:dur="1200">
+        <p14:prism/>
+      </p:transition>
+    </mc:Choice>
+    <mc:Fallback>
+      <p:transition xmlns:p14="http://schemas.microsoft.com/office/powerpoint/2010/main" spd="slow">
+        <p:fade/>
+      </p:transition>
+    </mc:Fallback>
+  </mc:AlternateContent>
 </p:sldLayout>
 </file>
 
@@ -1893,7 +2430,7 @@
           <a:p>
             <a:fld id="{679BC7E7-EA8E-4DA7-915E-CC098D9BADCB}" type="datetimeFigureOut">
               <a:rPr lang="en-US" smtClean="0"/>
-              <a:t>01.06.13</a:t>
+              <a:t>02.06.13</a:t>
             </a:fld>
             <a:endParaRPr lang="en-US"/>
           </a:p>
@@ -1946,6 +2483,18 @@
   <p:clrMapOvr>
     <a:overrideClrMapping bg1="lt1" tx1="dk1" bg2="lt2" tx2="dk2" accent1="accent1" accent2="accent2" accent3="accent3" accent4="accent4" accent5="accent5" accent6="accent6" hlink="hlink" folHlink="folHlink"/>
   </p:clrMapOvr>
+  <mc:AlternateContent xmlns:mc="http://schemas.openxmlformats.org/markup-compatibility/2006">
+    <mc:Choice xmlns:p14="http://schemas.microsoft.com/office/powerpoint/2010/main" Requires="p14">
+      <p:transition spd="slow" p14:dur="1200">
+        <p14:prism/>
+      </p:transition>
+    </mc:Choice>
+    <mc:Fallback>
+      <p:transition xmlns:p14="http://schemas.microsoft.com/office/powerpoint/2010/main" spd="slow">
+        <p:fade/>
+      </p:transition>
+    </mc:Fallback>
+  </mc:AlternateContent>
 </p:sldLayout>
 </file>
 
@@ -2062,7 +2611,7 @@
           <a:p>
             <a:fld id="{679BC7E7-EA8E-4DA7-915E-CC098D9BADCB}" type="datetimeFigureOut">
               <a:rPr lang="en-US" smtClean="0"/>
-              <a:t>01.06.13</a:t>
+              <a:t>02.06.13</a:t>
             </a:fld>
             <a:endParaRPr lang="en-US"/>
           </a:p>
@@ -2115,6 +2664,18 @@
   <p:clrMapOvr>
     <a:masterClrMapping/>
   </p:clrMapOvr>
+  <mc:AlternateContent xmlns:mc="http://schemas.openxmlformats.org/markup-compatibility/2006">
+    <mc:Choice xmlns:p14="http://schemas.microsoft.com/office/powerpoint/2010/main" Requires="p14">
+      <p:transition spd="slow" p14:dur="1200">
+        <p14:prism/>
+      </p:transition>
+    </mc:Choice>
+    <mc:Fallback>
+      <p:transition xmlns:p14="http://schemas.microsoft.com/office/powerpoint/2010/main" spd="slow">
+        <p:fade/>
+      </p:transition>
+    </mc:Fallback>
+  </mc:AlternateContent>
 </p:sldLayout>
 </file>
 
@@ -2326,7 +2887,7 @@
           <a:p>
             <a:fld id="{679BC7E7-EA8E-4DA7-915E-CC098D9BADCB}" type="datetimeFigureOut">
               <a:rPr lang="en-US" smtClean="0"/>
-              <a:t>01.06.13</a:t>
+              <a:t>02.06.13</a:t>
             </a:fld>
             <a:endParaRPr lang="en-US"/>
           </a:p>
@@ -2426,6 +2987,18 @@
   <p:clrMapOvr>
     <a:masterClrMapping/>
   </p:clrMapOvr>
+  <mc:AlternateContent xmlns:mc="http://schemas.openxmlformats.org/markup-compatibility/2006">
+    <mc:Choice xmlns:p14="http://schemas.microsoft.com/office/powerpoint/2010/main" Requires="p14">
+      <p:transition spd="slow" p14:dur="1200">
+        <p14:prism/>
+      </p:transition>
+    </mc:Choice>
+    <mc:Fallback>
+      <p:transition xmlns:p14="http://schemas.microsoft.com/office/powerpoint/2010/main" spd="slow">
+        <p:fade/>
+      </p:transition>
+    </mc:Fallback>
+  </mc:AlternateContent>
 </p:sldLayout>
 </file>
 
@@ -2660,7 +3233,7 @@
           <a:p>
             <a:fld id="{679BC7E7-EA8E-4DA7-915E-CC098D9BADCB}" type="datetimeFigureOut">
               <a:rPr lang="en-US" smtClean="0"/>
-              <a:t>01.06.13</a:t>
+              <a:t>02.06.13</a:t>
             </a:fld>
             <a:endParaRPr lang="en-US"/>
           </a:p>
@@ -2713,6 +3286,18 @@
   <p:clrMapOvr>
     <a:masterClrMapping/>
   </p:clrMapOvr>
+  <mc:AlternateContent xmlns:mc="http://schemas.openxmlformats.org/markup-compatibility/2006">
+    <mc:Choice xmlns:p14="http://schemas.microsoft.com/office/powerpoint/2010/main" Requires="p14">
+      <p:transition spd="slow" p14:dur="1200">
+        <p14:prism/>
+      </p:transition>
+    </mc:Choice>
+    <mc:Fallback>
+      <p:transition xmlns:p14="http://schemas.microsoft.com/office/powerpoint/2010/main" spd="slow">
+        <p:fade/>
+      </p:transition>
+    </mc:Fallback>
+  </mc:AlternateContent>
 </p:sldLayout>
 </file>
 
@@ -3101,7 +3686,7 @@
           <a:p>
             <a:fld id="{679BC7E7-EA8E-4DA7-915E-CC098D9BADCB}" type="datetimeFigureOut">
               <a:rPr lang="en-US" smtClean="0"/>
-              <a:t>01.06.13</a:t>
+              <a:t>02.06.13</a:t>
             </a:fld>
             <a:endParaRPr lang="en-US"/>
           </a:p>
@@ -3154,6 +3739,18 @@
   <p:clrMapOvr>
     <a:masterClrMapping/>
   </p:clrMapOvr>
+  <mc:AlternateContent xmlns:mc="http://schemas.openxmlformats.org/markup-compatibility/2006">
+    <mc:Choice xmlns:p14="http://schemas.microsoft.com/office/powerpoint/2010/main" Requires="p14">
+      <p:transition spd="slow" p14:dur="1200">
+        <p14:prism/>
+      </p:transition>
+    </mc:Choice>
+    <mc:Fallback>
+      <p:transition xmlns:p14="http://schemas.microsoft.com/office/powerpoint/2010/main" spd="slow">
+        <p:fade/>
+      </p:transition>
+    </mc:Fallback>
+  </mc:AlternateContent>
 </p:sldLayout>
 </file>
 
@@ -3299,7 +3896,7 @@
           <a:p>
             <a:fld id="{679BC7E7-EA8E-4DA7-915E-CC098D9BADCB}" type="datetimeFigureOut">
               <a:rPr lang="en-US" smtClean="0"/>
-              <a:t>01.06.13</a:t>
+              <a:t>02.06.13</a:t>
             </a:fld>
             <a:endParaRPr lang="en-US"/>
           </a:p>
@@ -3437,6 +4034,18 @@
   <p:clrMapOvr>
     <a:masterClrMapping/>
   </p:clrMapOvr>
+  <mc:AlternateContent xmlns:mc="http://schemas.openxmlformats.org/markup-compatibility/2006">
+    <mc:Choice xmlns:p14="http://schemas.microsoft.com/office/powerpoint/2010/main" Requires="p14">
+      <p:transition spd="slow" p14:dur="1200">
+        <p14:prism/>
+      </p:transition>
+    </mc:Choice>
+    <mc:Fallback>
+      <p:transition xmlns:p14="http://schemas.microsoft.com/office/powerpoint/2010/main" spd="slow">
+        <p:fade/>
+      </p:transition>
+    </mc:Fallback>
+  </mc:AlternateContent>
 </p:sldLayout>
 </file>
 
@@ -3582,7 +4191,7 @@
           <a:p>
             <a:fld id="{679BC7E7-EA8E-4DA7-915E-CC098D9BADCB}" type="datetimeFigureOut">
               <a:rPr lang="en-US" smtClean="0"/>
-              <a:t>01.06.13</a:t>
+              <a:t>02.06.13</a:t>
             </a:fld>
             <a:endParaRPr lang="en-US"/>
           </a:p>
@@ -3805,6 +4414,18 @@
   <p:clrMapOvr>
     <a:masterClrMapping/>
   </p:clrMapOvr>
+  <mc:AlternateContent xmlns:mc="http://schemas.openxmlformats.org/markup-compatibility/2006">
+    <mc:Choice xmlns:p14="http://schemas.microsoft.com/office/powerpoint/2010/main" Requires="p14">
+      <p:transition spd="slow" p14:dur="1200">
+        <p14:prism/>
+      </p:transition>
+    </mc:Choice>
+    <mc:Fallback>
+      <p:transition xmlns:p14="http://schemas.microsoft.com/office/powerpoint/2010/main" spd="slow">
+        <p:fade/>
+      </p:transition>
+    </mc:Fallback>
+  </mc:AlternateContent>
 </p:sldLayout>
 </file>
 
@@ -3950,7 +4571,7 @@
           <a:p>
             <a:fld id="{679BC7E7-EA8E-4DA7-915E-CC098D9BADCB}" type="datetimeFigureOut">
               <a:rPr lang="en-US" smtClean="0"/>
-              <a:t>01.06.13</a:t>
+              <a:t>02.06.13</a:t>
             </a:fld>
             <a:endParaRPr lang="en-US"/>
           </a:p>
@@ -4386,6 +5007,18 @@
   <p:clrMapOvr>
     <a:masterClrMapping/>
   </p:clrMapOvr>
+  <mc:AlternateContent xmlns:mc="http://schemas.openxmlformats.org/markup-compatibility/2006">
+    <mc:Choice xmlns:p14="http://schemas.microsoft.com/office/powerpoint/2010/main" Requires="p14">
+      <p:transition spd="slow" p14:dur="1200">
+        <p14:prism/>
+      </p:transition>
+    </mc:Choice>
+    <mc:Fallback>
+      <p:transition xmlns:p14="http://schemas.microsoft.com/office/powerpoint/2010/main" spd="slow">
+        <p:fade/>
+      </p:transition>
+    </mc:Fallback>
+  </mc:AlternateContent>
 </p:sldLayout>
 </file>
 
@@ -4446,7 +5079,7 @@
           <a:p>
             <a:fld id="{679BC7E7-EA8E-4DA7-915E-CC098D9BADCB}" type="datetimeFigureOut">
               <a:rPr lang="en-US" smtClean="0"/>
-              <a:t>01.06.13</a:t>
+              <a:t>02.06.13</a:t>
             </a:fld>
             <a:endParaRPr lang="en-US"/>
           </a:p>
@@ -4499,6 +5132,18 @@
   <p:clrMapOvr>
     <a:masterClrMapping/>
   </p:clrMapOvr>
+  <mc:AlternateContent xmlns:mc="http://schemas.openxmlformats.org/markup-compatibility/2006">
+    <mc:Choice xmlns:p14="http://schemas.microsoft.com/office/powerpoint/2010/main" Requires="p14">
+      <p:transition spd="slow" p14:dur="1200">
+        <p14:prism/>
+      </p:transition>
+    </mc:Choice>
+    <mc:Fallback>
+      <p:transition xmlns:p14="http://schemas.microsoft.com/office/powerpoint/2010/main" spd="slow">
+        <p:fade/>
+      </p:transition>
+    </mc:Fallback>
+  </mc:AlternateContent>
 </p:sldLayout>
 </file>
 
@@ -4655,7 +5300,7 @@
           <a:p>
             <a:fld id="{679BC7E7-EA8E-4DA7-915E-CC098D9BADCB}" type="datetimeFigureOut">
               <a:rPr lang="en-US" smtClean="0"/>
-              <a:t>01.06.13</a:t>
+              <a:t>02.06.13</a:t>
             </a:fld>
             <a:endParaRPr lang="en-US"/>
           </a:p>
@@ -4762,6 +5407,18 @@
     <p:sldLayoutId id="2147483675" r:id="rId15"/>
     <p:sldLayoutId id="2147483676" r:id="rId16"/>
   </p:sldLayoutIdLst>
+  <mc:AlternateContent xmlns:mc="http://schemas.openxmlformats.org/markup-compatibility/2006">
+    <mc:Choice xmlns:p14="http://schemas.microsoft.com/office/powerpoint/2010/main" Requires="p14">
+      <p:transition spd="slow" p14:dur="1200">
+        <p14:prism/>
+      </p:transition>
+    </mc:Choice>
+    <mc:Fallback>
+      <p:transition xmlns:p14="http://schemas.microsoft.com/office/powerpoint/2010/main" spd="slow">
+        <p:fade/>
+      </p:transition>
+    </mc:Fallback>
+  </mc:AlternateContent>
   <p:txStyles>
     <p:titleStyle>
       <a:lvl1pPr algn="ctr" defTabSz="914400" rtl="0" eaLnBrk="1" latinLnBrk="0" hangingPunct="1">
@@ -5177,6 +5834,25 @@
   <p:clrMapOvr>
     <a:masterClrMapping/>
   </p:clrMapOvr>
+  <mc:AlternateContent xmlns:mc="http://schemas.openxmlformats.org/markup-compatibility/2006">
+    <mc:Choice xmlns:p14="http://schemas.microsoft.com/office/powerpoint/2010/main" Requires="p14">
+      <p:transition spd="slow" p14:dur="900">
+        <p14:warp dir="in"/>
+      </p:transition>
+    </mc:Choice>
+    <mc:Fallback>
+      <p:transition xmlns:p14="http://schemas.microsoft.com/office/powerpoint/2010/main" spd="slow">
+        <p:fade/>
+      </p:transition>
+    </mc:Fallback>
+  </mc:AlternateContent>
+  <p:timing>
+    <p:tnLst>
+      <p:par>
+        <p:cTn xmlns:p14="http://schemas.microsoft.com/office/powerpoint/2010/main" id="1" dur="indefinite" restart="never" nodeType="tmRoot"/>
+      </p:par>
+    </p:tnLst>
+  </p:timing>
 </p:sld>
 </file>
 
@@ -5249,6 +5925,93 @@
   <p:clrMapOvr>
     <a:masterClrMapping/>
   </p:clrMapOvr>
+  <mc:AlternateContent xmlns:mc="http://schemas.openxmlformats.org/markup-compatibility/2006">
+    <mc:Choice xmlns:p14="http://schemas.microsoft.com/office/powerpoint/2010/main" Requires="p14">
+      <p:transition spd="slow" p14:dur="1200">
+        <p14:prism/>
+      </p:transition>
+    </mc:Choice>
+    <mc:Fallback>
+      <p:transition xmlns:p14="http://schemas.microsoft.com/office/powerpoint/2010/main" spd="slow">
+        <p:fade/>
+      </p:transition>
+    </mc:Fallback>
+  </mc:AlternateContent>
+  <p:timing>
+    <p:tnLst>
+      <p:par>
+        <p:cTn xmlns:p14="http://schemas.microsoft.com/office/powerpoint/2010/main" id="1" dur="indefinite" restart="never" nodeType="tmRoot">
+          <p:childTnLst>
+            <p:seq concurrent="1" nextAc="seek">
+              <p:cTn id="2" dur="indefinite" nodeType="mainSeq">
+                <p:childTnLst>
+                  <p:par>
+                    <p:cTn id="3" fill="hold">
+                      <p:stCondLst>
+                        <p:cond delay="indefinite"/>
+                      </p:stCondLst>
+                      <p:childTnLst>
+                        <p:par>
+                          <p:cTn id="4" fill="hold">
+                            <p:stCondLst>
+                              <p:cond delay="0"/>
+                            </p:stCondLst>
+                            <p:childTnLst>
+                              <p:par>
+                                <p:cTn id="5" presetID="1" presetClass="entr" presetSubtype="0" fill="hold" nodeType="clickEffect">
+                                  <p:stCondLst>
+                                    <p:cond delay="0"/>
+                                  </p:stCondLst>
+                                  <p:childTnLst>
+                                    <p:set>
+                                      <p:cBhvr>
+                                        <p:cTn id="6" dur="1" fill="hold">
+                                          <p:stCondLst>
+                                            <p:cond delay="0"/>
+                                          </p:stCondLst>
+                                        </p:cTn>
+                                        <p:tgtEl>
+                                          <p:spTgt spid="4"/>
+                                        </p:tgtEl>
+                                        <p:attrNameLst>
+                                          <p:attrName>style.visibility</p:attrName>
+                                        </p:attrNameLst>
+                                      </p:cBhvr>
+                                      <p:to>
+                                        <p:strVal val="visible"/>
+                                      </p:to>
+                                    </p:set>
+                                  </p:childTnLst>
+                                </p:cTn>
+                              </p:par>
+                            </p:childTnLst>
+                          </p:cTn>
+                        </p:par>
+                      </p:childTnLst>
+                    </p:cTn>
+                  </p:par>
+                </p:childTnLst>
+              </p:cTn>
+              <p:prevCondLst>
+                <p:cond evt="onPrev" delay="0">
+                  <p:tgtEl>
+                    <p:sldTgt/>
+                  </p:tgtEl>
+                </p:cond>
+              </p:prevCondLst>
+              <p:nextCondLst>
+                <p:cond evt="onNext" delay="0">
+                  <p:tgtEl>
+                    <p:sldTgt/>
+                  </p:tgtEl>
+                </p:cond>
+              </p:nextCondLst>
+            </p:seq>
+          </p:childTnLst>
+        </p:cTn>
+      </p:par>
+    </p:tnLst>
+  </p:timing>
 </p:sld>
 </file>
 
@@ -5321,6 +6084,93 @@
   <p:clrMapOvr>
     <a:masterClrMapping/>
   </p:clrMapOvr>
+  <mc:AlternateContent xmlns:mc="http://schemas.openxmlformats.org/markup-compatibility/2006">
+    <mc:Choice xmlns:p14="http://schemas.microsoft.com/office/powerpoint/2010/main" Requires="p14">
+      <p:transition spd="slow" p14:dur="1200">
+        <p14:prism/>
+      </p:transition>
+    </mc:Choice>
+    <mc:Fallback>
+      <p:transition xmlns:p14="http://schemas.microsoft.com/office/powerpoint/2010/main" spd="slow">
+        <p:fade/>
+      </p:transition>
+    </mc:Fallback>
+  </mc:AlternateContent>
+  <p:timing>
+    <p:tnLst>
+      <p:par>
+        <p:cTn xmlns:p14="http://schemas.microsoft.com/office/powerpoint/2010/main" id="1" dur="indefinite" restart="never" nodeType="tmRoot">
+          <p:childTnLst>
+            <p:seq concurrent="1" nextAc="seek">
+              <p:cTn id="2" dur="indefinite" nodeType="mainSeq">
+                <p:childTnLst>
+                  <p:par>
+                    <p:cTn id="3" fill="hold">
+                      <p:stCondLst>
+                        <p:cond delay="indefinite"/>
+                      </p:stCondLst>
+                      <p:childTnLst>
+                        <p:par>
+                          <p:cTn id="4" fill="hold">
+                            <p:stCondLst>
+                              <p:cond delay="0"/>
+                            </p:stCondLst>
+                            <p:childTnLst>
+                              <p:par>
+                                <p:cTn id="5" presetID="1" presetClass="entr" presetSubtype="0" fill="hold" nodeType="clickEffect">
+                                  <p:stCondLst>
+                                    <p:cond delay="0"/>
+                                  </p:stCondLst>
+                                  <p:childTnLst>
+                                    <p:set>
+                                      <p:cBhvr>
+                                        <p:cTn id="6" dur="1" fill="hold">
+                                          <p:stCondLst>
+                                            <p:cond delay="0"/>
+                                          </p:stCondLst>
+                                        </p:cTn>
+                                        <p:tgtEl>
+                                          <p:spTgt spid="4"/>
+                                        </p:tgtEl>
+                                        <p:attrNameLst>
+                                          <p:attrName>style.visibility</p:attrName>
+                                        </p:attrNameLst>
+                                      </p:cBhvr>
+                                      <p:to>
+                                        <p:strVal val="visible"/>
+                                      </p:to>
+                                    </p:set>
+                                  </p:childTnLst>
+                                </p:cTn>
+                              </p:par>
+                            </p:childTnLst>
+                          </p:cTn>
+                        </p:par>
+                      </p:childTnLst>
+                    </p:cTn>
+                  </p:par>
+                </p:childTnLst>
+              </p:cTn>
+              <p:prevCondLst>
+                <p:cond evt="onPrev" delay="0">
+                  <p:tgtEl>
+                    <p:sldTgt/>
+                  </p:tgtEl>
+                </p:cond>
+              </p:prevCondLst>
+              <p:nextCondLst>
+                <p:cond evt="onNext" delay="0">
+                  <p:tgtEl>
+                    <p:sldTgt/>
+                  </p:tgtEl>
+                </p:cond>
+              </p:nextCondLst>
+            </p:seq>
+          </p:childTnLst>
+        </p:cTn>
+      </p:par>
+    </p:tnLst>
+  </p:timing>
 </p:sld>
 </file>
 
@@ -5358,7 +6208,7 @@
           <a:p>
             <a:r>
               <a:rPr lang="de-CH" dirty="0" smtClean="0"/>
-              <a:t>Datenmodell</a:t>
+              <a:t>Implementation</a:t>
             </a:r>
             <a:endParaRPr lang="de-CH" dirty="0"/>
           </a:p>
@@ -5376,58 +6226,19 @@
         </p:nvSpPr>
         <p:spPr/>
         <p:txBody>
-          <a:bodyPr>
-            <a:normAutofit lnSpcReduction="10000"/>
-          </a:bodyPr>
+          <a:bodyPr/>
           <a:lstStyle/>
           <a:p>
             <a:r>
               <a:rPr lang="de-CH" dirty="0" smtClean="0"/>
-              <a:t>Levels</a:t>
+              <a:t>Grundlagen</a:t>
             </a:r>
           </a:p>
           <a:p>
             <a:pPr lvl="1"/>
             <a:r>
               <a:rPr lang="de-CH" dirty="0" smtClean="0"/>
-              <a:t>Metainformationen</a:t>
-            </a:r>
-          </a:p>
-          <a:p>
-            <a:pPr lvl="1"/>
-            <a:r>
-              <a:rPr lang="de-CH" dirty="0" smtClean="0"/>
-              <a:t>Anordnung der Spielelemente</a:t>
-            </a:r>
-          </a:p>
-          <a:p>
-            <a:r>
-              <a:rPr lang="de-CH" dirty="0" smtClean="0"/>
-              <a:t>Entwicklerinformationen</a:t>
-            </a:r>
-          </a:p>
-          <a:p>
-            <a:pPr lvl="1"/>
-            <a:r>
-              <a:rPr lang="de-CH" dirty="0" err="1" smtClean="0"/>
-              <a:t>Social</a:t>
-            </a:r>
-            <a:r>
-              <a:rPr lang="de-CH" dirty="0" smtClean="0"/>
-              <a:t> Media</a:t>
-            </a:r>
-          </a:p>
-          <a:p>
-            <a:pPr lvl="1"/>
-            <a:r>
-              <a:rPr lang="de-CH" dirty="0" smtClean="0"/>
-              <a:t>Entwicklernamen</a:t>
-            </a:r>
-          </a:p>
-          <a:p>
-            <a:r>
-              <a:rPr lang="de-CH" dirty="0" smtClean="0"/>
-              <a:t>Spielelemente</a:t>
+              <a:t>Physik</a:t>
             </a:r>
           </a:p>
           <a:p>
@@ -5435,6 +6246,24 @@
             <a:r>
               <a:rPr lang="de-CH" dirty="0" smtClean="0"/>
               <a:t>Animationen</a:t>
+            </a:r>
+          </a:p>
+          <a:p>
+            <a:r>
+              <a:rPr lang="de-CH" dirty="0" smtClean="0"/>
+              <a:t>Aufbereitung Grafiken</a:t>
+            </a:r>
+          </a:p>
+          <a:p>
+            <a:r>
+              <a:rPr lang="de-CH" dirty="0" smtClean="0"/>
+              <a:t>Layer &amp; Sprites</a:t>
+            </a:r>
+          </a:p>
+          <a:p>
+            <a:r>
+              <a:rPr lang="de-CH" dirty="0" err="1" smtClean="0"/>
+              <a:t>Leveldesign</a:t>
             </a:r>
             <a:endParaRPr lang="de-CH" dirty="0"/>
           </a:p>
@@ -5443,13 +6272,349 @@
     </p:spTree>
     <p:extLst>
       <p:ext uri="{BB962C8B-B14F-4D97-AF65-F5344CB8AC3E}">
-        <p14:creationId xmlns:p14="http://schemas.microsoft.com/office/powerpoint/2010/main" val="1752730562"/>
+        <p14:creationId xmlns:p14="http://schemas.microsoft.com/office/powerpoint/2010/main" val="343737319"/>
       </p:ext>
     </p:extLst>
   </p:cSld>
   <p:clrMapOvr>
     <a:masterClrMapping/>
   </p:clrMapOvr>
+  <mc:AlternateContent xmlns:mc="http://schemas.openxmlformats.org/markup-compatibility/2006">
+    <mc:Choice xmlns:p14="http://schemas.microsoft.com/office/powerpoint/2010/main" Requires="p14">
+      <p:transition spd="slow" p14:dur="1200">
+        <p14:prism/>
+      </p:transition>
+    </mc:Choice>
+    <mc:Fallback>
+      <p:transition xmlns:p14="http://schemas.microsoft.com/office/powerpoint/2010/main" spd="slow">
+        <p:fade/>
+      </p:transition>
+    </mc:Fallback>
+  </mc:AlternateContent>
+  <p:timing>
+    <p:tnLst>
+      <p:par>
+        <p:cTn xmlns:p14="http://schemas.microsoft.com/office/powerpoint/2010/main" id="1" dur="indefinite" restart="never" nodeType="tmRoot">
+          <p:childTnLst>
+            <p:seq concurrent="1" nextAc="seek">
+              <p:cTn id="2" dur="indefinite" nodeType="mainSeq">
+                <p:childTnLst>
+                  <p:par>
+                    <p:cTn id="3" fill="hold">
+                      <p:stCondLst>
+                        <p:cond delay="indefinite"/>
+                      </p:stCondLst>
+                      <p:childTnLst>
+                        <p:par>
+                          <p:cTn id="4" fill="hold">
+                            <p:stCondLst>
+                              <p:cond delay="0"/>
+                            </p:stCondLst>
+                            <p:childTnLst>
+                              <p:par>
+                                <p:cTn id="5" presetID="1" presetClass="entr" presetSubtype="0" fill="hold" nodeType="clickEffect">
+                                  <p:stCondLst>
+                                    <p:cond delay="0"/>
+                                  </p:stCondLst>
+                                  <p:childTnLst>
+                                    <p:set>
+                                      <p:cBhvr>
+                                        <p:cTn id="6" dur="1" fill="hold">
+                                          <p:stCondLst>
+                                            <p:cond delay="0"/>
+                                          </p:stCondLst>
+                                        </p:cTn>
+                                        <p:tgtEl>
+                                          <p:spTgt spid="3">
+                                            <p:txEl>
+                                              <p:pRg st="0" end="0"/>
+                                            </p:txEl>
+                                          </p:spTgt>
+                                        </p:tgtEl>
+                                        <p:attrNameLst>
+                                          <p:attrName>style.visibility</p:attrName>
+                                        </p:attrNameLst>
+                                      </p:cBhvr>
+                                      <p:to>
+                                        <p:strVal val="visible"/>
+                                      </p:to>
+                                    </p:set>
+                                  </p:childTnLst>
+                                </p:cTn>
+                              </p:par>
+                            </p:childTnLst>
+                          </p:cTn>
+                        </p:par>
+                      </p:childTnLst>
+                    </p:cTn>
+                  </p:par>
+                  <p:par>
+                    <p:cTn id="7" fill="hold">
+                      <p:stCondLst>
+                        <p:cond delay="indefinite"/>
+                      </p:stCondLst>
+                      <p:childTnLst>
+                        <p:par>
+                          <p:cTn id="8" fill="hold">
+                            <p:stCondLst>
+                              <p:cond delay="0"/>
+                            </p:stCondLst>
+                            <p:childTnLst>
+                              <p:par>
+                                <p:cTn id="9" presetID="1" presetClass="entr" presetSubtype="0" fill="hold" nodeType="clickEffect">
+                                  <p:stCondLst>
+                                    <p:cond delay="0"/>
+                                  </p:stCondLst>
+                                  <p:childTnLst>
+                                    <p:set>
+                                      <p:cBhvr>
+                                        <p:cTn id="10" dur="1" fill="hold">
+                                          <p:stCondLst>
+                                            <p:cond delay="0"/>
+                                          </p:stCondLst>
+                                        </p:cTn>
+                                        <p:tgtEl>
+                                          <p:spTgt spid="3">
+                                            <p:txEl>
+                                              <p:pRg st="1" end="1"/>
+                                            </p:txEl>
+                                          </p:spTgt>
+                                        </p:tgtEl>
+                                        <p:attrNameLst>
+                                          <p:attrName>style.visibility</p:attrName>
+                                        </p:attrNameLst>
+                                      </p:cBhvr>
+                                      <p:to>
+                                        <p:strVal val="visible"/>
+                                      </p:to>
+                                    </p:set>
+                                  </p:childTnLst>
+                                </p:cTn>
+                              </p:par>
+                            </p:childTnLst>
+                          </p:cTn>
+                        </p:par>
+                      </p:childTnLst>
+                    </p:cTn>
+                  </p:par>
+                  <p:par>
+                    <p:cTn id="11" fill="hold">
+                      <p:stCondLst>
+                        <p:cond delay="indefinite"/>
+                      </p:stCondLst>
+                      <p:childTnLst>
+                        <p:par>
+                          <p:cTn id="12" fill="hold">
+                            <p:stCondLst>
+                              <p:cond delay="0"/>
+                            </p:stCondLst>
+                            <p:childTnLst>
+                              <p:par>
+                                <p:cTn id="13" presetID="1" presetClass="entr" presetSubtype="0" fill="hold" nodeType="clickEffect">
+                                  <p:stCondLst>
+                                    <p:cond delay="0"/>
+                                  </p:stCondLst>
+                                  <p:childTnLst>
+                                    <p:set>
+                                      <p:cBhvr>
+                                        <p:cTn id="14" dur="1" fill="hold">
+                                          <p:stCondLst>
+                                            <p:cond delay="0"/>
+                                          </p:stCondLst>
+                                        </p:cTn>
+                                        <p:tgtEl>
+                                          <p:spTgt spid="3">
+                                            <p:txEl>
+                                              <p:pRg st="2" end="2"/>
+                                            </p:txEl>
+                                          </p:spTgt>
+                                        </p:tgtEl>
+                                        <p:attrNameLst>
+                                          <p:attrName>style.visibility</p:attrName>
+                                        </p:attrNameLst>
+                                      </p:cBhvr>
+                                      <p:to>
+                                        <p:strVal val="visible"/>
+                                      </p:to>
+                                    </p:set>
+                                  </p:childTnLst>
+                                </p:cTn>
+                              </p:par>
+                            </p:childTnLst>
+                          </p:cTn>
+                        </p:par>
+                      </p:childTnLst>
+                    </p:cTn>
+                  </p:par>
+                  <p:par>
+                    <p:cTn id="15" fill="hold">
+                      <p:stCondLst>
+                        <p:cond delay="indefinite"/>
+                      </p:stCondLst>
+                      <p:childTnLst>
+                        <p:par>
+                          <p:cTn id="16" fill="hold">
+                            <p:stCondLst>
+                              <p:cond delay="0"/>
+                            </p:stCondLst>
+                            <p:childTnLst>
+                              <p:par>
+                                <p:cTn id="17" presetID="1" presetClass="entr" presetSubtype="0" fill="hold" nodeType="clickEffect">
+                                  <p:stCondLst>
+                                    <p:cond delay="0"/>
+                                  </p:stCondLst>
+                                  <p:childTnLst>
+                                    <p:set>
+                                      <p:cBhvr>
+                                        <p:cTn id="18" dur="1" fill="hold">
+                                          <p:stCondLst>
+                                            <p:cond delay="0"/>
+                                          </p:stCondLst>
+                                        </p:cTn>
+                                        <p:tgtEl>
+                                          <p:spTgt spid="3">
+                                            <p:txEl>
+                                              <p:pRg st="3" end="3"/>
+                                            </p:txEl>
+                                          </p:spTgt>
+                                        </p:tgtEl>
+                                        <p:attrNameLst>
+                                          <p:attrName>style.visibility</p:attrName>
+                                        </p:attrNameLst>
+                                      </p:cBhvr>
+                                      <p:to>
+                                        <p:strVal val="visible"/>
+                                      </p:to>
+                                    </p:set>
+                                  </p:childTnLst>
+                                </p:cTn>
+                              </p:par>
+                            </p:childTnLst>
+                          </p:cTn>
+                        </p:par>
+                      </p:childTnLst>
+                    </p:cTn>
+                  </p:par>
+                  <p:par>
+                    <p:cTn id="19" fill="hold">
+                      <p:stCondLst>
+                        <p:cond delay="indefinite"/>
+                      </p:stCondLst>
+                      <p:childTnLst>
+                        <p:par>
+                          <p:cTn id="20" fill="hold">
+                            <p:stCondLst>
+                              <p:cond delay="0"/>
+                            </p:stCondLst>
+                            <p:childTnLst>
+                              <p:par>
+                                <p:cTn id="21" presetID="1" presetClass="entr" presetSubtype="0" fill="hold" nodeType="clickEffect">
+                                  <p:stCondLst>
+                                    <p:cond delay="0"/>
+                                  </p:stCondLst>
+                                  <p:childTnLst>
+                                    <p:set>
+                                      <p:cBhvr>
+                                        <p:cTn id="22" dur="1" fill="hold">
+                                          <p:stCondLst>
+                                            <p:cond delay="0"/>
+                                          </p:stCondLst>
+                                        </p:cTn>
+                                        <p:tgtEl>
+                                          <p:spTgt spid="3">
+                                            <p:txEl>
+                                              <p:pRg st="4" end="4"/>
+                                            </p:txEl>
+                                          </p:spTgt>
+                                        </p:tgtEl>
+                                        <p:attrNameLst>
+                                          <p:attrName>style.visibility</p:attrName>
+                                        </p:attrNameLst>
+                                      </p:cBhvr>
+                                      <p:to>
+                                        <p:strVal val="visible"/>
+                                      </p:to>
+                                    </p:set>
+                                  </p:childTnLst>
+                                </p:cTn>
+                              </p:par>
+                            </p:childTnLst>
+                          </p:cTn>
+                        </p:par>
+                      </p:childTnLst>
+                    </p:cTn>
+                  </p:par>
+                  <p:par>
+                    <p:cTn id="23" fill="hold">
+                      <p:stCondLst>
+                        <p:cond delay="indefinite"/>
+                      </p:stCondLst>
+                      <p:childTnLst>
+                        <p:par>
+                          <p:cTn id="24" fill="hold">
+                            <p:stCondLst>
+                              <p:cond delay="0"/>
+                            </p:stCondLst>
+                            <p:childTnLst>
+                              <p:par>
+                                <p:cTn id="25" presetID="1" presetClass="entr" presetSubtype="0" fill="hold" nodeType="clickEffect">
+                                  <p:stCondLst>
+                                    <p:cond delay="0"/>
+                                  </p:stCondLst>
+                                  <p:childTnLst>
+                                    <p:set>
+                                      <p:cBhvr>
+                                        <p:cTn id="26" dur="1" fill="hold">
+                                          <p:stCondLst>
+                                            <p:cond delay="0"/>
+                                          </p:stCondLst>
+                                        </p:cTn>
+                                        <p:tgtEl>
+                                          <p:spTgt spid="3">
+                                            <p:txEl>
+                                              <p:pRg st="5" end="5"/>
+                                            </p:txEl>
+                                          </p:spTgt>
+                                        </p:tgtEl>
+                                        <p:attrNameLst>
+                                          <p:attrName>style.visibility</p:attrName>
+                                        </p:attrNameLst>
+                                      </p:cBhvr>
+                                      <p:to>
+                                        <p:strVal val="visible"/>
+                                      </p:to>
+                                    </p:set>
+                                  </p:childTnLst>
+                                </p:cTn>
+                              </p:par>
+                            </p:childTnLst>
+                          </p:cTn>
+                        </p:par>
+                      </p:childTnLst>
+                    </p:cTn>
+                  </p:par>
+                </p:childTnLst>
+              </p:cTn>
+              <p:prevCondLst>
+                <p:cond evt="onPrev" delay="0">
+                  <p:tgtEl>
+                    <p:sldTgt/>
+                  </p:tgtEl>
+                </p:cond>
+              </p:prevCondLst>
+              <p:nextCondLst>
+                <p:cond evt="onNext" delay="0">
+                  <p:tgtEl>
+                    <p:sldTgt/>
+                  </p:tgtEl>
+                </p:cond>
+              </p:nextCondLst>
+            </p:seq>
+          </p:childTnLst>
+        </p:cTn>
+      </p:par>
+    </p:tnLst>
+  </p:timing>
 </p:sld>
 </file>
 
@@ -5470,11 +6635,1978 @@
           <a:chExt cx="0" cy="0"/>
         </a:xfrm>
       </p:grpSpPr>
+      <p:sp>
+        <p:nvSpPr>
+          <p:cNvPr id="2" name="Titel 1"/>
+          <p:cNvSpPr>
+            <a:spLocks noGrp="1"/>
+          </p:cNvSpPr>
+          <p:nvPr>
+            <p:ph type="title"/>
+          </p:nvPr>
+        </p:nvSpPr>
+        <p:spPr/>
+        <p:txBody>
+          <a:bodyPr/>
+          <a:lstStyle/>
+          <a:p>
+            <a:r>
+              <a:rPr lang="de-CH" dirty="0" smtClean="0"/>
+              <a:t>Layer &amp; Scenes</a:t>
+            </a:r>
+            <a:endParaRPr lang="de-CH" dirty="0"/>
+          </a:p>
+        </p:txBody>
+      </p:sp>
+      <p:sp>
+        <p:nvSpPr>
+          <p:cNvPr id="4" name="Rechteck 3"/>
+          <p:cNvSpPr/>
+          <p:nvPr/>
+        </p:nvSpPr>
+        <p:spPr>
+          <a:xfrm>
+            <a:off x="786330" y="2705923"/>
+            <a:ext cx="3203276" cy="1642883"/>
+          </a:xfrm>
+          <a:prstGeom prst="rect">
+            <a:avLst/>
+          </a:prstGeom>
+          <a:solidFill>
+            <a:schemeClr val="accent2"/>
+          </a:solidFill>
+        </p:spPr>
+        <p:style>
+          <a:lnRef idx="1">
+            <a:schemeClr val="dk1"/>
+          </a:lnRef>
+          <a:fillRef idx="3">
+            <a:schemeClr val="dk1"/>
+          </a:fillRef>
+          <a:effectRef idx="2">
+            <a:schemeClr val="dk1"/>
+          </a:effectRef>
+          <a:fontRef idx="minor">
+            <a:schemeClr val="lt1"/>
+          </a:fontRef>
+        </p:style>
+        <p:txBody>
+          <a:bodyPr rtlCol="0" anchor="ctr"/>
+          <a:lstStyle/>
+          <a:p>
+            <a:pPr algn="ctr"/>
+            <a:r>
+              <a:rPr lang="de-CH" dirty="0" err="1" smtClean="0"/>
+              <a:t>UIView</a:t>
+            </a:r>
+            <a:endParaRPr lang="de-CH" dirty="0"/>
+          </a:p>
+        </p:txBody>
+      </p:sp>
+      <p:sp>
+        <p:nvSpPr>
+          <p:cNvPr id="6" name="Rechteck 5"/>
+          <p:cNvSpPr/>
+          <p:nvPr/>
+        </p:nvSpPr>
+        <p:spPr>
+          <a:xfrm>
+            <a:off x="1435706" y="3230538"/>
+            <a:ext cx="3203276" cy="1642883"/>
+          </a:xfrm>
+          <a:prstGeom prst="rect">
+            <a:avLst/>
+          </a:prstGeom>
+          <a:solidFill>
+            <a:schemeClr val="accent6">
+              <a:lumMod val="75000"/>
+            </a:schemeClr>
+          </a:solidFill>
+        </p:spPr>
+        <p:style>
+          <a:lnRef idx="1">
+            <a:schemeClr val="dk1"/>
+          </a:lnRef>
+          <a:fillRef idx="3">
+            <a:schemeClr val="dk1"/>
+          </a:fillRef>
+          <a:effectRef idx="2">
+            <a:schemeClr val="dk1"/>
+          </a:effectRef>
+          <a:fontRef idx="minor">
+            <a:schemeClr val="lt1"/>
+          </a:fontRef>
+        </p:style>
+        <p:txBody>
+          <a:bodyPr rtlCol="0" anchor="ctr"/>
+          <a:lstStyle/>
+          <a:p>
+            <a:pPr algn="ctr"/>
+            <a:r>
+              <a:rPr lang="de-CH" dirty="0" smtClean="0"/>
+              <a:t>Scene</a:t>
+            </a:r>
+            <a:endParaRPr lang="de-CH" dirty="0"/>
+          </a:p>
+        </p:txBody>
+      </p:sp>
+      <p:sp>
+        <p:nvSpPr>
+          <p:cNvPr id="11" name="Rechteck 10"/>
+          <p:cNvSpPr/>
+          <p:nvPr/>
+        </p:nvSpPr>
+        <p:spPr>
+          <a:xfrm>
+            <a:off x="2059356" y="3755159"/>
+            <a:ext cx="3203276" cy="1642883"/>
+          </a:xfrm>
+          <a:prstGeom prst="rect">
+            <a:avLst/>
+          </a:prstGeom>
+          <a:solidFill>
+            <a:schemeClr val="bg2">
+              <a:lumMod val="50000"/>
+            </a:schemeClr>
+          </a:solidFill>
+        </p:spPr>
+        <p:style>
+          <a:lnRef idx="1">
+            <a:schemeClr val="dk1"/>
+          </a:lnRef>
+          <a:fillRef idx="3">
+            <a:schemeClr val="dk1"/>
+          </a:fillRef>
+          <a:effectRef idx="2">
+            <a:schemeClr val="dk1"/>
+          </a:effectRef>
+          <a:fontRef idx="minor">
+            <a:schemeClr val="lt1"/>
+          </a:fontRef>
+        </p:style>
+        <p:txBody>
+          <a:bodyPr rtlCol="0" anchor="ctr"/>
+          <a:lstStyle/>
+          <a:p>
+            <a:pPr algn="ctr"/>
+            <a:r>
+              <a:rPr lang="de-CH" dirty="0" smtClean="0"/>
+              <a:t>Layer A</a:t>
+            </a:r>
+            <a:endParaRPr lang="de-CH" dirty="0"/>
+          </a:p>
+        </p:txBody>
+      </p:sp>
+      <p:sp>
+        <p:nvSpPr>
+          <p:cNvPr id="13" name="Rechteck 12"/>
+          <p:cNvSpPr/>
+          <p:nvPr/>
+        </p:nvSpPr>
+        <p:spPr>
+          <a:xfrm>
+            <a:off x="2778027" y="4272875"/>
+            <a:ext cx="3203276" cy="1642883"/>
+          </a:xfrm>
+          <a:prstGeom prst="rect">
+            <a:avLst/>
+          </a:prstGeom>
+          <a:solidFill>
+            <a:srgbClr val="FF0000"/>
+          </a:solidFill>
+        </p:spPr>
+        <p:style>
+          <a:lnRef idx="1">
+            <a:schemeClr val="dk1"/>
+          </a:lnRef>
+          <a:fillRef idx="3">
+            <a:schemeClr val="dk1"/>
+          </a:fillRef>
+          <a:effectRef idx="2">
+            <a:schemeClr val="dk1"/>
+          </a:effectRef>
+          <a:fontRef idx="minor">
+            <a:schemeClr val="lt1"/>
+          </a:fontRef>
+        </p:style>
+        <p:txBody>
+          <a:bodyPr rtlCol="0" anchor="ctr"/>
+          <a:lstStyle/>
+          <a:p>
+            <a:pPr algn="ctr"/>
+            <a:r>
+              <a:rPr lang="de-CH" dirty="0" smtClean="0"/>
+              <a:t>Layer B</a:t>
+            </a:r>
+            <a:endParaRPr lang="de-CH" dirty="0"/>
+          </a:p>
+        </p:txBody>
+      </p:sp>
+      <p:sp>
+        <p:nvSpPr>
+          <p:cNvPr id="14" name="Rechteck 13"/>
+          <p:cNvSpPr/>
+          <p:nvPr/>
+        </p:nvSpPr>
+        <p:spPr>
+          <a:xfrm>
+            <a:off x="3481529" y="4818197"/>
+            <a:ext cx="3203276" cy="1642883"/>
+          </a:xfrm>
+          <a:prstGeom prst="rect">
+            <a:avLst/>
+          </a:prstGeom>
+          <a:solidFill>
+            <a:schemeClr val="accent1"/>
+          </a:solidFill>
+        </p:spPr>
+        <p:style>
+          <a:lnRef idx="1">
+            <a:schemeClr val="dk1"/>
+          </a:lnRef>
+          <a:fillRef idx="3">
+            <a:schemeClr val="dk1"/>
+          </a:fillRef>
+          <a:effectRef idx="2">
+            <a:schemeClr val="dk1"/>
+          </a:effectRef>
+          <a:fontRef idx="minor">
+            <a:schemeClr val="lt1"/>
+          </a:fontRef>
+        </p:style>
+        <p:txBody>
+          <a:bodyPr rtlCol="0" anchor="ctr"/>
+          <a:lstStyle/>
+          <a:p>
+            <a:pPr algn="ctr"/>
+            <a:r>
+              <a:rPr lang="de-CH" dirty="0" smtClean="0"/>
+              <a:t>Layer N</a:t>
+            </a:r>
+            <a:endParaRPr lang="de-CH" dirty="0"/>
+          </a:p>
+        </p:txBody>
+      </p:sp>
+      <p:sp>
+        <p:nvSpPr>
+          <p:cNvPr id="15" name="Textfeld 14"/>
+          <p:cNvSpPr txBox="1"/>
+          <p:nvPr/>
+        </p:nvSpPr>
+        <p:spPr>
+          <a:xfrm>
+            <a:off x="5262632" y="2861206"/>
+            <a:ext cx="1774845" cy="369332"/>
+          </a:xfrm>
+          <a:prstGeom prst="rect">
+            <a:avLst/>
+          </a:prstGeom>
+          <a:noFill/>
+        </p:spPr>
+        <p:txBody>
+          <a:bodyPr wrap="none" rtlCol="0">
+            <a:spAutoFit/>
+          </a:bodyPr>
+          <a:lstStyle/>
+          <a:p>
+            <a:r>
+              <a:rPr lang="de-CH" dirty="0" smtClean="0"/>
+              <a:t>Hintergrundbild</a:t>
+            </a:r>
+            <a:endParaRPr lang="de-CH" dirty="0"/>
+          </a:p>
+        </p:txBody>
+      </p:sp>
+      <p:sp>
+        <p:nvSpPr>
+          <p:cNvPr id="17" name="Textfeld 16"/>
+          <p:cNvSpPr txBox="1"/>
+          <p:nvPr/>
+        </p:nvSpPr>
+        <p:spPr>
+          <a:xfrm>
+            <a:off x="5981303" y="3385827"/>
+            <a:ext cx="1402948" cy="369332"/>
+          </a:xfrm>
+          <a:prstGeom prst="rect">
+            <a:avLst/>
+          </a:prstGeom>
+          <a:noFill/>
+        </p:spPr>
+        <p:txBody>
+          <a:bodyPr wrap="none" rtlCol="0">
+            <a:spAutoFit/>
+          </a:bodyPr>
+          <a:lstStyle/>
+          <a:p>
+            <a:r>
+              <a:rPr lang="de-CH" dirty="0" smtClean="0"/>
+              <a:t>Punktestand</a:t>
+            </a:r>
+            <a:endParaRPr lang="de-CH" dirty="0"/>
+          </a:p>
+        </p:txBody>
+      </p:sp>
+      <p:sp>
+        <p:nvSpPr>
+          <p:cNvPr id="18" name="Textfeld 17"/>
+          <p:cNvSpPr txBox="1"/>
+          <p:nvPr/>
+        </p:nvSpPr>
+        <p:spPr>
+          <a:xfrm>
+            <a:off x="6684805" y="3903543"/>
+            <a:ext cx="1752140" cy="369332"/>
+          </a:xfrm>
+          <a:prstGeom prst="rect">
+            <a:avLst/>
+          </a:prstGeom>
+          <a:noFill/>
+        </p:spPr>
+        <p:txBody>
+          <a:bodyPr wrap="none" rtlCol="0">
+            <a:spAutoFit/>
+          </a:bodyPr>
+          <a:lstStyle/>
+          <a:p>
+            <a:r>
+              <a:rPr lang="de-CH" dirty="0" err="1" smtClean="0"/>
+              <a:t>Eingabelemente</a:t>
+            </a:r>
+            <a:endParaRPr lang="de-CH" dirty="0"/>
+          </a:p>
+        </p:txBody>
+      </p:sp>
+    </p:spTree>
+    <p:extLst>
+      <p:ext uri="{BB962C8B-B14F-4D97-AF65-F5344CB8AC3E}">
+        <p14:creationId xmlns:p14="http://schemas.microsoft.com/office/powerpoint/2010/main" val="407749352"/>
+      </p:ext>
+    </p:extLst>
+  </p:cSld>
+  <p:clrMapOvr>
+    <a:masterClrMapping/>
+  </p:clrMapOvr>
+  <mc:AlternateContent xmlns:mc="http://schemas.openxmlformats.org/markup-compatibility/2006">
+    <mc:Choice xmlns:p14="http://schemas.microsoft.com/office/powerpoint/2010/main" Requires="p14">
+      <p:transition spd="slow" p14:dur="1200">
+        <p14:prism/>
+      </p:transition>
+    </mc:Choice>
+    <mc:Fallback>
+      <p:transition xmlns:p14="http://schemas.microsoft.com/office/powerpoint/2010/main" spd="slow">
+        <p:fade/>
+      </p:transition>
+    </mc:Fallback>
+  </mc:AlternateContent>
+  <p:timing>
+    <p:tnLst>
+      <p:par>
+        <p:cTn xmlns:p14="http://schemas.microsoft.com/office/powerpoint/2010/main" id="1" dur="indefinite" restart="never" nodeType="tmRoot">
+          <p:childTnLst>
+            <p:seq concurrent="1" nextAc="seek">
+              <p:cTn id="2" dur="indefinite" nodeType="mainSeq">
+                <p:childTnLst>
+                  <p:par>
+                    <p:cTn id="3" fill="hold">
+                      <p:stCondLst>
+                        <p:cond delay="indefinite"/>
+                      </p:stCondLst>
+                      <p:childTnLst>
+                        <p:par>
+                          <p:cTn id="4" fill="hold">
+                            <p:stCondLst>
+                              <p:cond delay="0"/>
+                            </p:stCondLst>
+                            <p:childTnLst>
+                              <p:par>
+                                <p:cTn id="5" presetID="1" presetClass="entr" presetSubtype="0" fill="hold" grpId="0" nodeType="clickEffect">
+                                  <p:stCondLst>
+                                    <p:cond delay="0"/>
+                                  </p:stCondLst>
+                                  <p:childTnLst>
+                                    <p:set>
+                                      <p:cBhvr>
+                                        <p:cTn id="6" dur="1" fill="hold">
+                                          <p:stCondLst>
+                                            <p:cond delay="0"/>
+                                          </p:stCondLst>
+                                        </p:cTn>
+                                        <p:tgtEl>
+                                          <p:spTgt spid="4"/>
+                                        </p:tgtEl>
+                                        <p:attrNameLst>
+                                          <p:attrName>style.visibility</p:attrName>
+                                        </p:attrNameLst>
+                                      </p:cBhvr>
+                                      <p:to>
+                                        <p:strVal val="visible"/>
+                                      </p:to>
+                                    </p:set>
+                                  </p:childTnLst>
+                                </p:cTn>
+                              </p:par>
+                            </p:childTnLst>
+                          </p:cTn>
+                        </p:par>
+                      </p:childTnLst>
+                    </p:cTn>
+                  </p:par>
+                  <p:par>
+                    <p:cTn id="7" fill="hold">
+                      <p:stCondLst>
+                        <p:cond delay="indefinite"/>
+                      </p:stCondLst>
+                      <p:childTnLst>
+                        <p:par>
+                          <p:cTn id="8" fill="hold">
+                            <p:stCondLst>
+                              <p:cond delay="0"/>
+                            </p:stCondLst>
+                            <p:childTnLst>
+                              <p:par>
+                                <p:cTn id="9" presetID="1" presetClass="entr" presetSubtype="0" fill="hold" grpId="0" nodeType="clickEffect">
+                                  <p:stCondLst>
+                                    <p:cond delay="0"/>
+                                  </p:stCondLst>
+                                  <p:childTnLst>
+                                    <p:set>
+                                      <p:cBhvr>
+                                        <p:cTn id="10" dur="1" fill="hold">
+                                          <p:stCondLst>
+                                            <p:cond delay="0"/>
+                                          </p:stCondLst>
+                                        </p:cTn>
+                                        <p:tgtEl>
+                                          <p:spTgt spid="6"/>
+                                        </p:tgtEl>
+                                        <p:attrNameLst>
+                                          <p:attrName>style.visibility</p:attrName>
+                                        </p:attrNameLst>
+                                      </p:cBhvr>
+                                      <p:to>
+                                        <p:strVal val="visible"/>
+                                      </p:to>
+                                    </p:set>
+                                  </p:childTnLst>
+                                </p:cTn>
+                              </p:par>
+                            </p:childTnLst>
+                          </p:cTn>
+                        </p:par>
+                      </p:childTnLst>
+                    </p:cTn>
+                  </p:par>
+                  <p:par>
+                    <p:cTn id="11" fill="hold">
+                      <p:stCondLst>
+                        <p:cond delay="indefinite"/>
+                      </p:stCondLst>
+                      <p:childTnLst>
+                        <p:par>
+                          <p:cTn id="12" fill="hold">
+                            <p:stCondLst>
+                              <p:cond delay="0"/>
+                            </p:stCondLst>
+                            <p:childTnLst>
+                              <p:par>
+                                <p:cTn id="13" presetID="1" presetClass="entr" presetSubtype="0" fill="hold" grpId="0" nodeType="clickEffect">
+                                  <p:stCondLst>
+                                    <p:cond delay="0"/>
+                                  </p:stCondLst>
+                                  <p:childTnLst>
+                                    <p:set>
+                                      <p:cBhvr>
+                                        <p:cTn id="14" dur="1" fill="hold">
+                                          <p:stCondLst>
+                                            <p:cond delay="0"/>
+                                          </p:stCondLst>
+                                        </p:cTn>
+                                        <p:tgtEl>
+                                          <p:spTgt spid="11"/>
+                                        </p:tgtEl>
+                                        <p:attrNameLst>
+                                          <p:attrName>style.visibility</p:attrName>
+                                        </p:attrNameLst>
+                                      </p:cBhvr>
+                                      <p:to>
+                                        <p:strVal val="visible"/>
+                                      </p:to>
+                                    </p:set>
+                                  </p:childTnLst>
+                                </p:cTn>
+                              </p:par>
+                            </p:childTnLst>
+                          </p:cTn>
+                        </p:par>
+                      </p:childTnLst>
+                    </p:cTn>
+                  </p:par>
+                  <p:par>
+                    <p:cTn id="15" fill="hold">
+                      <p:stCondLst>
+                        <p:cond delay="indefinite"/>
+                      </p:stCondLst>
+                      <p:childTnLst>
+                        <p:par>
+                          <p:cTn id="16" fill="hold">
+                            <p:stCondLst>
+                              <p:cond delay="0"/>
+                            </p:stCondLst>
+                            <p:childTnLst>
+                              <p:par>
+                                <p:cTn id="17" presetID="1" presetClass="entr" presetSubtype="0" fill="hold" grpId="0" nodeType="clickEffect">
+                                  <p:stCondLst>
+                                    <p:cond delay="0"/>
+                                  </p:stCondLst>
+                                  <p:childTnLst>
+                                    <p:set>
+                                      <p:cBhvr>
+                                        <p:cTn id="18" dur="1" fill="hold">
+                                          <p:stCondLst>
+                                            <p:cond delay="0"/>
+                                          </p:stCondLst>
+                                        </p:cTn>
+                                        <p:tgtEl>
+                                          <p:spTgt spid="15"/>
+                                        </p:tgtEl>
+                                        <p:attrNameLst>
+                                          <p:attrName>style.visibility</p:attrName>
+                                        </p:attrNameLst>
+                                      </p:cBhvr>
+                                      <p:to>
+                                        <p:strVal val="visible"/>
+                                      </p:to>
+                                    </p:set>
+                                  </p:childTnLst>
+                                </p:cTn>
+                              </p:par>
+                            </p:childTnLst>
+                          </p:cTn>
+                        </p:par>
+                      </p:childTnLst>
+                    </p:cTn>
+                  </p:par>
+                  <p:par>
+                    <p:cTn id="19" fill="hold">
+                      <p:stCondLst>
+                        <p:cond delay="indefinite"/>
+                      </p:stCondLst>
+                      <p:childTnLst>
+                        <p:par>
+                          <p:cTn id="20" fill="hold">
+                            <p:stCondLst>
+                              <p:cond delay="0"/>
+                            </p:stCondLst>
+                            <p:childTnLst>
+                              <p:par>
+                                <p:cTn id="21" presetID="1" presetClass="entr" presetSubtype="0" fill="hold" grpId="0" nodeType="clickEffect">
+                                  <p:stCondLst>
+                                    <p:cond delay="0"/>
+                                  </p:stCondLst>
+                                  <p:childTnLst>
+                                    <p:set>
+                                      <p:cBhvr>
+                                        <p:cTn id="22" dur="1" fill="hold">
+                                          <p:stCondLst>
+                                            <p:cond delay="0"/>
+                                          </p:stCondLst>
+                                        </p:cTn>
+                                        <p:tgtEl>
+                                          <p:spTgt spid="13"/>
+                                        </p:tgtEl>
+                                        <p:attrNameLst>
+                                          <p:attrName>style.visibility</p:attrName>
+                                        </p:attrNameLst>
+                                      </p:cBhvr>
+                                      <p:to>
+                                        <p:strVal val="visible"/>
+                                      </p:to>
+                                    </p:set>
+                                  </p:childTnLst>
+                                </p:cTn>
+                              </p:par>
+                            </p:childTnLst>
+                          </p:cTn>
+                        </p:par>
+                      </p:childTnLst>
+                    </p:cTn>
+                  </p:par>
+                  <p:par>
+                    <p:cTn id="23" fill="hold">
+                      <p:stCondLst>
+                        <p:cond delay="indefinite"/>
+                      </p:stCondLst>
+                      <p:childTnLst>
+                        <p:par>
+                          <p:cTn id="24" fill="hold">
+                            <p:stCondLst>
+                              <p:cond delay="0"/>
+                            </p:stCondLst>
+                            <p:childTnLst>
+                              <p:par>
+                                <p:cTn id="25" presetID="1" presetClass="entr" presetSubtype="0" fill="hold" grpId="0" nodeType="clickEffect">
+                                  <p:stCondLst>
+                                    <p:cond delay="0"/>
+                                  </p:stCondLst>
+                                  <p:childTnLst>
+                                    <p:set>
+                                      <p:cBhvr>
+                                        <p:cTn id="26" dur="1" fill="hold">
+                                          <p:stCondLst>
+                                            <p:cond delay="0"/>
+                                          </p:stCondLst>
+                                        </p:cTn>
+                                        <p:tgtEl>
+                                          <p:spTgt spid="17"/>
+                                        </p:tgtEl>
+                                        <p:attrNameLst>
+                                          <p:attrName>style.visibility</p:attrName>
+                                        </p:attrNameLst>
+                                      </p:cBhvr>
+                                      <p:to>
+                                        <p:strVal val="visible"/>
+                                      </p:to>
+                                    </p:set>
+                                  </p:childTnLst>
+                                </p:cTn>
+                              </p:par>
+                            </p:childTnLst>
+                          </p:cTn>
+                        </p:par>
+                      </p:childTnLst>
+                    </p:cTn>
+                  </p:par>
+                  <p:par>
+                    <p:cTn id="27" fill="hold">
+                      <p:stCondLst>
+                        <p:cond delay="indefinite"/>
+                      </p:stCondLst>
+                      <p:childTnLst>
+                        <p:par>
+                          <p:cTn id="28" fill="hold">
+                            <p:stCondLst>
+                              <p:cond delay="0"/>
+                            </p:stCondLst>
+                            <p:childTnLst>
+                              <p:par>
+                                <p:cTn id="29" presetID="1" presetClass="entr" presetSubtype="0" fill="hold" grpId="0" nodeType="clickEffect">
+                                  <p:stCondLst>
+                                    <p:cond delay="0"/>
+                                  </p:stCondLst>
+                                  <p:childTnLst>
+                                    <p:set>
+                                      <p:cBhvr>
+                                        <p:cTn id="30" dur="1" fill="hold">
+                                          <p:stCondLst>
+                                            <p:cond delay="0"/>
+                                          </p:stCondLst>
+                                        </p:cTn>
+                                        <p:tgtEl>
+                                          <p:spTgt spid="14"/>
+                                        </p:tgtEl>
+                                        <p:attrNameLst>
+                                          <p:attrName>style.visibility</p:attrName>
+                                        </p:attrNameLst>
+                                      </p:cBhvr>
+                                      <p:to>
+                                        <p:strVal val="visible"/>
+                                      </p:to>
+                                    </p:set>
+                                  </p:childTnLst>
+                                </p:cTn>
+                              </p:par>
+                            </p:childTnLst>
+                          </p:cTn>
+                        </p:par>
+                      </p:childTnLst>
+                    </p:cTn>
+                  </p:par>
+                  <p:par>
+                    <p:cTn id="31" fill="hold">
+                      <p:stCondLst>
+                        <p:cond delay="indefinite"/>
+                      </p:stCondLst>
+                      <p:childTnLst>
+                        <p:par>
+                          <p:cTn id="32" fill="hold">
+                            <p:stCondLst>
+                              <p:cond delay="0"/>
+                            </p:stCondLst>
+                            <p:childTnLst>
+                              <p:par>
+                                <p:cTn id="33" presetID="1" presetClass="entr" presetSubtype="0" fill="hold" grpId="0" nodeType="clickEffect">
+                                  <p:stCondLst>
+                                    <p:cond delay="0"/>
+                                  </p:stCondLst>
+                                  <p:childTnLst>
+                                    <p:set>
+                                      <p:cBhvr>
+                                        <p:cTn id="34" dur="1" fill="hold">
+                                          <p:stCondLst>
+                                            <p:cond delay="0"/>
+                                          </p:stCondLst>
+                                        </p:cTn>
+                                        <p:tgtEl>
+                                          <p:spTgt spid="18"/>
+                                        </p:tgtEl>
+                                        <p:attrNameLst>
+                                          <p:attrName>style.visibility</p:attrName>
+                                        </p:attrNameLst>
+                                      </p:cBhvr>
+                                      <p:to>
+                                        <p:strVal val="visible"/>
+                                      </p:to>
+                                    </p:set>
+                                  </p:childTnLst>
+                                </p:cTn>
+                              </p:par>
+                            </p:childTnLst>
+                          </p:cTn>
+                        </p:par>
+                      </p:childTnLst>
+                    </p:cTn>
+                  </p:par>
+                </p:childTnLst>
+              </p:cTn>
+              <p:prevCondLst>
+                <p:cond evt="onPrev" delay="0">
+                  <p:tgtEl>
+                    <p:sldTgt/>
+                  </p:tgtEl>
+                </p:cond>
+              </p:prevCondLst>
+              <p:nextCondLst>
+                <p:cond evt="onNext" delay="0">
+                  <p:tgtEl>
+                    <p:sldTgt/>
+                  </p:tgtEl>
+                </p:cond>
+              </p:nextCondLst>
+            </p:seq>
+          </p:childTnLst>
+        </p:cTn>
+      </p:par>
+    </p:tnLst>
+    <p:bldLst>
+      <p:bldP spid="4" grpId="0" animBg="1"/>
+      <p:bldP spid="6" grpId="0" animBg="1"/>
+      <p:bldP spid="11" grpId="0" animBg="1"/>
+      <p:bldP spid="13" grpId="0" animBg="1"/>
+      <p:bldP spid="14" grpId="0" animBg="1"/>
+      <p:bldP spid="15" grpId="0"/>
+      <p:bldP spid="17" grpId="0"/>
+      <p:bldP spid="18" grpId="0"/>
+    </p:bldLst>
+  </p:timing>
+</p:sld>
+</file>
+
+<file path=ppt/slides/slide14.xml><?xml version="1.0" encoding="utf-8"?>
+<p:sld xmlns:a="http://schemas.openxmlformats.org/drawingml/2006/main" xmlns:r="http://schemas.openxmlformats.org/officeDocument/2006/relationships" xmlns:p="http://schemas.openxmlformats.org/presentationml/2006/main">
+  <p:cSld>
+    <p:spTree>
+      <p:nvGrpSpPr>
+        <p:cNvPr id="1" name=""/>
+        <p:cNvGrpSpPr/>
+        <p:nvPr/>
+      </p:nvGrpSpPr>
+      <p:grpSpPr>
+        <a:xfrm>
+          <a:off x="0" y="0"/>
+          <a:ext cx="0" cy="0"/>
+          <a:chOff x="0" y="0"/>
+          <a:chExt cx="0" cy="0"/>
+        </a:xfrm>
+      </p:grpSpPr>
+      <p:sp>
+        <p:nvSpPr>
+          <p:cNvPr id="2" name="Titel 1"/>
+          <p:cNvSpPr>
+            <a:spLocks noGrp="1"/>
+          </p:cNvSpPr>
+          <p:nvPr>
+            <p:ph type="title"/>
+          </p:nvPr>
+        </p:nvSpPr>
+        <p:spPr/>
+        <p:txBody>
+          <a:bodyPr/>
+          <a:lstStyle/>
+          <a:p>
+            <a:r>
+              <a:rPr lang="de-CH" dirty="0" smtClean="0"/>
+              <a:t>Nodes</a:t>
+            </a:r>
+            <a:endParaRPr lang="de-CH" dirty="0"/>
+          </a:p>
+        </p:txBody>
+      </p:sp>
+      <p:sp>
+        <p:nvSpPr>
+          <p:cNvPr id="3" name="Inhaltsplatzhalter 2"/>
+          <p:cNvSpPr>
+            <a:spLocks noGrp="1"/>
+          </p:cNvSpPr>
+          <p:nvPr>
+            <p:ph idx="1"/>
+          </p:nvPr>
+        </p:nvSpPr>
+        <p:spPr/>
+        <p:txBody>
+          <a:bodyPr/>
+          <a:lstStyle/>
+          <a:p>
+            <a:r>
+              <a:rPr lang="de-CH" dirty="0" err="1" smtClean="0"/>
+              <a:t>CCNode</a:t>
+            </a:r>
+            <a:endParaRPr lang="de-CH" dirty="0" smtClean="0"/>
+          </a:p>
+          <a:p>
+            <a:pPr lvl="1"/>
+            <a:r>
+              <a:rPr lang="de-CH" dirty="0" smtClean="0"/>
+              <a:t>Superklasse in Cococs2D</a:t>
+            </a:r>
+          </a:p>
+          <a:p>
+            <a:pPr lvl="1"/>
+            <a:endParaRPr lang="de-CH" dirty="0"/>
+          </a:p>
+          <a:p>
+            <a:pPr lvl="1"/>
+            <a:r>
+              <a:rPr lang="de-CH" dirty="0" err="1" smtClean="0"/>
+              <a:t>moveBy</a:t>
+            </a:r>
+            <a:r>
+              <a:rPr lang="de-CH" dirty="0" smtClean="0"/>
+              <a:t>, </a:t>
+            </a:r>
+            <a:r>
+              <a:rPr lang="de-CH" dirty="0" err="1" smtClean="0"/>
+              <a:t>moveTo</a:t>
+            </a:r>
+            <a:endParaRPr lang="de-CH" dirty="0" smtClean="0"/>
+          </a:p>
+          <a:p>
+            <a:pPr lvl="1"/>
+            <a:r>
+              <a:rPr lang="de-CH" dirty="0" err="1" smtClean="0"/>
+              <a:t>rotateBy</a:t>
+            </a:r>
+            <a:endParaRPr lang="de-CH" dirty="0" smtClean="0"/>
+          </a:p>
+          <a:p>
+            <a:pPr lvl="1"/>
+            <a:r>
+              <a:rPr lang="de-CH" dirty="0" err="1" smtClean="0"/>
+              <a:t>scale</a:t>
+            </a:r>
+            <a:endParaRPr lang="de-CH" dirty="0"/>
+          </a:p>
+        </p:txBody>
+      </p:sp>
+      <p:grpSp>
+        <p:nvGrpSpPr>
+          <p:cNvPr id="6" name="Gruppierung 5"/>
+          <p:cNvGrpSpPr/>
+          <p:nvPr/>
+        </p:nvGrpSpPr>
+        <p:grpSpPr>
+          <a:xfrm>
+            <a:off x="5444979" y="3086626"/>
+            <a:ext cx="1077848" cy="1077893"/>
+            <a:chOff x="5853262" y="3258152"/>
+            <a:chExt cx="1077848" cy="1077893"/>
+          </a:xfrm>
+        </p:grpSpPr>
+        <p:sp>
+          <p:nvSpPr>
+            <p:cNvPr id="4" name="Abgerundetes Rechteck 3"/>
+            <p:cNvSpPr/>
+            <p:nvPr/>
+          </p:nvSpPr>
+          <p:spPr>
+            <a:xfrm>
+              <a:off x="5853262" y="3258152"/>
+              <a:ext cx="1077848" cy="1077893"/>
+            </a:xfrm>
+            <a:prstGeom prst="roundRect">
+              <a:avLst/>
+            </a:prstGeom>
+            <a:solidFill>
+              <a:schemeClr val="bg2">
+                <a:lumMod val="75000"/>
+              </a:schemeClr>
+            </a:solidFill>
+            <a:ln>
+              <a:solidFill>
+                <a:srgbClr val="000000"/>
+              </a:solidFill>
+            </a:ln>
+            <a:effectLst/>
+          </p:spPr>
+          <p:style>
+            <a:lnRef idx="1">
+              <a:schemeClr val="dk1"/>
+            </a:lnRef>
+            <a:fillRef idx="3">
+              <a:schemeClr val="dk1"/>
+            </a:fillRef>
+            <a:effectRef idx="2">
+              <a:schemeClr val="dk1"/>
+            </a:effectRef>
+            <a:fontRef idx="minor">
+              <a:schemeClr val="lt1"/>
+            </a:fontRef>
+          </p:style>
+          <p:txBody>
+            <a:bodyPr rtlCol="0" anchor="ctr"/>
+            <a:lstStyle/>
+            <a:p>
+              <a:pPr algn="ctr"/>
+              <a:endParaRPr lang="de-CH"/>
+            </a:p>
+          </p:txBody>
+        </p:sp>
+        <p:sp>
+          <p:nvSpPr>
+            <p:cNvPr id="5" name="Oval 4"/>
+            <p:cNvSpPr>
+              <a:spLocks noChangeAspect="1"/>
+            </p:cNvSpPr>
+            <p:nvPr/>
+          </p:nvSpPr>
+          <p:spPr>
+            <a:xfrm>
+              <a:off x="6260516" y="3666465"/>
+              <a:ext cx="262311" cy="262311"/>
+            </a:xfrm>
+            <a:prstGeom prst="ellipse">
+              <a:avLst/>
+            </a:prstGeom>
+            <a:solidFill>
+              <a:schemeClr val="tx1"/>
+            </a:solidFill>
+            <a:ln>
+              <a:noFill/>
+            </a:ln>
+            <a:effectLst/>
+          </p:spPr>
+          <p:style>
+            <a:lnRef idx="1">
+              <a:schemeClr val="accent1"/>
+            </a:lnRef>
+            <a:fillRef idx="3">
+              <a:schemeClr val="accent1"/>
+            </a:fillRef>
+            <a:effectRef idx="2">
+              <a:schemeClr val="accent1"/>
+            </a:effectRef>
+            <a:fontRef idx="minor">
+              <a:schemeClr val="lt1"/>
+            </a:fontRef>
+          </p:style>
+          <p:txBody>
+            <a:bodyPr rtlCol="0" anchor="ctr"/>
+            <a:lstStyle/>
+            <a:p>
+              <a:pPr algn="ctr"/>
+              <a:endParaRPr lang="de-CH"/>
+            </a:p>
+          </p:txBody>
+        </p:sp>
+      </p:grpSp>
+    </p:spTree>
+    <p:extLst>
+      <p:ext uri="{BB962C8B-B14F-4D97-AF65-F5344CB8AC3E}">
+        <p14:creationId xmlns:p14="http://schemas.microsoft.com/office/powerpoint/2010/main" val="3510660102"/>
+      </p:ext>
+    </p:extLst>
+  </p:cSld>
+  <p:clrMapOvr>
+    <a:masterClrMapping/>
+  </p:clrMapOvr>
+  <mc:AlternateContent xmlns:mc="http://schemas.openxmlformats.org/markup-compatibility/2006">
+    <mc:Choice xmlns:p14="http://schemas.microsoft.com/office/powerpoint/2010/main" Requires="p14">
+      <p:transition spd="slow" p14:dur="1200">
+        <p14:prism/>
+      </p:transition>
+    </mc:Choice>
+    <mc:Fallback>
+      <p:transition xmlns:p14="http://schemas.microsoft.com/office/powerpoint/2010/main" spd="slow">
+        <p:fade/>
+      </p:transition>
+    </mc:Fallback>
+  </mc:AlternateContent>
+  <p:timing>
+    <p:tnLst>
+      <p:par>
+        <p:cTn xmlns:p14="http://schemas.microsoft.com/office/powerpoint/2010/main" id="1" dur="indefinite" restart="never" nodeType="tmRoot">
+          <p:childTnLst>
+            <p:seq concurrent="1" nextAc="seek">
+              <p:cTn id="2" dur="indefinite" nodeType="mainSeq">
+                <p:childTnLst>
+                  <p:par>
+                    <p:cTn id="3" fill="hold">
+                      <p:stCondLst>
+                        <p:cond delay="indefinite"/>
+                      </p:stCondLst>
+                      <p:childTnLst>
+                        <p:par>
+                          <p:cTn id="4" fill="hold">
+                            <p:stCondLst>
+                              <p:cond delay="0"/>
+                            </p:stCondLst>
+                            <p:childTnLst>
+                              <p:par>
+                                <p:cTn id="5" presetID="1" presetClass="entr" presetSubtype="0" fill="hold" grpId="0" nodeType="clickEffect">
+                                  <p:stCondLst>
+                                    <p:cond delay="0"/>
+                                  </p:stCondLst>
+                                  <p:childTnLst>
+                                    <p:set>
+                                      <p:cBhvr>
+                                        <p:cTn id="6" dur="1" fill="hold">
+                                          <p:stCondLst>
+                                            <p:cond delay="0"/>
+                                          </p:stCondLst>
+                                        </p:cTn>
+                                        <p:tgtEl>
+                                          <p:spTgt spid="3">
+                                            <p:txEl>
+                                              <p:pRg st="0" end="0"/>
+                                            </p:txEl>
+                                          </p:spTgt>
+                                        </p:tgtEl>
+                                        <p:attrNameLst>
+                                          <p:attrName>style.visibility</p:attrName>
+                                        </p:attrNameLst>
+                                      </p:cBhvr>
+                                      <p:to>
+                                        <p:strVal val="visible"/>
+                                      </p:to>
+                                    </p:set>
+                                  </p:childTnLst>
+                                </p:cTn>
+                              </p:par>
+                            </p:childTnLst>
+                          </p:cTn>
+                        </p:par>
+                      </p:childTnLst>
+                    </p:cTn>
+                  </p:par>
+                  <p:par>
+                    <p:cTn id="7" fill="hold">
+                      <p:stCondLst>
+                        <p:cond delay="indefinite"/>
+                      </p:stCondLst>
+                      <p:childTnLst>
+                        <p:par>
+                          <p:cTn id="8" fill="hold">
+                            <p:stCondLst>
+                              <p:cond delay="0"/>
+                            </p:stCondLst>
+                            <p:childTnLst>
+                              <p:par>
+                                <p:cTn id="9" presetID="1" presetClass="entr" presetSubtype="0" fill="hold" nodeType="clickEffect">
+                                  <p:stCondLst>
+                                    <p:cond delay="0"/>
+                                  </p:stCondLst>
+                                  <p:childTnLst>
+                                    <p:set>
+                                      <p:cBhvr>
+                                        <p:cTn id="10" dur="1" fill="hold">
+                                          <p:stCondLst>
+                                            <p:cond delay="0"/>
+                                          </p:stCondLst>
+                                        </p:cTn>
+                                        <p:tgtEl>
+                                          <p:spTgt spid="3">
+                                            <p:txEl>
+                                              <p:pRg st="1" end="1"/>
+                                            </p:txEl>
+                                          </p:spTgt>
+                                        </p:tgtEl>
+                                        <p:attrNameLst>
+                                          <p:attrName>style.visibility</p:attrName>
+                                        </p:attrNameLst>
+                                      </p:cBhvr>
+                                      <p:to>
+                                        <p:strVal val="visible"/>
+                                      </p:to>
+                                    </p:set>
+                                  </p:childTnLst>
+                                </p:cTn>
+                              </p:par>
+                            </p:childTnLst>
+                          </p:cTn>
+                        </p:par>
+                      </p:childTnLst>
+                    </p:cTn>
+                  </p:par>
+                  <p:par>
+                    <p:cTn id="11" fill="hold">
+                      <p:stCondLst>
+                        <p:cond delay="indefinite"/>
+                      </p:stCondLst>
+                      <p:childTnLst>
+                        <p:par>
+                          <p:cTn id="12" fill="hold">
+                            <p:stCondLst>
+                              <p:cond delay="0"/>
+                            </p:stCondLst>
+                            <p:childTnLst>
+                              <p:par>
+                                <p:cTn id="13" presetID="1" presetClass="entr" presetSubtype="0" fill="hold" nodeType="clickEffect">
+                                  <p:stCondLst>
+                                    <p:cond delay="0"/>
+                                  </p:stCondLst>
+                                  <p:childTnLst>
+                                    <p:set>
+                                      <p:cBhvr>
+                                        <p:cTn id="14" dur="1" fill="hold">
+                                          <p:stCondLst>
+                                            <p:cond delay="0"/>
+                                          </p:stCondLst>
+                                        </p:cTn>
+                                        <p:tgtEl>
+                                          <p:spTgt spid="6"/>
+                                        </p:tgtEl>
+                                        <p:attrNameLst>
+                                          <p:attrName>style.visibility</p:attrName>
+                                        </p:attrNameLst>
+                                      </p:cBhvr>
+                                      <p:to>
+                                        <p:strVal val="visible"/>
+                                      </p:to>
+                                    </p:set>
+                                  </p:childTnLst>
+                                </p:cTn>
+                              </p:par>
+                            </p:childTnLst>
+                          </p:cTn>
+                        </p:par>
+                      </p:childTnLst>
+                    </p:cTn>
+                  </p:par>
+                  <p:par>
+                    <p:cTn id="15" fill="hold">
+                      <p:stCondLst>
+                        <p:cond delay="indefinite"/>
+                      </p:stCondLst>
+                      <p:childTnLst>
+                        <p:par>
+                          <p:cTn id="16" fill="hold">
+                            <p:stCondLst>
+                              <p:cond delay="0"/>
+                            </p:stCondLst>
+                            <p:childTnLst>
+                              <p:par>
+                                <p:cTn id="17" presetID="1" presetClass="entr" presetSubtype="0" fill="hold" nodeType="clickEffect">
+                                  <p:stCondLst>
+                                    <p:cond delay="0"/>
+                                  </p:stCondLst>
+                                  <p:childTnLst>
+                                    <p:set>
+                                      <p:cBhvr>
+                                        <p:cTn id="18" dur="1" fill="hold">
+                                          <p:stCondLst>
+                                            <p:cond delay="0"/>
+                                          </p:stCondLst>
+                                        </p:cTn>
+                                        <p:tgtEl>
+                                          <p:spTgt spid="3">
+                                            <p:txEl>
+                                              <p:pRg st="3" end="3"/>
+                                            </p:txEl>
+                                          </p:spTgt>
+                                        </p:tgtEl>
+                                        <p:attrNameLst>
+                                          <p:attrName>style.visibility</p:attrName>
+                                        </p:attrNameLst>
+                                      </p:cBhvr>
+                                      <p:to>
+                                        <p:strVal val="visible"/>
+                                      </p:to>
+                                    </p:set>
+                                  </p:childTnLst>
+                                </p:cTn>
+                              </p:par>
+                            </p:childTnLst>
+                          </p:cTn>
+                        </p:par>
+                      </p:childTnLst>
+                    </p:cTn>
+                  </p:par>
+                  <p:par>
+                    <p:cTn id="19" fill="hold">
+                      <p:stCondLst>
+                        <p:cond delay="indefinite"/>
+                      </p:stCondLst>
+                      <p:childTnLst>
+                        <p:par>
+                          <p:cTn id="20" fill="hold">
+                            <p:stCondLst>
+                              <p:cond delay="0"/>
+                            </p:stCondLst>
+                            <p:childTnLst>
+                              <p:par>
+                                <p:cTn id="21" presetID="0" presetClass="path" presetSubtype="0" accel="50000" decel="50000" fill="hold" nodeType="clickEffect">
+                                  <p:stCondLst>
+                                    <p:cond delay="0"/>
+                                  </p:stCondLst>
+                                  <p:childTnLst>
+                                    <p:animMotion origin="layout" path="M 0.00087 0.00092 L 0.10509 0.13975 " pathEditMode="relative" ptsTypes="AA">
+                                      <p:cBhvr>
+                                        <p:cTn id="22" dur="1000" fill="hold"/>
+                                        <p:tgtEl>
+                                          <p:spTgt spid="6"/>
+                                        </p:tgtEl>
+                                        <p:attrNameLst>
+                                          <p:attrName>ppt_x</p:attrName>
+                                          <p:attrName>ppt_y</p:attrName>
+                                        </p:attrNameLst>
+                                      </p:cBhvr>
+                                    </p:animMotion>
+                                  </p:childTnLst>
+                                </p:cTn>
+                              </p:par>
+                            </p:childTnLst>
+                          </p:cTn>
+                        </p:par>
+                      </p:childTnLst>
+                    </p:cTn>
+                  </p:par>
+                  <p:par>
+                    <p:cTn id="23" fill="hold">
+                      <p:stCondLst>
+                        <p:cond delay="indefinite"/>
+                      </p:stCondLst>
+                      <p:childTnLst>
+                        <p:par>
+                          <p:cTn id="24" fill="hold">
+                            <p:stCondLst>
+                              <p:cond delay="0"/>
+                            </p:stCondLst>
+                            <p:childTnLst>
+                              <p:par>
+                                <p:cTn id="25" presetID="1" presetClass="entr" presetSubtype="0" fill="hold" nodeType="clickEffect">
+                                  <p:stCondLst>
+                                    <p:cond delay="0"/>
+                                  </p:stCondLst>
+                                  <p:childTnLst>
+                                    <p:set>
+                                      <p:cBhvr>
+                                        <p:cTn id="26" dur="1" fill="hold">
+                                          <p:stCondLst>
+                                            <p:cond delay="0"/>
+                                          </p:stCondLst>
+                                        </p:cTn>
+                                        <p:tgtEl>
+                                          <p:spTgt spid="3">
+                                            <p:txEl>
+                                              <p:pRg st="4" end="4"/>
+                                            </p:txEl>
+                                          </p:spTgt>
+                                        </p:tgtEl>
+                                        <p:attrNameLst>
+                                          <p:attrName>style.visibility</p:attrName>
+                                        </p:attrNameLst>
+                                      </p:cBhvr>
+                                      <p:to>
+                                        <p:strVal val="visible"/>
+                                      </p:to>
+                                    </p:set>
+                                  </p:childTnLst>
+                                </p:cTn>
+                              </p:par>
+                            </p:childTnLst>
+                          </p:cTn>
+                        </p:par>
+                      </p:childTnLst>
+                    </p:cTn>
+                  </p:par>
+                  <p:par>
+                    <p:cTn id="27" fill="hold">
+                      <p:stCondLst>
+                        <p:cond delay="indefinite"/>
+                      </p:stCondLst>
+                      <p:childTnLst>
+                        <p:par>
+                          <p:cTn id="28" fill="hold">
+                            <p:stCondLst>
+                              <p:cond delay="0"/>
+                            </p:stCondLst>
+                            <p:childTnLst>
+                              <p:par>
+                                <p:cTn id="29" presetID="8" presetClass="emph" presetSubtype="0" fill="hold" nodeType="clickEffect">
+                                  <p:stCondLst>
+                                    <p:cond delay="0"/>
+                                  </p:stCondLst>
+                                  <p:childTnLst>
+                                    <p:animRot by="10800000">
+                                      <p:cBhvr>
+                                        <p:cTn id="30" dur="1000" fill="hold"/>
+                                        <p:tgtEl>
+                                          <p:spTgt spid="6"/>
+                                        </p:tgtEl>
+                                        <p:attrNameLst>
+                                          <p:attrName>r</p:attrName>
+                                        </p:attrNameLst>
+                                      </p:cBhvr>
+                                    </p:animRot>
+                                  </p:childTnLst>
+                                </p:cTn>
+                              </p:par>
+                            </p:childTnLst>
+                          </p:cTn>
+                        </p:par>
+                      </p:childTnLst>
+                    </p:cTn>
+                  </p:par>
+                  <p:par>
+                    <p:cTn id="31" fill="hold">
+                      <p:stCondLst>
+                        <p:cond delay="indefinite"/>
+                      </p:stCondLst>
+                      <p:childTnLst>
+                        <p:par>
+                          <p:cTn id="32" fill="hold">
+                            <p:stCondLst>
+                              <p:cond delay="0"/>
+                            </p:stCondLst>
+                            <p:childTnLst>
+                              <p:par>
+                                <p:cTn id="33" presetID="1" presetClass="entr" presetSubtype="0" fill="hold" nodeType="clickEffect">
+                                  <p:stCondLst>
+                                    <p:cond delay="0"/>
+                                  </p:stCondLst>
+                                  <p:childTnLst>
+                                    <p:set>
+                                      <p:cBhvr>
+                                        <p:cTn id="34" dur="1" fill="hold">
+                                          <p:stCondLst>
+                                            <p:cond delay="0"/>
+                                          </p:stCondLst>
+                                        </p:cTn>
+                                        <p:tgtEl>
+                                          <p:spTgt spid="3">
+                                            <p:txEl>
+                                              <p:pRg st="5" end="5"/>
+                                            </p:txEl>
+                                          </p:spTgt>
+                                        </p:tgtEl>
+                                        <p:attrNameLst>
+                                          <p:attrName>style.visibility</p:attrName>
+                                        </p:attrNameLst>
+                                      </p:cBhvr>
+                                      <p:to>
+                                        <p:strVal val="visible"/>
+                                      </p:to>
+                                    </p:set>
+                                  </p:childTnLst>
+                                </p:cTn>
+                              </p:par>
+                            </p:childTnLst>
+                          </p:cTn>
+                        </p:par>
+                      </p:childTnLst>
+                    </p:cTn>
+                  </p:par>
+                  <p:par>
+                    <p:cTn id="35" fill="hold">
+                      <p:stCondLst>
+                        <p:cond delay="indefinite"/>
+                      </p:stCondLst>
+                      <p:childTnLst>
+                        <p:par>
+                          <p:cTn id="36" fill="hold">
+                            <p:stCondLst>
+                              <p:cond delay="0"/>
+                            </p:stCondLst>
+                            <p:childTnLst>
+                              <p:par>
+                                <p:cTn id="37" presetID="6" presetClass="emph" presetSubtype="0" fill="hold" nodeType="clickEffect">
+                                  <p:stCondLst>
+                                    <p:cond delay="0"/>
+                                  </p:stCondLst>
+                                  <p:childTnLst>
+                                    <p:animScale>
+                                      <p:cBhvr>
+                                        <p:cTn id="38" dur="1000" fill="hold"/>
+                                        <p:tgtEl>
+                                          <p:spTgt spid="6"/>
+                                        </p:tgtEl>
+                                      </p:cBhvr>
+                                      <p:by x="50000" y="50000"/>
+                                    </p:animScale>
+                                  </p:childTnLst>
+                                </p:cTn>
+                              </p:par>
+                            </p:childTnLst>
+                          </p:cTn>
+                        </p:par>
+                      </p:childTnLst>
+                    </p:cTn>
+                  </p:par>
+                </p:childTnLst>
+              </p:cTn>
+              <p:prevCondLst>
+                <p:cond evt="onPrev" delay="0">
+                  <p:tgtEl>
+                    <p:sldTgt/>
+                  </p:tgtEl>
+                </p:cond>
+              </p:prevCondLst>
+              <p:nextCondLst>
+                <p:cond evt="onNext" delay="0">
+                  <p:tgtEl>
+                    <p:sldTgt/>
+                  </p:tgtEl>
+                </p:cond>
+              </p:nextCondLst>
+            </p:seq>
+          </p:childTnLst>
+        </p:cTn>
+      </p:par>
+    </p:tnLst>
+    <p:bldLst>
+      <p:bldP spid="3" grpId="0" uiExpand="1" build="p"/>
+    </p:bldLst>
+  </p:timing>
+</p:sld>
+</file>
+
+<file path=ppt/slides/slide15.xml><?xml version="1.0" encoding="utf-8"?>
+<p:sld xmlns:a="http://schemas.openxmlformats.org/drawingml/2006/main" xmlns:r="http://schemas.openxmlformats.org/officeDocument/2006/relationships" xmlns:p="http://schemas.openxmlformats.org/presentationml/2006/main">
+  <p:cSld>
+    <p:spTree>
+      <p:nvGrpSpPr>
+        <p:cNvPr id="1" name=""/>
+        <p:cNvGrpSpPr/>
+        <p:nvPr/>
+      </p:nvGrpSpPr>
+      <p:grpSpPr>
+        <a:xfrm>
+          <a:off x="0" y="0"/>
+          <a:ext cx="0" cy="0"/>
+          <a:chOff x="0" y="0"/>
+          <a:chExt cx="0" cy="0"/>
+        </a:xfrm>
+      </p:grpSpPr>
+      <p:sp>
+        <p:nvSpPr>
+          <p:cNvPr id="2" name="Titel 1"/>
+          <p:cNvSpPr>
+            <a:spLocks noGrp="1"/>
+          </p:cNvSpPr>
+          <p:nvPr>
+            <p:ph type="title"/>
+          </p:nvPr>
+        </p:nvSpPr>
+        <p:spPr/>
+        <p:txBody>
+          <a:bodyPr/>
+          <a:lstStyle/>
+          <a:p>
+            <a:r>
+              <a:rPr lang="de-CH" dirty="0" smtClean="0"/>
+              <a:t>Datenmodell</a:t>
+            </a:r>
+            <a:endParaRPr lang="de-CH" dirty="0"/>
+          </a:p>
+        </p:txBody>
+      </p:sp>
+      <p:sp>
+        <p:nvSpPr>
+          <p:cNvPr id="3" name="Inhaltsplatzhalter 2"/>
+          <p:cNvSpPr>
+            <a:spLocks noGrp="1"/>
+          </p:cNvSpPr>
+          <p:nvPr>
+            <p:ph idx="1"/>
+          </p:nvPr>
+        </p:nvSpPr>
+        <p:spPr/>
+        <p:txBody>
+          <a:bodyPr>
+            <a:normAutofit/>
+          </a:bodyPr>
+          <a:lstStyle/>
+          <a:p>
+            <a:r>
+              <a:rPr lang="de-CH" dirty="0" err="1" smtClean="0"/>
+              <a:t>TiledMaps</a:t>
+            </a:r>
+            <a:endParaRPr lang="de-CH" dirty="0" smtClean="0"/>
+          </a:p>
+          <a:p>
+            <a:pPr lvl="1"/>
+            <a:r>
+              <a:rPr lang="de-CH" dirty="0" smtClean="0"/>
+              <a:t>Anordnung der Spielelemente</a:t>
+            </a:r>
+          </a:p>
+          <a:p>
+            <a:pPr lvl="1"/>
+            <a:r>
+              <a:rPr lang="de-CH" dirty="0" smtClean="0"/>
+              <a:t>Gute Integration</a:t>
+            </a:r>
+          </a:p>
+          <a:p>
+            <a:r>
+              <a:rPr lang="de-CH" dirty="0" smtClean="0"/>
+              <a:t>Property Files</a:t>
+            </a:r>
+          </a:p>
+          <a:p>
+            <a:pPr lvl="1"/>
+            <a:r>
+              <a:rPr lang="de-CH" dirty="0" smtClean="0"/>
+              <a:t>Entwicklerinformationen</a:t>
+            </a:r>
+          </a:p>
+          <a:p>
+            <a:pPr lvl="1"/>
+            <a:r>
+              <a:rPr lang="de-CH" dirty="0" smtClean="0"/>
+              <a:t>Animationen der Spielelemente</a:t>
+            </a:r>
+          </a:p>
+          <a:p>
+            <a:pPr lvl="1"/>
+            <a:r>
+              <a:rPr lang="de-CH" dirty="0" smtClean="0"/>
+              <a:t>Level-Metainformationen</a:t>
+            </a:r>
+            <a:endParaRPr lang="de-CH" dirty="0" smtClean="0"/>
+          </a:p>
+        </p:txBody>
+      </p:sp>
+    </p:spTree>
+    <p:extLst>
+      <p:ext uri="{BB962C8B-B14F-4D97-AF65-F5344CB8AC3E}">
+        <p14:creationId xmlns:p14="http://schemas.microsoft.com/office/powerpoint/2010/main" val="1752730562"/>
+      </p:ext>
+    </p:extLst>
+  </p:cSld>
+  <p:clrMapOvr>
+    <a:masterClrMapping/>
+  </p:clrMapOvr>
+  <mc:AlternateContent xmlns:mc="http://schemas.openxmlformats.org/markup-compatibility/2006">
+    <mc:Choice xmlns:p14="http://schemas.microsoft.com/office/powerpoint/2010/main" Requires="p14">
+      <p:transition spd="slow" p14:dur="1200">
+        <p14:prism/>
+      </p:transition>
+    </mc:Choice>
+    <mc:Fallback>
+      <p:transition xmlns:p14="http://schemas.microsoft.com/office/powerpoint/2010/main" spd="slow">
+        <p:fade/>
+      </p:transition>
+    </mc:Fallback>
+  </mc:AlternateContent>
+  <p:timing>
+    <p:tnLst>
+      <p:par>
+        <p:cTn xmlns:p14="http://schemas.microsoft.com/office/powerpoint/2010/main" id="1" dur="indefinite" restart="never" nodeType="tmRoot">
+          <p:childTnLst>
+            <p:seq concurrent="1" nextAc="seek">
+              <p:cTn id="2" dur="indefinite" nodeType="mainSeq">
+                <p:childTnLst>
+                  <p:par>
+                    <p:cTn id="3" fill="hold">
+                      <p:stCondLst>
+                        <p:cond delay="indefinite"/>
+                      </p:stCondLst>
+                      <p:childTnLst>
+                        <p:par>
+                          <p:cTn id="4" fill="hold">
+                            <p:stCondLst>
+                              <p:cond delay="0"/>
+                            </p:stCondLst>
+                            <p:childTnLst>
+                              <p:par>
+                                <p:cTn id="5" presetID="1" presetClass="entr" presetSubtype="0" fill="hold" nodeType="clickEffect">
+                                  <p:stCondLst>
+                                    <p:cond delay="0"/>
+                                  </p:stCondLst>
+                                  <p:childTnLst>
+                                    <p:set>
+                                      <p:cBhvr>
+                                        <p:cTn id="6" dur="1" fill="hold">
+                                          <p:stCondLst>
+                                            <p:cond delay="0"/>
+                                          </p:stCondLst>
+                                        </p:cTn>
+                                        <p:tgtEl>
+                                          <p:spTgt spid="3">
+                                            <p:txEl>
+                                              <p:pRg st="0" end="0"/>
+                                            </p:txEl>
+                                          </p:spTgt>
+                                        </p:tgtEl>
+                                        <p:attrNameLst>
+                                          <p:attrName>style.visibility</p:attrName>
+                                        </p:attrNameLst>
+                                      </p:cBhvr>
+                                      <p:to>
+                                        <p:strVal val="visible"/>
+                                      </p:to>
+                                    </p:set>
+                                  </p:childTnLst>
+                                </p:cTn>
+                              </p:par>
+                            </p:childTnLst>
+                          </p:cTn>
+                        </p:par>
+                      </p:childTnLst>
+                    </p:cTn>
+                  </p:par>
+                  <p:par>
+                    <p:cTn id="7" fill="hold">
+                      <p:stCondLst>
+                        <p:cond delay="indefinite"/>
+                      </p:stCondLst>
+                      <p:childTnLst>
+                        <p:par>
+                          <p:cTn id="8" fill="hold">
+                            <p:stCondLst>
+                              <p:cond delay="0"/>
+                            </p:stCondLst>
+                            <p:childTnLst>
+                              <p:par>
+                                <p:cTn id="9" presetID="1" presetClass="entr" presetSubtype="0" fill="hold" nodeType="clickEffect">
+                                  <p:stCondLst>
+                                    <p:cond delay="0"/>
+                                  </p:stCondLst>
+                                  <p:childTnLst>
+                                    <p:set>
+                                      <p:cBhvr>
+                                        <p:cTn id="10" dur="1" fill="hold">
+                                          <p:stCondLst>
+                                            <p:cond delay="0"/>
+                                          </p:stCondLst>
+                                        </p:cTn>
+                                        <p:tgtEl>
+                                          <p:spTgt spid="3">
+                                            <p:txEl>
+                                              <p:pRg st="1" end="1"/>
+                                            </p:txEl>
+                                          </p:spTgt>
+                                        </p:tgtEl>
+                                        <p:attrNameLst>
+                                          <p:attrName>style.visibility</p:attrName>
+                                        </p:attrNameLst>
+                                      </p:cBhvr>
+                                      <p:to>
+                                        <p:strVal val="visible"/>
+                                      </p:to>
+                                    </p:set>
+                                  </p:childTnLst>
+                                </p:cTn>
+                              </p:par>
+                            </p:childTnLst>
+                          </p:cTn>
+                        </p:par>
+                      </p:childTnLst>
+                    </p:cTn>
+                  </p:par>
+                  <p:par>
+                    <p:cTn id="11" fill="hold">
+                      <p:stCondLst>
+                        <p:cond delay="indefinite"/>
+                      </p:stCondLst>
+                      <p:childTnLst>
+                        <p:par>
+                          <p:cTn id="12" fill="hold">
+                            <p:stCondLst>
+                              <p:cond delay="0"/>
+                            </p:stCondLst>
+                            <p:childTnLst>
+                              <p:par>
+                                <p:cTn id="13" presetID="1" presetClass="entr" presetSubtype="0" fill="hold" nodeType="clickEffect">
+                                  <p:stCondLst>
+                                    <p:cond delay="0"/>
+                                  </p:stCondLst>
+                                  <p:childTnLst>
+                                    <p:set>
+                                      <p:cBhvr>
+                                        <p:cTn id="14" dur="1" fill="hold">
+                                          <p:stCondLst>
+                                            <p:cond delay="0"/>
+                                          </p:stCondLst>
+                                        </p:cTn>
+                                        <p:tgtEl>
+                                          <p:spTgt spid="3">
+                                            <p:txEl>
+                                              <p:pRg st="2" end="2"/>
+                                            </p:txEl>
+                                          </p:spTgt>
+                                        </p:tgtEl>
+                                        <p:attrNameLst>
+                                          <p:attrName>style.visibility</p:attrName>
+                                        </p:attrNameLst>
+                                      </p:cBhvr>
+                                      <p:to>
+                                        <p:strVal val="visible"/>
+                                      </p:to>
+                                    </p:set>
+                                  </p:childTnLst>
+                                </p:cTn>
+                              </p:par>
+                            </p:childTnLst>
+                          </p:cTn>
+                        </p:par>
+                      </p:childTnLst>
+                    </p:cTn>
+                  </p:par>
+                  <p:par>
+                    <p:cTn id="15" fill="hold">
+                      <p:stCondLst>
+                        <p:cond delay="indefinite"/>
+                      </p:stCondLst>
+                      <p:childTnLst>
+                        <p:par>
+                          <p:cTn id="16" fill="hold">
+                            <p:stCondLst>
+                              <p:cond delay="0"/>
+                            </p:stCondLst>
+                            <p:childTnLst>
+                              <p:par>
+                                <p:cTn id="17" presetID="1" presetClass="entr" presetSubtype="0" fill="hold" nodeType="clickEffect">
+                                  <p:stCondLst>
+                                    <p:cond delay="0"/>
+                                  </p:stCondLst>
+                                  <p:childTnLst>
+                                    <p:set>
+                                      <p:cBhvr>
+                                        <p:cTn id="18" dur="1" fill="hold">
+                                          <p:stCondLst>
+                                            <p:cond delay="0"/>
+                                          </p:stCondLst>
+                                        </p:cTn>
+                                        <p:tgtEl>
+                                          <p:spTgt spid="3">
+                                            <p:txEl>
+                                              <p:pRg st="3" end="3"/>
+                                            </p:txEl>
+                                          </p:spTgt>
+                                        </p:tgtEl>
+                                        <p:attrNameLst>
+                                          <p:attrName>style.visibility</p:attrName>
+                                        </p:attrNameLst>
+                                      </p:cBhvr>
+                                      <p:to>
+                                        <p:strVal val="visible"/>
+                                      </p:to>
+                                    </p:set>
+                                  </p:childTnLst>
+                                </p:cTn>
+                              </p:par>
+                            </p:childTnLst>
+                          </p:cTn>
+                        </p:par>
+                      </p:childTnLst>
+                    </p:cTn>
+                  </p:par>
+                  <p:par>
+                    <p:cTn id="19" fill="hold">
+                      <p:stCondLst>
+                        <p:cond delay="indefinite"/>
+                      </p:stCondLst>
+                      <p:childTnLst>
+                        <p:par>
+                          <p:cTn id="20" fill="hold">
+                            <p:stCondLst>
+                              <p:cond delay="0"/>
+                            </p:stCondLst>
+                            <p:childTnLst>
+                              <p:par>
+                                <p:cTn id="21" presetID="1" presetClass="entr" presetSubtype="0" fill="hold" nodeType="clickEffect">
+                                  <p:stCondLst>
+                                    <p:cond delay="0"/>
+                                  </p:stCondLst>
+                                  <p:childTnLst>
+                                    <p:set>
+                                      <p:cBhvr>
+                                        <p:cTn id="22" dur="1" fill="hold">
+                                          <p:stCondLst>
+                                            <p:cond delay="0"/>
+                                          </p:stCondLst>
+                                        </p:cTn>
+                                        <p:tgtEl>
+                                          <p:spTgt spid="3">
+                                            <p:txEl>
+                                              <p:pRg st="4" end="4"/>
+                                            </p:txEl>
+                                          </p:spTgt>
+                                        </p:tgtEl>
+                                        <p:attrNameLst>
+                                          <p:attrName>style.visibility</p:attrName>
+                                        </p:attrNameLst>
+                                      </p:cBhvr>
+                                      <p:to>
+                                        <p:strVal val="visible"/>
+                                      </p:to>
+                                    </p:set>
+                                  </p:childTnLst>
+                                </p:cTn>
+                              </p:par>
+                            </p:childTnLst>
+                          </p:cTn>
+                        </p:par>
+                      </p:childTnLst>
+                    </p:cTn>
+                  </p:par>
+                  <p:par>
+                    <p:cTn id="23" fill="hold">
+                      <p:stCondLst>
+                        <p:cond delay="indefinite"/>
+                      </p:stCondLst>
+                      <p:childTnLst>
+                        <p:par>
+                          <p:cTn id="24" fill="hold">
+                            <p:stCondLst>
+                              <p:cond delay="0"/>
+                            </p:stCondLst>
+                            <p:childTnLst>
+                              <p:par>
+                                <p:cTn id="25" presetID="1" presetClass="entr" presetSubtype="0" fill="hold" nodeType="clickEffect">
+                                  <p:stCondLst>
+                                    <p:cond delay="0"/>
+                                  </p:stCondLst>
+                                  <p:childTnLst>
+                                    <p:set>
+                                      <p:cBhvr>
+                                        <p:cTn id="26" dur="1" fill="hold">
+                                          <p:stCondLst>
+                                            <p:cond delay="0"/>
+                                          </p:stCondLst>
+                                        </p:cTn>
+                                        <p:tgtEl>
+                                          <p:spTgt spid="3">
+                                            <p:txEl>
+                                              <p:pRg st="5" end="5"/>
+                                            </p:txEl>
+                                          </p:spTgt>
+                                        </p:tgtEl>
+                                        <p:attrNameLst>
+                                          <p:attrName>style.visibility</p:attrName>
+                                        </p:attrNameLst>
+                                      </p:cBhvr>
+                                      <p:to>
+                                        <p:strVal val="visible"/>
+                                      </p:to>
+                                    </p:set>
+                                  </p:childTnLst>
+                                </p:cTn>
+                              </p:par>
+                            </p:childTnLst>
+                          </p:cTn>
+                        </p:par>
+                      </p:childTnLst>
+                    </p:cTn>
+                  </p:par>
+                  <p:par>
+                    <p:cTn id="27" fill="hold">
+                      <p:stCondLst>
+                        <p:cond delay="indefinite"/>
+                      </p:stCondLst>
+                      <p:childTnLst>
+                        <p:par>
+                          <p:cTn id="28" fill="hold">
+                            <p:stCondLst>
+                              <p:cond delay="0"/>
+                            </p:stCondLst>
+                            <p:childTnLst>
+                              <p:par>
+                                <p:cTn id="29" presetID="1" presetClass="entr" presetSubtype="0" fill="hold" nodeType="clickEffect">
+                                  <p:stCondLst>
+                                    <p:cond delay="0"/>
+                                  </p:stCondLst>
+                                  <p:childTnLst>
+                                    <p:set>
+                                      <p:cBhvr>
+                                        <p:cTn id="30" dur="1" fill="hold">
+                                          <p:stCondLst>
+                                            <p:cond delay="0"/>
+                                          </p:stCondLst>
+                                        </p:cTn>
+                                        <p:tgtEl>
+                                          <p:spTgt spid="3">
+                                            <p:txEl>
+                                              <p:pRg st="6" end="6"/>
+                                            </p:txEl>
+                                          </p:spTgt>
+                                        </p:tgtEl>
+                                        <p:attrNameLst>
+                                          <p:attrName>style.visibility</p:attrName>
+                                        </p:attrNameLst>
+                                      </p:cBhvr>
+                                      <p:to>
+                                        <p:strVal val="visible"/>
+                                      </p:to>
+                                    </p:set>
+                                  </p:childTnLst>
+                                </p:cTn>
+                              </p:par>
+                            </p:childTnLst>
+                          </p:cTn>
+                        </p:par>
+                      </p:childTnLst>
+                    </p:cTn>
+                  </p:par>
+                </p:childTnLst>
+              </p:cTn>
+              <p:prevCondLst>
+                <p:cond evt="onPrev" delay="0">
+                  <p:tgtEl>
+                    <p:sldTgt/>
+                  </p:tgtEl>
+                </p:cond>
+              </p:prevCondLst>
+              <p:nextCondLst>
+                <p:cond evt="onNext" delay="0">
+                  <p:tgtEl>
+                    <p:sldTgt/>
+                  </p:tgtEl>
+                </p:cond>
+              </p:nextCondLst>
+            </p:seq>
+          </p:childTnLst>
+        </p:cTn>
+      </p:par>
+    </p:tnLst>
+  </p:timing>
+</p:sld>
+</file>
+
+<file path=ppt/slides/slide16.xml><?xml version="1.0" encoding="utf-8"?>
+<p:sld xmlns:a="http://schemas.openxmlformats.org/drawingml/2006/main" xmlns:r="http://schemas.openxmlformats.org/officeDocument/2006/relationships" xmlns:p="http://schemas.openxmlformats.org/presentationml/2006/main">
+  <p:cSld>
+    <p:spTree>
+      <p:nvGrpSpPr>
+        <p:cNvPr id="1" name=""/>
+        <p:cNvGrpSpPr/>
+        <p:nvPr/>
+      </p:nvGrpSpPr>
+      <p:grpSpPr>
+        <a:xfrm>
+          <a:off x="0" y="0"/>
+          <a:ext cx="0" cy="0"/>
+          <a:chOff x="0" y="0"/>
+          <a:chExt cx="0" cy="0"/>
+        </a:xfrm>
+      </p:grpSpPr>
       <p:pic>
         <p:nvPicPr>
-          <p:cNvPr id="3073" name="Picture 1" descr="Ohne Titel"/>
+          <p:cNvPr id="4" name="Bild 3" descr="Bildschirmfoto 2013-06-02 um 16.26.37.png"/>
           <p:cNvPicPr>
-            <a:picLocks noChangeAspect="1" noChangeArrowheads="1"/>
+            <a:picLocks noChangeAspect="1"/>
           </p:cNvPicPr>
           <p:nvPr/>
         </p:nvPicPr>
@@ -5486,63 +8618,261 @@
               </a:ext>
             </a:extLst>
           </a:blip>
-          <a:srcRect b="45778"/>
+          <a:srcRect t="5450" r="32897" b="36989"/>
           <a:stretch/>
         </p:blipFill>
-        <p:spPr bwMode="auto">
+        <p:spPr>
           <a:xfrm>
-            <a:off x="1487134" y="1440974"/>
-            <a:ext cx="6169732" cy="3976052"/>
+            <a:off x="531756" y="1262944"/>
+            <a:ext cx="8080489" cy="4332112"/>
           </a:xfrm>
           <a:prstGeom prst="rect">
             <a:avLst/>
           </a:prstGeom>
-          <a:noFill/>
-          <a:ln>
-            <a:noFill/>
-          </a:ln>
-          <a:extLst>
-            <a:ext uri="{909E8E84-426E-40dd-AFC4-6F175D3DCCD1}">
-              <a14:hiddenFill xmlns:a14="http://schemas.microsoft.com/office/drawing/2010/main">
-                <a:solidFill>
-                  <a:srgbClr val="FFFFFF"/>
-                </a:solidFill>
-              </a14:hiddenFill>
-            </a:ext>
-            <a:ext uri="{91240B29-F687-4f45-9708-019B960494DF}">
-              <a14:hiddenLine xmlns:a14="http://schemas.microsoft.com/office/drawing/2010/main" w="9525">
-                <a:solidFill>
-                  <a:srgbClr val="000000"/>
-                </a:solidFill>
-                <a:miter lim="800000"/>
-                <a:headEnd/>
-                <a:tailEnd/>
-              </a14:hiddenLine>
-            </a:ext>
-          </a:extLst>
         </p:spPr>
       </p:pic>
     </p:spTree>
     <p:extLst>
       <p:ext uri="{BB962C8B-B14F-4D97-AF65-F5344CB8AC3E}">
-        <p14:creationId xmlns:p14="http://schemas.microsoft.com/office/powerpoint/2010/main" val="3510659763"/>
+        <p14:creationId xmlns:p14="http://schemas.microsoft.com/office/powerpoint/2010/main" val="1707540623"/>
       </p:ext>
     </p:extLst>
   </p:cSld>
   <p:clrMapOvr>
     <a:masterClrMapping/>
   </p:clrMapOvr>
+  <mc:AlternateContent xmlns:mc="http://schemas.openxmlformats.org/markup-compatibility/2006">
+    <mc:Choice xmlns:p14="http://schemas.microsoft.com/office/powerpoint/2010/main" Requires="p14">
+      <p:transition spd="slow" p14:dur="1200">
+        <p14:prism/>
+      </p:transition>
+    </mc:Choice>
+    <mc:Fallback>
+      <p:transition xmlns:p14="http://schemas.microsoft.com/office/powerpoint/2010/main" spd="slow">
+        <p:fade/>
+      </p:transition>
+    </mc:Fallback>
+  </mc:AlternateContent>
   <p:timing>
     <p:tnLst>
       <p:par>
-        <p:cTn xmlns:p14="http://schemas.microsoft.com/office/powerpoint/2010/main" id="1" dur="indefinite" restart="never" nodeType="tmRoot"/>
+        <p:cTn xmlns:p14="http://schemas.microsoft.com/office/powerpoint/2010/main" id="1" dur="indefinite" restart="never" nodeType="tmRoot">
+          <p:childTnLst>
+            <p:seq concurrent="1" nextAc="seek">
+              <p:cTn id="2" dur="indefinite" nodeType="mainSeq">
+                <p:childTnLst>
+                  <p:par>
+                    <p:cTn id="3" fill="hold">
+                      <p:stCondLst>
+                        <p:cond delay="indefinite"/>
+                      </p:stCondLst>
+                      <p:childTnLst>
+                        <p:par>
+                          <p:cTn id="4" fill="hold">
+                            <p:stCondLst>
+                              <p:cond delay="0"/>
+                            </p:stCondLst>
+                            <p:childTnLst>
+                              <p:par>
+                                <p:cTn id="5" presetID="1" presetClass="entr" presetSubtype="0" fill="hold" nodeType="clickEffect">
+                                  <p:stCondLst>
+                                    <p:cond delay="0"/>
+                                  </p:stCondLst>
+                                  <p:childTnLst>
+                                    <p:set>
+                                      <p:cBhvr>
+                                        <p:cTn id="6" dur="1" fill="hold">
+                                          <p:stCondLst>
+                                            <p:cond delay="0"/>
+                                          </p:stCondLst>
+                                        </p:cTn>
+                                        <p:tgtEl>
+                                          <p:spTgt spid="4"/>
+                                        </p:tgtEl>
+                                        <p:attrNameLst>
+                                          <p:attrName>style.visibility</p:attrName>
+                                        </p:attrNameLst>
+                                      </p:cBhvr>
+                                      <p:to>
+                                        <p:strVal val="visible"/>
+                                      </p:to>
+                                    </p:set>
+                                  </p:childTnLst>
+                                </p:cTn>
+                              </p:par>
+                            </p:childTnLst>
+                          </p:cTn>
+                        </p:par>
+                      </p:childTnLst>
+                    </p:cTn>
+                  </p:par>
+                </p:childTnLst>
+              </p:cTn>
+              <p:prevCondLst>
+                <p:cond evt="onPrev" delay="0">
+                  <p:tgtEl>
+                    <p:sldTgt/>
+                  </p:tgtEl>
+                </p:cond>
+              </p:prevCondLst>
+              <p:nextCondLst>
+                <p:cond evt="onNext" delay="0">
+                  <p:tgtEl>
+                    <p:sldTgt/>
+                  </p:tgtEl>
+                </p:cond>
+              </p:nextCondLst>
+            </p:seq>
+          </p:childTnLst>
+        </p:cTn>
       </p:par>
     </p:tnLst>
   </p:timing>
 </p:sld>
 </file>
 
-<file path=ppt/slides/slide14.xml><?xml version="1.0" encoding="utf-8"?>
+<file path=ppt/slides/slide17.xml><?xml version="1.0" encoding="utf-8"?>
+<p:sld xmlns:a="http://schemas.openxmlformats.org/drawingml/2006/main" xmlns:r="http://schemas.openxmlformats.org/officeDocument/2006/relationships" xmlns:p="http://schemas.openxmlformats.org/presentationml/2006/main">
+  <p:cSld>
+    <p:spTree>
+      <p:nvGrpSpPr>
+        <p:cNvPr id="1" name=""/>
+        <p:cNvGrpSpPr/>
+        <p:nvPr/>
+      </p:nvGrpSpPr>
+      <p:grpSpPr>
+        <a:xfrm>
+          <a:off x="0" y="0"/>
+          <a:ext cx="0" cy="0"/>
+          <a:chOff x="0" y="0"/>
+          <a:chExt cx="0" cy="0"/>
+        </a:xfrm>
+      </p:grpSpPr>
+      <p:pic>
+        <p:nvPicPr>
+          <p:cNvPr id="2" name="Bild 1"/>
+          <p:cNvPicPr>
+            <a:picLocks noChangeAspect="1"/>
+          </p:cNvPicPr>
+          <p:nvPr/>
+        </p:nvPicPr>
+        <p:blipFill>
+          <a:blip r:embed="rId2"/>
+          <a:stretch>
+            <a:fillRect/>
+          </a:stretch>
+        </p:blipFill>
+        <p:spPr>
+          <a:xfrm>
+            <a:off x="907262" y="1828158"/>
+            <a:ext cx="7329477" cy="3201685"/>
+          </a:xfrm>
+          <a:prstGeom prst="rect">
+            <a:avLst/>
+          </a:prstGeom>
+        </p:spPr>
+      </p:pic>
+    </p:spTree>
+    <p:extLst>
+      <p:ext uri="{BB962C8B-B14F-4D97-AF65-F5344CB8AC3E}">
+        <p14:creationId xmlns:p14="http://schemas.microsoft.com/office/powerpoint/2010/main" val="4153822471"/>
+      </p:ext>
+    </p:extLst>
+  </p:cSld>
+  <p:clrMapOvr>
+    <a:masterClrMapping/>
+  </p:clrMapOvr>
+  <mc:AlternateContent xmlns:mc="http://schemas.openxmlformats.org/markup-compatibility/2006">
+    <mc:Choice xmlns:p14="http://schemas.microsoft.com/office/powerpoint/2010/main" Requires="p14">
+      <p:transition spd="slow" p14:dur="1200">
+        <p14:prism/>
+      </p:transition>
+    </mc:Choice>
+    <mc:Fallback>
+      <p:transition xmlns:p14="http://schemas.microsoft.com/office/powerpoint/2010/main" spd="slow">
+        <p:fade/>
+      </p:transition>
+    </mc:Fallback>
+  </mc:AlternateContent>
+  <p:timing>
+    <p:tnLst>
+      <p:par>
+        <p:cTn xmlns:p14="http://schemas.microsoft.com/office/powerpoint/2010/main" id="1" dur="indefinite" restart="never" nodeType="tmRoot">
+          <p:childTnLst>
+            <p:seq concurrent="1" nextAc="seek">
+              <p:cTn id="2" dur="indefinite" nodeType="mainSeq">
+                <p:childTnLst>
+                  <p:par>
+                    <p:cTn id="3" fill="hold">
+                      <p:stCondLst>
+                        <p:cond delay="indefinite"/>
+                      </p:stCondLst>
+                      <p:childTnLst>
+                        <p:par>
+                          <p:cTn id="4" fill="hold">
+                            <p:stCondLst>
+                              <p:cond delay="0"/>
+                            </p:stCondLst>
+                            <p:childTnLst>
+                              <p:par>
+                                <p:cTn id="5" presetID="1" presetClass="entr" presetSubtype="0" fill="hold" nodeType="clickEffect">
+                                  <p:stCondLst>
+                                    <p:cond delay="0"/>
+                                  </p:stCondLst>
+                                  <p:childTnLst>
+                                    <p:set>
+                                      <p:cBhvr>
+                                        <p:cTn id="6" dur="1" fill="hold">
+                                          <p:stCondLst>
+                                            <p:cond delay="0"/>
+                                          </p:stCondLst>
+                                        </p:cTn>
+                                        <p:tgtEl>
+                                          <p:spTgt spid="2"/>
+                                        </p:tgtEl>
+                                        <p:attrNameLst>
+                                          <p:attrName>style.visibility</p:attrName>
+                                        </p:attrNameLst>
+                                      </p:cBhvr>
+                                      <p:to>
+                                        <p:strVal val="visible"/>
+                                      </p:to>
+                                    </p:set>
+                                  </p:childTnLst>
+                                </p:cTn>
+                              </p:par>
+                            </p:childTnLst>
+                          </p:cTn>
+                        </p:par>
+                      </p:childTnLst>
+                    </p:cTn>
+                  </p:par>
+                </p:childTnLst>
+              </p:cTn>
+              <p:prevCondLst>
+                <p:cond evt="onPrev" delay="0">
+                  <p:tgtEl>
+                    <p:sldTgt/>
+                  </p:tgtEl>
+                </p:cond>
+              </p:prevCondLst>
+              <p:nextCondLst>
+                <p:cond evt="onNext" delay="0">
+                  <p:tgtEl>
+                    <p:sldTgt/>
+                  </p:tgtEl>
+                </p:cond>
+              </p:nextCondLst>
+            </p:seq>
+          </p:childTnLst>
+        </p:cTn>
+      </p:par>
+    </p:tnLst>
+  </p:timing>
+</p:sld>
+</file>
+
+<file path=ppt/slides/slide18.xml><?xml version="1.0" encoding="utf-8"?>
 <p:sld xmlns:a="http://schemas.openxmlformats.org/drawingml/2006/main" xmlns:r="http://schemas.openxmlformats.org/officeDocument/2006/relationships" xmlns:p="http://schemas.openxmlformats.org/presentationml/2006/main">
   <p:cSld>
     <p:spTree>
@@ -5783,17 +9113,145 @@
   <p:clrMapOvr>
     <a:masterClrMapping/>
   </p:clrMapOvr>
+  <mc:AlternateContent xmlns:mc="http://schemas.openxmlformats.org/markup-compatibility/2006">
+    <mc:Choice xmlns:p14="http://schemas.microsoft.com/office/powerpoint/2010/main" Requires="p14">
+      <p:transition spd="slow" p14:dur="1200">
+        <p14:prism/>
+      </p:transition>
+    </mc:Choice>
+    <mc:Fallback>
+      <p:transition xmlns:p14="http://schemas.microsoft.com/office/powerpoint/2010/main" spd="slow">
+        <p:fade/>
+      </p:transition>
+    </mc:Fallback>
+  </mc:AlternateContent>
   <p:timing>
     <p:tnLst>
       <p:par>
-        <p:cTn xmlns:p14="http://schemas.microsoft.com/office/powerpoint/2010/main" id="1" dur="indefinite" restart="never" nodeType="tmRoot"/>
+        <p:cTn xmlns:p14="http://schemas.microsoft.com/office/powerpoint/2010/main" id="1" dur="indefinite" restart="never" nodeType="tmRoot">
+          <p:childTnLst>
+            <p:seq concurrent="1" nextAc="seek">
+              <p:cTn id="2" dur="indefinite" nodeType="mainSeq">
+                <p:childTnLst>
+                  <p:par>
+                    <p:cTn id="3" fill="hold">
+                      <p:stCondLst>
+                        <p:cond delay="indefinite"/>
+                      </p:stCondLst>
+                      <p:childTnLst>
+                        <p:par>
+                          <p:cTn id="4" fill="hold">
+                            <p:stCondLst>
+                              <p:cond delay="0"/>
+                            </p:stCondLst>
+                            <p:childTnLst>
+                              <p:par>
+                                <p:cTn id="5" presetID="1" presetClass="entr" presetSubtype="0" fill="hold" grpId="0" nodeType="clickEffect">
+                                  <p:stCondLst>
+                                    <p:cond delay="0"/>
+                                  </p:stCondLst>
+                                  <p:childTnLst>
+                                    <p:set>
+                                      <p:cBhvr>
+                                        <p:cTn id="6" dur="1" fill="hold">
+                                          <p:stCondLst>
+                                            <p:cond delay="0"/>
+                                          </p:stCondLst>
+                                        </p:cTn>
+                                        <p:tgtEl>
+                                          <p:spTgt spid="7"/>
+                                        </p:tgtEl>
+                                        <p:attrNameLst>
+                                          <p:attrName>style.visibility</p:attrName>
+                                        </p:attrNameLst>
+                                      </p:cBhvr>
+                                      <p:to>
+                                        <p:strVal val="visible"/>
+                                      </p:to>
+                                    </p:set>
+                                  </p:childTnLst>
+                                </p:cTn>
+                              </p:par>
+                            </p:childTnLst>
+                          </p:cTn>
+                        </p:par>
+                      </p:childTnLst>
+                    </p:cTn>
+                  </p:par>
+                  <p:par>
+                    <p:cTn id="7" fill="hold">
+                      <p:stCondLst>
+                        <p:cond delay="indefinite"/>
+                      </p:stCondLst>
+                      <p:childTnLst>
+                        <p:par>
+                          <p:cTn id="8" fill="hold">
+                            <p:stCondLst>
+                              <p:cond delay="0"/>
+                            </p:stCondLst>
+                            <p:childTnLst>
+                              <p:par>
+                                <p:cTn id="9" presetID="1" presetClass="entr" presetSubtype="0" fill="hold" nodeType="clickEffect">
+                                  <p:stCondLst>
+                                    <p:cond delay="0"/>
+                                  </p:stCondLst>
+                                  <p:childTnLst>
+                                    <p:set>
+                                      <p:cBhvr>
+                                        <p:cTn id="10" dur="1" fill="hold">
+                                          <p:stCondLst>
+                                            <p:cond delay="0"/>
+                                          </p:stCondLst>
+                                        </p:cTn>
+                                        <p:tgtEl>
+                                          <p:spTgt spid="2"/>
+                                        </p:tgtEl>
+                                        <p:attrNameLst>
+                                          <p:attrName>style.visibility</p:attrName>
+                                        </p:attrNameLst>
+                                      </p:cBhvr>
+                                      <p:to>
+                                        <p:strVal val="visible"/>
+                                      </p:to>
+                                    </p:set>
+                                  </p:childTnLst>
+                                </p:cTn>
+                              </p:par>
+                            </p:childTnLst>
+                          </p:cTn>
+                        </p:par>
+                      </p:childTnLst>
+                    </p:cTn>
+                  </p:par>
+                </p:childTnLst>
+              </p:cTn>
+              <p:prevCondLst>
+                <p:cond evt="onPrev" delay="0">
+                  <p:tgtEl>
+                    <p:sldTgt/>
+                  </p:tgtEl>
+                </p:cond>
+              </p:prevCondLst>
+              <p:nextCondLst>
+                <p:cond evt="onNext" delay="0">
+                  <p:tgtEl>
+                    <p:sldTgt/>
+                  </p:tgtEl>
+                </p:cond>
+              </p:nextCondLst>
+            </p:seq>
+          </p:childTnLst>
+        </p:cTn>
       </p:par>
     </p:tnLst>
+    <p:bldLst>
+      <p:bldP spid="7" grpId="0" animBg="1"/>
+    </p:bldLst>
   </p:timing>
 </p:sld>
 </file>
 
-<file path=ppt/slides/slide15.xml><?xml version="1.0" encoding="utf-8"?>
+<file path=ppt/slides/slide19.xml><?xml version="1.0" encoding="utf-8"?>
 <p:sld xmlns:a="http://schemas.openxmlformats.org/drawingml/2006/main" xmlns:r="http://schemas.openxmlformats.org/officeDocument/2006/relationships" xmlns:p="http://schemas.openxmlformats.org/presentationml/2006/main">
   <p:cSld>
     <p:spTree>
@@ -6034,12 +9492,140 @@
   <p:clrMapOvr>
     <a:masterClrMapping/>
   </p:clrMapOvr>
+  <mc:AlternateContent xmlns:mc="http://schemas.openxmlformats.org/markup-compatibility/2006">
+    <mc:Choice xmlns:p14="http://schemas.microsoft.com/office/powerpoint/2010/main" Requires="p14">
+      <p:transition spd="slow" p14:dur="1200">
+        <p14:prism/>
+      </p:transition>
+    </mc:Choice>
+    <mc:Fallback>
+      <p:transition xmlns:p14="http://schemas.microsoft.com/office/powerpoint/2010/main" spd="slow">
+        <p:fade/>
+      </p:transition>
+    </mc:Fallback>
+  </mc:AlternateContent>
   <p:timing>
     <p:tnLst>
       <p:par>
-        <p:cTn xmlns:p14="http://schemas.microsoft.com/office/powerpoint/2010/main" id="1" dur="indefinite" restart="never" nodeType="tmRoot"/>
+        <p:cTn xmlns:p14="http://schemas.microsoft.com/office/powerpoint/2010/main" id="1" dur="indefinite" restart="never" nodeType="tmRoot">
+          <p:childTnLst>
+            <p:seq concurrent="1" nextAc="seek">
+              <p:cTn id="2" dur="indefinite" nodeType="mainSeq">
+                <p:childTnLst>
+                  <p:par>
+                    <p:cTn id="3" fill="hold">
+                      <p:stCondLst>
+                        <p:cond delay="indefinite"/>
+                      </p:stCondLst>
+                      <p:childTnLst>
+                        <p:par>
+                          <p:cTn id="4" fill="hold">
+                            <p:stCondLst>
+                              <p:cond delay="0"/>
+                            </p:stCondLst>
+                            <p:childTnLst>
+                              <p:par>
+                                <p:cTn id="5" presetID="1" presetClass="entr" presetSubtype="0" fill="hold" grpId="0" nodeType="clickEffect">
+                                  <p:stCondLst>
+                                    <p:cond delay="0"/>
+                                  </p:stCondLst>
+                                  <p:childTnLst>
+                                    <p:set>
+                                      <p:cBhvr>
+                                        <p:cTn id="6" dur="1" fill="hold">
+                                          <p:stCondLst>
+                                            <p:cond delay="0"/>
+                                          </p:stCondLst>
+                                        </p:cTn>
+                                        <p:tgtEl>
+                                          <p:spTgt spid="6"/>
+                                        </p:tgtEl>
+                                        <p:attrNameLst>
+                                          <p:attrName>style.visibility</p:attrName>
+                                        </p:attrNameLst>
+                                      </p:cBhvr>
+                                      <p:to>
+                                        <p:strVal val="visible"/>
+                                      </p:to>
+                                    </p:set>
+                                  </p:childTnLst>
+                                </p:cTn>
+                              </p:par>
+                            </p:childTnLst>
+                          </p:cTn>
+                        </p:par>
+                      </p:childTnLst>
+                    </p:cTn>
+                  </p:par>
+                  <p:par>
+                    <p:cTn id="7" fill="hold">
+                      <p:stCondLst>
+                        <p:cond delay="indefinite"/>
+                      </p:stCondLst>
+                      <p:childTnLst>
+                        <p:par>
+                          <p:cTn id="8" fill="hold">
+                            <p:stCondLst>
+                              <p:cond delay="0"/>
+                            </p:stCondLst>
+                            <p:childTnLst>
+                              <p:par>
+                                <p:cTn id="9" presetID="1" presetClass="entr" presetSubtype="0" fill="hold" nodeType="clickEffect">
+                                  <p:stCondLst>
+                                    <p:cond delay="0"/>
+                                  </p:stCondLst>
+                                  <p:childTnLst>
+                                    <p:set>
+                                      <p:cBhvr>
+                                        <p:cTn id="10" dur="1" fill="hold">
+                                          <p:stCondLst>
+                                            <p:cond delay="0"/>
+                                          </p:stCondLst>
+                                        </p:cTn>
+                                        <p:tgtEl>
+                                          <p:spTgt spid="5"/>
+                                        </p:tgtEl>
+                                        <p:attrNameLst>
+                                          <p:attrName>style.visibility</p:attrName>
+                                        </p:attrNameLst>
+                                      </p:cBhvr>
+                                      <p:to>
+                                        <p:strVal val="visible"/>
+                                      </p:to>
+                                    </p:set>
+                                  </p:childTnLst>
+                                </p:cTn>
+                              </p:par>
+                            </p:childTnLst>
+                          </p:cTn>
+                        </p:par>
+                      </p:childTnLst>
+                    </p:cTn>
+                  </p:par>
+                </p:childTnLst>
+              </p:cTn>
+              <p:prevCondLst>
+                <p:cond evt="onPrev" delay="0">
+                  <p:tgtEl>
+                    <p:sldTgt/>
+                  </p:tgtEl>
+                </p:cond>
+              </p:prevCondLst>
+              <p:nextCondLst>
+                <p:cond evt="onNext" delay="0">
+                  <p:tgtEl>
+                    <p:sldTgt/>
+                  </p:tgtEl>
+                </p:cond>
+              </p:nextCondLst>
+            </p:seq>
+          </p:childTnLst>
+        </p:cTn>
       </p:par>
     </p:tnLst>
+    <p:bldLst>
+      <p:bldP spid="6" grpId="0" animBg="1"/>
+    </p:bldLst>
   </p:timing>
 </p:sld>
 </file>
@@ -6103,14 +9689,12 @@
               <a:rPr lang="de-CH" dirty="0" smtClean="0"/>
               <a:t>Idee</a:t>
             </a:r>
-            <a:endParaRPr lang="de-CH" dirty="0" smtClean="0"/>
           </a:p>
           <a:p>
             <a:r>
               <a:rPr lang="de-CH" dirty="0" smtClean="0"/>
               <a:t>Planung/Umsetzung</a:t>
             </a:r>
-            <a:endParaRPr lang="de-CH" dirty="0" smtClean="0"/>
           </a:p>
           <a:p>
             <a:r>
@@ -6131,6 +9715,18 @@
   <p:clrMapOvr>
     <a:masterClrMapping/>
   </p:clrMapOvr>
+  <mc:AlternateContent xmlns:mc="http://schemas.openxmlformats.org/markup-compatibility/2006">
+    <mc:Choice xmlns:p14="http://schemas.microsoft.com/office/powerpoint/2010/main" Requires="p14">
+      <p:transition spd="slow" p14:dur="1200">
+        <p14:prism/>
+      </p:transition>
+    </mc:Choice>
+    <mc:Fallback>
+      <p:transition xmlns:p14="http://schemas.microsoft.com/office/powerpoint/2010/main" spd="slow">
+        <p:fade/>
+      </p:transition>
+    </mc:Fallback>
+  </mc:AlternateContent>
   <p:timing>
     <p:tnLst>
       <p:par>
@@ -6138,6 +9734,556 @@
       </p:par>
     </p:tnLst>
   </p:timing>
+</p:sld>
+</file>
+
+<file path=ppt/slides/slide20.xml><?xml version="1.0" encoding="utf-8"?>
+<p:sld xmlns:a="http://schemas.openxmlformats.org/drawingml/2006/main" xmlns:r="http://schemas.openxmlformats.org/officeDocument/2006/relationships" xmlns:p="http://schemas.openxmlformats.org/presentationml/2006/main">
+  <p:cSld>
+    <p:spTree>
+      <p:nvGrpSpPr>
+        <p:cNvPr id="1" name=""/>
+        <p:cNvGrpSpPr/>
+        <p:nvPr/>
+      </p:nvGrpSpPr>
+      <p:grpSpPr>
+        <a:xfrm>
+          <a:off x="0" y="0"/>
+          <a:ext cx="0" cy="0"/>
+          <a:chOff x="0" y="0"/>
+          <a:chExt cx="0" cy="0"/>
+        </a:xfrm>
+      </p:grpSpPr>
+      <p:sp>
+        <p:nvSpPr>
+          <p:cNvPr id="2" name="Titel 1"/>
+          <p:cNvSpPr>
+            <a:spLocks noGrp="1"/>
+          </p:cNvSpPr>
+          <p:nvPr>
+            <p:ph type="title"/>
+          </p:nvPr>
+        </p:nvSpPr>
+        <p:spPr/>
+        <p:txBody>
+          <a:bodyPr/>
+          <a:lstStyle/>
+          <a:p>
+            <a:r>
+              <a:rPr lang="de-CH" dirty="0" smtClean="0"/>
+              <a:t>Das Problem</a:t>
+            </a:r>
+            <a:endParaRPr lang="de-CH" dirty="0"/>
+          </a:p>
+        </p:txBody>
+      </p:sp>
+      <p:sp>
+        <p:nvSpPr>
+          <p:cNvPr id="3" name="Inhaltsplatzhalter 2"/>
+          <p:cNvSpPr>
+            <a:spLocks noGrp="1"/>
+          </p:cNvSpPr>
+          <p:nvPr>
+            <p:ph idx="1"/>
+          </p:nvPr>
+        </p:nvSpPr>
+        <p:spPr/>
+        <p:txBody>
+          <a:bodyPr/>
+          <a:lstStyle/>
+          <a:p>
+            <a:r>
+              <a:rPr lang="de-CH" dirty="0" smtClean="0"/>
+              <a:t>Übernahme von</a:t>
+            </a:r>
+          </a:p>
+          <a:p>
+            <a:pPr lvl="1"/>
+            <a:r>
+              <a:rPr lang="de-CH" dirty="0" smtClean="0"/>
+              <a:t>Grafiken</a:t>
+            </a:r>
+          </a:p>
+          <a:p>
+            <a:pPr lvl="1"/>
+            <a:r>
+              <a:rPr lang="de-CH" dirty="0" smtClean="0"/>
+              <a:t>Musik</a:t>
+            </a:r>
+          </a:p>
+          <a:p>
+            <a:r>
+              <a:rPr lang="de-CH" dirty="0" smtClean="0"/>
+              <a:t>Urheberrechtsverletzung</a:t>
+            </a:r>
+          </a:p>
+          <a:p>
+            <a:endParaRPr lang="de-CH" dirty="0"/>
+          </a:p>
+        </p:txBody>
+      </p:sp>
+    </p:spTree>
+    <p:extLst>
+      <p:ext uri="{BB962C8B-B14F-4D97-AF65-F5344CB8AC3E}">
+        <p14:creationId xmlns:p14="http://schemas.microsoft.com/office/powerpoint/2010/main" val="1216741519"/>
+      </p:ext>
+    </p:extLst>
+  </p:cSld>
+  <p:clrMapOvr>
+    <a:masterClrMapping/>
+  </p:clrMapOvr>
+  <mc:AlternateContent xmlns:mc="http://schemas.openxmlformats.org/markup-compatibility/2006">
+    <mc:Choice xmlns:p14="http://schemas.microsoft.com/office/powerpoint/2010/main" Requires="p14">
+      <p:transition spd="slow" p14:dur="1200">
+        <p14:prism/>
+      </p:transition>
+    </mc:Choice>
+    <mc:Fallback>
+      <p:transition xmlns:p14="http://schemas.microsoft.com/office/powerpoint/2010/main" spd="slow">
+        <p:fade/>
+      </p:transition>
+    </mc:Fallback>
+  </mc:AlternateContent>
+  <p:timing>
+    <p:tnLst>
+      <p:par>
+        <p:cTn xmlns:p14="http://schemas.microsoft.com/office/powerpoint/2010/main" id="1" dur="indefinite" restart="never" nodeType="tmRoot">
+          <p:childTnLst>
+            <p:seq concurrent="1" nextAc="seek">
+              <p:cTn id="2" dur="indefinite" nodeType="mainSeq">
+                <p:childTnLst>
+                  <p:par>
+                    <p:cTn id="3" fill="hold">
+                      <p:stCondLst>
+                        <p:cond delay="indefinite"/>
+                      </p:stCondLst>
+                      <p:childTnLst>
+                        <p:par>
+                          <p:cTn id="4" fill="hold">
+                            <p:stCondLst>
+                              <p:cond delay="0"/>
+                            </p:stCondLst>
+                            <p:childTnLst>
+                              <p:par>
+                                <p:cTn id="5" presetID="1" presetClass="entr" presetSubtype="0" fill="hold" nodeType="clickEffect">
+                                  <p:stCondLst>
+                                    <p:cond delay="0"/>
+                                  </p:stCondLst>
+                                  <p:childTnLst>
+                                    <p:set>
+                                      <p:cBhvr>
+                                        <p:cTn id="6" dur="1" fill="hold">
+                                          <p:stCondLst>
+                                            <p:cond delay="0"/>
+                                          </p:stCondLst>
+                                        </p:cTn>
+                                        <p:tgtEl>
+                                          <p:spTgt spid="3">
+                                            <p:txEl>
+                                              <p:pRg st="0" end="0"/>
+                                            </p:txEl>
+                                          </p:spTgt>
+                                        </p:tgtEl>
+                                        <p:attrNameLst>
+                                          <p:attrName>style.visibility</p:attrName>
+                                        </p:attrNameLst>
+                                      </p:cBhvr>
+                                      <p:to>
+                                        <p:strVal val="visible"/>
+                                      </p:to>
+                                    </p:set>
+                                  </p:childTnLst>
+                                </p:cTn>
+                              </p:par>
+                            </p:childTnLst>
+                          </p:cTn>
+                        </p:par>
+                      </p:childTnLst>
+                    </p:cTn>
+                  </p:par>
+                  <p:par>
+                    <p:cTn id="7" fill="hold">
+                      <p:stCondLst>
+                        <p:cond delay="indefinite"/>
+                      </p:stCondLst>
+                      <p:childTnLst>
+                        <p:par>
+                          <p:cTn id="8" fill="hold">
+                            <p:stCondLst>
+                              <p:cond delay="0"/>
+                            </p:stCondLst>
+                            <p:childTnLst>
+                              <p:par>
+                                <p:cTn id="9" presetID="1" presetClass="entr" presetSubtype="0" fill="hold" nodeType="clickEffect">
+                                  <p:stCondLst>
+                                    <p:cond delay="0"/>
+                                  </p:stCondLst>
+                                  <p:childTnLst>
+                                    <p:set>
+                                      <p:cBhvr>
+                                        <p:cTn id="10" dur="1" fill="hold">
+                                          <p:stCondLst>
+                                            <p:cond delay="0"/>
+                                          </p:stCondLst>
+                                        </p:cTn>
+                                        <p:tgtEl>
+                                          <p:spTgt spid="3">
+                                            <p:txEl>
+                                              <p:pRg st="1" end="1"/>
+                                            </p:txEl>
+                                          </p:spTgt>
+                                        </p:tgtEl>
+                                        <p:attrNameLst>
+                                          <p:attrName>style.visibility</p:attrName>
+                                        </p:attrNameLst>
+                                      </p:cBhvr>
+                                      <p:to>
+                                        <p:strVal val="visible"/>
+                                      </p:to>
+                                    </p:set>
+                                  </p:childTnLst>
+                                </p:cTn>
+                              </p:par>
+                            </p:childTnLst>
+                          </p:cTn>
+                        </p:par>
+                      </p:childTnLst>
+                    </p:cTn>
+                  </p:par>
+                  <p:par>
+                    <p:cTn id="11" fill="hold">
+                      <p:stCondLst>
+                        <p:cond delay="indefinite"/>
+                      </p:stCondLst>
+                      <p:childTnLst>
+                        <p:par>
+                          <p:cTn id="12" fill="hold">
+                            <p:stCondLst>
+                              <p:cond delay="0"/>
+                            </p:stCondLst>
+                            <p:childTnLst>
+                              <p:par>
+                                <p:cTn id="13" presetID="1" presetClass="entr" presetSubtype="0" fill="hold" nodeType="clickEffect">
+                                  <p:stCondLst>
+                                    <p:cond delay="0"/>
+                                  </p:stCondLst>
+                                  <p:childTnLst>
+                                    <p:set>
+                                      <p:cBhvr>
+                                        <p:cTn id="14" dur="1" fill="hold">
+                                          <p:stCondLst>
+                                            <p:cond delay="0"/>
+                                          </p:stCondLst>
+                                        </p:cTn>
+                                        <p:tgtEl>
+                                          <p:spTgt spid="3">
+                                            <p:txEl>
+                                              <p:pRg st="2" end="2"/>
+                                            </p:txEl>
+                                          </p:spTgt>
+                                        </p:tgtEl>
+                                        <p:attrNameLst>
+                                          <p:attrName>style.visibility</p:attrName>
+                                        </p:attrNameLst>
+                                      </p:cBhvr>
+                                      <p:to>
+                                        <p:strVal val="visible"/>
+                                      </p:to>
+                                    </p:set>
+                                  </p:childTnLst>
+                                </p:cTn>
+                              </p:par>
+                            </p:childTnLst>
+                          </p:cTn>
+                        </p:par>
+                      </p:childTnLst>
+                    </p:cTn>
+                  </p:par>
+                  <p:par>
+                    <p:cTn id="15" fill="hold">
+                      <p:stCondLst>
+                        <p:cond delay="indefinite"/>
+                      </p:stCondLst>
+                      <p:childTnLst>
+                        <p:par>
+                          <p:cTn id="16" fill="hold">
+                            <p:stCondLst>
+                              <p:cond delay="0"/>
+                            </p:stCondLst>
+                            <p:childTnLst>
+                              <p:par>
+                                <p:cTn id="17" presetID="1" presetClass="entr" presetSubtype="0" fill="hold" nodeType="clickEffect">
+                                  <p:stCondLst>
+                                    <p:cond delay="0"/>
+                                  </p:stCondLst>
+                                  <p:childTnLst>
+                                    <p:set>
+                                      <p:cBhvr>
+                                        <p:cTn id="18" dur="1" fill="hold">
+                                          <p:stCondLst>
+                                            <p:cond delay="0"/>
+                                          </p:stCondLst>
+                                        </p:cTn>
+                                        <p:tgtEl>
+                                          <p:spTgt spid="3">
+                                            <p:txEl>
+                                              <p:pRg st="3" end="3"/>
+                                            </p:txEl>
+                                          </p:spTgt>
+                                        </p:tgtEl>
+                                        <p:attrNameLst>
+                                          <p:attrName>style.visibility</p:attrName>
+                                        </p:attrNameLst>
+                                      </p:cBhvr>
+                                      <p:to>
+                                        <p:strVal val="visible"/>
+                                      </p:to>
+                                    </p:set>
+                                  </p:childTnLst>
+                                </p:cTn>
+                              </p:par>
+                            </p:childTnLst>
+                          </p:cTn>
+                        </p:par>
+                      </p:childTnLst>
+                    </p:cTn>
+                  </p:par>
+                </p:childTnLst>
+              </p:cTn>
+              <p:prevCondLst>
+                <p:cond evt="onPrev" delay="0">
+                  <p:tgtEl>
+                    <p:sldTgt/>
+                  </p:tgtEl>
+                </p:cond>
+              </p:prevCondLst>
+              <p:nextCondLst>
+                <p:cond evt="onNext" delay="0">
+                  <p:tgtEl>
+                    <p:sldTgt/>
+                  </p:tgtEl>
+                </p:cond>
+              </p:nextCondLst>
+            </p:seq>
+          </p:childTnLst>
+        </p:cTn>
+      </p:par>
+    </p:tnLst>
+  </p:timing>
+</p:sld>
+</file>
+
+<file path=ppt/slides/slide21.xml><?xml version="1.0" encoding="utf-8"?>
+<p:sld xmlns:a="http://schemas.openxmlformats.org/drawingml/2006/main" xmlns:r="http://schemas.openxmlformats.org/officeDocument/2006/relationships" xmlns:p="http://schemas.openxmlformats.org/presentationml/2006/main">
+  <p:cSld>
+    <p:spTree>
+      <p:nvGrpSpPr>
+        <p:cNvPr id="1" name=""/>
+        <p:cNvGrpSpPr/>
+        <p:nvPr/>
+      </p:nvGrpSpPr>
+      <p:grpSpPr>
+        <a:xfrm>
+          <a:off x="0" y="0"/>
+          <a:ext cx="0" cy="0"/>
+          <a:chOff x="0" y="0"/>
+          <a:chExt cx="0" cy="0"/>
+        </a:xfrm>
+      </p:grpSpPr>
+      <p:sp>
+        <p:nvSpPr>
+          <p:cNvPr id="2" name="Titel 1"/>
+          <p:cNvSpPr>
+            <a:spLocks noGrp="1"/>
+          </p:cNvSpPr>
+          <p:nvPr>
+            <p:ph type="title"/>
+          </p:nvPr>
+        </p:nvSpPr>
+        <p:spPr/>
+        <p:txBody>
+          <a:bodyPr/>
+          <a:lstStyle/>
+          <a:p>
+            <a:r>
+              <a:rPr lang="de-CH" dirty="0" smtClean="0"/>
+              <a:t>Demo</a:t>
+            </a:r>
+            <a:endParaRPr lang="de-CH" dirty="0"/>
+          </a:p>
+        </p:txBody>
+      </p:sp>
+    </p:spTree>
+    <p:extLst>
+      <p:ext uri="{BB962C8B-B14F-4D97-AF65-F5344CB8AC3E}">
+        <p14:creationId xmlns:p14="http://schemas.microsoft.com/office/powerpoint/2010/main" val="917635913"/>
+      </p:ext>
+    </p:extLst>
+  </p:cSld>
+  <p:clrMapOvr>
+    <a:masterClrMapping/>
+  </p:clrMapOvr>
+  <mc:AlternateContent xmlns:mc="http://schemas.openxmlformats.org/markup-compatibility/2006">
+    <mc:Choice xmlns:p14="http://schemas.microsoft.com/office/powerpoint/2010/main" Requires="p14">
+      <p:transition spd="slow" p14:dur="1200">
+        <p14:prism/>
+      </p:transition>
+    </mc:Choice>
+    <mc:Fallback>
+      <p:transition xmlns:p14="http://schemas.microsoft.com/office/powerpoint/2010/main" spd="slow">
+        <p:fade/>
+      </p:transition>
+    </mc:Fallback>
+  </mc:AlternateContent>
+  <p:timing>
+    <p:tnLst>
+      <p:par>
+        <p:cTn xmlns:p14="http://schemas.microsoft.com/office/powerpoint/2010/main" id="1" dur="indefinite" restart="never" nodeType="tmRoot"/>
+      </p:par>
+    </p:tnLst>
+  </p:timing>
+</p:sld>
+</file>
+
+<file path=ppt/slides/slide22.xml><?xml version="1.0" encoding="utf-8"?>
+<p:sld xmlns:a="http://schemas.openxmlformats.org/drawingml/2006/main" xmlns:r="http://schemas.openxmlformats.org/officeDocument/2006/relationships" xmlns:p="http://schemas.openxmlformats.org/presentationml/2006/main">
+  <p:cSld>
+    <p:spTree>
+      <p:nvGrpSpPr>
+        <p:cNvPr id="1" name=""/>
+        <p:cNvGrpSpPr/>
+        <p:nvPr/>
+      </p:nvGrpSpPr>
+      <p:grpSpPr>
+        <a:xfrm>
+          <a:off x="0" y="0"/>
+          <a:ext cx="0" cy="0"/>
+          <a:chOff x="0" y="0"/>
+          <a:chExt cx="0" cy="0"/>
+        </a:xfrm>
+      </p:grpSpPr>
+      <p:sp>
+        <p:nvSpPr>
+          <p:cNvPr id="6" name="Titel 5"/>
+          <p:cNvSpPr>
+            <a:spLocks noGrp="1"/>
+          </p:cNvSpPr>
+          <p:nvPr>
+            <p:ph type="title"/>
+          </p:nvPr>
+        </p:nvSpPr>
+        <p:spPr/>
+        <p:txBody>
+          <a:bodyPr/>
+          <a:lstStyle/>
+          <a:p>
+            <a:r>
+              <a:rPr lang="de-CH" dirty="0" smtClean="0"/>
+              <a:t>Fragen?</a:t>
+            </a:r>
+            <a:endParaRPr lang="de-CH" dirty="0"/>
+          </a:p>
+        </p:txBody>
+      </p:sp>
+      <p:sp>
+        <p:nvSpPr>
+          <p:cNvPr id="7" name="Inhaltsplatzhalter 6"/>
+          <p:cNvSpPr>
+            <a:spLocks noGrp="1"/>
+          </p:cNvSpPr>
+          <p:nvPr>
+            <p:ph idx="1"/>
+          </p:nvPr>
+        </p:nvSpPr>
+        <p:spPr/>
+        <p:txBody>
+          <a:bodyPr>
+            <a:noAutofit/>
+          </a:bodyPr>
+          <a:lstStyle/>
+          <a:p>
+            <a:pPr marL="0" indent="0" algn="ctr">
+              <a:buNone/>
+            </a:pPr>
+            <a:r>
+              <a:rPr lang="de-CH" sz="19900" dirty="0" smtClean="0"/>
+              <a:t>?</a:t>
+            </a:r>
+            <a:endParaRPr lang="de-CH" sz="19900" dirty="0"/>
+          </a:p>
+        </p:txBody>
+      </p:sp>
+    </p:spTree>
+    <p:extLst>
+      <p:ext uri="{BB962C8B-B14F-4D97-AF65-F5344CB8AC3E}">
+        <p14:creationId xmlns:p14="http://schemas.microsoft.com/office/powerpoint/2010/main" val="2682229460"/>
+      </p:ext>
+    </p:extLst>
+  </p:cSld>
+  <p:clrMapOvr>
+    <a:masterClrMapping/>
+  </p:clrMapOvr>
+  <mc:AlternateContent xmlns:mc="http://schemas.openxmlformats.org/markup-compatibility/2006">
+    <mc:Choice xmlns:p14="http://schemas.microsoft.com/office/powerpoint/2010/main" Requires="p14">
+      <p:transition spd="slow" p14:dur="1200">
+        <p14:prism/>
+      </p:transition>
+    </mc:Choice>
+    <mc:Fallback>
+      <p:transition xmlns:p14="http://schemas.microsoft.com/office/powerpoint/2010/main" spd="slow">
+        <p:fade/>
+      </p:transition>
+    </mc:Fallback>
+  </mc:AlternateContent>
+  <p:timing>
+    <p:tnLst>
+      <p:par>
+        <p:cTn xmlns:p14="http://schemas.microsoft.com/office/powerpoint/2010/main" id="1" dur="indefinite" restart="never" nodeType="tmRoot"/>
+      </p:par>
+    </p:tnLst>
+  </p:timing>
+</p:sld>
+</file>
+
+<file path=ppt/slides/slide23.xml><?xml version="1.0" encoding="utf-8"?>
+<p:sld xmlns:a="http://schemas.openxmlformats.org/drawingml/2006/main" xmlns:r="http://schemas.openxmlformats.org/officeDocument/2006/relationships" xmlns:p="http://schemas.openxmlformats.org/presentationml/2006/main">
+  <p:cSld>
+    <p:spTree>
+      <p:nvGrpSpPr>
+        <p:cNvPr id="1" name=""/>
+        <p:cNvGrpSpPr/>
+        <p:nvPr/>
+      </p:nvGrpSpPr>
+      <p:grpSpPr>
+        <a:xfrm>
+          <a:off x="0" y="0"/>
+          <a:ext cx="0" cy="0"/>
+          <a:chOff x="0" y="0"/>
+          <a:chExt cx="0" cy="0"/>
+        </a:xfrm>
+      </p:grpSpPr>
+    </p:spTree>
+    <p:extLst>
+      <p:ext uri="{BB962C8B-B14F-4D97-AF65-F5344CB8AC3E}">
+        <p14:creationId xmlns:p14="http://schemas.microsoft.com/office/powerpoint/2010/main" val="4271919466"/>
+      </p:ext>
+    </p:extLst>
+  </p:cSld>
+  <p:clrMapOvr>
+    <a:masterClrMapping/>
+  </p:clrMapOvr>
+  <mc:AlternateContent xmlns:mc="http://schemas.openxmlformats.org/markup-compatibility/2006">
+    <mc:Choice xmlns:p14="http://schemas.microsoft.com/office/powerpoint/2010/main" Requires="p14">
+      <p:transition spd="slow" p14:dur="1200">
+        <p14:prism/>
+      </p:transition>
+    </mc:Choice>
+    <mc:Fallback>
+      <p:transition xmlns:p14="http://schemas.microsoft.com/office/powerpoint/2010/main" spd="slow">
+        <p:fade/>
+      </p:transition>
+    </mc:Fallback>
+  </mc:AlternateContent>
 </p:sld>
 </file>
 
@@ -6193,7 +10339,9 @@
         </p:nvSpPr>
         <p:spPr/>
         <p:txBody>
-          <a:bodyPr/>
+          <a:bodyPr>
+            <a:normAutofit/>
+          </a:bodyPr>
           <a:lstStyle/>
           <a:p>
             <a:r>
@@ -6211,7 +10359,11 @@
           <a:p>
             <a:r>
               <a:rPr lang="de-CH" dirty="0" smtClean="0"/>
-              <a:t>Berühmtes Spiel</a:t>
+              <a:t>Berühmtes </a:t>
+            </a:r>
+            <a:r>
+              <a:rPr lang="de-CH" dirty="0" smtClean="0"/>
+              <a:t>Spiel</a:t>
             </a:r>
           </a:p>
           <a:p>
@@ -6316,6 +10468,18 @@
   <p:clrMapOvr>
     <a:masterClrMapping/>
   </p:clrMapOvr>
+  <mc:AlternateContent xmlns:mc="http://schemas.openxmlformats.org/markup-compatibility/2006">
+    <mc:Choice xmlns:p14="http://schemas.microsoft.com/office/powerpoint/2010/main" Requires="p14">
+      <p:transition spd="slow" p14:dur="1200">
+        <p14:prism/>
+      </p:transition>
+    </mc:Choice>
+    <mc:Fallback>
+      <p:transition xmlns:p14="http://schemas.microsoft.com/office/powerpoint/2010/main" spd="slow">
+        <p:fade/>
+      </p:transition>
+    </mc:Fallback>
+  </mc:AlternateContent>
   <p:timing>
     <p:tnLst>
       <p:par>
@@ -6851,10 +11015,143 @@
   <p:clrMapOvr>
     <a:masterClrMapping/>
   </p:clrMapOvr>
+  <mc:AlternateContent xmlns:mc="http://schemas.openxmlformats.org/markup-compatibility/2006">
+    <mc:Choice xmlns:p14="http://schemas.microsoft.com/office/powerpoint/2010/main" Requires="p14">
+      <p:transition spd="slow" p14:dur="1200">
+        <p14:prism/>
+      </p:transition>
+    </mc:Choice>
+    <mc:Fallback>
+      <p:transition xmlns:p14="http://schemas.microsoft.com/office/powerpoint/2010/main" spd="slow">
+        <p:fade/>
+      </p:transition>
+    </mc:Fallback>
+  </mc:AlternateContent>
   <p:timing>
     <p:tnLst>
       <p:par>
-        <p:cTn xmlns:p14="http://schemas.microsoft.com/office/powerpoint/2010/main" id="1" dur="indefinite" restart="never" nodeType="tmRoot"/>
+        <p:cTn xmlns:p14="http://schemas.microsoft.com/office/powerpoint/2010/main" id="1" dur="indefinite" restart="never" nodeType="tmRoot">
+          <p:childTnLst>
+            <p:seq concurrent="1" nextAc="seek">
+              <p:cTn id="2" dur="indefinite" nodeType="mainSeq">
+                <p:childTnLst>
+                  <p:par>
+                    <p:cTn id="3" fill="hold">
+                      <p:stCondLst>
+                        <p:cond delay="indefinite"/>
+                      </p:stCondLst>
+                      <p:childTnLst>
+                        <p:par>
+                          <p:cTn id="4" fill="hold">
+                            <p:stCondLst>
+                              <p:cond delay="0"/>
+                            </p:stCondLst>
+                            <p:childTnLst>
+                              <p:par>
+                                <p:cTn id="5" presetID="1" presetClass="entr" presetSubtype="0" fill="hold" nodeType="clickEffect">
+                                  <p:stCondLst>
+                                    <p:cond delay="0"/>
+                                  </p:stCondLst>
+                                  <p:childTnLst>
+                                    <p:set>
+                                      <p:cBhvr>
+                                        <p:cTn id="6" dur="1" fill="hold">
+                                          <p:stCondLst>
+                                            <p:cond delay="0"/>
+                                          </p:stCondLst>
+                                        </p:cTn>
+                                        <p:tgtEl>
+                                          <p:spTgt spid="3">
+                                            <p:txEl>
+                                              <p:pRg st="0" end="0"/>
+                                            </p:txEl>
+                                          </p:spTgt>
+                                        </p:tgtEl>
+                                        <p:attrNameLst>
+                                          <p:attrName>style.visibility</p:attrName>
+                                        </p:attrNameLst>
+                                      </p:cBhvr>
+                                      <p:to>
+                                        <p:strVal val="visible"/>
+                                      </p:to>
+                                    </p:set>
+                                  </p:childTnLst>
+                                </p:cTn>
+                              </p:par>
+                            </p:childTnLst>
+                          </p:cTn>
+                        </p:par>
+                      </p:childTnLst>
+                    </p:cTn>
+                  </p:par>
+                  <p:par>
+                    <p:cTn id="7" fill="hold">
+                      <p:stCondLst>
+                        <p:cond delay="indefinite"/>
+                      </p:stCondLst>
+                      <p:childTnLst>
+                        <p:par>
+                          <p:cTn id="8" fill="hold">
+                            <p:stCondLst>
+                              <p:cond delay="0"/>
+                            </p:stCondLst>
+                            <p:childTnLst>
+                              <p:par>
+                                <p:cTn id="9" presetID="1" presetClass="entr" presetSubtype="0" fill="hold" nodeType="clickEffect">
+                                  <p:stCondLst>
+                                    <p:cond delay="0"/>
+                                  </p:stCondLst>
+                                  <p:childTnLst>
+                                    <p:set>
+                                      <p:cBhvr>
+                                        <p:cTn id="10" dur="1" fill="hold">
+                                          <p:stCondLst>
+                                            <p:cond delay="0"/>
+                                          </p:stCondLst>
+                                        </p:cTn>
+                                        <p:tgtEl>
+                                          <p:spTgt spid="3">
+                                            <p:txEl>
+                                              <p:pRg st="1" end="1"/>
+                                            </p:txEl>
+                                          </p:spTgt>
+                                        </p:tgtEl>
+                                        <p:attrNameLst>
+                                          <p:attrName>style.visibility</p:attrName>
+                                        </p:attrNameLst>
+                                      </p:cBhvr>
+                                      <p:to>
+                                        <p:strVal val="visible"/>
+                                      </p:to>
+                                    </p:set>
+                                  </p:childTnLst>
+                                </p:cTn>
+                              </p:par>
+                            </p:childTnLst>
+                          </p:cTn>
+                        </p:par>
+                      </p:childTnLst>
+                    </p:cTn>
+                  </p:par>
+                </p:childTnLst>
+              </p:cTn>
+              <p:prevCondLst>
+                <p:cond evt="onPrev" delay="0">
+                  <p:tgtEl>
+                    <p:sldTgt/>
+                  </p:tgtEl>
+                </p:cond>
+              </p:prevCondLst>
+              <p:nextCondLst>
+                <p:cond evt="onNext" delay="0">
+                  <p:tgtEl>
+                    <p:sldTgt/>
+                  </p:tgtEl>
+                </p:cond>
+              </p:nextCondLst>
+            </p:seq>
+          </p:childTnLst>
+        </p:cTn>
       </p:par>
     </p:tnLst>
   </p:timing>
@@ -6984,6 +11281,391 @@
   <p:clrMapOvr>
     <a:masterClrMapping/>
   </p:clrMapOvr>
+  <mc:AlternateContent xmlns:mc="http://schemas.openxmlformats.org/markup-compatibility/2006">
+    <mc:Choice xmlns:p14="http://schemas.microsoft.com/office/powerpoint/2010/main" Requires="p14">
+      <p:transition spd="slow" p14:dur="1200">
+        <p14:prism/>
+      </p:transition>
+    </mc:Choice>
+    <mc:Fallback>
+      <p:transition xmlns:p14="http://schemas.microsoft.com/office/powerpoint/2010/main" spd="slow">
+        <p:fade/>
+      </p:transition>
+    </mc:Fallback>
+  </mc:AlternateContent>
+  <p:timing>
+    <p:tnLst>
+      <p:par>
+        <p:cTn xmlns:p14="http://schemas.microsoft.com/office/powerpoint/2010/main" id="1" dur="indefinite" restart="never" nodeType="tmRoot">
+          <p:childTnLst>
+            <p:seq concurrent="1" nextAc="seek">
+              <p:cTn id="2" dur="indefinite" nodeType="mainSeq">
+                <p:childTnLst>
+                  <p:par>
+                    <p:cTn id="3" fill="hold">
+                      <p:stCondLst>
+                        <p:cond delay="indefinite"/>
+                      </p:stCondLst>
+                      <p:childTnLst>
+                        <p:par>
+                          <p:cTn id="4" fill="hold">
+                            <p:stCondLst>
+                              <p:cond delay="0"/>
+                            </p:stCondLst>
+                            <p:childTnLst>
+                              <p:par>
+                                <p:cTn id="5" presetID="1" presetClass="entr" presetSubtype="0" fill="hold" nodeType="clickEffect">
+                                  <p:stCondLst>
+                                    <p:cond delay="0"/>
+                                  </p:stCondLst>
+                                  <p:childTnLst>
+                                    <p:set>
+                                      <p:cBhvr>
+                                        <p:cTn id="6" dur="1" fill="hold">
+                                          <p:stCondLst>
+                                            <p:cond delay="0"/>
+                                          </p:stCondLst>
+                                        </p:cTn>
+                                        <p:tgtEl>
+                                          <p:spTgt spid="3">
+                                            <p:txEl>
+                                              <p:pRg st="0" end="0"/>
+                                            </p:txEl>
+                                          </p:spTgt>
+                                        </p:tgtEl>
+                                        <p:attrNameLst>
+                                          <p:attrName>style.visibility</p:attrName>
+                                        </p:attrNameLst>
+                                      </p:cBhvr>
+                                      <p:to>
+                                        <p:strVal val="visible"/>
+                                      </p:to>
+                                    </p:set>
+                                  </p:childTnLst>
+                                </p:cTn>
+                              </p:par>
+                            </p:childTnLst>
+                          </p:cTn>
+                        </p:par>
+                      </p:childTnLst>
+                    </p:cTn>
+                  </p:par>
+                  <p:par>
+                    <p:cTn id="7" fill="hold">
+                      <p:stCondLst>
+                        <p:cond delay="indefinite"/>
+                      </p:stCondLst>
+                      <p:childTnLst>
+                        <p:par>
+                          <p:cTn id="8" fill="hold">
+                            <p:stCondLst>
+                              <p:cond delay="0"/>
+                            </p:stCondLst>
+                            <p:childTnLst>
+                              <p:par>
+                                <p:cTn id="9" presetID="1" presetClass="entr" presetSubtype="0" fill="hold" nodeType="clickEffect">
+                                  <p:stCondLst>
+                                    <p:cond delay="0"/>
+                                  </p:stCondLst>
+                                  <p:childTnLst>
+                                    <p:set>
+                                      <p:cBhvr>
+                                        <p:cTn id="10" dur="1" fill="hold">
+                                          <p:stCondLst>
+                                            <p:cond delay="0"/>
+                                          </p:stCondLst>
+                                        </p:cTn>
+                                        <p:tgtEl>
+                                          <p:spTgt spid="3">
+                                            <p:txEl>
+                                              <p:pRg st="1" end="1"/>
+                                            </p:txEl>
+                                          </p:spTgt>
+                                        </p:tgtEl>
+                                        <p:attrNameLst>
+                                          <p:attrName>style.visibility</p:attrName>
+                                        </p:attrNameLst>
+                                      </p:cBhvr>
+                                      <p:to>
+                                        <p:strVal val="visible"/>
+                                      </p:to>
+                                    </p:set>
+                                  </p:childTnLst>
+                                </p:cTn>
+                              </p:par>
+                            </p:childTnLst>
+                          </p:cTn>
+                        </p:par>
+                      </p:childTnLst>
+                    </p:cTn>
+                  </p:par>
+                  <p:par>
+                    <p:cTn id="11" fill="hold">
+                      <p:stCondLst>
+                        <p:cond delay="indefinite"/>
+                      </p:stCondLst>
+                      <p:childTnLst>
+                        <p:par>
+                          <p:cTn id="12" fill="hold">
+                            <p:stCondLst>
+                              <p:cond delay="0"/>
+                            </p:stCondLst>
+                            <p:childTnLst>
+                              <p:par>
+                                <p:cTn id="13" presetID="1" presetClass="entr" presetSubtype="0" fill="hold" nodeType="clickEffect">
+                                  <p:stCondLst>
+                                    <p:cond delay="0"/>
+                                  </p:stCondLst>
+                                  <p:childTnLst>
+                                    <p:set>
+                                      <p:cBhvr>
+                                        <p:cTn id="14" dur="1" fill="hold">
+                                          <p:stCondLst>
+                                            <p:cond delay="0"/>
+                                          </p:stCondLst>
+                                        </p:cTn>
+                                        <p:tgtEl>
+                                          <p:spTgt spid="3">
+                                            <p:txEl>
+                                              <p:pRg st="2" end="2"/>
+                                            </p:txEl>
+                                          </p:spTgt>
+                                        </p:tgtEl>
+                                        <p:attrNameLst>
+                                          <p:attrName>style.visibility</p:attrName>
+                                        </p:attrNameLst>
+                                      </p:cBhvr>
+                                      <p:to>
+                                        <p:strVal val="visible"/>
+                                      </p:to>
+                                    </p:set>
+                                  </p:childTnLst>
+                                </p:cTn>
+                              </p:par>
+                            </p:childTnLst>
+                          </p:cTn>
+                        </p:par>
+                      </p:childTnLst>
+                    </p:cTn>
+                  </p:par>
+                  <p:par>
+                    <p:cTn id="15" fill="hold">
+                      <p:stCondLst>
+                        <p:cond delay="indefinite"/>
+                      </p:stCondLst>
+                      <p:childTnLst>
+                        <p:par>
+                          <p:cTn id="16" fill="hold">
+                            <p:stCondLst>
+                              <p:cond delay="0"/>
+                            </p:stCondLst>
+                            <p:childTnLst>
+                              <p:par>
+                                <p:cTn id="17" presetID="1" presetClass="entr" presetSubtype="0" fill="hold" nodeType="clickEffect">
+                                  <p:stCondLst>
+                                    <p:cond delay="0"/>
+                                  </p:stCondLst>
+                                  <p:childTnLst>
+                                    <p:set>
+                                      <p:cBhvr>
+                                        <p:cTn id="18" dur="1" fill="hold">
+                                          <p:stCondLst>
+                                            <p:cond delay="0"/>
+                                          </p:stCondLst>
+                                        </p:cTn>
+                                        <p:tgtEl>
+                                          <p:spTgt spid="3">
+                                            <p:txEl>
+                                              <p:pRg st="3" end="3"/>
+                                            </p:txEl>
+                                          </p:spTgt>
+                                        </p:tgtEl>
+                                        <p:attrNameLst>
+                                          <p:attrName>style.visibility</p:attrName>
+                                        </p:attrNameLst>
+                                      </p:cBhvr>
+                                      <p:to>
+                                        <p:strVal val="visible"/>
+                                      </p:to>
+                                    </p:set>
+                                  </p:childTnLst>
+                                </p:cTn>
+                              </p:par>
+                            </p:childTnLst>
+                          </p:cTn>
+                        </p:par>
+                      </p:childTnLst>
+                    </p:cTn>
+                  </p:par>
+                  <p:par>
+                    <p:cTn id="19" fill="hold">
+                      <p:stCondLst>
+                        <p:cond delay="indefinite"/>
+                      </p:stCondLst>
+                      <p:childTnLst>
+                        <p:par>
+                          <p:cTn id="20" fill="hold">
+                            <p:stCondLst>
+                              <p:cond delay="0"/>
+                            </p:stCondLst>
+                            <p:childTnLst>
+                              <p:par>
+                                <p:cTn id="21" presetID="1" presetClass="entr" presetSubtype="0" fill="hold" nodeType="clickEffect">
+                                  <p:stCondLst>
+                                    <p:cond delay="0"/>
+                                  </p:stCondLst>
+                                  <p:childTnLst>
+                                    <p:set>
+                                      <p:cBhvr>
+                                        <p:cTn id="22" dur="1" fill="hold">
+                                          <p:stCondLst>
+                                            <p:cond delay="0"/>
+                                          </p:stCondLst>
+                                        </p:cTn>
+                                        <p:tgtEl>
+                                          <p:spTgt spid="3">
+                                            <p:txEl>
+                                              <p:pRg st="4" end="4"/>
+                                            </p:txEl>
+                                          </p:spTgt>
+                                        </p:tgtEl>
+                                        <p:attrNameLst>
+                                          <p:attrName>style.visibility</p:attrName>
+                                        </p:attrNameLst>
+                                      </p:cBhvr>
+                                      <p:to>
+                                        <p:strVal val="visible"/>
+                                      </p:to>
+                                    </p:set>
+                                  </p:childTnLst>
+                                </p:cTn>
+                              </p:par>
+                            </p:childTnLst>
+                          </p:cTn>
+                        </p:par>
+                      </p:childTnLst>
+                    </p:cTn>
+                  </p:par>
+                  <p:par>
+                    <p:cTn id="23" fill="hold">
+                      <p:stCondLst>
+                        <p:cond delay="indefinite"/>
+                      </p:stCondLst>
+                      <p:childTnLst>
+                        <p:par>
+                          <p:cTn id="24" fill="hold">
+                            <p:stCondLst>
+                              <p:cond delay="0"/>
+                            </p:stCondLst>
+                            <p:childTnLst>
+                              <p:par>
+                                <p:cTn id="25" presetID="1" presetClass="entr" presetSubtype="0" fill="hold" nodeType="clickEffect">
+                                  <p:stCondLst>
+                                    <p:cond delay="0"/>
+                                  </p:stCondLst>
+                                  <p:childTnLst>
+                                    <p:set>
+                                      <p:cBhvr>
+                                        <p:cTn id="26" dur="1" fill="hold">
+                                          <p:stCondLst>
+                                            <p:cond delay="0"/>
+                                          </p:stCondLst>
+                                        </p:cTn>
+                                        <p:tgtEl>
+                                          <p:spTgt spid="3">
+                                            <p:txEl>
+                                              <p:pRg st="5" end="5"/>
+                                            </p:txEl>
+                                          </p:spTgt>
+                                        </p:tgtEl>
+                                        <p:attrNameLst>
+                                          <p:attrName>style.visibility</p:attrName>
+                                        </p:attrNameLst>
+                                      </p:cBhvr>
+                                      <p:to>
+                                        <p:strVal val="visible"/>
+                                      </p:to>
+                                    </p:set>
+                                  </p:childTnLst>
+                                </p:cTn>
+                              </p:par>
+                            </p:childTnLst>
+                          </p:cTn>
+                        </p:par>
+                      </p:childTnLst>
+                    </p:cTn>
+                  </p:par>
+                  <p:par>
+                    <p:cTn id="27" fill="hold">
+                      <p:stCondLst>
+                        <p:cond delay="indefinite"/>
+                      </p:stCondLst>
+                      <p:childTnLst>
+                        <p:par>
+                          <p:cTn id="28" fill="hold">
+                            <p:stCondLst>
+                              <p:cond delay="0"/>
+                            </p:stCondLst>
+                            <p:childTnLst>
+                              <p:par>
+                                <p:cTn id="29" presetID="1" presetClass="entr" presetSubtype="0" fill="hold" nodeType="clickEffect">
+                                  <p:stCondLst>
+                                    <p:cond delay="0"/>
+                                  </p:stCondLst>
+                                  <p:childTnLst>
+                                    <p:set>
+                                      <p:cBhvr>
+                                        <p:cTn id="30" dur="1" fill="hold">
+                                          <p:stCondLst>
+                                            <p:cond delay="0"/>
+                                          </p:stCondLst>
+                                        </p:cTn>
+                                        <p:tgtEl>
+                                          <p:spTgt spid="3">
+                                            <p:txEl>
+                                              <p:pRg st="6" end="6"/>
+                                            </p:txEl>
+                                          </p:spTgt>
+                                        </p:tgtEl>
+                                        <p:attrNameLst>
+                                          <p:attrName>style.visibility</p:attrName>
+                                        </p:attrNameLst>
+                                      </p:cBhvr>
+                                      <p:to>
+                                        <p:strVal val="visible"/>
+                                      </p:to>
+                                    </p:set>
+                                  </p:childTnLst>
+                                </p:cTn>
+                              </p:par>
+                            </p:childTnLst>
+                          </p:cTn>
+                        </p:par>
+                      </p:childTnLst>
+                    </p:cTn>
+                  </p:par>
+                </p:childTnLst>
+              </p:cTn>
+              <p:prevCondLst>
+                <p:cond evt="onPrev" delay="0">
+                  <p:tgtEl>
+                    <p:sldTgt/>
+                  </p:tgtEl>
+                </p:cond>
+              </p:prevCondLst>
+              <p:nextCondLst>
+                <p:cond evt="onNext" delay="0">
+                  <p:tgtEl>
+                    <p:sldTgt/>
+                  </p:tgtEl>
+                </p:cond>
+              </p:nextCondLst>
+            </p:seq>
+          </p:childTnLst>
+        </p:cTn>
+      </p:par>
+    </p:tnLst>
+  </p:timing>
 </p:sld>
 </file>
 
@@ -7145,6 +11827,239 @@
   <p:clrMapOvr>
     <a:masterClrMapping/>
   </p:clrMapOvr>
+  <mc:AlternateContent xmlns:mc="http://schemas.openxmlformats.org/markup-compatibility/2006">
+    <mc:Choice xmlns:p14="http://schemas.microsoft.com/office/powerpoint/2010/main" Requires="p14">
+      <p:transition spd="slow" p14:dur="1200">
+        <p14:prism/>
+      </p:transition>
+    </mc:Choice>
+    <mc:Fallback>
+      <p:transition xmlns:p14="http://schemas.microsoft.com/office/powerpoint/2010/main" spd="slow">
+        <p:fade/>
+      </p:transition>
+    </mc:Fallback>
+  </mc:AlternateContent>
+  <p:timing>
+    <p:tnLst>
+      <p:par>
+        <p:cTn xmlns:p14="http://schemas.microsoft.com/office/powerpoint/2010/main" id="1" dur="indefinite" restart="never" nodeType="tmRoot">
+          <p:childTnLst>
+            <p:seq concurrent="1" nextAc="seek">
+              <p:cTn id="2" dur="indefinite" nodeType="mainSeq">
+                <p:childTnLst>
+                  <p:par>
+                    <p:cTn id="3" fill="hold">
+                      <p:stCondLst>
+                        <p:cond delay="indefinite"/>
+                      </p:stCondLst>
+                      <p:childTnLst>
+                        <p:par>
+                          <p:cTn id="4" fill="hold">
+                            <p:stCondLst>
+                              <p:cond delay="0"/>
+                            </p:stCondLst>
+                            <p:childTnLst>
+                              <p:par>
+                                <p:cTn id="5" presetID="1" presetClass="entr" presetSubtype="0" fill="hold" grpId="0" nodeType="clickEffect">
+                                  <p:stCondLst>
+                                    <p:cond delay="0"/>
+                                  </p:stCondLst>
+                                  <p:childTnLst>
+                                    <p:set>
+                                      <p:cBhvr>
+                                        <p:cTn id="6" dur="1" fill="hold">
+                                          <p:stCondLst>
+                                            <p:cond delay="0"/>
+                                          </p:stCondLst>
+                                        </p:cTn>
+                                        <p:tgtEl>
+                                          <p:spTgt spid="9">
+                                            <p:txEl>
+                                              <p:pRg st="0" end="0"/>
+                                            </p:txEl>
+                                          </p:spTgt>
+                                        </p:tgtEl>
+                                        <p:attrNameLst>
+                                          <p:attrName>style.visibility</p:attrName>
+                                        </p:attrNameLst>
+                                      </p:cBhvr>
+                                      <p:to>
+                                        <p:strVal val="visible"/>
+                                      </p:to>
+                                    </p:set>
+                                  </p:childTnLst>
+                                </p:cTn>
+                              </p:par>
+                            </p:childTnLst>
+                          </p:cTn>
+                        </p:par>
+                      </p:childTnLst>
+                    </p:cTn>
+                  </p:par>
+                  <p:par>
+                    <p:cTn id="7" fill="hold">
+                      <p:stCondLst>
+                        <p:cond delay="indefinite"/>
+                      </p:stCondLst>
+                      <p:childTnLst>
+                        <p:par>
+                          <p:cTn id="8" fill="hold">
+                            <p:stCondLst>
+                              <p:cond delay="0"/>
+                            </p:stCondLst>
+                            <p:childTnLst>
+                              <p:par>
+                                <p:cTn id="9" presetID="1" presetClass="entr" presetSubtype="0" fill="hold" nodeType="clickEffect">
+                                  <p:stCondLst>
+                                    <p:cond delay="0"/>
+                                  </p:stCondLst>
+                                  <p:childTnLst>
+                                    <p:set>
+                                      <p:cBhvr>
+                                        <p:cTn id="10" dur="1" fill="hold">
+                                          <p:stCondLst>
+                                            <p:cond delay="0"/>
+                                          </p:stCondLst>
+                                        </p:cTn>
+                                        <p:tgtEl>
+                                          <p:spTgt spid="11">
+                                            <p:txEl>
+                                              <p:pRg st="0" end="0"/>
+                                            </p:txEl>
+                                          </p:spTgt>
+                                        </p:tgtEl>
+                                        <p:attrNameLst>
+                                          <p:attrName>style.visibility</p:attrName>
+                                        </p:attrNameLst>
+                                      </p:cBhvr>
+                                      <p:to>
+                                        <p:strVal val="visible"/>
+                                      </p:to>
+                                    </p:set>
+                                  </p:childTnLst>
+                                </p:cTn>
+                              </p:par>
+                            </p:childTnLst>
+                          </p:cTn>
+                        </p:par>
+                      </p:childTnLst>
+                    </p:cTn>
+                  </p:par>
+                  <p:par>
+                    <p:cTn id="11" fill="hold">
+                      <p:stCondLst>
+                        <p:cond delay="indefinite"/>
+                      </p:stCondLst>
+                      <p:childTnLst>
+                        <p:par>
+                          <p:cTn id="12" fill="hold">
+                            <p:stCondLst>
+                              <p:cond delay="0"/>
+                            </p:stCondLst>
+                            <p:childTnLst>
+                              <p:par>
+                                <p:cTn id="13" presetID="1" presetClass="entr" presetSubtype="0" fill="hold" nodeType="clickEffect">
+                                  <p:stCondLst>
+                                    <p:cond delay="0"/>
+                                  </p:stCondLst>
+                                  <p:childTnLst>
+                                    <p:set>
+                                      <p:cBhvr>
+                                        <p:cTn id="14" dur="1" fill="hold">
+                                          <p:stCondLst>
+                                            <p:cond delay="0"/>
+                                          </p:stCondLst>
+                                        </p:cTn>
+                                        <p:tgtEl>
+                                          <p:spTgt spid="13"/>
+                                        </p:tgtEl>
+                                        <p:attrNameLst>
+                                          <p:attrName>style.visibility</p:attrName>
+                                        </p:attrNameLst>
+                                      </p:cBhvr>
+                                      <p:to>
+                                        <p:strVal val="visible"/>
+                                      </p:to>
+                                    </p:set>
+                                  </p:childTnLst>
+                                </p:cTn>
+                              </p:par>
+                            </p:childTnLst>
+                          </p:cTn>
+                        </p:par>
+                      </p:childTnLst>
+                    </p:cTn>
+                  </p:par>
+                  <p:par>
+                    <p:cTn id="15" fill="hold">
+                      <p:stCondLst>
+                        <p:cond delay="indefinite"/>
+                      </p:stCondLst>
+                      <p:childTnLst>
+                        <p:par>
+                          <p:cTn id="16" fill="hold">
+                            <p:stCondLst>
+                              <p:cond delay="0"/>
+                            </p:stCondLst>
+                            <p:childTnLst>
+                              <p:par>
+                                <p:cTn id="17" presetID="1" presetClass="entr" presetSubtype="0" fill="hold" nodeType="clickEffect">
+                                  <p:stCondLst>
+                                    <p:cond delay="0"/>
+                                  </p:stCondLst>
+                                  <p:childTnLst>
+                                    <p:set>
+                                      <p:cBhvr>
+                                        <p:cTn id="18" dur="1" fill="hold">
+                                          <p:stCondLst>
+                                            <p:cond delay="0"/>
+                                          </p:stCondLst>
+                                        </p:cTn>
+                                        <p:tgtEl>
+                                          <p:spTgt spid="14"/>
+                                        </p:tgtEl>
+                                        <p:attrNameLst>
+                                          <p:attrName>style.visibility</p:attrName>
+                                        </p:attrNameLst>
+                                      </p:cBhvr>
+                                      <p:to>
+                                        <p:strVal val="visible"/>
+                                      </p:to>
+                                    </p:set>
+                                  </p:childTnLst>
+                                </p:cTn>
+                              </p:par>
+                            </p:childTnLst>
+                          </p:cTn>
+                        </p:par>
+                      </p:childTnLst>
+                    </p:cTn>
+                  </p:par>
+                </p:childTnLst>
+              </p:cTn>
+              <p:prevCondLst>
+                <p:cond evt="onPrev" delay="0">
+                  <p:tgtEl>
+                    <p:sldTgt/>
+                  </p:tgtEl>
+                </p:cond>
+              </p:prevCondLst>
+              <p:nextCondLst>
+                <p:cond evt="onNext" delay="0">
+                  <p:tgtEl>
+                    <p:sldTgt/>
+                  </p:tgtEl>
+                </p:cond>
+              </p:nextCondLst>
+            </p:seq>
+          </p:childTnLst>
+        </p:cTn>
+      </p:par>
+    </p:tnLst>
+    <p:bldLst>
+      <p:bldP spid="9" grpId="0" build="p"/>
+    </p:bldLst>
+  </p:timing>
 </p:sld>
 </file>
 
@@ -7236,6 +12151,195 @@
   <p:clrMapOvr>
     <a:masterClrMapping/>
   </p:clrMapOvr>
+  <mc:AlternateContent xmlns:mc="http://schemas.openxmlformats.org/markup-compatibility/2006">
+    <mc:Choice xmlns:p14="http://schemas.microsoft.com/office/powerpoint/2010/main" Requires="p14">
+      <p:transition spd="slow" p14:dur="1200">
+        <p14:prism/>
+      </p:transition>
+    </mc:Choice>
+    <mc:Fallback>
+      <p:transition xmlns:p14="http://schemas.microsoft.com/office/powerpoint/2010/main" spd="slow">
+        <p:fade/>
+      </p:transition>
+    </mc:Fallback>
+  </mc:AlternateContent>
+  <p:timing>
+    <p:tnLst>
+      <p:par>
+        <p:cTn xmlns:p14="http://schemas.microsoft.com/office/powerpoint/2010/main" id="1" dur="indefinite" restart="never" nodeType="tmRoot">
+          <p:childTnLst>
+            <p:seq concurrent="1" nextAc="seek">
+              <p:cTn id="2" dur="indefinite" nodeType="mainSeq">
+                <p:childTnLst>
+                  <p:par>
+                    <p:cTn id="3" fill="hold">
+                      <p:stCondLst>
+                        <p:cond delay="indefinite"/>
+                      </p:stCondLst>
+                      <p:childTnLst>
+                        <p:par>
+                          <p:cTn id="4" fill="hold">
+                            <p:stCondLst>
+                              <p:cond delay="0"/>
+                            </p:stCondLst>
+                            <p:childTnLst>
+                              <p:par>
+                                <p:cTn id="5" presetID="1" presetClass="entr" presetSubtype="0" fill="hold" nodeType="clickEffect">
+                                  <p:stCondLst>
+                                    <p:cond delay="0"/>
+                                  </p:stCondLst>
+                                  <p:childTnLst>
+                                    <p:set>
+                                      <p:cBhvr>
+                                        <p:cTn id="6" dur="1" fill="hold">
+                                          <p:stCondLst>
+                                            <p:cond delay="0"/>
+                                          </p:stCondLst>
+                                        </p:cTn>
+                                        <p:tgtEl>
+                                          <p:spTgt spid="7">
+                                            <p:txEl>
+                                              <p:pRg st="0" end="0"/>
+                                            </p:txEl>
+                                          </p:spTgt>
+                                        </p:tgtEl>
+                                        <p:attrNameLst>
+                                          <p:attrName>style.visibility</p:attrName>
+                                        </p:attrNameLst>
+                                      </p:cBhvr>
+                                      <p:to>
+                                        <p:strVal val="visible"/>
+                                      </p:to>
+                                    </p:set>
+                                  </p:childTnLst>
+                                </p:cTn>
+                              </p:par>
+                            </p:childTnLst>
+                          </p:cTn>
+                        </p:par>
+                      </p:childTnLst>
+                    </p:cTn>
+                  </p:par>
+                  <p:par>
+                    <p:cTn id="7" fill="hold">
+                      <p:stCondLst>
+                        <p:cond delay="indefinite"/>
+                      </p:stCondLst>
+                      <p:childTnLst>
+                        <p:par>
+                          <p:cTn id="8" fill="hold">
+                            <p:stCondLst>
+                              <p:cond delay="0"/>
+                            </p:stCondLst>
+                            <p:childTnLst>
+                              <p:par>
+                                <p:cTn id="9" presetID="1" presetClass="entr" presetSubtype="0" fill="hold" nodeType="clickEffect">
+                                  <p:stCondLst>
+                                    <p:cond delay="0"/>
+                                  </p:stCondLst>
+                                  <p:childTnLst>
+                                    <p:set>
+                                      <p:cBhvr>
+                                        <p:cTn id="10" dur="1" fill="hold">
+                                          <p:stCondLst>
+                                            <p:cond delay="0"/>
+                                          </p:stCondLst>
+                                        </p:cTn>
+                                        <p:tgtEl>
+                                          <p:spTgt spid="7">
+                                            <p:txEl>
+                                              <p:pRg st="1" end="1"/>
+                                            </p:txEl>
+                                          </p:spTgt>
+                                        </p:tgtEl>
+                                        <p:attrNameLst>
+                                          <p:attrName>style.visibility</p:attrName>
+                                        </p:attrNameLst>
+                                      </p:cBhvr>
+                                      <p:to>
+                                        <p:strVal val="visible"/>
+                                      </p:to>
+                                    </p:set>
+                                  </p:childTnLst>
+                                </p:cTn>
+                              </p:par>
+                            </p:childTnLst>
+                          </p:cTn>
+                        </p:par>
+                      </p:childTnLst>
+                    </p:cTn>
+                  </p:par>
+                  <p:par>
+                    <p:cTn id="11" fill="hold">
+                      <p:stCondLst>
+                        <p:cond delay="indefinite"/>
+                      </p:stCondLst>
+                      <p:childTnLst>
+                        <p:par>
+                          <p:cTn id="12" fill="hold">
+                            <p:stCondLst>
+                              <p:cond delay="0"/>
+                            </p:stCondLst>
+                            <p:childTnLst>
+                              <p:par>
+                                <p:cTn id="13" presetID="1" presetClass="entr" presetSubtype="0" fill="hold" nodeType="clickEffect">
+                                  <p:stCondLst>
+                                    <p:cond delay="0"/>
+                                  </p:stCondLst>
+                                  <p:childTnLst>
+                                    <p:set>
+                                      <p:cBhvr>
+                                        <p:cTn id="14" dur="1" fill="hold">
+                                          <p:stCondLst>
+                                            <p:cond delay="0"/>
+                                          </p:stCondLst>
+                                        </p:cTn>
+                                        <p:tgtEl>
+                                          <p:spTgt spid="7">
+                                            <p:txEl>
+                                              <p:pRg st="2" end="2"/>
+                                            </p:txEl>
+                                          </p:spTgt>
+                                        </p:tgtEl>
+                                        <p:attrNameLst>
+                                          <p:attrName>style.visibility</p:attrName>
+                                        </p:attrNameLst>
+                                      </p:cBhvr>
+                                      <p:to>
+                                        <p:strVal val="visible"/>
+                                      </p:to>
+                                    </p:set>
+                                  </p:childTnLst>
+                                </p:cTn>
+                              </p:par>
+                            </p:childTnLst>
+                          </p:cTn>
+                        </p:par>
+                      </p:childTnLst>
+                    </p:cTn>
+                  </p:par>
+                </p:childTnLst>
+              </p:cTn>
+              <p:prevCondLst>
+                <p:cond evt="onPrev" delay="0">
+                  <p:tgtEl>
+                    <p:sldTgt/>
+                  </p:tgtEl>
+                </p:cond>
+              </p:prevCondLst>
+              <p:nextCondLst>
+                <p:cond evt="onNext" delay="0">
+                  <p:tgtEl>
+                    <p:sldTgt/>
+                  </p:tgtEl>
+                </p:cond>
+              </p:nextCondLst>
+            </p:seq>
+          </p:childTnLst>
+        </p:cTn>
+      </p:par>
+    </p:tnLst>
+  </p:timing>
 </p:sld>
 </file>
 
@@ -7308,6 +12412,93 @@
   <p:clrMapOvr>
     <a:masterClrMapping/>
   </p:clrMapOvr>
+  <mc:AlternateContent xmlns:mc="http://schemas.openxmlformats.org/markup-compatibility/2006">
+    <mc:Choice xmlns:p14="http://schemas.microsoft.com/office/powerpoint/2010/main" Requires="p14">
+      <p:transition spd="slow" p14:dur="1200">
+        <p14:prism/>
+      </p:transition>
+    </mc:Choice>
+    <mc:Fallback>
+      <p:transition xmlns:p14="http://schemas.microsoft.com/office/powerpoint/2010/main" spd="slow">
+        <p:fade/>
+      </p:transition>
+    </mc:Fallback>
+  </mc:AlternateContent>
+  <p:timing>
+    <p:tnLst>
+      <p:par>
+        <p:cTn xmlns:p14="http://schemas.microsoft.com/office/powerpoint/2010/main" id="1" dur="indefinite" restart="never" nodeType="tmRoot">
+          <p:childTnLst>
+            <p:seq concurrent="1" nextAc="seek">
+              <p:cTn id="2" dur="indefinite" nodeType="mainSeq">
+                <p:childTnLst>
+                  <p:par>
+                    <p:cTn id="3" fill="hold">
+                      <p:stCondLst>
+                        <p:cond delay="indefinite"/>
+                      </p:stCondLst>
+                      <p:childTnLst>
+                        <p:par>
+                          <p:cTn id="4" fill="hold">
+                            <p:stCondLst>
+                              <p:cond delay="0"/>
+                            </p:stCondLst>
+                            <p:childTnLst>
+                              <p:par>
+                                <p:cTn id="5" presetID="1" presetClass="entr" presetSubtype="0" fill="hold" nodeType="clickEffect">
+                                  <p:stCondLst>
+                                    <p:cond delay="0"/>
+                                  </p:stCondLst>
+                                  <p:childTnLst>
+                                    <p:set>
+                                      <p:cBhvr>
+                                        <p:cTn id="6" dur="1" fill="hold">
+                                          <p:stCondLst>
+                                            <p:cond delay="0"/>
+                                          </p:stCondLst>
+                                        </p:cTn>
+                                        <p:tgtEl>
+                                          <p:spTgt spid="4"/>
+                                        </p:tgtEl>
+                                        <p:attrNameLst>
+                                          <p:attrName>style.visibility</p:attrName>
+                                        </p:attrNameLst>
+                                      </p:cBhvr>
+                                      <p:to>
+                                        <p:strVal val="visible"/>
+                                      </p:to>
+                                    </p:set>
+                                  </p:childTnLst>
+                                </p:cTn>
+                              </p:par>
+                            </p:childTnLst>
+                          </p:cTn>
+                        </p:par>
+                      </p:childTnLst>
+                    </p:cTn>
+                  </p:par>
+                </p:childTnLst>
+              </p:cTn>
+              <p:prevCondLst>
+                <p:cond evt="onPrev" delay="0">
+                  <p:tgtEl>
+                    <p:sldTgt/>
+                  </p:tgtEl>
+                </p:cond>
+              </p:prevCondLst>
+              <p:nextCondLst>
+                <p:cond evt="onNext" delay="0">
+                  <p:tgtEl>
+                    <p:sldTgt/>
+                  </p:tgtEl>
+                </p:cond>
+              </p:nextCondLst>
+            </p:seq>
+          </p:childTnLst>
+        </p:cTn>
+      </p:par>
+    </p:tnLst>
+  </p:timing>
 </p:sld>
 </file>
 
@@ -7380,6 +12571,93 @@
   <p:clrMapOvr>
     <a:masterClrMapping/>
   </p:clrMapOvr>
+  <mc:AlternateContent xmlns:mc="http://schemas.openxmlformats.org/markup-compatibility/2006">
+    <mc:Choice xmlns:p14="http://schemas.microsoft.com/office/powerpoint/2010/main" Requires="p14">
+      <p:transition spd="slow" p14:dur="1200">
+        <p14:prism/>
+      </p:transition>
+    </mc:Choice>
+    <mc:Fallback>
+      <p:transition xmlns:p14="http://schemas.microsoft.com/office/powerpoint/2010/main" spd="slow">
+        <p:fade/>
+      </p:transition>
+    </mc:Fallback>
+  </mc:AlternateContent>
+  <p:timing>
+    <p:tnLst>
+      <p:par>
+        <p:cTn xmlns:p14="http://schemas.microsoft.com/office/powerpoint/2010/main" id="1" dur="indefinite" restart="never" nodeType="tmRoot">
+          <p:childTnLst>
+            <p:seq concurrent="1" nextAc="seek">
+              <p:cTn id="2" dur="indefinite" nodeType="mainSeq">
+                <p:childTnLst>
+                  <p:par>
+                    <p:cTn id="3" fill="hold">
+                      <p:stCondLst>
+                        <p:cond delay="indefinite"/>
+                      </p:stCondLst>
+                      <p:childTnLst>
+                        <p:par>
+                          <p:cTn id="4" fill="hold">
+                            <p:stCondLst>
+                              <p:cond delay="0"/>
+                            </p:stCondLst>
+                            <p:childTnLst>
+                              <p:par>
+                                <p:cTn id="5" presetID="1" presetClass="entr" presetSubtype="0" fill="hold" nodeType="clickEffect">
+                                  <p:stCondLst>
+                                    <p:cond delay="0"/>
+                                  </p:stCondLst>
+                                  <p:childTnLst>
+                                    <p:set>
+                                      <p:cBhvr>
+                                        <p:cTn id="6" dur="1" fill="hold">
+                                          <p:stCondLst>
+                                            <p:cond delay="0"/>
+                                          </p:stCondLst>
+                                        </p:cTn>
+                                        <p:tgtEl>
+                                          <p:spTgt spid="10"/>
+                                        </p:tgtEl>
+                                        <p:attrNameLst>
+                                          <p:attrName>style.visibility</p:attrName>
+                                        </p:attrNameLst>
+                                      </p:cBhvr>
+                                      <p:to>
+                                        <p:strVal val="visible"/>
+                                      </p:to>
+                                    </p:set>
+                                  </p:childTnLst>
+                                </p:cTn>
+                              </p:par>
+                            </p:childTnLst>
+                          </p:cTn>
+                        </p:par>
+                      </p:childTnLst>
+                    </p:cTn>
+                  </p:par>
+                </p:childTnLst>
+              </p:cTn>
+              <p:prevCondLst>
+                <p:cond evt="onPrev" delay="0">
+                  <p:tgtEl>
+                    <p:sldTgt/>
+                  </p:tgtEl>
+                </p:cond>
+              </p:prevCondLst>
+              <p:nextCondLst>
+                <p:cond evt="onNext" delay="0">
+                  <p:tgtEl>
+                    <p:sldTgt/>
+                  </p:tgtEl>
+                </p:cond>
+              </p:nextCondLst>
+            </p:seq>
+          </p:childTnLst>
+        </p:cTn>
+      </p:par>
+    </p:tnLst>
+  </p:timing>
 </p:sld>
 </file>
 
@@ -7629,4 +12907,324 @@
   </a:objectDefaults>
   <a:extraClrSchemeLst/>
 </a:theme>
+</file>
+
+<file path=ppt/theme/theme2.xml><?xml version="1.0" encoding="utf-8"?>
+<a:theme xmlns:a="http://schemas.openxmlformats.org/drawingml/2006/main" name="Office-Design">
+  <a:themeElements>
+    <a:clrScheme name="Office">
+      <a:dk1>
+        <a:sysClr val="windowText" lastClr="000000"/>
+      </a:dk1>
+      <a:lt1>
+        <a:sysClr val="window" lastClr="FFFFFF"/>
+      </a:lt1>
+      <a:dk2>
+        <a:srgbClr val="1F497D"/>
+      </a:dk2>
+      <a:lt2>
+        <a:srgbClr val="EEECE1"/>
+      </a:lt2>
+      <a:accent1>
+        <a:srgbClr val="4F81BD"/>
+      </a:accent1>
+      <a:accent2>
+        <a:srgbClr val="C0504D"/>
+      </a:accent2>
+      <a:accent3>
+        <a:srgbClr val="9BBB59"/>
+      </a:accent3>
+      <a:accent4>
+        <a:srgbClr val="8064A2"/>
+      </a:accent4>
+      <a:accent5>
+        <a:srgbClr val="4BACC6"/>
+      </a:accent5>
+      <a:accent6>
+        <a:srgbClr val="F79646"/>
+      </a:accent6>
+      <a:hlink>
+        <a:srgbClr val="0000FF"/>
+      </a:hlink>
+      <a:folHlink>
+        <a:srgbClr val="800080"/>
+      </a:folHlink>
+    </a:clrScheme>
+    <a:fontScheme name="Office">
+      <a:majorFont>
+        <a:latin typeface="Calibri"/>
+        <a:ea typeface=""/>
+        <a:cs typeface=""/>
+        <a:font script="Jpan" typeface="ＭＳ Ｐゴシック"/>
+        <a:font script="Hang" typeface="맑은 고딕"/>
+        <a:font script="Hans" typeface="宋体"/>
+        <a:font script="Hant" typeface="新細明體"/>
+        <a:font script="Arab" typeface="Times New Roman"/>
+        <a:font script="Hebr" typeface="Times New Roman"/>
+        <a:font script="Thai" typeface="Angsana New"/>
+        <a:font script="Ethi" typeface="Nyala"/>
+        <a:font script="Beng" typeface="Vrinda"/>
+        <a:font script="Gujr" typeface="Shruti"/>
+        <a:font script="Khmr" typeface="MoolBoran"/>
+        <a:font script="Knda" typeface="Tunga"/>
+        <a:font script="Guru" typeface="Raavi"/>
+        <a:font script="Cans" typeface="Euphemia"/>
+        <a:font script="Cher" typeface="Plantagenet Cherokee"/>
+        <a:font script="Yiii" typeface="Microsoft Yi Baiti"/>
+        <a:font script="Tibt" typeface="Microsoft Himalaya"/>
+        <a:font script="Thaa" typeface="MV Boli"/>
+        <a:font script="Deva" typeface="Mangal"/>
+        <a:font script="Telu" typeface="Gautami"/>
+        <a:font script="Taml" typeface="Latha"/>
+        <a:font script="Syrc" typeface="Estrangelo Edessa"/>
+        <a:font script="Orya" typeface="Kalinga"/>
+        <a:font script="Mlym" typeface="Kartika"/>
+        <a:font script="Laoo" typeface="DokChampa"/>
+        <a:font script="Sinh" typeface="Iskoola Pota"/>
+        <a:font script="Mong" typeface="Mongolian Baiti"/>
+        <a:font script="Viet" typeface="Times New Roman"/>
+        <a:font script="Uigh" typeface="Microsoft Uighur"/>
+        <a:font script="Geor" typeface="Sylfaen"/>
+      </a:majorFont>
+      <a:minorFont>
+        <a:latin typeface="Calibri"/>
+        <a:ea typeface=""/>
+        <a:cs typeface=""/>
+        <a:font script="Jpan" typeface="ＭＳ Ｐゴシック"/>
+        <a:font script="Hang" typeface="맑은 고딕"/>
+        <a:font script="Hans" typeface="宋体"/>
+        <a:font script="Hant" typeface="新細明體"/>
+        <a:font script="Arab" typeface="Arial"/>
+        <a:font script="Hebr" typeface="Arial"/>
+        <a:font script="Thai" typeface="Cordia New"/>
+        <a:font script="Ethi" typeface="Nyala"/>
+        <a:font script="Beng" typeface="Vrinda"/>
+        <a:font script="Gujr" typeface="Shruti"/>
+        <a:font script="Khmr" typeface="DaunPenh"/>
+        <a:font script="Knda" typeface="Tunga"/>
+        <a:font script="Guru" typeface="Raavi"/>
+        <a:font script="Cans" typeface="Euphemia"/>
+        <a:font script="Cher" typeface="Plantagenet Cherokee"/>
+        <a:font script="Yiii" typeface="Microsoft Yi Baiti"/>
+        <a:font script="Tibt" typeface="Microsoft Himalaya"/>
+        <a:font script="Thaa" typeface="MV Boli"/>
+        <a:font script="Deva" typeface="Mangal"/>
+        <a:font script="Telu" typeface="Gautami"/>
+        <a:font script="Taml" typeface="Latha"/>
+        <a:font script="Syrc" typeface="Estrangelo Edessa"/>
+        <a:font script="Orya" typeface="Kalinga"/>
+        <a:font script="Mlym" typeface="Kartika"/>
+        <a:font script="Laoo" typeface="DokChampa"/>
+        <a:font script="Sinh" typeface="Iskoola Pota"/>
+        <a:font script="Mong" typeface="Mongolian Baiti"/>
+        <a:font script="Viet" typeface="Arial"/>
+        <a:font script="Uigh" typeface="Microsoft Uighur"/>
+        <a:font script="Geor" typeface="Sylfaen"/>
+      </a:minorFont>
+    </a:fontScheme>
+    <a:fmtScheme name="Office">
+      <a:fillStyleLst>
+        <a:solidFill>
+          <a:schemeClr val="phClr"/>
+        </a:solidFill>
+        <a:gradFill rotWithShape="1">
+          <a:gsLst>
+            <a:gs pos="0">
+              <a:schemeClr val="phClr">
+                <a:tint val="50000"/>
+                <a:satMod val="300000"/>
+              </a:schemeClr>
+            </a:gs>
+            <a:gs pos="35000">
+              <a:schemeClr val="phClr">
+                <a:tint val="37000"/>
+                <a:satMod val="300000"/>
+              </a:schemeClr>
+            </a:gs>
+            <a:gs pos="100000">
+              <a:schemeClr val="phClr">
+                <a:tint val="15000"/>
+                <a:satMod val="350000"/>
+              </a:schemeClr>
+            </a:gs>
+          </a:gsLst>
+          <a:lin ang="16200000" scaled="1"/>
+        </a:gradFill>
+        <a:gradFill rotWithShape="1">
+          <a:gsLst>
+            <a:gs pos="0">
+              <a:schemeClr val="phClr">
+                <a:tint val="100000"/>
+                <a:shade val="100000"/>
+                <a:satMod val="130000"/>
+              </a:schemeClr>
+            </a:gs>
+            <a:gs pos="100000">
+              <a:schemeClr val="phClr">
+                <a:tint val="50000"/>
+                <a:shade val="100000"/>
+                <a:satMod val="350000"/>
+              </a:schemeClr>
+            </a:gs>
+          </a:gsLst>
+          <a:lin ang="16200000" scaled="0"/>
+        </a:gradFill>
+      </a:fillStyleLst>
+      <a:lnStyleLst>
+        <a:ln w="9525" cap="flat" cmpd="sng" algn="ctr">
+          <a:solidFill>
+            <a:schemeClr val="phClr">
+              <a:shade val="95000"/>
+              <a:satMod val="105000"/>
+            </a:schemeClr>
+          </a:solidFill>
+          <a:prstDash val="solid"/>
+        </a:ln>
+        <a:ln w="25400" cap="flat" cmpd="sng" algn="ctr">
+          <a:solidFill>
+            <a:schemeClr val="phClr"/>
+          </a:solidFill>
+          <a:prstDash val="solid"/>
+        </a:ln>
+        <a:ln w="38100" cap="flat" cmpd="sng" algn="ctr">
+          <a:solidFill>
+            <a:schemeClr val="phClr"/>
+          </a:solidFill>
+          <a:prstDash val="solid"/>
+        </a:ln>
+      </a:lnStyleLst>
+      <a:effectStyleLst>
+        <a:effectStyle>
+          <a:effectLst>
+            <a:outerShdw blurRad="40000" dist="20000" dir="5400000" rotWithShape="0">
+              <a:srgbClr val="000000">
+                <a:alpha val="38000"/>
+              </a:srgbClr>
+            </a:outerShdw>
+          </a:effectLst>
+        </a:effectStyle>
+        <a:effectStyle>
+          <a:effectLst>
+            <a:outerShdw blurRad="40000" dist="23000" dir="5400000" rotWithShape="0">
+              <a:srgbClr val="000000">
+                <a:alpha val="35000"/>
+              </a:srgbClr>
+            </a:outerShdw>
+          </a:effectLst>
+        </a:effectStyle>
+        <a:effectStyle>
+          <a:effectLst>
+            <a:outerShdw blurRad="40000" dist="23000" dir="5400000" rotWithShape="0">
+              <a:srgbClr val="000000">
+                <a:alpha val="35000"/>
+              </a:srgbClr>
+            </a:outerShdw>
+          </a:effectLst>
+          <a:scene3d>
+            <a:camera prst="orthographicFront">
+              <a:rot lat="0" lon="0" rev="0"/>
+            </a:camera>
+            <a:lightRig rig="threePt" dir="t">
+              <a:rot lat="0" lon="0" rev="1200000"/>
+            </a:lightRig>
+          </a:scene3d>
+          <a:sp3d>
+            <a:bevelT w="63500" h="25400"/>
+          </a:sp3d>
+        </a:effectStyle>
+      </a:effectStyleLst>
+      <a:bgFillStyleLst>
+        <a:solidFill>
+          <a:schemeClr val="phClr"/>
+        </a:solidFill>
+        <a:gradFill rotWithShape="1">
+          <a:gsLst>
+            <a:gs pos="0">
+              <a:schemeClr val="phClr">
+                <a:tint val="40000"/>
+                <a:satMod val="350000"/>
+              </a:schemeClr>
+            </a:gs>
+            <a:gs pos="40000">
+              <a:schemeClr val="phClr">
+                <a:tint val="45000"/>
+                <a:shade val="99000"/>
+                <a:satMod val="350000"/>
+              </a:schemeClr>
+            </a:gs>
+            <a:gs pos="100000">
+              <a:schemeClr val="phClr">
+                <a:shade val="20000"/>
+                <a:satMod val="255000"/>
+              </a:schemeClr>
+            </a:gs>
+          </a:gsLst>
+          <a:path path="circle">
+            <a:fillToRect l="50000" t="-80000" r="50000" b="180000"/>
+          </a:path>
+        </a:gradFill>
+        <a:gradFill rotWithShape="1">
+          <a:gsLst>
+            <a:gs pos="0">
+              <a:schemeClr val="phClr">
+                <a:tint val="80000"/>
+                <a:satMod val="300000"/>
+              </a:schemeClr>
+            </a:gs>
+            <a:gs pos="100000">
+              <a:schemeClr val="phClr">
+                <a:shade val="30000"/>
+                <a:satMod val="200000"/>
+              </a:schemeClr>
+            </a:gs>
+          </a:gsLst>
+          <a:path path="circle">
+            <a:fillToRect l="50000" t="50000" r="50000" b="50000"/>
+          </a:path>
+        </a:gradFill>
+      </a:bgFillStyleLst>
+    </a:fmtScheme>
+  </a:themeElements>
+  <a:objectDefaults>
+    <a:spDef>
+      <a:spPr/>
+      <a:bodyPr/>
+      <a:lstStyle/>
+      <a:style>
+        <a:lnRef idx="1">
+          <a:schemeClr val="accent1"/>
+        </a:lnRef>
+        <a:fillRef idx="3">
+          <a:schemeClr val="accent1"/>
+        </a:fillRef>
+        <a:effectRef idx="2">
+          <a:schemeClr val="accent1"/>
+        </a:effectRef>
+        <a:fontRef idx="minor">
+          <a:schemeClr val="lt1"/>
+        </a:fontRef>
+      </a:style>
+    </a:spDef>
+    <a:lnDef>
+      <a:spPr/>
+      <a:bodyPr/>
+      <a:lstStyle/>
+      <a:style>
+        <a:lnRef idx="2">
+          <a:schemeClr val="accent1"/>
+        </a:lnRef>
+        <a:fillRef idx="0">
+          <a:schemeClr val="accent1"/>
+        </a:fillRef>
+        <a:effectRef idx="1">
+          <a:schemeClr val="accent1"/>
+        </a:effectRef>
+        <a:fontRef idx="minor">
+          <a:schemeClr val="tx1"/>
+        </a:fontRef>
+      </a:style>
+    </a:lnDef>
+  </a:objectDefaults>
+  <a:extraClrSchemeLst/>
+</a:theme>
 </file>
--- a/Resources/docs/CGR Präsentation.pptx
+++ b/Resources/docs/CGR Präsentation.pptx
@@ -5,7 +5,7 @@
     <p:sldMasterId id="2147483660" r:id="rId1"/>
   </p:sldMasterIdLst>
   <p:notesMasterIdLst>
-    <p:notesMasterId r:id="rId25"/>
+    <p:notesMasterId r:id="rId29"/>
   </p:notesMasterIdLst>
   <p:sldIdLst>
     <p:sldId id="256" r:id="rId2"/>
@@ -28,9 +28,13 @@
     <p:sldId id="269" r:id="rId19"/>
     <p:sldId id="270" r:id="rId20"/>
     <p:sldId id="271" r:id="rId21"/>
-    <p:sldId id="276" r:id="rId22"/>
-    <p:sldId id="275" r:id="rId23"/>
-    <p:sldId id="274" r:id="rId24"/>
+    <p:sldId id="280" r:id="rId22"/>
+    <p:sldId id="281" r:id="rId23"/>
+    <p:sldId id="282" r:id="rId24"/>
+    <p:sldId id="283" r:id="rId25"/>
+    <p:sldId id="284" r:id="rId26"/>
+    <p:sldId id="275" r:id="rId27"/>
+    <p:sldId id="274" r:id="rId28"/>
   </p:sldIdLst>
   <p:sldSz cx="9144000" cy="6858000" type="screen4x3"/>
   <p:notesSz cx="6858000" cy="9144000"/>
@@ -154,7 +158,11 @@
             <p14:sldId id="269"/>
             <p14:sldId id="270"/>
             <p14:sldId id="271"/>
-            <p14:sldId id="276"/>
+            <p14:sldId id="280"/>
+            <p14:sldId id="281"/>
+            <p14:sldId id="282"/>
+            <p14:sldId id="283"/>
+            <p14:sldId id="284"/>
             <p14:sldId id="275"/>
             <p14:sldId id="274"/>
           </p14:sldIdLst>
@@ -247,7 +255,7 @@
           <a:p>
             <a:fld id="{789F516F-1FA8-7C41-BBD1-DC2FBAEBBB08}" type="datetimeFigureOut">
               <a:rPr lang="de-DE" smtClean="0"/>
-              <a:t>02.06.13</a:t>
+              <a:t>6/2/13</a:t>
             </a:fld>
             <a:endParaRPr lang="de-CH"/>
           </a:p>
@@ -406,7 +414,7 @@
           <a:p>
             <a:fld id="{458936C2-DE73-2746-BFC2-272EF4250367}" type="slidenum">
               <a:rPr lang="de-CH" smtClean="0"/>
-              <a:t>‹Nr.›</a:t>
+              <a:t>‹#›</a:t>
             </a:fld>
             <a:endParaRPr lang="de-CH"/>
           </a:p>
@@ -795,7 +803,7 @@
           <a:p>
             <a:fld id="{679BC7E7-EA8E-4DA7-915E-CC098D9BADCB}" type="datetimeFigureOut">
               <a:rPr lang="en-US" smtClean="0"/>
-              <a:t>02.06.13</a:t>
+              <a:t>6/2/13</a:t>
             </a:fld>
             <a:endParaRPr lang="en-US"/>
           </a:p>
@@ -837,7 +845,7 @@
           <a:p>
             <a:fld id="{9F2F5E10-5301-4EE6-90D2-A6C4A3F62BED}" type="slidenum">
               <a:rPr lang="en-US" smtClean="0"/>
-              <a:t>‹Nr.›</a:t>
+              <a:t>‹#›</a:t>
             </a:fld>
             <a:endParaRPr lang="en-US"/>
           </a:p>
@@ -882,13 +890,13 @@
   <p:clrMapOvr>
     <a:overrideClrMapping bg1="lt1" tx1="dk1" bg2="lt2" tx2="dk2" accent1="accent1" accent2="accent2" accent3="accent3" accent4="accent4" accent5="accent5" accent6="accent6" hlink="hlink" folHlink="folHlink"/>
   </p:clrMapOvr>
-  <mc:AlternateContent xmlns:mc="http://schemas.openxmlformats.org/markup-compatibility/2006">
-    <mc:Choice xmlns:p14="http://schemas.microsoft.com/office/powerpoint/2010/main" Requires="p14">
+  <mc:AlternateContent xmlns:mc="http://schemas.openxmlformats.org/markup-compatibility/2006" xmlns:p14="http://schemas.microsoft.com/office/powerpoint/2010/main">
+    <mc:Choice Requires="p14">
       <p:transition spd="slow" p14:dur="1200">
         <p14:prism/>
       </p:transition>
     </mc:Choice>
-    <mc:Fallback>
+    <mc:Fallback xmlns="">
       <p:transition xmlns:p14="http://schemas.microsoft.com/office/powerpoint/2010/main" spd="slow">
         <p:fade/>
       </p:transition>
@@ -936,7 +944,7 @@
           <a:p>
             <a:fld id="{679BC7E7-EA8E-4DA7-915E-CC098D9BADCB}" type="datetimeFigureOut">
               <a:rPr lang="en-US" smtClean="0"/>
-              <a:t>02.06.13</a:t>
+              <a:t>6/2/13</a:t>
             </a:fld>
             <a:endParaRPr lang="en-US"/>
           </a:p>
@@ -978,7 +986,7 @@
           <a:p>
             <a:fld id="{9F2F5E10-5301-4EE6-90D2-A6C4A3F62BED}" type="slidenum">
               <a:rPr lang="en-US" smtClean="0"/>
-              <a:t>‹Nr.›</a:t>
+              <a:t>‹#›</a:t>
             </a:fld>
             <a:endParaRPr lang="en-US"/>
           </a:p>
@@ -989,13 +997,13 @@
   <p:clrMapOvr>
     <a:overrideClrMapping bg1="lt1" tx1="dk1" bg2="lt2" tx2="dk2" accent1="accent1" accent2="accent2" accent3="accent3" accent4="accent4" accent5="accent5" accent6="accent6" hlink="hlink" folHlink="folHlink"/>
   </p:clrMapOvr>
-  <mc:AlternateContent xmlns:mc="http://schemas.openxmlformats.org/markup-compatibility/2006">
-    <mc:Choice xmlns:p14="http://schemas.microsoft.com/office/powerpoint/2010/main" Requires="p14">
+  <mc:AlternateContent xmlns:mc="http://schemas.openxmlformats.org/markup-compatibility/2006" xmlns:p14="http://schemas.microsoft.com/office/powerpoint/2010/main">
+    <mc:Choice Requires="p14">
       <p:transition spd="slow" p14:dur="1200">
         <p14:prism/>
       </p:transition>
     </mc:Choice>
-    <mc:Fallback>
+    <mc:Fallback xmlns="">
       <p:transition xmlns:p14="http://schemas.microsoft.com/office/powerpoint/2010/main" spd="slow">
         <p:fade/>
       </p:transition>
@@ -1253,7 +1261,7 @@
           <a:p>
             <a:fld id="{679BC7E7-EA8E-4DA7-915E-CC098D9BADCB}" type="datetimeFigureOut">
               <a:rPr lang="en-US" smtClean="0"/>
-              <a:t>02.06.13</a:t>
+              <a:t>6/2/13</a:t>
             </a:fld>
             <a:endParaRPr lang="en-US"/>
           </a:p>
@@ -1295,7 +1303,7 @@
           <a:p>
             <a:fld id="{9F2F5E10-5301-4EE6-90D2-A6C4A3F62BED}" type="slidenum">
               <a:rPr lang="en-US" smtClean="0"/>
-              <a:t>‹Nr.›</a:t>
+              <a:t>‹#›</a:t>
             </a:fld>
             <a:endParaRPr lang="en-US"/>
           </a:p>
@@ -1306,13 +1314,13 @@
   <p:clrMapOvr>
     <a:masterClrMapping/>
   </p:clrMapOvr>
-  <mc:AlternateContent xmlns:mc="http://schemas.openxmlformats.org/markup-compatibility/2006">
-    <mc:Choice xmlns:p14="http://schemas.microsoft.com/office/powerpoint/2010/main" Requires="p14">
+  <mc:AlternateContent xmlns:mc="http://schemas.openxmlformats.org/markup-compatibility/2006" xmlns:p14="http://schemas.microsoft.com/office/powerpoint/2010/main">
+    <mc:Choice Requires="p14">
       <p:transition spd="slow" p14:dur="1200">
         <p14:prism/>
       </p:transition>
     </mc:Choice>
-    <mc:Fallback>
+    <mc:Fallback xmlns="">
       <p:transition xmlns:p14="http://schemas.microsoft.com/office/powerpoint/2010/main" spd="slow">
         <p:fade/>
       </p:transition>
@@ -1490,7 +1498,7 @@
           <a:p>
             <a:fld id="{679BC7E7-EA8E-4DA7-915E-CC098D9BADCB}" type="datetimeFigureOut">
               <a:rPr lang="en-US" smtClean="0"/>
-              <a:t>02.06.13</a:t>
+              <a:t>6/2/13</a:t>
             </a:fld>
             <a:endParaRPr lang="en-US"/>
           </a:p>
@@ -1532,7 +1540,7 @@
           <a:p>
             <a:fld id="{9F2F5E10-5301-4EE6-90D2-A6C4A3F62BED}" type="slidenum">
               <a:rPr lang="en-US" smtClean="0"/>
-              <a:t>‹Nr.›</a:t>
+              <a:t>‹#›</a:t>
             </a:fld>
             <a:endParaRPr lang="en-US"/>
           </a:p>
@@ -1588,13 +1596,13 @@
   <p:clrMapOvr>
     <a:masterClrMapping/>
   </p:clrMapOvr>
-  <mc:AlternateContent xmlns:mc="http://schemas.openxmlformats.org/markup-compatibility/2006">
-    <mc:Choice xmlns:p14="http://schemas.microsoft.com/office/powerpoint/2010/main" Requires="p14">
+  <mc:AlternateContent xmlns:mc="http://schemas.openxmlformats.org/markup-compatibility/2006" xmlns:p14="http://schemas.microsoft.com/office/powerpoint/2010/main">
+    <mc:Choice Requires="p14">
       <p:transition spd="slow" p14:dur="1200">
         <p14:prism/>
       </p:transition>
     </mc:Choice>
-    <mc:Fallback>
+    <mc:Fallback xmlns="">
       <p:transition xmlns:p14="http://schemas.microsoft.com/office/powerpoint/2010/main" spd="slow">
         <p:fade/>
       </p:transition>
@@ -1772,7 +1780,7 @@
           <a:p>
             <a:fld id="{679BC7E7-EA8E-4DA7-915E-CC098D9BADCB}" type="datetimeFigureOut">
               <a:rPr lang="en-US" smtClean="0"/>
-              <a:t>02.06.13</a:t>
+              <a:t>6/2/13</a:t>
             </a:fld>
             <a:endParaRPr lang="en-US"/>
           </a:p>
@@ -1814,7 +1822,7 @@
           <a:p>
             <a:fld id="{9F2F5E10-5301-4EE6-90D2-A6C4A3F62BED}" type="slidenum">
               <a:rPr lang="en-US" smtClean="0"/>
-              <a:t>‹Nr.›</a:t>
+              <a:t>‹#›</a:t>
             </a:fld>
             <a:endParaRPr lang="en-US"/>
           </a:p>
@@ -1964,13 +1972,13 @@
   <p:clrMapOvr>
     <a:masterClrMapping/>
   </p:clrMapOvr>
-  <mc:AlternateContent xmlns:mc="http://schemas.openxmlformats.org/markup-compatibility/2006">
-    <mc:Choice xmlns:p14="http://schemas.microsoft.com/office/powerpoint/2010/main" Requires="p14">
+  <mc:AlternateContent xmlns:mc="http://schemas.openxmlformats.org/markup-compatibility/2006" xmlns:p14="http://schemas.microsoft.com/office/powerpoint/2010/main">
+    <mc:Choice Requires="p14">
       <p:transition spd="slow" p14:dur="1200">
         <p14:prism/>
       </p:transition>
     </mc:Choice>
-    <mc:Fallback>
+    <mc:Fallback xmlns="">
       <p:transition xmlns:p14="http://schemas.microsoft.com/office/powerpoint/2010/main" spd="slow">
         <p:fade/>
       </p:transition>
@@ -2109,7 +2117,7 @@
           <a:p>
             <a:fld id="{679BC7E7-EA8E-4DA7-915E-CC098D9BADCB}" type="datetimeFigureOut">
               <a:rPr lang="en-US" smtClean="0"/>
-              <a:t>02.06.13</a:t>
+              <a:t>6/2/13</a:t>
             </a:fld>
             <a:endParaRPr lang="en-US"/>
           </a:p>
@@ -2151,7 +2159,7 @@
           <a:p>
             <a:fld id="{9F2F5E10-5301-4EE6-90D2-A6C4A3F62BED}" type="slidenum">
               <a:rPr lang="en-US" smtClean="0"/>
-              <a:t>‹Nr.›</a:t>
+              <a:t>‹#›</a:t>
             </a:fld>
             <a:endParaRPr lang="en-US"/>
           </a:p>
@@ -2162,13 +2170,13 @@
   <p:clrMapOvr>
     <a:masterClrMapping/>
   </p:clrMapOvr>
-  <mc:AlternateContent xmlns:mc="http://schemas.openxmlformats.org/markup-compatibility/2006">
-    <mc:Choice xmlns:p14="http://schemas.microsoft.com/office/powerpoint/2010/main" Requires="p14">
+  <mc:AlternateContent xmlns:mc="http://schemas.openxmlformats.org/markup-compatibility/2006" xmlns:p14="http://schemas.microsoft.com/office/powerpoint/2010/main">
+    <mc:Choice Requires="p14">
       <p:transition spd="slow" p14:dur="1200">
         <p14:prism/>
       </p:transition>
     </mc:Choice>
-    <mc:Fallback>
+    <mc:Fallback xmlns="">
       <p:transition xmlns:p14="http://schemas.microsoft.com/office/powerpoint/2010/main" spd="slow">
         <p:fade/>
       </p:transition>
@@ -2314,7 +2322,7 @@
           <a:p>
             <a:fld id="{679BC7E7-EA8E-4DA7-915E-CC098D9BADCB}" type="datetimeFigureOut">
               <a:rPr lang="en-US" smtClean="0"/>
-              <a:t>02.06.13</a:t>
+              <a:t>6/2/13</a:t>
             </a:fld>
             <a:endParaRPr lang="en-US"/>
           </a:p>
@@ -2356,7 +2364,7 @@
           <a:p>
             <a:fld id="{9F2F5E10-5301-4EE6-90D2-A6C4A3F62BED}" type="slidenum">
               <a:rPr lang="en-US" smtClean="0"/>
-              <a:t>‹Nr.›</a:t>
+              <a:t>‹#›</a:t>
             </a:fld>
             <a:endParaRPr lang="en-US"/>
           </a:p>
@@ -2367,13 +2375,13 @@
   <p:clrMapOvr>
     <a:masterClrMapping/>
   </p:clrMapOvr>
-  <mc:AlternateContent xmlns:mc="http://schemas.openxmlformats.org/markup-compatibility/2006">
-    <mc:Choice xmlns:p14="http://schemas.microsoft.com/office/powerpoint/2010/main" Requires="p14">
+  <mc:AlternateContent xmlns:mc="http://schemas.openxmlformats.org/markup-compatibility/2006" xmlns:p14="http://schemas.microsoft.com/office/powerpoint/2010/main">
+    <mc:Choice Requires="p14">
       <p:transition spd="slow" p14:dur="1200">
         <p14:prism/>
       </p:transition>
     </mc:Choice>
-    <mc:Fallback>
+    <mc:Fallback xmlns="">
       <p:transition xmlns:p14="http://schemas.microsoft.com/office/powerpoint/2010/main" spd="slow">
         <p:fade/>
       </p:transition>
@@ -2430,7 +2438,7 @@
           <a:p>
             <a:fld id="{679BC7E7-EA8E-4DA7-915E-CC098D9BADCB}" type="datetimeFigureOut">
               <a:rPr lang="en-US" smtClean="0"/>
-              <a:t>02.06.13</a:t>
+              <a:t>6/2/13</a:t>
             </a:fld>
             <a:endParaRPr lang="en-US"/>
           </a:p>
@@ -2472,7 +2480,7 @@
           <a:p>
             <a:fld id="{9F2F5E10-5301-4EE6-90D2-A6C4A3F62BED}" type="slidenum">
               <a:rPr lang="en-US" smtClean="0"/>
-              <a:t>‹Nr.›</a:t>
+              <a:t>‹#›</a:t>
             </a:fld>
             <a:endParaRPr lang="en-US"/>
           </a:p>
@@ -2483,13 +2491,13 @@
   <p:clrMapOvr>
     <a:overrideClrMapping bg1="lt1" tx1="dk1" bg2="lt2" tx2="dk2" accent1="accent1" accent2="accent2" accent3="accent3" accent4="accent4" accent5="accent5" accent6="accent6" hlink="hlink" folHlink="folHlink"/>
   </p:clrMapOvr>
-  <mc:AlternateContent xmlns:mc="http://schemas.openxmlformats.org/markup-compatibility/2006">
-    <mc:Choice xmlns:p14="http://schemas.microsoft.com/office/powerpoint/2010/main" Requires="p14">
+  <mc:AlternateContent xmlns:mc="http://schemas.openxmlformats.org/markup-compatibility/2006" xmlns:p14="http://schemas.microsoft.com/office/powerpoint/2010/main">
+    <mc:Choice Requires="p14">
       <p:transition spd="slow" p14:dur="1200">
         <p14:prism/>
       </p:transition>
     </mc:Choice>
-    <mc:Fallback>
+    <mc:Fallback xmlns="">
       <p:transition xmlns:p14="http://schemas.microsoft.com/office/powerpoint/2010/main" spd="slow">
         <p:fade/>
       </p:transition>
@@ -2611,7 +2619,7 @@
           <a:p>
             <a:fld id="{679BC7E7-EA8E-4DA7-915E-CC098D9BADCB}" type="datetimeFigureOut">
               <a:rPr lang="en-US" smtClean="0"/>
-              <a:t>02.06.13</a:t>
+              <a:t>6/2/13</a:t>
             </a:fld>
             <a:endParaRPr lang="en-US"/>
           </a:p>
@@ -2653,7 +2661,7 @@
           <a:p>
             <a:fld id="{9F2F5E10-5301-4EE6-90D2-A6C4A3F62BED}" type="slidenum">
               <a:rPr lang="en-US" smtClean="0"/>
-              <a:t>‹Nr.›</a:t>
+              <a:t>‹#›</a:t>
             </a:fld>
             <a:endParaRPr lang="en-US"/>
           </a:p>
@@ -2664,13 +2672,13 @@
   <p:clrMapOvr>
     <a:masterClrMapping/>
   </p:clrMapOvr>
-  <mc:AlternateContent xmlns:mc="http://schemas.openxmlformats.org/markup-compatibility/2006">
-    <mc:Choice xmlns:p14="http://schemas.microsoft.com/office/powerpoint/2010/main" Requires="p14">
+  <mc:AlternateContent xmlns:mc="http://schemas.openxmlformats.org/markup-compatibility/2006" xmlns:p14="http://schemas.microsoft.com/office/powerpoint/2010/main">
+    <mc:Choice Requires="p14">
       <p:transition spd="slow" p14:dur="1200">
         <p14:prism/>
       </p:transition>
     </mc:Choice>
-    <mc:Fallback>
+    <mc:Fallback xmlns="">
       <p:transition xmlns:p14="http://schemas.microsoft.com/office/powerpoint/2010/main" spd="slow">
         <p:fade/>
       </p:transition>
@@ -2887,7 +2895,7 @@
           <a:p>
             <a:fld id="{679BC7E7-EA8E-4DA7-915E-CC098D9BADCB}" type="datetimeFigureOut">
               <a:rPr lang="en-US" smtClean="0"/>
-              <a:t>02.06.13</a:t>
+              <a:t>6/2/13</a:t>
             </a:fld>
             <a:endParaRPr lang="en-US"/>
           </a:p>
@@ -2942,7 +2950,7 @@
           <a:p>
             <a:fld id="{9F2F5E10-5301-4EE6-90D2-A6C4A3F62BED}" type="slidenum">
               <a:rPr lang="en-US" smtClean="0"/>
-              <a:t>‹Nr.›</a:t>
+              <a:t>‹#›</a:t>
             </a:fld>
             <a:endParaRPr lang="en-US"/>
           </a:p>
@@ -2987,13 +2995,13 @@
   <p:clrMapOvr>
     <a:masterClrMapping/>
   </p:clrMapOvr>
-  <mc:AlternateContent xmlns:mc="http://schemas.openxmlformats.org/markup-compatibility/2006">
-    <mc:Choice xmlns:p14="http://schemas.microsoft.com/office/powerpoint/2010/main" Requires="p14">
+  <mc:AlternateContent xmlns:mc="http://schemas.openxmlformats.org/markup-compatibility/2006" xmlns:p14="http://schemas.microsoft.com/office/powerpoint/2010/main">
+    <mc:Choice Requires="p14">
       <p:transition spd="slow" p14:dur="1200">
         <p14:prism/>
       </p:transition>
     </mc:Choice>
-    <mc:Fallback>
+    <mc:Fallback xmlns="">
       <p:transition xmlns:p14="http://schemas.microsoft.com/office/powerpoint/2010/main" spd="slow">
         <p:fade/>
       </p:transition>
@@ -3233,7 +3241,7 @@
           <a:p>
             <a:fld id="{679BC7E7-EA8E-4DA7-915E-CC098D9BADCB}" type="datetimeFigureOut">
               <a:rPr lang="en-US" smtClean="0"/>
-              <a:t>02.06.13</a:t>
+              <a:t>6/2/13</a:t>
             </a:fld>
             <a:endParaRPr lang="en-US"/>
           </a:p>
@@ -3275,7 +3283,7 @@
           <a:p>
             <a:fld id="{9F2F5E10-5301-4EE6-90D2-A6C4A3F62BED}" type="slidenum">
               <a:rPr lang="en-US" smtClean="0"/>
-              <a:t>‹Nr.›</a:t>
+              <a:t>‹#›</a:t>
             </a:fld>
             <a:endParaRPr lang="en-US"/>
           </a:p>
@@ -3286,13 +3294,13 @@
   <p:clrMapOvr>
     <a:masterClrMapping/>
   </p:clrMapOvr>
-  <mc:AlternateContent xmlns:mc="http://schemas.openxmlformats.org/markup-compatibility/2006">
-    <mc:Choice xmlns:p14="http://schemas.microsoft.com/office/powerpoint/2010/main" Requires="p14">
+  <mc:AlternateContent xmlns:mc="http://schemas.openxmlformats.org/markup-compatibility/2006" xmlns:p14="http://schemas.microsoft.com/office/powerpoint/2010/main">
+    <mc:Choice Requires="p14">
       <p:transition spd="slow" p14:dur="1200">
         <p14:prism/>
       </p:transition>
     </mc:Choice>
-    <mc:Fallback>
+    <mc:Fallback xmlns="">
       <p:transition xmlns:p14="http://schemas.microsoft.com/office/powerpoint/2010/main" spd="slow">
         <p:fade/>
       </p:transition>
@@ -3686,7 +3694,7 @@
           <a:p>
             <a:fld id="{679BC7E7-EA8E-4DA7-915E-CC098D9BADCB}" type="datetimeFigureOut">
               <a:rPr lang="en-US" smtClean="0"/>
-              <a:t>02.06.13</a:t>
+              <a:t>6/2/13</a:t>
             </a:fld>
             <a:endParaRPr lang="en-US"/>
           </a:p>
@@ -3728,7 +3736,7 @@
           <a:p>
             <a:fld id="{9F2F5E10-5301-4EE6-90D2-A6C4A3F62BED}" type="slidenum">
               <a:rPr lang="en-US" smtClean="0"/>
-              <a:t>‹Nr.›</a:t>
+              <a:t>‹#›</a:t>
             </a:fld>
             <a:endParaRPr lang="en-US"/>
           </a:p>
@@ -3739,13 +3747,13 @@
   <p:clrMapOvr>
     <a:masterClrMapping/>
   </p:clrMapOvr>
-  <mc:AlternateContent xmlns:mc="http://schemas.openxmlformats.org/markup-compatibility/2006">
-    <mc:Choice xmlns:p14="http://schemas.microsoft.com/office/powerpoint/2010/main" Requires="p14">
+  <mc:AlternateContent xmlns:mc="http://schemas.openxmlformats.org/markup-compatibility/2006" xmlns:p14="http://schemas.microsoft.com/office/powerpoint/2010/main">
+    <mc:Choice Requires="p14">
       <p:transition spd="slow" p14:dur="1200">
         <p14:prism/>
       </p:transition>
     </mc:Choice>
-    <mc:Fallback>
+    <mc:Fallback xmlns="">
       <p:transition xmlns:p14="http://schemas.microsoft.com/office/powerpoint/2010/main" spd="slow">
         <p:fade/>
       </p:transition>
@@ -3896,7 +3904,7 @@
           <a:p>
             <a:fld id="{679BC7E7-EA8E-4DA7-915E-CC098D9BADCB}" type="datetimeFigureOut">
               <a:rPr lang="en-US" smtClean="0"/>
-              <a:t>02.06.13</a:t>
+              <a:t>6/2/13</a:t>
             </a:fld>
             <a:endParaRPr lang="en-US"/>
           </a:p>
@@ -3938,7 +3946,7 @@
           <a:p>
             <a:fld id="{9F2F5E10-5301-4EE6-90D2-A6C4A3F62BED}" type="slidenum">
               <a:rPr lang="en-US" smtClean="0"/>
-              <a:t>‹Nr.›</a:t>
+              <a:t>‹#›</a:t>
             </a:fld>
             <a:endParaRPr lang="en-US"/>
           </a:p>
@@ -4034,13 +4042,13 @@
   <p:clrMapOvr>
     <a:masterClrMapping/>
   </p:clrMapOvr>
-  <mc:AlternateContent xmlns:mc="http://schemas.openxmlformats.org/markup-compatibility/2006">
-    <mc:Choice xmlns:p14="http://schemas.microsoft.com/office/powerpoint/2010/main" Requires="p14">
+  <mc:AlternateContent xmlns:mc="http://schemas.openxmlformats.org/markup-compatibility/2006" xmlns:p14="http://schemas.microsoft.com/office/powerpoint/2010/main">
+    <mc:Choice Requires="p14">
       <p:transition spd="slow" p14:dur="1200">
         <p14:prism/>
       </p:transition>
     </mc:Choice>
-    <mc:Fallback>
+    <mc:Fallback xmlns="">
       <p:transition xmlns:p14="http://schemas.microsoft.com/office/powerpoint/2010/main" spd="slow">
         <p:fade/>
       </p:transition>
@@ -4191,7 +4199,7 @@
           <a:p>
             <a:fld id="{679BC7E7-EA8E-4DA7-915E-CC098D9BADCB}" type="datetimeFigureOut">
               <a:rPr lang="en-US" smtClean="0"/>
-              <a:t>02.06.13</a:t>
+              <a:t>6/2/13</a:t>
             </a:fld>
             <a:endParaRPr lang="en-US"/>
           </a:p>
@@ -4233,7 +4241,7 @@
           <a:p>
             <a:fld id="{9F2F5E10-5301-4EE6-90D2-A6C4A3F62BED}" type="slidenum">
               <a:rPr lang="en-US" smtClean="0"/>
-              <a:t>‹Nr.›</a:t>
+              <a:t>‹#›</a:t>
             </a:fld>
             <a:endParaRPr lang="en-US"/>
           </a:p>
@@ -4414,13 +4422,13 @@
   <p:clrMapOvr>
     <a:masterClrMapping/>
   </p:clrMapOvr>
-  <mc:AlternateContent xmlns:mc="http://schemas.openxmlformats.org/markup-compatibility/2006">
-    <mc:Choice xmlns:p14="http://schemas.microsoft.com/office/powerpoint/2010/main" Requires="p14">
+  <mc:AlternateContent xmlns:mc="http://schemas.openxmlformats.org/markup-compatibility/2006" xmlns:p14="http://schemas.microsoft.com/office/powerpoint/2010/main">
+    <mc:Choice Requires="p14">
       <p:transition spd="slow" p14:dur="1200">
         <p14:prism/>
       </p:transition>
     </mc:Choice>
-    <mc:Fallback>
+    <mc:Fallback xmlns="">
       <p:transition xmlns:p14="http://schemas.microsoft.com/office/powerpoint/2010/main" spd="slow">
         <p:fade/>
       </p:transition>
@@ -4571,7 +4579,7 @@
           <a:p>
             <a:fld id="{679BC7E7-EA8E-4DA7-915E-CC098D9BADCB}" type="datetimeFigureOut">
               <a:rPr lang="en-US" smtClean="0"/>
-              <a:t>02.06.13</a:t>
+              <a:t>6/2/13</a:t>
             </a:fld>
             <a:endParaRPr lang="en-US"/>
           </a:p>
@@ -4613,7 +4621,7 @@
           <a:p>
             <a:fld id="{9F2F5E10-5301-4EE6-90D2-A6C4A3F62BED}" type="slidenum">
               <a:rPr lang="en-US" smtClean="0"/>
-              <a:t>‹Nr.›</a:t>
+              <a:t>‹#›</a:t>
             </a:fld>
             <a:endParaRPr lang="en-US"/>
           </a:p>
@@ -5007,13 +5015,13 @@
   <p:clrMapOvr>
     <a:masterClrMapping/>
   </p:clrMapOvr>
-  <mc:AlternateContent xmlns:mc="http://schemas.openxmlformats.org/markup-compatibility/2006">
-    <mc:Choice xmlns:p14="http://schemas.microsoft.com/office/powerpoint/2010/main" Requires="p14">
+  <mc:AlternateContent xmlns:mc="http://schemas.openxmlformats.org/markup-compatibility/2006" xmlns:p14="http://schemas.microsoft.com/office/powerpoint/2010/main">
+    <mc:Choice Requires="p14">
       <p:transition spd="slow" p14:dur="1200">
         <p14:prism/>
       </p:transition>
     </mc:Choice>
-    <mc:Fallback>
+    <mc:Fallback xmlns="">
       <p:transition xmlns:p14="http://schemas.microsoft.com/office/powerpoint/2010/main" spd="slow">
         <p:fade/>
       </p:transition>
@@ -5079,7 +5087,7 @@
           <a:p>
             <a:fld id="{679BC7E7-EA8E-4DA7-915E-CC098D9BADCB}" type="datetimeFigureOut">
               <a:rPr lang="en-US" smtClean="0"/>
-              <a:t>02.06.13</a:t>
+              <a:t>6/2/13</a:t>
             </a:fld>
             <a:endParaRPr lang="en-US"/>
           </a:p>
@@ -5121,7 +5129,7 @@
           <a:p>
             <a:fld id="{9F2F5E10-5301-4EE6-90D2-A6C4A3F62BED}" type="slidenum">
               <a:rPr lang="en-US" smtClean="0"/>
-              <a:t>‹Nr.›</a:t>
+              <a:t>‹#›</a:t>
             </a:fld>
             <a:endParaRPr lang="en-US"/>
           </a:p>
@@ -5132,13 +5140,13 @@
   <p:clrMapOvr>
     <a:masterClrMapping/>
   </p:clrMapOvr>
-  <mc:AlternateContent xmlns:mc="http://schemas.openxmlformats.org/markup-compatibility/2006">
-    <mc:Choice xmlns:p14="http://schemas.microsoft.com/office/powerpoint/2010/main" Requires="p14">
+  <mc:AlternateContent xmlns:mc="http://schemas.openxmlformats.org/markup-compatibility/2006" xmlns:p14="http://schemas.microsoft.com/office/powerpoint/2010/main">
+    <mc:Choice Requires="p14">
       <p:transition spd="slow" p14:dur="1200">
         <p14:prism/>
       </p:transition>
     </mc:Choice>
-    <mc:Fallback>
+    <mc:Fallback xmlns="">
       <p:transition xmlns:p14="http://schemas.microsoft.com/office/powerpoint/2010/main" spd="slow">
         <p:fade/>
       </p:transition>
@@ -5300,7 +5308,7 @@
           <a:p>
             <a:fld id="{679BC7E7-EA8E-4DA7-915E-CC098D9BADCB}" type="datetimeFigureOut">
               <a:rPr lang="en-US" smtClean="0"/>
-              <a:t>02.06.13</a:t>
+              <a:t>6/2/13</a:t>
             </a:fld>
             <a:endParaRPr lang="en-US"/>
           </a:p>
@@ -5380,7 +5388,7 @@
           <a:p>
             <a:fld id="{9F2F5E10-5301-4EE6-90D2-A6C4A3F62BED}" type="slidenum">
               <a:rPr lang="en-US" smtClean="0"/>
-              <a:t>‹Nr.›</a:t>
+              <a:t>‹#›</a:t>
             </a:fld>
             <a:endParaRPr lang="en-US"/>
           </a:p>
@@ -5407,13 +5415,13 @@
     <p:sldLayoutId id="2147483675" r:id="rId15"/>
     <p:sldLayoutId id="2147483676" r:id="rId16"/>
   </p:sldLayoutIdLst>
-  <mc:AlternateContent xmlns:mc="http://schemas.openxmlformats.org/markup-compatibility/2006">
-    <mc:Choice xmlns:p14="http://schemas.microsoft.com/office/powerpoint/2010/main" Requires="p14">
+  <mc:AlternateContent xmlns:mc="http://schemas.openxmlformats.org/markup-compatibility/2006" xmlns:p14="http://schemas.microsoft.com/office/powerpoint/2010/main">
+    <mc:Choice Requires="p14">
       <p:transition spd="slow" p14:dur="1200">
         <p14:prism/>
       </p:transition>
     </mc:Choice>
-    <mc:Fallback>
+    <mc:Fallback xmlns="">
       <p:transition xmlns:p14="http://schemas.microsoft.com/office/powerpoint/2010/main" spd="slow">
         <p:fade/>
       </p:transition>
@@ -5834,13 +5842,13 @@
   <p:clrMapOvr>
     <a:masterClrMapping/>
   </p:clrMapOvr>
-  <mc:AlternateContent xmlns:mc="http://schemas.openxmlformats.org/markup-compatibility/2006">
-    <mc:Choice xmlns:p14="http://schemas.microsoft.com/office/powerpoint/2010/main" Requires="p14">
+  <mc:AlternateContent xmlns:mc="http://schemas.openxmlformats.org/markup-compatibility/2006" xmlns:p14="http://schemas.microsoft.com/office/powerpoint/2010/main">
+    <mc:Choice Requires="p14">
       <p:transition spd="slow" p14:dur="900">
         <p14:warp dir="in"/>
       </p:transition>
     </mc:Choice>
-    <mc:Fallback>
+    <mc:Fallback xmlns="">
       <p:transition xmlns:p14="http://schemas.microsoft.com/office/powerpoint/2010/main" spd="slow">
         <p:fade/>
       </p:transition>
@@ -5925,13 +5933,13 @@
   <p:clrMapOvr>
     <a:masterClrMapping/>
   </p:clrMapOvr>
-  <mc:AlternateContent xmlns:mc="http://schemas.openxmlformats.org/markup-compatibility/2006">
-    <mc:Choice xmlns:p14="http://schemas.microsoft.com/office/powerpoint/2010/main" Requires="p14">
+  <mc:AlternateContent xmlns:mc="http://schemas.openxmlformats.org/markup-compatibility/2006" xmlns:p14="http://schemas.microsoft.com/office/powerpoint/2010/main">
+    <mc:Choice Requires="p14">
       <p:transition spd="slow" p14:dur="1200">
         <p14:prism/>
       </p:transition>
     </mc:Choice>
-    <mc:Fallback>
+    <mc:Fallback xmlns="">
       <p:transition xmlns:p14="http://schemas.microsoft.com/office/powerpoint/2010/main" spd="slow">
         <p:fade/>
       </p:transition>
@@ -6084,13 +6092,13 @@
   <p:clrMapOvr>
     <a:masterClrMapping/>
   </p:clrMapOvr>
-  <mc:AlternateContent xmlns:mc="http://schemas.openxmlformats.org/markup-compatibility/2006">
-    <mc:Choice xmlns:p14="http://schemas.microsoft.com/office/powerpoint/2010/main" Requires="p14">
+  <mc:AlternateContent xmlns:mc="http://schemas.openxmlformats.org/markup-compatibility/2006" xmlns:p14="http://schemas.microsoft.com/office/powerpoint/2010/main">
+    <mc:Choice Requires="p14">
       <p:transition spd="slow" p14:dur="1200">
         <p14:prism/>
       </p:transition>
     </mc:Choice>
-    <mc:Fallback>
+    <mc:Fallback xmlns="">
       <p:transition xmlns:p14="http://schemas.microsoft.com/office/powerpoint/2010/main" spd="slow">
         <p:fade/>
       </p:transition>
@@ -6279,13 +6287,13 @@
   <p:clrMapOvr>
     <a:masterClrMapping/>
   </p:clrMapOvr>
-  <mc:AlternateContent xmlns:mc="http://schemas.openxmlformats.org/markup-compatibility/2006">
-    <mc:Choice xmlns:p14="http://schemas.microsoft.com/office/powerpoint/2010/main" Requires="p14">
+  <mc:AlternateContent xmlns:mc="http://schemas.openxmlformats.org/markup-compatibility/2006" xmlns:p14="http://schemas.microsoft.com/office/powerpoint/2010/main">
+    <mc:Choice Requires="p14">
       <p:transition spd="slow" p14:dur="1200">
         <p14:prism/>
       </p:transition>
     </mc:Choice>
-    <mc:Fallback>
+    <mc:Fallback xmlns="">
       <p:transition xmlns:p14="http://schemas.microsoft.com/office/powerpoint/2010/main" spd="slow">
         <p:fade/>
       </p:transition>
@@ -6987,13 +6995,13 @@
   <p:clrMapOvr>
     <a:masterClrMapping/>
   </p:clrMapOvr>
-  <mc:AlternateContent xmlns:mc="http://schemas.openxmlformats.org/markup-compatibility/2006">
-    <mc:Choice xmlns:p14="http://schemas.microsoft.com/office/powerpoint/2010/main" Requires="p14">
+  <mc:AlternateContent xmlns:mc="http://schemas.openxmlformats.org/markup-compatibility/2006" xmlns:p14="http://schemas.microsoft.com/office/powerpoint/2010/main">
+    <mc:Choice Requires="p14">
       <p:transition spd="slow" p14:dur="1200">
         <p14:prism/>
       </p:transition>
     </mc:Choice>
-    <mc:Fallback>
+    <mc:Fallback xmlns="">
       <p:transition xmlns:p14="http://schemas.microsoft.com/office/powerpoint/2010/main" spd="slow">
         <p:fade/>
       </p:transition>
@@ -7629,13 +7637,13 @@
   <p:clrMapOvr>
     <a:masterClrMapping/>
   </p:clrMapOvr>
-  <mc:AlternateContent xmlns:mc="http://schemas.openxmlformats.org/markup-compatibility/2006">
-    <mc:Choice xmlns:p14="http://schemas.microsoft.com/office/powerpoint/2010/main" Requires="p14">
+  <mc:AlternateContent xmlns:mc="http://schemas.openxmlformats.org/markup-compatibility/2006" xmlns:p14="http://schemas.microsoft.com/office/powerpoint/2010/main">
+    <mc:Choice Requires="p14">
       <p:transition spd="slow" p14:dur="1200">
         <p14:prism/>
       </p:transition>
     </mc:Choice>
-    <mc:Fallback>
+    <mc:Fallback xmlns="">
       <p:transition xmlns:p14="http://schemas.microsoft.com/office/powerpoint/2010/main" spd="slow">
         <p:fade/>
       </p:transition>
@@ -8183,7 +8191,6 @@
               <a:rPr lang="de-CH" dirty="0" smtClean="0"/>
               <a:t>Level-Metainformationen</a:t>
             </a:r>
-            <a:endParaRPr lang="de-CH" dirty="0" smtClean="0"/>
           </a:p>
         </p:txBody>
       </p:sp>
@@ -8197,13 +8204,13 @@
   <p:clrMapOvr>
     <a:masterClrMapping/>
   </p:clrMapOvr>
-  <mc:AlternateContent xmlns:mc="http://schemas.openxmlformats.org/markup-compatibility/2006">
-    <mc:Choice xmlns:p14="http://schemas.microsoft.com/office/powerpoint/2010/main" Requires="p14">
+  <mc:AlternateContent xmlns:mc="http://schemas.openxmlformats.org/markup-compatibility/2006" xmlns:p14="http://schemas.microsoft.com/office/powerpoint/2010/main">
+    <mc:Choice Requires="p14">
       <p:transition spd="slow" p14:dur="1200">
         <p14:prism/>
       </p:transition>
     </mc:Choice>
-    <mc:Fallback>
+    <mc:Fallback xmlns="">
       <p:transition xmlns:p14="http://schemas.microsoft.com/office/powerpoint/2010/main" spd="slow">
         <p:fade/>
       </p:transition>
@@ -8641,13 +8648,13 @@
   <p:clrMapOvr>
     <a:masterClrMapping/>
   </p:clrMapOvr>
-  <mc:AlternateContent xmlns:mc="http://schemas.openxmlformats.org/markup-compatibility/2006">
-    <mc:Choice xmlns:p14="http://schemas.microsoft.com/office/powerpoint/2010/main" Requires="p14">
+  <mc:AlternateContent xmlns:mc="http://schemas.openxmlformats.org/markup-compatibility/2006" xmlns:p14="http://schemas.microsoft.com/office/powerpoint/2010/main">
+    <mc:Choice Requires="p14">
       <p:transition spd="slow" p14:dur="1200">
         <p14:prism/>
       </p:transition>
     </mc:Choice>
-    <mc:Fallback>
+    <mc:Fallback xmlns="">
       <p:transition xmlns:p14="http://schemas.microsoft.com/office/powerpoint/2010/main" spd="slow">
         <p:fade/>
       </p:transition>
@@ -8782,13 +8789,13 @@
   <p:clrMapOvr>
     <a:masterClrMapping/>
   </p:clrMapOvr>
-  <mc:AlternateContent xmlns:mc="http://schemas.openxmlformats.org/markup-compatibility/2006">
-    <mc:Choice xmlns:p14="http://schemas.microsoft.com/office/powerpoint/2010/main" Requires="p14">
+  <mc:AlternateContent xmlns:mc="http://schemas.openxmlformats.org/markup-compatibility/2006" xmlns:p14="http://schemas.microsoft.com/office/powerpoint/2010/main">
+    <mc:Choice Requires="p14">
       <p:transition spd="slow" p14:dur="1200">
         <p14:prism/>
       </p:transition>
     </mc:Choice>
-    <mc:Fallback>
+    <mc:Fallback xmlns="">
       <p:transition xmlns:p14="http://schemas.microsoft.com/office/powerpoint/2010/main" spd="slow">
         <p:fade/>
       </p:transition>
@@ -9113,13 +9120,13 @@
   <p:clrMapOvr>
     <a:masterClrMapping/>
   </p:clrMapOvr>
-  <mc:AlternateContent xmlns:mc="http://schemas.openxmlformats.org/markup-compatibility/2006">
-    <mc:Choice xmlns:p14="http://schemas.microsoft.com/office/powerpoint/2010/main" Requires="p14">
+  <mc:AlternateContent xmlns:mc="http://schemas.openxmlformats.org/markup-compatibility/2006" xmlns:p14="http://schemas.microsoft.com/office/powerpoint/2010/main">
+    <mc:Choice Requires="p14">
       <p:transition spd="slow" p14:dur="1200">
         <p14:prism/>
       </p:transition>
     </mc:Choice>
-    <mc:Fallback>
+    <mc:Fallback xmlns="">
       <p:transition xmlns:p14="http://schemas.microsoft.com/office/powerpoint/2010/main" spd="slow">
         <p:fade/>
       </p:transition>
@@ -9492,13 +9499,13 @@
   <p:clrMapOvr>
     <a:masterClrMapping/>
   </p:clrMapOvr>
-  <mc:AlternateContent xmlns:mc="http://schemas.openxmlformats.org/markup-compatibility/2006">
-    <mc:Choice xmlns:p14="http://schemas.microsoft.com/office/powerpoint/2010/main" Requires="p14">
+  <mc:AlternateContent xmlns:mc="http://schemas.openxmlformats.org/markup-compatibility/2006" xmlns:p14="http://schemas.microsoft.com/office/powerpoint/2010/main">
+    <mc:Choice Requires="p14">
       <p:transition spd="slow" p14:dur="1200">
         <p14:prism/>
       </p:transition>
     </mc:Choice>
-    <mc:Fallback>
+    <mc:Fallback xmlns="">
       <p:transition xmlns:p14="http://schemas.microsoft.com/office/powerpoint/2010/main" spd="slow">
         <p:fade/>
       </p:transition>
@@ -9715,13 +9722,13 @@
   <p:clrMapOvr>
     <a:masterClrMapping/>
   </p:clrMapOvr>
-  <mc:AlternateContent xmlns:mc="http://schemas.openxmlformats.org/markup-compatibility/2006">
-    <mc:Choice xmlns:p14="http://schemas.microsoft.com/office/powerpoint/2010/main" Requires="p14">
+  <mc:AlternateContent xmlns:mc="http://schemas.openxmlformats.org/markup-compatibility/2006" xmlns:p14="http://schemas.microsoft.com/office/powerpoint/2010/main">
+    <mc:Choice Requires="p14">
       <p:transition spd="slow" p14:dur="1200">
         <p14:prism/>
       </p:transition>
     </mc:Choice>
-    <mc:Fallback>
+    <mc:Fallback xmlns="">
       <p:transition xmlns:p14="http://schemas.microsoft.com/office/powerpoint/2010/main" spd="slow">
         <p:fade/>
       </p:transition>
@@ -9832,13 +9839,13 @@
   <p:clrMapOvr>
     <a:masterClrMapping/>
   </p:clrMapOvr>
-  <mc:AlternateContent xmlns:mc="http://schemas.openxmlformats.org/markup-compatibility/2006">
-    <mc:Choice xmlns:p14="http://schemas.microsoft.com/office/powerpoint/2010/main" Requires="p14">
+  <mc:AlternateContent xmlns:mc="http://schemas.openxmlformats.org/markup-compatibility/2006" xmlns:p14="http://schemas.microsoft.com/office/powerpoint/2010/main">
+    <mc:Choice Requires="p14">
       <p:transition spd="slow" p14:dur="1200">
         <p14:prism/>
       </p:transition>
     </mc:Choice>
-    <mc:Fallback>
+    <mc:Fallback xmlns="">
       <p:transition xmlns:p14="http://schemas.microsoft.com/office/powerpoint/2010/main" spd="slow">
         <p:fade/>
       </p:transition>
@@ -10092,7 +10099,7 @@
       </p:grpSpPr>
       <p:sp>
         <p:nvSpPr>
-          <p:cNvPr id="2" name="Titel 1"/>
+          <p:cNvPr id="2" name="Title 1"/>
           <p:cNvSpPr>
             <a:spLocks noGrp="1"/>
           </p:cNvSpPr>
@@ -10107,41 +10114,83 @@
           <a:p>
             <a:r>
               <a:rPr lang="de-CH" dirty="0" smtClean="0"/>
-              <a:t>Demo</a:t>
+              <a:t>Fazit - Ilija</a:t>
             </a:r>
             <a:endParaRPr lang="de-CH" dirty="0"/>
+          </a:p>
+        </p:txBody>
+      </p:sp>
+      <p:sp>
+        <p:nvSpPr>
+          <p:cNvPr id="3" name="Content Placeholder 2"/>
+          <p:cNvSpPr>
+            <a:spLocks noGrp="1"/>
+          </p:cNvSpPr>
+          <p:nvPr>
+            <p:ph idx="1"/>
+          </p:nvPr>
+        </p:nvSpPr>
+        <p:spPr/>
+        <p:txBody>
+          <a:bodyPr>
+            <a:normAutofit/>
+          </a:bodyPr>
+          <a:lstStyle/>
+          <a:p>
+            <a:pPr marL="0" indent="0">
+              <a:buNone/>
+            </a:pPr>
+            <a:r>
+              <a:rPr lang="de-CH" sz="4000" b="1" dirty="0" smtClean="0">
+                <a:solidFill>
+                  <a:srgbClr val="405B03"/>
+                </a:solidFill>
+              </a:rPr>
+              <a:t>+</a:t>
+            </a:r>
+          </a:p>
+          <a:p>
+            <a:r>
+              <a:rPr lang="de-CH" dirty="0" smtClean="0"/>
+              <a:t>Sehr interessantes und lehrreiches Projekt</a:t>
+            </a:r>
+          </a:p>
+          <a:p>
+            <a:r>
+              <a:rPr lang="de-CH" dirty="0" smtClean="0"/>
+              <a:t>Verwirklichung eines Kindheitstraums</a:t>
+            </a:r>
+          </a:p>
+          <a:p>
+            <a:r>
+              <a:rPr lang="de-CH" dirty="0" smtClean="0"/>
+              <a:t>Gute Zusammenarbeit</a:t>
+            </a:r>
           </a:p>
         </p:txBody>
       </p:sp>
     </p:spTree>
     <p:extLst>
       <p:ext uri="{BB962C8B-B14F-4D97-AF65-F5344CB8AC3E}">
-        <p14:creationId xmlns:p14="http://schemas.microsoft.com/office/powerpoint/2010/main" val="917635913"/>
+        <p14:creationId xmlns:p14="http://schemas.microsoft.com/office/powerpoint/2010/main" val="1306575274"/>
       </p:ext>
     </p:extLst>
   </p:cSld>
   <p:clrMapOvr>
     <a:masterClrMapping/>
   </p:clrMapOvr>
-  <mc:AlternateContent xmlns:mc="http://schemas.openxmlformats.org/markup-compatibility/2006">
-    <mc:Choice xmlns:p14="http://schemas.microsoft.com/office/powerpoint/2010/main" Requires="p14">
+  <mc:AlternateContent xmlns:mc="http://schemas.openxmlformats.org/markup-compatibility/2006" xmlns:p14="http://schemas.microsoft.com/office/powerpoint/2010/main">
+    <mc:Choice Requires="p14">
       <p:transition spd="slow" p14:dur="1200">
         <p14:prism/>
       </p:transition>
     </mc:Choice>
-    <mc:Fallback>
+    <mc:Fallback xmlns="">
       <p:transition xmlns:p14="http://schemas.microsoft.com/office/powerpoint/2010/main" spd="slow">
         <p:fade/>
       </p:transition>
     </mc:Fallback>
   </mc:AlternateContent>
-  <p:timing>
-    <p:tnLst>
-      <p:par>
-        <p:cTn xmlns:p14="http://schemas.microsoft.com/office/powerpoint/2010/main" id="1" dur="indefinite" restart="never" nodeType="tmRoot"/>
-      </p:par>
-    </p:tnLst>
-  </p:timing>
 </p:sld>
 </file>
 
@@ -10164,7 +10213,7 @@
       </p:grpSpPr>
       <p:sp>
         <p:nvSpPr>
-          <p:cNvPr id="6" name="Titel 5"/>
+          <p:cNvPr id="2" name="Title 1"/>
           <p:cNvSpPr>
             <a:spLocks noGrp="1"/>
           </p:cNvSpPr>
@@ -10179,7 +10228,7 @@
           <a:p>
             <a:r>
               <a:rPr lang="de-CH" dirty="0" smtClean="0"/>
-              <a:t>Fragen?</a:t>
+              <a:t>Fazit - Ilija</a:t>
             </a:r>
             <a:endParaRPr lang="de-CH" dirty="0"/>
           </a:p>
@@ -10187,7 +10236,7 @@
       </p:sp>
       <p:sp>
         <p:nvSpPr>
-          <p:cNvPr id="7" name="Inhaltsplatzhalter 6"/>
+          <p:cNvPr id="3" name="Content Placeholder 2"/>
           <p:cNvSpPr>
             <a:spLocks noGrp="1"/>
           </p:cNvSpPr>
@@ -10198,50 +10247,78 @@
         <p:spPr/>
         <p:txBody>
           <a:bodyPr>
-            <a:noAutofit/>
+            <a:normAutofit/>
           </a:bodyPr>
           <a:lstStyle/>
           <a:p>
-            <a:pPr marL="0" indent="0" algn="ctr">
+            <a:pPr marL="0" indent="0">
               <a:buNone/>
             </a:pPr>
             <a:r>
-              <a:rPr lang="de-CH" sz="19900" dirty="0" smtClean="0"/>
-              <a:t>?</a:t>
-            </a:r>
-            <a:endParaRPr lang="de-CH" sz="19900" dirty="0"/>
+              <a:rPr lang="de-CH" sz="4300" b="1" dirty="0" smtClean="0">
+                <a:solidFill>
+                  <a:srgbClr val="FF0000"/>
+                </a:solidFill>
+              </a:rPr>
+              <a:t>-</a:t>
+            </a:r>
+            <a:endParaRPr lang="de-CH" sz="4300" b="1" dirty="0">
+              <a:solidFill>
+                <a:srgbClr val="FF0000"/>
+              </a:solidFill>
+            </a:endParaRPr>
+          </a:p>
+          <a:p>
+            <a:r>
+              <a:rPr lang="de-CH" dirty="0"/>
+              <a:t>Grosser Zeitdruck</a:t>
+            </a:r>
+          </a:p>
+          <a:p>
+            <a:r>
+              <a:rPr lang="de-CH" dirty="0"/>
+              <a:t>Nicht vermarkt bar aufgrund des </a:t>
+            </a:r>
+            <a:r>
+              <a:rPr lang="de-CH" dirty="0" smtClean="0"/>
+              <a:t>Copyrights</a:t>
+            </a:r>
+          </a:p>
+          <a:p>
+            <a:pPr lvl="1"/>
+            <a:r>
+              <a:rPr lang="de-CH" sz="2000" dirty="0" smtClean="0"/>
+              <a:t>Hätte </a:t>
+            </a:r>
+            <a:r>
+              <a:rPr lang="de-CH" sz="2000" dirty="0"/>
+              <a:t>sich gut verkauft</a:t>
+            </a:r>
           </a:p>
         </p:txBody>
       </p:sp>
     </p:spTree>
     <p:extLst>
       <p:ext uri="{BB962C8B-B14F-4D97-AF65-F5344CB8AC3E}">
-        <p14:creationId xmlns:p14="http://schemas.microsoft.com/office/powerpoint/2010/main" val="2682229460"/>
+        <p14:creationId xmlns:p14="http://schemas.microsoft.com/office/powerpoint/2010/main" val="1090883704"/>
       </p:ext>
     </p:extLst>
   </p:cSld>
   <p:clrMapOvr>
     <a:masterClrMapping/>
   </p:clrMapOvr>
-  <mc:AlternateContent xmlns:mc="http://schemas.openxmlformats.org/markup-compatibility/2006">
-    <mc:Choice xmlns:p14="http://schemas.microsoft.com/office/powerpoint/2010/main" Requires="p14">
+  <mc:AlternateContent xmlns:mc="http://schemas.openxmlformats.org/markup-compatibility/2006" xmlns:p14="http://schemas.microsoft.com/office/powerpoint/2010/main">
+    <mc:Choice Requires="p14">
       <p:transition spd="slow" p14:dur="1200">
         <p14:prism/>
       </p:transition>
     </mc:Choice>
-    <mc:Fallback>
+    <mc:Fallback xmlns="">
       <p:transition xmlns:p14="http://schemas.microsoft.com/office/powerpoint/2010/main" spd="slow">
         <p:fade/>
       </p:transition>
     </mc:Fallback>
   </mc:AlternateContent>
-  <p:timing>
-    <p:tnLst>
-      <p:par>
-        <p:cTn xmlns:p14="http://schemas.microsoft.com/office/powerpoint/2010/main" id="1" dur="indefinite" restart="never" nodeType="tmRoot"/>
-      </p:par>
-    </p:tnLst>
-  </p:timing>
 </p:sld>
 </file>
 
@@ -10262,6 +10339,446 @@
           <a:chExt cx="0" cy="0"/>
         </a:xfrm>
       </p:grpSpPr>
+      <p:sp>
+        <p:nvSpPr>
+          <p:cNvPr id="2" name="Title 1"/>
+          <p:cNvSpPr>
+            <a:spLocks noGrp="1"/>
+          </p:cNvSpPr>
+          <p:nvPr>
+            <p:ph type="title"/>
+          </p:nvPr>
+        </p:nvSpPr>
+        <p:spPr/>
+        <p:txBody>
+          <a:bodyPr/>
+          <a:lstStyle/>
+          <a:p>
+            <a:r>
+              <a:rPr lang="de-CH" dirty="0" smtClean="0"/>
+              <a:t>Fazit - Lukas</a:t>
+            </a:r>
+            <a:endParaRPr lang="de-CH" dirty="0"/>
+          </a:p>
+        </p:txBody>
+      </p:sp>
+      <p:sp>
+        <p:nvSpPr>
+          <p:cNvPr id="3" name="Content Placeholder 2"/>
+          <p:cNvSpPr>
+            <a:spLocks noGrp="1"/>
+          </p:cNvSpPr>
+          <p:nvPr>
+            <p:ph idx="1"/>
+          </p:nvPr>
+        </p:nvSpPr>
+        <p:spPr/>
+        <p:txBody>
+          <a:bodyPr>
+            <a:normAutofit/>
+          </a:bodyPr>
+          <a:lstStyle/>
+          <a:p>
+            <a:pPr marL="0" indent="0">
+              <a:buNone/>
+            </a:pPr>
+            <a:r>
+              <a:rPr lang="de-CH" sz="4000" b="1" dirty="0" smtClean="0">
+                <a:solidFill>
+                  <a:srgbClr val="405B03"/>
+                </a:solidFill>
+              </a:rPr>
+              <a:t>+</a:t>
+            </a:r>
+          </a:p>
+          <a:p>
+            <a:r>
+              <a:rPr lang="de-CH" dirty="0" smtClean="0"/>
+              <a:t>-</a:t>
+            </a:r>
+          </a:p>
+        </p:txBody>
+      </p:sp>
+    </p:spTree>
+    <p:extLst>
+      <p:ext uri="{BB962C8B-B14F-4D97-AF65-F5344CB8AC3E}">
+        <p14:creationId xmlns:p14="http://schemas.microsoft.com/office/powerpoint/2010/main" val="1165028694"/>
+      </p:ext>
+    </p:extLst>
+  </p:cSld>
+  <p:clrMapOvr>
+    <a:masterClrMapping/>
+  </p:clrMapOvr>
+  <mc:AlternateContent xmlns:mc="http://schemas.openxmlformats.org/markup-compatibility/2006" xmlns:p14="http://schemas.microsoft.com/office/powerpoint/2010/main">
+    <mc:Choice Requires="p14">
+      <p:transition spd="slow" p14:dur="1200">
+        <p14:prism/>
+      </p:transition>
+    </mc:Choice>
+    <mc:Fallback xmlns="">
+      <p:transition xmlns:p14="http://schemas.microsoft.com/office/powerpoint/2010/main" spd="slow">
+        <p:fade/>
+      </p:transition>
+    </mc:Fallback>
+  </mc:AlternateContent>
+</p:sld>
+</file>
+
+<file path=ppt/slides/slide24.xml><?xml version="1.0" encoding="utf-8"?>
+<p:sld xmlns:a="http://schemas.openxmlformats.org/drawingml/2006/main" xmlns:r="http://schemas.openxmlformats.org/officeDocument/2006/relationships" xmlns:p="http://schemas.openxmlformats.org/presentationml/2006/main">
+  <p:cSld>
+    <p:spTree>
+      <p:nvGrpSpPr>
+        <p:cNvPr id="1" name=""/>
+        <p:cNvGrpSpPr/>
+        <p:nvPr/>
+      </p:nvGrpSpPr>
+      <p:grpSpPr>
+        <a:xfrm>
+          <a:off x="0" y="0"/>
+          <a:ext cx="0" cy="0"/>
+          <a:chOff x="0" y="0"/>
+          <a:chExt cx="0" cy="0"/>
+        </a:xfrm>
+      </p:grpSpPr>
+      <p:sp>
+        <p:nvSpPr>
+          <p:cNvPr id="2" name="Title 1"/>
+          <p:cNvSpPr>
+            <a:spLocks noGrp="1"/>
+          </p:cNvSpPr>
+          <p:nvPr>
+            <p:ph type="title"/>
+          </p:nvPr>
+        </p:nvSpPr>
+        <p:spPr/>
+        <p:txBody>
+          <a:bodyPr/>
+          <a:lstStyle/>
+          <a:p>
+            <a:r>
+              <a:rPr lang="de-CH" dirty="0" smtClean="0"/>
+              <a:t>Fazit - Lukas</a:t>
+            </a:r>
+            <a:endParaRPr lang="de-CH" dirty="0"/>
+          </a:p>
+        </p:txBody>
+      </p:sp>
+      <p:sp>
+        <p:nvSpPr>
+          <p:cNvPr id="3" name="Content Placeholder 2"/>
+          <p:cNvSpPr>
+            <a:spLocks noGrp="1"/>
+          </p:cNvSpPr>
+          <p:nvPr>
+            <p:ph idx="1"/>
+          </p:nvPr>
+        </p:nvSpPr>
+        <p:spPr/>
+        <p:txBody>
+          <a:bodyPr>
+            <a:normAutofit/>
+          </a:bodyPr>
+          <a:lstStyle/>
+          <a:p>
+            <a:pPr marL="0" indent="0">
+              <a:buNone/>
+            </a:pPr>
+            <a:r>
+              <a:rPr lang="de-CH" sz="4300" b="1" dirty="0" smtClean="0">
+                <a:solidFill>
+                  <a:srgbClr val="FF0000"/>
+                </a:solidFill>
+              </a:rPr>
+              <a:t>-</a:t>
+            </a:r>
+            <a:endParaRPr lang="de-CH" sz="4300" b="1" dirty="0">
+              <a:solidFill>
+                <a:srgbClr val="FF0000"/>
+              </a:solidFill>
+            </a:endParaRPr>
+          </a:p>
+          <a:p>
+            <a:r>
+              <a:rPr lang="de-CH" dirty="0" smtClean="0"/>
+              <a:t>-</a:t>
+            </a:r>
+            <a:endParaRPr lang="de-CH" dirty="0"/>
+          </a:p>
+        </p:txBody>
+      </p:sp>
+    </p:spTree>
+    <p:extLst>
+      <p:ext uri="{BB962C8B-B14F-4D97-AF65-F5344CB8AC3E}">
+        <p14:creationId xmlns:p14="http://schemas.microsoft.com/office/powerpoint/2010/main" val="1190527043"/>
+      </p:ext>
+    </p:extLst>
+  </p:cSld>
+  <p:clrMapOvr>
+    <a:masterClrMapping/>
+  </p:clrMapOvr>
+  <mc:AlternateContent xmlns:mc="http://schemas.openxmlformats.org/markup-compatibility/2006" xmlns:p14="http://schemas.microsoft.com/office/powerpoint/2010/main">
+    <mc:Choice Requires="p14">
+      <p:transition spd="slow" p14:dur="1200">
+        <p14:prism/>
+      </p:transition>
+    </mc:Choice>
+    <mc:Fallback xmlns="">
+      <p:transition xmlns:p14="http://schemas.microsoft.com/office/powerpoint/2010/main" spd="slow">
+        <p:fade/>
+      </p:transition>
+    </mc:Fallback>
+  </mc:AlternateContent>
+</p:sld>
+</file>
+
+<file path=ppt/slides/slide25.xml><?xml version="1.0" encoding="utf-8"?>
+<p:sld xmlns:a="http://schemas.openxmlformats.org/drawingml/2006/main" xmlns:r="http://schemas.openxmlformats.org/officeDocument/2006/relationships" xmlns:p="http://schemas.openxmlformats.org/presentationml/2006/main">
+  <p:cSld>
+    <p:spTree>
+      <p:nvGrpSpPr>
+        <p:cNvPr id="1" name=""/>
+        <p:cNvGrpSpPr/>
+        <p:nvPr/>
+      </p:nvGrpSpPr>
+      <p:grpSpPr>
+        <a:xfrm>
+          <a:off x="0" y="0"/>
+          <a:ext cx="0" cy="0"/>
+          <a:chOff x="0" y="0"/>
+          <a:chExt cx="0" cy="0"/>
+        </a:xfrm>
+      </p:grpSpPr>
+      <p:sp>
+        <p:nvSpPr>
+          <p:cNvPr id="2" name="Titel 1"/>
+          <p:cNvSpPr txBox="1">
+            <a:spLocks/>
+          </p:cNvSpPr>
+          <p:nvPr/>
+        </p:nvSpPr>
+        <p:spPr>
+          <a:xfrm>
+            <a:off x="457200" y="2263458"/>
+            <a:ext cx="8229600" cy="1143000"/>
+          </a:xfrm>
+          <a:prstGeom prst="rect">
+            <a:avLst/>
+          </a:prstGeom>
+        </p:spPr>
+        <p:txBody>
+          <a:bodyPr/>
+          <a:lstStyle>
+            <a:lvl1pPr algn="ctr" defTabSz="914400" rtl="0" eaLnBrk="1" latinLnBrk="0" hangingPunct="1">
+              <a:spcBef>
+                <a:spcPct val="0"/>
+              </a:spcBef>
+              <a:buNone/>
+              <a:defRPr sz="4600" kern="1200">
+                <a:solidFill>
+                  <a:schemeClr val="bg1"/>
+                </a:solidFill>
+                <a:latin typeface="+mj-lt"/>
+                <a:ea typeface="+mj-ea"/>
+                <a:cs typeface="+mj-cs"/>
+              </a:defRPr>
+            </a:lvl1pPr>
+          </a:lstStyle>
+          <a:p>
+            <a:r>
+              <a:rPr lang="de-CH" sz="8000" dirty="0" smtClean="0"/>
+              <a:t>Demo</a:t>
+            </a:r>
+            <a:endParaRPr lang="de-CH" sz="8000" dirty="0"/>
+          </a:p>
+        </p:txBody>
+      </p:sp>
+    </p:spTree>
+    <p:extLst>
+      <p:ext uri="{BB962C8B-B14F-4D97-AF65-F5344CB8AC3E}">
+        <p14:creationId xmlns:p14="http://schemas.microsoft.com/office/powerpoint/2010/main" val="2169402728"/>
+      </p:ext>
+    </p:extLst>
+  </p:cSld>
+  <p:clrMapOvr>
+    <a:masterClrMapping/>
+  </p:clrMapOvr>
+  <mc:AlternateContent xmlns:mc="http://schemas.openxmlformats.org/markup-compatibility/2006" xmlns:p14="http://schemas.microsoft.com/office/powerpoint/2010/main">
+    <mc:Choice Requires="p14">
+      <p:transition spd="slow" p14:dur="1200">
+        <p14:prism/>
+      </p:transition>
+    </mc:Choice>
+    <mc:Fallback xmlns="">
+      <p:transition xmlns:p14="http://schemas.microsoft.com/office/powerpoint/2010/main" spd="slow">
+        <p:fade/>
+      </p:transition>
+    </mc:Fallback>
+  </mc:AlternateContent>
+</p:sld>
+</file>
+
+<file path=ppt/slides/slide26.xml><?xml version="1.0" encoding="utf-8"?>
+<p:sld xmlns:a="http://schemas.openxmlformats.org/drawingml/2006/main" xmlns:r="http://schemas.openxmlformats.org/officeDocument/2006/relationships" xmlns:p="http://schemas.openxmlformats.org/presentationml/2006/main">
+  <p:cSld>
+    <p:spTree>
+      <p:nvGrpSpPr>
+        <p:cNvPr id="1" name=""/>
+        <p:cNvGrpSpPr/>
+        <p:nvPr/>
+      </p:nvGrpSpPr>
+      <p:grpSpPr>
+        <a:xfrm>
+          <a:off x="0" y="0"/>
+          <a:ext cx="0" cy="0"/>
+          <a:chOff x="0" y="0"/>
+          <a:chExt cx="0" cy="0"/>
+        </a:xfrm>
+      </p:grpSpPr>
+      <p:sp>
+        <p:nvSpPr>
+          <p:cNvPr id="6" name="Titel 5"/>
+          <p:cNvSpPr>
+            <a:spLocks noGrp="1"/>
+          </p:cNvSpPr>
+          <p:nvPr>
+            <p:ph type="title"/>
+          </p:nvPr>
+        </p:nvSpPr>
+        <p:spPr/>
+        <p:txBody>
+          <a:bodyPr/>
+          <a:lstStyle/>
+          <a:p>
+            <a:r>
+              <a:rPr lang="de-CH" dirty="0" smtClean="0"/>
+              <a:t>Fragen?</a:t>
+            </a:r>
+            <a:endParaRPr lang="de-CH" dirty="0"/>
+          </a:p>
+        </p:txBody>
+      </p:sp>
+      <p:sp>
+        <p:nvSpPr>
+          <p:cNvPr id="7" name="Inhaltsplatzhalter 6"/>
+          <p:cNvSpPr>
+            <a:spLocks noGrp="1"/>
+          </p:cNvSpPr>
+          <p:nvPr>
+            <p:ph idx="1"/>
+          </p:nvPr>
+        </p:nvSpPr>
+        <p:spPr/>
+        <p:txBody>
+          <a:bodyPr>
+            <a:noAutofit/>
+          </a:bodyPr>
+          <a:lstStyle/>
+          <a:p>
+            <a:pPr marL="0" indent="0" algn="ctr">
+              <a:buNone/>
+            </a:pPr>
+            <a:r>
+              <a:rPr lang="de-CH" sz="19900" dirty="0" smtClean="0"/>
+              <a:t>?</a:t>
+            </a:r>
+            <a:endParaRPr lang="de-CH" sz="19900" dirty="0"/>
+          </a:p>
+        </p:txBody>
+      </p:sp>
+    </p:spTree>
+    <p:extLst>
+      <p:ext uri="{BB962C8B-B14F-4D97-AF65-F5344CB8AC3E}">
+        <p14:creationId xmlns:p14="http://schemas.microsoft.com/office/powerpoint/2010/main" val="2682229460"/>
+      </p:ext>
+    </p:extLst>
+  </p:cSld>
+  <p:clrMapOvr>
+    <a:masterClrMapping/>
+  </p:clrMapOvr>
+  <mc:AlternateContent xmlns:mc="http://schemas.openxmlformats.org/markup-compatibility/2006" xmlns:p14="http://schemas.microsoft.com/office/powerpoint/2010/main">
+    <mc:Choice Requires="p14">
+      <p:transition spd="slow" p14:dur="1200">
+        <p14:prism/>
+      </p:transition>
+    </mc:Choice>
+    <mc:Fallback xmlns="">
+      <p:transition xmlns:p14="http://schemas.microsoft.com/office/powerpoint/2010/main" spd="slow">
+        <p:fade/>
+      </p:transition>
+    </mc:Fallback>
+  </mc:AlternateContent>
+  <p:timing>
+    <p:tnLst>
+      <p:par>
+        <p:cTn xmlns:p14="http://schemas.microsoft.com/office/powerpoint/2010/main" id="1" dur="indefinite" restart="never" nodeType="tmRoot"/>
+      </p:par>
+    </p:tnLst>
+  </p:timing>
+</p:sld>
+</file>
+
+<file path=ppt/slides/slide27.xml><?xml version="1.0" encoding="utf-8"?>
+<p:sld xmlns:a="http://schemas.openxmlformats.org/drawingml/2006/main" xmlns:r="http://schemas.openxmlformats.org/officeDocument/2006/relationships" xmlns:p="http://schemas.openxmlformats.org/presentationml/2006/main">
+  <p:cSld>
+    <p:spTree>
+      <p:nvGrpSpPr>
+        <p:cNvPr id="1" name=""/>
+        <p:cNvGrpSpPr/>
+        <p:nvPr/>
+      </p:nvGrpSpPr>
+      <p:grpSpPr>
+        <a:xfrm>
+          <a:off x="0" y="0"/>
+          <a:ext cx="0" cy="0"/>
+          <a:chOff x="0" y="0"/>
+          <a:chExt cx="0" cy="0"/>
+        </a:xfrm>
+      </p:grpSpPr>
+      <p:sp>
+        <p:nvSpPr>
+          <p:cNvPr id="2" name="Titel 1"/>
+          <p:cNvSpPr txBox="1">
+            <a:spLocks/>
+          </p:cNvSpPr>
+          <p:nvPr/>
+        </p:nvSpPr>
+        <p:spPr>
+          <a:xfrm>
+            <a:off x="457200" y="2263458"/>
+            <a:ext cx="8229600" cy="1143000"/>
+          </a:xfrm>
+          <a:prstGeom prst="rect">
+            <a:avLst/>
+          </a:prstGeom>
+        </p:spPr>
+        <p:txBody>
+          <a:bodyPr/>
+          <a:lstStyle>
+            <a:lvl1pPr algn="ctr" defTabSz="914400" rtl="0" eaLnBrk="1" latinLnBrk="0" hangingPunct="1">
+              <a:spcBef>
+                <a:spcPct val="0"/>
+              </a:spcBef>
+              <a:buNone/>
+              <a:defRPr sz="4600" kern="1200">
+                <a:solidFill>
+                  <a:schemeClr val="bg1"/>
+                </a:solidFill>
+                <a:latin typeface="+mj-lt"/>
+                <a:ea typeface="+mj-ea"/>
+                <a:cs typeface="+mj-cs"/>
+              </a:defRPr>
+            </a:lvl1pPr>
+          </a:lstStyle>
+          <a:p>
+            <a:r>
+              <a:rPr lang="de-CH" sz="6000" dirty="0" smtClean="0"/>
+              <a:t>Danke für die Aufmerksamkeit!</a:t>
+            </a:r>
+            <a:endParaRPr lang="de-CH" sz="6000" dirty="0"/>
+          </a:p>
+        </p:txBody>
+      </p:sp>
     </p:spTree>
     <p:extLst>
       <p:ext uri="{BB962C8B-B14F-4D97-AF65-F5344CB8AC3E}">
@@ -10272,13 +10789,13 @@
   <p:clrMapOvr>
     <a:masterClrMapping/>
   </p:clrMapOvr>
-  <mc:AlternateContent xmlns:mc="http://schemas.openxmlformats.org/markup-compatibility/2006">
-    <mc:Choice xmlns:p14="http://schemas.microsoft.com/office/powerpoint/2010/main" Requires="p14">
+  <mc:AlternateContent xmlns:mc="http://schemas.openxmlformats.org/markup-compatibility/2006" xmlns:p14="http://schemas.microsoft.com/office/powerpoint/2010/main">
+    <mc:Choice Requires="p14">
       <p:transition spd="slow" p14:dur="1200">
         <p14:prism/>
       </p:transition>
     </mc:Choice>
-    <mc:Fallback>
+    <mc:Fallback xmlns="">
       <p:transition xmlns:p14="http://schemas.microsoft.com/office/powerpoint/2010/main" spd="slow">
         <p:fade/>
       </p:transition>
@@ -10359,11 +10876,7 @@
           <a:p>
             <a:r>
               <a:rPr lang="de-CH" dirty="0" smtClean="0"/>
-              <a:t>Berühmtes </a:t>
-            </a:r>
-            <a:r>
-              <a:rPr lang="de-CH" dirty="0" smtClean="0"/>
-              <a:t>Spiel</a:t>
+              <a:t>Berühmtes Spiel</a:t>
             </a:r>
           </a:p>
           <a:p>
@@ -10468,13 +10981,13 @@
   <p:clrMapOvr>
     <a:masterClrMapping/>
   </p:clrMapOvr>
-  <mc:AlternateContent xmlns:mc="http://schemas.openxmlformats.org/markup-compatibility/2006">
-    <mc:Choice xmlns:p14="http://schemas.microsoft.com/office/powerpoint/2010/main" Requires="p14">
+  <mc:AlternateContent xmlns:mc="http://schemas.openxmlformats.org/markup-compatibility/2006" xmlns:p14="http://schemas.microsoft.com/office/powerpoint/2010/main">
+    <mc:Choice Requires="p14">
       <p:transition spd="slow" p14:dur="1200">
         <p14:prism/>
       </p:transition>
     </mc:Choice>
-    <mc:Fallback>
+    <mc:Fallback xmlns="">
       <p:transition xmlns:p14="http://schemas.microsoft.com/office/powerpoint/2010/main" spd="slow">
         <p:fade/>
       </p:transition>
@@ -11015,13 +11528,13 @@
   <p:clrMapOvr>
     <a:masterClrMapping/>
   </p:clrMapOvr>
-  <mc:AlternateContent xmlns:mc="http://schemas.openxmlformats.org/markup-compatibility/2006">
-    <mc:Choice xmlns:p14="http://schemas.microsoft.com/office/powerpoint/2010/main" Requires="p14">
+  <mc:AlternateContent xmlns:mc="http://schemas.openxmlformats.org/markup-compatibility/2006" xmlns:p14="http://schemas.microsoft.com/office/powerpoint/2010/main">
+    <mc:Choice Requires="p14">
       <p:transition spd="slow" p14:dur="1200">
         <p14:prism/>
       </p:transition>
     </mc:Choice>
-    <mc:Fallback>
+    <mc:Fallback xmlns="">
       <p:transition xmlns:p14="http://schemas.microsoft.com/office/powerpoint/2010/main" spd="slow">
         <p:fade/>
       </p:transition>
@@ -11281,13 +11794,13 @@
   <p:clrMapOvr>
     <a:masterClrMapping/>
   </p:clrMapOvr>
-  <mc:AlternateContent xmlns:mc="http://schemas.openxmlformats.org/markup-compatibility/2006">
-    <mc:Choice xmlns:p14="http://schemas.microsoft.com/office/powerpoint/2010/main" Requires="p14">
+  <mc:AlternateContent xmlns:mc="http://schemas.openxmlformats.org/markup-compatibility/2006" xmlns:p14="http://schemas.microsoft.com/office/powerpoint/2010/main">
+    <mc:Choice Requires="p14">
       <p:transition spd="slow" p14:dur="1200">
         <p14:prism/>
       </p:transition>
     </mc:Choice>
-    <mc:Fallback>
+    <mc:Fallback xmlns="">
       <p:transition xmlns:p14="http://schemas.microsoft.com/office/powerpoint/2010/main" spd="slow">
         <p:fade/>
       </p:transition>
@@ -11827,13 +12340,13 @@
   <p:clrMapOvr>
     <a:masterClrMapping/>
   </p:clrMapOvr>
-  <mc:AlternateContent xmlns:mc="http://schemas.openxmlformats.org/markup-compatibility/2006">
-    <mc:Choice xmlns:p14="http://schemas.microsoft.com/office/powerpoint/2010/main" Requires="p14">
+  <mc:AlternateContent xmlns:mc="http://schemas.openxmlformats.org/markup-compatibility/2006" xmlns:p14="http://schemas.microsoft.com/office/powerpoint/2010/main">
+    <mc:Choice Requires="p14">
       <p:transition spd="slow" p14:dur="1200">
         <p14:prism/>
       </p:transition>
     </mc:Choice>
-    <mc:Fallback>
+    <mc:Fallback xmlns="">
       <p:transition xmlns:p14="http://schemas.microsoft.com/office/powerpoint/2010/main" spd="slow">
         <p:fade/>
       </p:transition>
@@ -12151,13 +12664,13 @@
   <p:clrMapOvr>
     <a:masterClrMapping/>
   </p:clrMapOvr>
-  <mc:AlternateContent xmlns:mc="http://schemas.openxmlformats.org/markup-compatibility/2006">
-    <mc:Choice xmlns:p14="http://schemas.microsoft.com/office/powerpoint/2010/main" Requires="p14">
+  <mc:AlternateContent xmlns:mc="http://schemas.openxmlformats.org/markup-compatibility/2006" xmlns:p14="http://schemas.microsoft.com/office/powerpoint/2010/main">
+    <mc:Choice Requires="p14">
       <p:transition spd="slow" p14:dur="1200">
         <p14:prism/>
       </p:transition>
     </mc:Choice>
-    <mc:Fallback>
+    <mc:Fallback xmlns="">
       <p:transition xmlns:p14="http://schemas.microsoft.com/office/powerpoint/2010/main" spd="slow">
         <p:fade/>
       </p:transition>
@@ -12412,13 +12925,13 @@
   <p:clrMapOvr>
     <a:masterClrMapping/>
   </p:clrMapOvr>
-  <mc:AlternateContent xmlns:mc="http://schemas.openxmlformats.org/markup-compatibility/2006">
-    <mc:Choice xmlns:p14="http://schemas.microsoft.com/office/powerpoint/2010/main" Requires="p14">
+  <mc:AlternateContent xmlns:mc="http://schemas.openxmlformats.org/markup-compatibility/2006" xmlns:p14="http://schemas.microsoft.com/office/powerpoint/2010/main">
+    <mc:Choice Requires="p14">
       <p:transition spd="slow" p14:dur="1200">
         <p14:prism/>
       </p:transition>
     </mc:Choice>
-    <mc:Fallback>
+    <mc:Fallback xmlns="">
       <p:transition xmlns:p14="http://schemas.microsoft.com/office/powerpoint/2010/main" spd="slow">
         <p:fade/>
       </p:transition>
@@ -12571,13 +13084,13 @@
   <p:clrMapOvr>
     <a:masterClrMapping/>
   </p:clrMapOvr>
-  <mc:AlternateContent xmlns:mc="http://schemas.openxmlformats.org/markup-compatibility/2006">
-    <mc:Choice xmlns:p14="http://schemas.microsoft.com/office/powerpoint/2010/main" Requires="p14">
+  <mc:AlternateContent xmlns:mc="http://schemas.openxmlformats.org/markup-compatibility/2006" xmlns:p14="http://schemas.microsoft.com/office/powerpoint/2010/main">
+    <mc:Choice Requires="p14">
       <p:transition spd="slow" p14:dur="1200">
         <p14:prism/>
       </p:transition>
     </mc:Choice>
-    <mc:Fallback>
+    <mc:Fallback xmlns="">
       <p:transition xmlns:p14="http://schemas.microsoft.com/office/powerpoint/2010/main" spd="slow">
         <p:fade/>
       </p:transition>

--- a/Resources/docs/CGR Präsentation.pptx
+++ b/Resources/docs/CGR Präsentation.pptx
@@ -5,7 +5,7 @@
     <p:sldMasterId id="2147483660" r:id="rId1"/>
   </p:sldMasterIdLst>
   <p:notesMasterIdLst>
-    <p:notesMasterId r:id="rId29"/>
+    <p:notesMasterId r:id="rId33"/>
   </p:notesMasterIdLst>
   <p:sldIdLst>
     <p:sldId id="256" r:id="rId2"/>
@@ -15,26 +15,30 @@
     <p:sldId id="260" r:id="rId6"/>
     <p:sldId id="261" r:id="rId7"/>
     <p:sldId id="262" r:id="rId8"/>
-    <p:sldId id="266" r:id="rId9"/>
-    <p:sldId id="263" r:id="rId10"/>
-    <p:sldId id="264" r:id="rId11"/>
-    <p:sldId id="265" r:id="rId12"/>
-    <p:sldId id="273" r:id="rId13"/>
-    <p:sldId id="272" r:id="rId14"/>
-    <p:sldId id="277" r:id="rId15"/>
-    <p:sldId id="268" r:id="rId16"/>
-    <p:sldId id="279" r:id="rId17"/>
-    <p:sldId id="278" r:id="rId18"/>
-    <p:sldId id="269" r:id="rId19"/>
-    <p:sldId id="270" r:id="rId20"/>
-    <p:sldId id="271" r:id="rId21"/>
-    <p:sldId id="280" r:id="rId22"/>
-    <p:sldId id="281" r:id="rId23"/>
-    <p:sldId id="282" r:id="rId24"/>
-    <p:sldId id="283" r:id="rId25"/>
-    <p:sldId id="284" r:id="rId26"/>
-    <p:sldId id="275" r:id="rId27"/>
-    <p:sldId id="274" r:id="rId28"/>
+    <p:sldId id="285" r:id="rId9"/>
+    <p:sldId id="288" r:id="rId10"/>
+    <p:sldId id="287" r:id="rId11"/>
+    <p:sldId id="286" r:id="rId12"/>
+    <p:sldId id="266" r:id="rId13"/>
+    <p:sldId id="263" r:id="rId14"/>
+    <p:sldId id="264" r:id="rId15"/>
+    <p:sldId id="265" r:id="rId16"/>
+    <p:sldId id="273" r:id="rId17"/>
+    <p:sldId id="272" r:id="rId18"/>
+    <p:sldId id="277" r:id="rId19"/>
+    <p:sldId id="268" r:id="rId20"/>
+    <p:sldId id="279" r:id="rId21"/>
+    <p:sldId id="278" r:id="rId22"/>
+    <p:sldId id="269" r:id="rId23"/>
+    <p:sldId id="270" r:id="rId24"/>
+    <p:sldId id="271" r:id="rId25"/>
+    <p:sldId id="280" r:id="rId26"/>
+    <p:sldId id="281" r:id="rId27"/>
+    <p:sldId id="282" r:id="rId28"/>
+    <p:sldId id="283" r:id="rId29"/>
+    <p:sldId id="284" r:id="rId30"/>
+    <p:sldId id="275" r:id="rId31"/>
+    <p:sldId id="274" r:id="rId32"/>
   </p:sldIdLst>
   <p:sldSz cx="9144000" cy="6858000" type="screen4x3"/>
   <p:notesSz cx="6858000" cy="9144000"/>
@@ -145,6 +149,10 @@
             <p14:sldId id="260"/>
             <p14:sldId id="261"/>
             <p14:sldId id="262"/>
+            <p14:sldId id="285"/>
+            <p14:sldId id="288"/>
+            <p14:sldId id="287"/>
+            <p14:sldId id="286"/>
             <p14:sldId id="266"/>
             <p14:sldId id="263"/>
             <p14:sldId id="264"/>
@@ -255,7 +263,7 @@
           <a:p>
             <a:fld id="{789F516F-1FA8-7C41-BBD1-DC2FBAEBBB08}" type="datetimeFigureOut">
               <a:rPr lang="de-DE" smtClean="0"/>
-              <a:t>6/2/13</a:t>
+              <a:t>02.06.13</a:t>
             </a:fld>
             <a:endParaRPr lang="de-CH"/>
           </a:p>
@@ -414,7 +422,7 @@
           <a:p>
             <a:fld id="{458936C2-DE73-2746-BFC2-272EF4250367}" type="slidenum">
               <a:rPr lang="de-CH" smtClean="0"/>
-              <a:t>‹#›</a:t>
+              <a:t>‹Nr.›</a:t>
             </a:fld>
             <a:endParaRPr lang="de-CH"/>
           </a:p>
@@ -588,7 +596,7 @@
           <a:p>
             <a:fld id="{458936C2-DE73-2746-BFC2-272EF4250367}" type="slidenum">
               <a:rPr lang="de-CH" smtClean="0"/>
-              <a:t>13</a:t>
+              <a:t>17</a:t>
             </a:fld>
             <a:endParaRPr lang="de-CH"/>
           </a:p>
@@ -803,7 +811,7 @@
           <a:p>
             <a:fld id="{679BC7E7-EA8E-4DA7-915E-CC098D9BADCB}" type="datetimeFigureOut">
               <a:rPr lang="en-US" smtClean="0"/>
-              <a:t>6/2/13</a:t>
+              <a:t>02.06.13</a:t>
             </a:fld>
             <a:endParaRPr lang="en-US"/>
           </a:p>
@@ -845,7 +853,7 @@
           <a:p>
             <a:fld id="{9F2F5E10-5301-4EE6-90D2-A6C4A3F62BED}" type="slidenum">
               <a:rPr lang="en-US" smtClean="0"/>
-              <a:t>‹#›</a:t>
+              <a:t>‹Nr.›</a:t>
             </a:fld>
             <a:endParaRPr lang="en-US"/>
           </a:p>
@@ -944,7 +952,7 @@
           <a:p>
             <a:fld id="{679BC7E7-EA8E-4DA7-915E-CC098D9BADCB}" type="datetimeFigureOut">
               <a:rPr lang="en-US" smtClean="0"/>
-              <a:t>6/2/13</a:t>
+              <a:t>02.06.13</a:t>
             </a:fld>
             <a:endParaRPr lang="en-US"/>
           </a:p>
@@ -986,7 +994,7 @@
           <a:p>
             <a:fld id="{9F2F5E10-5301-4EE6-90D2-A6C4A3F62BED}" type="slidenum">
               <a:rPr lang="en-US" smtClean="0"/>
-              <a:t>‹#›</a:t>
+              <a:t>‹Nr.›</a:t>
             </a:fld>
             <a:endParaRPr lang="en-US"/>
           </a:p>
@@ -1261,7 +1269,7 @@
           <a:p>
             <a:fld id="{679BC7E7-EA8E-4DA7-915E-CC098D9BADCB}" type="datetimeFigureOut">
               <a:rPr lang="en-US" smtClean="0"/>
-              <a:t>6/2/13</a:t>
+              <a:t>02.06.13</a:t>
             </a:fld>
             <a:endParaRPr lang="en-US"/>
           </a:p>
@@ -1303,7 +1311,7 @@
           <a:p>
             <a:fld id="{9F2F5E10-5301-4EE6-90D2-A6C4A3F62BED}" type="slidenum">
               <a:rPr lang="en-US" smtClean="0"/>
-              <a:t>‹#›</a:t>
+              <a:t>‹Nr.›</a:t>
             </a:fld>
             <a:endParaRPr lang="en-US"/>
           </a:p>
@@ -1498,7 +1506,7 @@
           <a:p>
             <a:fld id="{679BC7E7-EA8E-4DA7-915E-CC098D9BADCB}" type="datetimeFigureOut">
               <a:rPr lang="en-US" smtClean="0"/>
-              <a:t>6/2/13</a:t>
+              <a:t>02.06.13</a:t>
             </a:fld>
             <a:endParaRPr lang="en-US"/>
           </a:p>
@@ -1540,7 +1548,7 @@
           <a:p>
             <a:fld id="{9F2F5E10-5301-4EE6-90D2-A6C4A3F62BED}" type="slidenum">
               <a:rPr lang="en-US" smtClean="0"/>
-              <a:t>‹#›</a:t>
+              <a:t>‹Nr.›</a:t>
             </a:fld>
             <a:endParaRPr lang="en-US"/>
           </a:p>
@@ -1780,7 +1788,7 @@
           <a:p>
             <a:fld id="{679BC7E7-EA8E-4DA7-915E-CC098D9BADCB}" type="datetimeFigureOut">
               <a:rPr lang="en-US" smtClean="0"/>
-              <a:t>6/2/13</a:t>
+              <a:t>02.06.13</a:t>
             </a:fld>
             <a:endParaRPr lang="en-US"/>
           </a:p>
@@ -1822,7 +1830,7 @@
           <a:p>
             <a:fld id="{9F2F5E10-5301-4EE6-90D2-A6C4A3F62BED}" type="slidenum">
               <a:rPr lang="en-US" smtClean="0"/>
-              <a:t>‹#›</a:t>
+              <a:t>‹Nr.›</a:t>
             </a:fld>
             <a:endParaRPr lang="en-US"/>
           </a:p>
@@ -2117,7 +2125,7 @@
           <a:p>
             <a:fld id="{679BC7E7-EA8E-4DA7-915E-CC098D9BADCB}" type="datetimeFigureOut">
               <a:rPr lang="en-US" smtClean="0"/>
-              <a:t>6/2/13</a:t>
+              <a:t>02.06.13</a:t>
             </a:fld>
             <a:endParaRPr lang="en-US"/>
           </a:p>
@@ -2159,7 +2167,7 @@
           <a:p>
             <a:fld id="{9F2F5E10-5301-4EE6-90D2-A6C4A3F62BED}" type="slidenum">
               <a:rPr lang="en-US" smtClean="0"/>
-              <a:t>‹#›</a:t>
+              <a:t>‹Nr.›</a:t>
             </a:fld>
             <a:endParaRPr lang="en-US"/>
           </a:p>
@@ -2322,7 +2330,7 @@
           <a:p>
             <a:fld id="{679BC7E7-EA8E-4DA7-915E-CC098D9BADCB}" type="datetimeFigureOut">
               <a:rPr lang="en-US" smtClean="0"/>
-              <a:t>6/2/13</a:t>
+              <a:t>02.06.13</a:t>
             </a:fld>
             <a:endParaRPr lang="en-US"/>
           </a:p>
@@ -2364,7 +2372,7 @@
           <a:p>
             <a:fld id="{9F2F5E10-5301-4EE6-90D2-A6C4A3F62BED}" type="slidenum">
               <a:rPr lang="en-US" smtClean="0"/>
-              <a:t>‹#›</a:t>
+              <a:t>‹Nr.›</a:t>
             </a:fld>
             <a:endParaRPr lang="en-US"/>
           </a:p>
@@ -2438,7 +2446,7 @@
           <a:p>
             <a:fld id="{679BC7E7-EA8E-4DA7-915E-CC098D9BADCB}" type="datetimeFigureOut">
               <a:rPr lang="en-US" smtClean="0"/>
-              <a:t>6/2/13</a:t>
+              <a:t>02.06.13</a:t>
             </a:fld>
             <a:endParaRPr lang="en-US"/>
           </a:p>
@@ -2480,7 +2488,7 @@
           <a:p>
             <a:fld id="{9F2F5E10-5301-4EE6-90D2-A6C4A3F62BED}" type="slidenum">
               <a:rPr lang="en-US" smtClean="0"/>
-              <a:t>‹#›</a:t>
+              <a:t>‹Nr.›</a:t>
             </a:fld>
             <a:endParaRPr lang="en-US"/>
           </a:p>
@@ -2619,7 +2627,7 @@
           <a:p>
             <a:fld id="{679BC7E7-EA8E-4DA7-915E-CC098D9BADCB}" type="datetimeFigureOut">
               <a:rPr lang="en-US" smtClean="0"/>
-              <a:t>6/2/13</a:t>
+              <a:t>02.06.13</a:t>
             </a:fld>
             <a:endParaRPr lang="en-US"/>
           </a:p>
@@ -2661,7 +2669,7 @@
           <a:p>
             <a:fld id="{9F2F5E10-5301-4EE6-90D2-A6C4A3F62BED}" type="slidenum">
               <a:rPr lang="en-US" smtClean="0"/>
-              <a:t>‹#›</a:t>
+              <a:t>‹Nr.›</a:t>
             </a:fld>
             <a:endParaRPr lang="en-US"/>
           </a:p>
@@ -2895,7 +2903,7 @@
           <a:p>
             <a:fld id="{679BC7E7-EA8E-4DA7-915E-CC098D9BADCB}" type="datetimeFigureOut">
               <a:rPr lang="en-US" smtClean="0"/>
-              <a:t>6/2/13</a:t>
+              <a:t>02.06.13</a:t>
             </a:fld>
             <a:endParaRPr lang="en-US"/>
           </a:p>
@@ -2950,7 +2958,7 @@
           <a:p>
             <a:fld id="{9F2F5E10-5301-4EE6-90D2-A6C4A3F62BED}" type="slidenum">
               <a:rPr lang="en-US" smtClean="0"/>
-              <a:t>‹#›</a:t>
+              <a:t>‹Nr.›</a:t>
             </a:fld>
             <a:endParaRPr lang="en-US"/>
           </a:p>
@@ -3241,7 +3249,7 @@
           <a:p>
             <a:fld id="{679BC7E7-EA8E-4DA7-915E-CC098D9BADCB}" type="datetimeFigureOut">
               <a:rPr lang="en-US" smtClean="0"/>
-              <a:t>6/2/13</a:t>
+              <a:t>02.06.13</a:t>
             </a:fld>
             <a:endParaRPr lang="en-US"/>
           </a:p>
@@ -3283,7 +3291,7 @@
           <a:p>
             <a:fld id="{9F2F5E10-5301-4EE6-90D2-A6C4A3F62BED}" type="slidenum">
               <a:rPr lang="en-US" smtClean="0"/>
-              <a:t>‹#›</a:t>
+              <a:t>‹Nr.›</a:t>
             </a:fld>
             <a:endParaRPr lang="en-US"/>
           </a:p>
@@ -3694,7 +3702,7 @@
           <a:p>
             <a:fld id="{679BC7E7-EA8E-4DA7-915E-CC098D9BADCB}" type="datetimeFigureOut">
               <a:rPr lang="en-US" smtClean="0"/>
-              <a:t>6/2/13</a:t>
+              <a:t>02.06.13</a:t>
             </a:fld>
             <a:endParaRPr lang="en-US"/>
           </a:p>
@@ -3736,7 +3744,7 @@
           <a:p>
             <a:fld id="{9F2F5E10-5301-4EE6-90D2-A6C4A3F62BED}" type="slidenum">
               <a:rPr lang="en-US" smtClean="0"/>
-              <a:t>‹#›</a:t>
+              <a:t>‹Nr.›</a:t>
             </a:fld>
             <a:endParaRPr lang="en-US"/>
           </a:p>
@@ -3904,7 +3912,7 @@
           <a:p>
             <a:fld id="{679BC7E7-EA8E-4DA7-915E-CC098D9BADCB}" type="datetimeFigureOut">
               <a:rPr lang="en-US" smtClean="0"/>
-              <a:t>6/2/13</a:t>
+              <a:t>02.06.13</a:t>
             </a:fld>
             <a:endParaRPr lang="en-US"/>
           </a:p>
@@ -3946,7 +3954,7 @@
           <a:p>
             <a:fld id="{9F2F5E10-5301-4EE6-90D2-A6C4A3F62BED}" type="slidenum">
               <a:rPr lang="en-US" smtClean="0"/>
-              <a:t>‹#›</a:t>
+              <a:t>‹Nr.›</a:t>
             </a:fld>
             <a:endParaRPr lang="en-US"/>
           </a:p>
@@ -4199,7 +4207,7 @@
           <a:p>
             <a:fld id="{679BC7E7-EA8E-4DA7-915E-CC098D9BADCB}" type="datetimeFigureOut">
               <a:rPr lang="en-US" smtClean="0"/>
-              <a:t>6/2/13</a:t>
+              <a:t>02.06.13</a:t>
             </a:fld>
             <a:endParaRPr lang="en-US"/>
           </a:p>
@@ -4241,7 +4249,7 @@
           <a:p>
             <a:fld id="{9F2F5E10-5301-4EE6-90D2-A6C4A3F62BED}" type="slidenum">
               <a:rPr lang="en-US" smtClean="0"/>
-              <a:t>‹#›</a:t>
+              <a:t>‹Nr.›</a:t>
             </a:fld>
             <a:endParaRPr lang="en-US"/>
           </a:p>
@@ -4579,7 +4587,7 @@
           <a:p>
             <a:fld id="{679BC7E7-EA8E-4DA7-915E-CC098D9BADCB}" type="datetimeFigureOut">
               <a:rPr lang="en-US" smtClean="0"/>
-              <a:t>6/2/13</a:t>
+              <a:t>02.06.13</a:t>
             </a:fld>
             <a:endParaRPr lang="en-US"/>
           </a:p>
@@ -4621,7 +4629,7 @@
           <a:p>
             <a:fld id="{9F2F5E10-5301-4EE6-90D2-A6C4A3F62BED}" type="slidenum">
               <a:rPr lang="en-US" smtClean="0"/>
-              <a:t>‹#›</a:t>
+              <a:t>‹Nr.›</a:t>
             </a:fld>
             <a:endParaRPr lang="en-US"/>
           </a:p>
@@ -5087,7 +5095,7 @@
           <a:p>
             <a:fld id="{679BC7E7-EA8E-4DA7-915E-CC098D9BADCB}" type="datetimeFigureOut">
               <a:rPr lang="en-US" smtClean="0"/>
-              <a:t>6/2/13</a:t>
+              <a:t>02.06.13</a:t>
             </a:fld>
             <a:endParaRPr lang="en-US"/>
           </a:p>
@@ -5129,7 +5137,7 @@
           <a:p>
             <a:fld id="{9F2F5E10-5301-4EE6-90D2-A6C4A3F62BED}" type="slidenum">
               <a:rPr lang="en-US" smtClean="0"/>
-              <a:t>‹#›</a:t>
+              <a:t>‹Nr.›</a:t>
             </a:fld>
             <a:endParaRPr lang="en-US"/>
           </a:p>
@@ -5308,7 +5316,7 @@
           <a:p>
             <a:fld id="{679BC7E7-EA8E-4DA7-915E-CC098D9BADCB}" type="datetimeFigureOut">
               <a:rPr lang="en-US" smtClean="0"/>
-              <a:t>6/2/13</a:t>
+              <a:t>02.06.13</a:t>
             </a:fld>
             <a:endParaRPr lang="en-US"/>
           </a:p>
@@ -5388,7 +5396,7 @@
           <a:p>
             <a:fld id="{9F2F5E10-5301-4EE6-90D2-A6C4A3F62BED}" type="slidenum">
               <a:rPr lang="en-US" smtClean="0"/>
-              <a:t>‹#›</a:t>
+              <a:t>‹Nr.›</a:t>
             </a:fld>
             <a:endParaRPr lang="en-US"/>
           </a:p>
@@ -5898,6 +5906,1725 @@
           <a:p>
             <a:r>
               <a:rPr lang="de-CH" dirty="0" smtClean="0"/>
+              <a:t>Blöcke</a:t>
+            </a:r>
+            <a:endParaRPr lang="de-CH" dirty="0"/>
+          </a:p>
+        </p:txBody>
+      </p:sp>
+      <p:sp>
+        <p:nvSpPr>
+          <p:cNvPr id="3" name="Inhaltsplatzhalter 2"/>
+          <p:cNvSpPr>
+            <a:spLocks noGrp="1"/>
+          </p:cNvSpPr>
+          <p:nvPr>
+            <p:ph idx="1"/>
+          </p:nvPr>
+        </p:nvSpPr>
+        <p:spPr/>
+        <p:txBody>
+          <a:bodyPr/>
+          <a:lstStyle/>
+          <a:p>
+            <a:r>
+              <a:rPr lang="de-CH" dirty="0" smtClean="0"/>
+              <a:t>Item Block</a:t>
+            </a:r>
+          </a:p>
+          <a:p>
+            <a:r>
+              <a:rPr lang="de-CH" dirty="0" smtClean="0"/>
+              <a:t>Zerstörbare Blöcke</a:t>
+            </a:r>
+            <a:endParaRPr lang="de-CH" dirty="0"/>
+          </a:p>
+        </p:txBody>
+      </p:sp>
+      <p:pic>
+        <p:nvPicPr>
+          <p:cNvPr id="5" name="Bild 4"/>
+          <p:cNvPicPr>
+            <a:picLocks noChangeAspect="1"/>
+          </p:cNvPicPr>
+          <p:nvPr/>
+        </p:nvPicPr>
+        <p:blipFill>
+          <a:blip r:embed="rId2">
+            <a:extLst>
+              <a:ext uri="{BEBA8EAE-BF5A-486C-A8C5-ECC9F3942E4B}">
+                <a14:imgProps xmlns:a14="http://schemas.microsoft.com/office/drawing/2010/main">
+                  <a14:imgLayer r:embed="rId3">
+                    <a14:imgEffect>
+                      <a14:backgroundRemoval t="3813" b="95813" l="4250" r="97250"/>
+                    </a14:imgEffect>
+                  </a14:imgLayer>
+                </a14:imgProps>
+              </a:ext>
+            </a:extLst>
+          </a:blip>
+          <a:stretch>
+            <a:fillRect/>
+          </a:stretch>
+        </p:blipFill>
+        <p:spPr>
+          <a:xfrm>
+            <a:off x="5865849" y="2770094"/>
+            <a:ext cx="2315912" cy="2315912"/>
+          </a:xfrm>
+          <a:prstGeom prst="rect">
+            <a:avLst/>
+          </a:prstGeom>
+        </p:spPr>
+      </p:pic>
+      <p:pic>
+        <p:nvPicPr>
+          <p:cNvPr id="6" name="Bild 5" descr="world-1.gif"/>
+          <p:cNvPicPr>
+            <a:picLocks noChangeAspect="1"/>
+          </p:cNvPicPr>
+          <p:nvPr/>
+        </p:nvPicPr>
+        <p:blipFill>
+          <a:blip r:embed="rId4">
+            <a:extLst>
+              <a:ext uri="{28A0092B-C50C-407E-A947-70E740481C1C}">
+                <a14:useLocalDpi xmlns:a14="http://schemas.microsoft.com/office/drawing/2010/main" val="0"/>
+              </a:ext>
+            </a:extLst>
+          </a:blip>
+          <a:stretch>
+            <a:fillRect/>
+          </a:stretch>
+        </p:blipFill>
+        <p:spPr>
+          <a:xfrm>
+            <a:off x="6750581" y="2903417"/>
+            <a:ext cx="1317521" cy="1317521"/>
+          </a:xfrm>
+          <a:prstGeom prst="rect">
+            <a:avLst/>
+          </a:prstGeom>
+        </p:spPr>
+      </p:pic>
+      <p:pic>
+        <p:nvPicPr>
+          <p:cNvPr id="7" name="Bild 6" descr="world-2.gif"/>
+          <p:cNvPicPr>
+            <a:picLocks noChangeAspect="1"/>
+          </p:cNvPicPr>
+          <p:nvPr/>
+        </p:nvPicPr>
+        <p:blipFill>
+          <a:blip r:embed="rId5">
+            <a:extLst>
+              <a:ext uri="{28A0092B-C50C-407E-A947-70E740481C1C}">
+                <a14:useLocalDpi xmlns:a14="http://schemas.microsoft.com/office/drawing/2010/main" val="0"/>
+              </a:ext>
+            </a:extLst>
+          </a:blip>
+          <a:stretch>
+            <a:fillRect/>
+          </a:stretch>
+        </p:blipFill>
+        <p:spPr>
+          <a:xfrm>
+            <a:off x="5433060" y="3562177"/>
+            <a:ext cx="1317521" cy="1317521"/>
+          </a:xfrm>
+          <a:prstGeom prst="rect">
+            <a:avLst/>
+          </a:prstGeom>
+        </p:spPr>
+      </p:pic>
+      <p:pic>
+        <p:nvPicPr>
+          <p:cNvPr id="8" name="Bild 7" descr="world-3.gif"/>
+          <p:cNvPicPr>
+            <a:picLocks noChangeAspect="1"/>
+          </p:cNvPicPr>
+          <p:nvPr/>
+        </p:nvPicPr>
+        <p:blipFill>
+          <a:blip r:embed="rId6">
+            <a:extLst>
+              <a:ext uri="{28A0092B-C50C-407E-A947-70E740481C1C}">
+                <a14:useLocalDpi xmlns:a14="http://schemas.microsoft.com/office/drawing/2010/main" val="0"/>
+              </a:ext>
+            </a:extLst>
+          </a:blip>
+          <a:stretch>
+            <a:fillRect/>
+          </a:stretch>
+        </p:blipFill>
+        <p:spPr>
+          <a:xfrm>
+            <a:off x="6750581" y="4207132"/>
+            <a:ext cx="1317521" cy="1317521"/>
+          </a:xfrm>
+          <a:prstGeom prst="rect">
+            <a:avLst/>
+          </a:prstGeom>
+        </p:spPr>
+      </p:pic>
+    </p:spTree>
+    <p:extLst>
+      <p:ext uri="{BB962C8B-B14F-4D97-AF65-F5344CB8AC3E}">
+        <p14:creationId xmlns:p14="http://schemas.microsoft.com/office/powerpoint/2010/main" val="6677563"/>
+      </p:ext>
+    </p:extLst>
+  </p:cSld>
+  <p:clrMapOvr>
+    <a:masterClrMapping/>
+  </p:clrMapOvr>
+  <mc:AlternateContent xmlns:mc="http://schemas.openxmlformats.org/markup-compatibility/2006" xmlns:p14="http://schemas.microsoft.com/office/powerpoint/2010/main">
+    <mc:Choice Requires="p14">
+      <p:transition spd="slow" p14:dur="1200">
+        <p14:prism/>
+      </p:transition>
+    </mc:Choice>
+    <mc:Fallback xmlns="">
+      <p:transition xmlns:p14="http://schemas.microsoft.com/office/powerpoint/2010/main" spd="slow">
+        <p:fade/>
+      </p:transition>
+    </mc:Fallback>
+  </mc:AlternateContent>
+  <p:timing>
+    <p:tnLst>
+      <p:par>
+        <p:cTn xmlns:p14="http://schemas.microsoft.com/office/powerpoint/2010/main" id="1" dur="indefinite" restart="never" nodeType="tmRoot">
+          <p:childTnLst>
+            <p:seq concurrent="1" nextAc="seek">
+              <p:cTn id="2" dur="indefinite" nodeType="mainSeq">
+                <p:childTnLst>
+                  <p:par>
+                    <p:cTn id="3" fill="hold">
+                      <p:stCondLst>
+                        <p:cond delay="indefinite"/>
+                      </p:stCondLst>
+                      <p:childTnLst>
+                        <p:par>
+                          <p:cTn id="4" fill="hold">
+                            <p:stCondLst>
+                              <p:cond delay="0"/>
+                            </p:stCondLst>
+                            <p:childTnLst>
+                              <p:par>
+                                <p:cTn id="5" presetID="1" presetClass="entr" presetSubtype="0" fill="hold" nodeType="clickEffect">
+                                  <p:stCondLst>
+                                    <p:cond delay="0"/>
+                                  </p:stCondLst>
+                                  <p:childTnLst>
+                                    <p:set>
+                                      <p:cBhvr>
+                                        <p:cTn id="6" dur="1" fill="hold">
+                                          <p:stCondLst>
+                                            <p:cond delay="0"/>
+                                          </p:stCondLst>
+                                        </p:cTn>
+                                        <p:tgtEl>
+                                          <p:spTgt spid="3">
+                                            <p:txEl>
+                                              <p:pRg st="0" end="0"/>
+                                            </p:txEl>
+                                          </p:spTgt>
+                                        </p:tgtEl>
+                                        <p:attrNameLst>
+                                          <p:attrName>style.visibility</p:attrName>
+                                        </p:attrNameLst>
+                                      </p:cBhvr>
+                                      <p:to>
+                                        <p:strVal val="visible"/>
+                                      </p:to>
+                                    </p:set>
+                                  </p:childTnLst>
+                                </p:cTn>
+                              </p:par>
+                            </p:childTnLst>
+                          </p:cTn>
+                        </p:par>
+                      </p:childTnLst>
+                    </p:cTn>
+                  </p:par>
+                  <p:par>
+                    <p:cTn id="7" fill="hold">
+                      <p:stCondLst>
+                        <p:cond delay="indefinite"/>
+                      </p:stCondLst>
+                      <p:childTnLst>
+                        <p:par>
+                          <p:cTn id="8" fill="hold">
+                            <p:stCondLst>
+                              <p:cond delay="0"/>
+                            </p:stCondLst>
+                            <p:childTnLst>
+                              <p:par>
+                                <p:cTn id="9" presetID="1" presetClass="entr" presetSubtype="0" fill="hold" nodeType="clickEffect">
+                                  <p:stCondLst>
+                                    <p:cond delay="0"/>
+                                  </p:stCondLst>
+                                  <p:childTnLst>
+                                    <p:set>
+                                      <p:cBhvr>
+                                        <p:cTn id="10" dur="1" fill="hold">
+                                          <p:stCondLst>
+                                            <p:cond delay="0"/>
+                                          </p:stCondLst>
+                                        </p:cTn>
+                                        <p:tgtEl>
+                                          <p:spTgt spid="5"/>
+                                        </p:tgtEl>
+                                        <p:attrNameLst>
+                                          <p:attrName>style.visibility</p:attrName>
+                                        </p:attrNameLst>
+                                      </p:cBhvr>
+                                      <p:to>
+                                        <p:strVal val="visible"/>
+                                      </p:to>
+                                    </p:set>
+                                  </p:childTnLst>
+                                </p:cTn>
+                              </p:par>
+                            </p:childTnLst>
+                          </p:cTn>
+                        </p:par>
+                      </p:childTnLst>
+                    </p:cTn>
+                  </p:par>
+                  <p:par>
+                    <p:cTn id="11" fill="hold">
+                      <p:stCondLst>
+                        <p:cond delay="indefinite"/>
+                      </p:stCondLst>
+                      <p:childTnLst>
+                        <p:par>
+                          <p:cTn id="12" fill="hold">
+                            <p:stCondLst>
+                              <p:cond delay="0"/>
+                            </p:stCondLst>
+                            <p:childTnLst>
+                              <p:par>
+                                <p:cTn id="13" presetID="1" presetClass="exit" presetSubtype="0" fill="hold" nodeType="clickEffect">
+                                  <p:stCondLst>
+                                    <p:cond delay="0"/>
+                                  </p:stCondLst>
+                                  <p:childTnLst>
+                                    <p:set>
+                                      <p:cBhvr>
+                                        <p:cTn id="14" dur="1" fill="hold">
+                                          <p:stCondLst>
+                                            <p:cond delay="0"/>
+                                          </p:stCondLst>
+                                        </p:cTn>
+                                        <p:tgtEl>
+                                          <p:spTgt spid="5"/>
+                                        </p:tgtEl>
+                                        <p:attrNameLst>
+                                          <p:attrName>style.visibility</p:attrName>
+                                        </p:attrNameLst>
+                                      </p:cBhvr>
+                                      <p:to>
+                                        <p:strVal val="hidden"/>
+                                      </p:to>
+                                    </p:set>
+                                  </p:childTnLst>
+                                </p:cTn>
+                              </p:par>
+                            </p:childTnLst>
+                          </p:cTn>
+                        </p:par>
+                      </p:childTnLst>
+                    </p:cTn>
+                  </p:par>
+                  <p:par>
+                    <p:cTn id="15" fill="hold">
+                      <p:stCondLst>
+                        <p:cond delay="indefinite"/>
+                      </p:stCondLst>
+                      <p:childTnLst>
+                        <p:par>
+                          <p:cTn id="16" fill="hold">
+                            <p:stCondLst>
+                              <p:cond delay="0"/>
+                            </p:stCondLst>
+                            <p:childTnLst>
+                              <p:par>
+                                <p:cTn id="17" presetID="1" presetClass="entr" presetSubtype="0" fill="hold" nodeType="clickEffect">
+                                  <p:stCondLst>
+                                    <p:cond delay="0"/>
+                                  </p:stCondLst>
+                                  <p:childTnLst>
+                                    <p:set>
+                                      <p:cBhvr>
+                                        <p:cTn id="18" dur="1" fill="hold">
+                                          <p:stCondLst>
+                                            <p:cond delay="0"/>
+                                          </p:stCondLst>
+                                        </p:cTn>
+                                        <p:tgtEl>
+                                          <p:spTgt spid="3">
+                                            <p:txEl>
+                                              <p:pRg st="1" end="1"/>
+                                            </p:txEl>
+                                          </p:spTgt>
+                                        </p:tgtEl>
+                                        <p:attrNameLst>
+                                          <p:attrName>style.visibility</p:attrName>
+                                        </p:attrNameLst>
+                                      </p:cBhvr>
+                                      <p:to>
+                                        <p:strVal val="visible"/>
+                                      </p:to>
+                                    </p:set>
+                                  </p:childTnLst>
+                                </p:cTn>
+                              </p:par>
+                            </p:childTnLst>
+                          </p:cTn>
+                        </p:par>
+                      </p:childTnLst>
+                    </p:cTn>
+                  </p:par>
+                  <p:par>
+                    <p:cTn id="19" fill="hold">
+                      <p:stCondLst>
+                        <p:cond delay="indefinite"/>
+                      </p:stCondLst>
+                      <p:childTnLst>
+                        <p:par>
+                          <p:cTn id="20" fill="hold">
+                            <p:stCondLst>
+                              <p:cond delay="0"/>
+                            </p:stCondLst>
+                            <p:childTnLst>
+                              <p:par>
+                                <p:cTn id="21" presetID="1" presetClass="entr" presetSubtype="0" fill="hold" nodeType="clickEffect">
+                                  <p:stCondLst>
+                                    <p:cond delay="0"/>
+                                  </p:stCondLst>
+                                  <p:childTnLst>
+                                    <p:set>
+                                      <p:cBhvr>
+                                        <p:cTn id="22" dur="1" fill="hold">
+                                          <p:stCondLst>
+                                            <p:cond delay="0"/>
+                                          </p:stCondLst>
+                                        </p:cTn>
+                                        <p:tgtEl>
+                                          <p:spTgt spid="6"/>
+                                        </p:tgtEl>
+                                        <p:attrNameLst>
+                                          <p:attrName>style.visibility</p:attrName>
+                                        </p:attrNameLst>
+                                      </p:cBhvr>
+                                      <p:to>
+                                        <p:strVal val="visible"/>
+                                      </p:to>
+                                    </p:set>
+                                  </p:childTnLst>
+                                </p:cTn>
+                              </p:par>
+                            </p:childTnLst>
+                          </p:cTn>
+                        </p:par>
+                      </p:childTnLst>
+                    </p:cTn>
+                  </p:par>
+                  <p:par>
+                    <p:cTn id="23" fill="hold">
+                      <p:stCondLst>
+                        <p:cond delay="indefinite"/>
+                      </p:stCondLst>
+                      <p:childTnLst>
+                        <p:par>
+                          <p:cTn id="24" fill="hold">
+                            <p:stCondLst>
+                              <p:cond delay="0"/>
+                            </p:stCondLst>
+                            <p:childTnLst>
+                              <p:par>
+                                <p:cTn id="25" presetID="1" presetClass="entr" presetSubtype="0" fill="hold" nodeType="clickEffect">
+                                  <p:stCondLst>
+                                    <p:cond delay="0"/>
+                                  </p:stCondLst>
+                                  <p:childTnLst>
+                                    <p:set>
+                                      <p:cBhvr>
+                                        <p:cTn id="26" dur="1" fill="hold">
+                                          <p:stCondLst>
+                                            <p:cond delay="0"/>
+                                          </p:stCondLst>
+                                        </p:cTn>
+                                        <p:tgtEl>
+                                          <p:spTgt spid="8"/>
+                                        </p:tgtEl>
+                                        <p:attrNameLst>
+                                          <p:attrName>style.visibility</p:attrName>
+                                        </p:attrNameLst>
+                                      </p:cBhvr>
+                                      <p:to>
+                                        <p:strVal val="visible"/>
+                                      </p:to>
+                                    </p:set>
+                                  </p:childTnLst>
+                                </p:cTn>
+                              </p:par>
+                            </p:childTnLst>
+                          </p:cTn>
+                        </p:par>
+                      </p:childTnLst>
+                    </p:cTn>
+                  </p:par>
+                  <p:par>
+                    <p:cTn id="27" fill="hold">
+                      <p:stCondLst>
+                        <p:cond delay="indefinite"/>
+                      </p:stCondLst>
+                      <p:childTnLst>
+                        <p:par>
+                          <p:cTn id="28" fill="hold">
+                            <p:stCondLst>
+                              <p:cond delay="0"/>
+                            </p:stCondLst>
+                            <p:childTnLst>
+                              <p:par>
+                                <p:cTn id="29" presetID="1" presetClass="entr" presetSubtype="0" fill="hold" nodeType="clickEffect">
+                                  <p:stCondLst>
+                                    <p:cond delay="0"/>
+                                  </p:stCondLst>
+                                  <p:childTnLst>
+                                    <p:set>
+                                      <p:cBhvr>
+                                        <p:cTn id="30" dur="1" fill="hold">
+                                          <p:stCondLst>
+                                            <p:cond delay="0"/>
+                                          </p:stCondLst>
+                                        </p:cTn>
+                                        <p:tgtEl>
+                                          <p:spTgt spid="7"/>
+                                        </p:tgtEl>
+                                        <p:attrNameLst>
+                                          <p:attrName>style.visibility</p:attrName>
+                                        </p:attrNameLst>
+                                      </p:cBhvr>
+                                      <p:to>
+                                        <p:strVal val="visible"/>
+                                      </p:to>
+                                    </p:set>
+                                  </p:childTnLst>
+                                </p:cTn>
+                              </p:par>
+                            </p:childTnLst>
+                          </p:cTn>
+                        </p:par>
+                      </p:childTnLst>
+                    </p:cTn>
+                  </p:par>
+                </p:childTnLst>
+              </p:cTn>
+              <p:prevCondLst>
+                <p:cond evt="onPrev" delay="0">
+                  <p:tgtEl>
+                    <p:sldTgt/>
+                  </p:tgtEl>
+                </p:cond>
+              </p:prevCondLst>
+              <p:nextCondLst>
+                <p:cond evt="onNext" delay="0">
+                  <p:tgtEl>
+                    <p:sldTgt/>
+                  </p:tgtEl>
+                </p:cond>
+              </p:nextCondLst>
+            </p:seq>
+          </p:childTnLst>
+        </p:cTn>
+      </p:par>
+    </p:tnLst>
+  </p:timing>
+</p:sld>
+</file>
+
+<file path=ppt/slides/slide11.xml><?xml version="1.0" encoding="utf-8"?>
+<p:sld xmlns:a="http://schemas.openxmlformats.org/drawingml/2006/main" xmlns:r="http://schemas.openxmlformats.org/officeDocument/2006/relationships" xmlns:p="http://schemas.openxmlformats.org/presentationml/2006/main">
+  <p:cSld>
+    <p:spTree>
+      <p:nvGrpSpPr>
+        <p:cNvPr id="1" name=""/>
+        <p:cNvGrpSpPr/>
+        <p:nvPr/>
+      </p:nvGrpSpPr>
+      <p:grpSpPr>
+        <a:xfrm>
+          <a:off x="0" y="0"/>
+          <a:ext cx="0" cy="0"/>
+          <a:chOff x="0" y="0"/>
+          <a:chExt cx="0" cy="0"/>
+        </a:xfrm>
+      </p:grpSpPr>
+      <p:sp>
+        <p:nvSpPr>
+          <p:cNvPr id="3" name="Inhaltsplatzhalter 2"/>
+          <p:cNvSpPr>
+            <a:spLocks noGrp="1"/>
+          </p:cNvSpPr>
+          <p:nvPr>
+            <p:ph idx="1"/>
+          </p:nvPr>
+        </p:nvSpPr>
+        <p:spPr/>
+        <p:txBody>
+          <a:bodyPr/>
+          <a:lstStyle/>
+          <a:p>
+            <a:r>
+              <a:rPr lang="de-CH" dirty="0" err="1" smtClean="0"/>
+              <a:t>Gumba</a:t>
+            </a:r>
+            <a:endParaRPr lang="de-CH" dirty="0" smtClean="0"/>
+          </a:p>
+          <a:p>
+            <a:r>
+              <a:rPr lang="de-CH" dirty="0" err="1" smtClean="0"/>
+              <a:t>Koopa</a:t>
+            </a:r>
+            <a:endParaRPr lang="de-CH" dirty="0" smtClean="0"/>
+          </a:p>
+          <a:p>
+            <a:r>
+              <a:rPr lang="de-CH" dirty="0" err="1" smtClean="0"/>
+              <a:t>Lakitu</a:t>
+            </a:r>
+            <a:endParaRPr lang="de-CH" dirty="0" smtClean="0"/>
+          </a:p>
+          <a:p>
+            <a:r>
+              <a:rPr lang="de-CH" dirty="0" err="1" smtClean="0"/>
+              <a:t>Spiny</a:t>
+            </a:r>
+            <a:endParaRPr lang="de-CH" dirty="0"/>
+          </a:p>
+        </p:txBody>
+      </p:sp>
+      <p:pic>
+        <p:nvPicPr>
+          <p:cNvPr id="4" name="Bild 3"/>
+          <p:cNvPicPr>
+            <a:picLocks noChangeAspect="1"/>
+          </p:cNvPicPr>
+          <p:nvPr/>
+        </p:nvPicPr>
+        <p:blipFill rotWithShape="1">
+          <a:blip r:embed="rId2">
+            <a:extLst>
+              <a:ext uri="{BEBA8EAE-BF5A-486C-A8C5-ECC9F3942E4B}">
+                <a14:imgProps xmlns:a14="http://schemas.microsoft.com/office/drawing/2010/main">
+                  <a14:imgLayer r:embed="rId3">
+                    <a14:imgEffect>
+                      <a14:backgroundRemoval t="0" b="99722" l="3333" r="98750">
+                        <a14:foregroundMark x1="52917" y1="19722" x2="45625" y2="19722"/>
+                        <a14:foregroundMark x1="39583" y1="45000" x2="38958" y2="39444"/>
+                        <a14:foregroundMark x1="46458" y1="39722" x2="61042" y2="43056"/>
+                        <a14:foregroundMark x1="28750" y1="27500" x2="31458" y2="28333"/>
+                        <a14:foregroundMark x1="70625" y1="27500" x2="67292" y2="30278"/>
+                        <a14:foregroundMark x1="63750" y1="95278" x2="72500" y2="85833"/>
+                        <a14:foregroundMark x1="72083" y1="29444" x2="72083" y2="28056"/>
+                        <a14:foregroundMark x1="24792" y1="84444" x2="40000" y2="93056"/>
+                      </a14:backgroundRemoval>
+                    </a14:imgEffect>
+                  </a14:imgLayer>
+                </a14:imgProps>
+              </a:ext>
+            </a:extLst>
+          </a:blip>
+          <a:srcRect l="11616" r="11934"/>
+          <a:stretch/>
+        </p:blipFill>
+        <p:spPr>
+          <a:xfrm>
+            <a:off x="6152446" y="2770094"/>
+            <a:ext cx="2208780" cy="2166926"/>
+          </a:xfrm>
+          <a:prstGeom prst="rect">
+            <a:avLst/>
+          </a:prstGeom>
+          <a:solidFill>
+            <a:schemeClr val="bg1"/>
+          </a:solidFill>
+        </p:spPr>
+      </p:pic>
+      <p:pic>
+        <p:nvPicPr>
+          <p:cNvPr id="5" name="Bild 4"/>
+          <p:cNvPicPr>
+            <a:picLocks noChangeAspect="1"/>
+          </p:cNvPicPr>
+          <p:nvPr/>
+        </p:nvPicPr>
+        <p:blipFill>
+          <a:blip r:embed="rId4">
+            <a:extLst>
+              <a:ext uri="{BEBA8EAE-BF5A-486C-A8C5-ECC9F3942E4B}">
+                <a14:imgProps xmlns:a14="http://schemas.microsoft.com/office/drawing/2010/main">
+                  <a14:imgLayer r:embed="rId5">
+                    <a14:imgEffect>
+                      <a14:backgroundRemoval t="0" b="100000" l="0" r="100000"/>
+                    </a14:imgEffect>
+                  </a14:imgLayer>
+                </a14:imgProps>
+              </a:ext>
+            </a:extLst>
+          </a:blip>
+          <a:stretch>
+            <a:fillRect/>
+          </a:stretch>
+        </p:blipFill>
+        <p:spPr>
+          <a:xfrm>
+            <a:off x="6152446" y="2800354"/>
+            <a:ext cx="2250193" cy="3236909"/>
+          </a:xfrm>
+          <a:prstGeom prst="rect">
+            <a:avLst/>
+          </a:prstGeom>
+          <a:solidFill>
+            <a:schemeClr val="tx1"/>
+          </a:solidFill>
+        </p:spPr>
+      </p:pic>
+      <p:pic>
+        <p:nvPicPr>
+          <p:cNvPr id="8" name="Bild 7"/>
+          <p:cNvPicPr>
+            <a:picLocks noChangeAspect="1"/>
+          </p:cNvPicPr>
+          <p:nvPr/>
+        </p:nvPicPr>
+        <p:blipFill>
+          <a:blip r:embed="rId6"/>
+          <a:stretch>
+            <a:fillRect/>
+          </a:stretch>
+        </p:blipFill>
+        <p:spPr>
+          <a:xfrm>
+            <a:off x="6186786" y="2800354"/>
+            <a:ext cx="2215853" cy="3267169"/>
+          </a:xfrm>
+          <a:prstGeom prst="rect">
+            <a:avLst/>
+          </a:prstGeom>
+        </p:spPr>
+      </p:pic>
+      <p:pic>
+        <p:nvPicPr>
+          <p:cNvPr id="7" name="Bild 6"/>
+          <p:cNvPicPr>
+            <a:picLocks noChangeAspect="1"/>
+          </p:cNvPicPr>
+          <p:nvPr/>
+        </p:nvPicPr>
+        <p:blipFill rotWithShape="1">
+          <a:blip r:embed="rId7"/>
+          <a:srcRect l="8956" t="9129" r="9324" b="9558"/>
+          <a:stretch/>
+        </p:blipFill>
+        <p:spPr>
+          <a:xfrm>
+            <a:off x="6152446" y="2809991"/>
+            <a:ext cx="2250193" cy="2127029"/>
+          </a:xfrm>
+          <a:prstGeom prst="rect">
+            <a:avLst/>
+          </a:prstGeom>
+        </p:spPr>
+      </p:pic>
+      <p:sp>
+        <p:nvSpPr>
+          <p:cNvPr id="2" name="Titel 1"/>
+          <p:cNvSpPr>
+            <a:spLocks noGrp="1"/>
+          </p:cNvSpPr>
+          <p:nvPr>
+            <p:ph type="title"/>
+          </p:nvPr>
+        </p:nvSpPr>
+        <p:spPr/>
+        <p:txBody>
+          <a:bodyPr/>
+          <a:lstStyle/>
+          <a:p>
+            <a:r>
+              <a:rPr lang="de-CH" dirty="0" smtClean="0"/>
+              <a:t>Gegner</a:t>
+            </a:r>
+            <a:endParaRPr lang="de-CH" dirty="0"/>
+          </a:p>
+        </p:txBody>
+      </p:sp>
+    </p:spTree>
+    <p:extLst>
+      <p:ext uri="{BB962C8B-B14F-4D97-AF65-F5344CB8AC3E}">
+        <p14:creationId xmlns:p14="http://schemas.microsoft.com/office/powerpoint/2010/main" val="787863190"/>
+      </p:ext>
+    </p:extLst>
+  </p:cSld>
+  <p:clrMapOvr>
+    <a:masterClrMapping/>
+  </p:clrMapOvr>
+  <mc:AlternateContent xmlns:mc="http://schemas.openxmlformats.org/markup-compatibility/2006" xmlns:p14="http://schemas.microsoft.com/office/powerpoint/2010/main">
+    <mc:Choice Requires="p14">
+      <p:transition spd="slow" p14:dur="1200">
+        <p14:prism/>
+      </p:transition>
+    </mc:Choice>
+    <mc:Fallback xmlns="">
+      <p:transition xmlns:p14="http://schemas.microsoft.com/office/powerpoint/2010/main" spd="slow">
+        <p:fade/>
+      </p:transition>
+    </mc:Fallback>
+  </mc:AlternateContent>
+  <p:timing>
+    <p:tnLst>
+      <p:par>
+        <p:cTn xmlns:p14="http://schemas.microsoft.com/office/powerpoint/2010/main" id="1" dur="indefinite" restart="never" nodeType="tmRoot">
+          <p:childTnLst>
+            <p:seq concurrent="1" nextAc="seek">
+              <p:cTn id="2" dur="indefinite" nodeType="mainSeq">
+                <p:childTnLst>
+                  <p:par>
+                    <p:cTn id="3" fill="hold">
+                      <p:stCondLst>
+                        <p:cond delay="indefinite"/>
+                      </p:stCondLst>
+                      <p:childTnLst>
+                        <p:par>
+                          <p:cTn id="4" fill="hold">
+                            <p:stCondLst>
+                              <p:cond delay="0"/>
+                            </p:stCondLst>
+                            <p:childTnLst>
+                              <p:par>
+                                <p:cTn id="5" presetID="1" presetClass="entr" presetSubtype="0" fill="hold" nodeType="clickEffect">
+                                  <p:stCondLst>
+                                    <p:cond delay="0"/>
+                                  </p:stCondLst>
+                                  <p:childTnLst>
+                                    <p:set>
+                                      <p:cBhvr>
+                                        <p:cTn id="6" dur="1" fill="hold">
+                                          <p:stCondLst>
+                                            <p:cond delay="0"/>
+                                          </p:stCondLst>
+                                        </p:cTn>
+                                        <p:tgtEl>
+                                          <p:spTgt spid="3">
+                                            <p:txEl>
+                                              <p:pRg st="0" end="0"/>
+                                            </p:txEl>
+                                          </p:spTgt>
+                                        </p:tgtEl>
+                                        <p:attrNameLst>
+                                          <p:attrName>style.visibility</p:attrName>
+                                        </p:attrNameLst>
+                                      </p:cBhvr>
+                                      <p:to>
+                                        <p:strVal val="visible"/>
+                                      </p:to>
+                                    </p:set>
+                                  </p:childTnLst>
+                                </p:cTn>
+                              </p:par>
+                            </p:childTnLst>
+                          </p:cTn>
+                        </p:par>
+                      </p:childTnLst>
+                    </p:cTn>
+                  </p:par>
+                  <p:par>
+                    <p:cTn id="7" fill="hold">
+                      <p:stCondLst>
+                        <p:cond delay="indefinite"/>
+                      </p:stCondLst>
+                      <p:childTnLst>
+                        <p:par>
+                          <p:cTn id="8" fill="hold">
+                            <p:stCondLst>
+                              <p:cond delay="0"/>
+                            </p:stCondLst>
+                            <p:childTnLst>
+                              <p:par>
+                                <p:cTn id="9" presetID="1" presetClass="entr" presetSubtype="0" fill="hold" nodeType="clickEffect">
+                                  <p:stCondLst>
+                                    <p:cond delay="0"/>
+                                  </p:stCondLst>
+                                  <p:childTnLst>
+                                    <p:set>
+                                      <p:cBhvr>
+                                        <p:cTn id="10" dur="1" fill="hold">
+                                          <p:stCondLst>
+                                            <p:cond delay="0"/>
+                                          </p:stCondLst>
+                                        </p:cTn>
+                                        <p:tgtEl>
+                                          <p:spTgt spid="4"/>
+                                        </p:tgtEl>
+                                        <p:attrNameLst>
+                                          <p:attrName>style.visibility</p:attrName>
+                                        </p:attrNameLst>
+                                      </p:cBhvr>
+                                      <p:to>
+                                        <p:strVal val="visible"/>
+                                      </p:to>
+                                    </p:set>
+                                  </p:childTnLst>
+                                </p:cTn>
+                              </p:par>
+                            </p:childTnLst>
+                          </p:cTn>
+                        </p:par>
+                      </p:childTnLst>
+                    </p:cTn>
+                  </p:par>
+                  <p:par>
+                    <p:cTn id="11" fill="hold">
+                      <p:stCondLst>
+                        <p:cond delay="indefinite"/>
+                      </p:stCondLst>
+                      <p:childTnLst>
+                        <p:par>
+                          <p:cTn id="12" fill="hold">
+                            <p:stCondLst>
+                              <p:cond delay="0"/>
+                            </p:stCondLst>
+                            <p:childTnLst>
+                              <p:par>
+                                <p:cTn id="13" presetID="1" presetClass="exit" presetSubtype="0" fill="hold" nodeType="clickEffect">
+                                  <p:stCondLst>
+                                    <p:cond delay="0"/>
+                                  </p:stCondLst>
+                                  <p:childTnLst>
+                                    <p:set>
+                                      <p:cBhvr>
+                                        <p:cTn id="14" dur="1" fill="hold">
+                                          <p:stCondLst>
+                                            <p:cond delay="0"/>
+                                          </p:stCondLst>
+                                        </p:cTn>
+                                        <p:tgtEl>
+                                          <p:spTgt spid="4"/>
+                                        </p:tgtEl>
+                                        <p:attrNameLst>
+                                          <p:attrName>style.visibility</p:attrName>
+                                        </p:attrNameLst>
+                                      </p:cBhvr>
+                                      <p:to>
+                                        <p:strVal val="hidden"/>
+                                      </p:to>
+                                    </p:set>
+                                  </p:childTnLst>
+                                </p:cTn>
+                              </p:par>
+                            </p:childTnLst>
+                          </p:cTn>
+                        </p:par>
+                      </p:childTnLst>
+                    </p:cTn>
+                  </p:par>
+                  <p:par>
+                    <p:cTn id="15" fill="hold">
+                      <p:stCondLst>
+                        <p:cond delay="indefinite"/>
+                      </p:stCondLst>
+                      <p:childTnLst>
+                        <p:par>
+                          <p:cTn id="16" fill="hold">
+                            <p:stCondLst>
+                              <p:cond delay="0"/>
+                            </p:stCondLst>
+                            <p:childTnLst>
+                              <p:par>
+                                <p:cTn id="17" presetID="1" presetClass="entr" presetSubtype="0" fill="hold" nodeType="clickEffect">
+                                  <p:stCondLst>
+                                    <p:cond delay="0"/>
+                                  </p:stCondLst>
+                                  <p:childTnLst>
+                                    <p:set>
+                                      <p:cBhvr>
+                                        <p:cTn id="18" dur="1" fill="hold">
+                                          <p:stCondLst>
+                                            <p:cond delay="0"/>
+                                          </p:stCondLst>
+                                        </p:cTn>
+                                        <p:tgtEl>
+                                          <p:spTgt spid="3">
+                                            <p:txEl>
+                                              <p:pRg st="1" end="1"/>
+                                            </p:txEl>
+                                          </p:spTgt>
+                                        </p:tgtEl>
+                                        <p:attrNameLst>
+                                          <p:attrName>style.visibility</p:attrName>
+                                        </p:attrNameLst>
+                                      </p:cBhvr>
+                                      <p:to>
+                                        <p:strVal val="visible"/>
+                                      </p:to>
+                                    </p:set>
+                                  </p:childTnLst>
+                                </p:cTn>
+                              </p:par>
+                            </p:childTnLst>
+                          </p:cTn>
+                        </p:par>
+                      </p:childTnLst>
+                    </p:cTn>
+                  </p:par>
+                  <p:par>
+                    <p:cTn id="19" fill="hold">
+                      <p:stCondLst>
+                        <p:cond delay="indefinite"/>
+                      </p:stCondLst>
+                      <p:childTnLst>
+                        <p:par>
+                          <p:cTn id="20" fill="hold">
+                            <p:stCondLst>
+                              <p:cond delay="0"/>
+                            </p:stCondLst>
+                            <p:childTnLst>
+                              <p:par>
+                                <p:cTn id="21" presetID="1" presetClass="entr" presetSubtype="0" fill="hold" nodeType="clickEffect">
+                                  <p:stCondLst>
+                                    <p:cond delay="0"/>
+                                  </p:stCondLst>
+                                  <p:childTnLst>
+                                    <p:set>
+                                      <p:cBhvr>
+                                        <p:cTn id="22" dur="1" fill="hold">
+                                          <p:stCondLst>
+                                            <p:cond delay="0"/>
+                                          </p:stCondLst>
+                                        </p:cTn>
+                                        <p:tgtEl>
+                                          <p:spTgt spid="5"/>
+                                        </p:tgtEl>
+                                        <p:attrNameLst>
+                                          <p:attrName>style.visibility</p:attrName>
+                                        </p:attrNameLst>
+                                      </p:cBhvr>
+                                      <p:to>
+                                        <p:strVal val="visible"/>
+                                      </p:to>
+                                    </p:set>
+                                  </p:childTnLst>
+                                </p:cTn>
+                              </p:par>
+                            </p:childTnLst>
+                          </p:cTn>
+                        </p:par>
+                      </p:childTnLst>
+                    </p:cTn>
+                  </p:par>
+                  <p:par>
+                    <p:cTn id="23" fill="hold">
+                      <p:stCondLst>
+                        <p:cond delay="indefinite"/>
+                      </p:stCondLst>
+                      <p:childTnLst>
+                        <p:par>
+                          <p:cTn id="24" fill="hold">
+                            <p:stCondLst>
+                              <p:cond delay="0"/>
+                            </p:stCondLst>
+                            <p:childTnLst>
+                              <p:par>
+                                <p:cTn id="25" presetID="1" presetClass="exit" presetSubtype="0" fill="hold" nodeType="clickEffect">
+                                  <p:stCondLst>
+                                    <p:cond delay="0"/>
+                                  </p:stCondLst>
+                                  <p:childTnLst>
+                                    <p:set>
+                                      <p:cBhvr>
+                                        <p:cTn id="26" dur="1" fill="hold">
+                                          <p:stCondLst>
+                                            <p:cond delay="0"/>
+                                          </p:stCondLst>
+                                        </p:cTn>
+                                        <p:tgtEl>
+                                          <p:spTgt spid="5"/>
+                                        </p:tgtEl>
+                                        <p:attrNameLst>
+                                          <p:attrName>style.visibility</p:attrName>
+                                        </p:attrNameLst>
+                                      </p:cBhvr>
+                                      <p:to>
+                                        <p:strVal val="hidden"/>
+                                      </p:to>
+                                    </p:set>
+                                  </p:childTnLst>
+                                </p:cTn>
+                              </p:par>
+                            </p:childTnLst>
+                          </p:cTn>
+                        </p:par>
+                      </p:childTnLst>
+                    </p:cTn>
+                  </p:par>
+                  <p:par>
+                    <p:cTn id="27" fill="hold">
+                      <p:stCondLst>
+                        <p:cond delay="indefinite"/>
+                      </p:stCondLst>
+                      <p:childTnLst>
+                        <p:par>
+                          <p:cTn id="28" fill="hold">
+                            <p:stCondLst>
+                              <p:cond delay="0"/>
+                            </p:stCondLst>
+                            <p:childTnLst>
+                              <p:par>
+                                <p:cTn id="29" presetID="1" presetClass="entr" presetSubtype="0" fill="hold" nodeType="clickEffect">
+                                  <p:stCondLst>
+                                    <p:cond delay="0"/>
+                                  </p:stCondLst>
+                                  <p:childTnLst>
+                                    <p:set>
+                                      <p:cBhvr>
+                                        <p:cTn id="30" dur="1" fill="hold">
+                                          <p:stCondLst>
+                                            <p:cond delay="0"/>
+                                          </p:stCondLst>
+                                        </p:cTn>
+                                        <p:tgtEl>
+                                          <p:spTgt spid="3">
+                                            <p:txEl>
+                                              <p:pRg st="2" end="2"/>
+                                            </p:txEl>
+                                          </p:spTgt>
+                                        </p:tgtEl>
+                                        <p:attrNameLst>
+                                          <p:attrName>style.visibility</p:attrName>
+                                        </p:attrNameLst>
+                                      </p:cBhvr>
+                                      <p:to>
+                                        <p:strVal val="visible"/>
+                                      </p:to>
+                                    </p:set>
+                                  </p:childTnLst>
+                                </p:cTn>
+                              </p:par>
+                            </p:childTnLst>
+                          </p:cTn>
+                        </p:par>
+                      </p:childTnLst>
+                    </p:cTn>
+                  </p:par>
+                  <p:par>
+                    <p:cTn id="31" fill="hold">
+                      <p:stCondLst>
+                        <p:cond delay="indefinite"/>
+                      </p:stCondLst>
+                      <p:childTnLst>
+                        <p:par>
+                          <p:cTn id="32" fill="hold">
+                            <p:stCondLst>
+                              <p:cond delay="0"/>
+                            </p:stCondLst>
+                            <p:childTnLst>
+                              <p:par>
+                                <p:cTn id="33" presetID="1" presetClass="entr" presetSubtype="0" fill="hold" nodeType="clickEffect">
+                                  <p:stCondLst>
+                                    <p:cond delay="0"/>
+                                  </p:stCondLst>
+                                  <p:childTnLst>
+                                    <p:set>
+                                      <p:cBhvr>
+                                        <p:cTn id="34" dur="1" fill="hold">
+                                          <p:stCondLst>
+                                            <p:cond delay="0"/>
+                                          </p:stCondLst>
+                                        </p:cTn>
+                                        <p:tgtEl>
+                                          <p:spTgt spid="8"/>
+                                        </p:tgtEl>
+                                        <p:attrNameLst>
+                                          <p:attrName>style.visibility</p:attrName>
+                                        </p:attrNameLst>
+                                      </p:cBhvr>
+                                      <p:to>
+                                        <p:strVal val="visible"/>
+                                      </p:to>
+                                    </p:set>
+                                  </p:childTnLst>
+                                </p:cTn>
+                              </p:par>
+                            </p:childTnLst>
+                          </p:cTn>
+                        </p:par>
+                      </p:childTnLst>
+                    </p:cTn>
+                  </p:par>
+                  <p:par>
+                    <p:cTn id="35" fill="hold">
+                      <p:stCondLst>
+                        <p:cond delay="indefinite"/>
+                      </p:stCondLst>
+                      <p:childTnLst>
+                        <p:par>
+                          <p:cTn id="36" fill="hold">
+                            <p:stCondLst>
+                              <p:cond delay="0"/>
+                            </p:stCondLst>
+                            <p:childTnLst>
+                              <p:par>
+                                <p:cTn id="37" presetID="1" presetClass="exit" presetSubtype="0" fill="hold" nodeType="clickEffect">
+                                  <p:stCondLst>
+                                    <p:cond delay="0"/>
+                                  </p:stCondLst>
+                                  <p:childTnLst>
+                                    <p:set>
+                                      <p:cBhvr>
+                                        <p:cTn id="38" dur="1" fill="hold">
+                                          <p:stCondLst>
+                                            <p:cond delay="0"/>
+                                          </p:stCondLst>
+                                        </p:cTn>
+                                        <p:tgtEl>
+                                          <p:spTgt spid="8"/>
+                                        </p:tgtEl>
+                                        <p:attrNameLst>
+                                          <p:attrName>style.visibility</p:attrName>
+                                        </p:attrNameLst>
+                                      </p:cBhvr>
+                                      <p:to>
+                                        <p:strVal val="hidden"/>
+                                      </p:to>
+                                    </p:set>
+                                  </p:childTnLst>
+                                </p:cTn>
+                              </p:par>
+                            </p:childTnLst>
+                          </p:cTn>
+                        </p:par>
+                      </p:childTnLst>
+                    </p:cTn>
+                  </p:par>
+                  <p:par>
+                    <p:cTn id="39" fill="hold">
+                      <p:stCondLst>
+                        <p:cond delay="indefinite"/>
+                      </p:stCondLst>
+                      <p:childTnLst>
+                        <p:par>
+                          <p:cTn id="40" fill="hold">
+                            <p:stCondLst>
+                              <p:cond delay="0"/>
+                            </p:stCondLst>
+                            <p:childTnLst>
+                              <p:par>
+                                <p:cTn id="41" presetID="1" presetClass="entr" presetSubtype="0" fill="hold" nodeType="clickEffect">
+                                  <p:stCondLst>
+                                    <p:cond delay="0"/>
+                                  </p:stCondLst>
+                                  <p:childTnLst>
+                                    <p:set>
+                                      <p:cBhvr>
+                                        <p:cTn id="42" dur="1" fill="hold">
+                                          <p:stCondLst>
+                                            <p:cond delay="0"/>
+                                          </p:stCondLst>
+                                        </p:cTn>
+                                        <p:tgtEl>
+                                          <p:spTgt spid="3">
+                                            <p:txEl>
+                                              <p:pRg st="3" end="3"/>
+                                            </p:txEl>
+                                          </p:spTgt>
+                                        </p:tgtEl>
+                                        <p:attrNameLst>
+                                          <p:attrName>style.visibility</p:attrName>
+                                        </p:attrNameLst>
+                                      </p:cBhvr>
+                                      <p:to>
+                                        <p:strVal val="visible"/>
+                                      </p:to>
+                                    </p:set>
+                                  </p:childTnLst>
+                                </p:cTn>
+                              </p:par>
+                            </p:childTnLst>
+                          </p:cTn>
+                        </p:par>
+                      </p:childTnLst>
+                    </p:cTn>
+                  </p:par>
+                  <p:par>
+                    <p:cTn id="43" fill="hold">
+                      <p:stCondLst>
+                        <p:cond delay="indefinite"/>
+                      </p:stCondLst>
+                      <p:childTnLst>
+                        <p:par>
+                          <p:cTn id="44" fill="hold">
+                            <p:stCondLst>
+                              <p:cond delay="0"/>
+                            </p:stCondLst>
+                            <p:childTnLst>
+                              <p:par>
+                                <p:cTn id="45" presetID="1" presetClass="entr" presetSubtype="0" fill="hold" nodeType="clickEffect">
+                                  <p:stCondLst>
+                                    <p:cond delay="0"/>
+                                  </p:stCondLst>
+                                  <p:childTnLst>
+                                    <p:set>
+                                      <p:cBhvr>
+                                        <p:cTn id="46" dur="1" fill="hold">
+                                          <p:stCondLst>
+                                            <p:cond delay="0"/>
+                                          </p:stCondLst>
+                                        </p:cTn>
+                                        <p:tgtEl>
+                                          <p:spTgt spid="7"/>
+                                        </p:tgtEl>
+                                        <p:attrNameLst>
+                                          <p:attrName>style.visibility</p:attrName>
+                                        </p:attrNameLst>
+                                      </p:cBhvr>
+                                      <p:to>
+                                        <p:strVal val="visible"/>
+                                      </p:to>
+                                    </p:set>
+                                  </p:childTnLst>
+                                </p:cTn>
+                              </p:par>
+                            </p:childTnLst>
+                          </p:cTn>
+                        </p:par>
+                      </p:childTnLst>
+                    </p:cTn>
+                  </p:par>
+                  <p:par>
+                    <p:cTn id="47" fill="hold">
+                      <p:stCondLst>
+                        <p:cond delay="indefinite"/>
+                      </p:stCondLst>
+                      <p:childTnLst>
+                        <p:par>
+                          <p:cTn id="48" fill="hold">
+                            <p:stCondLst>
+                              <p:cond delay="0"/>
+                            </p:stCondLst>
+                            <p:childTnLst>
+                              <p:par>
+                                <p:cTn id="49" presetID="1" presetClass="exit" presetSubtype="0" fill="hold" nodeType="clickEffect">
+                                  <p:stCondLst>
+                                    <p:cond delay="0"/>
+                                  </p:stCondLst>
+                                  <p:childTnLst>
+                                    <p:set>
+                                      <p:cBhvr>
+                                        <p:cTn id="50" dur="1" fill="hold">
+                                          <p:stCondLst>
+                                            <p:cond delay="0"/>
+                                          </p:stCondLst>
+                                        </p:cTn>
+                                        <p:tgtEl>
+                                          <p:spTgt spid="7"/>
+                                        </p:tgtEl>
+                                        <p:attrNameLst>
+                                          <p:attrName>style.visibility</p:attrName>
+                                        </p:attrNameLst>
+                                      </p:cBhvr>
+                                      <p:to>
+                                        <p:strVal val="hidden"/>
+                                      </p:to>
+                                    </p:set>
+                                  </p:childTnLst>
+                                </p:cTn>
+                              </p:par>
+                            </p:childTnLst>
+                          </p:cTn>
+                        </p:par>
+                      </p:childTnLst>
+                    </p:cTn>
+                  </p:par>
+                </p:childTnLst>
+              </p:cTn>
+              <p:prevCondLst>
+                <p:cond evt="onPrev" delay="0">
+                  <p:tgtEl>
+                    <p:sldTgt/>
+                  </p:tgtEl>
+                </p:cond>
+              </p:prevCondLst>
+              <p:nextCondLst>
+                <p:cond evt="onNext" delay="0">
+                  <p:tgtEl>
+                    <p:sldTgt/>
+                  </p:tgtEl>
+                </p:cond>
+              </p:nextCondLst>
+            </p:seq>
+          </p:childTnLst>
+        </p:cTn>
+      </p:par>
+    </p:tnLst>
+  </p:timing>
+</p:sld>
+</file>
+
+<file path=ppt/slides/slide12.xml><?xml version="1.0" encoding="utf-8"?>
+<p:sld xmlns:a="http://schemas.openxmlformats.org/drawingml/2006/main" xmlns:r="http://schemas.openxmlformats.org/officeDocument/2006/relationships" xmlns:p="http://schemas.openxmlformats.org/presentationml/2006/main">
+  <p:cSld>
+    <p:spTree>
+      <p:nvGrpSpPr>
+        <p:cNvPr id="1" name=""/>
+        <p:cNvGrpSpPr/>
+        <p:nvPr/>
+      </p:nvGrpSpPr>
+      <p:grpSpPr>
+        <a:xfrm>
+          <a:off x="0" y="0"/>
+          <a:ext cx="0" cy="0"/>
+          <a:chOff x="0" y="0"/>
+          <a:chExt cx="0" cy="0"/>
+        </a:xfrm>
+      </p:grpSpPr>
+      <p:sp>
+        <p:nvSpPr>
+          <p:cNvPr id="2" name="Titel 1"/>
+          <p:cNvSpPr>
+            <a:spLocks noGrp="1"/>
+          </p:cNvSpPr>
+          <p:nvPr>
+            <p:ph type="title"/>
+          </p:nvPr>
+        </p:nvSpPr>
+        <p:spPr/>
+        <p:txBody>
+          <a:bodyPr/>
+          <a:lstStyle/>
+          <a:p>
+            <a:r>
+              <a:rPr lang="de-CH" dirty="0" smtClean="0"/>
+              <a:t>Konzept</a:t>
+            </a:r>
+            <a:endParaRPr lang="de-CH" dirty="0"/>
+          </a:p>
+        </p:txBody>
+      </p:sp>
+      <p:pic>
+        <p:nvPicPr>
+          <p:cNvPr id="4" name="Inhaltsplatzhalter 3"/>
+          <p:cNvPicPr>
+            <a:picLocks noGrp="1" noChangeAspect="1"/>
+          </p:cNvPicPr>
+          <p:nvPr>
+            <p:ph idx="1"/>
+          </p:nvPr>
+        </p:nvPicPr>
+        <p:blipFill>
+          <a:blip r:embed="rId2"/>
+          <a:srcRect l="-5532" r="-5532"/>
+          <a:stretch>
+            <a:fillRect/>
+          </a:stretch>
+        </p:blipFill>
+        <p:spPr/>
+      </p:pic>
+    </p:spTree>
+    <p:extLst>
+      <p:ext uri="{BB962C8B-B14F-4D97-AF65-F5344CB8AC3E}">
+        <p14:creationId xmlns:p14="http://schemas.microsoft.com/office/powerpoint/2010/main" val="1855678142"/>
+      </p:ext>
+    </p:extLst>
+  </p:cSld>
+  <p:clrMapOvr>
+    <a:masterClrMapping/>
+  </p:clrMapOvr>
+  <mc:AlternateContent xmlns:mc="http://schemas.openxmlformats.org/markup-compatibility/2006" xmlns:p14="http://schemas.microsoft.com/office/powerpoint/2010/main">
+    <mc:Choice Requires="p14">
+      <p:transition spd="slow" p14:dur="1200">
+        <p14:prism/>
+      </p:transition>
+    </mc:Choice>
+    <mc:Fallback xmlns="">
+      <p:transition xmlns:p14="http://schemas.microsoft.com/office/powerpoint/2010/main" spd="slow">
+        <p:fade/>
+      </p:transition>
+    </mc:Fallback>
+  </mc:AlternateContent>
+  <p:timing>
+    <p:tnLst>
+      <p:par>
+        <p:cTn xmlns:p14="http://schemas.microsoft.com/office/powerpoint/2010/main" id="1" dur="indefinite" restart="never" nodeType="tmRoot">
+          <p:childTnLst>
+            <p:seq concurrent="1" nextAc="seek">
+              <p:cTn id="2" dur="indefinite" nodeType="mainSeq">
+                <p:childTnLst>
+                  <p:par>
+                    <p:cTn id="3" fill="hold">
+                      <p:stCondLst>
+                        <p:cond delay="indefinite"/>
+                      </p:stCondLst>
+                      <p:childTnLst>
+                        <p:par>
+                          <p:cTn id="4" fill="hold">
+                            <p:stCondLst>
+                              <p:cond delay="0"/>
+                            </p:stCondLst>
+                            <p:childTnLst>
+                              <p:par>
+                                <p:cTn id="5" presetID="1" presetClass="entr" presetSubtype="0" fill="hold" nodeType="clickEffect">
+                                  <p:stCondLst>
+                                    <p:cond delay="0"/>
+                                  </p:stCondLst>
+                                  <p:childTnLst>
+                                    <p:set>
+                                      <p:cBhvr>
+                                        <p:cTn id="6" dur="1" fill="hold">
+                                          <p:stCondLst>
+                                            <p:cond delay="0"/>
+                                          </p:stCondLst>
+                                        </p:cTn>
+                                        <p:tgtEl>
+                                          <p:spTgt spid="4"/>
+                                        </p:tgtEl>
+                                        <p:attrNameLst>
+                                          <p:attrName>style.visibility</p:attrName>
+                                        </p:attrNameLst>
+                                      </p:cBhvr>
+                                      <p:to>
+                                        <p:strVal val="visible"/>
+                                      </p:to>
+                                    </p:set>
+                                  </p:childTnLst>
+                                </p:cTn>
+                              </p:par>
+                            </p:childTnLst>
+                          </p:cTn>
+                        </p:par>
+                      </p:childTnLst>
+                    </p:cTn>
+                  </p:par>
+                </p:childTnLst>
+              </p:cTn>
+              <p:prevCondLst>
+                <p:cond evt="onPrev" delay="0">
+                  <p:tgtEl>
+                    <p:sldTgt/>
+                  </p:tgtEl>
+                </p:cond>
+              </p:prevCondLst>
+              <p:nextCondLst>
+                <p:cond evt="onNext" delay="0">
+                  <p:tgtEl>
+                    <p:sldTgt/>
+                  </p:tgtEl>
+                </p:cond>
+              </p:nextCondLst>
+            </p:seq>
+          </p:childTnLst>
+        </p:cTn>
+      </p:par>
+    </p:tnLst>
+  </p:timing>
+</p:sld>
+</file>
+
+<file path=ppt/slides/slide13.xml><?xml version="1.0" encoding="utf-8"?>
+<p:sld xmlns:a="http://schemas.openxmlformats.org/drawingml/2006/main" xmlns:r="http://schemas.openxmlformats.org/officeDocument/2006/relationships" xmlns:p="http://schemas.openxmlformats.org/presentationml/2006/main">
+  <p:cSld>
+    <p:spTree>
+      <p:nvGrpSpPr>
+        <p:cNvPr id="1" name=""/>
+        <p:cNvGrpSpPr/>
+        <p:nvPr/>
+      </p:nvGrpSpPr>
+      <p:grpSpPr>
+        <a:xfrm>
+          <a:off x="0" y="0"/>
+          <a:ext cx="0" cy="0"/>
+          <a:chOff x="0" y="0"/>
+          <a:chExt cx="0" cy="0"/>
+        </a:xfrm>
+      </p:grpSpPr>
+      <p:sp>
+        <p:nvSpPr>
+          <p:cNvPr id="2" name="Titel 1"/>
+          <p:cNvSpPr>
+            <a:spLocks noGrp="1"/>
+          </p:cNvSpPr>
+          <p:nvPr>
+            <p:ph type="title"/>
+          </p:nvPr>
+        </p:nvSpPr>
+        <p:spPr/>
+        <p:txBody>
+          <a:bodyPr/>
+          <a:lstStyle/>
+          <a:p>
+            <a:r>
+              <a:rPr lang="de-CH" dirty="0" smtClean="0"/>
+              <a:t>Konzept</a:t>
+            </a:r>
+            <a:endParaRPr lang="de-CH" dirty="0"/>
+          </a:p>
+        </p:txBody>
+      </p:sp>
+      <p:pic>
+        <p:nvPicPr>
+          <p:cNvPr id="10" name="Inhaltsplatzhalter 3"/>
+          <p:cNvPicPr>
+            <a:picLocks noGrp="1" noChangeAspect="1"/>
+          </p:cNvPicPr>
+          <p:nvPr>
+            <p:ph idx="1"/>
+          </p:nvPr>
+        </p:nvPicPr>
+        <p:blipFill>
+          <a:blip r:embed="rId2"/>
+          <a:srcRect l="-5532" r="-5532"/>
+          <a:stretch>
+            <a:fillRect/>
+          </a:stretch>
+        </p:blipFill>
+        <p:spPr/>
+      </p:pic>
+    </p:spTree>
+    <p:extLst>
+      <p:ext uri="{BB962C8B-B14F-4D97-AF65-F5344CB8AC3E}">
+        <p14:creationId xmlns:p14="http://schemas.microsoft.com/office/powerpoint/2010/main" val="497561131"/>
+      </p:ext>
+    </p:extLst>
+  </p:cSld>
+  <p:clrMapOvr>
+    <a:masterClrMapping/>
+  </p:clrMapOvr>
+  <mc:AlternateContent xmlns:mc="http://schemas.openxmlformats.org/markup-compatibility/2006" xmlns:p14="http://schemas.microsoft.com/office/powerpoint/2010/main">
+    <mc:Choice Requires="p14">
+      <p:transition spd="slow" p14:dur="1200">
+        <p14:prism/>
+      </p:transition>
+    </mc:Choice>
+    <mc:Fallback xmlns="">
+      <p:transition xmlns:p14="http://schemas.microsoft.com/office/powerpoint/2010/main" spd="slow">
+        <p:fade/>
+      </p:transition>
+    </mc:Fallback>
+  </mc:AlternateContent>
+  <p:timing>
+    <p:tnLst>
+      <p:par>
+        <p:cTn xmlns:p14="http://schemas.microsoft.com/office/powerpoint/2010/main" id="1" dur="indefinite" restart="never" nodeType="tmRoot">
+          <p:childTnLst>
+            <p:seq concurrent="1" nextAc="seek">
+              <p:cTn id="2" dur="indefinite" nodeType="mainSeq">
+                <p:childTnLst>
+                  <p:par>
+                    <p:cTn id="3" fill="hold">
+                      <p:stCondLst>
+                        <p:cond delay="indefinite"/>
+                      </p:stCondLst>
+                      <p:childTnLst>
+                        <p:par>
+                          <p:cTn id="4" fill="hold">
+                            <p:stCondLst>
+                              <p:cond delay="0"/>
+                            </p:stCondLst>
+                            <p:childTnLst>
+                              <p:par>
+                                <p:cTn id="5" presetID="1" presetClass="entr" presetSubtype="0" fill="hold" nodeType="clickEffect">
+                                  <p:stCondLst>
+                                    <p:cond delay="0"/>
+                                  </p:stCondLst>
+                                  <p:childTnLst>
+                                    <p:set>
+                                      <p:cBhvr>
+                                        <p:cTn id="6" dur="1" fill="hold">
+                                          <p:stCondLst>
+                                            <p:cond delay="0"/>
+                                          </p:stCondLst>
+                                        </p:cTn>
+                                        <p:tgtEl>
+                                          <p:spTgt spid="10"/>
+                                        </p:tgtEl>
+                                        <p:attrNameLst>
+                                          <p:attrName>style.visibility</p:attrName>
+                                        </p:attrNameLst>
+                                      </p:cBhvr>
+                                      <p:to>
+                                        <p:strVal val="visible"/>
+                                      </p:to>
+                                    </p:set>
+                                  </p:childTnLst>
+                                </p:cTn>
+                              </p:par>
+                            </p:childTnLst>
+                          </p:cTn>
+                        </p:par>
+                      </p:childTnLst>
+                    </p:cTn>
+                  </p:par>
+                </p:childTnLst>
+              </p:cTn>
+              <p:prevCondLst>
+                <p:cond evt="onPrev" delay="0">
+                  <p:tgtEl>
+                    <p:sldTgt/>
+                  </p:tgtEl>
+                </p:cond>
+              </p:prevCondLst>
+              <p:nextCondLst>
+                <p:cond evt="onNext" delay="0">
+                  <p:tgtEl>
+                    <p:sldTgt/>
+                  </p:tgtEl>
+                </p:cond>
+              </p:nextCondLst>
+            </p:seq>
+          </p:childTnLst>
+        </p:cTn>
+      </p:par>
+    </p:tnLst>
+  </p:timing>
+</p:sld>
+</file>
+
+<file path=ppt/slides/slide14.xml><?xml version="1.0" encoding="utf-8"?>
+<p:sld xmlns:a="http://schemas.openxmlformats.org/drawingml/2006/main" xmlns:r="http://schemas.openxmlformats.org/officeDocument/2006/relationships" xmlns:p="http://schemas.openxmlformats.org/presentationml/2006/main">
+  <p:cSld>
+    <p:spTree>
+      <p:nvGrpSpPr>
+        <p:cNvPr id="1" name=""/>
+        <p:cNvGrpSpPr/>
+        <p:nvPr/>
+      </p:nvGrpSpPr>
+      <p:grpSpPr>
+        <a:xfrm>
+          <a:off x="0" y="0"/>
+          <a:ext cx="0" cy="0"/>
+          <a:chOff x="0" y="0"/>
+          <a:chExt cx="0" cy="0"/>
+        </a:xfrm>
+      </p:grpSpPr>
+      <p:sp>
+        <p:nvSpPr>
+          <p:cNvPr id="2" name="Titel 1"/>
+          <p:cNvSpPr>
+            <a:spLocks noGrp="1"/>
+          </p:cNvSpPr>
+          <p:nvPr>
+            <p:ph type="title"/>
+          </p:nvPr>
+        </p:nvSpPr>
+        <p:spPr/>
+        <p:txBody>
+          <a:bodyPr/>
+          <a:lstStyle/>
+          <a:p>
+            <a:r>
+              <a:rPr lang="de-CH" dirty="0" smtClean="0"/>
               <a:t>Konzept</a:t>
             </a:r>
             <a:endParaRPr lang="de-CH" dirty="0"/>
@@ -6023,7 +7750,7 @@
 </p:sld>
 </file>
 
-<file path=ppt/slides/slide11.xml><?xml version="1.0" encoding="utf-8"?>
+<file path=ppt/slides/slide15.xml><?xml version="1.0" encoding="utf-8"?>
 <p:sld xmlns:a="http://schemas.openxmlformats.org/drawingml/2006/main" xmlns:r="http://schemas.openxmlformats.org/officeDocument/2006/relationships" xmlns:p="http://schemas.openxmlformats.org/presentationml/2006/main">
   <p:cSld>
     <p:spTree>
@@ -6182,7 +7909,7 @@
 </p:sld>
 </file>
 
-<file path=ppt/slides/slide12.xml><?xml version="1.0" encoding="utf-8"?>
+<file path=ppt/slides/slide16.xml><?xml version="1.0" encoding="utf-8"?>
 <p:sld xmlns:a="http://schemas.openxmlformats.org/drawingml/2006/main" xmlns:r="http://schemas.openxmlformats.org/officeDocument/2006/relationships" xmlns:p="http://schemas.openxmlformats.org/presentationml/2006/main">
   <p:cSld>
     <p:spTree>
@@ -6626,7 +8353,7 @@
 </p:sld>
 </file>
 
-<file path=ppt/slides/slide13.xml><?xml version="1.0" encoding="utf-8"?>
+<file path=ppt/slides/slide17.xml><?xml version="1.0" encoding="utf-8"?>
 <p:sld xmlns:a="http://schemas.openxmlformats.org/drawingml/2006/main" xmlns:r="http://schemas.openxmlformats.org/officeDocument/2006/relationships" xmlns:p="http://schemas.openxmlformats.org/presentationml/2006/main">
   <p:cSld>
     <p:spTree>
@@ -7410,7 +9137,7 @@
 </p:sld>
 </file>
 
-<file path=ppt/slides/slide14.xml><?xml version="1.0" encoding="utf-8"?>
+<file path=ppt/slides/slide18.xml><?xml version="1.0" encoding="utf-8"?>
 <p:sld xmlns:a="http://schemas.openxmlformats.org/drawingml/2006/main" xmlns:r="http://schemas.openxmlformats.org/officeDocument/2006/relationships" xmlns:p="http://schemas.openxmlformats.org/presentationml/2006/main">
   <p:cSld>
     <p:spTree>
@@ -7475,8 +9202,20 @@
             <a:pPr lvl="1"/>
             <a:r>
               <a:rPr lang="de-CH" dirty="0" smtClean="0"/>
-              <a:t>Superklasse in Cococs2D</a:t>
-            </a:r>
+              <a:t>Superklasse in </a:t>
+            </a:r>
+            <a:r>
+              <a:rPr lang="de-CH" dirty="0" smtClean="0"/>
+              <a:t>Cococs2D</a:t>
+            </a:r>
+          </a:p>
+          <a:p>
+            <a:pPr lvl="1"/>
+            <a:r>
+              <a:rPr lang="de-CH" dirty="0" smtClean="0"/>
+              <a:t>Objekt auf dem Bildschirm</a:t>
+            </a:r>
+            <a:endParaRPr lang="de-CH" dirty="0" smtClean="0"/>
           </a:p>
           <a:p>
             <a:pPr lvl="1"/>
@@ -7781,7 +9520,11 @@
                                           </p:stCondLst>
                                         </p:cTn>
                                         <p:tgtEl>
-                                          <p:spTgt spid="6"/>
+                                          <p:spTgt spid="3">
+                                            <p:txEl>
+                                              <p:pRg st="2" end="2"/>
+                                            </p:txEl>
+                                          </p:spTgt>
                                         </p:tgtEl>
                                         <p:attrNameLst>
                                           <p:attrName>style.visibility</p:attrName>
@@ -7826,11 +9569,7 @@
                                           </p:stCondLst>
                                         </p:cTn>
                                         <p:tgtEl>
-                                          <p:spTgt spid="3">
-                                            <p:txEl>
-                                              <p:pRg st="3" end="3"/>
-                                            </p:txEl>
-                                          </p:spTgt>
+                                          <p:spTgt spid="6"/>
                                         </p:tgtEl>
                                         <p:attrNameLst>
                                           <p:attrName>style.visibility</p:attrName>
@@ -7862,53 +9601,14 @@
                             </p:stCondLst>
                             <p:childTnLst>
                               <p:par>
-                                <p:cTn id="21" presetID="0" presetClass="path" presetSubtype="0" accel="50000" decel="50000" fill="hold" nodeType="clickEffect">
-                                  <p:stCondLst>
-                                    <p:cond delay="0"/>
-                                  </p:stCondLst>
-                                  <p:childTnLst>
-                                    <p:animMotion origin="layout" path="M 0.00087 0.00092 L 0.10509 0.13975 " pathEditMode="relative" ptsTypes="AA">
-                                      <p:cBhvr>
-                                        <p:cTn id="22" dur="1000" fill="hold"/>
-                                        <p:tgtEl>
-                                          <p:spTgt spid="6"/>
-                                        </p:tgtEl>
-                                        <p:attrNameLst>
-                                          <p:attrName>ppt_x</p:attrName>
-                                          <p:attrName>ppt_y</p:attrName>
-                                        </p:attrNameLst>
-                                      </p:cBhvr>
-                                    </p:animMotion>
-                                  </p:childTnLst>
-                                </p:cTn>
-                              </p:par>
-                            </p:childTnLst>
-                          </p:cTn>
-                        </p:par>
-                      </p:childTnLst>
-                    </p:cTn>
-                  </p:par>
-                  <p:par>
-                    <p:cTn id="23" fill="hold">
-                      <p:stCondLst>
-                        <p:cond delay="indefinite"/>
-                      </p:stCondLst>
-                      <p:childTnLst>
-                        <p:par>
-                          <p:cTn id="24" fill="hold">
-                            <p:stCondLst>
-                              <p:cond delay="0"/>
-                            </p:stCondLst>
-                            <p:childTnLst>
-                              <p:par>
-                                <p:cTn id="25" presetID="1" presetClass="entr" presetSubtype="0" fill="hold" nodeType="clickEffect">
+                                <p:cTn id="21" presetID="1" presetClass="entr" presetSubtype="0" fill="hold" nodeType="clickEffect">
                                   <p:stCondLst>
                                     <p:cond delay="0"/>
                                   </p:stCondLst>
                                   <p:childTnLst>
                                     <p:set>
                                       <p:cBhvr>
-                                        <p:cTn id="26" dur="1" fill="hold">
+                                        <p:cTn id="22" dur="1" fill="hold">
                                           <p:stCondLst>
                                             <p:cond delay="0"/>
                                           </p:stCondLst>
@@ -7938,6 +9638,45 @@
                     </p:cTn>
                   </p:par>
                   <p:par>
+                    <p:cTn id="23" fill="hold">
+                      <p:stCondLst>
+                        <p:cond delay="indefinite"/>
+                      </p:stCondLst>
+                      <p:childTnLst>
+                        <p:par>
+                          <p:cTn id="24" fill="hold">
+                            <p:stCondLst>
+                              <p:cond delay="0"/>
+                            </p:stCondLst>
+                            <p:childTnLst>
+                              <p:par>
+                                <p:cTn id="25" presetID="0" presetClass="path" presetSubtype="0" accel="50000" decel="50000" fill="hold" nodeType="clickEffect">
+                                  <p:stCondLst>
+                                    <p:cond delay="0"/>
+                                  </p:stCondLst>
+                                  <p:childTnLst>
+                                    <p:animMotion origin="layout" path="M 0.00087 0.00092 L 0.10509 0.13975 " pathEditMode="relative" ptsTypes="AA">
+                                      <p:cBhvr>
+                                        <p:cTn id="26" dur="1000" fill="hold"/>
+                                        <p:tgtEl>
+                                          <p:spTgt spid="6"/>
+                                        </p:tgtEl>
+                                        <p:attrNameLst>
+                                          <p:attrName>ppt_x</p:attrName>
+                                          <p:attrName>ppt_y</p:attrName>
+                                        </p:attrNameLst>
+                                      </p:cBhvr>
+                                    </p:animMotion>
+                                  </p:childTnLst>
+                                </p:cTn>
+                              </p:par>
+                            </p:childTnLst>
+                          </p:cTn>
+                        </p:par>
+                      </p:childTnLst>
+                    </p:cTn>
+                  </p:par>
+                  <p:par>
                     <p:cTn id="27" fill="hold">
                       <p:stCondLst>
                         <p:cond delay="indefinite"/>
@@ -7950,52 +9689,14 @@
                             </p:stCondLst>
                             <p:childTnLst>
                               <p:par>
-                                <p:cTn id="29" presetID="8" presetClass="emph" presetSubtype="0" fill="hold" nodeType="clickEffect">
-                                  <p:stCondLst>
-                                    <p:cond delay="0"/>
-                                  </p:stCondLst>
-                                  <p:childTnLst>
-                                    <p:animRot by="10800000">
-                                      <p:cBhvr>
-                                        <p:cTn id="30" dur="1000" fill="hold"/>
-                                        <p:tgtEl>
-                                          <p:spTgt spid="6"/>
-                                        </p:tgtEl>
-                                        <p:attrNameLst>
-                                          <p:attrName>r</p:attrName>
-                                        </p:attrNameLst>
-                                      </p:cBhvr>
-                                    </p:animRot>
-                                  </p:childTnLst>
-                                </p:cTn>
-                              </p:par>
-                            </p:childTnLst>
-                          </p:cTn>
-                        </p:par>
-                      </p:childTnLst>
-                    </p:cTn>
-                  </p:par>
-                  <p:par>
-                    <p:cTn id="31" fill="hold">
-                      <p:stCondLst>
-                        <p:cond delay="indefinite"/>
-                      </p:stCondLst>
-                      <p:childTnLst>
-                        <p:par>
-                          <p:cTn id="32" fill="hold">
-                            <p:stCondLst>
-                              <p:cond delay="0"/>
-                            </p:stCondLst>
-                            <p:childTnLst>
-                              <p:par>
-                                <p:cTn id="33" presetID="1" presetClass="entr" presetSubtype="0" fill="hold" nodeType="clickEffect">
+                                <p:cTn id="29" presetID="1" presetClass="entr" presetSubtype="0" fill="hold" nodeType="clickEffect">
                                   <p:stCondLst>
                                     <p:cond delay="0"/>
                                   </p:stCondLst>
                                   <p:childTnLst>
                                     <p:set>
                                       <p:cBhvr>
-                                        <p:cTn id="34" dur="1" fill="hold">
+                                        <p:cTn id="30" dur="1" fill="hold">
                                           <p:stCondLst>
                                             <p:cond delay="0"/>
                                           </p:stCondLst>
@@ -8025,6 +9726,44 @@
                     </p:cTn>
                   </p:par>
                   <p:par>
+                    <p:cTn id="31" fill="hold">
+                      <p:stCondLst>
+                        <p:cond delay="indefinite"/>
+                      </p:stCondLst>
+                      <p:childTnLst>
+                        <p:par>
+                          <p:cTn id="32" fill="hold">
+                            <p:stCondLst>
+                              <p:cond delay="0"/>
+                            </p:stCondLst>
+                            <p:childTnLst>
+                              <p:par>
+                                <p:cTn id="33" presetID="8" presetClass="emph" presetSubtype="0" fill="hold" nodeType="clickEffect">
+                                  <p:stCondLst>
+                                    <p:cond delay="0"/>
+                                  </p:stCondLst>
+                                  <p:childTnLst>
+                                    <p:animRot by="10800000">
+                                      <p:cBhvr>
+                                        <p:cTn id="34" dur="1000" fill="hold"/>
+                                        <p:tgtEl>
+                                          <p:spTgt spid="6"/>
+                                        </p:tgtEl>
+                                        <p:attrNameLst>
+                                          <p:attrName>r</p:attrName>
+                                        </p:attrNameLst>
+                                      </p:cBhvr>
+                                    </p:animRot>
+                                  </p:childTnLst>
+                                </p:cTn>
+                              </p:par>
+                            </p:childTnLst>
+                          </p:cTn>
+                        </p:par>
+                      </p:childTnLst>
+                    </p:cTn>
+                  </p:par>
+                  <p:par>
                     <p:cTn id="35" fill="hold">
                       <p:stCondLst>
                         <p:cond delay="indefinite"/>
@@ -8037,14 +9776,63 @@
                             </p:stCondLst>
                             <p:childTnLst>
                               <p:par>
-                                <p:cTn id="37" presetID="6" presetClass="emph" presetSubtype="0" fill="hold" nodeType="clickEffect">
+                                <p:cTn id="37" presetID="1" presetClass="entr" presetSubtype="0" fill="hold" nodeType="clickEffect">
+                                  <p:stCondLst>
+                                    <p:cond delay="0"/>
+                                  </p:stCondLst>
+                                  <p:childTnLst>
+                                    <p:set>
+                                      <p:cBhvr>
+                                        <p:cTn id="38" dur="1" fill="hold">
+                                          <p:stCondLst>
+                                            <p:cond delay="0"/>
+                                          </p:stCondLst>
+                                        </p:cTn>
+                                        <p:tgtEl>
+                                          <p:spTgt spid="3">
+                                            <p:txEl>
+                                              <p:pRg st="6" end="6"/>
+                                            </p:txEl>
+                                          </p:spTgt>
+                                        </p:tgtEl>
+                                        <p:attrNameLst>
+                                          <p:attrName>style.visibility</p:attrName>
+                                        </p:attrNameLst>
+                                      </p:cBhvr>
+                                      <p:to>
+                                        <p:strVal val="visible"/>
+                                      </p:to>
+                                    </p:set>
+                                  </p:childTnLst>
+                                </p:cTn>
+                              </p:par>
+                            </p:childTnLst>
+                          </p:cTn>
+                        </p:par>
+                      </p:childTnLst>
+                    </p:cTn>
+                  </p:par>
+                  <p:par>
+                    <p:cTn id="39" fill="hold">
+                      <p:stCondLst>
+                        <p:cond delay="indefinite"/>
+                      </p:stCondLst>
+                      <p:childTnLst>
+                        <p:par>
+                          <p:cTn id="40" fill="hold">
+                            <p:stCondLst>
+                              <p:cond delay="0"/>
+                            </p:stCondLst>
+                            <p:childTnLst>
+                              <p:par>
+                                <p:cTn id="41" presetID="6" presetClass="emph" presetSubtype="0" fill="hold" nodeType="clickEffect">
                                   <p:stCondLst>
                                     <p:cond delay="0"/>
                                   </p:stCondLst>
                                   <p:childTnLst>
                                     <p:animScale>
                                       <p:cBhvr>
-                                        <p:cTn id="38" dur="1000" fill="hold"/>
+                                        <p:cTn id="42" dur="1000" fill="hold"/>
                                         <p:tgtEl>
                                           <p:spTgt spid="6"/>
                                         </p:tgtEl>
@@ -8088,7 +9876,7 @@
 </p:sld>
 </file>
 
-<file path=ppt/slides/slide15.xml><?xml version="1.0" encoding="utf-8"?>
+<file path=ppt/slides/slide19.xml><?xml version="1.0" encoding="utf-8"?>
 <p:sld xmlns:a="http://schemas.openxmlformats.org/drawingml/2006/main" xmlns:r="http://schemas.openxmlformats.org/officeDocument/2006/relationships" xmlns:p="http://schemas.openxmlformats.org/presentationml/2006/main">
   <p:cSld>
     <p:spTree>
@@ -8592,7 +10380,284 @@
 </p:sld>
 </file>
 
-<file path=ppt/slides/slide16.xml><?xml version="1.0" encoding="utf-8"?>
+<file path=ppt/slides/slide2.xml><?xml version="1.0" encoding="utf-8"?>
+<p:sld xmlns:a="http://schemas.openxmlformats.org/drawingml/2006/main" xmlns:r="http://schemas.openxmlformats.org/officeDocument/2006/relationships" xmlns:p="http://schemas.openxmlformats.org/presentationml/2006/main">
+  <p:cSld>
+    <p:spTree>
+      <p:nvGrpSpPr>
+        <p:cNvPr id="1" name=""/>
+        <p:cNvGrpSpPr/>
+        <p:nvPr/>
+      </p:nvGrpSpPr>
+      <p:grpSpPr>
+        <a:xfrm>
+          <a:off x="0" y="0"/>
+          <a:ext cx="0" cy="0"/>
+          <a:chOff x="0" y="0"/>
+          <a:chExt cx="0" cy="0"/>
+        </a:xfrm>
+      </p:grpSpPr>
+      <p:sp>
+        <p:nvSpPr>
+          <p:cNvPr id="2" name="Title 1"/>
+          <p:cNvSpPr>
+            <a:spLocks noGrp="1"/>
+          </p:cNvSpPr>
+          <p:nvPr>
+            <p:ph type="title"/>
+          </p:nvPr>
+        </p:nvSpPr>
+        <p:spPr/>
+        <p:txBody>
+          <a:bodyPr/>
+          <a:lstStyle/>
+          <a:p>
+            <a:r>
+              <a:rPr lang="de-CH" dirty="0" smtClean="0"/>
+              <a:t>Inhalt</a:t>
+            </a:r>
+            <a:endParaRPr lang="de-CH" dirty="0"/>
+          </a:p>
+        </p:txBody>
+      </p:sp>
+      <p:sp>
+        <p:nvSpPr>
+          <p:cNvPr id="3" name="Content Placeholder 2"/>
+          <p:cNvSpPr>
+            <a:spLocks noGrp="1"/>
+          </p:cNvSpPr>
+          <p:nvPr>
+            <p:ph idx="1"/>
+          </p:nvPr>
+        </p:nvSpPr>
+        <p:spPr/>
+        <p:txBody>
+          <a:bodyPr/>
+          <a:lstStyle/>
+          <a:p>
+            <a:r>
+              <a:rPr lang="de-CH" dirty="0" smtClean="0"/>
+              <a:t>Idee</a:t>
+            </a:r>
+          </a:p>
+          <a:p>
+            <a:r>
+              <a:rPr lang="de-CH" dirty="0" smtClean="0"/>
+              <a:t>Planung/Umsetzung</a:t>
+            </a:r>
+          </a:p>
+          <a:p>
+            <a:r>
+              <a:rPr lang="de-CH" dirty="0" smtClean="0"/>
+              <a:t>Demo</a:t>
+            </a:r>
+            <a:endParaRPr lang="de-CH" dirty="0"/>
+          </a:p>
+        </p:txBody>
+      </p:sp>
+    </p:spTree>
+    <p:extLst>
+      <p:ext uri="{BB962C8B-B14F-4D97-AF65-F5344CB8AC3E}">
+        <p14:creationId xmlns:p14="http://schemas.microsoft.com/office/powerpoint/2010/main" val="2813714511"/>
+      </p:ext>
+    </p:extLst>
+  </p:cSld>
+  <p:clrMapOvr>
+    <a:masterClrMapping/>
+  </p:clrMapOvr>
+  <mc:AlternateContent xmlns:mc="http://schemas.openxmlformats.org/markup-compatibility/2006" xmlns:p14="http://schemas.microsoft.com/office/powerpoint/2010/main">
+    <mc:Choice Requires="p14">
+      <p:transition spd="slow" p14:dur="1200">
+        <p14:prism/>
+      </p:transition>
+    </mc:Choice>
+    <mc:Fallback xmlns="">
+      <p:transition xmlns:p14="http://schemas.microsoft.com/office/powerpoint/2010/main" spd="slow">
+        <p:fade/>
+      </p:transition>
+    </mc:Fallback>
+  </mc:AlternateContent>
+  <p:timing>
+    <p:tnLst>
+      <p:par>
+        <p:cTn xmlns:p14="http://schemas.microsoft.com/office/powerpoint/2010/main" id="1" dur="indefinite" restart="never" nodeType="tmRoot">
+          <p:childTnLst>
+            <p:seq concurrent="1" nextAc="seek">
+              <p:cTn id="2" dur="indefinite" nodeType="mainSeq">
+                <p:childTnLst>
+                  <p:par>
+                    <p:cTn id="3" fill="hold">
+                      <p:stCondLst>
+                        <p:cond delay="indefinite"/>
+                      </p:stCondLst>
+                      <p:childTnLst>
+                        <p:par>
+                          <p:cTn id="4" fill="hold">
+                            <p:stCondLst>
+                              <p:cond delay="0"/>
+                            </p:stCondLst>
+                            <p:childTnLst>
+                              <p:par>
+                                <p:cTn id="5" presetID="1" presetClass="entr" presetSubtype="0" fill="hold" nodeType="clickEffect">
+                                  <p:stCondLst>
+                                    <p:cond delay="0"/>
+                                  </p:stCondLst>
+                                  <p:childTnLst>
+                                    <p:set>
+                                      <p:cBhvr>
+                                        <p:cTn id="6" dur="1" fill="hold">
+                                          <p:stCondLst>
+                                            <p:cond delay="0"/>
+                                          </p:stCondLst>
+                                        </p:cTn>
+                                        <p:tgtEl>
+                                          <p:spTgt spid="3">
+                                            <p:txEl>
+                                              <p:pRg st="0" end="0"/>
+                                            </p:txEl>
+                                          </p:spTgt>
+                                        </p:tgtEl>
+                                        <p:attrNameLst>
+                                          <p:attrName>style.visibility</p:attrName>
+                                        </p:attrNameLst>
+                                      </p:cBhvr>
+                                      <p:to>
+                                        <p:strVal val="visible"/>
+                                      </p:to>
+                                    </p:set>
+                                  </p:childTnLst>
+                                </p:cTn>
+                              </p:par>
+                            </p:childTnLst>
+                          </p:cTn>
+                        </p:par>
+                      </p:childTnLst>
+                    </p:cTn>
+                  </p:par>
+                  <p:par>
+                    <p:cTn id="7" fill="hold">
+                      <p:stCondLst>
+                        <p:cond delay="indefinite"/>
+                      </p:stCondLst>
+                      <p:childTnLst>
+                        <p:par>
+                          <p:cTn id="8" fill="hold">
+                            <p:stCondLst>
+                              <p:cond delay="0"/>
+                            </p:stCondLst>
+                            <p:childTnLst>
+                              <p:par>
+                                <p:cTn id="9" presetID="1" presetClass="entr" presetSubtype="0" fill="hold" nodeType="clickEffect">
+                                  <p:stCondLst>
+                                    <p:cond delay="0"/>
+                                  </p:stCondLst>
+                                  <p:childTnLst>
+                                    <p:set>
+                                      <p:cBhvr>
+                                        <p:cTn id="10" dur="1" fill="hold">
+                                          <p:stCondLst>
+                                            <p:cond delay="0"/>
+                                          </p:stCondLst>
+                                        </p:cTn>
+                                        <p:tgtEl>
+                                          <p:spTgt spid="3">
+                                            <p:txEl>
+                                              <p:pRg st="1" end="1"/>
+                                            </p:txEl>
+                                          </p:spTgt>
+                                        </p:tgtEl>
+                                        <p:attrNameLst>
+                                          <p:attrName>style.visibility</p:attrName>
+                                        </p:attrNameLst>
+                                      </p:cBhvr>
+                                      <p:to>
+                                        <p:strVal val="visible"/>
+                                      </p:to>
+                                    </p:set>
+                                  </p:childTnLst>
+                                </p:cTn>
+                              </p:par>
+                            </p:childTnLst>
+                          </p:cTn>
+                        </p:par>
+                      </p:childTnLst>
+                    </p:cTn>
+                  </p:par>
+                  <p:par>
+                    <p:cTn id="11" fill="hold">
+                      <p:stCondLst>
+                        <p:cond delay="indefinite"/>
+                      </p:stCondLst>
+                      <p:childTnLst>
+                        <p:par>
+                          <p:cTn id="12" fill="hold">
+                            <p:stCondLst>
+                              <p:cond delay="0"/>
+                            </p:stCondLst>
+                            <p:childTnLst>
+                              <p:par>
+                                <p:cTn id="13" presetID="1" presetClass="entr" presetSubtype="0" fill="hold" nodeType="clickEffect">
+                                  <p:stCondLst>
+                                    <p:cond delay="0"/>
+                                  </p:stCondLst>
+                                  <p:childTnLst>
+                                    <p:set>
+                                      <p:cBhvr>
+                                        <p:cTn id="14" dur="1" fill="hold">
+                                          <p:stCondLst>
+                                            <p:cond delay="0"/>
+                                          </p:stCondLst>
+                                        </p:cTn>
+                                        <p:tgtEl>
+                                          <p:spTgt spid="3">
+                                            <p:txEl>
+                                              <p:pRg st="2" end="2"/>
+                                            </p:txEl>
+                                          </p:spTgt>
+                                        </p:tgtEl>
+                                        <p:attrNameLst>
+                                          <p:attrName>style.visibility</p:attrName>
+                                        </p:attrNameLst>
+                                      </p:cBhvr>
+                                      <p:to>
+                                        <p:strVal val="visible"/>
+                                      </p:to>
+                                    </p:set>
+                                  </p:childTnLst>
+                                </p:cTn>
+                              </p:par>
+                            </p:childTnLst>
+                          </p:cTn>
+                        </p:par>
+                      </p:childTnLst>
+                    </p:cTn>
+                  </p:par>
+                </p:childTnLst>
+              </p:cTn>
+              <p:prevCondLst>
+                <p:cond evt="onPrev" delay="0">
+                  <p:tgtEl>
+                    <p:sldTgt/>
+                  </p:tgtEl>
+                </p:cond>
+              </p:prevCondLst>
+              <p:nextCondLst>
+                <p:cond evt="onNext" delay="0">
+                  <p:tgtEl>
+                    <p:sldTgt/>
+                  </p:tgtEl>
+                </p:cond>
+              </p:nextCondLst>
+            </p:seq>
+          </p:childTnLst>
+        </p:cTn>
+      </p:par>
+    </p:tnLst>
+  </p:timing>
+</p:sld>
+</file>
+
+<file path=ppt/slides/slide20.xml><?xml version="1.0" encoding="utf-8"?>
 <p:sld xmlns:a="http://schemas.openxmlformats.org/drawingml/2006/main" xmlns:r="http://schemas.openxmlformats.org/officeDocument/2006/relationships" xmlns:p="http://schemas.openxmlformats.org/presentationml/2006/main">
   <p:cSld>
     <p:spTree>
@@ -8738,7 +10803,7 @@
 </p:sld>
 </file>
 
-<file path=ppt/slides/slide17.xml><?xml version="1.0" encoding="utf-8"?>
+<file path=ppt/slides/slide21.xml><?xml version="1.0" encoding="utf-8"?>
 <p:sld xmlns:a="http://schemas.openxmlformats.org/drawingml/2006/main" xmlns:r="http://schemas.openxmlformats.org/officeDocument/2006/relationships" xmlns:p="http://schemas.openxmlformats.org/presentationml/2006/main">
   <p:cSld>
     <p:spTree>
@@ -8879,7 +10944,7 @@
 </p:sld>
 </file>
 
-<file path=ppt/slides/slide18.xml><?xml version="1.0" encoding="utf-8"?>
+<file path=ppt/slides/slide22.xml><?xml version="1.0" encoding="utf-8"?>
 <p:sld xmlns:a="http://schemas.openxmlformats.org/drawingml/2006/main" xmlns:r="http://schemas.openxmlformats.org/officeDocument/2006/relationships" xmlns:p="http://schemas.openxmlformats.org/presentationml/2006/main">
   <p:cSld>
     <p:spTree>
@@ -9258,7 +11323,7 @@
 </p:sld>
 </file>
 
-<file path=ppt/slides/slide19.xml><?xml version="1.0" encoding="utf-8"?>
+<file path=ppt/slides/slide23.xml><?xml version="1.0" encoding="utf-8"?>
 <p:sld xmlns:a="http://schemas.openxmlformats.org/drawingml/2006/main" xmlns:r="http://schemas.openxmlformats.org/officeDocument/2006/relationships" xmlns:p="http://schemas.openxmlformats.org/presentationml/2006/main">
   <p:cSld>
     <p:spTree>
@@ -9637,114 +11702,7 @@
 </p:sld>
 </file>
 
-<file path=ppt/slides/slide2.xml><?xml version="1.0" encoding="utf-8"?>
-<p:sld xmlns:a="http://schemas.openxmlformats.org/drawingml/2006/main" xmlns:r="http://schemas.openxmlformats.org/officeDocument/2006/relationships" xmlns:p="http://schemas.openxmlformats.org/presentationml/2006/main">
-  <p:cSld>
-    <p:spTree>
-      <p:nvGrpSpPr>
-        <p:cNvPr id="1" name=""/>
-        <p:cNvGrpSpPr/>
-        <p:nvPr/>
-      </p:nvGrpSpPr>
-      <p:grpSpPr>
-        <a:xfrm>
-          <a:off x="0" y="0"/>
-          <a:ext cx="0" cy="0"/>
-          <a:chOff x="0" y="0"/>
-          <a:chExt cx="0" cy="0"/>
-        </a:xfrm>
-      </p:grpSpPr>
-      <p:sp>
-        <p:nvSpPr>
-          <p:cNvPr id="2" name="Title 1"/>
-          <p:cNvSpPr>
-            <a:spLocks noGrp="1"/>
-          </p:cNvSpPr>
-          <p:nvPr>
-            <p:ph type="title"/>
-          </p:nvPr>
-        </p:nvSpPr>
-        <p:spPr/>
-        <p:txBody>
-          <a:bodyPr/>
-          <a:lstStyle/>
-          <a:p>
-            <a:r>
-              <a:rPr lang="de-CH" dirty="0" smtClean="0"/>
-              <a:t>Inhalt</a:t>
-            </a:r>
-            <a:endParaRPr lang="de-CH" dirty="0"/>
-          </a:p>
-        </p:txBody>
-      </p:sp>
-      <p:sp>
-        <p:nvSpPr>
-          <p:cNvPr id="3" name="Content Placeholder 2"/>
-          <p:cNvSpPr>
-            <a:spLocks noGrp="1"/>
-          </p:cNvSpPr>
-          <p:nvPr>
-            <p:ph idx="1"/>
-          </p:nvPr>
-        </p:nvSpPr>
-        <p:spPr/>
-        <p:txBody>
-          <a:bodyPr/>
-          <a:lstStyle/>
-          <a:p>
-            <a:r>
-              <a:rPr lang="de-CH" dirty="0" smtClean="0"/>
-              <a:t>Idee</a:t>
-            </a:r>
-          </a:p>
-          <a:p>
-            <a:r>
-              <a:rPr lang="de-CH" dirty="0" smtClean="0"/>
-              <a:t>Planung/Umsetzung</a:t>
-            </a:r>
-          </a:p>
-          <a:p>
-            <a:r>
-              <a:rPr lang="de-CH" dirty="0" smtClean="0"/>
-              <a:t>Demo</a:t>
-            </a:r>
-            <a:endParaRPr lang="de-CH" dirty="0"/>
-          </a:p>
-        </p:txBody>
-      </p:sp>
-    </p:spTree>
-    <p:extLst>
-      <p:ext uri="{BB962C8B-B14F-4D97-AF65-F5344CB8AC3E}">
-        <p14:creationId xmlns:p14="http://schemas.microsoft.com/office/powerpoint/2010/main" val="2813714511"/>
-      </p:ext>
-    </p:extLst>
-  </p:cSld>
-  <p:clrMapOvr>
-    <a:masterClrMapping/>
-  </p:clrMapOvr>
-  <mc:AlternateContent xmlns:mc="http://schemas.openxmlformats.org/markup-compatibility/2006" xmlns:p14="http://schemas.microsoft.com/office/powerpoint/2010/main">
-    <mc:Choice Requires="p14">
-      <p:transition spd="slow" p14:dur="1200">
-        <p14:prism/>
-      </p:transition>
-    </mc:Choice>
-    <mc:Fallback xmlns="">
-      <p:transition xmlns:p14="http://schemas.microsoft.com/office/powerpoint/2010/main" spd="slow">
-        <p:fade/>
-      </p:transition>
-    </mc:Fallback>
-  </mc:AlternateContent>
-  <p:timing>
-    <p:tnLst>
-      <p:par>
-        <p:cTn xmlns:p14="http://schemas.microsoft.com/office/powerpoint/2010/main" id="1" dur="indefinite" restart="never" nodeType="tmRoot"/>
-      </p:par>
-    </p:tnLst>
-  </p:timing>
-</p:sld>
-</file>
-
-<file path=ppt/slides/slide20.xml><?xml version="1.0" encoding="utf-8"?>
+<file path=ppt/slides/slide24.xml><?xml version="1.0" encoding="utf-8"?>
 <p:sld xmlns:a="http://schemas.openxmlformats.org/drawingml/2006/main" xmlns:r="http://schemas.openxmlformats.org/officeDocument/2006/relationships" xmlns:p="http://schemas.openxmlformats.org/presentationml/2006/main">
   <p:cSld>
     <p:spTree>
@@ -10080,7 +12038,7 @@
 </p:sld>
 </file>
 
-<file path=ppt/slides/slide21.xml><?xml version="1.0" encoding="utf-8"?>
+<file path=ppt/slides/slide25.xml><?xml version="1.0" encoding="utf-8"?>
 <p:sld xmlns:a="http://schemas.openxmlformats.org/drawingml/2006/main" xmlns:r="http://schemas.openxmlformats.org/officeDocument/2006/relationships" xmlns:p="http://schemas.openxmlformats.org/presentationml/2006/main">
   <p:cSld>
     <p:spTree>
@@ -10191,10 +12149,187 @@
       </p:transition>
     </mc:Fallback>
   </mc:AlternateContent>
+  <p:timing>
+    <p:tnLst>
+      <p:par>
+        <p:cTn xmlns:p14="http://schemas.microsoft.com/office/powerpoint/2010/main" id="1" dur="indefinite" restart="never" nodeType="tmRoot">
+          <p:childTnLst>
+            <p:seq concurrent="1" nextAc="seek">
+              <p:cTn id="2" dur="indefinite" nodeType="mainSeq">
+                <p:childTnLst>
+                  <p:par>
+                    <p:cTn id="3" fill="hold">
+                      <p:stCondLst>
+                        <p:cond delay="indefinite"/>
+                      </p:stCondLst>
+                      <p:childTnLst>
+                        <p:par>
+                          <p:cTn id="4" fill="hold">
+                            <p:stCondLst>
+                              <p:cond delay="0"/>
+                            </p:stCondLst>
+                            <p:childTnLst>
+                              <p:par>
+                                <p:cTn id="5" presetID="1" presetClass="entr" presetSubtype="0" fill="hold" nodeType="clickEffect">
+                                  <p:stCondLst>
+                                    <p:cond delay="0"/>
+                                  </p:stCondLst>
+                                  <p:childTnLst>
+                                    <p:set>
+                                      <p:cBhvr>
+                                        <p:cTn id="6" dur="1" fill="hold">
+                                          <p:stCondLst>
+                                            <p:cond delay="0"/>
+                                          </p:stCondLst>
+                                        </p:cTn>
+                                        <p:tgtEl>
+                                          <p:spTgt spid="3">
+                                            <p:txEl>
+                                              <p:pRg st="1" end="1"/>
+                                            </p:txEl>
+                                          </p:spTgt>
+                                        </p:tgtEl>
+                                        <p:attrNameLst>
+                                          <p:attrName>style.visibility</p:attrName>
+                                        </p:attrNameLst>
+                                      </p:cBhvr>
+                                      <p:to>
+                                        <p:strVal val="visible"/>
+                                      </p:to>
+                                    </p:set>
+                                  </p:childTnLst>
+                                </p:cTn>
+                              </p:par>
+                            </p:childTnLst>
+                          </p:cTn>
+                        </p:par>
+                      </p:childTnLst>
+                    </p:cTn>
+                  </p:par>
+                  <p:par>
+                    <p:cTn id="7" fill="hold">
+                      <p:stCondLst>
+                        <p:cond delay="indefinite"/>
+                      </p:stCondLst>
+                      <p:childTnLst>
+                        <p:par>
+                          <p:cTn id="8" fill="hold">
+                            <p:stCondLst>
+                              <p:cond delay="0"/>
+                            </p:stCondLst>
+                            <p:childTnLst>
+                              <p:par>
+                                <p:cTn id="9" presetID="1" presetClass="entr" presetSubtype="0" fill="hold" nodeType="clickEffect">
+                                  <p:stCondLst>
+                                    <p:cond delay="0"/>
+                                  </p:stCondLst>
+                                  <p:childTnLst>
+                                    <p:set>
+                                      <p:cBhvr>
+                                        <p:cTn id="10" dur="1" fill="hold">
+                                          <p:stCondLst>
+                                            <p:cond delay="0"/>
+                                          </p:stCondLst>
+                                        </p:cTn>
+                                        <p:tgtEl>
+                                          <p:spTgt spid="3">
+                                            <p:txEl>
+                                              <p:pRg st="2" end="2"/>
+                                            </p:txEl>
+                                          </p:spTgt>
+                                        </p:tgtEl>
+                                        <p:attrNameLst>
+                                          <p:attrName>style.visibility</p:attrName>
+                                        </p:attrNameLst>
+                                      </p:cBhvr>
+                                      <p:to>
+                                        <p:strVal val="visible"/>
+                                      </p:to>
+                                    </p:set>
+                                  </p:childTnLst>
+                                </p:cTn>
+                              </p:par>
+                            </p:childTnLst>
+                          </p:cTn>
+                        </p:par>
+                      </p:childTnLst>
+                    </p:cTn>
+                  </p:par>
+                  <p:par>
+                    <p:cTn id="11" fill="hold">
+                      <p:stCondLst>
+                        <p:cond delay="indefinite"/>
+                      </p:stCondLst>
+                      <p:childTnLst>
+                        <p:par>
+                          <p:cTn id="12" fill="hold">
+                            <p:stCondLst>
+                              <p:cond delay="0"/>
+                            </p:stCondLst>
+                            <p:childTnLst>
+                              <p:par>
+                                <p:cTn id="13" presetID="1" presetClass="entr" presetSubtype="0" fill="hold" nodeType="clickEffect">
+                                  <p:stCondLst>
+                                    <p:cond delay="0"/>
+                                  </p:stCondLst>
+                                  <p:childTnLst>
+                                    <p:set>
+                                      <p:cBhvr>
+                                        <p:cTn id="14" dur="1" fill="hold">
+                                          <p:stCondLst>
+                                            <p:cond delay="0"/>
+                                          </p:stCondLst>
+                                        </p:cTn>
+                                        <p:tgtEl>
+                                          <p:spTgt spid="3">
+                                            <p:txEl>
+                                              <p:pRg st="3" end="3"/>
+                                            </p:txEl>
+                                          </p:spTgt>
+                                        </p:tgtEl>
+                                        <p:attrNameLst>
+                                          <p:attrName>style.visibility</p:attrName>
+                                        </p:attrNameLst>
+                                      </p:cBhvr>
+                                      <p:to>
+                                        <p:strVal val="visible"/>
+                                      </p:to>
+                                    </p:set>
+                                  </p:childTnLst>
+                                </p:cTn>
+                              </p:par>
+                            </p:childTnLst>
+                          </p:cTn>
+                        </p:par>
+                      </p:childTnLst>
+                    </p:cTn>
+                  </p:par>
+                </p:childTnLst>
+              </p:cTn>
+              <p:prevCondLst>
+                <p:cond evt="onPrev" delay="0">
+                  <p:tgtEl>
+                    <p:sldTgt/>
+                  </p:tgtEl>
+                </p:cond>
+              </p:prevCondLst>
+              <p:nextCondLst>
+                <p:cond evt="onNext" delay="0">
+                  <p:tgtEl>
+                    <p:sldTgt/>
+                  </p:tgtEl>
+                </p:cond>
+              </p:nextCondLst>
+            </p:seq>
+          </p:childTnLst>
+        </p:cTn>
+      </p:par>
+    </p:tnLst>
+  </p:timing>
 </p:sld>
 </file>
 
-<file path=ppt/slides/slide22.xml><?xml version="1.0" encoding="utf-8"?>
+<file path=ppt/slides/slide26.xml><?xml version="1.0" encoding="utf-8"?>
 <p:sld xmlns:a="http://schemas.openxmlformats.org/drawingml/2006/main" xmlns:r="http://schemas.openxmlformats.org/officeDocument/2006/relationships" xmlns:p="http://schemas.openxmlformats.org/presentationml/2006/main">
   <p:cSld>
     <p:spTree>
@@ -10319,10 +12454,187 @@
       </p:transition>
     </mc:Fallback>
   </mc:AlternateContent>
+  <p:timing>
+    <p:tnLst>
+      <p:par>
+        <p:cTn xmlns:p14="http://schemas.microsoft.com/office/powerpoint/2010/main" id="1" dur="indefinite" restart="never" nodeType="tmRoot">
+          <p:childTnLst>
+            <p:seq concurrent="1" nextAc="seek">
+              <p:cTn id="2" dur="indefinite" nodeType="mainSeq">
+                <p:childTnLst>
+                  <p:par>
+                    <p:cTn id="3" fill="hold">
+                      <p:stCondLst>
+                        <p:cond delay="indefinite"/>
+                      </p:stCondLst>
+                      <p:childTnLst>
+                        <p:par>
+                          <p:cTn id="4" fill="hold">
+                            <p:stCondLst>
+                              <p:cond delay="0"/>
+                            </p:stCondLst>
+                            <p:childTnLst>
+                              <p:par>
+                                <p:cTn id="5" presetID="1" presetClass="entr" presetSubtype="0" fill="hold" nodeType="clickEffect">
+                                  <p:stCondLst>
+                                    <p:cond delay="0"/>
+                                  </p:stCondLst>
+                                  <p:childTnLst>
+                                    <p:set>
+                                      <p:cBhvr>
+                                        <p:cTn id="6" dur="1" fill="hold">
+                                          <p:stCondLst>
+                                            <p:cond delay="0"/>
+                                          </p:stCondLst>
+                                        </p:cTn>
+                                        <p:tgtEl>
+                                          <p:spTgt spid="3">
+                                            <p:txEl>
+                                              <p:pRg st="1" end="1"/>
+                                            </p:txEl>
+                                          </p:spTgt>
+                                        </p:tgtEl>
+                                        <p:attrNameLst>
+                                          <p:attrName>style.visibility</p:attrName>
+                                        </p:attrNameLst>
+                                      </p:cBhvr>
+                                      <p:to>
+                                        <p:strVal val="visible"/>
+                                      </p:to>
+                                    </p:set>
+                                  </p:childTnLst>
+                                </p:cTn>
+                              </p:par>
+                            </p:childTnLst>
+                          </p:cTn>
+                        </p:par>
+                      </p:childTnLst>
+                    </p:cTn>
+                  </p:par>
+                  <p:par>
+                    <p:cTn id="7" fill="hold">
+                      <p:stCondLst>
+                        <p:cond delay="indefinite"/>
+                      </p:stCondLst>
+                      <p:childTnLst>
+                        <p:par>
+                          <p:cTn id="8" fill="hold">
+                            <p:stCondLst>
+                              <p:cond delay="0"/>
+                            </p:stCondLst>
+                            <p:childTnLst>
+                              <p:par>
+                                <p:cTn id="9" presetID="1" presetClass="entr" presetSubtype="0" fill="hold" nodeType="clickEffect">
+                                  <p:stCondLst>
+                                    <p:cond delay="0"/>
+                                  </p:stCondLst>
+                                  <p:childTnLst>
+                                    <p:set>
+                                      <p:cBhvr>
+                                        <p:cTn id="10" dur="1" fill="hold">
+                                          <p:stCondLst>
+                                            <p:cond delay="0"/>
+                                          </p:stCondLst>
+                                        </p:cTn>
+                                        <p:tgtEl>
+                                          <p:spTgt spid="3">
+                                            <p:txEl>
+                                              <p:pRg st="2" end="2"/>
+                                            </p:txEl>
+                                          </p:spTgt>
+                                        </p:tgtEl>
+                                        <p:attrNameLst>
+                                          <p:attrName>style.visibility</p:attrName>
+                                        </p:attrNameLst>
+                                      </p:cBhvr>
+                                      <p:to>
+                                        <p:strVal val="visible"/>
+                                      </p:to>
+                                    </p:set>
+                                  </p:childTnLst>
+                                </p:cTn>
+                              </p:par>
+                            </p:childTnLst>
+                          </p:cTn>
+                        </p:par>
+                      </p:childTnLst>
+                    </p:cTn>
+                  </p:par>
+                  <p:par>
+                    <p:cTn id="11" fill="hold">
+                      <p:stCondLst>
+                        <p:cond delay="indefinite"/>
+                      </p:stCondLst>
+                      <p:childTnLst>
+                        <p:par>
+                          <p:cTn id="12" fill="hold">
+                            <p:stCondLst>
+                              <p:cond delay="0"/>
+                            </p:stCondLst>
+                            <p:childTnLst>
+                              <p:par>
+                                <p:cTn id="13" presetID="1" presetClass="entr" presetSubtype="0" fill="hold" nodeType="clickEffect">
+                                  <p:stCondLst>
+                                    <p:cond delay="0"/>
+                                  </p:stCondLst>
+                                  <p:childTnLst>
+                                    <p:set>
+                                      <p:cBhvr>
+                                        <p:cTn id="14" dur="1" fill="hold">
+                                          <p:stCondLst>
+                                            <p:cond delay="0"/>
+                                          </p:stCondLst>
+                                        </p:cTn>
+                                        <p:tgtEl>
+                                          <p:spTgt spid="3">
+                                            <p:txEl>
+                                              <p:pRg st="3" end="3"/>
+                                            </p:txEl>
+                                          </p:spTgt>
+                                        </p:tgtEl>
+                                        <p:attrNameLst>
+                                          <p:attrName>style.visibility</p:attrName>
+                                        </p:attrNameLst>
+                                      </p:cBhvr>
+                                      <p:to>
+                                        <p:strVal val="visible"/>
+                                      </p:to>
+                                    </p:set>
+                                  </p:childTnLst>
+                                </p:cTn>
+                              </p:par>
+                            </p:childTnLst>
+                          </p:cTn>
+                        </p:par>
+                      </p:childTnLst>
+                    </p:cTn>
+                  </p:par>
+                </p:childTnLst>
+              </p:cTn>
+              <p:prevCondLst>
+                <p:cond evt="onPrev" delay="0">
+                  <p:tgtEl>
+                    <p:sldTgt/>
+                  </p:tgtEl>
+                </p:cond>
+              </p:prevCondLst>
+              <p:nextCondLst>
+                <p:cond evt="onNext" delay="0">
+                  <p:tgtEl>
+                    <p:sldTgt/>
+                  </p:tgtEl>
+                </p:cond>
+              </p:nextCondLst>
+            </p:seq>
+          </p:childTnLst>
+        </p:cTn>
+      </p:par>
+    </p:tnLst>
+  </p:timing>
 </p:sld>
 </file>
 
-<file path=ppt/slides/slide23.xml><?xml version="1.0" encoding="utf-8"?>
+<file path=ppt/slides/slide27.xml><?xml version="1.0" encoding="utf-8"?>
 <p:sld xmlns:a="http://schemas.openxmlformats.org/drawingml/2006/main" xmlns:r="http://schemas.openxmlformats.org/officeDocument/2006/relationships" xmlns:p="http://schemas.openxmlformats.org/presentationml/2006/main">
   <p:cSld>
     <p:spTree>
@@ -10394,8 +12706,21 @@
           <a:p>
             <a:r>
               <a:rPr lang="de-CH" dirty="0" smtClean="0"/>
-              <a:t>-</a:t>
-            </a:r>
+              <a:t>Lernen an echtem Projekt</a:t>
+            </a:r>
+          </a:p>
+          <a:p>
+            <a:r>
+              <a:rPr lang="de-CH" dirty="0" smtClean="0"/>
+              <a:t>Gute gegenseitige Unterstützung</a:t>
+            </a:r>
+          </a:p>
+          <a:p>
+            <a:r>
+              <a:rPr lang="de-CH" dirty="0" smtClean="0"/>
+              <a:t>Grundstein für Zukunft</a:t>
+            </a:r>
+            <a:endParaRPr lang="de-CH" dirty="0" smtClean="0"/>
           </a:p>
         </p:txBody>
       </p:sp>
@@ -10421,10 +12746,187 @@
       </p:transition>
     </mc:Fallback>
   </mc:AlternateContent>
+  <p:timing>
+    <p:tnLst>
+      <p:par>
+        <p:cTn xmlns:p14="http://schemas.microsoft.com/office/powerpoint/2010/main" id="1" dur="indefinite" restart="never" nodeType="tmRoot">
+          <p:childTnLst>
+            <p:seq concurrent="1" nextAc="seek">
+              <p:cTn id="2" dur="indefinite" nodeType="mainSeq">
+                <p:childTnLst>
+                  <p:par>
+                    <p:cTn id="3" fill="hold">
+                      <p:stCondLst>
+                        <p:cond delay="indefinite"/>
+                      </p:stCondLst>
+                      <p:childTnLst>
+                        <p:par>
+                          <p:cTn id="4" fill="hold">
+                            <p:stCondLst>
+                              <p:cond delay="0"/>
+                            </p:stCondLst>
+                            <p:childTnLst>
+                              <p:par>
+                                <p:cTn id="5" presetID="1" presetClass="entr" presetSubtype="0" fill="hold" nodeType="clickEffect">
+                                  <p:stCondLst>
+                                    <p:cond delay="0"/>
+                                  </p:stCondLst>
+                                  <p:childTnLst>
+                                    <p:set>
+                                      <p:cBhvr>
+                                        <p:cTn id="6" dur="1" fill="hold">
+                                          <p:stCondLst>
+                                            <p:cond delay="0"/>
+                                          </p:stCondLst>
+                                        </p:cTn>
+                                        <p:tgtEl>
+                                          <p:spTgt spid="3">
+                                            <p:txEl>
+                                              <p:pRg st="1" end="1"/>
+                                            </p:txEl>
+                                          </p:spTgt>
+                                        </p:tgtEl>
+                                        <p:attrNameLst>
+                                          <p:attrName>style.visibility</p:attrName>
+                                        </p:attrNameLst>
+                                      </p:cBhvr>
+                                      <p:to>
+                                        <p:strVal val="visible"/>
+                                      </p:to>
+                                    </p:set>
+                                  </p:childTnLst>
+                                </p:cTn>
+                              </p:par>
+                            </p:childTnLst>
+                          </p:cTn>
+                        </p:par>
+                      </p:childTnLst>
+                    </p:cTn>
+                  </p:par>
+                  <p:par>
+                    <p:cTn id="7" fill="hold">
+                      <p:stCondLst>
+                        <p:cond delay="indefinite"/>
+                      </p:stCondLst>
+                      <p:childTnLst>
+                        <p:par>
+                          <p:cTn id="8" fill="hold">
+                            <p:stCondLst>
+                              <p:cond delay="0"/>
+                            </p:stCondLst>
+                            <p:childTnLst>
+                              <p:par>
+                                <p:cTn id="9" presetID="1" presetClass="entr" presetSubtype="0" fill="hold" nodeType="clickEffect">
+                                  <p:stCondLst>
+                                    <p:cond delay="0"/>
+                                  </p:stCondLst>
+                                  <p:childTnLst>
+                                    <p:set>
+                                      <p:cBhvr>
+                                        <p:cTn id="10" dur="1" fill="hold">
+                                          <p:stCondLst>
+                                            <p:cond delay="0"/>
+                                          </p:stCondLst>
+                                        </p:cTn>
+                                        <p:tgtEl>
+                                          <p:spTgt spid="3">
+                                            <p:txEl>
+                                              <p:pRg st="2" end="2"/>
+                                            </p:txEl>
+                                          </p:spTgt>
+                                        </p:tgtEl>
+                                        <p:attrNameLst>
+                                          <p:attrName>style.visibility</p:attrName>
+                                        </p:attrNameLst>
+                                      </p:cBhvr>
+                                      <p:to>
+                                        <p:strVal val="visible"/>
+                                      </p:to>
+                                    </p:set>
+                                  </p:childTnLst>
+                                </p:cTn>
+                              </p:par>
+                            </p:childTnLst>
+                          </p:cTn>
+                        </p:par>
+                      </p:childTnLst>
+                    </p:cTn>
+                  </p:par>
+                  <p:par>
+                    <p:cTn id="11" fill="hold">
+                      <p:stCondLst>
+                        <p:cond delay="indefinite"/>
+                      </p:stCondLst>
+                      <p:childTnLst>
+                        <p:par>
+                          <p:cTn id="12" fill="hold">
+                            <p:stCondLst>
+                              <p:cond delay="0"/>
+                            </p:stCondLst>
+                            <p:childTnLst>
+                              <p:par>
+                                <p:cTn id="13" presetID="1" presetClass="entr" presetSubtype="0" fill="hold" nodeType="clickEffect">
+                                  <p:stCondLst>
+                                    <p:cond delay="0"/>
+                                  </p:stCondLst>
+                                  <p:childTnLst>
+                                    <p:set>
+                                      <p:cBhvr>
+                                        <p:cTn id="14" dur="1" fill="hold">
+                                          <p:stCondLst>
+                                            <p:cond delay="0"/>
+                                          </p:stCondLst>
+                                        </p:cTn>
+                                        <p:tgtEl>
+                                          <p:spTgt spid="3">
+                                            <p:txEl>
+                                              <p:pRg st="3" end="3"/>
+                                            </p:txEl>
+                                          </p:spTgt>
+                                        </p:tgtEl>
+                                        <p:attrNameLst>
+                                          <p:attrName>style.visibility</p:attrName>
+                                        </p:attrNameLst>
+                                      </p:cBhvr>
+                                      <p:to>
+                                        <p:strVal val="visible"/>
+                                      </p:to>
+                                    </p:set>
+                                  </p:childTnLst>
+                                </p:cTn>
+                              </p:par>
+                            </p:childTnLst>
+                          </p:cTn>
+                        </p:par>
+                      </p:childTnLst>
+                    </p:cTn>
+                  </p:par>
+                </p:childTnLst>
+              </p:cTn>
+              <p:prevCondLst>
+                <p:cond evt="onPrev" delay="0">
+                  <p:tgtEl>
+                    <p:sldTgt/>
+                  </p:tgtEl>
+                </p:cond>
+              </p:prevCondLst>
+              <p:nextCondLst>
+                <p:cond evt="onNext" delay="0">
+                  <p:tgtEl>
+                    <p:sldTgt/>
+                  </p:tgtEl>
+                </p:cond>
+              </p:nextCondLst>
+            </p:seq>
+          </p:childTnLst>
+        </p:cTn>
+      </p:par>
+    </p:tnLst>
+  </p:timing>
 </p:sld>
 </file>
 
-<file path=ppt/slides/slide24.xml><?xml version="1.0" encoding="utf-8"?>
+<file path=ppt/slides/slide28.xml><?xml version="1.0" encoding="utf-8"?>
 <p:sld xmlns:a="http://schemas.openxmlformats.org/drawingml/2006/main" xmlns:r="http://schemas.openxmlformats.org/officeDocument/2006/relationships" xmlns:p="http://schemas.openxmlformats.org/presentationml/2006/main">
   <p:cSld>
     <p:spTree>
@@ -10501,9 +13003,8 @@
           <a:p>
             <a:r>
               <a:rPr lang="de-CH" dirty="0" smtClean="0"/>
-              <a:t>-</a:t>
-            </a:r>
-            <a:endParaRPr lang="de-CH" dirty="0"/>
+              <a:t>Zeitdruck durch hohe Ziele</a:t>
+            </a:r>
           </a:p>
         </p:txBody>
       </p:sp>
@@ -10529,10 +13030,89 @@
       </p:transition>
     </mc:Fallback>
   </mc:AlternateContent>
+  <p:timing>
+    <p:tnLst>
+      <p:par>
+        <p:cTn xmlns:p14="http://schemas.microsoft.com/office/powerpoint/2010/main" id="1" dur="indefinite" restart="never" nodeType="tmRoot">
+          <p:childTnLst>
+            <p:seq concurrent="1" nextAc="seek">
+              <p:cTn id="2" dur="indefinite" nodeType="mainSeq">
+                <p:childTnLst>
+                  <p:par>
+                    <p:cTn id="3" fill="hold">
+                      <p:stCondLst>
+                        <p:cond delay="indefinite"/>
+                      </p:stCondLst>
+                      <p:childTnLst>
+                        <p:par>
+                          <p:cTn id="4" fill="hold">
+                            <p:stCondLst>
+                              <p:cond delay="0"/>
+                            </p:stCondLst>
+                            <p:childTnLst>
+                              <p:par>
+                                <p:cTn id="5" presetID="1" presetClass="entr" presetSubtype="0" fill="hold" nodeType="clickEffect">
+                                  <p:stCondLst>
+                                    <p:cond delay="0"/>
+                                  </p:stCondLst>
+                                  <p:childTnLst>
+                                    <p:set>
+                                      <p:cBhvr>
+                                        <p:cTn id="6" dur="1" fill="hold">
+                                          <p:stCondLst>
+                                            <p:cond delay="0"/>
+                                          </p:stCondLst>
+                                        </p:cTn>
+                                        <p:tgtEl>
+                                          <p:spTgt spid="3">
+                                            <p:txEl>
+                                              <p:pRg st="1" end="1"/>
+                                            </p:txEl>
+                                          </p:spTgt>
+                                        </p:tgtEl>
+                                        <p:attrNameLst>
+                                          <p:attrName>style.visibility</p:attrName>
+                                        </p:attrNameLst>
+                                      </p:cBhvr>
+                                      <p:to>
+                                        <p:strVal val="visible"/>
+                                      </p:to>
+                                    </p:set>
+                                  </p:childTnLst>
+                                </p:cTn>
+                              </p:par>
+                            </p:childTnLst>
+                          </p:cTn>
+                        </p:par>
+                      </p:childTnLst>
+                    </p:cTn>
+                  </p:par>
+                </p:childTnLst>
+              </p:cTn>
+              <p:prevCondLst>
+                <p:cond evt="onPrev" delay="0">
+                  <p:tgtEl>
+                    <p:sldTgt/>
+                  </p:tgtEl>
+                </p:cond>
+              </p:prevCondLst>
+              <p:nextCondLst>
+                <p:cond evt="onNext" delay="0">
+                  <p:tgtEl>
+                    <p:sldTgt/>
+                  </p:tgtEl>
+                </p:cond>
+              </p:nextCondLst>
+            </p:seq>
+          </p:childTnLst>
+        </p:cTn>
+      </p:par>
+    </p:tnLst>
+  </p:timing>
 </p:sld>
 </file>
 
-<file path=ppt/slides/slide25.xml><?xml version="1.0" encoding="utf-8"?>
+<file path=ppt/slides/slide29.xml><?xml version="1.0" encoding="utf-8"?>
 <p:sld xmlns:a="http://schemas.openxmlformats.org/drawingml/2006/main" xmlns:r="http://schemas.openxmlformats.org/officeDocument/2006/relationships" xmlns:p="http://schemas.openxmlformats.org/presentationml/2006/main">
   <p:cSld>
     <p:spTree>
@@ -10615,99 +13195,6 @@
       </p:transition>
     </mc:Fallback>
   </mc:AlternateContent>
-</p:sld>
-</file>
-
-<file path=ppt/slides/slide26.xml><?xml version="1.0" encoding="utf-8"?>
-<p:sld xmlns:a="http://schemas.openxmlformats.org/drawingml/2006/main" xmlns:r="http://schemas.openxmlformats.org/officeDocument/2006/relationships" xmlns:p="http://schemas.openxmlformats.org/presentationml/2006/main">
-  <p:cSld>
-    <p:spTree>
-      <p:nvGrpSpPr>
-        <p:cNvPr id="1" name=""/>
-        <p:cNvGrpSpPr/>
-        <p:nvPr/>
-      </p:nvGrpSpPr>
-      <p:grpSpPr>
-        <a:xfrm>
-          <a:off x="0" y="0"/>
-          <a:ext cx="0" cy="0"/>
-          <a:chOff x="0" y="0"/>
-          <a:chExt cx="0" cy="0"/>
-        </a:xfrm>
-      </p:grpSpPr>
-      <p:sp>
-        <p:nvSpPr>
-          <p:cNvPr id="6" name="Titel 5"/>
-          <p:cNvSpPr>
-            <a:spLocks noGrp="1"/>
-          </p:cNvSpPr>
-          <p:nvPr>
-            <p:ph type="title"/>
-          </p:nvPr>
-        </p:nvSpPr>
-        <p:spPr/>
-        <p:txBody>
-          <a:bodyPr/>
-          <a:lstStyle/>
-          <a:p>
-            <a:r>
-              <a:rPr lang="de-CH" dirty="0" smtClean="0"/>
-              <a:t>Fragen?</a:t>
-            </a:r>
-            <a:endParaRPr lang="de-CH" dirty="0"/>
-          </a:p>
-        </p:txBody>
-      </p:sp>
-      <p:sp>
-        <p:nvSpPr>
-          <p:cNvPr id="7" name="Inhaltsplatzhalter 6"/>
-          <p:cNvSpPr>
-            <a:spLocks noGrp="1"/>
-          </p:cNvSpPr>
-          <p:nvPr>
-            <p:ph idx="1"/>
-          </p:nvPr>
-        </p:nvSpPr>
-        <p:spPr/>
-        <p:txBody>
-          <a:bodyPr>
-            <a:noAutofit/>
-          </a:bodyPr>
-          <a:lstStyle/>
-          <a:p>
-            <a:pPr marL="0" indent="0" algn="ctr">
-              <a:buNone/>
-            </a:pPr>
-            <a:r>
-              <a:rPr lang="de-CH" sz="19900" dirty="0" smtClean="0"/>
-              <a:t>?</a:t>
-            </a:r>
-            <a:endParaRPr lang="de-CH" sz="19900" dirty="0"/>
-          </a:p>
-        </p:txBody>
-      </p:sp>
-    </p:spTree>
-    <p:extLst>
-      <p:ext uri="{BB962C8B-B14F-4D97-AF65-F5344CB8AC3E}">
-        <p14:creationId xmlns:p14="http://schemas.microsoft.com/office/powerpoint/2010/main" val="2682229460"/>
-      </p:ext>
-    </p:extLst>
-  </p:cSld>
-  <p:clrMapOvr>
-    <a:masterClrMapping/>
-  </p:clrMapOvr>
-  <mc:AlternateContent xmlns:mc="http://schemas.openxmlformats.org/markup-compatibility/2006" xmlns:p14="http://schemas.microsoft.com/office/powerpoint/2010/main">
-    <mc:Choice Requires="p14">
-      <p:transition spd="slow" p14:dur="1200">
-        <p14:prism/>
-      </p:transition>
-    </mc:Choice>
-    <mc:Fallback xmlns="">
-      <p:transition xmlns:p14="http://schemas.microsoft.com/office/powerpoint/2010/main" spd="slow">
-        <p:fade/>
-      </p:transition>
-    </mc:Fallback>
-  </mc:AlternateContent>
   <p:timing>
     <p:tnLst>
       <p:par>
@@ -10715,92 +13202,6 @@
       </p:par>
     </p:tnLst>
   </p:timing>
-</p:sld>
-</file>
-
-<file path=ppt/slides/slide27.xml><?xml version="1.0" encoding="utf-8"?>
-<p:sld xmlns:a="http://schemas.openxmlformats.org/drawingml/2006/main" xmlns:r="http://schemas.openxmlformats.org/officeDocument/2006/relationships" xmlns:p="http://schemas.openxmlformats.org/presentationml/2006/main">
-  <p:cSld>
-    <p:spTree>
-      <p:nvGrpSpPr>
-        <p:cNvPr id="1" name=""/>
-        <p:cNvGrpSpPr/>
-        <p:nvPr/>
-      </p:nvGrpSpPr>
-      <p:grpSpPr>
-        <a:xfrm>
-          <a:off x="0" y="0"/>
-          <a:ext cx="0" cy="0"/>
-          <a:chOff x="0" y="0"/>
-          <a:chExt cx="0" cy="0"/>
-        </a:xfrm>
-      </p:grpSpPr>
-      <p:sp>
-        <p:nvSpPr>
-          <p:cNvPr id="2" name="Titel 1"/>
-          <p:cNvSpPr txBox="1">
-            <a:spLocks/>
-          </p:cNvSpPr>
-          <p:nvPr/>
-        </p:nvSpPr>
-        <p:spPr>
-          <a:xfrm>
-            <a:off x="457200" y="2263458"/>
-            <a:ext cx="8229600" cy="1143000"/>
-          </a:xfrm>
-          <a:prstGeom prst="rect">
-            <a:avLst/>
-          </a:prstGeom>
-        </p:spPr>
-        <p:txBody>
-          <a:bodyPr/>
-          <a:lstStyle>
-            <a:lvl1pPr algn="ctr" defTabSz="914400" rtl="0" eaLnBrk="1" latinLnBrk="0" hangingPunct="1">
-              <a:spcBef>
-                <a:spcPct val="0"/>
-              </a:spcBef>
-              <a:buNone/>
-              <a:defRPr sz="4600" kern="1200">
-                <a:solidFill>
-                  <a:schemeClr val="bg1"/>
-                </a:solidFill>
-                <a:latin typeface="+mj-lt"/>
-                <a:ea typeface="+mj-ea"/>
-                <a:cs typeface="+mj-cs"/>
-              </a:defRPr>
-            </a:lvl1pPr>
-          </a:lstStyle>
-          <a:p>
-            <a:r>
-              <a:rPr lang="de-CH" sz="6000" dirty="0" smtClean="0"/>
-              <a:t>Danke für die Aufmerksamkeit!</a:t>
-            </a:r>
-            <a:endParaRPr lang="de-CH" sz="6000" dirty="0"/>
-          </a:p>
-        </p:txBody>
-      </p:sp>
-    </p:spTree>
-    <p:extLst>
-      <p:ext uri="{BB962C8B-B14F-4D97-AF65-F5344CB8AC3E}">
-        <p14:creationId xmlns:p14="http://schemas.microsoft.com/office/powerpoint/2010/main" val="4271919466"/>
-      </p:ext>
-    </p:extLst>
-  </p:cSld>
-  <p:clrMapOvr>
-    <a:masterClrMapping/>
-  </p:clrMapOvr>
-  <mc:AlternateContent xmlns:mc="http://schemas.openxmlformats.org/markup-compatibility/2006" xmlns:p14="http://schemas.microsoft.com/office/powerpoint/2010/main">
-    <mc:Choice Requires="p14">
-      <p:transition spd="slow" p14:dur="1200">
-        <p14:prism/>
-      </p:transition>
-    </mc:Choice>
-    <mc:Fallback xmlns="">
-      <p:transition xmlns:p14="http://schemas.microsoft.com/office/powerpoint/2010/main" spd="slow">
-        <p:fade/>
-      </p:transition>
-    </mc:Fallback>
-  </mc:AlternateContent>
 </p:sld>
 </file>
 
@@ -11442,6 +13843,199 @@
 </p:sld>
 </file>
 
+<file path=ppt/slides/slide30.xml><?xml version="1.0" encoding="utf-8"?>
+<p:sld xmlns:a="http://schemas.openxmlformats.org/drawingml/2006/main" xmlns:r="http://schemas.openxmlformats.org/officeDocument/2006/relationships" xmlns:p="http://schemas.openxmlformats.org/presentationml/2006/main">
+  <p:cSld>
+    <p:spTree>
+      <p:nvGrpSpPr>
+        <p:cNvPr id="1" name=""/>
+        <p:cNvGrpSpPr/>
+        <p:nvPr/>
+      </p:nvGrpSpPr>
+      <p:grpSpPr>
+        <a:xfrm>
+          <a:off x="0" y="0"/>
+          <a:ext cx="0" cy="0"/>
+          <a:chOff x="0" y="0"/>
+          <a:chExt cx="0" cy="0"/>
+        </a:xfrm>
+      </p:grpSpPr>
+      <p:sp>
+        <p:nvSpPr>
+          <p:cNvPr id="6" name="Titel 5"/>
+          <p:cNvSpPr>
+            <a:spLocks noGrp="1"/>
+          </p:cNvSpPr>
+          <p:nvPr>
+            <p:ph type="title"/>
+          </p:nvPr>
+        </p:nvSpPr>
+        <p:spPr/>
+        <p:txBody>
+          <a:bodyPr/>
+          <a:lstStyle/>
+          <a:p>
+            <a:r>
+              <a:rPr lang="de-CH" dirty="0" smtClean="0"/>
+              <a:t>Fragen?</a:t>
+            </a:r>
+            <a:endParaRPr lang="de-CH" dirty="0"/>
+          </a:p>
+        </p:txBody>
+      </p:sp>
+      <p:sp>
+        <p:nvSpPr>
+          <p:cNvPr id="7" name="Inhaltsplatzhalter 6"/>
+          <p:cNvSpPr>
+            <a:spLocks noGrp="1"/>
+          </p:cNvSpPr>
+          <p:nvPr>
+            <p:ph idx="1"/>
+          </p:nvPr>
+        </p:nvSpPr>
+        <p:spPr/>
+        <p:txBody>
+          <a:bodyPr>
+            <a:noAutofit/>
+          </a:bodyPr>
+          <a:lstStyle/>
+          <a:p>
+            <a:pPr marL="0" indent="0" algn="ctr">
+              <a:buNone/>
+            </a:pPr>
+            <a:r>
+              <a:rPr lang="de-CH" sz="19900" dirty="0" smtClean="0"/>
+              <a:t>?</a:t>
+            </a:r>
+            <a:endParaRPr lang="de-CH" sz="19900" dirty="0"/>
+          </a:p>
+        </p:txBody>
+      </p:sp>
+    </p:spTree>
+    <p:extLst>
+      <p:ext uri="{BB962C8B-B14F-4D97-AF65-F5344CB8AC3E}">
+        <p14:creationId xmlns:p14="http://schemas.microsoft.com/office/powerpoint/2010/main" val="2682229460"/>
+      </p:ext>
+    </p:extLst>
+  </p:cSld>
+  <p:clrMapOvr>
+    <a:masterClrMapping/>
+  </p:clrMapOvr>
+  <mc:AlternateContent xmlns:mc="http://schemas.openxmlformats.org/markup-compatibility/2006" xmlns:p14="http://schemas.microsoft.com/office/powerpoint/2010/main">
+    <mc:Choice Requires="p14">
+      <p:transition spd="slow" p14:dur="1200">
+        <p14:prism/>
+      </p:transition>
+    </mc:Choice>
+    <mc:Fallback xmlns="">
+      <p:transition xmlns:p14="http://schemas.microsoft.com/office/powerpoint/2010/main" spd="slow">
+        <p:fade/>
+      </p:transition>
+    </mc:Fallback>
+  </mc:AlternateContent>
+  <p:timing>
+    <p:tnLst>
+      <p:par>
+        <p:cTn xmlns:p14="http://schemas.microsoft.com/office/powerpoint/2010/main" id="1" dur="indefinite" restart="never" nodeType="tmRoot"/>
+      </p:par>
+    </p:tnLst>
+  </p:timing>
+</p:sld>
+</file>
+
+<file path=ppt/slides/slide31.xml><?xml version="1.0" encoding="utf-8"?>
+<p:sld xmlns:a="http://schemas.openxmlformats.org/drawingml/2006/main" xmlns:r="http://schemas.openxmlformats.org/officeDocument/2006/relationships" xmlns:p="http://schemas.openxmlformats.org/presentationml/2006/main">
+  <p:cSld>
+    <p:spTree>
+      <p:nvGrpSpPr>
+        <p:cNvPr id="1" name=""/>
+        <p:cNvGrpSpPr/>
+        <p:nvPr/>
+      </p:nvGrpSpPr>
+      <p:grpSpPr>
+        <a:xfrm>
+          <a:off x="0" y="0"/>
+          <a:ext cx="0" cy="0"/>
+          <a:chOff x="0" y="0"/>
+          <a:chExt cx="0" cy="0"/>
+        </a:xfrm>
+      </p:grpSpPr>
+      <p:sp>
+        <p:nvSpPr>
+          <p:cNvPr id="2" name="Titel 1"/>
+          <p:cNvSpPr txBox="1">
+            <a:spLocks/>
+          </p:cNvSpPr>
+          <p:nvPr/>
+        </p:nvSpPr>
+        <p:spPr>
+          <a:xfrm>
+            <a:off x="457200" y="2263458"/>
+            <a:ext cx="8229600" cy="1143000"/>
+          </a:xfrm>
+          <a:prstGeom prst="rect">
+            <a:avLst/>
+          </a:prstGeom>
+        </p:spPr>
+        <p:txBody>
+          <a:bodyPr/>
+          <a:lstStyle>
+            <a:lvl1pPr algn="ctr" defTabSz="914400" rtl="0" eaLnBrk="1" latinLnBrk="0" hangingPunct="1">
+              <a:spcBef>
+                <a:spcPct val="0"/>
+              </a:spcBef>
+              <a:buNone/>
+              <a:defRPr sz="4600" kern="1200">
+                <a:solidFill>
+                  <a:schemeClr val="bg1"/>
+                </a:solidFill>
+                <a:latin typeface="+mj-lt"/>
+                <a:ea typeface="+mj-ea"/>
+                <a:cs typeface="+mj-cs"/>
+              </a:defRPr>
+            </a:lvl1pPr>
+          </a:lstStyle>
+          <a:p>
+            <a:r>
+              <a:rPr lang="de-CH" sz="6000" dirty="0" smtClean="0"/>
+              <a:t>Danke für die Aufmerksamkeit!</a:t>
+            </a:r>
+            <a:endParaRPr lang="de-CH" sz="6000" dirty="0"/>
+          </a:p>
+        </p:txBody>
+      </p:sp>
+    </p:spTree>
+    <p:extLst>
+      <p:ext uri="{BB962C8B-B14F-4D97-AF65-F5344CB8AC3E}">
+        <p14:creationId xmlns:p14="http://schemas.microsoft.com/office/powerpoint/2010/main" val="4271919466"/>
+      </p:ext>
+    </p:extLst>
+  </p:cSld>
+  <p:clrMapOvr>
+    <a:masterClrMapping/>
+  </p:clrMapOvr>
+  <mc:AlternateContent xmlns:mc="http://schemas.openxmlformats.org/markup-compatibility/2006" xmlns:p14="http://schemas.microsoft.com/office/powerpoint/2010/main">
+    <mc:Choice Requires="p14">
+      <p:transition spd="slow" p14:dur="1200">
+        <p14:prism/>
+      </p:transition>
+    </mc:Choice>
+    <mc:Fallback xmlns="">
+      <p:transition xmlns:p14="http://schemas.microsoft.com/office/powerpoint/2010/main" spd="slow">
+        <p:fade/>
+      </p:transition>
+    </mc:Fallback>
+  </mc:AlternateContent>
+  <p:timing>
+    <p:tnLst>
+      <p:par>
+        <p:cTn xmlns:p14="http://schemas.microsoft.com/office/powerpoint/2010/main" id="1" dur="indefinite" restart="never" nodeType="tmRoot"/>
+      </p:par>
+    </p:tnLst>
+  </p:timing>
+</p:sld>
+</file>
+
 <file path=ppt/slides/slide4.xml><?xml version="1.0" encoding="utf-8"?>
 <p:sld xmlns:a="http://schemas.openxmlformats.org/drawingml/2006/main" xmlns:r="http://schemas.openxmlformats.org/officeDocument/2006/relationships" xmlns:p="http://schemas.openxmlformats.org/presentationml/2006/main">
   <p:cSld>
@@ -12890,35 +15484,56 @@
           <a:p>
             <a:r>
               <a:rPr lang="de-CH" dirty="0" smtClean="0"/>
-              <a:t>Konzept</a:t>
+              <a:t>Spielprinzip</a:t>
             </a:r>
             <a:endParaRPr lang="de-CH" dirty="0"/>
           </a:p>
         </p:txBody>
       </p:sp>
-      <p:pic>
-        <p:nvPicPr>
-          <p:cNvPr id="4" name="Inhaltsplatzhalter 3"/>
-          <p:cNvPicPr>
-            <a:picLocks noGrp="1" noChangeAspect="1"/>
-          </p:cNvPicPr>
+      <p:sp>
+        <p:nvSpPr>
+          <p:cNvPr id="3" name="Inhaltsplatzhalter 2"/>
+          <p:cNvSpPr>
+            <a:spLocks noGrp="1"/>
+          </p:cNvSpPr>
           <p:nvPr>
             <p:ph idx="1"/>
           </p:nvPr>
-        </p:nvPicPr>
-        <p:blipFill>
-          <a:blip r:embed="rId2"/>
-          <a:srcRect l="-5532" r="-5532"/>
-          <a:stretch>
-            <a:fillRect/>
-          </a:stretch>
-        </p:blipFill>
+        </p:nvSpPr>
         <p:spPr/>
-      </p:pic>
+        <p:txBody>
+          <a:bodyPr/>
+          <a:lstStyle/>
+          <a:p>
+            <a:r>
+              <a:rPr lang="de-CH" dirty="0" smtClean="0"/>
+              <a:t>Gegenstände sammeln</a:t>
+            </a:r>
+          </a:p>
+          <a:p>
+            <a:r>
+              <a:rPr lang="de-CH" dirty="0" smtClean="0"/>
+              <a:t>Gegner bezwingen</a:t>
+            </a:r>
+          </a:p>
+          <a:p>
+            <a:r>
+              <a:rPr lang="de-CH" dirty="0" smtClean="0"/>
+              <a:t>Level beenden</a:t>
+            </a:r>
+          </a:p>
+          <a:p>
+            <a:r>
+              <a:rPr lang="de-CH" dirty="0" smtClean="0"/>
+              <a:t>Spass haben</a:t>
+            </a:r>
+          </a:p>
+        </p:txBody>
+      </p:sp>
     </p:spTree>
     <p:extLst>
       <p:ext uri="{BB962C8B-B14F-4D97-AF65-F5344CB8AC3E}">
-        <p14:creationId xmlns:p14="http://schemas.microsoft.com/office/powerpoint/2010/main" val="1855678142"/>
+        <p14:creationId xmlns:p14="http://schemas.microsoft.com/office/powerpoint/2010/main" val="2480961179"/>
       </p:ext>
     </p:extLst>
   </p:cSld>
@@ -12971,7 +15586,158 @@
                                           </p:stCondLst>
                                         </p:cTn>
                                         <p:tgtEl>
-                                          <p:spTgt spid="4"/>
+                                          <p:spTgt spid="3">
+                                            <p:txEl>
+                                              <p:pRg st="0" end="0"/>
+                                            </p:txEl>
+                                          </p:spTgt>
+                                        </p:tgtEl>
+                                        <p:attrNameLst>
+                                          <p:attrName>style.visibility</p:attrName>
+                                        </p:attrNameLst>
+                                      </p:cBhvr>
+                                      <p:to>
+                                        <p:strVal val="visible"/>
+                                      </p:to>
+                                    </p:set>
+                                  </p:childTnLst>
+                                </p:cTn>
+                              </p:par>
+                            </p:childTnLst>
+                          </p:cTn>
+                        </p:par>
+                      </p:childTnLst>
+                    </p:cTn>
+                  </p:par>
+                  <p:par>
+                    <p:cTn id="7" fill="hold">
+                      <p:stCondLst>
+                        <p:cond delay="indefinite"/>
+                      </p:stCondLst>
+                      <p:childTnLst>
+                        <p:par>
+                          <p:cTn id="8" fill="hold">
+                            <p:stCondLst>
+                              <p:cond delay="0"/>
+                            </p:stCondLst>
+                            <p:childTnLst>
+                              <p:par>
+                                <p:cTn id="9" presetID="1" presetClass="entr" presetSubtype="0" fill="hold" nodeType="clickEffect">
+                                  <p:stCondLst>
+                                    <p:cond delay="0"/>
+                                  </p:stCondLst>
+                                  <p:childTnLst>
+                                    <p:set>
+                                      <p:cBhvr>
+                                        <p:cTn id="10" dur="1" fill="hold">
+                                          <p:stCondLst>
+                                            <p:cond delay="0"/>
+                                          </p:stCondLst>
+                                        </p:cTn>
+                                        <p:tgtEl>
+                                          <p:spTgt spid="3">
+                                            <p:txEl>
+                                              <p:pRg st="1" end="1"/>
+                                            </p:txEl>
+                                          </p:spTgt>
+                                        </p:tgtEl>
+                                        <p:attrNameLst>
+                                          <p:attrName>style.visibility</p:attrName>
+                                        </p:attrNameLst>
+                                      </p:cBhvr>
+                                      <p:to>
+                                        <p:strVal val="visible"/>
+                                      </p:to>
+                                    </p:set>
+                                  </p:childTnLst>
+                                </p:cTn>
+                              </p:par>
+                            </p:childTnLst>
+                          </p:cTn>
+                        </p:par>
+                      </p:childTnLst>
+                    </p:cTn>
+                  </p:par>
+                  <p:par>
+                    <p:cTn id="11" fill="hold">
+                      <p:stCondLst>
+                        <p:cond delay="indefinite"/>
+                      </p:stCondLst>
+                      <p:childTnLst>
+                        <p:par>
+                          <p:cTn id="12" fill="hold">
+                            <p:stCondLst>
+                              <p:cond delay="0"/>
+                            </p:stCondLst>
+                            <p:childTnLst>
+                              <p:par>
+                                <p:cTn id="13" presetID="1" presetClass="entr" presetSubtype="0" fill="hold" nodeType="clickEffect">
+                                  <p:stCondLst>
+                                    <p:cond delay="0"/>
+                                  </p:stCondLst>
+                                  <p:childTnLst>
+                                    <p:set>
+                                      <p:cBhvr>
+                                        <p:cTn id="14" dur="1" fill="hold">
+                                          <p:stCondLst>
+                                            <p:cond delay="0"/>
+                                          </p:stCondLst>
+                                        </p:cTn>
+                                        <p:tgtEl>
+                                          <p:spTgt spid="3">
+                                            <p:txEl>
+                                              <p:pRg st="2" end="2"/>
+                                            </p:txEl>
+                                          </p:spTgt>
+                                        </p:tgtEl>
+                                        <p:attrNameLst>
+                                          <p:attrName>style.visibility</p:attrName>
+                                        </p:attrNameLst>
+                                      </p:cBhvr>
+                                      <p:to>
+                                        <p:strVal val="visible"/>
+                                      </p:to>
+                                    </p:set>
+                                  </p:childTnLst>
+                                </p:cTn>
+                              </p:par>
+                            </p:childTnLst>
+                          </p:cTn>
+                        </p:par>
+                      </p:childTnLst>
+                    </p:cTn>
+                  </p:par>
+                  <p:par>
+                    <p:cTn id="15" fill="hold">
+                      <p:stCondLst>
+                        <p:cond delay="indefinite"/>
+                      </p:stCondLst>
+                      <p:childTnLst>
+                        <p:par>
+                          <p:cTn id="16" fill="hold">
+                            <p:stCondLst>
+                              <p:cond delay="0"/>
+                            </p:stCondLst>
+                            <p:childTnLst>
+                              <p:par>
+                                <p:cTn id="17" presetID="1" presetClass="entr" presetSubtype="0" fill="hold" nodeType="clickEffect">
+                                  <p:stCondLst>
+                                    <p:cond delay="0"/>
+                                  </p:stCondLst>
+                                  <p:childTnLst>
+                                    <p:set>
+                                      <p:cBhvr>
+                                        <p:cTn id="18" dur="1" fill="hold">
+                                          <p:stCondLst>
+                                            <p:cond delay="0"/>
+                                          </p:stCondLst>
+                                        </p:cTn>
+                                        <p:tgtEl>
+                                          <p:spTgt spid="3">
+                                            <p:txEl>
+                                              <p:pRg st="3" end="3"/>
+                                            </p:txEl>
+                                          </p:spTgt>
                                         </p:tgtEl>
                                         <p:attrNameLst>
                                           <p:attrName>style.visibility</p:attrName>
@@ -13049,35 +15815,165 @@
           <a:p>
             <a:r>
               <a:rPr lang="de-CH" dirty="0" smtClean="0"/>
-              <a:t>Konzept</a:t>
+              <a:t>Gegenstände (Items)</a:t>
             </a:r>
             <a:endParaRPr lang="de-CH" dirty="0"/>
+          </a:p>
+        </p:txBody>
+      </p:sp>
+      <p:sp>
+        <p:nvSpPr>
+          <p:cNvPr id="3" name="Inhaltsplatzhalter 2"/>
+          <p:cNvSpPr>
+            <a:spLocks noGrp="1"/>
+          </p:cNvSpPr>
+          <p:nvPr>
+            <p:ph idx="1"/>
+          </p:nvPr>
+        </p:nvSpPr>
+        <p:spPr/>
+        <p:txBody>
+          <a:bodyPr>
+            <a:normAutofit/>
+          </a:bodyPr>
+          <a:lstStyle/>
+          <a:p>
+            <a:r>
+              <a:rPr lang="de-CH" dirty="0" smtClean="0"/>
+              <a:t>Pilz</a:t>
+            </a:r>
+          </a:p>
+          <a:p>
+            <a:r>
+              <a:rPr lang="de-CH" dirty="0" smtClean="0"/>
+              <a:t>Feuerblume</a:t>
+            </a:r>
+          </a:p>
+          <a:p>
+            <a:r>
+              <a:rPr lang="de-CH" dirty="0" smtClean="0"/>
+              <a:t>Stern</a:t>
+            </a:r>
+          </a:p>
+          <a:p>
+            <a:r>
+              <a:rPr lang="de-CH" dirty="0" smtClean="0"/>
+              <a:t>Münze</a:t>
+            </a:r>
           </a:p>
         </p:txBody>
       </p:sp>
       <p:pic>
         <p:nvPicPr>
-          <p:cNvPr id="10" name="Inhaltsplatzhalter 3"/>
+          <p:cNvPr id="4" name="Bild 3"/>
           <p:cNvPicPr>
-            <a:picLocks noGrp="1" noChangeAspect="1"/>
+            <a:picLocks noChangeAspect="1"/>
           </p:cNvPicPr>
-          <p:nvPr>
-            <p:ph idx="1"/>
-          </p:nvPr>
+          <p:nvPr/>
         </p:nvPicPr>
         <p:blipFill>
           <a:blip r:embed="rId2"/>
-          <a:srcRect l="-5532" r="-5532"/>
           <a:stretch>
             <a:fillRect/>
           </a:stretch>
         </p:blipFill>
-        <p:spPr/>
+        <p:spPr>
+          <a:xfrm>
+            <a:off x="6156972" y="2770094"/>
+            <a:ext cx="2092972" cy="2092972"/>
+          </a:xfrm>
+          <a:prstGeom prst="rect">
+            <a:avLst/>
+          </a:prstGeom>
+        </p:spPr>
+      </p:pic>
+      <p:pic>
+        <p:nvPicPr>
+          <p:cNvPr id="5" name="Bild 4"/>
+          <p:cNvPicPr>
+            <a:picLocks noChangeAspect="1"/>
+          </p:cNvPicPr>
+          <p:nvPr/>
+        </p:nvPicPr>
+        <p:blipFill rotWithShape="1">
+          <a:blip r:embed="rId3"/>
+          <a:srcRect l="2754" t="2472" r="2359" b="3402"/>
+          <a:stretch/>
+        </p:blipFill>
+        <p:spPr>
+          <a:xfrm>
+            <a:off x="5845615" y="2770095"/>
+            <a:ext cx="2404239" cy="2384949"/>
+          </a:xfrm>
+          <a:prstGeom prst="rect">
+            <a:avLst/>
+          </a:prstGeom>
+        </p:spPr>
+      </p:pic>
+      <p:pic>
+        <p:nvPicPr>
+          <p:cNvPr id="6" name="Bild 5"/>
+          <p:cNvPicPr>
+            <a:picLocks noChangeAspect="1"/>
+          </p:cNvPicPr>
+          <p:nvPr/>
+        </p:nvPicPr>
+        <p:blipFill>
+          <a:blip r:embed="rId4">
+            <a:extLst>
+              <a:ext uri="{BEBA8EAE-BF5A-486C-A8C5-ECC9F3942E4B}">
+                <a14:imgProps xmlns:a14="http://schemas.microsoft.com/office/drawing/2010/main">
+                  <a14:imgLayer r:embed="rId5">
+                    <a14:imgEffect>
+                      <a14:backgroundRemoval t="3500" b="96438" l="3063" r="96438"/>
+                    </a14:imgEffect>
+                  </a14:imgLayer>
+                </a14:imgProps>
+              </a:ext>
+            </a:extLst>
+          </a:blip>
+          <a:stretch>
+            <a:fillRect/>
+          </a:stretch>
+        </p:blipFill>
+        <p:spPr>
+          <a:xfrm>
+            <a:off x="5880873" y="2770096"/>
+            <a:ext cx="2488263" cy="2488263"/>
+          </a:xfrm>
+          <a:prstGeom prst="rect">
+            <a:avLst/>
+          </a:prstGeom>
+        </p:spPr>
+      </p:pic>
+      <p:pic>
+        <p:nvPicPr>
+          <p:cNvPr id="7" name="Bild 6"/>
+          <p:cNvPicPr>
+            <a:picLocks noChangeAspect="1"/>
+          </p:cNvPicPr>
+          <p:nvPr/>
+        </p:nvPicPr>
+        <p:blipFill>
+          <a:blip r:embed="rId6"/>
+          <a:stretch>
+            <a:fillRect/>
+          </a:stretch>
+        </p:blipFill>
+        <p:spPr>
+          <a:xfrm>
+            <a:off x="5880874" y="2786064"/>
+            <a:ext cx="2368980" cy="2368980"/>
+          </a:xfrm>
+          <a:prstGeom prst="rect">
+            <a:avLst/>
+          </a:prstGeom>
+        </p:spPr>
       </p:pic>
     </p:spTree>
     <p:extLst>
       <p:ext uri="{BB962C8B-B14F-4D97-AF65-F5344CB8AC3E}">
-        <p14:creationId xmlns:p14="http://schemas.microsoft.com/office/powerpoint/2010/main" val="497561131"/>
+        <p14:creationId xmlns:p14="http://schemas.microsoft.com/office/powerpoint/2010/main" val="3612435666"/>
       </p:ext>
     </p:extLst>
   </p:cSld>
@@ -13130,7 +16026,11 @@
                                           </p:stCondLst>
                                         </p:cTn>
                                         <p:tgtEl>
-                                          <p:spTgt spid="10"/>
+                                          <p:spTgt spid="3">
+                                            <p:txEl>
+                                              <p:pRg st="0" end="0"/>
+                                            </p:txEl>
+                                          </p:spTgt>
                                         </p:tgtEl>
                                         <p:attrNameLst>
                                           <p:attrName>style.visibility</p:attrName>
@@ -13138,6 +16038,513 @@
                                       </p:cBhvr>
                                       <p:to>
                                         <p:strVal val="visible"/>
+                                      </p:to>
+                                    </p:set>
+                                  </p:childTnLst>
+                                </p:cTn>
+                              </p:par>
+                            </p:childTnLst>
+                          </p:cTn>
+                        </p:par>
+                      </p:childTnLst>
+                    </p:cTn>
+                  </p:par>
+                  <p:par>
+                    <p:cTn id="7" fill="hold">
+                      <p:stCondLst>
+                        <p:cond delay="indefinite"/>
+                      </p:stCondLst>
+                      <p:childTnLst>
+                        <p:par>
+                          <p:cTn id="8" fill="hold">
+                            <p:stCondLst>
+                              <p:cond delay="0"/>
+                            </p:stCondLst>
+                            <p:childTnLst>
+                              <p:par>
+                                <p:cTn id="9" presetID="1" presetClass="entr" presetSubtype="0" fill="hold" nodeType="clickEffect">
+                                  <p:stCondLst>
+                                    <p:cond delay="0"/>
+                                  </p:stCondLst>
+                                  <p:childTnLst>
+                                    <p:set>
+                                      <p:cBhvr>
+                                        <p:cTn id="10" dur="1" fill="hold">
+                                          <p:stCondLst>
+                                            <p:cond delay="0"/>
+                                          </p:stCondLst>
+                                        </p:cTn>
+                                        <p:tgtEl>
+                                          <p:spTgt spid="4"/>
+                                        </p:tgtEl>
+                                        <p:attrNameLst>
+                                          <p:attrName>style.visibility</p:attrName>
+                                        </p:attrNameLst>
+                                      </p:cBhvr>
+                                      <p:to>
+                                        <p:strVal val="visible"/>
+                                      </p:to>
+                                    </p:set>
+                                  </p:childTnLst>
+                                </p:cTn>
+                              </p:par>
+                            </p:childTnLst>
+                          </p:cTn>
+                        </p:par>
+                      </p:childTnLst>
+                    </p:cTn>
+                  </p:par>
+                  <p:par>
+                    <p:cTn id="11" fill="hold">
+                      <p:stCondLst>
+                        <p:cond delay="indefinite"/>
+                      </p:stCondLst>
+                      <p:childTnLst>
+                        <p:par>
+                          <p:cTn id="12" fill="hold">
+                            <p:stCondLst>
+                              <p:cond delay="0"/>
+                            </p:stCondLst>
+                            <p:childTnLst>
+                              <p:par>
+                                <p:cTn id="13" presetID="1" presetClass="exit" presetSubtype="0" fill="hold" nodeType="clickEffect">
+                                  <p:stCondLst>
+                                    <p:cond delay="0"/>
+                                  </p:stCondLst>
+                                  <p:childTnLst>
+                                    <p:set>
+                                      <p:cBhvr>
+                                        <p:cTn id="14" dur="1" fill="hold">
+                                          <p:stCondLst>
+                                            <p:cond delay="0"/>
+                                          </p:stCondLst>
+                                        </p:cTn>
+                                        <p:tgtEl>
+                                          <p:spTgt spid="4"/>
+                                        </p:tgtEl>
+                                        <p:attrNameLst>
+                                          <p:attrName>style.visibility</p:attrName>
+                                        </p:attrNameLst>
+                                      </p:cBhvr>
+                                      <p:to>
+                                        <p:strVal val="hidden"/>
+                                      </p:to>
+                                    </p:set>
+                                  </p:childTnLst>
+                                </p:cTn>
+                              </p:par>
+                            </p:childTnLst>
+                          </p:cTn>
+                        </p:par>
+                      </p:childTnLst>
+                    </p:cTn>
+                  </p:par>
+                  <p:par>
+                    <p:cTn id="15" fill="hold">
+                      <p:stCondLst>
+                        <p:cond delay="indefinite"/>
+                      </p:stCondLst>
+                      <p:childTnLst>
+                        <p:par>
+                          <p:cTn id="16" fill="hold">
+                            <p:stCondLst>
+                              <p:cond delay="0"/>
+                            </p:stCondLst>
+                            <p:childTnLst>
+                              <p:par>
+                                <p:cTn id="17" presetID="1" presetClass="entr" presetSubtype="0" fill="hold" nodeType="clickEffect">
+                                  <p:stCondLst>
+                                    <p:cond delay="0"/>
+                                  </p:stCondLst>
+                                  <p:childTnLst>
+                                    <p:set>
+                                      <p:cBhvr>
+                                        <p:cTn id="18" dur="1" fill="hold">
+                                          <p:stCondLst>
+                                            <p:cond delay="0"/>
+                                          </p:stCondLst>
+                                        </p:cTn>
+                                        <p:tgtEl>
+                                          <p:spTgt spid="3">
+                                            <p:txEl>
+                                              <p:pRg st="1" end="1"/>
+                                            </p:txEl>
+                                          </p:spTgt>
+                                        </p:tgtEl>
+                                        <p:attrNameLst>
+                                          <p:attrName>style.visibility</p:attrName>
+                                        </p:attrNameLst>
+                                      </p:cBhvr>
+                                      <p:to>
+                                        <p:strVal val="visible"/>
+                                      </p:to>
+                                    </p:set>
+                                  </p:childTnLst>
+                                </p:cTn>
+                              </p:par>
+                            </p:childTnLst>
+                          </p:cTn>
+                        </p:par>
+                      </p:childTnLst>
+                    </p:cTn>
+                  </p:par>
+                  <p:par>
+                    <p:cTn id="19" fill="hold">
+                      <p:stCondLst>
+                        <p:cond delay="indefinite"/>
+                      </p:stCondLst>
+                      <p:childTnLst>
+                        <p:par>
+                          <p:cTn id="20" fill="hold">
+                            <p:stCondLst>
+                              <p:cond delay="0"/>
+                            </p:stCondLst>
+                            <p:childTnLst>
+                              <p:par>
+                                <p:cTn id="21" presetID="1" presetClass="entr" presetSubtype="0" fill="hold" nodeType="clickEffect">
+                                  <p:stCondLst>
+                                    <p:cond delay="0"/>
+                                  </p:stCondLst>
+                                  <p:childTnLst>
+                                    <p:set>
+                                      <p:cBhvr>
+                                        <p:cTn id="22" dur="1" fill="hold">
+                                          <p:stCondLst>
+                                            <p:cond delay="0"/>
+                                          </p:stCondLst>
+                                        </p:cTn>
+                                        <p:tgtEl>
+                                          <p:spTgt spid="5"/>
+                                        </p:tgtEl>
+                                        <p:attrNameLst>
+                                          <p:attrName>style.visibility</p:attrName>
+                                        </p:attrNameLst>
+                                      </p:cBhvr>
+                                      <p:to>
+                                        <p:strVal val="visible"/>
+                                      </p:to>
+                                    </p:set>
+                                  </p:childTnLst>
+                                </p:cTn>
+                              </p:par>
+                            </p:childTnLst>
+                          </p:cTn>
+                        </p:par>
+                      </p:childTnLst>
+                    </p:cTn>
+                  </p:par>
+                  <p:par>
+                    <p:cTn id="23" fill="hold">
+                      <p:stCondLst>
+                        <p:cond delay="indefinite"/>
+                      </p:stCondLst>
+                      <p:childTnLst>
+                        <p:par>
+                          <p:cTn id="24" fill="hold">
+                            <p:stCondLst>
+                              <p:cond delay="0"/>
+                            </p:stCondLst>
+                            <p:childTnLst>
+                              <p:par>
+                                <p:cTn id="25" presetID="1" presetClass="exit" presetSubtype="0" fill="hold" nodeType="clickEffect">
+                                  <p:stCondLst>
+                                    <p:cond delay="0"/>
+                                  </p:stCondLst>
+                                  <p:childTnLst>
+                                    <p:set>
+                                      <p:cBhvr>
+                                        <p:cTn id="26" dur="1" fill="hold">
+                                          <p:stCondLst>
+                                            <p:cond delay="0"/>
+                                          </p:stCondLst>
+                                        </p:cTn>
+                                        <p:tgtEl>
+                                          <p:spTgt spid="5"/>
+                                        </p:tgtEl>
+                                        <p:attrNameLst>
+                                          <p:attrName>style.visibility</p:attrName>
+                                        </p:attrNameLst>
+                                      </p:cBhvr>
+                                      <p:to>
+                                        <p:strVal val="hidden"/>
+                                      </p:to>
+                                    </p:set>
+                                  </p:childTnLst>
+                                </p:cTn>
+                              </p:par>
+                            </p:childTnLst>
+                          </p:cTn>
+                        </p:par>
+                      </p:childTnLst>
+                    </p:cTn>
+                  </p:par>
+                  <p:par>
+                    <p:cTn id="27" fill="hold">
+                      <p:stCondLst>
+                        <p:cond delay="indefinite"/>
+                      </p:stCondLst>
+                      <p:childTnLst>
+                        <p:par>
+                          <p:cTn id="28" fill="hold">
+                            <p:stCondLst>
+                              <p:cond delay="0"/>
+                            </p:stCondLst>
+                            <p:childTnLst>
+                              <p:par>
+                                <p:cTn id="29" presetID="1" presetClass="entr" presetSubtype="0" fill="hold" nodeType="clickEffect">
+                                  <p:stCondLst>
+                                    <p:cond delay="0"/>
+                                  </p:stCondLst>
+                                  <p:childTnLst>
+                                    <p:set>
+                                      <p:cBhvr>
+                                        <p:cTn id="30" dur="1" fill="hold">
+                                          <p:stCondLst>
+                                            <p:cond delay="0"/>
+                                          </p:stCondLst>
+                                        </p:cTn>
+                                        <p:tgtEl>
+                                          <p:spTgt spid="3">
+                                            <p:txEl>
+                                              <p:pRg st="2" end="2"/>
+                                            </p:txEl>
+                                          </p:spTgt>
+                                        </p:tgtEl>
+                                        <p:attrNameLst>
+                                          <p:attrName>style.visibility</p:attrName>
+                                        </p:attrNameLst>
+                                      </p:cBhvr>
+                                      <p:to>
+                                        <p:strVal val="visible"/>
+                                      </p:to>
+                                    </p:set>
+                                  </p:childTnLst>
+                                </p:cTn>
+                              </p:par>
+                            </p:childTnLst>
+                          </p:cTn>
+                        </p:par>
+                      </p:childTnLst>
+                    </p:cTn>
+                  </p:par>
+                  <p:par>
+                    <p:cTn id="31" fill="hold">
+                      <p:stCondLst>
+                        <p:cond delay="indefinite"/>
+                      </p:stCondLst>
+                      <p:childTnLst>
+                        <p:par>
+                          <p:cTn id="32" fill="hold">
+                            <p:stCondLst>
+                              <p:cond delay="0"/>
+                            </p:stCondLst>
+                            <p:childTnLst>
+                              <p:par>
+                                <p:cTn id="33" presetID="1" presetClass="entr" presetSubtype="0" fill="hold" nodeType="clickEffect">
+                                  <p:stCondLst>
+                                    <p:cond delay="0"/>
+                                  </p:stCondLst>
+                                  <p:childTnLst>
+                                    <p:set>
+                                      <p:cBhvr>
+                                        <p:cTn id="34" dur="1" fill="hold">
+                                          <p:stCondLst>
+                                            <p:cond delay="0"/>
+                                          </p:stCondLst>
+                                        </p:cTn>
+                                        <p:tgtEl>
+                                          <p:spTgt spid="6"/>
+                                        </p:tgtEl>
+                                        <p:attrNameLst>
+                                          <p:attrName>style.visibility</p:attrName>
+                                        </p:attrNameLst>
+                                      </p:cBhvr>
+                                      <p:to>
+                                        <p:strVal val="visible"/>
+                                      </p:to>
+                                    </p:set>
+                                  </p:childTnLst>
+                                </p:cTn>
+                              </p:par>
+                            </p:childTnLst>
+                          </p:cTn>
+                        </p:par>
+                      </p:childTnLst>
+                    </p:cTn>
+                  </p:par>
+                  <p:par>
+                    <p:cTn id="35" fill="hold">
+                      <p:stCondLst>
+                        <p:cond delay="indefinite"/>
+                      </p:stCondLst>
+                      <p:childTnLst>
+                        <p:par>
+                          <p:cTn id="36" fill="hold">
+                            <p:stCondLst>
+                              <p:cond delay="0"/>
+                            </p:stCondLst>
+                            <p:childTnLst>
+                              <p:par>
+                                <p:cTn id="37" presetID="1" presetClass="exit" presetSubtype="0" fill="hold" nodeType="clickEffect">
+                                  <p:stCondLst>
+                                    <p:cond delay="0"/>
+                                  </p:stCondLst>
+                                  <p:childTnLst>
+                                    <p:set>
+                                      <p:cBhvr>
+                                        <p:cTn id="38" dur="1" fill="hold">
+                                          <p:stCondLst>
+                                            <p:cond delay="0"/>
+                                          </p:stCondLst>
+                                        </p:cTn>
+                                        <p:tgtEl>
+                                          <p:spTgt spid="6"/>
+                                        </p:tgtEl>
+                                        <p:attrNameLst>
+                                          <p:attrName>style.visibility</p:attrName>
+                                        </p:attrNameLst>
+                                      </p:cBhvr>
+                                      <p:to>
+                                        <p:strVal val="hidden"/>
+                                      </p:to>
+                                    </p:set>
+                                  </p:childTnLst>
+                                </p:cTn>
+                              </p:par>
+                            </p:childTnLst>
+                          </p:cTn>
+                        </p:par>
+                      </p:childTnLst>
+                    </p:cTn>
+                  </p:par>
+                  <p:par>
+                    <p:cTn id="39" fill="hold">
+                      <p:stCondLst>
+                        <p:cond delay="indefinite"/>
+                      </p:stCondLst>
+                      <p:childTnLst>
+                        <p:par>
+                          <p:cTn id="40" fill="hold">
+                            <p:stCondLst>
+                              <p:cond delay="0"/>
+                            </p:stCondLst>
+                            <p:childTnLst>
+                              <p:par>
+                                <p:cTn id="41" presetID="1" presetClass="entr" presetSubtype="0" fill="hold" nodeType="clickEffect">
+                                  <p:stCondLst>
+                                    <p:cond delay="0"/>
+                                  </p:stCondLst>
+                                  <p:childTnLst>
+                                    <p:set>
+                                      <p:cBhvr>
+                                        <p:cTn id="42" dur="1" fill="hold">
+                                          <p:stCondLst>
+                                            <p:cond delay="0"/>
+                                          </p:stCondLst>
+                                        </p:cTn>
+                                        <p:tgtEl>
+                                          <p:spTgt spid="3">
+                                            <p:txEl>
+                                              <p:pRg st="3" end="3"/>
+                                            </p:txEl>
+                                          </p:spTgt>
+                                        </p:tgtEl>
+                                        <p:attrNameLst>
+                                          <p:attrName>style.visibility</p:attrName>
+                                        </p:attrNameLst>
+                                      </p:cBhvr>
+                                      <p:to>
+                                        <p:strVal val="visible"/>
+                                      </p:to>
+                                    </p:set>
+                                  </p:childTnLst>
+                                </p:cTn>
+                              </p:par>
+                            </p:childTnLst>
+                          </p:cTn>
+                        </p:par>
+                      </p:childTnLst>
+                    </p:cTn>
+                  </p:par>
+                  <p:par>
+                    <p:cTn id="43" fill="hold">
+                      <p:stCondLst>
+                        <p:cond delay="indefinite"/>
+                      </p:stCondLst>
+                      <p:childTnLst>
+                        <p:par>
+                          <p:cTn id="44" fill="hold">
+                            <p:stCondLst>
+                              <p:cond delay="0"/>
+                            </p:stCondLst>
+                            <p:childTnLst>
+                              <p:par>
+                                <p:cTn id="45" presetID="1" presetClass="entr" presetSubtype="0" fill="hold" nodeType="clickEffect">
+                                  <p:stCondLst>
+                                    <p:cond delay="0"/>
+                                  </p:stCondLst>
+                                  <p:childTnLst>
+                                    <p:set>
+                                      <p:cBhvr>
+                                        <p:cTn id="46" dur="1" fill="hold">
+                                          <p:stCondLst>
+                                            <p:cond delay="0"/>
+                                          </p:stCondLst>
+                                        </p:cTn>
+                                        <p:tgtEl>
+                                          <p:spTgt spid="7"/>
+                                        </p:tgtEl>
+                                        <p:attrNameLst>
+                                          <p:attrName>style.visibility</p:attrName>
+                                        </p:attrNameLst>
+                                      </p:cBhvr>
+                                      <p:to>
+                                        <p:strVal val="visible"/>
+                                      </p:to>
+                                    </p:set>
+                                  </p:childTnLst>
+                                </p:cTn>
+                              </p:par>
+                            </p:childTnLst>
+                          </p:cTn>
+                        </p:par>
+                      </p:childTnLst>
+                    </p:cTn>
+                  </p:par>
+                  <p:par>
+                    <p:cTn id="47" fill="hold">
+                      <p:stCondLst>
+                        <p:cond delay="indefinite"/>
+                      </p:stCondLst>
+                      <p:childTnLst>
+                        <p:par>
+                          <p:cTn id="48" fill="hold">
+                            <p:stCondLst>
+                              <p:cond delay="0"/>
+                            </p:stCondLst>
+                            <p:childTnLst>
+                              <p:par>
+                                <p:cTn id="49" presetID="1" presetClass="exit" presetSubtype="0" fill="hold" nodeType="clickEffect">
+                                  <p:stCondLst>
+                                    <p:cond delay="0"/>
+                                  </p:stCondLst>
+                                  <p:childTnLst>
+                                    <p:set>
+                                      <p:cBhvr>
+                                        <p:cTn id="50" dur="1" fill="hold">
+                                          <p:stCondLst>
+                                            <p:cond delay="0"/>
+                                          </p:stCondLst>
+                                        </p:cTn>
+                                        <p:tgtEl>
+                                          <p:spTgt spid="7"/>
+                                        </p:tgtEl>
+                                        <p:attrNameLst>
+                                          <p:attrName>style.visibility</p:attrName>
+                                        </p:attrNameLst>
+                                      </p:cBhvr>
+                                      <p:to>
+                                        <p:strVal val="hidden"/>
                                       </p:to>
                                     </p:set>
                                   </p:childTnLst>

--- a/Resources/docs/CGR Präsentation.pptx
+++ b/Resources/docs/CGR Präsentation.pptx
@@ -9202,11 +9202,7 @@
             <a:pPr lvl="1"/>
             <a:r>
               <a:rPr lang="de-CH" dirty="0" smtClean="0"/>
-              <a:t>Superklasse in </a:t>
-            </a:r>
-            <a:r>
-              <a:rPr lang="de-CH" dirty="0" smtClean="0"/>
-              <a:t>Cococs2D</a:t>
+              <a:t>Superklasse in Cococs2D</a:t>
             </a:r>
           </a:p>
           <a:p>
@@ -9215,7 +9211,6 @@
               <a:rPr lang="de-CH" dirty="0" smtClean="0"/>
               <a:t>Objekt auf dem Bildschirm</a:t>
             </a:r>
-            <a:endParaRPr lang="de-CH" dirty="0" smtClean="0"/>
           </a:p>
           <a:p>
             <a:pPr lvl="1"/>
@@ -12720,7 +12715,6 @@
               <a:rPr lang="de-CH" dirty="0" smtClean="0"/>
               <a:t>Grundstein für Zukunft</a:t>
             </a:r>
-            <a:endParaRPr lang="de-CH" dirty="0" smtClean="0"/>
           </a:p>
         </p:txBody>
       </p:sp>
@@ -13264,8 +13258,9 @@
           <a:p>
             <a:r>
               <a:rPr lang="de-CH" dirty="0" smtClean="0"/>
-              <a:t>Kindestraum</a:t>
-            </a:r>
+              <a:t>Kindheitstraum</a:t>
+            </a:r>
+            <a:endParaRPr lang="de-CH" dirty="0" smtClean="0"/>
           </a:p>
           <a:p>
             <a:pPr lvl="1"/>

--- a/Resources/docs/CGR Präsentation.pptx
+++ b/Resources/docs/CGR Präsentation.pptx
@@ -5,7 +5,7 @@
     <p:sldMasterId id="2147483660" r:id="rId1"/>
   </p:sldMasterIdLst>
   <p:notesMasterIdLst>
-    <p:notesMasterId r:id="rId33"/>
+    <p:notesMasterId r:id="rId42"/>
   </p:notesMasterIdLst>
   <p:sldIdLst>
     <p:sldId id="256" r:id="rId2"/>
@@ -26,19 +26,28 @@
     <p:sldId id="273" r:id="rId17"/>
     <p:sldId id="272" r:id="rId18"/>
     <p:sldId id="277" r:id="rId19"/>
-    <p:sldId id="268" r:id="rId20"/>
-    <p:sldId id="279" r:id="rId21"/>
-    <p:sldId id="278" r:id="rId22"/>
+    <p:sldId id="289" r:id="rId20"/>
+    <p:sldId id="290" r:id="rId21"/>
+    <p:sldId id="291" r:id="rId22"/>
     <p:sldId id="269" r:id="rId23"/>
     <p:sldId id="270" r:id="rId24"/>
-    <p:sldId id="271" r:id="rId25"/>
-    <p:sldId id="280" r:id="rId26"/>
-    <p:sldId id="281" r:id="rId27"/>
-    <p:sldId id="282" r:id="rId28"/>
-    <p:sldId id="283" r:id="rId29"/>
-    <p:sldId id="284" r:id="rId30"/>
-    <p:sldId id="275" r:id="rId31"/>
-    <p:sldId id="274" r:id="rId32"/>
+    <p:sldId id="278" r:id="rId25"/>
+    <p:sldId id="268" r:id="rId26"/>
+    <p:sldId id="279" r:id="rId27"/>
+    <p:sldId id="292" r:id="rId28"/>
+    <p:sldId id="293" r:id="rId29"/>
+    <p:sldId id="294" r:id="rId30"/>
+    <p:sldId id="295" r:id="rId31"/>
+    <p:sldId id="296" r:id="rId32"/>
+    <p:sldId id="297" r:id="rId33"/>
+    <p:sldId id="271" r:id="rId34"/>
+    <p:sldId id="280" r:id="rId35"/>
+    <p:sldId id="281" r:id="rId36"/>
+    <p:sldId id="282" r:id="rId37"/>
+    <p:sldId id="283" r:id="rId38"/>
+    <p:sldId id="284" r:id="rId39"/>
+    <p:sldId id="275" r:id="rId40"/>
+    <p:sldId id="274" r:id="rId41"/>
   </p:sldIdLst>
   <p:sldSz cx="9144000" cy="6858000" type="screen4x3"/>
   <p:notesSz cx="6858000" cy="9144000"/>
@@ -139,7 +148,7 @@
   </p:defaultTextStyle>
   <p:extLst>
     <p:ext uri="{521415D9-36F7-43E2-AB2F-B90AF26B5E84}">
-      <p14:sectionLst xmlns:p14="http://schemas.microsoft.com/office/powerpoint/2010/main">
+      <p14:sectionLst xmlns:p14="http://schemas.microsoft.com/office/powerpoint/2010/main" xmlns="">
         <p14:section name="Default Section" id="{E16DA98D-B9F8-D54F-81A7-63E61C5161A4}">
           <p14:sldIdLst>
             <p14:sldId id="256"/>
@@ -263,7 +272,8 @@
           <a:p>
             <a:fld id="{789F516F-1FA8-7C41-BBD1-DC2FBAEBBB08}" type="datetimeFigureOut">
               <a:rPr lang="de-DE" smtClean="0"/>
-              <a:t>02.06.13</a:t>
+              <a:pPr/>
+              <a:t>03.06.2013</a:t>
             </a:fld>
             <a:endParaRPr lang="de-CH"/>
           </a:p>
@@ -422,7 +432,8 @@
           <a:p>
             <a:fld id="{458936C2-DE73-2746-BFC2-272EF4250367}" type="slidenum">
               <a:rPr lang="de-CH" smtClean="0"/>
-              <a:t>‹Nr.›</a:t>
+              <a:pPr/>
+              <a:t>‹#›</a:t>
             </a:fld>
             <a:endParaRPr lang="de-CH"/>
           </a:p>
@@ -431,7 +442,7 @@
     </p:spTree>
     <p:extLst>
       <p:ext uri="{BB962C8B-B14F-4D97-AF65-F5344CB8AC3E}">
-        <p14:creationId xmlns:p14="http://schemas.microsoft.com/office/powerpoint/2010/main" val="3484662688"/>
+        <p14:creationId xmlns:p14="http://schemas.microsoft.com/office/powerpoint/2010/main" xmlns="" val="3484662688"/>
       </p:ext>
     </p:extLst>
   </p:cSld>
@@ -596,6 +607,7 @@
           <a:p>
             <a:fld id="{458936C2-DE73-2746-BFC2-272EF4250367}" type="slidenum">
               <a:rPr lang="de-CH" smtClean="0"/>
+              <a:pPr/>
               <a:t>17</a:t>
             </a:fld>
             <a:endParaRPr lang="de-CH"/>
@@ -605,9 +617,91 @@
     </p:spTree>
     <p:extLst>
       <p:ext uri="{BB962C8B-B14F-4D97-AF65-F5344CB8AC3E}">
-        <p14:creationId xmlns:p14="http://schemas.microsoft.com/office/powerpoint/2010/main" val="439564370"/>
+        <p14:creationId xmlns:p14="http://schemas.microsoft.com/office/powerpoint/2010/main" xmlns="" val="439564370"/>
       </p:ext>
     </p:extLst>
+  </p:cSld>
+  <p:clrMapOvr>
+    <a:masterClrMapping/>
+  </p:clrMapOvr>
+</p:notes>
+</file>
+
+<file path=ppt/notesSlides/notesSlide2.xml><?xml version="1.0" encoding="utf-8"?>
+<p:notes xmlns:a="http://schemas.openxmlformats.org/drawingml/2006/main" xmlns:r="http://schemas.openxmlformats.org/officeDocument/2006/relationships" xmlns:p="http://schemas.openxmlformats.org/presentationml/2006/main">
+  <p:cSld>
+    <p:spTree>
+      <p:nvGrpSpPr>
+        <p:cNvPr id="1" name=""/>
+        <p:cNvGrpSpPr/>
+        <p:nvPr/>
+      </p:nvGrpSpPr>
+      <p:grpSpPr>
+        <a:xfrm>
+          <a:off x="0" y="0"/>
+          <a:ext cx="0" cy="0"/>
+          <a:chOff x="0" y="0"/>
+          <a:chExt cx="0" cy="0"/>
+        </a:xfrm>
+      </p:grpSpPr>
+      <p:sp>
+        <p:nvSpPr>
+          <p:cNvPr id="2" name="Slide Image Placeholder 1"/>
+          <p:cNvSpPr>
+            <a:spLocks noGrp="1" noRot="1" noChangeAspect="1"/>
+          </p:cNvSpPr>
+          <p:nvPr>
+            <p:ph type="sldImg"/>
+          </p:nvPr>
+        </p:nvSpPr>
+        <p:spPr/>
+      </p:sp>
+      <p:sp>
+        <p:nvSpPr>
+          <p:cNvPr id="3" name="Notes Placeholder 2"/>
+          <p:cNvSpPr>
+            <a:spLocks noGrp="1"/>
+          </p:cNvSpPr>
+          <p:nvPr>
+            <p:ph type="body" idx="1"/>
+          </p:nvPr>
+        </p:nvSpPr>
+        <p:spPr/>
+        <p:txBody>
+          <a:bodyPr>
+            <a:normAutofit/>
+          </a:bodyPr>
+          <a:lstStyle/>
+          <a:p>
+            <a:endParaRPr lang="de-CH" dirty="0"/>
+          </a:p>
+        </p:txBody>
+      </p:sp>
+      <p:sp>
+        <p:nvSpPr>
+          <p:cNvPr id="4" name="Slide Number Placeholder 3"/>
+          <p:cNvSpPr>
+            <a:spLocks noGrp="1"/>
+          </p:cNvSpPr>
+          <p:nvPr>
+            <p:ph type="sldNum" sz="quarter" idx="10"/>
+          </p:nvPr>
+        </p:nvSpPr>
+        <p:spPr/>
+        <p:txBody>
+          <a:bodyPr/>
+          <a:lstStyle/>
+          <a:p>
+            <a:fld id="{458936C2-DE73-2746-BFC2-272EF4250367}" type="slidenum">
+              <a:rPr lang="de-CH" smtClean="0"/>
+              <a:pPr/>
+              <a:t>20</a:t>
+            </a:fld>
+            <a:endParaRPr lang="de-CH"/>
+          </a:p>
+        </p:txBody>
+      </p:sp>
+    </p:spTree>
   </p:cSld>
   <p:clrMapOvr>
     <a:masterClrMapping/>
@@ -811,7 +905,8 @@
           <a:p>
             <a:fld id="{679BC7E7-EA8E-4DA7-915E-CC098D9BADCB}" type="datetimeFigureOut">
               <a:rPr lang="en-US" smtClean="0"/>
-              <a:t>02.06.13</a:t>
+              <a:pPr/>
+              <a:t>6/3/2013</a:t>
             </a:fld>
             <a:endParaRPr lang="en-US"/>
           </a:p>
@@ -853,7 +948,8 @@
           <a:p>
             <a:fld id="{9F2F5E10-5301-4EE6-90D2-A6C4A3F62BED}" type="slidenum">
               <a:rPr lang="en-US" smtClean="0"/>
-              <a:t>‹Nr.›</a:t>
+              <a:pPr/>
+              <a:t>‹#›</a:t>
             </a:fld>
             <a:endParaRPr lang="en-US"/>
           </a:p>
@@ -898,14 +994,14 @@
   <p:clrMapOvr>
     <a:overrideClrMapping bg1="lt1" tx1="dk1" bg2="lt2" tx2="dk2" accent1="accent1" accent2="accent2" accent3="accent3" accent4="accent4" accent5="accent5" accent6="accent6" hlink="hlink" folHlink="folHlink"/>
   </p:clrMapOvr>
-  <mc:AlternateContent xmlns:mc="http://schemas.openxmlformats.org/markup-compatibility/2006" xmlns:p14="http://schemas.microsoft.com/office/powerpoint/2010/main">
-    <mc:Choice Requires="p14">
+  <mc:AlternateContent xmlns:mc="http://schemas.openxmlformats.org/markup-compatibility/2006">
+    <mc:Choice xmlns:p14="http://schemas.microsoft.com/office/powerpoint/2010/main" xmlns="" Requires="p14">
       <p:transition spd="slow" p14:dur="1200">
         <p14:prism/>
       </p:transition>
     </mc:Choice>
-    <mc:Fallback xmlns="">
-      <p:transition xmlns:p14="http://schemas.microsoft.com/office/powerpoint/2010/main" spd="slow">
+    <mc:Fallback>
+      <p:transition spd="slow">
         <p:fade/>
       </p:transition>
     </mc:Fallback>
@@ -952,7 +1048,8 @@
           <a:p>
             <a:fld id="{679BC7E7-EA8E-4DA7-915E-CC098D9BADCB}" type="datetimeFigureOut">
               <a:rPr lang="en-US" smtClean="0"/>
-              <a:t>02.06.13</a:t>
+              <a:pPr/>
+              <a:t>6/3/2013</a:t>
             </a:fld>
             <a:endParaRPr lang="en-US"/>
           </a:p>
@@ -994,7 +1091,8 @@
           <a:p>
             <a:fld id="{9F2F5E10-5301-4EE6-90D2-A6C4A3F62BED}" type="slidenum">
               <a:rPr lang="en-US" smtClean="0"/>
-              <a:t>‹Nr.›</a:t>
+              <a:pPr/>
+              <a:t>‹#›</a:t>
             </a:fld>
             <a:endParaRPr lang="en-US"/>
           </a:p>
@@ -1005,14 +1103,14 @@
   <p:clrMapOvr>
     <a:overrideClrMapping bg1="lt1" tx1="dk1" bg2="lt2" tx2="dk2" accent1="accent1" accent2="accent2" accent3="accent3" accent4="accent4" accent5="accent5" accent6="accent6" hlink="hlink" folHlink="folHlink"/>
   </p:clrMapOvr>
-  <mc:AlternateContent xmlns:mc="http://schemas.openxmlformats.org/markup-compatibility/2006" xmlns:p14="http://schemas.microsoft.com/office/powerpoint/2010/main">
-    <mc:Choice Requires="p14">
+  <mc:AlternateContent xmlns:mc="http://schemas.openxmlformats.org/markup-compatibility/2006">
+    <mc:Choice xmlns:p14="http://schemas.microsoft.com/office/powerpoint/2010/main" xmlns="" Requires="p14">
       <p:transition spd="slow" p14:dur="1200">
         <p14:prism/>
       </p:transition>
     </mc:Choice>
-    <mc:Fallback xmlns="">
-      <p:transition xmlns:p14="http://schemas.microsoft.com/office/powerpoint/2010/main" spd="slow">
+    <mc:Fallback>
+      <p:transition spd="slow">
         <p:fade/>
       </p:transition>
     </mc:Fallback>
@@ -1026,7 +1124,7 @@
     <p:bg>
       <p:bgPr>
         <a:blipFill dpi="0" rotWithShape="1">
-          <a:blip r:embed="rId2">
+          <a:blip r:embed="rId2" cstate="print">
             <a:lum/>
           </a:blip>
           <a:srcRect/>
@@ -1269,7 +1367,8 @@
           <a:p>
             <a:fld id="{679BC7E7-EA8E-4DA7-915E-CC098D9BADCB}" type="datetimeFigureOut">
               <a:rPr lang="en-US" smtClean="0"/>
-              <a:t>02.06.13</a:t>
+              <a:pPr/>
+              <a:t>6/3/2013</a:t>
             </a:fld>
             <a:endParaRPr lang="en-US"/>
           </a:p>
@@ -1311,7 +1410,8 @@
           <a:p>
             <a:fld id="{9F2F5E10-5301-4EE6-90D2-A6C4A3F62BED}" type="slidenum">
               <a:rPr lang="en-US" smtClean="0"/>
-              <a:t>‹Nr.›</a:t>
+              <a:pPr/>
+              <a:t>‹#›</a:t>
             </a:fld>
             <a:endParaRPr lang="en-US"/>
           </a:p>
@@ -1322,14 +1422,14 @@
   <p:clrMapOvr>
     <a:masterClrMapping/>
   </p:clrMapOvr>
-  <mc:AlternateContent xmlns:mc="http://schemas.openxmlformats.org/markup-compatibility/2006" xmlns:p14="http://schemas.microsoft.com/office/powerpoint/2010/main">
-    <mc:Choice Requires="p14">
+  <mc:AlternateContent xmlns:mc="http://schemas.openxmlformats.org/markup-compatibility/2006">
+    <mc:Choice xmlns:p14="http://schemas.microsoft.com/office/powerpoint/2010/main" xmlns="" Requires="p14">
       <p:transition spd="slow" p14:dur="1200">
         <p14:prism/>
       </p:transition>
     </mc:Choice>
-    <mc:Fallback xmlns="">
-      <p:transition xmlns:p14="http://schemas.microsoft.com/office/powerpoint/2010/main" spd="slow">
+    <mc:Fallback>
+      <p:transition spd="slow">
         <p:fade/>
       </p:transition>
     </mc:Fallback>
@@ -1343,7 +1443,7 @@
     <p:bg>
       <p:bgPr>
         <a:blipFill dpi="0" rotWithShape="1">
-          <a:blip r:embed="rId2">
+          <a:blip r:embed="rId2" cstate="print">
             <a:lum/>
           </a:blip>
           <a:srcRect/>
@@ -1506,7 +1606,8 @@
           <a:p>
             <a:fld id="{679BC7E7-EA8E-4DA7-915E-CC098D9BADCB}" type="datetimeFigureOut">
               <a:rPr lang="en-US" smtClean="0"/>
-              <a:t>02.06.13</a:t>
+              <a:pPr/>
+              <a:t>6/3/2013</a:t>
             </a:fld>
             <a:endParaRPr lang="en-US"/>
           </a:p>
@@ -1548,7 +1649,8 @@
           <a:p>
             <a:fld id="{9F2F5E10-5301-4EE6-90D2-A6C4A3F62BED}" type="slidenum">
               <a:rPr lang="en-US" smtClean="0"/>
-              <a:t>‹Nr.›</a:t>
+              <a:pPr/>
+              <a:t>‹#›</a:t>
             </a:fld>
             <a:endParaRPr lang="en-US"/>
           </a:p>
@@ -1604,14 +1706,14 @@
   <p:clrMapOvr>
     <a:masterClrMapping/>
   </p:clrMapOvr>
-  <mc:AlternateContent xmlns:mc="http://schemas.openxmlformats.org/markup-compatibility/2006" xmlns:p14="http://schemas.microsoft.com/office/powerpoint/2010/main">
-    <mc:Choice Requires="p14">
+  <mc:AlternateContent xmlns:mc="http://schemas.openxmlformats.org/markup-compatibility/2006">
+    <mc:Choice xmlns:p14="http://schemas.microsoft.com/office/powerpoint/2010/main" xmlns="" Requires="p14">
       <p:transition spd="slow" p14:dur="1200">
         <p14:prism/>
       </p:transition>
     </mc:Choice>
-    <mc:Fallback xmlns="">
-      <p:transition xmlns:p14="http://schemas.microsoft.com/office/powerpoint/2010/main" spd="slow">
+    <mc:Fallback>
+      <p:transition spd="slow">
         <p:fade/>
       </p:transition>
     </mc:Fallback>
@@ -1625,7 +1727,7 @@
     <p:bg>
       <p:bgPr>
         <a:blipFill dpi="0" rotWithShape="1">
-          <a:blip r:embed="rId2">
+          <a:blip r:embed="rId2" cstate="print">
             <a:lum/>
           </a:blip>
           <a:srcRect/>
@@ -1788,7 +1890,8 @@
           <a:p>
             <a:fld id="{679BC7E7-EA8E-4DA7-915E-CC098D9BADCB}" type="datetimeFigureOut">
               <a:rPr lang="en-US" smtClean="0"/>
-              <a:t>02.06.13</a:t>
+              <a:pPr/>
+              <a:t>6/3/2013</a:t>
             </a:fld>
             <a:endParaRPr lang="en-US"/>
           </a:p>
@@ -1830,7 +1933,8 @@
           <a:p>
             <a:fld id="{9F2F5E10-5301-4EE6-90D2-A6C4A3F62BED}" type="slidenum">
               <a:rPr lang="en-US" smtClean="0"/>
-              <a:t>‹Nr.›</a:t>
+              <a:pPr/>
+              <a:t>‹#›</a:t>
             </a:fld>
             <a:endParaRPr lang="en-US"/>
           </a:p>
@@ -1980,14 +2084,14 @@
   <p:clrMapOvr>
     <a:masterClrMapping/>
   </p:clrMapOvr>
-  <mc:AlternateContent xmlns:mc="http://schemas.openxmlformats.org/markup-compatibility/2006" xmlns:p14="http://schemas.microsoft.com/office/powerpoint/2010/main">
-    <mc:Choice Requires="p14">
+  <mc:AlternateContent xmlns:mc="http://schemas.openxmlformats.org/markup-compatibility/2006">
+    <mc:Choice xmlns:p14="http://schemas.microsoft.com/office/powerpoint/2010/main" xmlns="" Requires="p14">
       <p:transition spd="slow" p14:dur="1200">
         <p14:prism/>
       </p:transition>
     </mc:Choice>
-    <mc:Fallback xmlns="">
-      <p:transition xmlns:p14="http://schemas.microsoft.com/office/powerpoint/2010/main" spd="slow">
+    <mc:Fallback>
+      <p:transition spd="slow">
         <p:fade/>
       </p:transition>
     </mc:Fallback>
@@ -2125,7 +2229,8 @@
           <a:p>
             <a:fld id="{679BC7E7-EA8E-4DA7-915E-CC098D9BADCB}" type="datetimeFigureOut">
               <a:rPr lang="en-US" smtClean="0"/>
-              <a:t>02.06.13</a:t>
+              <a:pPr/>
+              <a:t>6/3/2013</a:t>
             </a:fld>
             <a:endParaRPr lang="en-US"/>
           </a:p>
@@ -2167,7 +2272,8 @@
           <a:p>
             <a:fld id="{9F2F5E10-5301-4EE6-90D2-A6C4A3F62BED}" type="slidenum">
               <a:rPr lang="en-US" smtClean="0"/>
-              <a:t>‹Nr.›</a:t>
+              <a:pPr/>
+              <a:t>‹#›</a:t>
             </a:fld>
             <a:endParaRPr lang="en-US"/>
           </a:p>
@@ -2178,14 +2284,14 @@
   <p:clrMapOvr>
     <a:masterClrMapping/>
   </p:clrMapOvr>
-  <mc:AlternateContent xmlns:mc="http://schemas.openxmlformats.org/markup-compatibility/2006" xmlns:p14="http://schemas.microsoft.com/office/powerpoint/2010/main">
-    <mc:Choice Requires="p14">
+  <mc:AlternateContent xmlns:mc="http://schemas.openxmlformats.org/markup-compatibility/2006">
+    <mc:Choice xmlns:p14="http://schemas.microsoft.com/office/powerpoint/2010/main" xmlns="" Requires="p14">
       <p:transition spd="slow" p14:dur="1200">
         <p14:prism/>
       </p:transition>
     </mc:Choice>
-    <mc:Fallback xmlns="">
-      <p:transition xmlns:p14="http://schemas.microsoft.com/office/powerpoint/2010/main" spd="slow">
+    <mc:Fallback>
+      <p:transition spd="slow">
         <p:fade/>
       </p:transition>
     </mc:Fallback>
@@ -2199,7 +2305,7 @@
     <p:bg>
       <p:bgPr>
         <a:blipFill dpi="0" rotWithShape="1">
-          <a:blip r:embed="rId2">
+          <a:blip r:embed="rId2" cstate="print">
             <a:lum/>
           </a:blip>
           <a:srcRect/>
@@ -2330,7 +2436,8 @@
           <a:p>
             <a:fld id="{679BC7E7-EA8E-4DA7-915E-CC098D9BADCB}" type="datetimeFigureOut">
               <a:rPr lang="en-US" smtClean="0"/>
-              <a:t>02.06.13</a:t>
+              <a:pPr/>
+              <a:t>6/3/2013</a:t>
             </a:fld>
             <a:endParaRPr lang="en-US"/>
           </a:p>
@@ -2372,7 +2479,8 @@
           <a:p>
             <a:fld id="{9F2F5E10-5301-4EE6-90D2-A6C4A3F62BED}" type="slidenum">
               <a:rPr lang="en-US" smtClean="0"/>
-              <a:t>‹Nr.›</a:t>
+              <a:pPr/>
+              <a:t>‹#›</a:t>
             </a:fld>
             <a:endParaRPr lang="en-US"/>
           </a:p>
@@ -2383,14 +2491,14 @@
   <p:clrMapOvr>
     <a:masterClrMapping/>
   </p:clrMapOvr>
-  <mc:AlternateContent xmlns:mc="http://schemas.openxmlformats.org/markup-compatibility/2006" xmlns:p14="http://schemas.microsoft.com/office/powerpoint/2010/main">
-    <mc:Choice Requires="p14">
+  <mc:AlternateContent xmlns:mc="http://schemas.openxmlformats.org/markup-compatibility/2006">
+    <mc:Choice xmlns:p14="http://schemas.microsoft.com/office/powerpoint/2010/main" xmlns="" Requires="p14">
       <p:transition spd="slow" p14:dur="1200">
         <p14:prism/>
       </p:transition>
     </mc:Choice>
-    <mc:Fallback xmlns="">
-      <p:transition xmlns:p14="http://schemas.microsoft.com/office/powerpoint/2010/main" spd="slow">
+    <mc:Fallback>
+      <p:transition spd="slow">
         <p:fade/>
       </p:transition>
     </mc:Fallback>
@@ -2404,7 +2512,7 @@
     <p:bg>
       <p:bgPr>
         <a:blipFill dpi="0" rotWithShape="1">
-          <a:blip r:embed="rId2">
+          <a:blip r:embed="rId2" cstate="print">
             <a:lum/>
           </a:blip>
           <a:srcRect/>
@@ -2446,7 +2554,8 @@
           <a:p>
             <a:fld id="{679BC7E7-EA8E-4DA7-915E-CC098D9BADCB}" type="datetimeFigureOut">
               <a:rPr lang="en-US" smtClean="0"/>
-              <a:t>02.06.13</a:t>
+              <a:pPr/>
+              <a:t>6/3/2013</a:t>
             </a:fld>
             <a:endParaRPr lang="en-US"/>
           </a:p>
@@ -2488,7 +2597,8 @@
           <a:p>
             <a:fld id="{9F2F5E10-5301-4EE6-90D2-A6C4A3F62BED}" type="slidenum">
               <a:rPr lang="en-US" smtClean="0"/>
-              <a:t>‹Nr.›</a:t>
+              <a:pPr/>
+              <a:t>‹#›</a:t>
             </a:fld>
             <a:endParaRPr lang="en-US"/>
           </a:p>
@@ -2499,14 +2609,14 @@
   <p:clrMapOvr>
     <a:overrideClrMapping bg1="lt1" tx1="dk1" bg2="lt2" tx2="dk2" accent1="accent1" accent2="accent2" accent3="accent3" accent4="accent4" accent5="accent5" accent6="accent6" hlink="hlink" folHlink="folHlink"/>
   </p:clrMapOvr>
-  <mc:AlternateContent xmlns:mc="http://schemas.openxmlformats.org/markup-compatibility/2006" xmlns:p14="http://schemas.microsoft.com/office/powerpoint/2010/main">
-    <mc:Choice Requires="p14">
+  <mc:AlternateContent xmlns:mc="http://schemas.openxmlformats.org/markup-compatibility/2006">
+    <mc:Choice xmlns:p14="http://schemas.microsoft.com/office/powerpoint/2010/main" xmlns="" Requires="p14">
       <p:transition spd="slow" p14:dur="1200">
         <p14:prism/>
       </p:transition>
     </mc:Choice>
-    <mc:Fallback xmlns="">
-      <p:transition xmlns:p14="http://schemas.microsoft.com/office/powerpoint/2010/main" spd="slow">
+    <mc:Fallback>
+      <p:transition spd="slow">
         <p:fade/>
       </p:transition>
     </mc:Fallback>
@@ -2627,7 +2737,8 @@
           <a:p>
             <a:fld id="{679BC7E7-EA8E-4DA7-915E-CC098D9BADCB}" type="datetimeFigureOut">
               <a:rPr lang="en-US" smtClean="0"/>
-              <a:t>02.06.13</a:t>
+              <a:pPr/>
+              <a:t>6/3/2013</a:t>
             </a:fld>
             <a:endParaRPr lang="en-US"/>
           </a:p>
@@ -2669,7 +2780,8 @@
           <a:p>
             <a:fld id="{9F2F5E10-5301-4EE6-90D2-A6C4A3F62BED}" type="slidenum">
               <a:rPr lang="en-US" smtClean="0"/>
-              <a:t>‹Nr.›</a:t>
+              <a:pPr/>
+              <a:t>‹#›</a:t>
             </a:fld>
             <a:endParaRPr lang="en-US"/>
           </a:p>
@@ -2680,14 +2792,14 @@
   <p:clrMapOvr>
     <a:masterClrMapping/>
   </p:clrMapOvr>
-  <mc:AlternateContent xmlns:mc="http://schemas.openxmlformats.org/markup-compatibility/2006" xmlns:p14="http://schemas.microsoft.com/office/powerpoint/2010/main">
-    <mc:Choice Requires="p14">
+  <mc:AlternateContent xmlns:mc="http://schemas.openxmlformats.org/markup-compatibility/2006">
+    <mc:Choice xmlns:p14="http://schemas.microsoft.com/office/powerpoint/2010/main" xmlns="" Requires="p14">
       <p:transition spd="slow" p14:dur="1200">
         <p14:prism/>
       </p:transition>
     </mc:Choice>
-    <mc:Fallback xmlns="">
-      <p:transition xmlns:p14="http://schemas.microsoft.com/office/powerpoint/2010/main" spd="slow">
+    <mc:Fallback>
+      <p:transition spd="slow">
         <p:fade/>
       </p:transition>
     </mc:Fallback>
@@ -2701,7 +2813,7 @@
     <p:bg>
       <p:bgPr>
         <a:blipFill dpi="0" rotWithShape="1">
-          <a:blip r:embed="rId2">
+          <a:blip r:embed="rId2" cstate="print">
             <a:lum/>
           </a:blip>
           <a:srcRect/>
@@ -2903,7 +3015,8 @@
           <a:p>
             <a:fld id="{679BC7E7-EA8E-4DA7-915E-CC098D9BADCB}" type="datetimeFigureOut">
               <a:rPr lang="en-US" smtClean="0"/>
-              <a:t>02.06.13</a:t>
+              <a:pPr/>
+              <a:t>6/3/2013</a:t>
             </a:fld>
             <a:endParaRPr lang="en-US"/>
           </a:p>
@@ -2958,7 +3071,8 @@
           <a:p>
             <a:fld id="{9F2F5E10-5301-4EE6-90D2-A6C4A3F62BED}" type="slidenum">
               <a:rPr lang="en-US" smtClean="0"/>
-              <a:t>‹Nr.›</a:t>
+              <a:pPr/>
+              <a:t>‹#›</a:t>
             </a:fld>
             <a:endParaRPr lang="en-US"/>
           </a:p>
@@ -3003,14 +3117,14 @@
   <p:clrMapOvr>
     <a:masterClrMapping/>
   </p:clrMapOvr>
-  <mc:AlternateContent xmlns:mc="http://schemas.openxmlformats.org/markup-compatibility/2006" xmlns:p14="http://schemas.microsoft.com/office/powerpoint/2010/main">
-    <mc:Choice Requires="p14">
+  <mc:AlternateContent xmlns:mc="http://schemas.openxmlformats.org/markup-compatibility/2006">
+    <mc:Choice xmlns:p14="http://schemas.microsoft.com/office/powerpoint/2010/main" xmlns="" Requires="p14">
       <p:transition spd="slow" p14:dur="1200">
         <p14:prism/>
       </p:transition>
     </mc:Choice>
-    <mc:Fallback xmlns="">
-      <p:transition xmlns:p14="http://schemas.microsoft.com/office/powerpoint/2010/main" spd="slow">
+    <mc:Fallback>
+      <p:transition spd="slow">
         <p:fade/>
       </p:transition>
     </mc:Fallback>
@@ -3249,7 +3363,8 @@
           <a:p>
             <a:fld id="{679BC7E7-EA8E-4DA7-915E-CC098D9BADCB}" type="datetimeFigureOut">
               <a:rPr lang="en-US" smtClean="0"/>
-              <a:t>02.06.13</a:t>
+              <a:pPr/>
+              <a:t>6/3/2013</a:t>
             </a:fld>
             <a:endParaRPr lang="en-US"/>
           </a:p>
@@ -3291,7 +3406,8 @@
           <a:p>
             <a:fld id="{9F2F5E10-5301-4EE6-90D2-A6C4A3F62BED}" type="slidenum">
               <a:rPr lang="en-US" smtClean="0"/>
-              <a:t>‹Nr.›</a:t>
+              <a:pPr/>
+              <a:t>‹#›</a:t>
             </a:fld>
             <a:endParaRPr lang="en-US"/>
           </a:p>
@@ -3302,14 +3418,14 @@
   <p:clrMapOvr>
     <a:masterClrMapping/>
   </p:clrMapOvr>
-  <mc:AlternateContent xmlns:mc="http://schemas.openxmlformats.org/markup-compatibility/2006" xmlns:p14="http://schemas.microsoft.com/office/powerpoint/2010/main">
-    <mc:Choice Requires="p14">
+  <mc:AlternateContent xmlns:mc="http://schemas.openxmlformats.org/markup-compatibility/2006">
+    <mc:Choice xmlns:p14="http://schemas.microsoft.com/office/powerpoint/2010/main" xmlns="" Requires="p14">
       <p:transition spd="slow" p14:dur="1200">
         <p14:prism/>
       </p:transition>
     </mc:Choice>
-    <mc:Fallback xmlns="">
-      <p:transition xmlns:p14="http://schemas.microsoft.com/office/powerpoint/2010/main" spd="slow">
+    <mc:Fallback>
+      <p:transition spd="slow">
         <p:fade/>
       </p:transition>
     </mc:Fallback>
@@ -3702,7 +3818,8 @@
           <a:p>
             <a:fld id="{679BC7E7-EA8E-4DA7-915E-CC098D9BADCB}" type="datetimeFigureOut">
               <a:rPr lang="en-US" smtClean="0"/>
-              <a:t>02.06.13</a:t>
+              <a:pPr/>
+              <a:t>6/3/2013</a:t>
             </a:fld>
             <a:endParaRPr lang="en-US"/>
           </a:p>
@@ -3744,7 +3861,8 @@
           <a:p>
             <a:fld id="{9F2F5E10-5301-4EE6-90D2-A6C4A3F62BED}" type="slidenum">
               <a:rPr lang="en-US" smtClean="0"/>
-              <a:t>‹Nr.›</a:t>
+              <a:pPr/>
+              <a:t>‹#›</a:t>
             </a:fld>
             <a:endParaRPr lang="en-US"/>
           </a:p>
@@ -3755,14 +3873,14 @@
   <p:clrMapOvr>
     <a:masterClrMapping/>
   </p:clrMapOvr>
-  <mc:AlternateContent xmlns:mc="http://schemas.openxmlformats.org/markup-compatibility/2006" xmlns:p14="http://schemas.microsoft.com/office/powerpoint/2010/main">
-    <mc:Choice Requires="p14">
+  <mc:AlternateContent xmlns:mc="http://schemas.openxmlformats.org/markup-compatibility/2006">
+    <mc:Choice xmlns:p14="http://schemas.microsoft.com/office/powerpoint/2010/main" xmlns="" Requires="p14">
       <p:transition spd="slow" p14:dur="1200">
         <p14:prism/>
       </p:transition>
     </mc:Choice>
-    <mc:Fallback xmlns="">
-      <p:transition xmlns:p14="http://schemas.microsoft.com/office/powerpoint/2010/main" spd="slow">
+    <mc:Fallback>
+      <p:transition spd="slow">
         <p:fade/>
       </p:transition>
     </mc:Fallback>
@@ -3912,7 +4030,8 @@
           <a:p>
             <a:fld id="{679BC7E7-EA8E-4DA7-915E-CC098D9BADCB}" type="datetimeFigureOut">
               <a:rPr lang="en-US" smtClean="0"/>
-              <a:t>02.06.13</a:t>
+              <a:pPr/>
+              <a:t>6/3/2013</a:t>
             </a:fld>
             <a:endParaRPr lang="en-US"/>
           </a:p>
@@ -3954,7 +4073,8 @@
           <a:p>
             <a:fld id="{9F2F5E10-5301-4EE6-90D2-A6C4A3F62BED}" type="slidenum">
               <a:rPr lang="en-US" smtClean="0"/>
-              <a:t>‹Nr.›</a:t>
+              <a:pPr/>
+              <a:t>‹#›</a:t>
             </a:fld>
             <a:endParaRPr lang="en-US"/>
           </a:p>
@@ -4050,14 +4170,14 @@
   <p:clrMapOvr>
     <a:masterClrMapping/>
   </p:clrMapOvr>
-  <mc:AlternateContent xmlns:mc="http://schemas.openxmlformats.org/markup-compatibility/2006" xmlns:p14="http://schemas.microsoft.com/office/powerpoint/2010/main">
-    <mc:Choice Requires="p14">
+  <mc:AlternateContent xmlns:mc="http://schemas.openxmlformats.org/markup-compatibility/2006">
+    <mc:Choice xmlns:p14="http://schemas.microsoft.com/office/powerpoint/2010/main" xmlns="" Requires="p14">
       <p:transition spd="slow" p14:dur="1200">
         <p14:prism/>
       </p:transition>
     </mc:Choice>
-    <mc:Fallback xmlns="">
-      <p:transition xmlns:p14="http://schemas.microsoft.com/office/powerpoint/2010/main" spd="slow">
+    <mc:Fallback>
+      <p:transition spd="slow">
         <p:fade/>
       </p:transition>
     </mc:Fallback>
@@ -4207,7 +4327,8 @@
           <a:p>
             <a:fld id="{679BC7E7-EA8E-4DA7-915E-CC098D9BADCB}" type="datetimeFigureOut">
               <a:rPr lang="en-US" smtClean="0"/>
-              <a:t>02.06.13</a:t>
+              <a:pPr/>
+              <a:t>6/3/2013</a:t>
             </a:fld>
             <a:endParaRPr lang="en-US"/>
           </a:p>
@@ -4249,7 +4370,8 @@
           <a:p>
             <a:fld id="{9F2F5E10-5301-4EE6-90D2-A6C4A3F62BED}" type="slidenum">
               <a:rPr lang="en-US" smtClean="0"/>
-              <a:t>‹Nr.›</a:t>
+              <a:pPr/>
+              <a:t>‹#›</a:t>
             </a:fld>
             <a:endParaRPr lang="en-US"/>
           </a:p>
@@ -4430,14 +4552,14 @@
   <p:clrMapOvr>
     <a:masterClrMapping/>
   </p:clrMapOvr>
-  <mc:AlternateContent xmlns:mc="http://schemas.openxmlformats.org/markup-compatibility/2006" xmlns:p14="http://schemas.microsoft.com/office/powerpoint/2010/main">
-    <mc:Choice Requires="p14">
+  <mc:AlternateContent xmlns:mc="http://schemas.openxmlformats.org/markup-compatibility/2006">
+    <mc:Choice xmlns:p14="http://schemas.microsoft.com/office/powerpoint/2010/main" xmlns="" Requires="p14">
       <p:transition spd="slow" p14:dur="1200">
         <p14:prism/>
       </p:transition>
     </mc:Choice>
-    <mc:Fallback xmlns="">
-      <p:transition xmlns:p14="http://schemas.microsoft.com/office/powerpoint/2010/main" spd="slow">
+    <mc:Fallback>
+      <p:transition spd="slow">
         <p:fade/>
       </p:transition>
     </mc:Fallback>
@@ -4587,7 +4709,8 @@
           <a:p>
             <a:fld id="{679BC7E7-EA8E-4DA7-915E-CC098D9BADCB}" type="datetimeFigureOut">
               <a:rPr lang="en-US" smtClean="0"/>
-              <a:t>02.06.13</a:t>
+              <a:pPr/>
+              <a:t>6/3/2013</a:t>
             </a:fld>
             <a:endParaRPr lang="en-US"/>
           </a:p>
@@ -4629,7 +4752,8 @@
           <a:p>
             <a:fld id="{9F2F5E10-5301-4EE6-90D2-A6C4A3F62BED}" type="slidenum">
               <a:rPr lang="en-US" smtClean="0"/>
-              <a:t>‹Nr.›</a:t>
+              <a:pPr/>
+              <a:t>‹#›</a:t>
             </a:fld>
             <a:endParaRPr lang="en-US"/>
           </a:p>
@@ -5023,14 +5147,14 @@
   <p:clrMapOvr>
     <a:masterClrMapping/>
   </p:clrMapOvr>
-  <mc:AlternateContent xmlns:mc="http://schemas.openxmlformats.org/markup-compatibility/2006" xmlns:p14="http://schemas.microsoft.com/office/powerpoint/2010/main">
-    <mc:Choice Requires="p14">
+  <mc:AlternateContent xmlns:mc="http://schemas.openxmlformats.org/markup-compatibility/2006">
+    <mc:Choice xmlns:p14="http://schemas.microsoft.com/office/powerpoint/2010/main" xmlns="" Requires="p14">
       <p:transition spd="slow" p14:dur="1200">
         <p14:prism/>
       </p:transition>
     </mc:Choice>
-    <mc:Fallback xmlns="">
-      <p:transition xmlns:p14="http://schemas.microsoft.com/office/powerpoint/2010/main" spd="slow">
+    <mc:Fallback>
+      <p:transition spd="slow">
         <p:fade/>
       </p:transition>
     </mc:Fallback>
@@ -5095,7 +5219,8 @@
           <a:p>
             <a:fld id="{679BC7E7-EA8E-4DA7-915E-CC098D9BADCB}" type="datetimeFigureOut">
               <a:rPr lang="en-US" smtClean="0"/>
-              <a:t>02.06.13</a:t>
+              <a:pPr/>
+              <a:t>6/3/2013</a:t>
             </a:fld>
             <a:endParaRPr lang="en-US"/>
           </a:p>
@@ -5137,7 +5262,8 @@
           <a:p>
             <a:fld id="{9F2F5E10-5301-4EE6-90D2-A6C4A3F62BED}" type="slidenum">
               <a:rPr lang="en-US" smtClean="0"/>
-              <a:t>‹Nr.›</a:t>
+              <a:pPr/>
+              <a:t>‹#›</a:t>
             </a:fld>
             <a:endParaRPr lang="en-US"/>
           </a:p>
@@ -5148,14 +5274,14 @@
   <p:clrMapOvr>
     <a:masterClrMapping/>
   </p:clrMapOvr>
-  <mc:AlternateContent xmlns:mc="http://schemas.openxmlformats.org/markup-compatibility/2006" xmlns:p14="http://schemas.microsoft.com/office/powerpoint/2010/main">
-    <mc:Choice Requires="p14">
+  <mc:AlternateContent xmlns:mc="http://schemas.openxmlformats.org/markup-compatibility/2006">
+    <mc:Choice xmlns:p14="http://schemas.microsoft.com/office/powerpoint/2010/main" xmlns="" Requires="p14">
       <p:transition spd="slow" p14:dur="1200">
         <p14:prism/>
       </p:transition>
     </mc:Choice>
-    <mc:Fallback xmlns="">
-      <p:transition xmlns:p14="http://schemas.microsoft.com/office/powerpoint/2010/main" spd="slow">
+    <mc:Fallback>
+      <p:transition spd="slow">
         <p:fade/>
       </p:transition>
     </mc:Fallback>
@@ -5316,7 +5442,8 @@
           <a:p>
             <a:fld id="{679BC7E7-EA8E-4DA7-915E-CC098D9BADCB}" type="datetimeFigureOut">
               <a:rPr lang="en-US" smtClean="0"/>
-              <a:t>02.06.13</a:t>
+              <a:pPr/>
+              <a:t>6/3/2013</a:t>
             </a:fld>
             <a:endParaRPr lang="en-US"/>
           </a:p>
@@ -5396,7 +5523,8 @@
           <a:p>
             <a:fld id="{9F2F5E10-5301-4EE6-90D2-A6C4A3F62BED}" type="slidenum">
               <a:rPr lang="en-US" smtClean="0"/>
-              <a:t>‹Nr.›</a:t>
+              <a:pPr/>
+              <a:t>‹#›</a:t>
             </a:fld>
             <a:endParaRPr lang="en-US"/>
           </a:p>
@@ -5423,14 +5551,14 @@
     <p:sldLayoutId id="2147483675" r:id="rId15"/>
     <p:sldLayoutId id="2147483676" r:id="rId16"/>
   </p:sldLayoutIdLst>
-  <mc:AlternateContent xmlns:mc="http://schemas.openxmlformats.org/markup-compatibility/2006" xmlns:p14="http://schemas.microsoft.com/office/powerpoint/2010/main">
-    <mc:Choice Requires="p14">
+  <mc:AlternateContent xmlns:mc="http://schemas.openxmlformats.org/markup-compatibility/2006">
+    <mc:Choice xmlns:p14="http://schemas.microsoft.com/office/powerpoint/2010/main" xmlns="" Requires="p14">
       <p:transition spd="slow" p14:dur="1200">
         <p14:prism/>
       </p:transition>
     </mc:Choice>
-    <mc:Fallback xmlns="">
-      <p:transition xmlns:p14="http://schemas.microsoft.com/office/powerpoint/2010/main" spd="slow">
+    <mc:Fallback>
+      <p:transition spd="slow">
         <p:fade/>
       </p:transition>
     </mc:Fallback>
@@ -5843,21 +5971,21 @@
     </p:spTree>
     <p:extLst>
       <p:ext uri="{BB962C8B-B14F-4D97-AF65-F5344CB8AC3E}">
-        <p14:creationId xmlns:p14="http://schemas.microsoft.com/office/powerpoint/2010/main" val="2084181368"/>
+        <p14:creationId xmlns:p14="http://schemas.microsoft.com/office/powerpoint/2010/main" xmlns="" val="2084181368"/>
       </p:ext>
     </p:extLst>
   </p:cSld>
   <p:clrMapOvr>
     <a:masterClrMapping/>
   </p:clrMapOvr>
-  <mc:AlternateContent xmlns:mc="http://schemas.openxmlformats.org/markup-compatibility/2006" xmlns:p14="http://schemas.microsoft.com/office/powerpoint/2010/main">
-    <mc:Choice Requires="p14">
+  <mc:AlternateContent xmlns:mc="http://schemas.openxmlformats.org/markup-compatibility/2006">
+    <mc:Choice xmlns:p14="http://schemas.microsoft.com/office/powerpoint/2010/main" xmlns="" Requires="p14">
       <p:transition spd="slow" p14:dur="900">
         <p14:warp dir="in"/>
       </p:transition>
     </mc:Choice>
-    <mc:Fallback xmlns="">
-      <p:transition xmlns:p14="http://schemas.microsoft.com/office/powerpoint/2010/main" spd="slow">
+    <mc:Fallback>
+      <p:transition spd="slow">
         <p:fade/>
       </p:transition>
     </mc:Fallback>
@@ -5865,7 +5993,7 @@
   <p:timing>
     <p:tnLst>
       <p:par>
-        <p:cTn xmlns:p14="http://schemas.microsoft.com/office/powerpoint/2010/main" id="1" dur="indefinite" restart="never" nodeType="tmRoot"/>
+        <p:cTn id="1" dur="indefinite" restart="never" nodeType="tmRoot"/>
       </p:par>
     </p:tnLst>
   </p:timing>
@@ -5950,10 +6078,10 @@
           <p:nvPr/>
         </p:nvPicPr>
         <p:blipFill>
-          <a:blip r:embed="rId2">
+          <a:blip r:embed="rId2" cstate="print">
             <a:extLst>
               <a:ext uri="{BEBA8EAE-BF5A-486C-A8C5-ECC9F3942E4B}">
-                <a14:imgProps xmlns:a14="http://schemas.microsoft.com/office/drawing/2010/main">
+                <a14:imgProps xmlns:a14="http://schemas.microsoft.com/office/drawing/2010/main" xmlns="">
                   <a14:imgLayer r:embed="rId3">
                     <a14:imgEffect>
                       <a14:backgroundRemoval t="3813" b="95813" l="4250" r="97250"/>
@@ -5986,10 +6114,10 @@
           <p:nvPr/>
         </p:nvPicPr>
         <p:blipFill>
-          <a:blip r:embed="rId4">
+          <a:blip r:embed="rId4" cstate="print">
             <a:extLst>
               <a:ext uri="{28A0092B-C50C-407E-A947-70E740481C1C}">
-                <a14:useLocalDpi xmlns:a14="http://schemas.microsoft.com/office/drawing/2010/main" val="0"/>
+                <a14:useLocalDpi xmlns:a14="http://schemas.microsoft.com/office/drawing/2010/main" xmlns="" val="0"/>
               </a:ext>
             </a:extLst>
           </a:blip>
@@ -6016,10 +6144,10 @@
           <p:nvPr/>
         </p:nvPicPr>
         <p:blipFill>
-          <a:blip r:embed="rId5">
+          <a:blip r:embed="rId5" cstate="print">
             <a:extLst>
               <a:ext uri="{28A0092B-C50C-407E-A947-70E740481C1C}">
-                <a14:useLocalDpi xmlns:a14="http://schemas.microsoft.com/office/drawing/2010/main" val="0"/>
+                <a14:useLocalDpi xmlns:a14="http://schemas.microsoft.com/office/drawing/2010/main" xmlns="" val="0"/>
               </a:ext>
             </a:extLst>
           </a:blip>
@@ -6046,10 +6174,10 @@
           <p:nvPr/>
         </p:nvPicPr>
         <p:blipFill>
-          <a:blip r:embed="rId6">
+          <a:blip r:embed="rId6" cstate="print">
             <a:extLst>
               <a:ext uri="{28A0092B-C50C-407E-A947-70E740481C1C}">
-                <a14:useLocalDpi xmlns:a14="http://schemas.microsoft.com/office/drawing/2010/main" val="0"/>
+                <a14:useLocalDpi xmlns:a14="http://schemas.microsoft.com/office/drawing/2010/main" xmlns="" val="0"/>
               </a:ext>
             </a:extLst>
           </a:blip>
@@ -6070,21 +6198,21 @@
     </p:spTree>
     <p:extLst>
       <p:ext uri="{BB962C8B-B14F-4D97-AF65-F5344CB8AC3E}">
-        <p14:creationId xmlns:p14="http://schemas.microsoft.com/office/powerpoint/2010/main" val="6677563"/>
+        <p14:creationId xmlns:p14="http://schemas.microsoft.com/office/powerpoint/2010/main" xmlns="" val="6677563"/>
       </p:ext>
     </p:extLst>
   </p:cSld>
   <p:clrMapOvr>
     <a:masterClrMapping/>
   </p:clrMapOvr>
-  <mc:AlternateContent xmlns:mc="http://schemas.openxmlformats.org/markup-compatibility/2006" xmlns:p14="http://schemas.microsoft.com/office/powerpoint/2010/main">
-    <mc:Choice Requires="p14">
+  <mc:AlternateContent xmlns:mc="http://schemas.openxmlformats.org/markup-compatibility/2006">
+    <mc:Choice xmlns:p14="http://schemas.microsoft.com/office/powerpoint/2010/main" xmlns="" Requires="p14">
       <p:transition spd="slow" p14:dur="1200">
         <p14:prism/>
       </p:transition>
     </mc:Choice>
-    <mc:Fallback xmlns="">
-      <p:transition xmlns:p14="http://schemas.microsoft.com/office/powerpoint/2010/main" spd="slow">
+    <mc:Fallback>
+      <p:transition spd="slow">
         <p:fade/>
       </p:transition>
     </mc:Fallback>
@@ -6092,7 +6220,7 @@
   <p:timing>
     <p:tnLst>
       <p:par>
-        <p:cTn xmlns:p14="http://schemas.microsoft.com/office/powerpoint/2010/main" id="1" dur="indefinite" restart="never" nodeType="tmRoot">
+        <p:cTn id="1" dur="indefinite" restart="never" nodeType="tmRoot">
           <p:childTnLst>
             <p:seq concurrent="1" nextAc="seek">
               <p:cTn id="2" dur="indefinite" nodeType="mainSeq">
@@ -6515,10 +6643,10 @@
           <p:nvPr/>
         </p:nvPicPr>
         <p:blipFill rotWithShape="1">
-          <a:blip r:embed="rId2">
+          <a:blip r:embed="rId2" cstate="print">
             <a:extLst>
               <a:ext uri="{BEBA8EAE-BF5A-486C-A8C5-ECC9F3942E4B}">
-                <a14:imgProps xmlns:a14="http://schemas.microsoft.com/office/drawing/2010/main">
+                <a14:imgProps xmlns:a14="http://schemas.microsoft.com/office/drawing/2010/main" xmlns="">
                   <a14:imgLayer r:embed="rId3">
                     <a14:imgEffect>
                       <a14:backgroundRemoval t="0" b="99722" l="3333" r="98750">
@@ -6562,10 +6690,10 @@
           <p:nvPr/>
         </p:nvPicPr>
         <p:blipFill>
-          <a:blip r:embed="rId4">
+          <a:blip r:embed="rId4" cstate="print">
             <a:extLst>
               <a:ext uri="{BEBA8EAE-BF5A-486C-A8C5-ECC9F3942E4B}">
-                <a14:imgProps xmlns:a14="http://schemas.microsoft.com/office/drawing/2010/main">
+                <a14:imgProps xmlns:a14="http://schemas.microsoft.com/office/drawing/2010/main" xmlns="">
                   <a14:imgLayer r:embed="rId5">
                     <a14:imgEffect>
                       <a14:backgroundRemoval t="0" b="100000" l="0" r="100000"/>
@@ -6601,7 +6729,7 @@
           <p:nvPr/>
         </p:nvPicPr>
         <p:blipFill>
-          <a:blip r:embed="rId6"/>
+          <a:blip r:embed="rId6" cstate="print"/>
           <a:stretch>
             <a:fillRect/>
           </a:stretch>
@@ -6625,7 +6753,7 @@
           <p:nvPr/>
         </p:nvPicPr>
         <p:blipFill rotWithShape="1">
-          <a:blip r:embed="rId7"/>
+          <a:blip r:embed="rId7" cstate="print"/>
           <a:srcRect l="8956" t="9129" r="9324" b="9558"/>
           <a:stretch/>
         </p:blipFill>
@@ -6665,21 +6793,21 @@
     </p:spTree>
     <p:extLst>
       <p:ext uri="{BB962C8B-B14F-4D97-AF65-F5344CB8AC3E}">
-        <p14:creationId xmlns:p14="http://schemas.microsoft.com/office/powerpoint/2010/main" val="787863190"/>
+        <p14:creationId xmlns:p14="http://schemas.microsoft.com/office/powerpoint/2010/main" xmlns="" val="787863190"/>
       </p:ext>
     </p:extLst>
   </p:cSld>
   <p:clrMapOvr>
     <a:masterClrMapping/>
   </p:clrMapOvr>
-  <mc:AlternateContent xmlns:mc="http://schemas.openxmlformats.org/markup-compatibility/2006" xmlns:p14="http://schemas.microsoft.com/office/powerpoint/2010/main">
-    <mc:Choice Requires="p14">
+  <mc:AlternateContent xmlns:mc="http://schemas.openxmlformats.org/markup-compatibility/2006">
+    <mc:Choice xmlns:p14="http://schemas.microsoft.com/office/powerpoint/2010/main" xmlns="" Requires="p14">
       <p:transition spd="slow" p14:dur="1200">
         <p14:prism/>
       </p:transition>
     </mc:Choice>
-    <mc:Fallback xmlns="">
-      <p:transition xmlns:p14="http://schemas.microsoft.com/office/powerpoint/2010/main" spd="slow">
+    <mc:Fallback>
+      <p:transition spd="slow">
         <p:fade/>
       </p:transition>
     </mc:Fallback>
@@ -6687,7 +6815,7 @@
   <p:timing>
     <p:tnLst>
       <p:par>
-        <p:cTn xmlns:p14="http://schemas.microsoft.com/office/powerpoint/2010/main" id="1" dur="indefinite" restart="never" nodeType="tmRoot">
+        <p:cTn id="1" dur="indefinite" restart="never" nodeType="tmRoot">
           <p:childTnLst>
             <p:seq concurrent="1" nextAc="seek">
               <p:cTn id="2" dur="indefinite" nodeType="mainSeq">
@@ -7324,7 +7452,7 @@
           </p:nvPr>
         </p:nvPicPr>
         <p:blipFill>
-          <a:blip r:embed="rId2"/>
+          <a:blip r:embed="rId2" cstate="print"/>
           <a:srcRect l="-5532" r="-5532"/>
           <a:stretch>
             <a:fillRect/>
@@ -7335,21 +7463,21 @@
     </p:spTree>
     <p:extLst>
       <p:ext uri="{BB962C8B-B14F-4D97-AF65-F5344CB8AC3E}">
-        <p14:creationId xmlns:p14="http://schemas.microsoft.com/office/powerpoint/2010/main" val="1855678142"/>
+        <p14:creationId xmlns:p14="http://schemas.microsoft.com/office/powerpoint/2010/main" xmlns="" val="1855678142"/>
       </p:ext>
     </p:extLst>
   </p:cSld>
   <p:clrMapOvr>
     <a:masterClrMapping/>
   </p:clrMapOvr>
-  <mc:AlternateContent xmlns:mc="http://schemas.openxmlformats.org/markup-compatibility/2006" xmlns:p14="http://schemas.microsoft.com/office/powerpoint/2010/main">
-    <mc:Choice Requires="p14">
+  <mc:AlternateContent xmlns:mc="http://schemas.openxmlformats.org/markup-compatibility/2006">
+    <mc:Choice xmlns:p14="http://schemas.microsoft.com/office/powerpoint/2010/main" xmlns="" Requires="p14">
       <p:transition spd="slow" p14:dur="1200">
         <p14:prism/>
       </p:transition>
     </mc:Choice>
-    <mc:Fallback xmlns="">
-      <p:transition xmlns:p14="http://schemas.microsoft.com/office/powerpoint/2010/main" spd="slow">
+    <mc:Fallback>
+      <p:transition spd="slow">
         <p:fade/>
       </p:transition>
     </mc:Fallback>
@@ -7357,7 +7485,7 @@
   <p:timing>
     <p:tnLst>
       <p:par>
-        <p:cTn xmlns:p14="http://schemas.microsoft.com/office/powerpoint/2010/main" id="1" dur="indefinite" restart="never" nodeType="tmRoot">
+        <p:cTn id="1" dur="indefinite" restart="never" nodeType="tmRoot">
           <p:childTnLst>
             <p:seq concurrent="1" nextAc="seek">
               <p:cTn id="2" dur="indefinite" nodeType="mainSeq">
@@ -7483,7 +7611,7 @@
           </p:nvPr>
         </p:nvPicPr>
         <p:blipFill>
-          <a:blip r:embed="rId2"/>
+          <a:blip r:embed="rId2" cstate="print"/>
           <a:srcRect l="-5532" r="-5532"/>
           <a:stretch>
             <a:fillRect/>
@@ -7494,21 +7622,21 @@
     </p:spTree>
     <p:extLst>
       <p:ext uri="{BB962C8B-B14F-4D97-AF65-F5344CB8AC3E}">
-        <p14:creationId xmlns:p14="http://schemas.microsoft.com/office/powerpoint/2010/main" val="497561131"/>
+        <p14:creationId xmlns:p14="http://schemas.microsoft.com/office/powerpoint/2010/main" xmlns="" val="497561131"/>
       </p:ext>
     </p:extLst>
   </p:cSld>
   <p:clrMapOvr>
     <a:masterClrMapping/>
   </p:clrMapOvr>
-  <mc:AlternateContent xmlns:mc="http://schemas.openxmlformats.org/markup-compatibility/2006" xmlns:p14="http://schemas.microsoft.com/office/powerpoint/2010/main">
-    <mc:Choice Requires="p14">
+  <mc:AlternateContent xmlns:mc="http://schemas.openxmlformats.org/markup-compatibility/2006">
+    <mc:Choice xmlns:p14="http://schemas.microsoft.com/office/powerpoint/2010/main" xmlns="" Requires="p14">
       <p:transition spd="slow" p14:dur="1200">
         <p14:prism/>
       </p:transition>
     </mc:Choice>
-    <mc:Fallback xmlns="">
-      <p:transition xmlns:p14="http://schemas.microsoft.com/office/powerpoint/2010/main" spd="slow">
+    <mc:Fallback>
+      <p:transition spd="slow">
         <p:fade/>
       </p:transition>
     </mc:Fallback>
@@ -7516,7 +7644,7 @@
   <p:timing>
     <p:tnLst>
       <p:par>
-        <p:cTn xmlns:p14="http://schemas.microsoft.com/office/powerpoint/2010/main" id="1" dur="indefinite" restart="never" nodeType="tmRoot">
+        <p:cTn id="1" dur="indefinite" restart="never" nodeType="tmRoot">
           <p:childTnLst>
             <p:seq concurrent="1" nextAc="seek">
               <p:cTn id="2" dur="indefinite" nodeType="mainSeq">
@@ -7642,7 +7770,7 @@
           </p:nvPr>
         </p:nvPicPr>
         <p:blipFill>
-          <a:blip r:embed="rId2"/>
+          <a:blip r:embed="rId2" cstate="print"/>
           <a:srcRect l="-5532" r="-5532"/>
           <a:stretch>
             <a:fillRect/>
@@ -7653,21 +7781,21 @@
     </p:spTree>
     <p:extLst>
       <p:ext uri="{BB962C8B-B14F-4D97-AF65-F5344CB8AC3E}">
-        <p14:creationId xmlns:p14="http://schemas.microsoft.com/office/powerpoint/2010/main" val="1417798178"/>
+        <p14:creationId xmlns:p14="http://schemas.microsoft.com/office/powerpoint/2010/main" xmlns="" val="1417798178"/>
       </p:ext>
     </p:extLst>
   </p:cSld>
   <p:clrMapOvr>
     <a:masterClrMapping/>
   </p:clrMapOvr>
-  <mc:AlternateContent xmlns:mc="http://schemas.openxmlformats.org/markup-compatibility/2006" xmlns:p14="http://schemas.microsoft.com/office/powerpoint/2010/main">
-    <mc:Choice Requires="p14">
+  <mc:AlternateContent xmlns:mc="http://schemas.openxmlformats.org/markup-compatibility/2006">
+    <mc:Choice xmlns:p14="http://schemas.microsoft.com/office/powerpoint/2010/main" xmlns="" Requires="p14">
       <p:transition spd="slow" p14:dur="1200">
         <p14:prism/>
       </p:transition>
     </mc:Choice>
-    <mc:Fallback xmlns="">
-      <p:transition xmlns:p14="http://schemas.microsoft.com/office/powerpoint/2010/main" spd="slow">
+    <mc:Fallback>
+      <p:transition spd="slow">
         <p:fade/>
       </p:transition>
     </mc:Fallback>
@@ -7675,7 +7803,7 @@
   <p:timing>
     <p:tnLst>
       <p:par>
-        <p:cTn xmlns:p14="http://schemas.microsoft.com/office/powerpoint/2010/main" id="1" dur="indefinite" restart="never" nodeType="tmRoot">
+        <p:cTn id="1" dur="indefinite" restart="never" nodeType="tmRoot">
           <p:childTnLst>
             <p:seq concurrent="1" nextAc="seek">
               <p:cTn id="2" dur="indefinite" nodeType="mainSeq">
@@ -7801,7 +7929,7 @@
           </p:nvPr>
         </p:nvPicPr>
         <p:blipFill>
-          <a:blip r:embed="rId2"/>
+          <a:blip r:embed="rId2" cstate="print"/>
           <a:srcRect l="-5532" r="-5532"/>
           <a:stretch>
             <a:fillRect/>
@@ -7812,21 +7940,21 @@
     </p:spTree>
     <p:extLst>
       <p:ext uri="{BB962C8B-B14F-4D97-AF65-F5344CB8AC3E}">
-        <p14:creationId xmlns:p14="http://schemas.microsoft.com/office/powerpoint/2010/main" val="1417798178"/>
+        <p14:creationId xmlns:p14="http://schemas.microsoft.com/office/powerpoint/2010/main" xmlns="" val="1417798178"/>
       </p:ext>
     </p:extLst>
   </p:cSld>
   <p:clrMapOvr>
     <a:masterClrMapping/>
   </p:clrMapOvr>
-  <mc:AlternateContent xmlns:mc="http://schemas.openxmlformats.org/markup-compatibility/2006" xmlns:p14="http://schemas.microsoft.com/office/powerpoint/2010/main">
-    <mc:Choice Requires="p14">
+  <mc:AlternateContent xmlns:mc="http://schemas.openxmlformats.org/markup-compatibility/2006">
+    <mc:Choice xmlns:p14="http://schemas.microsoft.com/office/powerpoint/2010/main" xmlns="" Requires="p14">
       <p:transition spd="slow" p14:dur="1200">
         <p14:prism/>
       </p:transition>
     </mc:Choice>
-    <mc:Fallback xmlns="">
-      <p:transition xmlns:p14="http://schemas.microsoft.com/office/powerpoint/2010/main" spd="slow">
+    <mc:Fallback>
+      <p:transition spd="slow">
         <p:fade/>
       </p:transition>
     </mc:Fallback>
@@ -7834,7 +7962,7 @@
   <p:timing>
     <p:tnLst>
       <p:par>
-        <p:cTn xmlns:p14="http://schemas.microsoft.com/office/powerpoint/2010/main" id="1" dur="indefinite" restart="never" nodeType="tmRoot">
+        <p:cTn id="1" dur="indefinite" restart="never" nodeType="tmRoot">
           <p:childTnLst>
             <p:seq concurrent="1" nextAc="seek">
               <p:cTn id="2" dur="indefinite" nodeType="mainSeq">
@@ -7997,8 +8125,8 @@
           </a:p>
           <a:p>
             <a:r>
-              <a:rPr lang="de-CH" dirty="0" err="1" smtClean="0"/>
-              <a:t>Leveldesign</a:t>
+              <a:rPr lang="de-CH" dirty="0" smtClean="0"/>
+              <a:t>Level-Design</a:t>
             </a:r>
             <a:endParaRPr lang="de-CH" dirty="0"/>
           </a:p>
@@ -8007,21 +8135,21 @@
     </p:spTree>
     <p:extLst>
       <p:ext uri="{BB962C8B-B14F-4D97-AF65-F5344CB8AC3E}">
-        <p14:creationId xmlns:p14="http://schemas.microsoft.com/office/powerpoint/2010/main" val="343737319"/>
+        <p14:creationId xmlns:p14="http://schemas.microsoft.com/office/powerpoint/2010/main" xmlns="" val="343737319"/>
       </p:ext>
     </p:extLst>
   </p:cSld>
   <p:clrMapOvr>
     <a:masterClrMapping/>
   </p:clrMapOvr>
-  <mc:AlternateContent xmlns:mc="http://schemas.openxmlformats.org/markup-compatibility/2006" xmlns:p14="http://schemas.microsoft.com/office/powerpoint/2010/main">
-    <mc:Choice Requires="p14">
+  <mc:AlternateContent xmlns:mc="http://schemas.openxmlformats.org/markup-compatibility/2006">
+    <mc:Choice xmlns:p14="http://schemas.microsoft.com/office/powerpoint/2010/main" xmlns="" Requires="p14">
       <p:transition spd="slow" p14:dur="1200">
         <p14:prism/>
       </p:transition>
     </mc:Choice>
-    <mc:Fallback xmlns="">
-      <p:transition xmlns:p14="http://schemas.microsoft.com/office/powerpoint/2010/main" spd="slow">
+    <mc:Fallback>
+      <p:transition spd="slow">
         <p:fade/>
       </p:transition>
     </mc:Fallback>
@@ -8029,7 +8157,7 @@
   <p:timing>
     <p:tnLst>
       <p:par>
-        <p:cTn xmlns:p14="http://schemas.microsoft.com/office/powerpoint/2010/main" id="1" dur="indefinite" restart="never" nodeType="tmRoot">
+        <p:cTn id="1" dur="indefinite" restart="never" nodeType="tmRoot">
           <p:childTnLst>
             <p:seq concurrent="1" nextAc="seek">
               <p:cTn id="2" dur="indefinite" nodeType="mainSeq">
@@ -8715,21 +8843,21 @@
     </p:spTree>
     <p:extLst>
       <p:ext uri="{BB962C8B-B14F-4D97-AF65-F5344CB8AC3E}">
-        <p14:creationId xmlns:p14="http://schemas.microsoft.com/office/powerpoint/2010/main" val="407749352"/>
+        <p14:creationId xmlns:p14="http://schemas.microsoft.com/office/powerpoint/2010/main" xmlns="" val="407749352"/>
       </p:ext>
     </p:extLst>
   </p:cSld>
   <p:clrMapOvr>
     <a:masterClrMapping/>
   </p:clrMapOvr>
-  <mc:AlternateContent xmlns:mc="http://schemas.openxmlformats.org/markup-compatibility/2006" xmlns:p14="http://schemas.microsoft.com/office/powerpoint/2010/main">
-    <mc:Choice Requires="p14">
+  <mc:AlternateContent xmlns:mc="http://schemas.openxmlformats.org/markup-compatibility/2006">
+    <mc:Choice xmlns:p14="http://schemas.microsoft.com/office/powerpoint/2010/main" xmlns="" Requires="p14">
       <p:transition spd="slow" p14:dur="1200">
         <p14:prism/>
       </p:transition>
     </mc:Choice>
-    <mc:Fallback xmlns="">
-      <p:transition xmlns:p14="http://schemas.microsoft.com/office/powerpoint/2010/main" spd="slow">
+    <mc:Fallback>
+      <p:transition spd="slow">
         <p:fade/>
       </p:transition>
     </mc:Fallback>
@@ -8737,7 +8865,7 @@
   <p:timing>
     <p:tnLst>
       <p:par>
-        <p:cTn xmlns:p14="http://schemas.microsoft.com/office/powerpoint/2010/main" id="1" dur="indefinite" restart="never" nodeType="tmRoot">
+        <p:cTn id="1" dur="indefinite" restart="never" nodeType="tmRoot">
           <p:childTnLst>
             <p:seq concurrent="1" nextAc="seek">
               <p:cTn id="2" dur="indefinite" nodeType="mainSeq">
@@ -9364,21 +9492,21 @@
     </p:spTree>
     <p:extLst>
       <p:ext uri="{BB962C8B-B14F-4D97-AF65-F5344CB8AC3E}">
-        <p14:creationId xmlns:p14="http://schemas.microsoft.com/office/powerpoint/2010/main" val="3510660102"/>
+        <p14:creationId xmlns:p14="http://schemas.microsoft.com/office/powerpoint/2010/main" xmlns="" val="3510660102"/>
       </p:ext>
     </p:extLst>
   </p:cSld>
   <p:clrMapOvr>
     <a:masterClrMapping/>
   </p:clrMapOvr>
-  <mc:AlternateContent xmlns:mc="http://schemas.openxmlformats.org/markup-compatibility/2006" xmlns:p14="http://schemas.microsoft.com/office/powerpoint/2010/main">
-    <mc:Choice Requires="p14">
+  <mc:AlternateContent xmlns:mc="http://schemas.openxmlformats.org/markup-compatibility/2006">
+    <mc:Choice xmlns:p14="http://schemas.microsoft.com/office/powerpoint/2010/main" xmlns="" Requires="p14">
       <p:transition spd="slow" p14:dur="1200">
         <p14:prism/>
       </p:transition>
     </mc:Choice>
-    <mc:Fallback xmlns="">
-      <p:transition xmlns:p14="http://schemas.microsoft.com/office/powerpoint/2010/main" spd="slow">
+    <mc:Fallback>
+      <p:transition spd="slow">
         <p:fade/>
       </p:transition>
     </mc:Fallback>
@@ -9386,7 +9514,7 @@
   <p:timing>
     <p:tnLst>
       <p:par>
-        <p:cTn xmlns:p14="http://schemas.microsoft.com/office/powerpoint/2010/main" id="1" dur="indefinite" restart="never" nodeType="tmRoot">
+        <p:cTn id="1" dur="indefinite" restart="never" nodeType="tmRoot">
           <p:childTnLst>
             <p:seq concurrent="1" nextAc="seek">
               <p:cTn id="2" dur="indefinite" nodeType="mainSeq">
@@ -9890,7 +10018,7 @@
       </p:grpSpPr>
       <p:sp>
         <p:nvSpPr>
-          <p:cNvPr id="2" name="Titel 1"/>
+          <p:cNvPr id="2" name="Title 1"/>
           <p:cNvSpPr>
             <a:spLocks noGrp="1"/>
           </p:cNvSpPr>
@@ -9905,7 +10033,7 @@
           <a:p>
             <a:r>
               <a:rPr lang="de-CH" dirty="0" smtClean="0"/>
-              <a:t>Datenmodell</a:t>
+              <a:t>Sprites</a:t>
             </a:r>
             <a:endParaRPr lang="de-CH" dirty="0"/>
           </a:p>
@@ -9913,7 +10041,7 @@
       </p:sp>
       <p:sp>
         <p:nvSpPr>
-          <p:cNvPr id="3" name="Inhaltsplatzhalter 2"/>
+          <p:cNvPr id="3" name="Content Placeholder 2"/>
           <p:cNvSpPr>
             <a:spLocks noGrp="1"/>
           </p:cNvSpPr>
@@ -9923,78 +10051,71 @@
         </p:nvSpPr>
         <p:spPr/>
         <p:txBody>
-          <a:bodyPr>
-            <a:normAutofit/>
-          </a:bodyPr>
+          <a:bodyPr/>
           <a:lstStyle/>
           <a:p>
             <a:r>
               <a:rPr lang="de-CH" dirty="0" err="1" smtClean="0"/>
-              <a:t>TiledMaps</a:t>
-            </a:r>
-            <a:endParaRPr lang="de-CH" dirty="0" smtClean="0"/>
-          </a:p>
-          <a:p>
-            <a:pPr lvl="1"/>
+              <a:t>CCNode</a:t>
+            </a:r>
             <a:r>
               <a:rPr lang="de-CH" dirty="0" smtClean="0"/>
-              <a:t>Anordnung der Spielelemente</a:t>
-            </a:r>
-          </a:p>
-          <a:p>
-            <a:pPr lvl="1"/>
+              <a:t>-Subklasse</a:t>
+            </a:r>
+          </a:p>
+          <a:p>
             <a:r>
               <a:rPr lang="de-CH" dirty="0" smtClean="0"/>
-              <a:t>Gute Integration</a:t>
+              <a:t>Darstellung von Grafiken</a:t>
             </a:r>
           </a:p>
           <a:p>
             <a:r>
               <a:rPr lang="de-CH" dirty="0" smtClean="0"/>
-              <a:t>Property Files</a:t>
-            </a:r>
-          </a:p>
-          <a:p>
-            <a:pPr lvl="1"/>
-            <a:r>
-              <a:rPr lang="de-CH" dirty="0" smtClean="0"/>
-              <a:t>Entwicklerinformationen</a:t>
-            </a:r>
-          </a:p>
-          <a:p>
-            <a:pPr lvl="1"/>
-            <a:r>
-              <a:rPr lang="de-CH" dirty="0" smtClean="0"/>
-              <a:t>Animationen der Spielelemente</a:t>
-            </a:r>
-          </a:p>
-          <a:p>
-            <a:pPr lvl="1"/>
-            <a:r>
-              <a:rPr lang="de-CH" dirty="0" smtClean="0"/>
-              <a:t>Level-Metainformationen</a:t>
+              <a:t>Wichtigste Oberklasse im Projekt</a:t>
             </a:r>
           </a:p>
         </p:txBody>
       </p:sp>
+      <p:pic>
+        <p:nvPicPr>
+          <p:cNvPr id="1028" name="Picture 4" descr="C:\Users\toviloil\Desktop\mario-fire-jump-1.png"/>
+          <p:cNvPicPr>
+            <a:picLocks noChangeAspect="1" noChangeArrowheads="1"/>
+          </p:cNvPicPr>
+          <p:nvPr/>
+        </p:nvPicPr>
+        <p:blipFill>
+          <a:blip r:embed="rId2" cstate="print"/>
+          <a:srcRect/>
+          <a:stretch>
+            <a:fillRect/>
+          </a:stretch>
+        </p:blipFill>
+        <p:spPr bwMode="auto">
+          <a:xfrm>
+            <a:off x="6551952" y="2594884"/>
+            <a:ext cx="1554616" cy="3109230"/>
+          </a:xfrm>
+          <a:prstGeom prst="rect">
+            <a:avLst/>
+          </a:prstGeom>
+          <a:noFill/>
+        </p:spPr>
+      </p:pic>
     </p:spTree>
-    <p:extLst>
-      <p:ext uri="{BB962C8B-B14F-4D97-AF65-F5344CB8AC3E}">
-        <p14:creationId xmlns:p14="http://schemas.microsoft.com/office/powerpoint/2010/main" val="1752730562"/>
-      </p:ext>
-    </p:extLst>
   </p:cSld>
   <p:clrMapOvr>
     <a:masterClrMapping/>
   </p:clrMapOvr>
-  <mc:AlternateContent xmlns:mc="http://schemas.openxmlformats.org/markup-compatibility/2006" xmlns:p14="http://schemas.microsoft.com/office/powerpoint/2010/main">
-    <mc:Choice Requires="p14">
+  <mc:AlternateContent xmlns:mc="http://schemas.openxmlformats.org/markup-compatibility/2006">
+    <mc:Choice xmlns:p14="http://schemas.microsoft.com/office/powerpoint/2010/main" xmlns="" Requires="p14">
       <p:transition spd="slow" p14:dur="1200">
         <p14:prism/>
       </p:transition>
     </mc:Choice>
-    <mc:Fallback xmlns="">
-      <p:transition xmlns:p14="http://schemas.microsoft.com/office/powerpoint/2010/main" spd="slow">
+    <mc:Fallback>
+      <p:transition spd="slow">
         <p:fade/>
       </p:transition>
     </mc:Fallback>
@@ -10002,7 +10123,1477 @@
   <p:timing>
     <p:tnLst>
       <p:par>
-        <p:cTn xmlns:p14="http://schemas.microsoft.com/office/powerpoint/2010/main" id="1" dur="indefinite" restart="never" nodeType="tmRoot">
+        <p:cTn id="1" dur="indefinite" restart="never" nodeType="tmRoot">
+          <p:childTnLst>
+            <p:seq concurrent="1" nextAc="seek">
+              <p:cTn id="2" dur="indefinite" nodeType="mainSeq">
+                <p:childTnLst>
+                  <p:par>
+                    <p:cTn id="3" fill="hold">
+                      <p:stCondLst>
+                        <p:cond delay="indefinite"/>
+                      </p:stCondLst>
+                      <p:childTnLst>
+                        <p:par>
+                          <p:cTn id="4" fill="hold">
+                            <p:stCondLst>
+                              <p:cond delay="0"/>
+                            </p:stCondLst>
+                            <p:childTnLst>
+                              <p:par>
+                                <p:cTn id="5" presetID="1" presetClass="entr" presetSubtype="0" fill="hold" nodeType="clickEffect">
+                                  <p:stCondLst>
+                                    <p:cond delay="0"/>
+                                  </p:stCondLst>
+                                  <p:childTnLst>
+                                    <p:set>
+                                      <p:cBhvr>
+                                        <p:cTn id="6" dur="1" fill="hold">
+                                          <p:stCondLst>
+                                            <p:cond delay="0"/>
+                                          </p:stCondLst>
+                                        </p:cTn>
+                                        <p:tgtEl>
+                                          <p:spTgt spid="3">
+                                            <p:txEl>
+                                              <p:pRg st="0" end="0"/>
+                                            </p:txEl>
+                                          </p:spTgt>
+                                        </p:tgtEl>
+                                        <p:attrNameLst>
+                                          <p:attrName>style.visibility</p:attrName>
+                                        </p:attrNameLst>
+                                      </p:cBhvr>
+                                      <p:to>
+                                        <p:strVal val="visible"/>
+                                      </p:to>
+                                    </p:set>
+                                  </p:childTnLst>
+                                </p:cTn>
+                              </p:par>
+                            </p:childTnLst>
+                          </p:cTn>
+                        </p:par>
+                      </p:childTnLst>
+                    </p:cTn>
+                  </p:par>
+                  <p:par>
+                    <p:cTn id="7" fill="hold">
+                      <p:stCondLst>
+                        <p:cond delay="indefinite"/>
+                      </p:stCondLst>
+                      <p:childTnLst>
+                        <p:par>
+                          <p:cTn id="8" fill="hold">
+                            <p:stCondLst>
+                              <p:cond delay="0"/>
+                            </p:stCondLst>
+                            <p:childTnLst>
+                              <p:par>
+                                <p:cTn id="9" presetID="1" presetClass="entr" presetSubtype="0" fill="hold" nodeType="clickEffect">
+                                  <p:stCondLst>
+                                    <p:cond delay="0"/>
+                                  </p:stCondLst>
+                                  <p:childTnLst>
+                                    <p:set>
+                                      <p:cBhvr>
+                                        <p:cTn id="10" dur="1" fill="hold">
+                                          <p:stCondLst>
+                                            <p:cond delay="0"/>
+                                          </p:stCondLst>
+                                        </p:cTn>
+                                        <p:tgtEl>
+                                          <p:spTgt spid="3">
+                                            <p:txEl>
+                                              <p:pRg st="1" end="1"/>
+                                            </p:txEl>
+                                          </p:spTgt>
+                                        </p:tgtEl>
+                                        <p:attrNameLst>
+                                          <p:attrName>style.visibility</p:attrName>
+                                        </p:attrNameLst>
+                                      </p:cBhvr>
+                                      <p:to>
+                                        <p:strVal val="visible"/>
+                                      </p:to>
+                                    </p:set>
+                                  </p:childTnLst>
+                                </p:cTn>
+                              </p:par>
+                            </p:childTnLst>
+                          </p:cTn>
+                        </p:par>
+                      </p:childTnLst>
+                    </p:cTn>
+                  </p:par>
+                  <p:par>
+                    <p:cTn id="11" fill="hold">
+                      <p:stCondLst>
+                        <p:cond delay="indefinite"/>
+                      </p:stCondLst>
+                      <p:childTnLst>
+                        <p:par>
+                          <p:cTn id="12" fill="hold">
+                            <p:stCondLst>
+                              <p:cond delay="0"/>
+                            </p:stCondLst>
+                            <p:childTnLst>
+                              <p:par>
+                                <p:cTn id="13" presetID="1" presetClass="entr" presetSubtype="0" fill="hold" nodeType="clickEffect">
+                                  <p:stCondLst>
+                                    <p:cond delay="0"/>
+                                  </p:stCondLst>
+                                  <p:childTnLst>
+                                    <p:set>
+                                      <p:cBhvr>
+                                        <p:cTn id="14" dur="1" fill="hold">
+                                          <p:stCondLst>
+                                            <p:cond delay="0"/>
+                                          </p:stCondLst>
+                                        </p:cTn>
+                                        <p:tgtEl>
+                                          <p:spTgt spid="3">
+                                            <p:txEl>
+                                              <p:pRg st="2" end="2"/>
+                                            </p:txEl>
+                                          </p:spTgt>
+                                        </p:tgtEl>
+                                        <p:attrNameLst>
+                                          <p:attrName>style.visibility</p:attrName>
+                                        </p:attrNameLst>
+                                      </p:cBhvr>
+                                      <p:to>
+                                        <p:strVal val="visible"/>
+                                      </p:to>
+                                    </p:set>
+                                  </p:childTnLst>
+                                </p:cTn>
+                              </p:par>
+                            </p:childTnLst>
+                          </p:cTn>
+                        </p:par>
+                      </p:childTnLst>
+                    </p:cTn>
+                  </p:par>
+                  <p:par>
+                    <p:cTn id="15" fill="hold">
+                      <p:stCondLst>
+                        <p:cond delay="indefinite"/>
+                      </p:stCondLst>
+                      <p:childTnLst>
+                        <p:par>
+                          <p:cTn id="16" fill="hold">
+                            <p:stCondLst>
+                              <p:cond delay="0"/>
+                            </p:stCondLst>
+                            <p:childTnLst>
+                              <p:par>
+                                <p:cTn id="17" presetID="2" presetClass="entr" presetSubtype="4" fill="hold" nodeType="clickEffect">
+                                  <p:stCondLst>
+                                    <p:cond delay="0"/>
+                                  </p:stCondLst>
+                                  <p:childTnLst>
+                                    <p:set>
+                                      <p:cBhvr>
+                                        <p:cTn id="18" dur="1" fill="hold">
+                                          <p:stCondLst>
+                                            <p:cond delay="0"/>
+                                          </p:stCondLst>
+                                        </p:cTn>
+                                        <p:tgtEl>
+                                          <p:spTgt spid="1028"/>
+                                        </p:tgtEl>
+                                        <p:attrNameLst>
+                                          <p:attrName>style.visibility</p:attrName>
+                                        </p:attrNameLst>
+                                      </p:cBhvr>
+                                      <p:to>
+                                        <p:strVal val="visible"/>
+                                      </p:to>
+                                    </p:set>
+                                    <p:anim calcmode="lin" valueType="num">
+                                      <p:cBhvr additive="base">
+                                        <p:cTn id="19" dur="500" fill="hold"/>
+                                        <p:tgtEl>
+                                          <p:spTgt spid="1028"/>
+                                        </p:tgtEl>
+                                        <p:attrNameLst>
+                                          <p:attrName>ppt_x</p:attrName>
+                                        </p:attrNameLst>
+                                      </p:cBhvr>
+                                      <p:tavLst>
+                                        <p:tav tm="0">
+                                          <p:val>
+                                            <p:strVal val="#ppt_x"/>
+                                          </p:val>
+                                        </p:tav>
+                                        <p:tav tm="100000">
+                                          <p:val>
+                                            <p:strVal val="#ppt_x"/>
+                                          </p:val>
+                                        </p:tav>
+                                      </p:tavLst>
+                                    </p:anim>
+                                    <p:anim calcmode="lin" valueType="num">
+                                      <p:cBhvr additive="base">
+                                        <p:cTn id="20" dur="500" fill="hold"/>
+                                        <p:tgtEl>
+                                          <p:spTgt spid="1028"/>
+                                        </p:tgtEl>
+                                        <p:attrNameLst>
+                                          <p:attrName>ppt_y</p:attrName>
+                                        </p:attrNameLst>
+                                      </p:cBhvr>
+                                      <p:tavLst>
+                                        <p:tav tm="0">
+                                          <p:val>
+                                            <p:strVal val="1+#ppt_h/2"/>
+                                          </p:val>
+                                        </p:tav>
+                                        <p:tav tm="100000">
+                                          <p:val>
+                                            <p:strVal val="#ppt_y"/>
+                                          </p:val>
+                                        </p:tav>
+                                      </p:tavLst>
+                                    </p:anim>
+                                  </p:childTnLst>
+                                </p:cTn>
+                              </p:par>
+                            </p:childTnLst>
+                          </p:cTn>
+                        </p:par>
+                      </p:childTnLst>
+                    </p:cTn>
+                  </p:par>
+                </p:childTnLst>
+              </p:cTn>
+              <p:prevCondLst>
+                <p:cond evt="onPrev" delay="0">
+                  <p:tgtEl>
+                    <p:sldTgt/>
+                  </p:tgtEl>
+                </p:cond>
+              </p:prevCondLst>
+              <p:nextCondLst>
+                <p:cond evt="onNext" delay="0">
+                  <p:tgtEl>
+                    <p:sldTgt/>
+                  </p:tgtEl>
+                </p:cond>
+              </p:nextCondLst>
+            </p:seq>
+          </p:childTnLst>
+        </p:cTn>
+      </p:par>
+    </p:tnLst>
+  </p:timing>
+</p:sld>
+</file>
+
+<file path=ppt/slides/slide2.xml><?xml version="1.0" encoding="utf-8"?>
+<p:sld xmlns:a="http://schemas.openxmlformats.org/drawingml/2006/main" xmlns:r="http://schemas.openxmlformats.org/officeDocument/2006/relationships" xmlns:p="http://schemas.openxmlformats.org/presentationml/2006/main">
+  <p:cSld>
+    <p:spTree>
+      <p:nvGrpSpPr>
+        <p:cNvPr id="1" name=""/>
+        <p:cNvGrpSpPr/>
+        <p:nvPr/>
+      </p:nvGrpSpPr>
+      <p:grpSpPr>
+        <a:xfrm>
+          <a:off x="0" y="0"/>
+          <a:ext cx="0" cy="0"/>
+          <a:chOff x="0" y="0"/>
+          <a:chExt cx="0" cy="0"/>
+        </a:xfrm>
+      </p:grpSpPr>
+      <p:sp>
+        <p:nvSpPr>
+          <p:cNvPr id="2" name="Title 1"/>
+          <p:cNvSpPr>
+            <a:spLocks noGrp="1"/>
+          </p:cNvSpPr>
+          <p:nvPr>
+            <p:ph type="title"/>
+          </p:nvPr>
+        </p:nvSpPr>
+        <p:spPr/>
+        <p:txBody>
+          <a:bodyPr/>
+          <a:lstStyle/>
+          <a:p>
+            <a:r>
+              <a:rPr lang="de-CH" dirty="0" smtClean="0"/>
+              <a:t>Inhalt</a:t>
+            </a:r>
+            <a:endParaRPr lang="de-CH" dirty="0"/>
+          </a:p>
+        </p:txBody>
+      </p:sp>
+      <p:sp>
+        <p:nvSpPr>
+          <p:cNvPr id="3" name="Content Placeholder 2"/>
+          <p:cNvSpPr>
+            <a:spLocks noGrp="1"/>
+          </p:cNvSpPr>
+          <p:nvPr>
+            <p:ph idx="1"/>
+          </p:nvPr>
+        </p:nvSpPr>
+        <p:spPr/>
+        <p:txBody>
+          <a:bodyPr/>
+          <a:lstStyle/>
+          <a:p>
+            <a:r>
+              <a:rPr lang="de-CH" dirty="0" smtClean="0"/>
+              <a:t>Idee</a:t>
+            </a:r>
+          </a:p>
+          <a:p>
+            <a:r>
+              <a:rPr lang="de-CH" dirty="0" smtClean="0"/>
+              <a:t>Planung/Umsetzung</a:t>
+            </a:r>
+          </a:p>
+          <a:p>
+            <a:r>
+              <a:rPr lang="de-CH" dirty="0" smtClean="0"/>
+              <a:t>Demo</a:t>
+            </a:r>
+            <a:endParaRPr lang="de-CH" dirty="0"/>
+          </a:p>
+        </p:txBody>
+      </p:sp>
+    </p:spTree>
+    <p:extLst>
+      <p:ext uri="{BB962C8B-B14F-4D97-AF65-F5344CB8AC3E}">
+        <p14:creationId xmlns:p14="http://schemas.microsoft.com/office/powerpoint/2010/main" xmlns="" val="2813714511"/>
+      </p:ext>
+    </p:extLst>
+  </p:cSld>
+  <p:clrMapOvr>
+    <a:masterClrMapping/>
+  </p:clrMapOvr>
+  <mc:AlternateContent xmlns:mc="http://schemas.openxmlformats.org/markup-compatibility/2006">
+    <mc:Choice xmlns:p14="http://schemas.microsoft.com/office/powerpoint/2010/main" xmlns="" Requires="p14">
+      <p:transition spd="slow" p14:dur="1200">
+        <p14:prism/>
+      </p:transition>
+    </mc:Choice>
+    <mc:Fallback>
+      <p:transition spd="slow">
+        <p:fade/>
+      </p:transition>
+    </mc:Fallback>
+  </mc:AlternateContent>
+  <p:timing>
+    <p:tnLst>
+      <p:par>
+        <p:cTn id="1" dur="indefinite" restart="never" nodeType="tmRoot">
+          <p:childTnLst>
+            <p:seq concurrent="1" nextAc="seek">
+              <p:cTn id="2" dur="indefinite" nodeType="mainSeq">
+                <p:childTnLst>
+                  <p:par>
+                    <p:cTn id="3" fill="hold">
+                      <p:stCondLst>
+                        <p:cond delay="indefinite"/>
+                      </p:stCondLst>
+                      <p:childTnLst>
+                        <p:par>
+                          <p:cTn id="4" fill="hold">
+                            <p:stCondLst>
+                              <p:cond delay="0"/>
+                            </p:stCondLst>
+                            <p:childTnLst>
+                              <p:par>
+                                <p:cTn id="5" presetID="1" presetClass="entr" presetSubtype="0" fill="hold" nodeType="clickEffect">
+                                  <p:stCondLst>
+                                    <p:cond delay="0"/>
+                                  </p:stCondLst>
+                                  <p:childTnLst>
+                                    <p:set>
+                                      <p:cBhvr>
+                                        <p:cTn id="6" dur="1" fill="hold">
+                                          <p:stCondLst>
+                                            <p:cond delay="0"/>
+                                          </p:stCondLst>
+                                        </p:cTn>
+                                        <p:tgtEl>
+                                          <p:spTgt spid="3">
+                                            <p:txEl>
+                                              <p:pRg st="0" end="0"/>
+                                            </p:txEl>
+                                          </p:spTgt>
+                                        </p:tgtEl>
+                                        <p:attrNameLst>
+                                          <p:attrName>style.visibility</p:attrName>
+                                        </p:attrNameLst>
+                                      </p:cBhvr>
+                                      <p:to>
+                                        <p:strVal val="visible"/>
+                                      </p:to>
+                                    </p:set>
+                                  </p:childTnLst>
+                                </p:cTn>
+                              </p:par>
+                            </p:childTnLst>
+                          </p:cTn>
+                        </p:par>
+                      </p:childTnLst>
+                    </p:cTn>
+                  </p:par>
+                  <p:par>
+                    <p:cTn id="7" fill="hold">
+                      <p:stCondLst>
+                        <p:cond delay="indefinite"/>
+                      </p:stCondLst>
+                      <p:childTnLst>
+                        <p:par>
+                          <p:cTn id="8" fill="hold">
+                            <p:stCondLst>
+                              <p:cond delay="0"/>
+                            </p:stCondLst>
+                            <p:childTnLst>
+                              <p:par>
+                                <p:cTn id="9" presetID="1" presetClass="entr" presetSubtype="0" fill="hold" nodeType="clickEffect">
+                                  <p:stCondLst>
+                                    <p:cond delay="0"/>
+                                  </p:stCondLst>
+                                  <p:childTnLst>
+                                    <p:set>
+                                      <p:cBhvr>
+                                        <p:cTn id="10" dur="1" fill="hold">
+                                          <p:stCondLst>
+                                            <p:cond delay="0"/>
+                                          </p:stCondLst>
+                                        </p:cTn>
+                                        <p:tgtEl>
+                                          <p:spTgt spid="3">
+                                            <p:txEl>
+                                              <p:pRg st="1" end="1"/>
+                                            </p:txEl>
+                                          </p:spTgt>
+                                        </p:tgtEl>
+                                        <p:attrNameLst>
+                                          <p:attrName>style.visibility</p:attrName>
+                                        </p:attrNameLst>
+                                      </p:cBhvr>
+                                      <p:to>
+                                        <p:strVal val="visible"/>
+                                      </p:to>
+                                    </p:set>
+                                  </p:childTnLst>
+                                </p:cTn>
+                              </p:par>
+                            </p:childTnLst>
+                          </p:cTn>
+                        </p:par>
+                      </p:childTnLst>
+                    </p:cTn>
+                  </p:par>
+                  <p:par>
+                    <p:cTn id="11" fill="hold">
+                      <p:stCondLst>
+                        <p:cond delay="indefinite"/>
+                      </p:stCondLst>
+                      <p:childTnLst>
+                        <p:par>
+                          <p:cTn id="12" fill="hold">
+                            <p:stCondLst>
+                              <p:cond delay="0"/>
+                            </p:stCondLst>
+                            <p:childTnLst>
+                              <p:par>
+                                <p:cTn id="13" presetID="1" presetClass="entr" presetSubtype="0" fill="hold" nodeType="clickEffect">
+                                  <p:stCondLst>
+                                    <p:cond delay="0"/>
+                                  </p:stCondLst>
+                                  <p:childTnLst>
+                                    <p:set>
+                                      <p:cBhvr>
+                                        <p:cTn id="14" dur="1" fill="hold">
+                                          <p:stCondLst>
+                                            <p:cond delay="0"/>
+                                          </p:stCondLst>
+                                        </p:cTn>
+                                        <p:tgtEl>
+                                          <p:spTgt spid="3">
+                                            <p:txEl>
+                                              <p:pRg st="2" end="2"/>
+                                            </p:txEl>
+                                          </p:spTgt>
+                                        </p:tgtEl>
+                                        <p:attrNameLst>
+                                          <p:attrName>style.visibility</p:attrName>
+                                        </p:attrNameLst>
+                                      </p:cBhvr>
+                                      <p:to>
+                                        <p:strVal val="visible"/>
+                                      </p:to>
+                                    </p:set>
+                                  </p:childTnLst>
+                                </p:cTn>
+                              </p:par>
+                            </p:childTnLst>
+                          </p:cTn>
+                        </p:par>
+                      </p:childTnLst>
+                    </p:cTn>
+                  </p:par>
+                </p:childTnLst>
+              </p:cTn>
+              <p:prevCondLst>
+                <p:cond evt="onPrev" delay="0">
+                  <p:tgtEl>
+                    <p:sldTgt/>
+                  </p:tgtEl>
+                </p:cond>
+              </p:prevCondLst>
+              <p:nextCondLst>
+                <p:cond evt="onNext" delay="0">
+                  <p:tgtEl>
+                    <p:sldTgt/>
+                  </p:tgtEl>
+                </p:cond>
+              </p:nextCondLst>
+            </p:seq>
+          </p:childTnLst>
+        </p:cTn>
+      </p:par>
+    </p:tnLst>
+  </p:timing>
+</p:sld>
+</file>
+
+<file path=ppt/slides/slide20.xml><?xml version="1.0" encoding="utf-8"?>
+<p:sld xmlns:a="http://schemas.openxmlformats.org/drawingml/2006/main" xmlns:r="http://schemas.openxmlformats.org/officeDocument/2006/relationships" xmlns:p="http://schemas.openxmlformats.org/presentationml/2006/main">
+  <p:cSld>
+    <p:spTree>
+      <p:nvGrpSpPr>
+        <p:cNvPr id="1" name=""/>
+        <p:cNvGrpSpPr/>
+        <p:nvPr/>
+      </p:nvGrpSpPr>
+      <p:grpSpPr>
+        <a:xfrm>
+          <a:off x="0" y="0"/>
+          <a:ext cx="0" cy="0"/>
+          <a:chOff x="0" y="0"/>
+          <a:chExt cx="0" cy="0"/>
+        </a:xfrm>
+      </p:grpSpPr>
+      <p:sp>
+        <p:nvSpPr>
+          <p:cNvPr id="2" name="Title 1"/>
+          <p:cNvSpPr>
+            <a:spLocks noGrp="1"/>
+          </p:cNvSpPr>
+          <p:nvPr>
+            <p:ph type="title"/>
+          </p:nvPr>
+        </p:nvSpPr>
+        <p:spPr/>
+        <p:txBody>
+          <a:bodyPr/>
+          <a:lstStyle/>
+          <a:p>
+            <a:r>
+              <a:rPr lang="de-CH" dirty="0" smtClean="0"/>
+              <a:t>Sprite-Sheet </a:t>
+            </a:r>
+            <a:endParaRPr lang="de-CH" dirty="0"/>
+          </a:p>
+        </p:txBody>
+      </p:sp>
+      <p:sp>
+        <p:nvSpPr>
+          <p:cNvPr id="3" name="Content Placeholder 2"/>
+          <p:cNvSpPr>
+            <a:spLocks noGrp="1"/>
+          </p:cNvSpPr>
+          <p:nvPr>
+            <p:ph idx="1"/>
+          </p:nvPr>
+        </p:nvSpPr>
+        <p:spPr/>
+        <p:txBody>
+          <a:bodyPr/>
+          <a:lstStyle/>
+          <a:p>
+            <a:r>
+              <a:rPr lang="de-CH" dirty="0" smtClean="0"/>
+              <a:t>Zusammenstellung von Sprites oder Sprite-Frames</a:t>
+            </a:r>
+          </a:p>
+          <a:p>
+            <a:pPr lvl="1"/>
+            <a:r>
+              <a:rPr lang="de-CH" dirty="0" smtClean="0"/>
+              <a:t>Werden „</a:t>
+            </a:r>
+            <a:r>
+              <a:rPr lang="de-CH" dirty="0" err="1" smtClean="0"/>
+              <a:t>gecachet</a:t>
+            </a:r>
+            <a:r>
+              <a:rPr lang="de-CH" dirty="0" smtClean="0"/>
+              <a:t>“</a:t>
+            </a:r>
+          </a:p>
+          <a:p>
+            <a:pPr lvl="1"/>
+            <a:r>
+              <a:rPr lang="de-CH" dirty="0" smtClean="0"/>
+              <a:t>Bessere Performance</a:t>
+            </a:r>
+          </a:p>
+          <a:p>
+            <a:r>
+              <a:rPr lang="de-CH" dirty="0" smtClean="0"/>
+              <a:t>Resultat</a:t>
+            </a:r>
+          </a:p>
+          <a:p>
+            <a:pPr lvl="1"/>
+            <a:r>
+              <a:rPr lang="de-CH" dirty="0" smtClean="0"/>
+              <a:t>Sprite-Sheet (Bild)</a:t>
+            </a:r>
+          </a:p>
+          <a:p>
+            <a:pPr lvl="1"/>
+            <a:r>
+              <a:rPr lang="de-CH" dirty="0" smtClean="0"/>
+              <a:t>Sprite-Sheet-</a:t>
+            </a:r>
+            <a:r>
+              <a:rPr lang="de-CH" dirty="0" err="1" smtClean="0"/>
+              <a:t>Plist</a:t>
+            </a:r>
+            <a:r>
+              <a:rPr lang="de-CH" dirty="0" smtClean="0"/>
+              <a:t> (Informationen zu den Frames)</a:t>
+            </a:r>
+            <a:endParaRPr lang="de-CH" dirty="0"/>
+          </a:p>
+        </p:txBody>
+      </p:sp>
+      <p:pic>
+        <p:nvPicPr>
+          <p:cNvPr id="5" name="Picture 2"/>
+          <p:cNvPicPr>
+            <a:picLocks noChangeAspect="1" noChangeArrowheads="1"/>
+          </p:cNvPicPr>
+          <p:nvPr/>
+        </p:nvPicPr>
+        <p:blipFill>
+          <a:blip r:embed="rId3" cstate="print"/>
+          <a:srcRect/>
+          <a:stretch>
+            <a:fillRect/>
+          </a:stretch>
+        </p:blipFill>
+        <p:spPr bwMode="auto">
+          <a:xfrm rot="16200000">
+            <a:off x="2432140" y="4440488"/>
+            <a:ext cx="936446" cy="3558494"/>
+          </a:xfrm>
+          <a:prstGeom prst="rect">
+            <a:avLst/>
+          </a:prstGeom>
+          <a:noFill/>
+          <a:ln w="9525">
+            <a:noFill/>
+            <a:miter lim="800000"/>
+            <a:headEnd/>
+            <a:tailEnd/>
+          </a:ln>
+          <a:effectLst/>
+        </p:spPr>
+      </p:pic>
+      <p:pic>
+        <p:nvPicPr>
+          <p:cNvPr id="2052" name="Picture 4" descr="http://www.macforensicslab.com/ProductsAndServices/images/plist.jpg"/>
+          <p:cNvPicPr>
+            <a:picLocks noChangeAspect="1" noChangeArrowheads="1"/>
+          </p:cNvPicPr>
+          <p:nvPr/>
+        </p:nvPicPr>
+        <p:blipFill>
+          <a:blip r:embed="rId4" cstate="print"/>
+          <a:srcRect/>
+          <a:stretch>
+            <a:fillRect/>
+          </a:stretch>
+        </p:blipFill>
+        <p:spPr bwMode="auto">
+          <a:xfrm>
+            <a:off x="6091917" y="5468757"/>
+            <a:ext cx="1219200" cy="1219201"/>
+          </a:xfrm>
+          <a:prstGeom prst="rect">
+            <a:avLst/>
+          </a:prstGeom>
+          <a:noFill/>
+        </p:spPr>
+      </p:pic>
+      <p:sp>
+        <p:nvSpPr>
+          <p:cNvPr id="7" name="TextBox 6"/>
+          <p:cNvSpPr txBox="1"/>
+          <p:nvPr/>
+        </p:nvSpPr>
+        <p:spPr>
+          <a:xfrm>
+            <a:off x="5163006" y="5824081"/>
+            <a:ext cx="483051" cy="707886"/>
+          </a:xfrm>
+          <a:prstGeom prst="rect">
+            <a:avLst/>
+          </a:prstGeom>
+          <a:noFill/>
+        </p:spPr>
+        <p:txBody>
+          <a:bodyPr wrap="square" rtlCol="0">
+            <a:spAutoFit/>
+          </a:bodyPr>
+          <a:lstStyle/>
+          <a:p>
+            <a:r>
+              <a:rPr lang="de-CH" sz="4000" dirty="0" smtClean="0"/>
+              <a:t>+</a:t>
+            </a:r>
+            <a:endParaRPr lang="de-CH" sz="4000" dirty="0"/>
+          </a:p>
+        </p:txBody>
+      </p:sp>
+    </p:spTree>
+  </p:cSld>
+  <p:clrMapOvr>
+    <a:masterClrMapping/>
+  </p:clrMapOvr>
+  <mc:AlternateContent xmlns:mc="http://schemas.openxmlformats.org/markup-compatibility/2006">
+    <mc:Choice xmlns:p14="http://schemas.microsoft.com/office/powerpoint/2010/main" xmlns="" Requires="p14">
+      <p:transition spd="slow" p14:dur="1200">
+        <p14:prism/>
+      </p:transition>
+    </mc:Choice>
+    <mc:Fallback>
+      <p:transition spd="slow">
+        <p:fade/>
+      </p:transition>
+    </mc:Fallback>
+  </mc:AlternateContent>
+  <p:timing>
+    <p:tnLst>
+      <p:par>
+        <p:cTn id="1" dur="indefinite" restart="never" nodeType="tmRoot">
+          <p:childTnLst>
+            <p:seq concurrent="1" nextAc="seek">
+              <p:cTn id="2" dur="indefinite" nodeType="mainSeq">
+                <p:childTnLst>
+                  <p:par>
+                    <p:cTn id="3" fill="hold">
+                      <p:stCondLst>
+                        <p:cond delay="indefinite"/>
+                      </p:stCondLst>
+                      <p:childTnLst>
+                        <p:par>
+                          <p:cTn id="4" fill="hold">
+                            <p:stCondLst>
+                              <p:cond delay="0"/>
+                            </p:stCondLst>
+                            <p:childTnLst>
+                              <p:par>
+                                <p:cTn id="5" presetID="1" presetClass="entr" presetSubtype="0" fill="hold" nodeType="clickEffect">
+                                  <p:stCondLst>
+                                    <p:cond delay="0"/>
+                                  </p:stCondLst>
+                                  <p:childTnLst>
+                                    <p:set>
+                                      <p:cBhvr>
+                                        <p:cTn id="6" dur="1" fill="hold">
+                                          <p:stCondLst>
+                                            <p:cond delay="0"/>
+                                          </p:stCondLst>
+                                        </p:cTn>
+                                        <p:tgtEl>
+                                          <p:spTgt spid="3">
+                                            <p:txEl>
+                                              <p:pRg st="0" end="0"/>
+                                            </p:txEl>
+                                          </p:spTgt>
+                                        </p:tgtEl>
+                                        <p:attrNameLst>
+                                          <p:attrName>style.visibility</p:attrName>
+                                        </p:attrNameLst>
+                                      </p:cBhvr>
+                                      <p:to>
+                                        <p:strVal val="visible"/>
+                                      </p:to>
+                                    </p:set>
+                                  </p:childTnLst>
+                                </p:cTn>
+                              </p:par>
+                            </p:childTnLst>
+                          </p:cTn>
+                        </p:par>
+                      </p:childTnLst>
+                    </p:cTn>
+                  </p:par>
+                  <p:par>
+                    <p:cTn id="7" fill="hold">
+                      <p:stCondLst>
+                        <p:cond delay="indefinite"/>
+                      </p:stCondLst>
+                      <p:childTnLst>
+                        <p:par>
+                          <p:cTn id="8" fill="hold">
+                            <p:stCondLst>
+                              <p:cond delay="0"/>
+                            </p:stCondLst>
+                            <p:childTnLst>
+                              <p:par>
+                                <p:cTn id="9" presetID="1" presetClass="entr" presetSubtype="0" fill="hold" nodeType="clickEffect">
+                                  <p:stCondLst>
+                                    <p:cond delay="0"/>
+                                  </p:stCondLst>
+                                  <p:childTnLst>
+                                    <p:set>
+                                      <p:cBhvr>
+                                        <p:cTn id="10" dur="1" fill="hold">
+                                          <p:stCondLst>
+                                            <p:cond delay="0"/>
+                                          </p:stCondLst>
+                                        </p:cTn>
+                                        <p:tgtEl>
+                                          <p:spTgt spid="3">
+                                            <p:txEl>
+                                              <p:pRg st="1" end="1"/>
+                                            </p:txEl>
+                                          </p:spTgt>
+                                        </p:tgtEl>
+                                        <p:attrNameLst>
+                                          <p:attrName>style.visibility</p:attrName>
+                                        </p:attrNameLst>
+                                      </p:cBhvr>
+                                      <p:to>
+                                        <p:strVal val="visible"/>
+                                      </p:to>
+                                    </p:set>
+                                  </p:childTnLst>
+                                </p:cTn>
+                              </p:par>
+                            </p:childTnLst>
+                          </p:cTn>
+                        </p:par>
+                      </p:childTnLst>
+                    </p:cTn>
+                  </p:par>
+                  <p:par>
+                    <p:cTn id="11" fill="hold">
+                      <p:stCondLst>
+                        <p:cond delay="indefinite"/>
+                      </p:stCondLst>
+                      <p:childTnLst>
+                        <p:par>
+                          <p:cTn id="12" fill="hold">
+                            <p:stCondLst>
+                              <p:cond delay="0"/>
+                            </p:stCondLst>
+                            <p:childTnLst>
+                              <p:par>
+                                <p:cTn id="13" presetID="1" presetClass="entr" presetSubtype="0" fill="hold" nodeType="clickEffect">
+                                  <p:stCondLst>
+                                    <p:cond delay="0"/>
+                                  </p:stCondLst>
+                                  <p:childTnLst>
+                                    <p:set>
+                                      <p:cBhvr>
+                                        <p:cTn id="14" dur="1" fill="hold">
+                                          <p:stCondLst>
+                                            <p:cond delay="0"/>
+                                          </p:stCondLst>
+                                        </p:cTn>
+                                        <p:tgtEl>
+                                          <p:spTgt spid="3">
+                                            <p:txEl>
+                                              <p:pRg st="2" end="2"/>
+                                            </p:txEl>
+                                          </p:spTgt>
+                                        </p:tgtEl>
+                                        <p:attrNameLst>
+                                          <p:attrName>style.visibility</p:attrName>
+                                        </p:attrNameLst>
+                                      </p:cBhvr>
+                                      <p:to>
+                                        <p:strVal val="visible"/>
+                                      </p:to>
+                                    </p:set>
+                                  </p:childTnLst>
+                                </p:cTn>
+                              </p:par>
+                            </p:childTnLst>
+                          </p:cTn>
+                        </p:par>
+                      </p:childTnLst>
+                    </p:cTn>
+                  </p:par>
+                  <p:par>
+                    <p:cTn id="15" fill="hold">
+                      <p:stCondLst>
+                        <p:cond delay="indefinite"/>
+                      </p:stCondLst>
+                      <p:childTnLst>
+                        <p:par>
+                          <p:cTn id="16" fill="hold">
+                            <p:stCondLst>
+                              <p:cond delay="0"/>
+                            </p:stCondLst>
+                            <p:childTnLst>
+                              <p:par>
+                                <p:cTn id="17" presetID="1" presetClass="entr" presetSubtype="0" fill="hold" nodeType="clickEffect">
+                                  <p:stCondLst>
+                                    <p:cond delay="0"/>
+                                  </p:stCondLst>
+                                  <p:childTnLst>
+                                    <p:set>
+                                      <p:cBhvr>
+                                        <p:cTn id="18" dur="1" fill="hold">
+                                          <p:stCondLst>
+                                            <p:cond delay="0"/>
+                                          </p:stCondLst>
+                                        </p:cTn>
+                                        <p:tgtEl>
+                                          <p:spTgt spid="3">
+                                            <p:txEl>
+                                              <p:pRg st="3" end="3"/>
+                                            </p:txEl>
+                                          </p:spTgt>
+                                        </p:tgtEl>
+                                        <p:attrNameLst>
+                                          <p:attrName>style.visibility</p:attrName>
+                                        </p:attrNameLst>
+                                      </p:cBhvr>
+                                      <p:to>
+                                        <p:strVal val="visible"/>
+                                      </p:to>
+                                    </p:set>
+                                  </p:childTnLst>
+                                </p:cTn>
+                              </p:par>
+                            </p:childTnLst>
+                          </p:cTn>
+                        </p:par>
+                      </p:childTnLst>
+                    </p:cTn>
+                  </p:par>
+                  <p:par>
+                    <p:cTn id="19" fill="hold">
+                      <p:stCondLst>
+                        <p:cond delay="indefinite"/>
+                      </p:stCondLst>
+                      <p:childTnLst>
+                        <p:par>
+                          <p:cTn id="20" fill="hold">
+                            <p:stCondLst>
+                              <p:cond delay="0"/>
+                            </p:stCondLst>
+                            <p:childTnLst>
+                              <p:par>
+                                <p:cTn id="21" presetID="1" presetClass="entr" presetSubtype="0" fill="hold" nodeType="clickEffect">
+                                  <p:stCondLst>
+                                    <p:cond delay="0"/>
+                                  </p:stCondLst>
+                                  <p:childTnLst>
+                                    <p:set>
+                                      <p:cBhvr>
+                                        <p:cTn id="22" dur="1" fill="hold">
+                                          <p:stCondLst>
+                                            <p:cond delay="0"/>
+                                          </p:stCondLst>
+                                        </p:cTn>
+                                        <p:tgtEl>
+                                          <p:spTgt spid="3">
+                                            <p:txEl>
+                                              <p:pRg st="4" end="4"/>
+                                            </p:txEl>
+                                          </p:spTgt>
+                                        </p:tgtEl>
+                                        <p:attrNameLst>
+                                          <p:attrName>style.visibility</p:attrName>
+                                        </p:attrNameLst>
+                                      </p:cBhvr>
+                                      <p:to>
+                                        <p:strVal val="visible"/>
+                                      </p:to>
+                                    </p:set>
+                                  </p:childTnLst>
+                                </p:cTn>
+                              </p:par>
+                            </p:childTnLst>
+                          </p:cTn>
+                        </p:par>
+                      </p:childTnLst>
+                    </p:cTn>
+                  </p:par>
+                  <p:par>
+                    <p:cTn id="23" fill="hold">
+                      <p:stCondLst>
+                        <p:cond delay="indefinite"/>
+                      </p:stCondLst>
+                      <p:childTnLst>
+                        <p:par>
+                          <p:cTn id="24" fill="hold">
+                            <p:stCondLst>
+                              <p:cond delay="0"/>
+                            </p:stCondLst>
+                            <p:childTnLst>
+                              <p:par>
+                                <p:cTn id="25" presetID="1" presetClass="entr" presetSubtype="0" fill="hold" nodeType="clickEffect">
+                                  <p:stCondLst>
+                                    <p:cond delay="0"/>
+                                  </p:stCondLst>
+                                  <p:childTnLst>
+                                    <p:set>
+                                      <p:cBhvr>
+                                        <p:cTn id="26" dur="1" fill="hold">
+                                          <p:stCondLst>
+                                            <p:cond delay="0"/>
+                                          </p:stCondLst>
+                                        </p:cTn>
+                                        <p:tgtEl>
+                                          <p:spTgt spid="3">
+                                            <p:txEl>
+                                              <p:pRg st="5" end="5"/>
+                                            </p:txEl>
+                                          </p:spTgt>
+                                        </p:tgtEl>
+                                        <p:attrNameLst>
+                                          <p:attrName>style.visibility</p:attrName>
+                                        </p:attrNameLst>
+                                      </p:cBhvr>
+                                      <p:to>
+                                        <p:strVal val="visible"/>
+                                      </p:to>
+                                    </p:set>
+                                  </p:childTnLst>
+                                </p:cTn>
+                              </p:par>
+                            </p:childTnLst>
+                          </p:cTn>
+                        </p:par>
+                      </p:childTnLst>
+                    </p:cTn>
+                  </p:par>
+                  <p:par>
+                    <p:cTn id="27" fill="hold">
+                      <p:stCondLst>
+                        <p:cond delay="indefinite"/>
+                      </p:stCondLst>
+                      <p:childTnLst>
+                        <p:par>
+                          <p:cTn id="28" fill="hold">
+                            <p:stCondLst>
+                              <p:cond delay="0"/>
+                            </p:stCondLst>
+                            <p:childTnLst>
+                              <p:par>
+                                <p:cTn id="29" presetID="2" presetClass="entr" presetSubtype="4" fill="hold" nodeType="clickEffect">
+                                  <p:stCondLst>
+                                    <p:cond delay="0"/>
+                                  </p:stCondLst>
+                                  <p:childTnLst>
+                                    <p:set>
+                                      <p:cBhvr>
+                                        <p:cTn id="30" dur="1" fill="hold">
+                                          <p:stCondLst>
+                                            <p:cond delay="0"/>
+                                          </p:stCondLst>
+                                        </p:cTn>
+                                        <p:tgtEl>
+                                          <p:spTgt spid="5"/>
+                                        </p:tgtEl>
+                                        <p:attrNameLst>
+                                          <p:attrName>style.visibility</p:attrName>
+                                        </p:attrNameLst>
+                                      </p:cBhvr>
+                                      <p:to>
+                                        <p:strVal val="visible"/>
+                                      </p:to>
+                                    </p:set>
+                                    <p:anim calcmode="lin" valueType="num">
+                                      <p:cBhvr additive="base">
+                                        <p:cTn id="31" dur="500" fill="hold"/>
+                                        <p:tgtEl>
+                                          <p:spTgt spid="5"/>
+                                        </p:tgtEl>
+                                        <p:attrNameLst>
+                                          <p:attrName>ppt_x</p:attrName>
+                                        </p:attrNameLst>
+                                      </p:cBhvr>
+                                      <p:tavLst>
+                                        <p:tav tm="0">
+                                          <p:val>
+                                            <p:strVal val="#ppt_x"/>
+                                          </p:val>
+                                        </p:tav>
+                                        <p:tav tm="100000">
+                                          <p:val>
+                                            <p:strVal val="#ppt_x"/>
+                                          </p:val>
+                                        </p:tav>
+                                      </p:tavLst>
+                                    </p:anim>
+                                    <p:anim calcmode="lin" valueType="num">
+                                      <p:cBhvr additive="base">
+                                        <p:cTn id="32" dur="500" fill="hold"/>
+                                        <p:tgtEl>
+                                          <p:spTgt spid="5"/>
+                                        </p:tgtEl>
+                                        <p:attrNameLst>
+                                          <p:attrName>ppt_y</p:attrName>
+                                        </p:attrNameLst>
+                                      </p:cBhvr>
+                                      <p:tavLst>
+                                        <p:tav tm="0">
+                                          <p:val>
+                                            <p:strVal val="1+#ppt_h/2"/>
+                                          </p:val>
+                                        </p:tav>
+                                        <p:tav tm="100000">
+                                          <p:val>
+                                            <p:strVal val="#ppt_y"/>
+                                          </p:val>
+                                        </p:tav>
+                                      </p:tavLst>
+                                    </p:anim>
+                                  </p:childTnLst>
+                                </p:cTn>
+                              </p:par>
+                              <p:par>
+                                <p:cTn id="33" presetID="2" presetClass="entr" presetSubtype="4" fill="hold" grpId="0" nodeType="withEffect">
+                                  <p:stCondLst>
+                                    <p:cond delay="0"/>
+                                  </p:stCondLst>
+                                  <p:childTnLst>
+                                    <p:set>
+                                      <p:cBhvr>
+                                        <p:cTn id="34" dur="1" fill="hold">
+                                          <p:stCondLst>
+                                            <p:cond delay="0"/>
+                                          </p:stCondLst>
+                                        </p:cTn>
+                                        <p:tgtEl>
+                                          <p:spTgt spid="7"/>
+                                        </p:tgtEl>
+                                        <p:attrNameLst>
+                                          <p:attrName>style.visibility</p:attrName>
+                                        </p:attrNameLst>
+                                      </p:cBhvr>
+                                      <p:to>
+                                        <p:strVal val="visible"/>
+                                      </p:to>
+                                    </p:set>
+                                    <p:anim calcmode="lin" valueType="num">
+                                      <p:cBhvr additive="base">
+                                        <p:cTn id="35" dur="500" fill="hold"/>
+                                        <p:tgtEl>
+                                          <p:spTgt spid="7"/>
+                                        </p:tgtEl>
+                                        <p:attrNameLst>
+                                          <p:attrName>ppt_x</p:attrName>
+                                        </p:attrNameLst>
+                                      </p:cBhvr>
+                                      <p:tavLst>
+                                        <p:tav tm="0">
+                                          <p:val>
+                                            <p:strVal val="#ppt_x"/>
+                                          </p:val>
+                                        </p:tav>
+                                        <p:tav tm="100000">
+                                          <p:val>
+                                            <p:strVal val="#ppt_x"/>
+                                          </p:val>
+                                        </p:tav>
+                                      </p:tavLst>
+                                    </p:anim>
+                                    <p:anim calcmode="lin" valueType="num">
+                                      <p:cBhvr additive="base">
+                                        <p:cTn id="36" dur="500" fill="hold"/>
+                                        <p:tgtEl>
+                                          <p:spTgt spid="7"/>
+                                        </p:tgtEl>
+                                        <p:attrNameLst>
+                                          <p:attrName>ppt_y</p:attrName>
+                                        </p:attrNameLst>
+                                      </p:cBhvr>
+                                      <p:tavLst>
+                                        <p:tav tm="0">
+                                          <p:val>
+                                            <p:strVal val="1+#ppt_h/2"/>
+                                          </p:val>
+                                        </p:tav>
+                                        <p:tav tm="100000">
+                                          <p:val>
+                                            <p:strVal val="#ppt_y"/>
+                                          </p:val>
+                                        </p:tav>
+                                      </p:tavLst>
+                                    </p:anim>
+                                  </p:childTnLst>
+                                </p:cTn>
+                              </p:par>
+                              <p:par>
+                                <p:cTn id="37" presetID="2" presetClass="entr" presetSubtype="4" fill="hold" nodeType="withEffect">
+                                  <p:stCondLst>
+                                    <p:cond delay="0"/>
+                                  </p:stCondLst>
+                                  <p:childTnLst>
+                                    <p:set>
+                                      <p:cBhvr>
+                                        <p:cTn id="38" dur="1" fill="hold">
+                                          <p:stCondLst>
+                                            <p:cond delay="0"/>
+                                          </p:stCondLst>
+                                        </p:cTn>
+                                        <p:tgtEl>
+                                          <p:spTgt spid="2052"/>
+                                        </p:tgtEl>
+                                        <p:attrNameLst>
+                                          <p:attrName>style.visibility</p:attrName>
+                                        </p:attrNameLst>
+                                      </p:cBhvr>
+                                      <p:to>
+                                        <p:strVal val="visible"/>
+                                      </p:to>
+                                    </p:set>
+                                    <p:anim calcmode="lin" valueType="num">
+                                      <p:cBhvr additive="base">
+                                        <p:cTn id="39" dur="500" fill="hold"/>
+                                        <p:tgtEl>
+                                          <p:spTgt spid="2052"/>
+                                        </p:tgtEl>
+                                        <p:attrNameLst>
+                                          <p:attrName>ppt_x</p:attrName>
+                                        </p:attrNameLst>
+                                      </p:cBhvr>
+                                      <p:tavLst>
+                                        <p:tav tm="0">
+                                          <p:val>
+                                            <p:strVal val="#ppt_x"/>
+                                          </p:val>
+                                        </p:tav>
+                                        <p:tav tm="100000">
+                                          <p:val>
+                                            <p:strVal val="#ppt_x"/>
+                                          </p:val>
+                                        </p:tav>
+                                      </p:tavLst>
+                                    </p:anim>
+                                    <p:anim calcmode="lin" valueType="num">
+                                      <p:cBhvr additive="base">
+                                        <p:cTn id="40" dur="500" fill="hold"/>
+                                        <p:tgtEl>
+                                          <p:spTgt spid="2052"/>
+                                        </p:tgtEl>
+                                        <p:attrNameLst>
+                                          <p:attrName>ppt_y</p:attrName>
+                                        </p:attrNameLst>
+                                      </p:cBhvr>
+                                      <p:tavLst>
+                                        <p:tav tm="0">
+                                          <p:val>
+                                            <p:strVal val="1+#ppt_h/2"/>
+                                          </p:val>
+                                        </p:tav>
+                                        <p:tav tm="100000">
+                                          <p:val>
+                                            <p:strVal val="#ppt_y"/>
+                                          </p:val>
+                                        </p:tav>
+                                      </p:tavLst>
+                                    </p:anim>
+                                  </p:childTnLst>
+                                </p:cTn>
+                              </p:par>
+                            </p:childTnLst>
+                          </p:cTn>
+                        </p:par>
+                      </p:childTnLst>
+                    </p:cTn>
+                  </p:par>
+                </p:childTnLst>
+              </p:cTn>
+              <p:prevCondLst>
+                <p:cond evt="onPrev" delay="0">
+                  <p:tgtEl>
+                    <p:sldTgt/>
+                  </p:tgtEl>
+                </p:cond>
+              </p:prevCondLst>
+              <p:nextCondLst>
+                <p:cond evt="onNext" delay="0">
+                  <p:tgtEl>
+                    <p:sldTgt/>
+                  </p:tgtEl>
+                </p:cond>
+              </p:nextCondLst>
+            </p:seq>
+          </p:childTnLst>
+        </p:cTn>
+      </p:par>
+    </p:tnLst>
+    <p:bldLst>
+      <p:bldP spid="7" grpId="0"/>
+    </p:bldLst>
+  </p:timing>
+</p:sld>
+</file>
+
+<file path=ppt/slides/slide21.xml><?xml version="1.0" encoding="utf-8"?>
+<p:sld xmlns:a="http://schemas.openxmlformats.org/drawingml/2006/main" xmlns:r="http://schemas.openxmlformats.org/officeDocument/2006/relationships" xmlns:p="http://schemas.openxmlformats.org/presentationml/2006/main">
+  <p:cSld>
+    <p:spTree>
+      <p:nvGrpSpPr>
+        <p:cNvPr id="1" name=""/>
+        <p:cNvGrpSpPr/>
+        <p:nvPr/>
+      </p:nvGrpSpPr>
+      <p:grpSpPr>
+        <a:xfrm>
+          <a:off x="0" y="0"/>
+          <a:ext cx="0" cy="0"/>
+          <a:chOff x="0" y="0"/>
+          <a:chExt cx="0" cy="0"/>
+        </a:xfrm>
+      </p:grpSpPr>
+      <p:sp>
+        <p:nvSpPr>
+          <p:cNvPr id="2" name="Title 1"/>
+          <p:cNvSpPr>
+            <a:spLocks noGrp="1"/>
+          </p:cNvSpPr>
+          <p:nvPr>
+            <p:ph type="title"/>
+          </p:nvPr>
+        </p:nvSpPr>
+        <p:spPr/>
+        <p:txBody>
+          <a:bodyPr/>
+          <a:lstStyle/>
+          <a:p>
+            <a:r>
+              <a:rPr lang="de-CH" dirty="0" smtClean="0"/>
+              <a:t>Datenmodell - </a:t>
+            </a:r>
+            <a:r>
+              <a:rPr lang="de-CH" dirty="0" err="1" smtClean="0"/>
+              <a:t>Plist</a:t>
+            </a:r>
+            <a:r>
+              <a:rPr lang="de-CH" dirty="0" smtClean="0"/>
+              <a:t> Files</a:t>
+            </a:r>
+            <a:endParaRPr lang="de-CH" dirty="0"/>
+          </a:p>
+        </p:txBody>
+      </p:sp>
+      <p:sp>
+        <p:nvSpPr>
+          <p:cNvPr id="3" name="Content Placeholder 2"/>
+          <p:cNvSpPr>
+            <a:spLocks noGrp="1"/>
+          </p:cNvSpPr>
+          <p:nvPr>
+            <p:ph idx="1"/>
+          </p:nvPr>
+        </p:nvSpPr>
+        <p:spPr/>
+        <p:txBody>
+          <a:bodyPr/>
+          <a:lstStyle/>
+          <a:p>
+            <a:r>
+              <a:rPr lang="de-CH" dirty="0" smtClean="0"/>
+              <a:t>„Property List“ Files</a:t>
+            </a:r>
+          </a:p>
+          <a:p>
+            <a:pPr lvl="1"/>
+            <a:r>
+              <a:rPr lang="de-CH" dirty="0" smtClean="0"/>
+              <a:t>Erweiterung von XML</a:t>
+            </a:r>
+          </a:p>
+          <a:p>
+            <a:pPr lvl="1"/>
+            <a:r>
+              <a:rPr lang="de-CH" dirty="0" err="1" smtClean="0"/>
+              <a:t>Serialisierung</a:t>
+            </a:r>
+            <a:r>
+              <a:rPr lang="de-CH" dirty="0" smtClean="0"/>
+              <a:t> von Daten</a:t>
+            </a:r>
+          </a:p>
+          <a:p>
+            <a:r>
+              <a:rPr lang="de-CH" dirty="0" smtClean="0"/>
+              <a:t>Unser Gebrauch</a:t>
+            </a:r>
+            <a:endParaRPr lang="de-CH" dirty="0" smtClean="0"/>
+          </a:p>
+          <a:p>
+            <a:pPr lvl="1"/>
+            <a:r>
+              <a:rPr lang="de-CH" dirty="0" smtClean="0"/>
+              <a:t>Entwicklerinformationen</a:t>
+            </a:r>
+          </a:p>
+          <a:p>
+            <a:pPr lvl="1"/>
+            <a:r>
+              <a:rPr lang="de-CH" dirty="0" smtClean="0"/>
+              <a:t>Animationen der Spielelemente</a:t>
+            </a:r>
+          </a:p>
+          <a:p>
+            <a:pPr lvl="1"/>
+            <a:r>
+              <a:rPr lang="de-CH" dirty="0" smtClean="0"/>
+              <a:t>Level-Metainformationen</a:t>
+            </a:r>
+          </a:p>
+          <a:p>
+            <a:endParaRPr lang="de-CH" dirty="0"/>
+          </a:p>
+        </p:txBody>
+      </p:sp>
+    </p:spTree>
+  </p:cSld>
+  <p:clrMapOvr>
+    <a:masterClrMapping/>
+  </p:clrMapOvr>
+  <mc:AlternateContent xmlns:mc="http://schemas.openxmlformats.org/markup-compatibility/2006">
+    <mc:Choice xmlns:p14="http://schemas.microsoft.com/office/powerpoint/2010/main" xmlns="" Requires="p14">
+      <p:transition spd="slow" p14:dur="1200">
+        <p14:prism/>
+      </p:transition>
+    </mc:Choice>
+    <mc:Fallback>
+      <p:transition spd="slow">
+        <p:fade/>
+      </p:transition>
+    </mc:Fallback>
+  </mc:AlternateContent>
+  <p:timing>
+    <p:tnLst>
+      <p:par>
+        <p:cTn id="1" dur="indefinite" restart="never" nodeType="tmRoot">
           <p:childTnLst>
             <p:seq concurrent="1" nextAc="seek">
               <p:cTn id="2" dur="indefinite" nodeType="mainSeq">
@@ -10375,570 +11966,6 @@
 </p:sld>
 </file>
 
-<file path=ppt/slides/slide2.xml><?xml version="1.0" encoding="utf-8"?>
-<p:sld xmlns:a="http://schemas.openxmlformats.org/drawingml/2006/main" xmlns:r="http://schemas.openxmlformats.org/officeDocument/2006/relationships" xmlns:p="http://schemas.openxmlformats.org/presentationml/2006/main">
-  <p:cSld>
-    <p:spTree>
-      <p:nvGrpSpPr>
-        <p:cNvPr id="1" name=""/>
-        <p:cNvGrpSpPr/>
-        <p:nvPr/>
-      </p:nvGrpSpPr>
-      <p:grpSpPr>
-        <a:xfrm>
-          <a:off x="0" y="0"/>
-          <a:ext cx="0" cy="0"/>
-          <a:chOff x="0" y="0"/>
-          <a:chExt cx="0" cy="0"/>
-        </a:xfrm>
-      </p:grpSpPr>
-      <p:sp>
-        <p:nvSpPr>
-          <p:cNvPr id="2" name="Title 1"/>
-          <p:cNvSpPr>
-            <a:spLocks noGrp="1"/>
-          </p:cNvSpPr>
-          <p:nvPr>
-            <p:ph type="title"/>
-          </p:nvPr>
-        </p:nvSpPr>
-        <p:spPr/>
-        <p:txBody>
-          <a:bodyPr/>
-          <a:lstStyle/>
-          <a:p>
-            <a:r>
-              <a:rPr lang="de-CH" dirty="0" smtClean="0"/>
-              <a:t>Inhalt</a:t>
-            </a:r>
-            <a:endParaRPr lang="de-CH" dirty="0"/>
-          </a:p>
-        </p:txBody>
-      </p:sp>
-      <p:sp>
-        <p:nvSpPr>
-          <p:cNvPr id="3" name="Content Placeholder 2"/>
-          <p:cNvSpPr>
-            <a:spLocks noGrp="1"/>
-          </p:cNvSpPr>
-          <p:nvPr>
-            <p:ph idx="1"/>
-          </p:nvPr>
-        </p:nvSpPr>
-        <p:spPr/>
-        <p:txBody>
-          <a:bodyPr/>
-          <a:lstStyle/>
-          <a:p>
-            <a:r>
-              <a:rPr lang="de-CH" dirty="0" smtClean="0"/>
-              <a:t>Idee</a:t>
-            </a:r>
-          </a:p>
-          <a:p>
-            <a:r>
-              <a:rPr lang="de-CH" dirty="0" smtClean="0"/>
-              <a:t>Planung/Umsetzung</a:t>
-            </a:r>
-          </a:p>
-          <a:p>
-            <a:r>
-              <a:rPr lang="de-CH" dirty="0" smtClean="0"/>
-              <a:t>Demo</a:t>
-            </a:r>
-            <a:endParaRPr lang="de-CH" dirty="0"/>
-          </a:p>
-        </p:txBody>
-      </p:sp>
-    </p:spTree>
-    <p:extLst>
-      <p:ext uri="{BB962C8B-B14F-4D97-AF65-F5344CB8AC3E}">
-        <p14:creationId xmlns:p14="http://schemas.microsoft.com/office/powerpoint/2010/main" val="2813714511"/>
-      </p:ext>
-    </p:extLst>
-  </p:cSld>
-  <p:clrMapOvr>
-    <a:masterClrMapping/>
-  </p:clrMapOvr>
-  <mc:AlternateContent xmlns:mc="http://schemas.openxmlformats.org/markup-compatibility/2006" xmlns:p14="http://schemas.microsoft.com/office/powerpoint/2010/main">
-    <mc:Choice Requires="p14">
-      <p:transition spd="slow" p14:dur="1200">
-        <p14:prism/>
-      </p:transition>
-    </mc:Choice>
-    <mc:Fallback xmlns="">
-      <p:transition xmlns:p14="http://schemas.microsoft.com/office/powerpoint/2010/main" spd="slow">
-        <p:fade/>
-      </p:transition>
-    </mc:Fallback>
-  </mc:AlternateContent>
-  <p:timing>
-    <p:tnLst>
-      <p:par>
-        <p:cTn xmlns:p14="http://schemas.microsoft.com/office/powerpoint/2010/main" id="1" dur="indefinite" restart="never" nodeType="tmRoot">
-          <p:childTnLst>
-            <p:seq concurrent="1" nextAc="seek">
-              <p:cTn id="2" dur="indefinite" nodeType="mainSeq">
-                <p:childTnLst>
-                  <p:par>
-                    <p:cTn id="3" fill="hold">
-                      <p:stCondLst>
-                        <p:cond delay="indefinite"/>
-                      </p:stCondLst>
-                      <p:childTnLst>
-                        <p:par>
-                          <p:cTn id="4" fill="hold">
-                            <p:stCondLst>
-                              <p:cond delay="0"/>
-                            </p:stCondLst>
-                            <p:childTnLst>
-                              <p:par>
-                                <p:cTn id="5" presetID="1" presetClass="entr" presetSubtype="0" fill="hold" nodeType="clickEffect">
-                                  <p:stCondLst>
-                                    <p:cond delay="0"/>
-                                  </p:stCondLst>
-                                  <p:childTnLst>
-                                    <p:set>
-                                      <p:cBhvr>
-                                        <p:cTn id="6" dur="1" fill="hold">
-                                          <p:stCondLst>
-                                            <p:cond delay="0"/>
-                                          </p:stCondLst>
-                                        </p:cTn>
-                                        <p:tgtEl>
-                                          <p:spTgt spid="3">
-                                            <p:txEl>
-                                              <p:pRg st="0" end="0"/>
-                                            </p:txEl>
-                                          </p:spTgt>
-                                        </p:tgtEl>
-                                        <p:attrNameLst>
-                                          <p:attrName>style.visibility</p:attrName>
-                                        </p:attrNameLst>
-                                      </p:cBhvr>
-                                      <p:to>
-                                        <p:strVal val="visible"/>
-                                      </p:to>
-                                    </p:set>
-                                  </p:childTnLst>
-                                </p:cTn>
-                              </p:par>
-                            </p:childTnLst>
-                          </p:cTn>
-                        </p:par>
-                      </p:childTnLst>
-                    </p:cTn>
-                  </p:par>
-                  <p:par>
-                    <p:cTn id="7" fill="hold">
-                      <p:stCondLst>
-                        <p:cond delay="indefinite"/>
-                      </p:stCondLst>
-                      <p:childTnLst>
-                        <p:par>
-                          <p:cTn id="8" fill="hold">
-                            <p:stCondLst>
-                              <p:cond delay="0"/>
-                            </p:stCondLst>
-                            <p:childTnLst>
-                              <p:par>
-                                <p:cTn id="9" presetID="1" presetClass="entr" presetSubtype="0" fill="hold" nodeType="clickEffect">
-                                  <p:stCondLst>
-                                    <p:cond delay="0"/>
-                                  </p:stCondLst>
-                                  <p:childTnLst>
-                                    <p:set>
-                                      <p:cBhvr>
-                                        <p:cTn id="10" dur="1" fill="hold">
-                                          <p:stCondLst>
-                                            <p:cond delay="0"/>
-                                          </p:stCondLst>
-                                        </p:cTn>
-                                        <p:tgtEl>
-                                          <p:spTgt spid="3">
-                                            <p:txEl>
-                                              <p:pRg st="1" end="1"/>
-                                            </p:txEl>
-                                          </p:spTgt>
-                                        </p:tgtEl>
-                                        <p:attrNameLst>
-                                          <p:attrName>style.visibility</p:attrName>
-                                        </p:attrNameLst>
-                                      </p:cBhvr>
-                                      <p:to>
-                                        <p:strVal val="visible"/>
-                                      </p:to>
-                                    </p:set>
-                                  </p:childTnLst>
-                                </p:cTn>
-                              </p:par>
-                            </p:childTnLst>
-                          </p:cTn>
-                        </p:par>
-                      </p:childTnLst>
-                    </p:cTn>
-                  </p:par>
-                  <p:par>
-                    <p:cTn id="11" fill="hold">
-                      <p:stCondLst>
-                        <p:cond delay="indefinite"/>
-                      </p:stCondLst>
-                      <p:childTnLst>
-                        <p:par>
-                          <p:cTn id="12" fill="hold">
-                            <p:stCondLst>
-                              <p:cond delay="0"/>
-                            </p:stCondLst>
-                            <p:childTnLst>
-                              <p:par>
-                                <p:cTn id="13" presetID="1" presetClass="entr" presetSubtype="0" fill="hold" nodeType="clickEffect">
-                                  <p:stCondLst>
-                                    <p:cond delay="0"/>
-                                  </p:stCondLst>
-                                  <p:childTnLst>
-                                    <p:set>
-                                      <p:cBhvr>
-                                        <p:cTn id="14" dur="1" fill="hold">
-                                          <p:stCondLst>
-                                            <p:cond delay="0"/>
-                                          </p:stCondLst>
-                                        </p:cTn>
-                                        <p:tgtEl>
-                                          <p:spTgt spid="3">
-                                            <p:txEl>
-                                              <p:pRg st="2" end="2"/>
-                                            </p:txEl>
-                                          </p:spTgt>
-                                        </p:tgtEl>
-                                        <p:attrNameLst>
-                                          <p:attrName>style.visibility</p:attrName>
-                                        </p:attrNameLst>
-                                      </p:cBhvr>
-                                      <p:to>
-                                        <p:strVal val="visible"/>
-                                      </p:to>
-                                    </p:set>
-                                  </p:childTnLst>
-                                </p:cTn>
-                              </p:par>
-                            </p:childTnLst>
-                          </p:cTn>
-                        </p:par>
-                      </p:childTnLst>
-                    </p:cTn>
-                  </p:par>
-                </p:childTnLst>
-              </p:cTn>
-              <p:prevCondLst>
-                <p:cond evt="onPrev" delay="0">
-                  <p:tgtEl>
-                    <p:sldTgt/>
-                  </p:tgtEl>
-                </p:cond>
-              </p:prevCondLst>
-              <p:nextCondLst>
-                <p:cond evt="onNext" delay="0">
-                  <p:tgtEl>
-                    <p:sldTgt/>
-                  </p:tgtEl>
-                </p:cond>
-              </p:nextCondLst>
-            </p:seq>
-          </p:childTnLst>
-        </p:cTn>
-      </p:par>
-    </p:tnLst>
-  </p:timing>
-</p:sld>
-</file>
-
-<file path=ppt/slides/slide20.xml><?xml version="1.0" encoding="utf-8"?>
-<p:sld xmlns:a="http://schemas.openxmlformats.org/drawingml/2006/main" xmlns:r="http://schemas.openxmlformats.org/officeDocument/2006/relationships" xmlns:p="http://schemas.openxmlformats.org/presentationml/2006/main">
-  <p:cSld>
-    <p:spTree>
-      <p:nvGrpSpPr>
-        <p:cNvPr id="1" name=""/>
-        <p:cNvGrpSpPr/>
-        <p:nvPr/>
-      </p:nvGrpSpPr>
-      <p:grpSpPr>
-        <a:xfrm>
-          <a:off x="0" y="0"/>
-          <a:ext cx="0" cy="0"/>
-          <a:chOff x="0" y="0"/>
-          <a:chExt cx="0" cy="0"/>
-        </a:xfrm>
-      </p:grpSpPr>
-      <p:pic>
-        <p:nvPicPr>
-          <p:cNvPr id="4" name="Bild 3" descr="Bildschirmfoto 2013-06-02 um 16.26.37.png"/>
-          <p:cNvPicPr>
-            <a:picLocks noChangeAspect="1"/>
-          </p:cNvPicPr>
-          <p:nvPr/>
-        </p:nvPicPr>
-        <p:blipFill rotWithShape="1">
-          <a:blip r:embed="rId2">
-            <a:extLst>
-              <a:ext uri="{28A0092B-C50C-407E-A947-70E740481C1C}">
-                <a14:useLocalDpi xmlns:a14="http://schemas.microsoft.com/office/drawing/2010/main" val="0"/>
-              </a:ext>
-            </a:extLst>
-          </a:blip>
-          <a:srcRect t="5450" r="32897" b="36989"/>
-          <a:stretch/>
-        </p:blipFill>
-        <p:spPr>
-          <a:xfrm>
-            <a:off x="531756" y="1262944"/>
-            <a:ext cx="8080489" cy="4332112"/>
-          </a:xfrm>
-          <a:prstGeom prst="rect">
-            <a:avLst/>
-          </a:prstGeom>
-        </p:spPr>
-      </p:pic>
-    </p:spTree>
-    <p:extLst>
-      <p:ext uri="{BB962C8B-B14F-4D97-AF65-F5344CB8AC3E}">
-        <p14:creationId xmlns:p14="http://schemas.microsoft.com/office/powerpoint/2010/main" val="1707540623"/>
-      </p:ext>
-    </p:extLst>
-  </p:cSld>
-  <p:clrMapOvr>
-    <a:masterClrMapping/>
-  </p:clrMapOvr>
-  <mc:AlternateContent xmlns:mc="http://schemas.openxmlformats.org/markup-compatibility/2006" xmlns:p14="http://schemas.microsoft.com/office/powerpoint/2010/main">
-    <mc:Choice Requires="p14">
-      <p:transition spd="slow" p14:dur="1200">
-        <p14:prism/>
-      </p:transition>
-    </mc:Choice>
-    <mc:Fallback xmlns="">
-      <p:transition xmlns:p14="http://schemas.microsoft.com/office/powerpoint/2010/main" spd="slow">
-        <p:fade/>
-      </p:transition>
-    </mc:Fallback>
-  </mc:AlternateContent>
-  <p:timing>
-    <p:tnLst>
-      <p:par>
-        <p:cTn xmlns:p14="http://schemas.microsoft.com/office/powerpoint/2010/main" id="1" dur="indefinite" restart="never" nodeType="tmRoot">
-          <p:childTnLst>
-            <p:seq concurrent="1" nextAc="seek">
-              <p:cTn id="2" dur="indefinite" nodeType="mainSeq">
-                <p:childTnLst>
-                  <p:par>
-                    <p:cTn id="3" fill="hold">
-                      <p:stCondLst>
-                        <p:cond delay="indefinite"/>
-                      </p:stCondLst>
-                      <p:childTnLst>
-                        <p:par>
-                          <p:cTn id="4" fill="hold">
-                            <p:stCondLst>
-                              <p:cond delay="0"/>
-                            </p:stCondLst>
-                            <p:childTnLst>
-                              <p:par>
-                                <p:cTn id="5" presetID="1" presetClass="entr" presetSubtype="0" fill="hold" nodeType="clickEffect">
-                                  <p:stCondLst>
-                                    <p:cond delay="0"/>
-                                  </p:stCondLst>
-                                  <p:childTnLst>
-                                    <p:set>
-                                      <p:cBhvr>
-                                        <p:cTn id="6" dur="1" fill="hold">
-                                          <p:stCondLst>
-                                            <p:cond delay="0"/>
-                                          </p:stCondLst>
-                                        </p:cTn>
-                                        <p:tgtEl>
-                                          <p:spTgt spid="4"/>
-                                        </p:tgtEl>
-                                        <p:attrNameLst>
-                                          <p:attrName>style.visibility</p:attrName>
-                                        </p:attrNameLst>
-                                      </p:cBhvr>
-                                      <p:to>
-                                        <p:strVal val="visible"/>
-                                      </p:to>
-                                    </p:set>
-                                  </p:childTnLst>
-                                </p:cTn>
-                              </p:par>
-                            </p:childTnLst>
-                          </p:cTn>
-                        </p:par>
-                      </p:childTnLst>
-                    </p:cTn>
-                  </p:par>
-                </p:childTnLst>
-              </p:cTn>
-              <p:prevCondLst>
-                <p:cond evt="onPrev" delay="0">
-                  <p:tgtEl>
-                    <p:sldTgt/>
-                  </p:tgtEl>
-                </p:cond>
-              </p:prevCondLst>
-              <p:nextCondLst>
-                <p:cond evt="onNext" delay="0">
-                  <p:tgtEl>
-                    <p:sldTgt/>
-                  </p:tgtEl>
-                </p:cond>
-              </p:nextCondLst>
-            </p:seq>
-          </p:childTnLst>
-        </p:cTn>
-      </p:par>
-    </p:tnLst>
-  </p:timing>
-</p:sld>
-</file>
-
-<file path=ppt/slides/slide21.xml><?xml version="1.0" encoding="utf-8"?>
-<p:sld xmlns:a="http://schemas.openxmlformats.org/drawingml/2006/main" xmlns:r="http://schemas.openxmlformats.org/officeDocument/2006/relationships" xmlns:p="http://schemas.openxmlformats.org/presentationml/2006/main">
-  <p:cSld>
-    <p:spTree>
-      <p:nvGrpSpPr>
-        <p:cNvPr id="1" name=""/>
-        <p:cNvGrpSpPr/>
-        <p:nvPr/>
-      </p:nvGrpSpPr>
-      <p:grpSpPr>
-        <a:xfrm>
-          <a:off x="0" y="0"/>
-          <a:ext cx="0" cy="0"/>
-          <a:chOff x="0" y="0"/>
-          <a:chExt cx="0" cy="0"/>
-        </a:xfrm>
-      </p:grpSpPr>
-      <p:pic>
-        <p:nvPicPr>
-          <p:cNvPr id="2" name="Bild 1"/>
-          <p:cNvPicPr>
-            <a:picLocks noChangeAspect="1"/>
-          </p:cNvPicPr>
-          <p:nvPr/>
-        </p:nvPicPr>
-        <p:blipFill>
-          <a:blip r:embed="rId2"/>
-          <a:stretch>
-            <a:fillRect/>
-          </a:stretch>
-        </p:blipFill>
-        <p:spPr>
-          <a:xfrm>
-            <a:off x="907262" y="1828158"/>
-            <a:ext cx="7329477" cy="3201685"/>
-          </a:xfrm>
-          <a:prstGeom prst="rect">
-            <a:avLst/>
-          </a:prstGeom>
-        </p:spPr>
-      </p:pic>
-    </p:spTree>
-    <p:extLst>
-      <p:ext uri="{BB962C8B-B14F-4D97-AF65-F5344CB8AC3E}">
-        <p14:creationId xmlns:p14="http://schemas.microsoft.com/office/powerpoint/2010/main" val="4153822471"/>
-      </p:ext>
-    </p:extLst>
-  </p:cSld>
-  <p:clrMapOvr>
-    <a:masterClrMapping/>
-  </p:clrMapOvr>
-  <mc:AlternateContent xmlns:mc="http://schemas.openxmlformats.org/markup-compatibility/2006" xmlns:p14="http://schemas.microsoft.com/office/powerpoint/2010/main">
-    <mc:Choice Requires="p14">
-      <p:transition spd="slow" p14:dur="1200">
-        <p14:prism/>
-      </p:transition>
-    </mc:Choice>
-    <mc:Fallback xmlns="">
-      <p:transition xmlns:p14="http://schemas.microsoft.com/office/powerpoint/2010/main" spd="slow">
-        <p:fade/>
-      </p:transition>
-    </mc:Fallback>
-  </mc:AlternateContent>
-  <p:timing>
-    <p:tnLst>
-      <p:par>
-        <p:cTn xmlns:p14="http://schemas.microsoft.com/office/powerpoint/2010/main" id="1" dur="indefinite" restart="never" nodeType="tmRoot">
-          <p:childTnLst>
-            <p:seq concurrent="1" nextAc="seek">
-              <p:cTn id="2" dur="indefinite" nodeType="mainSeq">
-                <p:childTnLst>
-                  <p:par>
-                    <p:cTn id="3" fill="hold">
-                      <p:stCondLst>
-                        <p:cond delay="indefinite"/>
-                      </p:stCondLst>
-                      <p:childTnLst>
-                        <p:par>
-                          <p:cTn id="4" fill="hold">
-                            <p:stCondLst>
-                              <p:cond delay="0"/>
-                            </p:stCondLst>
-                            <p:childTnLst>
-                              <p:par>
-                                <p:cTn id="5" presetID="1" presetClass="entr" presetSubtype="0" fill="hold" nodeType="clickEffect">
-                                  <p:stCondLst>
-                                    <p:cond delay="0"/>
-                                  </p:stCondLst>
-                                  <p:childTnLst>
-                                    <p:set>
-                                      <p:cBhvr>
-                                        <p:cTn id="6" dur="1" fill="hold">
-                                          <p:stCondLst>
-                                            <p:cond delay="0"/>
-                                          </p:stCondLst>
-                                        </p:cTn>
-                                        <p:tgtEl>
-                                          <p:spTgt spid="2"/>
-                                        </p:tgtEl>
-                                        <p:attrNameLst>
-                                          <p:attrName>style.visibility</p:attrName>
-                                        </p:attrNameLst>
-                                      </p:cBhvr>
-                                      <p:to>
-                                        <p:strVal val="visible"/>
-                                      </p:to>
-                                    </p:set>
-                                  </p:childTnLst>
-                                </p:cTn>
-                              </p:par>
-                            </p:childTnLst>
-                          </p:cTn>
-                        </p:par>
-                      </p:childTnLst>
-                    </p:cTn>
-                  </p:par>
-                </p:childTnLst>
-              </p:cTn>
-              <p:prevCondLst>
-                <p:cond evt="onPrev" delay="0">
-                  <p:tgtEl>
-                    <p:sldTgt/>
-                  </p:tgtEl>
-                </p:cond>
-              </p:prevCondLst>
-              <p:nextCondLst>
-                <p:cond evt="onNext" delay="0">
-                  <p:tgtEl>
-                    <p:sldTgt/>
-                  </p:tgtEl>
-                </p:cond>
-              </p:nextCondLst>
-            </p:seq>
-          </p:childTnLst>
-        </p:cTn>
-      </p:par>
-    </p:tnLst>
-  </p:timing>
-</p:sld>
-</file>
-
 <file path=ppt/slides/slide22.xml><?xml version="1.0" encoding="utf-8"?>
 <p:sld xmlns:a="http://schemas.openxmlformats.org/drawingml/2006/main" xmlns:r="http://schemas.openxmlformats.org/officeDocument/2006/relationships" xmlns:p="http://schemas.openxmlformats.org/presentationml/2006/main">
   <p:cSld>
@@ -10979,10 +12006,10 @@
             <p:nvPr/>
           </p:nvPicPr>
           <p:blipFill rotWithShape="1">
-            <a:blip r:embed="rId2">
+            <a:blip r:embed="rId2" cstate="print">
               <a:extLst>
                 <a:ext uri="{28A0092B-C50C-407E-A947-70E740481C1C}">
-                  <a14:useLocalDpi xmlns:a14="http://schemas.microsoft.com/office/drawing/2010/main" val="0"/>
+                  <a14:useLocalDpi xmlns:a14="http://schemas.microsoft.com/office/drawing/2010/main" xmlns="" val="0"/>
                 </a:ext>
               </a:extLst>
             </a:blip>
@@ -11003,14 +12030,14 @@
             </a:ln>
             <a:extLst>
               <a:ext uri="{909E8E84-426E-40dd-AFC4-6F175D3DCCD1}">
-                <a14:hiddenFill xmlns:a14="http://schemas.microsoft.com/office/drawing/2010/main">
+                <a14:hiddenFill xmlns:a14="http://schemas.microsoft.com/office/drawing/2010/main" xmlns="">
                   <a:solidFill>
                     <a:srgbClr val="FFFFFF"/>
                   </a:solidFill>
                 </a14:hiddenFill>
               </a:ext>
               <a:ext uri="{91240B29-F687-4f45-9708-019B960494DF}">
-                <a14:hiddenLine xmlns:a14="http://schemas.microsoft.com/office/drawing/2010/main" w="9525">
+                <a14:hiddenLine xmlns:a14="http://schemas.microsoft.com/office/drawing/2010/main" xmlns="" w="9525">
                   <a:solidFill>
                     <a:srgbClr val="000000"/>
                   </a:solidFill>
@@ -11031,10 +12058,10 @@
             <p:nvPr/>
           </p:nvPicPr>
           <p:blipFill rotWithShape="1">
-            <a:blip r:embed="rId2">
+            <a:blip r:embed="rId2" cstate="print">
               <a:extLst>
                 <a:ext uri="{28A0092B-C50C-407E-A947-70E740481C1C}">
-                  <a14:useLocalDpi xmlns:a14="http://schemas.microsoft.com/office/drawing/2010/main" val="0"/>
+                  <a14:useLocalDpi xmlns:a14="http://schemas.microsoft.com/office/drawing/2010/main" xmlns="" val="0"/>
                 </a:ext>
               </a:extLst>
             </a:blip>
@@ -11055,14 +12082,14 @@
             </a:ln>
             <a:extLst>
               <a:ext uri="{909E8E84-426E-40dd-AFC4-6F175D3DCCD1}">
-                <a14:hiddenFill xmlns:a14="http://schemas.microsoft.com/office/drawing/2010/main">
+                <a14:hiddenFill xmlns:a14="http://schemas.microsoft.com/office/drawing/2010/main" xmlns="">
                   <a:solidFill>
                     <a:srgbClr val="FFFFFF"/>
                   </a:solidFill>
                 </a14:hiddenFill>
               </a:ext>
               <a:ext uri="{91240B29-F687-4f45-9708-019B960494DF}">
-                <a14:hiddenLine xmlns:a14="http://schemas.microsoft.com/office/drawing/2010/main" w="9525">
+                <a14:hiddenLine xmlns:a14="http://schemas.microsoft.com/office/drawing/2010/main" xmlns="" w="9525">
                   <a:solidFill>
                     <a:srgbClr val="000000"/>
                   </a:solidFill>
@@ -11084,10 +12111,10 @@
           <p:nvPr/>
         </p:nvPicPr>
         <p:blipFill>
-          <a:blip r:embed="rId2">
+          <a:blip r:embed="rId2" cstate="print">
             <a:extLst>
               <a:ext uri="{28A0092B-C50C-407E-A947-70E740481C1C}">
-                <a14:useLocalDpi xmlns:a14="http://schemas.microsoft.com/office/drawing/2010/main" val="0"/>
+                <a14:useLocalDpi xmlns:a14="http://schemas.microsoft.com/office/drawing/2010/main" xmlns="" val="0"/>
               </a:ext>
             </a:extLst>
           </a:blip>
@@ -11110,14 +12137,14 @@
           </a:ln>
           <a:extLst>
             <a:ext uri="{909E8E84-426E-40dd-AFC4-6F175D3DCCD1}">
-              <a14:hiddenFill xmlns:a14="http://schemas.microsoft.com/office/drawing/2010/main">
+              <a14:hiddenFill xmlns:a14="http://schemas.microsoft.com/office/drawing/2010/main" xmlns="">
                 <a:solidFill>
                   <a:srgbClr val="FFFFFF"/>
                 </a:solidFill>
               </a14:hiddenFill>
             </a:ext>
             <a:ext uri="{91240B29-F687-4f45-9708-019B960494DF}">
-              <a14:hiddenLine xmlns:a14="http://schemas.microsoft.com/office/drawing/2010/main" w="9525">
+              <a14:hiddenLine xmlns:a14="http://schemas.microsoft.com/office/drawing/2010/main" xmlns="" w="9525">
                 <a:solidFill>
                   <a:srgbClr val="000000"/>
                 </a:solidFill>
@@ -11173,21 +12200,21 @@
     </p:spTree>
     <p:extLst>
       <p:ext uri="{BB962C8B-B14F-4D97-AF65-F5344CB8AC3E}">
-        <p14:creationId xmlns:p14="http://schemas.microsoft.com/office/powerpoint/2010/main" val="3505732037"/>
+        <p14:creationId xmlns:p14="http://schemas.microsoft.com/office/powerpoint/2010/main" xmlns="" val="3505732037"/>
       </p:ext>
     </p:extLst>
   </p:cSld>
   <p:clrMapOvr>
     <a:masterClrMapping/>
   </p:clrMapOvr>
-  <mc:AlternateContent xmlns:mc="http://schemas.openxmlformats.org/markup-compatibility/2006" xmlns:p14="http://schemas.microsoft.com/office/powerpoint/2010/main">
-    <mc:Choice Requires="p14">
+  <mc:AlternateContent xmlns:mc="http://schemas.openxmlformats.org/markup-compatibility/2006">
+    <mc:Choice xmlns:p14="http://schemas.microsoft.com/office/powerpoint/2010/main" xmlns="" Requires="p14">
       <p:transition spd="slow" p14:dur="1200">
         <p14:prism/>
       </p:transition>
     </mc:Choice>
-    <mc:Fallback xmlns="">
-      <p:transition xmlns:p14="http://schemas.microsoft.com/office/powerpoint/2010/main" spd="slow">
+    <mc:Fallback>
+      <p:transition spd="slow">
         <p:fade/>
       </p:transition>
     </mc:Fallback>
@@ -11195,7 +12222,7 @@
   <p:timing>
     <p:tnLst>
       <p:par>
-        <p:cTn xmlns:p14="http://schemas.microsoft.com/office/powerpoint/2010/main" id="1" dur="indefinite" restart="never" nodeType="tmRoot">
+        <p:cTn id="1" dur="indefinite" restart="never" nodeType="tmRoot">
           <p:childTnLst>
             <p:seq concurrent="1" nextAc="seek">
               <p:cTn id="2" dur="indefinite" nodeType="mainSeq">
@@ -11344,10 +12371,10 @@
           <p:nvPr/>
         </p:nvPicPr>
         <p:blipFill>
-          <a:blip r:embed="rId2">
+          <a:blip r:embed="rId2" cstate="print">
             <a:extLst>
               <a:ext uri="{28A0092B-C50C-407E-A947-70E740481C1C}">
-                <a14:useLocalDpi xmlns:a14="http://schemas.microsoft.com/office/drawing/2010/main" val="0"/>
+                <a14:useLocalDpi xmlns:a14="http://schemas.microsoft.com/office/drawing/2010/main" xmlns="" val="0"/>
               </a:ext>
             </a:extLst>
           </a:blip>
@@ -11370,14 +12397,14 @@
           </a:ln>
           <a:extLst>
             <a:ext uri="{909E8E84-426E-40dd-AFC4-6F175D3DCCD1}">
-              <a14:hiddenFill xmlns:a14="http://schemas.microsoft.com/office/drawing/2010/main">
+              <a14:hiddenFill xmlns:a14="http://schemas.microsoft.com/office/drawing/2010/main" xmlns="">
                 <a:solidFill>
                   <a:srgbClr val="FFFFFF"/>
                 </a:solidFill>
               </a14:hiddenFill>
             </a:ext>
             <a:ext uri="{91240B29-F687-4f45-9708-019B960494DF}">
-              <a14:hiddenLine xmlns:a14="http://schemas.microsoft.com/office/drawing/2010/main" w="9525">
+              <a14:hiddenLine xmlns:a14="http://schemas.microsoft.com/office/drawing/2010/main" xmlns="" w="9525">
                 <a:solidFill>
                   <a:srgbClr val="000000"/>
                 </a:solidFill>
@@ -11412,10 +12439,10 @@
             <p:nvPr/>
           </p:nvPicPr>
           <p:blipFill rotWithShape="1">
-            <a:blip r:embed="rId2">
+            <a:blip r:embed="rId2" cstate="print">
               <a:extLst>
                 <a:ext uri="{28A0092B-C50C-407E-A947-70E740481C1C}">
-                  <a14:useLocalDpi xmlns:a14="http://schemas.microsoft.com/office/drawing/2010/main" val="0"/>
+                  <a14:useLocalDpi xmlns:a14="http://schemas.microsoft.com/office/drawing/2010/main" xmlns="" val="0"/>
                 </a:ext>
               </a:extLst>
             </a:blip>
@@ -11436,14 +12463,14 @@
             </a:ln>
             <a:extLst>
               <a:ext uri="{909E8E84-426E-40dd-AFC4-6F175D3DCCD1}">
-                <a14:hiddenFill xmlns:a14="http://schemas.microsoft.com/office/drawing/2010/main">
+                <a14:hiddenFill xmlns:a14="http://schemas.microsoft.com/office/drawing/2010/main" xmlns="">
                   <a:solidFill>
                     <a:srgbClr val="FFFFFF"/>
                   </a:solidFill>
                 </a14:hiddenFill>
               </a:ext>
               <a:ext uri="{91240B29-F687-4f45-9708-019B960494DF}">
-                <a14:hiddenLine xmlns:a14="http://schemas.microsoft.com/office/drawing/2010/main" w="9525">
+                <a14:hiddenLine xmlns:a14="http://schemas.microsoft.com/office/drawing/2010/main" xmlns="" w="9525">
                   <a:solidFill>
                     <a:srgbClr val="000000"/>
                   </a:solidFill>
@@ -11464,10 +12491,10 @@
             <p:nvPr/>
           </p:nvPicPr>
           <p:blipFill rotWithShape="1">
-            <a:blip r:embed="rId2">
+            <a:blip r:embed="rId2" cstate="print">
               <a:extLst>
                 <a:ext uri="{28A0092B-C50C-407E-A947-70E740481C1C}">
-                  <a14:useLocalDpi xmlns:a14="http://schemas.microsoft.com/office/drawing/2010/main" val="0"/>
+                  <a14:useLocalDpi xmlns:a14="http://schemas.microsoft.com/office/drawing/2010/main" xmlns="" val="0"/>
                 </a:ext>
               </a:extLst>
             </a:blip>
@@ -11488,14 +12515,14 @@
             </a:ln>
             <a:extLst>
               <a:ext uri="{909E8E84-426E-40dd-AFC4-6F175D3DCCD1}">
-                <a14:hiddenFill xmlns:a14="http://schemas.microsoft.com/office/drawing/2010/main">
+                <a14:hiddenFill xmlns:a14="http://schemas.microsoft.com/office/drawing/2010/main" xmlns="">
                   <a:solidFill>
                     <a:srgbClr val="FFFFFF"/>
                   </a:solidFill>
                 </a14:hiddenFill>
               </a:ext>
               <a:ext uri="{91240B29-F687-4f45-9708-019B960494DF}">
-                <a14:hiddenLine xmlns:a14="http://schemas.microsoft.com/office/drawing/2010/main" w="9525">
+                <a14:hiddenLine xmlns:a14="http://schemas.microsoft.com/office/drawing/2010/main" xmlns="" w="9525">
                   <a:solidFill>
                     <a:srgbClr val="000000"/>
                   </a:solidFill>
@@ -11552,21 +12579,21 @@
     </p:spTree>
     <p:extLst>
       <p:ext uri="{BB962C8B-B14F-4D97-AF65-F5344CB8AC3E}">
-        <p14:creationId xmlns:p14="http://schemas.microsoft.com/office/powerpoint/2010/main" val="2180546277"/>
+        <p14:creationId xmlns:p14="http://schemas.microsoft.com/office/powerpoint/2010/main" xmlns="" val="2180546277"/>
       </p:ext>
     </p:extLst>
   </p:cSld>
   <p:clrMapOvr>
     <a:masterClrMapping/>
   </p:clrMapOvr>
-  <mc:AlternateContent xmlns:mc="http://schemas.openxmlformats.org/markup-compatibility/2006" xmlns:p14="http://schemas.microsoft.com/office/powerpoint/2010/main">
-    <mc:Choice Requires="p14">
+  <mc:AlternateContent xmlns:mc="http://schemas.openxmlformats.org/markup-compatibility/2006">
+    <mc:Choice xmlns:p14="http://schemas.microsoft.com/office/powerpoint/2010/main" xmlns="" Requires="p14">
       <p:transition spd="slow" p14:dur="1200">
         <p14:prism/>
       </p:transition>
     </mc:Choice>
-    <mc:Fallback xmlns="">
-      <p:transition xmlns:p14="http://schemas.microsoft.com/office/powerpoint/2010/main" spd="slow">
+    <mc:Fallback>
+      <p:transition spd="slow">
         <p:fade/>
       </p:transition>
     </mc:Fallback>
@@ -11574,7 +12601,7 @@
   <p:timing>
     <p:tnLst>
       <p:par>
-        <p:cTn xmlns:p14="http://schemas.microsoft.com/office/powerpoint/2010/main" id="1" dur="indefinite" restart="never" nodeType="tmRoot">
+        <p:cTn id="1" dur="indefinite" restart="never" nodeType="tmRoot">
           <p:childTnLst>
             <p:seq concurrent="1" nextAc="seek">
               <p:cTn id="2" dur="indefinite" nodeType="mainSeq">
@@ -11714,6 +12741,147 @@
           <a:chExt cx="0" cy="0"/>
         </a:xfrm>
       </p:grpSpPr>
+      <p:pic>
+        <p:nvPicPr>
+          <p:cNvPr id="2" name="Bild 1"/>
+          <p:cNvPicPr>
+            <a:picLocks noChangeAspect="1"/>
+          </p:cNvPicPr>
+          <p:nvPr/>
+        </p:nvPicPr>
+        <p:blipFill>
+          <a:blip r:embed="rId2" cstate="print"/>
+          <a:stretch>
+            <a:fillRect/>
+          </a:stretch>
+        </p:blipFill>
+        <p:spPr>
+          <a:xfrm>
+            <a:off x="907262" y="1828158"/>
+            <a:ext cx="7329477" cy="3201685"/>
+          </a:xfrm>
+          <a:prstGeom prst="rect">
+            <a:avLst/>
+          </a:prstGeom>
+        </p:spPr>
+      </p:pic>
+    </p:spTree>
+    <p:extLst>
+      <p:ext uri="{BB962C8B-B14F-4D97-AF65-F5344CB8AC3E}">
+        <p14:creationId xmlns:p14="http://schemas.microsoft.com/office/powerpoint/2010/main" xmlns="" val="4153822471"/>
+      </p:ext>
+    </p:extLst>
+  </p:cSld>
+  <p:clrMapOvr>
+    <a:masterClrMapping/>
+  </p:clrMapOvr>
+  <mc:AlternateContent xmlns:mc="http://schemas.openxmlformats.org/markup-compatibility/2006">
+    <mc:Choice xmlns:p14="http://schemas.microsoft.com/office/powerpoint/2010/main" xmlns="" Requires="p14">
+      <p:transition spd="slow" p14:dur="1200">
+        <p14:prism/>
+      </p:transition>
+    </mc:Choice>
+    <mc:Fallback>
+      <p:transition spd="slow">
+        <p:fade/>
+      </p:transition>
+    </mc:Fallback>
+  </mc:AlternateContent>
+  <p:timing>
+    <p:tnLst>
+      <p:par>
+        <p:cTn id="1" dur="indefinite" restart="never" nodeType="tmRoot">
+          <p:childTnLst>
+            <p:seq concurrent="1" nextAc="seek">
+              <p:cTn id="2" dur="indefinite" nodeType="mainSeq">
+                <p:childTnLst>
+                  <p:par>
+                    <p:cTn id="3" fill="hold">
+                      <p:stCondLst>
+                        <p:cond delay="indefinite"/>
+                      </p:stCondLst>
+                      <p:childTnLst>
+                        <p:par>
+                          <p:cTn id="4" fill="hold">
+                            <p:stCondLst>
+                              <p:cond delay="0"/>
+                            </p:stCondLst>
+                            <p:childTnLst>
+                              <p:par>
+                                <p:cTn id="5" presetID="1" presetClass="entr" presetSubtype="0" fill="hold" nodeType="clickEffect">
+                                  <p:stCondLst>
+                                    <p:cond delay="0"/>
+                                  </p:stCondLst>
+                                  <p:childTnLst>
+                                    <p:set>
+                                      <p:cBhvr>
+                                        <p:cTn id="6" dur="1" fill="hold">
+                                          <p:stCondLst>
+                                            <p:cond delay="0"/>
+                                          </p:stCondLst>
+                                        </p:cTn>
+                                        <p:tgtEl>
+                                          <p:spTgt spid="2"/>
+                                        </p:tgtEl>
+                                        <p:attrNameLst>
+                                          <p:attrName>style.visibility</p:attrName>
+                                        </p:attrNameLst>
+                                      </p:cBhvr>
+                                      <p:to>
+                                        <p:strVal val="visible"/>
+                                      </p:to>
+                                    </p:set>
+                                  </p:childTnLst>
+                                </p:cTn>
+                              </p:par>
+                            </p:childTnLst>
+                          </p:cTn>
+                        </p:par>
+                      </p:childTnLst>
+                    </p:cTn>
+                  </p:par>
+                </p:childTnLst>
+              </p:cTn>
+              <p:prevCondLst>
+                <p:cond evt="onPrev" delay="0">
+                  <p:tgtEl>
+                    <p:sldTgt/>
+                  </p:tgtEl>
+                </p:cond>
+              </p:prevCondLst>
+              <p:nextCondLst>
+                <p:cond evt="onNext" delay="0">
+                  <p:tgtEl>
+                    <p:sldTgt/>
+                  </p:tgtEl>
+                </p:cond>
+              </p:nextCondLst>
+            </p:seq>
+          </p:childTnLst>
+        </p:cTn>
+      </p:par>
+    </p:tnLst>
+  </p:timing>
+</p:sld>
+</file>
+
+<file path=ppt/slides/slide25.xml><?xml version="1.0" encoding="utf-8"?>
+<p:sld xmlns:a="http://schemas.openxmlformats.org/drawingml/2006/main" xmlns:r="http://schemas.openxmlformats.org/officeDocument/2006/relationships" xmlns:p="http://schemas.openxmlformats.org/presentationml/2006/main">
+  <p:cSld>
+    <p:spTree>
+      <p:nvGrpSpPr>
+        <p:cNvPr id="1" name=""/>
+        <p:cNvGrpSpPr/>
+        <p:nvPr/>
+      </p:nvGrpSpPr>
+      <p:grpSpPr>
+        <a:xfrm>
+          <a:off x="0" y="0"/>
+          <a:ext cx="0" cy="0"/>
+          <a:chOff x="0" y="0"/>
+          <a:chExt cx="0" cy="0"/>
+        </a:xfrm>
+      </p:grpSpPr>
       <p:sp>
         <p:nvSpPr>
           <p:cNvPr id="2" name="Titel 1"/>
@@ -11731,7 +12899,11 @@
           <a:p>
             <a:r>
               <a:rPr lang="de-CH" dirty="0" smtClean="0"/>
-              <a:t>Das Problem</a:t>
+              <a:t>Datenmodell – </a:t>
+            </a:r>
+            <a:r>
+              <a:rPr lang="de-CH" dirty="0" err="1" smtClean="0"/>
+              <a:t>Tile-Maps</a:t>
             </a:r>
             <a:endParaRPr lang="de-CH" dirty="0"/>
           </a:p>
@@ -11749,57 +12921,141 @@
         </p:nvSpPr>
         <p:spPr/>
         <p:txBody>
-          <a:bodyPr/>
+          <a:bodyPr>
+            <a:normAutofit fontScale="85000" lnSpcReduction="20000"/>
+          </a:bodyPr>
           <a:lstStyle/>
           <a:p>
             <a:r>
+              <a:rPr lang="de-CH" dirty="0" err="1" smtClean="0"/>
+              <a:t>Tile-Maps</a:t>
+            </a:r>
+            <a:endParaRPr lang="de-CH" dirty="0" smtClean="0"/>
+          </a:p>
+          <a:p>
+            <a:pPr lvl="1"/>
+            <a:r>
               <a:rPr lang="de-CH" dirty="0" smtClean="0"/>
-              <a:t>Übernahme von</a:t>
+              <a:t>Anordnung der Spielelemente</a:t>
             </a:r>
           </a:p>
           <a:p>
             <a:pPr lvl="1"/>
             <a:r>
               <a:rPr lang="de-CH" dirty="0" smtClean="0"/>
-              <a:t>Grafiken</a:t>
-            </a:r>
+              <a:t>Gute </a:t>
+            </a:r>
+            <a:r>
+              <a:rPr lang="de-CH" dirty="0" smtClean="0"/>
+              <a:t>Integration</a:t>
+            </a:r>
+          </a:p>
+          <a:p>
+            <a:r>
+              <a:rPr lang="de-CH" dirty="0" err="1" smtClean="0"/>
+              <a:t>Map</a:t>
+            </a:r>
+            <a:endParaRPr lang="de-CH" dirty="0" smtClean="0"/>
           </a:p>
           <a:p>
             <a:pPr lvl="1"/>
             <a:r>
               <a:rPr lang="de-CH" dirty="0" smtClean="0"/>
-              <a:t>Musik</a:t>
-            </a:r>
-          </a:p>
-          <a:p>
+              <a:t>Mehrere </a:t>
+            </a:r>
+            <a:r>
+              <a:rPr lang="de-CH" dirty="0" err="1" smtClean="0"/>
+              <a:t>Layers</a:t>
+            </a:r>
+            <a:endParaRPr lang="de-CH" dirty="0" smtClean="0"/>
+          </a:p>
+          <a:p>
+            <a:pPr lvl="2"/>
+            <a:r>
+              <a:rPr lang="de-CH" dirty="0" err="1" smtClean="0"/>
+              <a:t>Object</a:t>
+            </a:r>
             <a:r>
               <a:rPr lang="de-CH" dirty="0" smtClean="0"/>
-              <a:t>Urheberrechtsverletzung</a:t>
-            </a:r>
-          </a:p>
-          <a:p>
-            <a:endParaRPr lang="de-CH" dirty="0"/>
+              <a:t>-Layer </a:t>
+            </a:r>
+            <a:r>
+              <a:rPr lang="de-CH" dirty="0" smtClean="0">
+                <a:sym typeface="Wingdings" pitchFamily="2" charset="2"/>
+              </a:rPr>
+              <a:t> Unsichtbare Objekte</a:t>
+            </a:r>
+            <a:endParaRPr lang="de-CH" dirty="0" smtClean="0"/>
+          </a:p>
+          <a:p>
+            <a:pPr lvl="2"/>
+            <a:r>
+              <a:rPr lang="de-CH" dirty="0" err="1" smtClean="0"/>
+              <a:t>Tile</a:t>
+            </a:r>
+            <a:r>
+              <a:rPr lang="de-CH" dirty="0" smtClean="0"/>
+              <a:t>-Layer </a:t>
+            </a:r>
+            <a:r>
+              <a:rPr lang="de-CH" dirty="0" smtClean="0">
+                <a:sym typeface="Wingdings" pitchFamily="2" charset="2"/>
+              </a:rPr>
+              <a:t> Sprites</a:t>
+            </a:r>
+            <a:endParaRPr lang="de-CH" dirty="0" smtClean="0"/>
+          </a:p>
+          <a:p>
+            <a:r>
+              <a:rPr lang="de-CH" dirty="0" err="1" smtClean="0"/>
+              <a:t>Tiles</a:t>
+            </a:r>
+            <a:endParaRPr lang="de-CH" dirty="0" smtClean="0"/>
+          </a:p>
+          <a:p>
+            <a:pPr lvl="1"/>
+            <a:r>
+              <a:rPr lang="de-CH" dirty="0" smtClean="0"/>
+              <a:t>Ein Feld in der </a:t>
+            </a:r>
+            <a:r>
+              <a:rPr lang="de-CH" dirty="0" err="1" smtClean="0"/>
+              <a:t>Map</a:t>
+            </a:r>
+            <a:endParaRPr lang="de-CH" dirty="0" smtClean="0"/>
+          </a:p>
+          <a:p>
+            <a:pPr lvl="1"/>
+            <a:r>
+              <a:rPr lang="de-CH" dirty="0" smtClean="0"/>
+              <a:t>Properties </a:t>
+            </a:r>
+            <a:r>
+              <a:rPr lang="de-CH" dirty="0" err="1" smtClean="0"/>
+              <a:t>zuweisbar</a:t>
+            </a:r>
+            <a:endParaRPr lang="de-CH" dirty="0" smtClean="0"/>
           </a:p>
         </p:txBody>
       </p:sp>
     </p:spTree>
     <p:extLst>
       <p:ext uri="{BB962C8B-B14F-4D97-AF65-F5344CB8AC3E}">
-        <p14:creationId xmlns:p14="http://schemas.microsoft.com/office/powerpoint/2010/main" val="1216741519"/>
+        <p14:creationId xmlns:p14="http://schemas.microsoft.com/office/powerpoint/2010/main" xmlns="" val="1752730562"/>
       </p:ext>
     </p:extLst>
   </p:cSld>
   <p:clrMapOvr>
     <a:masterClrMapping/>
   </p:clrMapOvr>
-  <mc:AlternateContent xmlns:mc="http://schemas.openxmlformats.org/markup-compatibility/2006" xmlns:p14="http://schemas.microsoft.com/office/powerpoint/2010/main">
-    <mc:Choice Requires="p14">
+  <mc:AlternateContent xmlns:mc="http://schemas.openxmlformats.org/markup-compatibility/2006">
+    <mc:Choice xmlns:p14="http://schemas.microsoft.com/office/powerpoint/2010/main" xmlns="" Requires="p14">
       <p:transition spd="slow" p14:dur="1200">
         <p14:prism/>
       </p:transition>
     </mc:Choice>
-    <mc:Fallback xmlns="">
-      <p:transition xmlns:p14="http://schemas.microsoft.com/office/powerpoint/2010/main" spd="slow">
+    <mc:Fallback>
+      <p:transition spd="slow">
         <p:fade/>
       </p:transition>
     </mc:Fallback>
@@ -11807,7 +13063,7 @@
   <p:timing>
     <p:tnLst>
       <p:par>
-        <p:cTn xmlns:p14="http://schemas.microsoft.com/office/powerpoint/2010/main" id="1" dur="indefinite" restart="never" nodeType="tmRoot">
+        <p:cTn id="1" dur="indefinite" restart="never" nodeType="tmRoot">
           <p:childTnLst>
             <p:seq concurrent="1" nextAc="seek">
               <p:cTn id="2" dur="indefinite" nodeType="mainSeq">
@@ -12008,171 +13264,27 @@
                       </p:childTnLst>
                     </p:cTn>
                   </p:par>
-                </p:childTnLst>
-              </p:cTn>
-              <p:prevCondLst>
-                <p:cond evt="onPrev" delay="0">
-                  <p:tgtEl>
-                    <p:sldTgt/>
-                  </p:tgtEl>
-                </p:cond>
-              </p:prevCondLst>
-              <p:nextCondLst>
-                <p:cond evt="onNext" delay="0">
-                  <p:tgtEl>
-                    <p:sldTgt/>
-                  </p:tgtEl>
-                </p:cond>
-              </p:nextCondLst>
-            </p:seq>
-          </p:childTnLst>
-        </p:cTn>
-      </p:par>
-    </p:tnLst>
-  </p:timing>
-</p:sld>
-</file>
-
-<file path=ppt/slides/slide25.xml><?xml version="1.0" encoding="utf-8"?>
-<p:sld xmlns:a="http://schemas.openxmlformats.org/drawingml/2006/main" xmlns:r="http://schemas.openxmlformats.org/officeDocument/2006/relationships" xmlns:p="http://schemas.openxmlformats.org/presentationml/2006/main">
-  <p:cSld>
-    <p:spTree>
-      <p:nvGrpSpPr>
-        <p:cNvPr id="1" name=""/>
-        <p:cNvGrpSpPr/>
-        <p:nvPr/>
-      </p:nvGrpSpPr>
-      <p:grpSpPr>
-        <a:xfrm>
-          <a:off x="0" y="0"/>
-          <a:ext cx="0" cy="0"/>
-          <a:chOff x="0" y="0"/>
-          <a:chExt cx="0" cy="0"/>
-        </a:xfrm>
-      </p:grpSpPr>
-      <p:sp>
-        <p:nvSpPr>
-          <p:cNvPr id="2" name="Title 1"/>
-          <p:cNvSpPr>
-            <a:spLocks noGrp="1"/>
-          </p:cNvSpPr>
-          <p:nvPr>
-            <p:ph type="title"/>
-          </p:nvPr>
-        </p:nvSpPr>
-        <p:spPr/>
-        <p:txBody>
-          <a:bodyPr/>
-          <a:lstStyle/>
-          <a:p>
-            <a:r>
-              <a:rPr lang="de-CH" dirty="0" smtClean="0"/>
-              <a:t>Fazit - Ilija</a:t>
-            </a:r>
-            <a:endParaRPr lang="de-CH" dirty="0"/>
-          </a:p>
-        </p:txBody>
-      </p:sp>
-      <p:sp>
-        <p:nvSpPr>
-          <p:cNvPr id="3" name="Content Placeholder 2"/>
-          <p:cNvSpPr>
-            <a:spLocks noGrp="1"/>
-          </p:cNvSpPr>
-          <p:nvPr>
-            <p:ph idx="1"/>
-          </p:nvPr>
-        </p:nvSpPr>
-        <p:spPr/>
-        <p:txBody>
-          <a:bodyPr>
-            <a:normAutofit/>
-          </a:bodyPr>
-          <a:lstStyle/>
-          <a:p>
-            <a:pPr marL="0" indent="0">
-              <a:buNone/>
-            </a:pPr>
-            <a:r>
-              <a:rPr lang="de-CH" sz="4000" b="1" dirty="0" smtClean="0">
-                <a:solidFill>
-                  <a:srgbClr val="405B03"/>
-                </a:solidFill>
-              </a:rPr>
-              <a:t>+</a:t>
-            </a:r>
-          </a:p>
-          <a:p>
-            <a:r>
-              <a:rPr lang="de-CH" dirty="0" smtClean="0"/>
-              <a:t>Sehr interessantes und lehrreiches Projekt</a:t>
-            </a:r>
-          </a:p>
-          <a:p>
-            <a:r>
-              <a:rPr lang="de-CH" dirty="0" smtClean="0"/>
-              <a:t>Verwirklichung eines Kindheitstraums</a:t>
-            </a:r>
-          </a:p>
-          <a:p>
-            <a:r>
-              <a:rPr lang="de-CH" dirty="0" smtClean="0"/>
-              <a:t>Gute Zusammenarbeit</a:t>
-            </a:r>
-          </a:p>
-        </p:txBody>
-      </p:sp>
-    </p:spTree>
-    <p:extLst>
-      <p:ext uri="{BB962C8B-B14F-4D97-AF65-F5344CB8AC3E}">
-        <p14:creationId xmlns:p14="http://schemas.microsoft.com/office/powerpoint/2010/main" val="1306575274"/>
-      </p:ext>
-    </p:extLst>
-  </p:cSld>
-  <p:clrMapOvr>
-    <a:masterClrMapping/>
-  </p:clrMapOvr>
-  <mc:AlternateContent xmlns:mc="http://schemas.openxmlformats.org/markup-compatibility/2006" xmlns:p14="http://schemas.microsoft.com/office/powerpoint/2010/main">
-    <mc:Choice Requires="p14">
-      <p:transition spd="slow" p14:dur="1200">
-        <p14:prism/>
-      </p:transition>
-    </mc:Choice>
-    <mc:Fallback xmlns="">
-      <p:transition xmlns:p14="http://schemas.microsoft.com/office/powerpoint/2010/main" spd="slow">
-        <p:fade/>
-      </p:transition>
-    </mc:Fallback>
-  </mc:AlternateContent>
-  <p:timing>
-    <p:tnLst>
-      <p:par>
-        <p:cTn xmlns:p14="http://schemas.microsoft.com/office/powerpoint/2010/main" id="1" dur="indefinite" restart="never" nodeType="tmRoot">
-          <p:childTnLst>
-            <p:seq concurrent="1" nextAc="seek">
-              <p:cTn id="2" dur="indefinite" nodeType="mainSeq">
-                <p:childTnLst>
                   <p:par>
-                    <p:cTn id="3" fill="hold">
+                    <p:cTn id="19" fill="hold">
                       <p:stCondLst>
                         <p:cond delay="indefinite"/>
                       </p:stCondLst>
                       <p:childTnLst>
                         <p:par>
-                          <p:cTn id="4" fill="hold">
+                          <p:cTn id="20" fill="hold">
                             <p:stCondLst>
                               <p:cond delay="0"/>
                             </p:stCondLst>
                             <p:childTnLst>
                               <p:par>
-                                <p:cTn id="5" presetID="1" presetClass="entr" presetSubtype="0" fill="hold" nodeType="clickEffect">
+                                <p:cTn id="21" presetID="1" presetClass="entr" presetSubtype="0" fill="hold" nodeType="clickEffect">
                                   <p:stCondLst>
                                     <p:cond delay="0"/>
                                   </p:stCondLst>
                                   <p:childTnLst>
                                     <p:set>
                                       <p:cBhvr>
-                                        <p:cTn id="6" dur="1" fill="hold">
+                                        <p:cTn id="22" dur="1" fill="hold">
                                           <p:stCondLst>
                                             <p:cond delay="0"/>
                                           </p:stCondLst>
@@ -12180,7 +13292,7 @@
                                         <p:tgtEl>
                                           <p:spTgt spid="3">
                                             <p:txEl>
-                                              <p:pRg st="1" end="1"/>
+                                              <p:pRg st="4" end="4"/>
                                             </p:txEl>
                                           </p:spTgt>
                                         </p:tgtEl>
@@ -12202,26 +13314,26 @@
                     </p:cTn>
                   </p:par>
                   <p:par>
-                    <p:cTn id="7" fill="hold">
+                    <p:cTn id="23" fill="hold">
                       <p:stCondLst>
                         <p:cond delay="indefinite"/>
                       </p:stCondLst>
                       <p:childTnLst>
                         <p:par>
-                          <p:cTn id="8" fill="hold">
+                          <p:cTn id="24" fill="hold">
                             <p:stCondLst>
                               <p:cond delay="0"/>
                             </p:stCondLst>
                             <p:childTnLst>
                               <p:par>
-                                <p:cTn id="9" presetID="1" presetClass="entr" presetSubtype="0" fill="hold" nodeType="clickEffect">
+                                <p:cTn id="25" presetID="1" presetClass="entr" presetSubtype="0" fill="hold" nodeType="clickEffect">
                                   <p:stCondLst>
                                     <p:cond delay="0"/>
                                   </p:stCondLst>
                                   <p:childTnLst>
                                     <p:set>
                                       <p:cBhvr>
-                                        <p:cTn id="10" dur="1" fill="hold">
+                                        <p:cTn id="26" dur="1" fill="hold">
                                           <p:stCondLst>
                                             <p:cond delay="0"/>
                                           </p:stCondLst>
@@ -12229,7 +13341,7 @@
                                         <p:tgtEl>
                                           <p:spTgt spid="3">
                                             <p:txEl>
-                                              <p:pRg st="2" end="2"/>
+                                              <p:pRg st="5" end="5"/>
                                             </p:txEl>
                                           </p:spTgt>
                                         </p:tgtEl>
@@ -12251,26 +13363,26 @@
                     </p:cTn>
                   </p:par>
                   <p:par>
-                    <p:cTn id="11" fill="hold">
+                    <p:cTn id="27" fill="hold">
                       <p:stCondLst>
                         <p:cond delay="indefinite"/>
                       </p:stCondLst>
                       <p:childTnLst>
                         <p:par>
-                          <p:cTn id="12" fill="hold">
+                          <p:cTn id="28" fill="hold">
                             <p:stCondLst>
                               <p:cond delay="0"/>
                             </p:stCondLst>
                             <p:childTnLst>
                               <p:par>
-                                <p:cTn id="13" presetID="1" presetClass="entr" presetSubtype="0" fill="hold" nodeType="clickEffect">
+                                <p:cTn id="29" presetID="1" presetClass="entr" presetSubtype="0" fill="hold" nodeType="clickEffect">
                                   <p:stCondLst>
                                     <p:cond delay="0"/>
                                   </p:stCondLst>
                                   <p:childTnLst>
                                     <p:set>
                                       <p:cBhvr>
-                                        <p:cTn id="14" dur="1" fill="hold">
+                                        <p:cTn id="30" dur="1" fill="hold">
                                           <p:stCondLst>
                                             <p:cond delay="0"/>
                                           </p:stCondLst>
@@ -12278,7 +13390,154 @@
                                         <p:tgtEl>
                                           <p:spTgt spid="3">
                                             <p:txEl>
-                                              <p:pRg st="3" end="3"/>
+                                              <p:pRg st="6" end="6"/>
+                                            </p:txEl>
+                                          </p:spTgt>
+                                        </p:tgtEl>
+                                        <p:attrNameLst>
+                                          <p:attrName>style.visibility</p:attrName>
+                                        </p:attrNameLst>
+                                      </p:cBhvr>
+                                      <p:to>
+                                        <p:strVal val="visible"/>
+                                      </p:to>
+                                    </p:set>
+                                  </p:childTnLst>
+                                </p:cTn>
+                              </p:par>
+                            </p:childTnLst>
+                          </p:cTn>
+                        </p:par>
+                      </p:childTnLst>
+                    </p:cTn>
+                  </p:par>
+                  <p:par>
+                    <p:cTn id="31" fill="hold">
+                      <p:stCondLst>
+                        <p:cond delay="indefinite"/>
+                      </p:stCondLst>
+                      <p:childTnLst>
+                        <p:par>
+                          <p:cTn id="32" fill="hold">
+                            <p:stCondLst>
+                              <p:cond delay="0"/>
+                            </p:stCondLst>
+                            <p:childTnLst>
+                              <p:par>
+                                <p:cTn id="33" presetID="1" presetClass="entr" presetSubtype="0" fill="hold" nodeType="clickEffect">
+                                  <p:stCondLst>
+                                    <p:cond delay="0"/>
+                                  </p:stCondLst>
+                                  <p:childTnLst>
+                                    <p:set>
+                                      <p:cBhvr>
+                                        <p:cTn id="34" dur="1" fill="hold">
+                                          <p:stCondLst>
+                                            <p:cond delay="0"/>
+                                          </p:stCondLst>
+                                        </p:cTn>
+                                        <p:tgtEl>
+                                          <p:spTgt spid="3">
+                                            <p:txEl>
+                                              <p:pRg st="7" end="7"/>
+                                            </p:txEl>
+                                          </p:spTgt>
+                                        </p:tgtEl>
+                                        <p:attrNameLst>
+                                          <p:attrName>style.visibility</p:attrName>
+                                        </p:attrNameLst>
+                                      </p:cBhvr>
+                                      <p:to>
+                                        <p:strVal val="visible"/>
+                                      </p:to>
+                                    </p:set>
+                                  </p:childTnLst>
+                                </p:cTn>
+                              </p:par>
+                            </p:childTnLst>
+                          </p:cTn>
+                        </p:par>
+                      </p:childTnLst>
+                    </p:cTn>
+                  </p:par>
+                  <p:par>
+                    <p:cTn id="35" fill="hold">
+                      <p:stCondLst>
+                        <p:cond delay="indefinite"/>
+                      </p:stCondLst>
+                      <p:childTnLst>
+                        <p:par>
+                          <p:cTn id="36" fill="hold">
+                            <p:stCondLst>
+                              <p:cond delay="0"/>
+                            </p:stCondLst>
+                            <p:childTnLst>
+                              <p:par>
+                                <p:cTn id="37" presetID="1" presetClass="entr" presetSubtype="0" fill="hold" nodeType="clickEffect">
+                                  <p:stCondLst>
+                                    <p:cond delay="0"/>
+                                  </p:stCondLst>
+                                  <p:childTnLst>
+                                    <p:set>
+                                      <p:cBhvr>
+                                        <p:cTn id="38" dur="1" fill="hold">
+                                          <p:stCondLst>
+                                            <p:cond delay="0"/>
+                                          </p:stCondLst>
+                                        </p:cTn>
+                                        <p:tgtEl>
+                                          <p:spTgt spid="3">
+                                            <p:txEl>
+                                              <p:pRg st="8" end="8"/>
+                                            </p:txEl>
+                                          </p:spTgt>
+                                        </p:tgtEl>
+                                        <p:attrNameLst>
+                                          <p:attrName>style.visibility</p:attrName>
+                                        </p:attrNameLst>
+                                      </p:cBhvr>
+                                      <p:to>
+                                        <p:strVal val="visible"/>
+                                      </p:to>
+                                    </p:set>
+                                  </p:childTnLst>
+                                </p:cTn>
+                              </p:par>
+                            </p:childTnLst>
+                          </p:cTn>
+                        </p:par>
+                      </p:childTnLst>
+                    </p:cTn>
+                  </p:par>
+                  <p:par>
+                    <p:cTn id="39" fill="hold">
+                      <p:stCondLst>
+                        <p:cond delay="indefinite"/>
+                      </p:stCondLst>
+                      <p:childTnLst>
+                        <p:par>
+                          <p:cTn id="40" fill="hold">
+                            <p:stCondLst>
+                              <p:cond delay="0"/>
+                            </p:stCondLst>
+                            <p:childTnLst>
+                              <p:par>
+                                <p:cTn id="41" presetID="1" presetClass="entr" presetSubtype="0" fill="hold" nodeType="clickEffect">
+                                  <p:stCondLst>
+                                    <p:cond delay="0"/>
+                                  </p:stCondLst>
+                                  <p:childTnLst>
+                                    <p:set>
+                                      <p:cBhvr>
+                                        <p:cTn id="42" dur="1" fill="hold">
+                                          <p:stCondLst>
+                                            <p:cond delay="0"/>
+                                          </p:stCondLst>
+                                        </p:cTn>
+                                        <p:tgtEl>
+                                          <p:spTgt spid="3">
+                                            <p:txEl>
+                                              <p:pRg st="9" end="9"/>
                                             </p:txEl>
                                           </p:spTgt>
                                         </p:tgtEl>
@@ -12341,110 +13600,53 @@
           <a:chExt cx="0" cy="0"/>
         </a:xfrm>
       </p:grpSpPr>
-      <p:sp>
-        <p:nvSpPr>
-          <p:cNvPr id="2" name="Title 1"/>
-          <p:cNvSpPr>
-            <a:spLocks noGrp="1"/>
-          </p:cNvSpPr>
-          <p:nvPr>
-            <p:ph type="title"/>
-          </p:nvPr>
-        </p:nvSpPr>
-        <p:spPr/>
-        <p:txBody>
-          <a:bodyPr/>
-          <a:lstStyle/>
-          <a:p>
-            <a:r>
-              <a:rPr lang="de-CH" dirty="0" smtClean="0"/>
-              <a:t>Fazit - Ilija</a:t>
-            </a:r>
-            <a:endParaRPr lang="de-CH" dirty="0"/>
-          </a:p>
-        </p:txBody>
-      </p:sp>
-      <p:sp>
-        <p:nvSpPr>
-          <p:cNvPr id="3" name="Content Placeholder 2"/>
-          <p:cNvSpPr>
-            <a:spLocks noGrp="1"/>
-          </p:cNvSpPr>
-          <p:nvPr>
-            <p:ph idx="1"/>
-          </p:nvPr>
-        </p:nvSpPr>
-        <p:spPr/>
-        <p:txBody>
-          <a:bodyPr>
-            <a:normAutofit/>
-          </a:bodyPr>
-          <a:lstStyle/>
-          <a:p>
-            <a:pPr marL="0" indent="0">
-              <a:buNone/>
-            </a:pPr>
-            <a:r>
-              <a:rPr lang="de-CH" sz="4300" b="1" dirty="0" smtClean="0">
-                <a:solidFill>
-                  <a:srgbClr val="FF0000"/>
-                </a:solidFill>
-              </a:rPr>
-              <a:t>-</a:t>
-            </a:r>
-            <a:endParaRPr lang="de-CH" sz="4300" b="1" dirty="0">
-              <a:solidFill>
-                <a:srgbClr val="FF0000"/>
-              </a:solidFill>
-            </a:endParaRPr>
-          </a:p>
-          <a:p>
-            <a:r>
-              <a:rPr lang="de-CH" dirty="0"/>
-              <a:t>Grosser Zeitdruck</a:t>
-            </a:r>
-          </a:p>
-          <a:p>
-            <a:r>
-              <a:rPr lang="de-CH" dirty="0"/>
-              <a:t>Nicht vermarkt bar aufgrund des </a:t>
-            </a:r>
-            <a:r>
-              <a:rPr lang="de-CH" dirty="0" smtClean="0"/>
-              <a:t>Copyrights</a:t>
-            </a:r>
-          </a:p>
-          <a:p>
-            <a:pPr lvl="1"/>
-            <a:r>
-              <a:rPr lang="de-CH" sz="2000" dirty="0" smtClean="0"/>
-              <a:t>Hätte </a:t>
-            </a:r>
-            <a:r>
-              <a:rPr lang="de-CH" sz="2000" dirty="0"/>
-              <a:t>sich gut verkauft</a:t>
-            </a:r>
-          </a:p>
-        </p:txBody>
-      </p:sp>
+      <p:pic>
+        <p:nvPicPr>
+          <p:cNvPr id="4" name="Bild 3" descr="Bildschirmfoto 2013-06-02 um 16.26.37.png"/>
+          <p:cNvPicPr>
+            <a:picLocks noChangeAspect="1"/>
+          </p:cNvPicPr>
+          <p:nvPr/>
+        </p:nvPicPr>
+        <p:blipFill rotWithShape="1">
+          <a:blip r:embed="rId2" cstate="print">
+            <a:extLst>
+              <a:ext uri="{28A0092B-C50C-407E-A947-70E740481C1C}">
+                <a14:useLocalDpi xmlns:a14="http://schemas.microsoft.com/office/drawing/2010/main" xmlns="" val="0"/>
+              </a:ext>
+            </a:extLst>
+          </a:blip>
+          <a:srcRect t="5450" r="32897" b="36989"/>
+          <a:stretch/>
+        </p:blipFill>
+        <p:spPr>
+          <a:xfrm>
+            <a:off x="531756" y="1262944"/>
+            <a:ext cx="8080489" cy="4332112"/>
+          </a:xfrm>
+          <a:prstGeom prst="rect">
+            <a:avLst/>
+          </a:prstGeom>
+        </p:spPr>
+      </p:pic>
     </p:spTree>
     <p:extLst>
       <p:ext uri="{BB962C8B-B14F-4D97-AF65-F5344CB8AC3E}">
-        <p14:creationId xmlns:p14="http://schemas.microsoft.com/office/powerpoint/2010/main" val="1090883704"/>
+        <p14:creationId xmlns:p14="http://schemas.microsoft.com/office/powerpoint/2010/main" xmlns="" val="1707540623"/>
       </p:ext>
     </p:extLst>
   </p:cSld>
   <p:clrMapOvr>
     <a:masterClrMapping/>
   </p:clrMapOvr>
-  <mc:AlternateContent xmlns:mc="http://schemas.openxmlformats.org/markup-compatibility/2006" xmlns:p14="http://schemas.microsoft.com/office/powerpoint/2010/main">
-    <mc:Choice Requires="p14">
+  <mc:AlternateContent xmlns:mc="http://schemas.openxmlformats.org/markup-compatibility/2006">
+    <mc:Choice xmlns:p14="http://schemas.microsoft.com/office/powerpoint/2010/main" xmlns="" Requires="p14">
       <p:transition spd="slow" p14:dur="1200">
         <p14:prism/>
       </p:transition>
     </mc:Choice>
-    <mc:Fallback xmlns="">
-      <p:transition xmlns:p14="http://schemas.microsoft.com/office/powerpoint/2010/main" spd="slow">
+    <mc:Fallback>
+      <p:transition spd="slow">
         <p:fade/>
       </p:transition>
     </mc:Fallback>
@@ -12452,7 +13654,7 @@
   <p:timing>
     <p:tnLst>
       <p:par>
-        <p:cTn xmlns:p14="http://schemas.microsoft.com/office/powerpoint/2010/main" id="1" dur="indefinite" restart="never" nodeType="tmRoot">
+        <p:cTn id="1" dur="indefinite" restart="never" nodeType="tmRoot">
           <p:childTnLst>
             <p:seq concurrent="1" nextAc="seek">
               <p:cTn id="2" dur="indefinite" nodeType="mainSeq">
@@ -12483,109 +13685,7 @@
                                           </p:stCondLst>
                                         </p:cTn>
                                         <p:tgtEl>
-                                          <p:spTgt spid="3">
-                                            <p:txEl>
-                                              <p:pRg st="1" end="1"/>
-                                            </p:txEl>
-                                          </p:spTgt>
-                                        </p:tgtEl>
-                                        <p:attrNameLst>
-                                          <p:attrName>style.visibility</p:attrName>
-                                        </p:attrNameLst>
-                                      </p:cBhvr>
-                                      <p:to>
-                                        <p:strVal val="visible"/>
-                                      </p:to>
-                                    </p:set>
-                                  </p:childTnLst>
-                                </p:cTn>
-                              </p:par>
-                            </p:childTnLst>
-                          </p:cTn>
-                        </p:par>
-                      </p:childTnLst>
-                    </p:cTn>
-                  </p:par>
-                  <p:par>
-                    <p:cTn id="7" fill="hold">
-                      <p:stCondLst>
-                        <p:cond delay="indefinite"/>
-                      </p:stCondLst>
-                      <p:childTnLst>
-                        <p:par>
-                          <p:cTn id="8" fill="hold">
-                            <p:stCondLst>
-                              <p:cond delay="0"/>
-                            </p:stCondLst>
-                            <p:childTnLst>
-                              <p:par>
-                                <p:cTn id="9" presetID="1" presetClass="entr" presetSubtype="0" fill="hold" nodeType="clickEffect">
-                                  <p:stCondLst>
-                                    <p:cond delay="0"/>
-                                  </p:stCondLst>
-                                  <p:childTnLst>
-                                    <p:set>
-                                      <p:cBhvr>
-                                        <p:cTn id="10" dur="1" fill="hold">
-                                          <p:stCondLst>
-                                            <p:cond delay="0"/>
-                                          </p:stCondLst>
-                                        </p:cTn>
-                                        <p:tgtEl>
-                                          <p:spTgt spid="3">
-                                            <p:txEl>
-                                              <p:pRg st="2" end="2"/>
-                                            </p:txEl>
-                                          </p:spTgt>
-                                        </p:tgtEl>
-                                        <p:attrNameLst>
-                                          <p:attrName>style.visibility</p:attrName>
-                                        </p:attrNameLst>
-                                      </p:cBhvr>
-                                      <p:to>
-                                        <p:strVal val="visible"/>
-                                      </p:to>
-                                    </p:set>
-                                  </p:childTnLst>
-                                </p:cTn>
-                              </p:par>
-                            </p:childTnLst>
-                          </p:cTn>
-                        </p:par>
-                      </p:childTnLst>
-                    </p:cTn>
-                  </p:par>
-                  <p:par>
-                    <p:cTn id="11" fill="hold">
-                      <p:stCondLst>
-                        <p:cond delay="indefinite"/>
-                      </p:stCondLst>
-                      <p:childTnLst>
-                        <p:par>
-                          <p:cTn id="12" fill="hold">
-                            <p:stCondLst>
-                              <p:cond delay="0"/>
-                            </p:stCondLst>
-                            <p:childTnLst>
-                              <p:par>
-                                <p:cTn id="13" presetID="1" presetClass="entr" presetSubtype="0" fill="hold" nodeType="clickEffect">
-                                  <p:stCondLst>
-                                    <p:cond delay="0"/>
-                                  </p:stCondLst>
-                                  <p:childTnLst>
-                                    <p:set>
-                                      <p:cBhvr>
-                                        <p:cTn id="14" dur="1" fill="hold">
-                                          <p:stCondLst>
-                                            <p:cond delay="0"/>
-                                          </p:stCondLst>
-                                        </p:cTn>
-                                        <p:tgtEl>
-                                          <p:spTgt spid="3">
-                                            <p:txEl>
-                                              <p:pRg st="3" end="3"/>
-                                            </p:txEl>
-                                          </p:spTgt>
+                                          <p:spTgt spid="4"/>
                                         </p:tgtEl>
                                         <p:attrNameLst>
                                           <p:attrName>style.visibility</p:attrName>
@@ -12646,96 +13746,128 @@
           <a:chExt cx="0" cy="0"/>
         </a:xfrm>
       </p:grpSpPr>
-      <p:sp>
-        <p:nvSpPr>
-          <p:cNvPr id="2" name="Title 1"/>
-          <p:cNvSpPr>
-            <a:spLocks noGrp="1"/>
-          </p:cNvSpPr>
-          <p:nvPr>
-            <p:ph type="title"/>
-          </p:nvPr>
-        </p:nvSpPr>
-        <p:spPr/>
-        <p:txBody>
-          <a:bodyPr/>
-          <a:lstStyle/>
-          <a:p>
-            <a:r>
-              <a:rPr lang="de-CH" dirty="0" smtClean="0"/>
-              <a:t>Fazit - Lukas</a:t>
-            </a:r>
-            <a:endParaRPr lang="de-CH" dirty="0"/>
-          </a:p>
-        </p:txBody>
-      </p:sp>
-      <p:sp>
-        <p:nvSpPr>
-          <p:cNvPr id="3" name="Content Placeholder 2"/>
-          <p:cNvSpPr>
-            <a:spLocks noGrp="1"/>
-          </p:cNvSpPr>
-          <p:nvPr>
-            <p:ph idx="1"/>
-          </p:nvPr>
-        </p:nvSpPr>
-        <p:spPr/>
-        <p:txBody>
-          <a:bodyPr>
-            <a:normAutofit/>
-          </a:bodyPr>
-          <a:lstStyle/>
-          <a:p>
-            <a:pPr marL="0" indent="0">
-              <a:buNone/>
-            </a:pPr>
-            <a:r>
-              <a:rPr lang="de-CH" sz="4000" b="1" dirty="0" smtClean="0">
-                <a:solidFill>
-                  <a:srgbClr val="405B03"/>
-                </a:solidFill>
-              </a:rPr>
-              <a:t>+</a:t>
-            </a:r>
-          </a:p>
-          <a:p>
-            <a:r>
-              <a:rPr lang="de-CH" dirty="0" smtClean="0"/>
-              <a:t>Lernen an echtem Projekt</a:t>
-            </a:r>
-          </a:p>
-          <a:p>
-            <a:r>
-              <a:rPr lang="de-CH" dirty="0" smtClean="0"/>
-              <a:t>Gute gegenseitige Unterstützung</a:t>
-            </a:r>
-          </a:p>
-          <a:p>
-            <a:r>
-              <a:rPr lang="de-CH" dirty="0" smtClean="0"/>
-              <a:t>Grundstein für Zukunft</a:t>
-            </a:r>
-          </a:p>
-        </p:txBody>
-      </p:sp>
+      <p:pic>
+        <p:nvPicPr>
+          <p:cNvPr id="55298" name="Picture 2"/>
+          <p:cNvPicPr>
+            <a:picLocks noChangeAspect="1" noChangeArrowheads="1"/>
+          </p:cNvPicPr>
+          <p:nvPr/>
+        </p:nvPicPr>
+        <p:blipFill>
+          <a:blip r:embed="rId2" cstate="print"/>
+          <a:srcRect/>
+          <a:stretch>
+            <a:fillRect/>
+          </a:stretch>
+        </p:blipFill>
+        <p:spPr bwMode="auto">
+          <a:xfrm>
+            <a:off x="739548" y="1451655"/>
+            <a:ext cx="3622061" cy="3062288"/>
+          </a:xfrm>
+          <a:prstGeom prst="rect">
+            <a:avLst/>
+          </a:prstGeom>
+          <a:noFill/>
+          <a:ln w="9525">
+            <a:noFill/>
+            <a:miter lim="800000"/>
+            <a:headEnd/>
+            <a:tailEnd/>
+          </a:ln>
+          <a:effectLst/>
+        </p:spPr>
+      </p:pic>
+      <p:pic>
+        <p:nvPicPr>
+          <p:cNvPr id="55299" name="Picture 3"/>
+          <p:cNvPicPr>
+            <a:picLocks noChangeAspect="1" noChangeArrowheads="1"/>
+          </p:cNvPicPr>
+          <p:nvPr/>
+        </p:nvPicPr>
+        <p:blipFill>
+          <a:blip r:embed="rId3" cstate="print"/>
+          <a:srcRect/>
+          <a:stretch>
+            <a:fillRect/>
+          </a:stretch>
+        </p:blipFill>
+        <p:spPr bwMode="auto">
+          <a:xfrm>
+            <a:off x="2978763" y="2379662"/>
+            <a:ext cx="5395979" cy="3838750"/>
+          </a:xfrm>
+          <a:prstGeom prst="rect">
+            <a:avLst/>
+          </a:prstGeom>
+          <a:noFill/>
+          <a:ln w="9525">
+            <a:noFill/>
+            <a:miter lim="800000"/>
+            <a:headEnd/>
+            <a:tailEnd/>
+          </a:ln>
+          <a:effectLst/>
+        </p:spPr>
+      </p:pic>
+      <p:cxnSp>
+        <p:nvCxnSpPr>
+          <p:cNvPr id="6" name="Straight Arrow Connector 5"/>
+          <p:cNvCxnSpPr/>
+          <p:nvPr/>
+        </p:nvCxnSpPr>
+        <p:spPr>
+          <a:xfrm>
+            <a:off x="1785257" y="2177143"/>
+            <a:ext cx="2765038" cy="725714"/>
+          </a:xfrm>
+          <a:prstGeom prst="straightConnector1">
+            <a:avLst/>
+          </a:prstGeom>
+          <a:ln w="76200">
+            <a:solidFill>
+              <a:srgbClr val="FF0000"/>
+            </a:solidFill>
+            <a:tailEnd type="arrow"/>
+          </a:ln>
+          <a:effectLst>
+            <a:outerShdw blurRad="50800" dist="38100" dir="5400000" algn="t" rotWithShape="0">
+              <a:prstClr val="black">
+                <a:alpha val="40000"/>
+              </a:prstClr>
+            </a:outerShdw>
+          </a:effectLst>
+        </p:spPr>
+        <p:style>
+          <a:lnRef idx="2">
+            <a:schemeClr val="accent1"/>
+          </a:lnRef>
+          <a:fillRef idx="0">
+            <a:schemeClr val="accent1"/>
+          </a:fillRef>
+          <a:effectRef idx="1">
+            <a:schemeClr val="accent1"/>
+          </a:effectRef>
+          <a:fontRef idx="minor">
+            <a:schemeClr val="tx1"/>
+          </a:fontRef>
+        </p:style>
+      </p:cxnSp>
     </p:spTree>
-    <p:extLst>
-      <p:ext uri="{BB962C8B-B14F-4D97-AF65-F5344CB8AC3E}">
-        <p14:creationId xmlns:p14="http://schemas.microsoft.com/office/powerpoint/2010/main" val="1165028694"/>
-      </p:ext>
-    </p:extLst>
   </p:cSld>
   <p:clrMapOvr>
     <a:masterClrMapping/>
   </p:clrMapOvr>
-  <mc:AlternateContent xmlns:mc="http://schemas.openxmlformats.org/markup-compatibility/2006" xmlns:p14="http://schemas.microsoft.com/office/powerpoint/2010/main">
-    <mc:Choice Requires="p14">
+  <mc:AlternateContent xmlns:mc="http://schemas.openxmlformats.org/markup-compatibility/2006">
+    <mc:Choice xmlns:p14="http://schemas.microsoft.com/office/powerpoint/2010/main" xmlns="" Requires="p14">
       <p:transition spd="slow" p14:dur="1200">
         <p14:prism/>
       </p:transition>
     </mc:Choice>
-    <mc:Fallback xmlns="">
-      <p:transition xmlns:p14="http://schemas.microsoft.com/office/powerpoint/2010/main" spd="slow">
+    <mc:Fallback>
+      <p:transition spd="slow">
         <p:fade/>
       </p:transition>
     </mc:Fallback>
@@ -12743,7 +13875,7 @@
   <p:timing>
     <p:tnLst>
       <p:par>
-        <p:cTn xmlns:p14="http://schemas.microsoft.com/office/powerpoint/2010/main" id="1" dur="indefinite" restart="never" nodeType="tmRoot">
+        <p:cTn id="1" dur="indefinite" restart="never" nodeType="tmRoot">
           <p:childTnLst>
             <p:seq concurrent="1" nextAc="seek">
               <p:cTn id="2" dur="indefinite" nodeType="mainSeq">
@@ -12774,11 +13906,7 @@
                                           </p:stCondLst>
                                         </p:cTn>
                                         <p:tgtEl>
-                                          <p:spTgt spid="3">
-                                            <p:txEl>
-                                              <p:pRg st="1" end="1"/>
-                                            </p:txEl>
-                                          </p:spTgt>
+                                          <p:spTgt spid="6"/>
                                         </p:tgtEl>
                                         <p:attrNameLst>
                                           <p:attrName>style.visibility</p:attrName>
@@ -12823,60 +13951,7 @@
                                           </p:stCondLst>
                                         </p:cTn>
                                         <p:tgtEl>
-                                          <p:spTgt spid="3">
-                                            <p:txEl>
-                                              <p:pRg st="2" end="2"/>
-                                            </p:txEl>
-                                          </p:spTgt>
-                                        </p:tgtEl>
-                                        <p:attrNameLst>
-                                          <p:attrName>style.visibility</p:attrName>
-                                        </p:attrNameLst>
-                                      </p:cBhvr>
-                                      <p:to>
-                                        <p:strVal val="visible"/>
-                                      </p:to>
-                                    </p:set>
-                                  </p:childTnLst>
-                                </p:cTn>
-                              </p:par>
-                            </p:childTnLst>
-                          </p:cTn>
-                        </p:par>
-                      </p:childTnLst>
-                    </p:cTn>
-                  </p:par>
-                  <p:par>
-                    <p:cTn id="11" fill="hold">
-                      <p:stCondLst>
-                        <p:cond delay="indefinite"/>
-                      </p:stCondLst>
-                      <p:childTnLst>
-                        <p:par>
-                          <p:cTn id="12" fill="hold">
-                            <p:stCondLst>
-                              <p:cond delay="0"/>
-                            </p:stCondLst>
-                            <p:childTnLst>
-                              <p:par>
-                                <p:cTn id="13" presetID="1" presetClass="entr" presetSubtype="0" fill="hold" nodeType="clickEffect">
-                                  <p:stCondLst>
-                                    <p:cond delay="0"/>
-                                  </p:stCondLst>
-                                  <p:childTnLst>
-                                    <p:set>
-                                      <p:cBhvr>
-                                        <p:cTn id="14" dur="1" fill="hold">
-                                          <p:stCondLst>
-                                            <p:cond delay="0"/>
-                                          </p:stCondLst>
-                                        </p:cTn>
-                                        <p:tgtEl>
-                                          <p:spTgt spid="3">
-                                            <p:txEl>
-                                              <p:pRg st="3" end="3"/>
-                                            </p:txEl>
-                                          </p:spTgt>
+                                          <p:spTgt spid="55299"/>
                                         </p:tgtEl>
                                         <p:attrNameLst>
                                           <p:attrName>style.visibility</p:attrName>
@@ -12937,6 +14012,83 @@
           <a:chExt cx="0" cy="0"/>
         </a:xfrm>
       </p:grpSpPr>
+      <p:pic>
+        <p:nvPicPr>
+          <p:cNvPr id="2" name="Picture 4"/>
+          <p:cNvPicPr>
+            <a:picLocks noChangeAspect="1" noChangeArrowheads="1"/>
+          </p:cNvPicPr>
+          <p:nvPr/>
+        </p:nvPicPr>
+        <p:blipFill>
+          <a:blip r:embed="rId2" cstate="print"/>
+          <a:srcRect/>
+          <a:stretch>
+            <a:fillRect/>
+          </a:stretch>
+        </p:blipFill>
+        <p:spPr bwMode="auto">
+          <a:xfrm>
+            <a:off x="557294" y="1828801"/>
+            <a:ext cx="8043114" cy="3852584"/>
+          </a:xfrm>
+          <a:prstGeom prst="rect">
+            <a:avLst/>
+          </a:prstGeom>
+          <a:noFill/>
+          <a:ln w="9525">
+            <a:noFill/>
+            <a:miter lim="800000"/>
+            <a:headEnd/>
+            <a:tailEnd/>
+          </a:ln>
+          <a:effectLst/>
+        </p:spPr>
+      </p:pic>
+    </p:spTree>
+  </p:cSld>
+  <p:clrMapOvr>
+    <a:masterClrMapping/>
+  </p:clrMapOvr>
+  <mc:AlternateContent xmlns:mc="http://schemas.openxmlformats.org/markup-compatibility/2006">
+    <mc:Choice xmlns:p14="http://schemas.microsoft.com/office/powerpoint/2010/main" xmlns="" Requires="p14">
+      <p:transition spd="slow" p14:dur="1200">
+        <p14:prism/>
+      </p:transition>
+    </mc:Choice>
+    <mc:Fallback>
+      <p:transition spd="slow">
+        <p:fade/>
+      </p:transition>
+    </mc:Fallback>
+  </mc:AlternateContent>
+  <p:timing>
+    <p:tnLst>
+      <p:par>
+        <p:cTn id="1" dur="indefinite" restart="never" nodeType="tmRoot"/>
+      </p:par>
+    </p:tnLst>
+  </p:timing>
+</p:sld>
+</file>
+
+<file path=ppt/slides/slide29.xml><?xml version="1.0" encoding="utf-8"?>
+<p:sld xmlns:a="http://schemas.openxmlformats.org/drawingml/2006/main" xmlns:r="http://schemas.openxmlformats.org/officeDocument/2006/relationships" xmlns:p="http://schemas.openxmlformats.org/presentationml/2006/main">
+  <p:cSld>
+    <p:spTree>
+      <p:nvGrpSpPr>
+        <p:cNvPr id="1" name=""/>
+        <p:cNvGrpSpPr/>
+        <p:nvPr/>
+      </p:nvGrpSpPr>
+      <p:grpSpPr>
+        <a:xfrm>
+          <a:off x="0" y="0"/>
+          <a:ext cx="0" cy="0"/>
+          <a:chOff x="0" y="0"/>
+          <a:chExt cx="0" cy="0"/>
+        </a:xfrm>
+      </p:grpSpPr>
       <p:sp>
         <p:nvSpPr>
           <p:cNvPr id="2" name="Title 1"/>
@@ -12954,7 +14106,7 @@
           <a:p>
             <a:r>
               <a:rPr lang="de-CH" dirty="0" smtClean="0"/>
-              <a:t>Fazit - Lukas</a:t>
+              <a:t>Performance-Probleme</a:t>
             </a:r>
             <a:endParaRPr lang="de-CH" dirty="0"/>
           </a:p>
@@ -12972,54 +14124,75 @@
         </p:nvSpPr>
         <p:spPr/>
         <p:txBody>
-          <a:bodyPr>
-            <a:normAutofit/>
-          </a:bodyPr>
+          <a:bodyPr/>
           <a:lstStyle/>
           <a:p>
-            <a:pPr marL="0" indent="0">
-              <a:buNone/>
-            </a:pPr>
-            <a:r>
-              <a:rPr lang="de-CH" sz="4300" b="1" dirty="0" smtClean="0">
-                <a:solidFill>
-                  <a:srgbClr val="FF0000"/>
-                </a:solidFill>
-              </a:rPr>
-              <a:t>-</a:t>
-            </a:r>
-            <a:endParaRPr lang="de-CH" sz="4300" b="1" dirty="0">
-              <a:solidFill>
-                <a:srgbClr val="FF0000"/>
-              </a:solidFill>
-            </a:endParaRPr>
-          </a:p>
-          <a:p>
+            <a:r>
+              <a:rPr lang="de-CH" dirty="0" err="1" smtClean="0"/>
+              <a:t>Grosse</a:t>
+            </a:r>
             <a:r>
               <a:rPr lang="de-CH" dirty="0" smtClean="0"/>
-              <a:t>Zeitdruck durch hohe Ziele</a:t>
-            </a:r>
+              <a:t> </a:t>
+            </a:r>
+            <a:r>
+              <a:rPr lang="de-CH" dirty="0" err="1" smtClean="0"/>
+              <a:t>Map</a:t>
+            </a:r>
+            <a:endParaRPr lang="de-CH" dirty="0" smtClean="0"/>
+          </a:p>
+          <a:p>
+            <a:pPr lvl="1"/>
+            <a:r>
+              <a:rPr lang="de-CH" dirty="0" smtClean="0"/>
+              <a:t>Viele Objekte im Speicher</a:t>
+            </a:r>
+          </a:p>
+          <a:p>
+            <a:pPr lvl="2"/>
+            <a:r>
+              <a:rPr lang="de-CH" dirty="0" smtClean="0"/>
+              <a:t>Aufwändige </a:t>
+            </a:r>
+            <a:r>
+              <a:rPr lang="de-CH" dirty="0" err="1" smtClean="0"/>
+              <a:t>Collision-Detection</a:t>
+            </a:r>
+            <a:endParaRPr lang="de-CH" dirty="0" smtClean="0"/>
+          </a:p>
+          <a:p>
+            <a:r>
+              <a:rPr lang="de-CH" dirty="0" smtClean="0"/>
+              <a:t>Lösung</a:t>
+            </a:r>
+          </a:p>
+          <a:p>
+            <a:pPr lvl="1"/>
+            <a:r>
+              <a:rPr lang="de-CH" dirty="0" smtClean="0"/>
+              <a:t>Dynamisches Lesen der </a:t>
+            </a:r>
+            <a:r>
+              <a:rPr lang="de-CH" dirty="0" err="1" smtClean="0"/>
+              <a:t>Tile-Map</a:t>
+            </a:r>
+            <a:endParaRPr lang="de-CH" dirty="0" smtClean="0"/>
           </a:p>
         </p:txBody>
       </p:sp>
     </p:spTree>
-    <p:extLst>
-      <p:ext uri="{BB962C8B-B14F-4D97-AF65-F5344CB8AC3E}">
-        <p14:creationId xmlns:p14="http://schemas.microsoft.com/office/powerpoint/2010/main" val="1190527043"/>
-      </p:ext>
-    </p:extLst>
   </p:cSld>
   <p:clrMapOvr>
     <a:masterClrMapping/>
   </p:clrMapOvr>
-  <mc:AlternateContent xmlns:mc="http://schemas.openxmlformats.org/markup-compatibility/2006" xmlns:p14="http://schemas.microsoft.com/office/powerpoint/2010/main">
-    <mc:Choice Requires="p14">
+  <mc:AlternateContent xmlns:mc="http://schemas.openxmlformats.org/markup-compatibility/2006">
+    <mc:Choice xmlns:p14="http://schemas.microsoft.com/office/powerpoint/2010/main" xmlns="" Requires="p14">
       <p:transition spd="slow" p14:dur="1200">
         <p14:prism/>
       </p:transition>
     </mc:Choice>
-    <mc:Fallback xmlns="">
-      <p:transition xmlns:p14="http://schemas.microsoft.com/office/powerpoint/2010/main" spd="slow">
+    <mc:Fallback>
+      <p:transition spd="slow">
         <p:fade/>
       </p:transition>
     </mc:Fallback>
@@ -13027,7 +14200,7 @@
   <p:timing>
     <p:tnLst>
       <p:par>
-        <p:cTn xmlns:p14="http://schemas.microsoft.com/office/powerpoint/2010/main" id="1" dur="indefinite" restart="never" nodeType="tmRoot">
+        <p:cTn id="1" dur="indefinite" restart="never" nodeType="tmRoot">
           <p:childTnLst>
             <p:seq concurrent="1" nextAc="seek">
               <p:cTn id="2" dur="indefinite" nodeType="mainSeq">
@@ -13060,7 +14233,203 @@
                                         <p:tgtEl>
                                           <p:spTgt spid="3">
                                             <p:txEl>
+                                              <p:pRg st="0" end="0"/>
+                                            </p:txEl>
+                                          </p:spTgt>
+                                        </p:tgtEl>
+                                        <p:attrNameLst>
+                                          <p:attrName>style.visibility</p:attrName>
+                                        </p:attrNameLst>
+                                      </p:cBhvr>
+                                      <p:to>
+                                        <p:strVal val="visible"/>
+                                      </p:to>
+                                    </p:set>
+                                  </p:childTnLst>
+                                </p:cTn>
+                              </p:par>
+                            </p:childTnLst>
+                          </p:cTn>
+                        </p:par>
+                      </p:childTnLst>
+                    </p:cTn>
+                  </p:par>
+                  <p:par>
+                    <p:cTn id="7" fill="hold">
+                      <p:stCondLst>
+                        <p:cond delay="indefinite"/>
+                      </p:stCondLst>
+                      <p:childTnLst>
+                        <p:par>
+                          <p:cTn id="8" fill="hold">
+                            <p:stCondLst>
+                              <p:cond delay="0"/>
+                            </p:stCondLst>
+                            <p:childTnLst>
+                              <p:par>
+                                <p:cTn id="9" presetID="1" presetClass="entr" presetSubtype="0" fill="hold" nodeType="clickEffect">
+                                  <p:stCondLst>
+                                    <p:cond delay="0"/>
+                                  </p:stCondLst>
+                                  <p:childTnLst>
+                                    <p:set>
+                                      <p:cBhvr>
+                                        <p:cTn id="10" dur="1" fill="hold">
+                                          <p:stCondLst>
+                                            <p:cond delay="0"/>
+                                          </p:stCondLst>
+                                        </p:cTn>
+                                        <p:tgtEl>
+                                          <p:spTgt spid="3">
+                                            <p:txEl>
                                               <p:pRg st="1" end="1"/>
+                                            </p:txEl>
+                                          </p:spTgt>
+                                        </p:tgtEl>
+                                        <p:attrNameLst>
+                                          <p:attrName>style.visibility</p:attrName>
+                                        </p:attrNameLst>
+                                      </p:cBhvr>
+                                      <p:to>
+                                        <p:strVal val="visible"/>
+                                      </p:to>
+                                    </p:set>
+                                  </p:childTnLst>
+                                </p:cTn>
+                              </p:par>
+                            </p:childTnLst>
+                          </p:cTn>
+                        </p:par>
+                      </p:childTnLst>
+                    </p:cTn>
+                  </p:par>
+                  <p:par>
+                    <p:cTn id="11" fill="hold">
+                      <p:stCondLst>
+                        <p:cond delay="indefinite"/>
+                      </p:stCondLst>
+                      <p:childTnLst>
+                        <p:par>
+                          <p:cTn id="12" fill="hold">
+                            <p:stCondLst>
+                              <p:cond delay="0"/>
+                            </p:stCondLst>
+                            <p:childTnLst>
+                              <p:par>
+                                <p:cTn id="13" presetID="1" presetClass="entr" presetSubtype="0" fill="hold" nodeType="clickEffect">
+                                  <p:stCondLst>
+                                    <p:cond delay="0"/>
+                                  </p:stCondLst>
+                                  <p:childTnLst>
+                                    <p:set>
+                                      <p:cBhvr>
+                                        <p:cTn id="14" dur="1" fill="hold">
+                                          <p:stCondLst>
+                                            <p:cond delay="0"/>
+                                          </p:stCondLst>
+                                        </p:cTn>
+                                        <p:tgtEl>
+                                          <p:spTgt spid="3">
+                                            <p:txEl>
+                                              <p:pRg st="2" end="2"/>
+                                            </p:txEl>
+                                          </p:spTgt>
+                                        </p:tgtEl>
+                                        <p:attrNameLst>
+                                          <p:attrName>style.visibility</p:attrName>
+                                        </p:attrNameLst>
+                                      </p:cBhvr>
+                                      <p:to>
+                                        <p:strVal val="visible"/>
+                                      </p:to>
+                                    </p:set>
+                                  </p:childTnLst>
+                                </p:cTn>
+                              </p:par>
+                            </p:childTnLst>
+                          </p:cTn>
+                        </p:par>
+                      </p:childTnLst>
+                    </p:cTn>
+                  </p:par>
+                  <p:par>
+                    <p:cTn id="15" fill="hold">
+                      <p:stCondLst>
+                        <p:cond delay="indefinite"/>
+                      </p:stCondLst>
+                      <p:childTnLst>
+                        <p:par>
+                          <p:cTn id="16" fill="hold">
+                            <p:stCondLst>
+                              <p:cond delay="0"/>
+                            </p:stCondLst>
+                            <p:childTnLst>
+                              <p:par>
+                                <p:cTn id="17" presetID="1" presetClass="entr" presetSubtype="0" fill="hold" nodeType="clickEffect">
+                                  <p:stCondLst>
+                                    <p:cond delay="0"/>
+                                  </p:stCondLst>
+                                  <p:childTnLst>
+                                    <p:set>
+                                      <p:cBhvr>
+                                        <p:cTn id="18" dur="1" fill="hold">
+                                          <p:stCondLst>
+                                            <p:cond delay="0"/>
+                                          </p:stCondLst>
+                                        </p:cTn>
+                                        <p:tgtEl>
+                                          <p:spTgt spid="3">
+                                            <p:txEl>
+                                              <p:pRg st="3" end="3"/>
+                                            </p:txEl>
+                                          </p:spTgt>
+                                        </p:tgtEl>
+                                        <p:attrNameLst>
+                                          <p:attrName>style.visibility</p:attrName>
+                                        </p:attrNameLst>
+                                      </p:cBhvr>
+                                      <p:to>
+                                        <p:strVal val="visible"/>
+                                      </p:to>
+                                    </p:set>
+                                  </p:childTnLst>
+                                </p:cTn>
+                              </p:par>
+                            </p:childTnLst>
+                          </p:cTn>
+                        </p:par>
+                      </p:childTnLst>
+                    </p:cTn>
+                  </p:par>
+                  <p:par>
+                    <p:cTn id="19" fill="hold">
+                      <p:stCondLst>
+                        <p:cond delay="indefinite"/>
+                      </p:stCondLst>
+                      <p:childTnLst>
+                        <p:par>
+                          <p:cTn id="20" fill="hold">
+                            <p:stCondLst>
+                              <p:cond delay="0"/>
+                            </p:stCondLst>
+                            <p:childTnLst>
+                              <p:par>
+                                <p:cTn id="21" presetID="1" presetClass="entr" presetSubtype="0" fill="hold" nodeType="clickEffect">
+                                  <p:stCondLst>
+                                    <p:cond delay="0"/>
+                                  </p:stCondLst>
+                                  <p:childTnLst>
+                                    <p:set>
+                                      <p:cBhvr>
+                                        <p:cTn id="22" dur="1" fill="hold">
+                                          <p:stCondLst>
+                                            <p:cond delay="0"/>
+                                          </p:stCondLst>
+                                        </p:cTn>
+                                        <p:tgtEl>
+                                          <p:spTgt spid="3">
+                                            <p:txEl>
+                                              <p:pRg st="4" end="4"/>
                                             </p:txEl>
                                           </p:spTgt>
                                         </p:tgtEl>
@@ -13106,99 +14475,6 @@
 </p:sld>
 </file>
 
-<file path=ppt/slides/slide29.xml><?xml version="1.0" encoding="utf-8"?>
-<p:sld xmlns:a="http://schemas.openxmlformats.org/drawingml/2006/main" xmlns:r="http://schemas.openxmlformats.org/officeDocument/2006/relationships" xmlns:p="http://schemas.openxmlformats.org/presentationml/2006/main">
-  <p:cSld>
-    <p:spTree>
-      <p:nvGrpSpPr>
-        <p:cNvPr id="1" name=""/>
-        <p:cNvGrpSpPr/>
-        <p:nvPr/>
-      </p:nvGrpSpPr>
-      <p:grpSpPr>
-        <a:xfrm>
-          <a:off x="0" y="0"/>
-          <a:ext cx="0" cy="0"/>
-          <a:chOff x="0" y="0"/>
-          <a:chExt cx="0" cy="0"/>
-        </a:xfrm>
-      </p:grpSpPr>
-      <p:sp>
-        <p:nvSpPr>
-          <p:cNvPr id="2" name="Titel 1"/>
-          <p:cNvSpPr txBox="1">
-            <a:spLocks/>
-          </p:cNvSpPr>
-          <p:nvPr/>
-        </p:nvSpPr>
-        <p:spPr>
-          <a:xfrm>
-            <a:off x="457200" y="2263458"/>
-            <a:ext cx="8229600" cy="1143000"/>
-          </a:xfrm>
-          <a:prstGeom prst="rect">
-            <a:avLst/>
-          </a:prstGeom>
-        </p:spPr>
-        <p:txBody>
-          <a:bodyPr/>
-          <a:lstStyle>
-            <a:lvl1pPr algn="ctr" defTabSz="914400" rtl="0" eaLnBrk="1" latinLnBrk="0" hangingPunct="1">
-              <a:spcBef>
-                <a:spcPct val="0"/>
-              </a:spcBef>
-              <a:buNone/>
-              <a:defRPr sz="4600" kern="1200">
-                <a:solidFill>
-                  <a:schemeClr val="bg1"/>
-                </a:solidFill>
-                <a:latin typeface="+mj-lt"/>
-                <a:ea typeface="+mj-ea"/>
-                <a:cs typeface="+mj-cs"/>
-              </a:defRPr>
-            </a:lvl1pPr>
-          </a:lstStyle>
-          <a:p>
-            <a:r>
-              <a:rPr lang="de-CH" sz="8000" dirty="0" smtClean="0"/>
-              <a:t>Demo</a:t>
-            </a:r>
-            <a:endParaRPr lang="de-CH" sz="8000" dirty="0"/>
-          </a:p>
-        </p:txBody>
-      </p:sp>
-    </p:spTree>
-    <p:extLst>
-      <p:ext uri="{BB962C8B-B14F-4D97-AF65-F5344CB8AC3E}">
-        <p14:creationId xmlns:p14="http://schemas.microsoft.com/office/powerpoint/2010/main" val="2169402728"/>
-      </p:ext>
-    </p:extLst>
-  </p:cSld>
-  <p:clrMapOvr>
-    <a:masterClrMapping/>
-  </p:clrMapOvr>
-  <mc:AlternateContent xmlns:mc="http://schemas.openxmlformats.org/markup-compatibility/2006" xmlns:p14="http://schemas.microsoft.com/office/powerpoint/2010/main">
-    <mc:Choice Requires="p14">
-      <p:transition spd="slow" p14:dur="1200">
-        <p14:prism/>
-      </p:transition>
-    </mc:Choice>
-    <mc:Fallback xmlns="">
-      <p:transition xmlns:p14="http://schemas.microsoft.com/office/powerpoint/2010/main" spd="slow">
-        <p:fade/>
-      </p:transition>
-    </mc:Fallback>
-  </mc:AlternateContent>
-  <p:timing>
-    <p:tnLst>
-      <p:par>
-        <p:cTn xmlns:p14="http://schemas.microsoft.com/office/powerpoint/2010/main" id="1" dur="indefinite" restart="never" nodeType="tmRoot"/>
-      </p:par>
-    </p:tnLst>
-  </p:timing>
-</p:sld>
-</file>
-
 <file path=ppt/slides/slide3.xml><?xml version="1.0" encoding="utf-8"?>
 <p:sld xmlns:a="http://schemas.openxmlformats.org/drawingml/2006/main" xmlns:r="http://schemas.openxmlformats.org/officeDocument/2006/relationships" xmlns:p="http://schemas.openxmlformats.org/presentationml/2006/main">
   <p:cSld>
@@ -13260,7 +14536,6 @@
               <a:rPr lang="de-CH" dirty="0" smtClean="0"/>
               <a:t>Kindheitstraum</a:t>
             </a:r>
-            <a:endParaRPr lang="de-CH" dirty="0" smtClean="0"/>
           </a:p>
           <a:p>
             <a:pPr lvl="1"/>
@@ -13346,10 +14621,10 @@
           <p:nvPr/>
         </p:nvPicPr>
         <p:blipFill>
-          <a:blip r:embed="rId2">
+          <a:blip r:embed="rId2" cstate="print">
             <a:extLst>
               <a:ext uri="{28A0092B-C50C-407E-A947-70E740481C1C}">
-                <a14:useLocalDpi xmlns:a14="http://schemas.microsoft.com/office/drawing/2010/main" val="0"/>
+                <a14:useLocalDpi xmlns:a14="http://schemas.microsoft.com/office/drawing/2010/main" xmlns="" val="0"/>
               </a:ext>
             </a:extLst>
           </a:blip>
@@ -13370,21 +14645,21 @@
     </p:spTree>
     <p:extLst>
       <p:ext uri="{BB962C8B-B14F-4D97-AF65-F5344CB8AC3E}">
-        <p14:creationId xmlns:p14="http://schemas.microsoft.com/office/powerpoint/2010/main" val="2174959257"/>
+        <p14:creationId xmlns:p14="http://schemas.microsoft.com/office/powerpoint/2010/main" xmlns="" val="2174959257"/>
       </p:ext>
     </p:extLst>
   </p:cSld>
   <p:clrMapOvr>
     <a:masterClrMapping/>
   </p:clrMapOvr>
-  <mc:AlternateContent xmlns:mc="http://schemas.openxmlformats.org/markup-compatibility/2006" xmlns:p14="http://schemas.microsoft.com/office/powerpoint/2010/main">
-    <mc:Choice Requires="p14">
+  <mc:AlternateContent xmlns:mc="http://schemas.openxmlformats.org/markup-compatibility/2006">
+    <mc:Choice xmlns:p14="http://schemas.microsoft.com/office/powerpoint/2010/main" xmlns="" Requires="p14">
       <p:transition spd="slow" p14:dur="1200">
         <p14:prism/>
       </p:transition>
     </mc:Choice>
-    <mc:Fallback xmlns="">
-      <p:transition xmlns:p14="http://schemas.microsoft.com/office/powerpoint/2010/main" spd="slow">
+    <mc:Fallback>
+      <p:transition spd="slow">
         <p:fade/>
       </p:transition>
     </mc:Fallback>
@@ -13392,7 +14667,7 @@
   <p:timing>
     <p:tnLst>
       <p:par>
-        <p:cTn xmlns:p14="http://schemas.microsoft.com/office/powerpoint/2010/main" id="1" dur="indefinite" restart="never" nodeType="tmRoot">
+        <p:cTn id="1" dur="indefinite" restart="never" nodeType="tmRoot">
           <p:childTnLst>
             <p:seq concurrent="1" nextAc="seek">
               <p:cTn id="2" dur="indefinite" nodeType="mainSeq">
@@ -13857,7 +15132,7 @@
       </p:grpSpPr>
       <p:sp>
         <p:nvSpPr>
-          <p:cNvPr id="6" name="Titel 5"/>
+          <p:cNvPr id="2" name="Title 1"/>
           <p:cNvSpPr>
             <a:spLocks noGrp="1"/>
           </p:cNvSpPr>
@@ -13872,7 +15147,7 @@
           <a:p>
             <a:r>
               <a:rPr lang="de-CH" dirty="0" smtClean="0"/>
-              <a:t>Fragen?</a:t>
+              <a:t>Physik</a:t>
             </a:r>
             <a:endParaRPr lang="de-CH" dirty="0"/>
           </a:p>
@@ -13880,7 +15155,2086 @@
       </p:sp>
       <p:sp>
         <p:nvSpPr>
-          <p:cNvPr id="7" name="Inhaltsplatzhalter 6"/>
+          <p:cNvPr id="3" name="Content Placeholder 2"/>
+          <p:cNvSpPr>
+            <a:spLocks noGrp="1"/>
+          </p:cNvSpPr>
+          <p:nvPr>
+            <p:ph idx="1"/>
+          </p:nvPr>
+        </p:nvSpPr>
+        <p:spPr/>
+        <p:txBody>
+          <a:bodyPr/>
+          <a:lstStyle/>
+          <a:p>
+            <a:r>
+              <a:rPr lang="de-CH" dirty="0" smtClean="0"/>
+              <a:t>Vergleich jeder mit jedem</a:t>
+            </a:r>
+          </a:p>
+          <a:p>
+            <a:pPr lvl="1"/>
+            <a:r>
+              <a:rPr lang="de-CH" dirty="0" smtClean="0"/>
+              <a:t>Wird in jedem update</a:t>
+            </a:r>
+          </a:p>
+          <a:p>
+            <a:r>
+              <a:rPr lang="de-CH" dirty="0" smtClean="0"/>
+              <a:t>Verschiedene Körper-Typen</a:t>
+            </a:r>
+          </a:p>
+          <a:p>
+            <a:pPr lvl="1"/>
+            <a:r>
+              <a:rPr lang="de-CH" dirty="0" smtClean="0"/>
+              <a:t>Statisch (Bewegen sich nie)</a:t>
+            </a:r>
+          </a:p>
+          <a:p>
+            <a:pPr lvl="1"/>
+            <a:r>
+              <a:rPr lang="de-CH" dirty="0" smtClean="0"/>
+              <a:t>Dynamisch (Bewegen sich, schwerkraftabhängig)</a:t>
+            </a:r>
+          </a:p>
+          <a:p>
+            <a:pPr lvl="1"/>
+            <a:r>
+              <a:rPr lang="de-CH" dirty="0" smtClean="0"/>
+              <a:t>Semi-Dynamisch (Bewegen sich, schwerkraftunabhängig)</a:t>
+            </a:r>
+          </a:p>
+          <a:p>
+            <a:endParaRPr lang="de-CH" dirty="0"/>
+          </a:p>
+        </p:txBody>
+      </p:sp>
+    </p:spTree>
+  </p:cSld>
+  <p:clrMapOvr>
+    <a:masterClrMapping/>
+  </p:clrMapOvr>
+  <mc:AlternateContent xmlns:mc="http://schemas.openxmlformats.org/markup-compatibility/2006">
+    <mc:Choice xmlns:p14="http://schemas.microsoft.com/office/powerpoint/2010/main" xmlns="" Requires="p14">
+      <p:transition spd="slow" p14:dur="1200">
+        <p14:prism/>
+      </p:transition>
+    </mc:Choice>
+    <mc:Fallback>
+      <p:transition spd="slow">
+        <p:fade/>
+      </p:transition>
+    </mc:Fallback>
+  </mc:AlternateContent>
+  <p:timing>
+    <p:tnLst>
+      <p:par>
+        <p:cTn id="1" dur="indefinite" restart="never" nodeType="tmRoot">
+          <p:childTnLst>
+            <p:seq concurrent="1" nextAc="seek">
+              <p:cTn id="2" dur="indefinite" nodeType="mainSeq">
+                <p:childTnLst>
+                  <p:par>
+                    <p:cTn id="3" fill="hold">
+                      <p:stCondLst>
+                        <p:cond delay="indefinite"/>
+                      </p:stCondLst>
+                      <p:childTnLst>
+                        <p:par>
+                          <p:cTn id="4" fill="hold">
+                            <p:stCondLst>
+                              <p:cond delay="0"/>
+                            </p:stCondLst>
+                            <p:childTnLst>
+                              <p:par>
+                                <p:cTn id="5" presetID="1" presetClass="entr" presetSubtype="0" fill="hold" nodeType="clickEffect">
+                                  <p:stCondLst>
+                                    <p:cond delay="0"/>
+                                  </p:stCondLst>
+                                  <p:childTnLst>
+                                    <p:set>
+                                      <p:cBhvr>
+                                        <p:cTn id="6" dur="1" fill="hold">
+                                          <p:stCondLst>
+                                            <p:cond delay="0"/>
+                                          </p:stCondLst>
+                                        </p:cTn>
+                                        <p:tgtEl>
+                                          <p:spTgt spid="3">
+                                            <p:txEl>
+                                              <p:pRg st="0" end="0"/>
+                                            </p:txEl>
+                                          </p:spTgt>
+                                        </p:tgtEl>
+                                        <p:attrNameLst>
+                                          <p:attrName>style.visibility</p:attrName>
+                                        </p:attrNameLst>
+                                      </p:cBhvr>
+                                      <p:to>
+                                        <p:strVal val="visible"/>
+                                      </p:to>
+                                    </p:set>
+                                  </p:childTnLst>
+                                </p:cTn>
+                              </p:par>
+                            </p:childTnLst>
+                          </p:cTn>
+                        </p:par>
+                      </p:childTnLst>
+                    </p:cTn>
+                  </p:par>
+                  <p:par>
+                    <p:cTn id="7" fill="hold">
+                      <p:stCondLst>
+                        <p:cond delay="indefinite"/>
+                      </p:stCondLst>
+                      <p:childTnLst>
+                        <p:par>
+                          <p:cTn id="8" fill="hold">
+                            <p:stCondLst>
+                              <p:cond delay="0"/>
+                            </p:stCondLst>
+                            <p:childTnLst>
+                              <p:par>
+                                <p:cTn id="9" presetID="1" presetClass="entr" presetSubtype="0" fill="hold" nodeType="clickEffect">
+                                  <p:stCondLst>
+                                    <p:cond delay="0"/>
+                                  </p:stCondLst>
+                                  <p:childTnLst>
+                                    <p:set>
+                                      <p:cBhvr>
+                                        <p:cTn id="10" dur="1" fill="hold">
+                                          <p:stCondLst>
+                                            <p:cond delay="0"/>
+                                          </p:stCondLst>
+                                        </p:cTn>
+                                        <p:tgtEl>
+                                          <p:spTgt spid="3">
+                                            <p:txEl>
+                                              <p:pRg st="1" end="1"/>
+                                            </p:txEl>
+                                          </p:spTgt>
+                                        </p:tgtEl>
+                                        <p:attrNameLst>
+                                          <p:attrName>style.visibility</p:attrName>
+                                        </p:attrNameLst>
+                                      </p:cBhvr>
+                                      <p:to>
+                                        <p:strVal val="visible"/>
+                                      </p:to>
+                                    </p:set>
+                                  </p:childTnLst>
+                                </p:cTn>
+                              </p:par>
+                            </p:childTnLst>
+                          </p:cTn>
+                        </p:par>
+                      </p:childTnLst>
+                    </p:cTn>
+                  </p:par>
+                  <p:par>
+                    <p:cTn id="11" fill="hold">
+                      <p:stCondLst>
+                        <p:cond delay="indefinite"/>
+                      </p:stCondLst>
+                      <p:childTnLst>
+                        <p:par>
+                          <p:cTn id="12" fill="hold">
+                            <p:stCondLst>
+                              <p:cond delay="0"/>
+                            </p:stCondLst>
+                            <p:childTnLst>
+                              <p:par>
+                                <p:cTn id="13" presetID="1" presetClass="entr" presetSubtype="0" fill="hold" nodeType="clickEffect">
+                                  <p:stCondLst>
+                                    <p:cond delay="0"/>
+                                  </p:stCondLst>
+                                  <p:childTnLst>
+                                    <p:set>
+                                      <p:cBhvr>
+                                        <p:cTn id="14" dur="1" fill="hold">
+                                          <p:stCondLst>
+                                            <p:cond delay="0"/>
+                                          </p:stCondLst>
+                                        </p:cTn>
+                                        <p:tgtEl>
+                                          <p:spTgt spid="3">
+                                            <p:txEl>
+                                              <p:pRg st="2" end="2"/>
+                                            </p:txEl>
+                                          </p:spTgt>
+                                        </p:tgtEl>
+                                        <p:attrNameLst>
+                                          <p:attrName>style.visibility</p:attrName>
+                                        </p:attrNameLst>
+                                      </p:cBhvr>
+                                      <p:to>
+                                        <p:strVal val="visible"/>
+                                      </p:to>
+                                    </p:set>
+                                  </p:childTnLst>
+                                </p:cTn>
+                              </p:par>
+                            </p:childTnLst>
+                          </p:cTn>
+                        </p:par>
+                      </p:childTnLst>
+                    </p:cTn>
+                  </p:par>
+                  <p:par>
+                    <p:cTn id="15" fill="hold">
+                      <p:stCondLst>
+                        <p:cond delay="indefinite"/>
+                      </p:stCondLst>
+                      <p:childTnLst>
+                        <p:par>
+                          <p:cTn id="16" fill="hold">
+                            <p:stCondLst>
+                              <p:cond delay="0"/>
+                            </p:stCondLst>
+                            <p:childTnLst>
+                              <p:par>
+                                <p:cTn id="17" presetID="1" presetClass="entr" presetSubtype="0" fill="hold" nodeType="clickEffect">
+                                  <p:stCondLst>
+                                    <p:cond delay="0"/>
+                                  </p:stCondLst>
+                                  <p:childTnLst>
+                                    <p:set>
+                                      <p:cBhvr>
+                                        <p:cTn id="18" dur="1" fill="hold">
+                                          <p:stCondLst>
+                                            <p:cond delay="0"/>
+                                          </p:stCondLst>
+                                        </p:cTn>
+                                        <p:tgtEl>
+                                          <p:spTgt spid="3">
+                                            <p:txEl>
+                                              <p:pRg st="3" end="3"/>
+                                            </p:txEl>
+                                          </p:spTgt>
+                                        </p:tgtEl>
+                                        <p:attrNameLst>
+                                          <p:attrName>style.visibility</p:attrName>
+                                        </p:attrNameLst>
+                                      </p:cBhvr>
+                                      <p:to>
+                                        <p:strVal val="visible"/>
+                                      </p:to>
+                                    </p:set>
+                                  </p:childTnLst>
+                                </p:cTn>
+                              </p:par>
+                            </p:childTnLst>
+                          </p:cTn>
+                        </p:par>
+                      </p:childTnLst>
+                    </p:cTn>
+                  </p:par>
+                  <p:par>
+                    <p:cTn id="19" fill="hold">
+                      <p:stCondLst>
+                        <p:cond delay="indefinite"/>
+                      </p:stCondLst>
+                      <p:childTnLst>
+                        <p:par>
+                          <p:cTn id="20" fill="hold">
+                            <p:stCondLst>
+                              <p:cond delay="0"/>
+                            </p:stCondLst>
+                            <p:childTnLst>
+                              <p:par>
+                                <p:cTn id="21" presetID="1" presetClass="entr" presetSubtype="0" fill="hold" nodeType="clickEffect">
+                                  <p:stCondLst>
+                                    <p:cond delay="0"/>
+                                  </p:stCondLst>
+                                  <p:childTnLst>
+                                    <p:set>
+                                      <p:cBhvr>
+                                        <p:cTn id="22" dur="1" fill="hold">
+                                          <p:stCondLst>
+                                            <p:cond delay="0"/>
+                                          </p:stCondLst>
+                                        </p:cTn>
+                                        <p:tgtEl>
+                                          <p:spTgt spid="3">
+                                            <p:txEl>
+                                              <p:pRg st="4" end="4"/>
+                                            </p:txEl>
+                                          </p:spTgt>
+                                        </p:tgtEl>
+                                        <p:attrNameLst>
+                                          <p:attrName>style.visibility</p:attrName>
+                                        </p:attrNameLst>
+                                      </p:cBhvr>
+                                      <p:to>
+                                        <p:strVal val="visible"/>
+                                      </p:to>
+                                    </p:set>
+                                  </p:childTnLst>
+                                </p:cTn>
+                              </p:par>
+                            </p:childTnLst>
+                          </p:cTn>
+                        </p:par>
+                      </p:childTnLst>
+                    </p:cTn>
+                  </p:par>
+                  <p:par>
+                    <p:cTn id="23" fill="hold">
+                      <p:stCondLst>
+                        <p:cond delay="indefinite"/>
+                      </p:stCondLst>
+                      <p:childTnLst>
+                        <p:par>
+                          <p:cTn id="24" fill="hold">
+                            <p:stCondLst>
+                              <p:cond delay="0"/>
+                            </p:stCondLst>
+                            <p:childTnLst>
+                              <p:par>
+                                <p:cTn id="25" presetID="1" presetClass="entr" presetSubtype="0" fill="hold" nodeType="clickEffect">
+                                  <p:stCondLst>
+                                    <p:cond delay="0"/>
+                                  </p:stCondLst>
+                                  <p:childTnLst>
+                                    <p:set>
+                                      <p:cBhvr>
+                                        <p:cTn id="26" dur="1" fill="hold">
+                                          <p:stCondLst>
+                                            <p:cond delay="0"/>
+                                          </p:stCondLst>
+                                        </p:cTn>
+                                        <p:tgtEl>
+                                          <p:spTgt spid="3">
+                                            <p:txEl>
+                                              <p:pRg st="5" end="5"/>
+                                            </p:txEl>
+                                          </p:spTgt>
+                                        </p:tgtEl>
+                                        <p:attrNameLst>
+                                          <p:attrName>style.visibility</p:attrName>
+                                        </p:attrNameLst>
+                                      </p:cBhvr>
+                                      <p:to>
+                                        <p:strVal val="visible"/>
+                                      </p:to>
+                                    </p:set>
+                                  </p:childTnLst>
+                                </p:cTn>
+                              </p:par>
+                            </p:childTnLst>
+                          </p:cTn>
+                        </p:par>
+                      </p:childTnLst>
+                    </p:cTn>
+                  </p:par>
+                </p:childTnLst>
+              </p:cTn>
+              <p:prevCondLst>
+                <p:cond evt="onPrev" delay="0">
+                  <p:tgtEl>
+                    <p:sldTgt/>
+                  </p:tgtEl>
+                </p:cond>
+              </p:prevCondLst>
+              <p:nextCondLst>
+                <p:cond evt="onNext" delay="0">
+                  <p:tgtEl>
+                    <p:sldTgt/>
+                  </p:tgtEl>
+                </p:cond>
+              </p:nextCondLst>
+            </p:seq>
+          </p:childTnLst>
+        </p:cTn>
+      </p:par>
+    </p:tnLst>
+  </p:timing>
+</p:sld>
+</file>
+
+<file path=ppt/slides/slide31.xml><?xml version="1.0" encoding="utf-8"?>
+<p:sld xmlns:a="http://schemas.openxmlformats.org/drawingml/2006/main" xmlns:r="http://schemas.openxmlformats.org/officeDocument/2006/relationships" xmlns:p="http://schemas.openxmlformats.org/presentationml/2006/main">
+  <p:cSld>
+    <p:spTree>
+      <p:nvGrpSpPr>
+        <p:cNvPr id="1" name=""/>
+        <p:cNvGrpSpPr/>
+        <p:nvPr/>
+      </p:nvGrpSpPr>
+      <p:grpSpPr>
+        <a:xfrm>
+          <a:off x="0" y="0"/>
+          <a:ext cx="0" cy="0"/>
+          <a:chOff x="0" y="0"/>
+          <a:chExt cx="0" cy="0"/>
+        </a:xfrm>
+      </p:grpSpPr>
+      <p:pic>
+        <p:nvPicPr>
+          <p:cNvPr id="56322" name="Picture 2"/>
+          <p:cNvPicPr>
+            <a:picLocks noChangeAspect="1" noChangeArrowheads="1"/>
+          </p:cNvPicPr>
+          <p:nvPr/>
+        </p:nvPicPr>
+        <p:blipFill>
+          <a:blip r:embed="rId2" cstate="print"/>
+          <a:srcRect/>
+          <a:stretch>
+            <a:fillRect/>
+          </a:stretch>
+        </p:blipFill>
+        <p:spPr bwMode="auto">
+          <a:xfrm>
+            <a:off x="3744004" y="4920343"/>
+            <a:ext cx="1291091" cy="1291091"/>
+          </a:xfrm>
+          <a:prstGeom prst="rect">
+            <a:avLst/>
+          </a:prstGeom>
+          <a:noFill/>
+          <a:ln w="9525">
+            <a:noFill/>
+            <a:miter lim="800000"/>
+            <a:headEnd/>
+            <a:tailEnd/>
+          </a:ln>
+          <a:effectLst/>
+        </p:spPr>
+      </p:pic>
+      <p:pic>
+        <p:nvPicPr>
+          <p:cNvPr id="56323" name="Picture 3" descr="C:\Users\toviloil\Desktop\mario-fire-jump-1.png"/>
+          <p:cNvPicPr>
+            <a:picLocks noChangeAspect="1" noChangeArrowheads="1"/>
+          </p:cNvPicPr>
+          <p:nvPr/>
+        </p:nvPicPr>
+        <p:blipFill>
+          <a:blip r:embed="rId3" cstate="print"/>
+          <a:srcRect/>
+          <a:stretch>
+            <a:fillRect/>
+          </a:stretch>
+        </p:blipFill>
+        <p:spPr bwMode="auto">
+          <a:xfrm>
+            <a:off x="3744004" y="1079387"/>
+            <a:ext cx="1356519" cy="2713038"/>
+          </a:xfrm>
+          <a:prstGeom prst="rect">
+            <a:avLst/>
+          </a:prstGeom>
+          <a:noFill/>
+        </p:spPr>
+      </p:pic>
+      <p:cxnSp>
+        <p:nvCxnSpPr>
+          <p:cNvPr id="7" name="Straight Arrow Connector 6"/>
+          <p:cNvCxnSpPr/>
+          <p:nvPr/>
+        </p:nvCxnSpPr>
+        <p:spPr>
+          <a:xfrm>
+            <a:off x="5308600" y="4920343"/>
+            <a:ext cx="0" cy="502557"/>
+          </a:xfrm>
+          <a:prstGeom prst="straightConnector1">
+            <a:avLst/>
+          </a:prstGeom>
+          <a:ln>
+            <a:solidFill>
+              <a:srgbClr val="FF0000"/>
+            </a:solidFill>
+            <a:headEnd type="arrow"/>
+            <a:tailEnd type="arrow"/>
+          </a:ln>
+        </p:spPr>
+        <p:style>
+          <a:lnRef idx="2">
+            <a:schemeClr val="accent1"/>
+          </a:lnRef>
+          <a:fillRef idx="0">
+            <a:schemeClr val="accent1"/>
+          </a:fillRef>
+          <a:effectRef idx="1">
+            <a:schemeClr val="accent1"/>
+          </a:effectRef>
+          <a:fontRef idx="minor">
+            <a:schemeClr val="tx1"/>
+          </a:fontRef>
+        </p:style>
+      </p:cxnSp>
+      <p:sp>
+        <p:nvSpPr>
+          <p:cNvPr id="9" name="TextBox 8"/>
+          <p:cNvSpPr txBox="1"/>
+          <p:nvPr/>
+        </p:nvSpPr>
+        <p:spPr>
+          <a:xfrm>
+            <a:off x="5524500" y="2514600"/>
+            <a:ext cx="3365500" cy="646331"/>
+          </a:xfrm>
+          <a:prstGeom prst="rect">
+            <a:avLst/>
+          </a:prstGeom>
+          <a:noFill/>
+        </p:spPr>
+        <p:txBody>
+          <a:bodyPr wrap="square" rtlCol="0">
+            <a:spAutoFit/>
+          </a:bodyPr>
+          <a:lstStyle/>
+          <a:p>
+            <a:r>
+              <a:rPr lang="de-CH" dirty="0" smtClean="0"/>
+              <a:t>collisionWithGameObject:g2</a:t>
+            </a:r>
+            <a:br>
+              <a:rPr lang="de-CH" dirty="0" smtClean="0"/>
+            </a:br>
+            <a:r>
+              <a:rPr lang="de-CH" dirty="0" err="1" smtClean="0"/>
+              <a:t>edge</a:t>
+            </a:r>
+            <a:r>
+              <a:rPr lang="de-CH" dirty="0" smtClean="0"/>
+              <a:t>: </a:t>
+            </a:r>
+            <a:r>
+              <a:rPr lang="de-CH" dirty="0" err="1" smtClean="0"/>
+              <a:t>STRectEdgeMinY</a:t>
+            </a:r>
+            <a:endParaRPr lang="de-CH" dirty="0"/>
+          </a:p>
+        </p:txBody>
+      </p:sp>
+      <p:sp>
+        <p:nvSpPr>
+          <p:cNvPr id="10" name="TextBox 9"/>
+          <p:cNvSpPr txBox="1"/>
+          <p:nvPr/>
+        </p:nvSpPr>
+        <p:spPr>
+          <a:xfrm>
+            <a:off x="5676900" y="5099734"/>
+            <a:ext cx="3365500" cy="646331"/>
+          </a:xfrm>
+          <a:prstGeom prst="rect">
+            <a:avLst/>
+          </a:prstGeom>
+          <a:noFill/>
+        </p:spPr>
+        <p:txBody>
+          <a:bodyPr wrap="square" rtlCol="0">
+            <a:spAutoFit/>
+          </a:bodyPr>
+          <a:lstStyle/>
+          <a:p>
+            <a:r>
+              <a:rPr lang="de-CH" dirty="0" smtClean="0"/>
+              <a:t>collisionWithGameObject:g1</a:t>
+            </a:r>
+            <a:br>
+              <a:rPr lang="de-CH" dirty="0" smtClean="0"/>
+            </a:br>
+            <a:r>
+              <a:rPr lang="de-CH" dirty="0" err="1" smtClean="0"/>
+              <a:t>edge</a:t>
+            </a:r>
+            <a:r>
+              <a:rPr lang="de-CH" dirty="0" smtClean="0"/>
+              <a:t>: </a:t>
+            </a:r>
+            <a:r>
+              <a:rPr lang="de-CH" dirty="0" err="1" smtClean="0"/>
+              <a:t>STRectEdgeMaxY</a:t>
+            </a:r>
+            <a:endParaRPr lang="de-CH" dirty="0"/>
+          </a:p>
+        </p:txBody>
+      </p:sp>
+    </p:spTree>
+  </p:cSld>
+  <p:clrMapOvr>
+    <a:masterClrMapping/>
+  </p:clrMapOvr>
+  <mc:AlternateContent xmlns:mc="http://schemas.openxmlformats.org/markup-compatibility/2006">
+    <mc:Choice xmlns:p14="http://schemas.microsoft.com/office/powerpoint/2010/main" xmlns="" Requires="p14">
+      <p:transition spd="slow" p14:dur="1200">
+        <p14:prism/>
+      </p:transition>
+    </mc:Choice>
+    <mc:Fallback>
+      <p:transition spd="slow">
+        <p:fade/>
+      </p:transition>
+    </mc:Fallback>
+  </mc:AlternateContent>
+  <p:timing>
+    <p:tnLst>
+      <p:par>
+        <p:cTn id="1" dur="indefinite" restart="never" nodeType="tmRoot">
+          <p:childTnLst>
+            <p:seq concurrent="1" nextAc="seek">
+              <p:cTn id="2" dur="indefinite" nodeType="mainSeq">
+                <p:childTnLst>
+                  <p:par>
+                    <p:cTn id="3" fill="hold">
+                      <p:stCondLst>
+                        <p:cond delay="indefinite"/>
+                      </p:stCondLst>
+                      <p:childTnLst>
+                        <p:par>
+                          <p:cTn id="4" fill="hold">
+                            <p:stCondLst>
+                              <p:cond delay="0"/>
+                            </p:stCondLst>
+                            <p:childTnLst>
+                              <p:par>
+                                <p:cTn id="5" presetID="42" presetClass="path" presetSubtype="0" accel="50000" decel="50000" fill="hold" nodeType="clickEffect">
+                                  <p:stCondLst>
+                                    <p:cond delay="0"/>
+                                  </p:stCondLst>
+                                  <p:childTnLst>
+                                    <p:animMotion origin="layout" path="M 3.05556E-6 -2.59259E-6 L 3.05556E-6 0.23195 " pathEditMode="relative" rAng="0" ptsTypes="AA">
+                                      <p:cBhvr>
+                                        <p:cTn id="6" dur="2000" fill="hold"/>
+                                        <p:tgtEl>
+                                          <p:spTgt spid="56323"/>
+                                        </p:tgtEl>
+                                        <p:attrNameLst>
+                                          <p:attrName>ppt_x</p:attrName>
+                                          <p:attrName>ppt_y</p:attrName>
+                                        </p:attrNameLst>
+                                      </p:cBhvr>
+                                      <p:rCtr x="0" y="116"/>
+                                    </p:animMotion>
+                                  </p:childTnLst>
+                                </p:cTn>
+                              </p:par>
+                            </p:childTnLst>
+                          </p:cTn>
+                        </p:par>
+                      </p:childTnLst>
+                    </p:cTn>
+                  </p:par>
+                  <p:par>
+                    <p:cTn id="7" fill="hold">
+                      <p:stCondLst>
+                        <p:cond delay="indefinite"/>
+                      </p:stCondLst>
+                      <p:childTnLst>
+                        <p:par>
+                          <p:cTn id="8" fill="hold">
+                            <p:stCondLst>
+                              <p:cond delay="0"/>
+                            </p:stCondLst>
+                            <p:childTnLst>
+                              <p:par>
+                                <p:cTn id="9" presetID="10" presetClass="entr" presetSubtype="0" fill="hold" nodeType="clickEffect">
+                                  <p:stCondLst>
+                                    <p:cond delay="0"/>
+                                  </p:stCondLst>
+                                  <p:childTnLst>
+                                    <p:set>
+                                      <p:cBhvr>
+                                        <p:cTn id="10" dur="1" fill="hold">
+                                          <p:stCondLst>
+                                            <p:cond delay="0"/>
+                                          </p:stCondLst>
+                                        </p:cTn>
+                                        <p:tgtEl>
+                                          <p:spTgt spid="7"/>
+                                        </p:tgtEl>
+                                        <p:attrNameLst>
+                                          <p:attrName>style.visibility</p:attrName>
+                                        </p:attrNameLst>
+                                      </p:cBhvr>
+                                      <p:to>
+                                        <p:strVal val="visible"/>
+                                      </p:to>
+                                    </p:set>
+                                    <p:animEffect transition="in" filter="fade">
+                                      <p:cBhvr>
+                                        <p:cTn id="11" dur="2000"/>
+                                        <p:tgtEl>
+                                          <p:spTgt spid="7"/>
+                                        </p:tgtEl>
+                                      </p:cBhvr>
+                                    </p:animEffect>
+                                  </p:childTnLst>
+                                </p:cTn>
+                              </p:par>
+                            </p:childTnLst>
+                          </p:cTn>
+                        </p:par>
+                      </p:childTnLst>
+                    </p:cTn>
+                  </p:par>
+                  <p:par>
+                    <p:cTn id="12" fill="hold">
+                      <p:stCondLst>
+                        <p:cond delay="indefinite"/>
+                      </p:stCondLst>
+                      <p:childTnLst>
+                        <p:par>
+                          <p:cTn id="13" fill="hold">
+                            <p:stCondLst>
+                              <p:cond delay="0"/>
+                            </p:stCondLst>
+                            <p:childTnLst>
+                              <p:par>
+                                <p:cTn id="14" presetID="64" presetClass="path" presetSubtype="0" accel="50000" decel="50000" fill="hold" nodeType="clickEffect">
+                                  <p:stCondLst>
+                                    <p:cond delay="0"/>
+                                  </p:stCondLst>
+                                  <p:childTnLst>
+                                    <p:animMotion origin="layout" path="M 3.05556E-6 0.23195 L 3.05556E-6 0.16343 " pathEditMode="relative" rAng="0" ptsTypes="AA">
+                                      <p:cBhvr>
+                                        <p:cTn id="15" dur="2000" fill="hold"/>
+                                        <p:tgtEl>
+                                          <p:spTgt spid="56323"/>
+                                        </p:tgtEl>
+                                        <p:attrNameLst>
+                                          <p:attrName>ppt_x</p:attrName>
+                                          <p:attrName>ppt_y</p:attrName>
+                                        </p:attrNameLst>
+                                      </p:cBhvr>
+                                      <p:rCtr x="0" y="-34"/>
+                                    </p:animMotion>
+                                  </p:childTnLst>
+                                </p:cTn>
+                              </p:par>
+                              <p:par>
+                                <p:cTn id="16" presetID="10" presetClass="exit" presetSubtype="0" fill="hold" nodeType="withEffect">
+                                  <p:stCondLst>
+                                    <p:cond delay="0"/>
+                                  </p:stCondLst>
+                                  <p:childTnLst>
+                                    <p:animEffect transition="out" filter="fade">
+                                      <p:cBhvr>
+                                        <p:cTn id="17" dur="2000"/>
+                                        <p:tgtEl>
+                                          <p:spTgt spid="7"/>
+                                        </p:tgtEl>
+                                      </p:cBhvr>
+                                    </p:animEffect>
+                                    <p:set>
+                                      <p:cBhvr>
+                                        <p:cTn id="18" dur="1" fill="hold">
+                                          <p:stCondLst>
+                                            <p:cond delay="1999"/>
+                                          </p:stCondLst>
+                                        </p:cTn>
+                                        <p:tgtEl>
+                                          <p:spTgt spid="7"/>
+                                        </p:tgtEl>
+                                        <p:attrNameLst>
+                                          <p:attrName>style.visibility</p:attrName>
+                                        </p:attrNameLst>
+                                      </p:cBhvr>
+                                      <p:to>
+                                        <p:strVal val="hidden"/>
+                                      </p:to>
+                                    </p:set>
+                                  </p:childTnLst>
+                                </p:cTn>
+                              </p:par>
+                            </p:childTnLst>
+                          </p:cTn>
+                        </p:par>
+                      </p:childTnLst>
+                    </p:cTn>
+                  </p:par>
+                  <p:par>
+                    <p:cTn id="19" fill="hold">
+                      <p:stCondLst>
+                        <p:cond delay="indefinite"/>
+                      </p:stCondLst>
+                      <p:childTnLst>
+                        <p:par>
+                          <p:cTn id="20" fill="hold">
+                            <p:stCondLst>
+                              <p:cond delay="0"/>
+                            </p:stCondLst>
+                            <p:childTnLst>
+                              <p:par>
+                                <p:cTn id="21" presetID="10" presetClass="entr" presetSubtype="0" fill="hold" grpId="0" nodeType="clickEffect">
+                                  <p:stCondLst>
+                                    <p:cond delay="0"/>
+                                  </p:stCondLst>
+                                  <p:childTnLst>
+                                    <p:set>
+                                      <p:cBhvr>
+                                        <p:cTn id="22" dur="1" fill="hold">
+                                          <p:stCondLst>
+                                            <p:cond delay="0"/>
+                                          </p:stCondLst>
+                                        </p:cTn>
+                                        <p:tgtEl>
+                                          <p:spTgt spid="9"/>
+                                        </p:tgtEl>
+                                        <p:attrNameLst>
+                                          <p:attrName>style.visibility</p:attrName>
+                                        </p:attrNameLst>
+                                      </p:cBhvr>
+                                      <p:to>
+                                        <p:strVal val="visible"/>
+                                      </p:to>
+                                    </p:set>
+                                    <p:animEffect transition="in" filter="fade">
+                                      <p:cBhvr>
+                                        <p:cTn id="23" dur="2000"/>
+                                        <p:tgtEl>
+                                          <p:spTgt spid="9"/>
+                                        </p:tgtEl>
+                                      </p:cBhvr>
+                                    </p:animEffect>
+                                  </p:childTnLst>
+                                </p:cTn>
+                              </p:par>
+                            </p:childTnLst>
+                          </p:cTn>
+                        </p:par>
+                      </p:childTnLst>
+                    </p:cTn>
+                  </p:par>
+                  <p:par>
+                    <p:cTn id="24" fill="hold">
+                      <p:stCondLst>
+                        <p:cond delay="indefinite"/>
+                      </p:stCondLst>
+                      <p:childTnLst>
+                        <p:par>
+                          <p:cTn id="25" fill="hold">
+                            <p:stCondLst>
+                              <p:cond delay="0"/>
+                            </p:stCondLst>
+                            <p:childTnLst>
+                              <p:par>
+                                <p:cTn id="26" presetID="10" presetClass="entr" presetSubtype="0" fill="hold" grpId="0" nodeType="clickEffect">
+                                  <p:stCondLst>
+                                    <p:cond delay="0"/>
+                                  </p:stCondLst>
+                                  <p:childTnLst>
+                                    <p:set>
+                                      <p:cBhvr>
+                                        <p:cTn id="27" dur="1" fill="hold">
+                                          <p:stCondLst>
+                                            <p:cond delay="0"/>
+                                          </p:stCondLst>
+                                        </p:cTn>
+                                        <p:tgtEl>
+                                          <p:spTgt spid="10"/>
+                                        </p:tgtEl>
+                                        <p:attrNameLst>
+                                          <p:attrName>style.visibility</p:attrName>
+                                        </p:attrNameLst>
+                                      </p:cBhvr>
+                                      <p:to>
+                                        <p:strVal val="visible"/>
+                                      </p:to>
+                                    </p:set>
+                                    <p:animEffect transition="in" filter="fade">
+                                      <p:cBhvr>
+                                        <p:cTn id="28" dur="2000"/>
+                                        <p:tgtEl>
+                                          <p:spTgt spid="10"/>
+                                        </p:tgtEl>
+                                      </p:cBhvr>
+                                    </p:animEffect>
+                                  </p:childTnLst>
+                                </p:cTn>
+                              </p:par>
+                            </p:childTnLst>
+                          </p:cTn>
+                        </p:par>
+                      </p:childTnLst>
+                    </p:cTn>
+                  </p:par>
+                </p:childTnLst>
+              </p:cTn>
+              <p:prevCondLst>
+                <p:cond evt="onPrev" delay="0">
+                  <p:tgtEl>
+                    <p:sldTgt/>
+                  </p:tgtEl>
+                </p:cond>
+              </p:prevCondLst>
+              <p:nextCondLst>
+                <p:cond evt="onNext" delay="0">
+                  <p:tgtEl>
+                    <p:sldTgt/>
+                  </p:tgtEl>
+                </p:cond>
+              </p:nextCondLst>
+            </p:seq>
+          </p:childTnLst>
+        </p:cTn>
+      </p:par>
+    </p:tnLst>
+    <p:bldLst>
+      <p:bldP spid="9" grpId="0"/>
+      <p:bldP spid="10" grpId="0"/>
+    </p:bldLst>
+  </p:timing>
+</p:sld>
+</file>
+
+<file path=ppt/slides/slide32.xml><?xml version="1.0" encoding="utf-8"?>
+<p:sld xmlns:a="http://schemas.openxmlformats.org/drawingml/2006/main" xmlns:r="http://schemas.openxmlformats.org/officeDocument/2006/relationships" xmlns:p="http://schemas.openxmlformats.org/presentationml/2006/main">
+  <p:cSld>
+    <p:spTree>
+      <p:nvGrpSpPr>
+        <p:cNvPr id="1" name=""/>
+        <p:cNvGrpSpPr/>
+        <p:nvPr/>
+      </p:nvGrpSpPr>
+      <p:grpSpPr>
+        <a:xfrm>
+          <a:off x="0" y="0"/>
+          <a:ext cx="0" cy="0"/>
+          <a:chOff x="0" y="0"/>
+          <a:chExt cx="0" cy="0"/>
+        </a:xfrm>
+      </p:grpSpPr>
+      <p:pic>
+        <p:nvPicPr>
+          <p:cNvPr id="56322" name="Picture 2"/>
+          <p:cNvPicPr>
+            <a:picLocks noChangeAspect="1" noChangeArrowheads="1"/>
+          </p:cNvPicPr>
+          <p:nvPr/>
+        </p:nvPicPr>
+        <p:blipFill>
+          <a:blip r:embed="rId2" cstate="print"/>
+          <a:srcRect/>
+          <a:stretch>
+            <a:fillRect/>
+          </a:stretch>
+        </p:blipFill>
+        <p:spPr bwMode="auto">
+          <a:xfrm>
+            <a:off x="3744004" y="1869054"/>
+            <a:ext cx="1291091" cy="1291091"/>
+          </a:xfrm>
+          <a:prstGeom prst="rect">
+            <a:avLst/>
+          </a:prstGeom>
+          <a:noFill/>
+          <a:ln w="9525">
+            <a:noFill/>
+            <a:miter lim="800000"/>
+            <a:headEnd/>
+            <a:tailEnd/>
+          </a:ln>
+          <a:effectLst/>
+        </p:spPr>
+      </p:pic>
+      <p:pic>
+        <p:nvPicPr>
+          <p:cNvPr id="56323" name="Picture 3" descr="C:\Users\toviloil\Desktop\mario-fire-jump-1.png"/>
+          <p:cNvPicPr>
+            <a:picLocks noChangeAspect="1" noChangeArrowheads="1"/>
+          </p:cNvPicPr>
+          <p:nvPr/>
+        </p:nvPicPr>
+        <p:blipFill>
+          <a:blip r:embed="rId3" cstate="print"/>
+          <a:srcRect/>
+          <a:stretch>
+            <a:fillRect/>
+          </a:stretch>
+        </p:blipFill>
+        <p:spPr bwMode="auto">
+          <a:xfrm>
+            <a:off x="3678576" y="3743215"/>
+            <a:ext cx="1356519" cy="2713038"/>
+          </a:xfrm>
+          <a:prstGeom prst="rect">
+            <a:avLst/>
+          </a:prstGeom>
+          <a:noFill/>
+        </p:spPr>
+      </p:pic>
+      <p:cxnSp>
+        <p:nvCxnSpPr>
+          <p:cNvPr id="7" name="Straight Arrow Connector 6"/>
+          <p:cNvCxnSpPr/>
+          <p:nvPr/>
+        </p:nvCxnSpPr>
+        <p:spPr>
+          <a:xfrm>
+            <a:off x="5308600" y="2658374"/>
+            <a:ext cx="0" cy="502557"/>
+          </a:xfrm>
+          <a:prstGeom prst="straightConnector1">
+            <a:avLst/>
+          </a:prstGeom>
+          <a:ln>
+            <a:solidFill>
+              <a:srgbClr val="FF0000"/>
+            </a:solidFill>
+            <a:headEnd type="arrow"/>
+            <a:tailEnd type="arrow"/>
+          </a:ln>
+        </p:spPr>
+        <p:style>
+          <a:lnRef idx="2">
+            <a:schemeClr val="accent1"/>
+          </a:lnRef>
+          <a:fillRef idx="0">
+            <a:schemeClr val="accent1"/>
+          </a:fillRef>
+          <a:effectRef idx="1">
+            <a:schemeClr val="accent1"/>
+          </a:effectRef>
+          <a:fontRef idx="minor">
+            <a:schemeClr val="tx1"/>
+          </a:fontRef>
+        </p:style>
+      </p:cxnSp>
+      <p:sp>
+        <p:nvSpPr>
+          <p:cNvPr id="9" name="TextBox 8"/>
+          <p:cNvSpPr txBox="1"/>
+          <p:nvPr/>
+        </p:nvSpPr>
+        <p:spPr>
+          <a:xfrm>
+            <a:off x="5524500" y="2335208"/>
+            <a:ext cx="3365500" cy="646331"/>
+          </a:xfrm>
+          <a:prstGeom prst="rect">
+            <a:avLst/>
+          </a:prstGeom>
+          <a:noFill/>
+        </p:spPr>
+        <p:txBody>
+          <a:bodyPr wrap="square" rtlCol="0">
+            <a:spAutoFit/>
+          </a:bodyPr>
+          <a:lstStyle/>
+          <a:p>
+            <a:r>
+              <a:rPr lang="de-CH" dirty="0" smtClean="0"/>
+              <a:t>collisionWithGameObject:g2</a:t>
+            </a:r>
+            <a:br>
+              <a:rPr lang="de-CH" dirty="0" smtClean="0"/>
+            </a:br>
+            <a:r>
+              <a:rPr lang="de-CH" dirty="0" err="1" smtClean="0"/>
+              <a:t>edge</a:t>
+            </a:r>
+            <a:r>
+              <a:rPr lang="de-CH" dirty="0" smtClean="0"/>
+              <a:t>: </a:t>
+            </a:r>
+            <a:r>
+              <a:rPr lang="de-CH" dirty="0" err="1" smtClean="0"/>
+              <a:t>STRectEdgeMinY</a:t>
+            </a:r>
+            <a:endParaRPr lang="de-CH" dirty="0"/>
+          </a:p>
+        </p:txBody>
+      </p:sp>
+      <p:sp>
+        <p:nvSpPr>
+          <p:cNvPr id="10" name="TextBox 9"/>
+          <p:cNvSpPr txBox="1"/>
+          <p:nvPr/>
+        </p:nvSpPr>
+        <p:spPr>
+          <a:xfrm>
+            <a:off x="5676900" y="4453403"/>
+            <a:ext cx="3365500" cy="646331"/>
+          </a:xfrm>
+          <a:prstGeom prst="rect">
+            <a:avLst/>
+          </a:prstGeom>
+          <a:noFill/>
+        </p:spPr>
+        <p:txBody>
+          <a:bodyPr wrap="square" rtlCol="0">
+            <a:spAutoFit/>
+          </a:bodyPr>
+          <a:lstStyle/>
+          <a:p>
+            <a:r>
+              <a:rPr lang="de-CH" dirty="0" smtClean="0"/>
+              <a:t>collisionWithGameObject:g1</a:t>
+            </a:r>
+            <a:br>
+              <a:rPr lang="de-CH" dirty="0" smtClean="0"/>
+            </a:br>
+            <a:r>
+              <a:rPr lang="de-CH" dirty="0" err="1" smtClean="0"/>
+              <a:t>edge</a:t>
+            </a:r>
+            <a:r>
+              <a:rPr lang="de-CH" dirty="0" smtClean="0"/>
+              <a:t>: </a:t>
+            </a:r>
+            <a:r>
+              <a:rPr lang="de-CH" dirty="0" err="1" smtClean="0"/>
+              <a:t>STRectEdgeMaxY</a:t>
+            </a:r>
+            <a:endParaRPr lang="de-CH" dirty="0"/>
+          </a:p>
+        </p:txBody>
+      </p:sp>
+    </p:spTree>
+  </p:cSld>
+  <p:clrMapOvr>
+    <a:masterClrMapping/>
+  </p:clrMapOvr>
+  <mc:AlternateContent xmlns:mc="http://schemas.openxmlformats.org/markup-compatibility/2006">
+    <mc:Choice xmlns:p14="http://schemas.microsoft.com/office/powerpoint/2010/main" xmlns="" Requires="p14">
+      <p:transition spd="slow" p14:dur="1200">
+        <p14:prism/>
+      </p:transition>
+    </mc:Choice>
+    <mc:Fallback>
+      <p:transition spd="slow">
+        <p:fade/>
+      </p:transition>
+    </mc:Fallback>
+  </mc:AlternateContent>
+  <p:timing>
+    <p:tnLst>
+      <p:par>
+        <p:cTn id="1" dur="indefinite" restart="never" nodeType="tmRoot">
+          <p:childTnLst>
+            <p:seq concurrent="1" nextAc="seek">
+              <p:cTn id="2" dur="indefinite" nodeType="mainSeq">
+                <p:childTnLst>
+                  <p:par>
+                    <p:cTn id="3" fill="hold">
+                      <p:stCondLst>
+                        <p:cond delay="indefinite"/>
+                      </p:stCondLst>
+                      <p:childTnLst>
+                        <p:par>
+                          <p:cTn id="4" fill="hold">
+                            <p:stCondLst>
+                              <p:cond delay="0"/>
+                            </p:stCondLst>
+                            <p:childTnLst>
+                              <p:par>
+                                <p:cTn id="5" presetID="64" presetClass="path" presetSubtype="0" accel="50000" decel="50000" fill="hold" nodeType="clickEffect">
+                                  <p:stCondLst>
+                                    <p:cond delay="0"/>
+                                  </p:stCondLst>
+                                  <p:childTnLst>
+                                    <p:animMotion origin="layout" path="M 1.11111E-6 1.48148E-6 L 1.11111E-6 -0.15093 " pathEditMode="relative" rAng="0" ptsTypes="AA">
+                                      <p:cBhvr>
+                                        <p:cTn id="6" dur="2000" fill="hold"/>
+                                        <p:tgtEl>
+                                          <p:spTgt spid="56323"/>
+                                        </p:tgtEl>
+                                        <p:attrNameLst>
+                                          <p:attrName>ppt_x</p:attrName>
+                                          <p:attrName>ppt_y</p:attrName>
+                                        </p:attrNameLst>
+                                      </p:cBhvr>
+                                      <p:rCtr x="0" y="-75"/>
+                                    </p:animMotion>
+                                  </p:childTnLst>
+                                </p:cTn>
+                              </p:par>
+                            </p:childTnLst>
+                          </p:cTn>
+                        </p:par>
+                      </p:childTnLst>
+                    </p:cTn>
+                  </p:par>
+                  <p:par>
+                    <p:cTn id="7" fill="hold">
+                      <p:stCondLst>
+                        <p:cond delay="indefinite"/>
+                      </p:stCondLst>
+                      <p:childTnLst>
+                        <p:par>
+                          <p:cTn id="8" fill="hold">
+                            <p:stCondLst>
+                              <p:cond delay="0"/>
+                            </p:stCondLst>
+                            <p:childTnLst>
+                              <p:par>
+                                <p:cTn id="9" presetID="10" presetClass="entr" presetSubtype="0" fill="hold" nodeType="clickEffect">
+                                  <p:stCondLst>
+                                    <p:cond delay="0"/>
+                                  </p:stCondLst>
+                                  <p:childTnLst>
+                                    <p:set>
+                                      <p:cBhvr>
+                                        <p:cTn id="10" dur="1" fill="hold">
+                                          <p:stCondLst>
+                                            <p:cond delay="0"/>
+                                          </p:stCondLst>
+                                        </p:cTn>
+                                        <p:tgtEl>
+                                          <p:spTgt spid="7"/>
+                                        </p:tgtEl>
+                                        <p:attrNameLst>
+                                          <p:attrName>style.visibility</p:attrName>
+                                        </p:attrNameLst>
+                                      </p:cBhvr>
+                                      <p:to>
+                                        <p:strVal val="visible"/>
+                                      </p:to>
+                                    </p:set>
+                                    <p:animEffect transition="in" filter="fade">
+                                      <p:cBhvr>
+                                        <p:cTn id="11" dur="2000"/>
+                                        <p:tgtEl>
+                                          <p:spTgt spid="7"/>
+                                        </p:tgtEl>
+                                      </p:cBhvr>
+                                    </p:animEffect>
+                                  </p:childTnLst>
+                                </p:cTn>
+                              </p:par>
+                            </p:childTnLst>
+                          </p:cTn>
+                        </p:par>
+                      </p:childTnLst>
+                    </p:cTn>
+                  </p:par>
+                  <p:par>
+                    <p:cTn id="12" fill="hold">
+                      <p:stCondLst>
+                        <p:cond delay="indefinite"/>
+                      </p:stCondLst>
+                      <p:childTnLst>
+                        <p:par>
+                          <p:cTn id="13" fill="hold">
+                            <p:stCondLst>
+                              <p:cond delay="0"/>
+                            </p:stCondLst>
+                            <p:childTnLst>
+                              <p:par>
+                                <p:cTn id="14" presetID="42" presetClass="path" presetSubtype="0" accel="50000" decel="50000" fill="hold" nodeType="clickEffect">
+                                  <p:stCondLst>
+                                    <p:cond delay="0"/>
+                                  </p:stCondLst>
+                                  <p:childTnLst>
+                                    <p:animMotion origin="layout" path="M 1.11111E-6 -0.15093 L 1.11111E-6 -0.08241 " pathEditMode="relative" rAng="0" ptsTypes="AA">
+                                      <p:cBhvr>
+                                        <p:cTn id="15" dur="2000" fill="hold"/>
+                                        <p:tgtEl>
+                                          <p:spTgt spid="56323"/>
+                                        </p:tgtEl>
+                                        <p:attrNameLst>
+                                          <p:attrName>ppt_x</p:attrName>
+                                          <p:attrName>ppt_y</p:attrName>
+                                        </p:attrNameLst>
+                                      </p:cBhvr>
+                                      <p:rCtr x="0" y="34"/>
+                                    </p:animMotion>
+                                  </p:childTnLst>
+                                </p:cTn>
+                              </p:par>
+                              <p:par>
+                                <p:cTn id="16" presetID="10" presetClass="exit" presetSubtype="0" fill="hold" nodeType="withEffect">
+                                  <p:stCondLst>
+                                    <p:cond delay="0"/>
+                                  </p:stCondLst>
+                                  <p:childTnLst>
+                                    <p:animEffect transition="out" filter="fade">
+                                      <p:cBhvr>
+                                        <p:cTn id="17" dur="2000"/>
+                                        <p:tgtEl>
+                                          <p:spTgt spid="7"/>
+                                        </p:tgtEl>
+                                      </p:cBhvr>
+                                    </p:animEffect>
+                                    <p:set>
+                                      <p:cBhvr>
+                                        <p:cTn id="18" dur="1" fill="hold">
+                                          <p:stCondLst>
+                                            <p:cond delay="1999"/>
+                                          </p:stCondLst>
+                                        </p:cTn>
+                                        <p:tgtEl>
+                                          <p:spTgt spid="7"/>
+                                        </p:tgtEl>
+                                        <p:attrNameLst>
+                                          <p:attrName>style.visibility</p:attrName>
+                                        </p:attrNameLst>
+                                      </p:cBhvr>
+                                      <p:to>
+                                        <p:strVal val="hidden"/>
+                                      </p:to>
+                                    </p:set>
+                                  </p:childTnLst>
+                                </p:cTn>
+                              </p:par>
+                            </p:childTnLst>
+                          </p:cTn>
+                        </p:par>
+                      </p:childTnLst>
+                    </p:cTn>
+                  </p:par>
+                  <p:par>
+                    <p:cTn id="19" fill="hold">
+                      <p:stCondLst>
+                        <p:cond delay="indefinite"/>
+                      </p:stCondLst>
+                      <p:childTnLst>
+                        <p:par>
+                          <p:cTn id="20" fill="hold">
+                            <p:stCondLst>
+                              <p:cond delay="0"/>
+                            </p:stCondLst>
+                            <p:childTnLst>
+                              <p:par>
+                                <p:cTn id="21" presetID="10" presetClass="entr" presetSubtype="0" fill="hold" grpId="0" nodeType="clickEffect">
+                                  <p:stCondLst>
+                                    <p:cond delay="0"/>
+                                  </p:stCondLst>
+                                  <p:childTnLst>
+                                    <p:set>
+                                      <p:cBhvr>
+                                        <p:cTn id="22" dur="1" fill="hold">
+                                          <p:stCondLst>
+                                            <p:cond delay="0"/>
+                                          </p:stCondLst>
+                                        </p:cTn>
+                                        <p:tgtEl>
+                                          <p:spTgt spid="9"/>
+                                        </p:tgtEl>
+                                        <p:attrNameLst>
+                                          <p:attrName>style.visibility</p:attrName>
+                                        </p:attrNameLst>
+                                      </p:cBhvr>
+                                      <p:to>
+                                        <p:strVal val="visible"/>
+                                      </p:to>
+                                    </p:set>
+                                    <p:animEffect transition="in" filter="fade">
+                                      <p:cBhvr>
+                                        <p:cTn id="23" dur="2000"/>
+                                        <p:tgtEl>
+                                          <p:spTgt spid="9"/>
+                                        </p:tgtEl>
+                                      </p:cBhvr>
+                                    </p:animEffect>
+                                  </p:childTnLst>
+                                </p:cTn>
+                              </p:par>
+                            </p:childTnLst>
+                          </p:cTn>
+                        </p:par>
+                      </p:childTnLst>
+                    </p:cTn>
+                  </p:par>
+                  <p:par>
+                    <p:cTn id="24" fill="hold">
+                      <p:stCondLst>
+                        <p:cond delay="indefinite"/>
+                      </p:stCondLst>
+                      <p:childTnLst>
+                        <p:par>
+                          <p:cTn id="25" fill="hold">
+                            <p:stCondLst>
+                              <p:cond delay="0"/>
+                            </p:stCondLst>
+                            <p:childTnLst>
+                              <p:par>
+                                <p:cTn id="26" presetID="9" presetClass="exit" presetSubtype="0" fill="hold" nodeType="clickEffect">
+                                  <p:stCondLst>
+                                    <p:cond delay="0"/>
+                                  </p:stCondLst>
+                                  <p:childTnLst>
+                                    <p:animEffect transition="out" filter="dissolve">
+                                      <p:cBhvr>
+                                        <p:cTn id="27" dur="500"/>
+                                        <p:tgtEl>
+                                          <p:spTgt spid="56322"/>
+                                        </p:tgtEl>
+                                      </p:cBhvr>
+                                    </p:animEffect>
+                                    <p:set>
+                                      <p:cBhvr>
+                                        <p:cTn id="28" dur="1" fill="hold">
+                                          <p:stCondLst>
+                                            <p:cond delay="499"/>
+                                          </p:stCondLst>
+                                        </p:cTn>
+                                        <p:tgtEl>
+                                          <p:spTgt spid="56322"/>
+                                        </p:tgtEl>
+                                        <p:attrNameLst>
+                                          <p:attrName>style.visibility</p:attrName>
+                                        </p:attrNameLst>
+                                      </p:cBhvr>
+                                      <p:to>
+                                        <p:strVal val="hidden"/>
+                                      </p:to>
+                                    </p:set>
+                                  </p:childTnLst>
+                                </p:cTn>
+                              </p:par>
+                            </p:childTnLst>
+                          </p:cTn>
+                        </p:par>
+                      </p:childTnLst>
+                    </p:cTn>
+                  </p:par>
+                  <p:par>
+                    <p:cTn id="29" fill="hold">
+                      <p:stCondLst>
+                        <p:cond delay="indefinite"/>
+                      </p:stCondLst>
+                      <p:childTnLst>
+                        <p:par>
+                          <p:cTn id="30" fill="hold">
+                            <p:stCondLst>
+                              <p:cond delay="0"/>
+                            </p:stCondLst>
+                            <p:childTnLst>
+                              <p:par>
+                                <p:cTn id="31" presetID="10" presetClass="entr" presetSubtype="0" fill="hold" grpId="0" nodeType="clickEffect">
+                                  <p:stCondLst>
+                                    <p:cond delay="0"/>
+                                  </p:stCondLst>
+                                  <p:childTnLst>
+                                    <p:set>
+                                      <p:cBhvr>
+                                        <p:cTn id="32" dur="1" fill="hold">
+                                          <p:stCondLst>
+                                            <p:cond delay="0"/>
+                                          </p:stCondLst>
+                                        </p:cTn>
+                                        <p:tgtEl>
+                                          <p:spTgt spid="10"/>
+                                        </p:tgtEl>
+                                        <p:attrNameLst>
+                                          <p:attrName>style.visibility</p:attrName>
+                                        </p:attrNameLst>
+                                      </p:cBhvr>
+                                      <p:to>
+                                        <p:strVal val="visible"/>
+                                      </p:to>
+                                    </p:set>
+                                    <p:animEffect transition="in" filter="fade">
+                                      <p:cBhvr>
+                                        <p:cTn id="33" dur="2000"/>
+                                        <p:tgtEl>
+                                          <p:spTgt spid="10"/>
+                                        </p:tgtEl>
+                                      </p:cBhvr>
+                                    </p:animEffect>
+                                  </p:childTnLst>
+                                </p:cTn>
+                              </p:par>
+                            </p:childTnLst>
+                          </p:cTn>
+                        </p:par>
+                      </p:childTnLst>
+                    </p:cTn>
+                  </p:par>
+                </p:childTnLst>
+              </p:cTn>
+              <p:prevCondLst>
+                <p:cond evt="onPrev" delay="0">
+                  <p:tgtEl>
+                    <p:sldTgt/>
+                  </p:tgtEl>
+                </p:cond>
+              </p:prevCondLst>
+              <p:nextCondLst>
+                <p:cond evt="onNext" delay="0">
+                  <p:tgtEl>
+                    <p:sldTgt/>
+                  </p:tgtEl>
+                </p:cond>
+              </p:nextCondLst>
+            </p:seq>
+          </p:childTnLst>
+        </p:cTn>
+      </p:par>
+    </p:tnLst>
+    <p:bldLst>
+      <p:bldP spid="9" grpId="0"/>
+      <p:bldP spid="10" grpId="0"/>
+    </p:bldLst>
+  </p:timing>
+</p:sld>
+</file>
+
+<file path=ppt/slides/slide33.xml><?xml version="1.0" encoding="utf-8"?>
+<p:sld xmlns:a="http://schemas.openxmlformats.org/drawingml/2006/main" xmlns:r="http://schemas.openxmlformats.org/officeDocument/2006/relationships" xmlns:p="http://schemas.openxmlformats.org/presentationml/2006/main">
+  <p:cSld>
+    <p:spTree>
+      <p:nvGrpSpPr>
+        <p:cNvPr id="1" name=""/>
+        <p:cNvGrpSpPr/>
+        <p:nvPr/>
+      </p:nvGrpSpPr>
+      <p:grpSpPr>
+        <a:xfrm>
+          <a:off x="0" y="0"/>
+          <a:ext cx="0" cy="0"/>
+          <a:chOff x="0" y="0"/>
+          <a:chExt cx="0" cy="0"/>
+        </a:xfrm>
+      </p:grpSpPr>
+      <p:sp>
+        <p:nvSpPr>
+          <p:cNvPr id="2" name="Titel 1"/>
+          <p:cNvSpPr>
+            <a:spLocks noGrp="1"/>
+          </p:cNvSpPr>
+          <p:nvPr>
+            <p:ph type="title"/>
+          </p:nvPr>
+        </p:nvSpPr>
+        <p:spPr/>
+        <p:txBody>
+          <a:bodyPr/>
+          <a:lstStyle/>
+          <a:p>
+            <a:r>
+              <a:rPr lang="de-CH" dirty="0" smtClean="0"/>
+              <a:t>Verkauf</a:t>
+            </a:r>
+            <a:endParaRPr lang="de-CH" dirty="0"/>
+          </a:p>
+        </p:txBody>
+      </p:sp>
+      <p:sp>
+        <p:nvSpPr>
+          <p:cNvPr id="3" name="Inhaltsplatzhalter 2"/>
+          <p:cNvSpPr>
+            <a:spLocks noGrp="1"/>
+          </p:cNvSpPr>
+          <p:nvPr>
+            <p:ph idx="1"/>
+          </p:nvPr>
+        </p:nvSpPr>
+        <p:spPr/>
+        <p:txBody>
+          <a:bodyPr/>
+          <a:lstStyle/>
+          <a:p>
+            <a:r>
+              <a:rPr lang="de-CH" dirty="0" smtClean="0"/>
+              <a:t>Copyright Probleme</a:t>
+            </a:r>
+          </a:p>
+          <a:p>
+            <a:r>
+              <a:rPr lang="de-CH" dirty="0" smtClean="0"/>
+              <a:t>Übernahme </a:t>
+            </a:r>
+            <a:r>
+              <a:rPr lang="de-CH" dirty="0" smtClean="0"/>
+              <a:t>von</a:t>
+            </a:r>
+          </a:p>
+          <a:p>
+            <a:pPr lvl="1"/>
+            <a:r>
+              <a:rPr lang="de-CH" dirty="0" smtClean="0"/>
+              <a:t>Grafiken</a:t>
+            </a:r>
+          </a:p>
+          <a:p>
+            <a:pPr lvl="1"/>
+            <a:r>
+              <a:rPr lang="de-CH" dirty="0" smtClean="0"/>
+              <a:t>Musik</a:t>
+            </a:r>
+          </a:p>
+          <a:p>
+            <a:pPr lvl="1"/>
+            <a:r>
+              <a:rPr lang="de-CH" dirty="0" err="1" smtClean="0"/>
+              <a:t>Gameplay</a:t>
+            </a:r>
+            <a:endParaRPr lang="de-CH" dirty="0" smtClean="0"/>
+          </a:p>
+          <a:p>
+            <a:r>
+              <a:rPr lang="de-CH" dirty="0" err="1" smtClean="0"/>
+              <a:t>Grosse</a:t>
+            </a:r>
+            <a:r>
+              <a:rPr lang="de-CH" dirty="0" smtClean="0"/>
+              <a:t> </a:t>
+            </a:r>
+            <a:r>
+              <a:rPr lang="de-CH" dirty="0" err="1" smtClean="0"/>
+              <a:t>Kentnisse</a:t>
+            </a:r>
+            <a:r>
+              <a:rPr lang="de-CH" dirty="0" smtClean="0"/>
+              <a:t> erhalten</a:t>
+            </a:r>
+          </a:p>
+          <a:p>
+            <a:pPr lvl="1"/>
+            <a:r>
+              <a:rPr lang="de-CH" dirty="0" smtClean="0"/>
+              <a:t>Möglicherweise Start eines eigenen Projekts</a:t>
+            </a:r>
+            <a:endParaRPr lang="de-CH" dirty="0" smtClean="0"/>
+          </a:p>
+          <a:p>
+            <a:endParaRPr lang="de-CH" dirty="0"/>
+          </a:p>
+        </p:txBody>
+      </p:sp>
+    </p:spTree>
+    <p:extLst>
+      <p:ext uri="{BB962C8B-B14F-4D97-AF65-F5344CB8AC3E}">
+        <p14:creationId xmlns:p14="http://schemas.microsoft.com/office/powerpoint/2010/main" xmlns="" val="1216741519"/>
+      </p:ext>
+    </p:extLst>
+  </p:cSld>
+  <p:clrMapOvr>
+    <a:masterClrMapping/>
+  </p:clrMapOvr>
+  <mc:AlternateContent xmlns:mc="http://schemas.openxmlformats.org/markup-compatibility/2006">
+    <mc:Choice xmlns:p14="http://schemas.microsoft.com/office/powerpoint/2010/main" xmlns="" Requires="p14">
+      <p:transition spd="slow" p14:dur="1200">
+        <p14:prism/>
+      </p:transition>
+    </mc:Choice>
+    <mc:Fallback>
+      <p:transition spd="slow">
+        <p:fade/>
+      </p:transition>
+    </mc:Fallback>
+  </mc:AlternateContent>
+  <p:timing>
+    <p:tnLst>
+      <p:par>
+        <p:cTn id="1" dur="indefinite" restart="never" nodeType="tmRoot">
+          <p:childTnLst>
+            <p:seq concurrent="1" nextAc="seek">
+              <p:cTn id="2" dur="indefinite" nodeType="mainSeq">
+                <p:childTnLst>
+                  <p:par>
+                    <p:cTn id="3" fill="hold">
+                      <p:stCondLst>
+                        <p:cond delay="indefinite"/>
+                      </p:stCondLst>
+                      <p:childTnLst>
+                        <p:par>
+                          <p:cTn id="4" fill="hold">
+                            <p:stCondLst>
+                              <p:cond delay="0"/>
+                            </p:stCondLst>
+                            <p:childTnLst>
+                              <p:par>
+                                <p:cTn id="5" presetID="1" presetClass="entr" presetSubtype="0" fill="hold" nodeType="clickEffect">
+                                  <p:stCondLst>
+                                    <p:cond delay="0"/>
+                                  </p:stCondLst>
+                                  <p:childTnLst>
+                                    <p:set>
+                                      <p:cBhvr>
+                                        <p:cTn id="6" dur="1" fill="hold">
+                                          <p:stCondLst>
+                                            <p:cond delay="0"/>
+                                          </p:stCondLst>
+                                        </p:cTn>
+                                        <p:tgtEl>
+                                          <p:spTgt spid="3">
+                                            <p:txEl>
+                                              <p:pRg st="0" end="0"/>
+                                            </p:txEl>
+                                          </p:spTgt>
+                                        </p:tgtEl>
+                                        <p:attrNameLst>
+                                          <p:attrName>style.visibility</p:attrName>
+                                        </p:attrNameLst>
+                                      </p:cBhvr>
+                                      <p:to>
+                                        <p:strVal val="visible"/>
+                                      </p:to>
+                                    </p:set>
+                                  </p:childTnLst>
+                                </p:cTn>
+                              </p:par>
+                            </p:childTnLst>
+                          </p:cTn>
+                        </p:par>
+                      </p:childTnLst>
+                    </p:cTn>
+                  </p:par>
+                  <p:par>
+                    <p:cTn id="7" fill="hold">
+                      <p:stCondLst>
+                        <p:cond delay="indefinite"/>
+                      </p:stCondLst>
+                      <p:childTnLst>
+                        <p:par>
+                          <p:cTn id="8" fill="hold">
+                            <p:stCondLst>
+                              <p:cond delay="0"/>
+                            </p:stCondLst>
+                            <p:childTnLst>
+                              <p:par>
+                                <p:cTn id="9" presetID="1" presetClass="entr" presetSubtype="0" fill="hold" nodeType="clickEffect">
+                                  <p:stCondLst>
+                                    <p:cond delay="0"/>
+                                  </p:stCondLst>
+                                  <p:childTnLst>
+                                    <p:set>
+                                      <p:cBhvr>
+                                        <p:cTn id="10" dur="1" fill="hold">
+                                          <p:stCondLst>
+                                            <p:cond delay="0"/>
+                                          </p:stCondLst>
+                                        </p:cTn>
+                                        <p:tgtEl>
+                                          <p:spTgt spid="3">
+                                            <p:txEl>
+                                              <p:pRg st="1" end="1"/>
+                                            </p:txEl>
+                                          </p:spTgt>
+                                        </p:tgtEl>
+                                        <p:attrNameLst>
+                                          <p:attrName>style.visibility</p:attrName>
+                                        </p:attrNameLst>
+                                      </p:cBhvr>
+                                      <p:to>
+                                        <p:strVal val="visible"/>
+                                      </p:to>
+                                    </p:set>
+                                  </p:childTnLst>
+                                </p:cTn>
+                              </p:par>
+                            </p:childTnLst>
+                          </p:cTn>
+                        </p:par>
+                      </p:childTnLst>
+                    </p:cTn>
+                  </p:par>
+                  <p:par>
+                    <p:cTn id="11" fill="hold">
+                      <p:stCondLst>
+                        <p:cond delay="indefinite"/>
+                      </p:stCondLst>
+                      <p:childTnLst>
+                        <p:par>
+                          <p:cTn id="12" fill="hold">
+                            <p:stCondLst>
+                              <p:cond delay="0"/>
+                            </p:stCondLst>
+                            <p:childTnLst>
+                              <p:par>
+                                <p:cTn id="13" presetID="1" presetClass="entr" presetSubtype="0" fill="hold" nodeType="clickEffect">
+                                  <p:stCondLst>
+                                    <p:cond delay="0"/>
+                                  </p:stCondLst>
+                                  <p:childTnLst>
+                                    <p:set>
+                                      <p:cBhvr>
+                                        <p:cTn id="14" dur="1" fill="hold">
+                                          <p:stCondLst>
+                                            <p:cond delay="0"/>
+                                          </p:stCondLst>
+                                        </p:cTn>
+                                        <p:tgtEl>
+                                          <p:spTgt spid="3">
+                                            <p:txEl>
+                                              <p:pRg st="2" end="2"/>
+                                            </p:txEl>
+                                          </p:spTgt>
+                                        </p:tgtEl>
+                                        <p:attrNameLst>
+                                          <p:attrName>style.visibility</p:attrName>
+                                        </p:attrNameLst>
+                                      </p:cBhvr>
+                                      <p:to>
+                                        <p:strVal val="visible"/>
+                                      </p:to>
+                                    </p:set>
+                                  </p:childTnLst>
+                                </p:cTn>
+                              </p:par>
+                            </p:childTnLst>
+                          </p:cTn>
+                        </p:par>
+                      </p:childTnLst>
+                    </p:cTn>
+                  </p:par>
+                  <p:par>
+                    <p:cTn id="15" fill="hold">
+                      <p:stCondLst>
+                        <p:cond delay="indefinite"/>
+                      </p:stCondLst>
+                      <p:childTnLst>
+                        <p:par>
+                          <p:cTn id="16" fill="hold">
+                            <p:stCondLst>
+                              <p:cond delay="0"/>
+                            </p:stCondLst>
+                            <p:childTnLst>
+                              <p:par>
+                                <p:cTn id="17" presetID="1" presetClass="entr" presetSubtype="0" fill="hold" nodeType="clickEffect">
+                                  <p:stCondLst>
+                                    <p:cond delay="0"/>
+                                  </p:stCondLst>
+                                  <p:childTnLst>
+                                    <p:set>
+                                      <p:cBhvr>
+                                        <p:cTn id="18" dur="1" fill="hold">
+                                          <p:stCondLst>
+                                            <p:cond delay="0"/>
+                                          </p:stCondLst>
+                                        </p:cTn>
+                                        <p:tgtEl>
+                                          <p:spTgt spid="3">
+                                            <p:txEl>
+                                              <p:pRg st="3" end="3"/>
+                                            </p:txEl>
+                                          </p:spTgt>
+                                        </p:tgtEl>
+                                        <p:attrNameLst>
+                                          <p:attrName>style.visibility</p:attrName>
+                                        </p:attrNameLst>
+                                      </p:cBhvr>
+                                      <p:to>
+                                        <p:strVal val="visible"/>
+                                      </p:to>
+                                    </p:set>
+                                  </p:childTnLst>
+                                </p:cTn>
+                              </p:par>
+                            </p:childTnLst>
+                          </p:cTn>
+                        </p:par>
+                      </p:childTnLst>
+                    </p:cTn>
+                  </p:par>
+                  <p:par>
+                    <p:cTn id="19" fill="hold">
+                      <p:stCondLst>
+                        <p:cond delay="indefinite"/>
+                      </p:stCondLst>
+                      <p:childTnLst>
+                        <p:par>
+                          <p:cTn id="20" fill="hold">
+                            <p:stCondLst>
+                              <p:cond delay="0"/>
+                            </p:stCondLst>
+                            <p:childTnLst>
+                              <p:par>
+                                <p:cTn id="21" presetID="1" presetClass="entr" presetSubtype="0" fill="hold" nodeType="clickEffect">
+                                  <p:stCondLst>
+                                    <p:cond delay="0"/>
+                                  </p:stCondLst>
+                                  <p:childTnLst>
+                                    <p:set>
+                                      <p:cBhvr>
+                                        <p:cTn id="22" dur="1" fill="hold">
+                                          <p:stCondLst>
+                                            <p:cond delay="0"/>
+                                          </p:stCondLst>
+                                        </p:cTn>
+                                        <p:tgtEl>
+                                          <p:spTgt spid="3">
+                                            <p:txEl>
+                                              <p:pRg st="4" end="4"/>
+                                            </p:txEl>
+                                          </p:spTgt>
+                                        </p:tgtEl>
+                                        <p:attrNameLst>
+                                          <p:attrName>style.visibility</p:attrName>
+                                        </p:attrNameLst>
+                                      </p:cBhvr>
+                                      <p:to>
+                                        <p:strVal val="visible"/>
+                                      </p:to>
+                                    </p:set>
+                                  </p:childTnLst>
+                                </p:cTn>
+                              </p:par>
+                            </p:childTnLst>
+                          </p:cTn>
+                        </p:par>
+                      </p:childTnLst>
+                    </p:cTn>
+                  </p:par>
+                  <p:par>
+                    <p:cTn id="23" fill="hold">
+                      <p:stCondLst>
+                        <p:cond delay="indefinite"/>
+                      </p:stCondLst>
+                      <p:childTnLst>
+                        <p:par>
+                          <p:cTn id="24" fill="hold">
+                            <p:stCondLst>
+                              <p:cond delay="0"/>
+                            </p:stCondLst>
+                            <p:childTnLst>
+                              <p:par>
+                                <p:cTn id="25" presetID="1" presetClass="entr" presetSubtype="0" fill="hold" nodeType="clickEffect">
+                                  <p:stCondLst>
+                                    <p:cond delay="0"/>
+                                  </p:stCondLst>
+                                  <p:childTnLst>
+                                    <p:set>
+                                      <p:cBhvr>
+                                        <p:cTn id="26" dur="1" fill="hold">
+                                          <p:stCondLst>
+                                            <p:cond delay="0"/>
+                                          </p:stCondLst>
+                                        </p:cTn>
+                                        <p:tgtEl>
+                                          <p:spTgt spid="3">
+                                            <p:txEl>
+                                              <p:pRg st="5" end="5"/>
+                                            </p:txEl>
+                                          </p:spTgt>
+                                        </p:tgtEl>
+                                        <p:attrNameLst>
+                                          <p:attrName>style.visibility</p:attrName>
+                                        </p:attrNameLst>
+                                      </p:cBhvr>
+                                      <p:to>
+                                        <p:strVal val="visible"/>
+                                      </p:to>
+                                    </p:set>
+                                  </p:childTnLst>
+                                </p:cTn>
+                              </p:par>
+                            </p:childTnLst>
+                          </p:cTn>
+                        </p:par>
+                      </p:childTnLst>
+                    </p:cTn>
+                  </p:par>
+                  <p:par>
+                    <p:cTn id="27" fill="hold">
+                      <p:stCondLst>
+                        <p:cond delay="indefinite"/>
+                      </p:stCondLst>
+                      <p:childTnLst>
+                        <p:par>
+                          <p:cTn id="28" fill="hold">
+                            <p:stCondLst>
+                              <p:cond delay="0"/>
+                            </p:stCondLst>
+                            <p:childTnLst>
+                              <p:par>
+                                <p:cTn id="29" presetID="1" presetClass="entr" presetSubtype="0" fill="hold" nodeType="clickEffect">
+                                  <p:stCondLst>
+                                    <p:cond delay="0"/>
+                                  </p:stCondLst>
+                                  <p:childTnLst>
+                                    <p:set>
+                                      <p:cBhvr>
+                                        <p:cTn id="30" dur="1" fill="hold">
+                                          <p:stCondLst>
+                                            <p:cond delay="0"/>
+                                          </p:stCondLst>
+                                        </p:cTn>
+                                        <p:tgtEl>
+                                          <p:spTgt spid="3">
+                                            <p:txEl>
+                                              <p:pRg st="6" end="6"/>
+                                            </p:txEl>
+                                          </p:spTgt>
+                                        </p:tgtEl>
+                                        <p:attrNameLst>
+                                          <p:attrName>style.visibility</p:attrName>
+                                        </p:attrNameLst>
+                                      </p:cBhvr>
+                                      <p:to>
+                                        <p:strVal val="visible"/>
+                                      </p:to>
+                                    </p:set>
+                                  </p:childTnLst>
+                                </p:cTn>
+                              </p:par>
+                            </p:childTnLst>
+                          </p:cTn>
+                        </p:par>
+                      </p:childTnLst>
+                    </p:cTn>
+                  </p:par>
+                </p:childTnLst>
+              </p:cTn>
+              <p:prevCondLst>
+                <p:cond evt="onPrev" delay="0">
+                  <p:tgtEl>
+                    <p:sldTgt/>
+                  </p:tgtEl>
+                </p:cond>
+              </p:prevCondLst>
+              <p:nextCondLst>
+                <p:cond evt="onNext" delay="0">
+                  <p:tgtEl>
+                    <p:sldTgt/>
+                  </p:tgtEl>
+                </p:cond>
+              </p:nextCondLst>
+            </p:seq>
+          </p:childTnLst>
+        </p:cTn>
+      </p:par>
+    </p:tnLst>
+  </p:timing>
+</p:sld>
+</file>
+
+<file path=ppt/slides/slide34.xml><?xml version="1.0" encoding="utf-8"?>
+<p:sld xmlns:a="http://schemas.openxmlformats.org/drawingml/2006/main" xmlns:r="http://schemas.openxmlformats.org/officeDocument/2006/relationships" xmlns:p="http://schemas.openxmlformats.org/presentationml/2006/main">
+  <p:cSld>
+    <p:spTree>
+      <p:nvGrpSpPr>
+        <p:cNvPr id="1" name=""/>
+        <p:cNvGrpSpPr/>
+        <p:nvPr/>
+      </p:nvGrpSpPr>
+      <p:grpSpPr>
+        <a:xfrm>
+          <a:off x="0" y="0"/>
+          <a:ext cx="0" cy="0"/>
+          <a:chOff x="0" y="0"/>
+          <a:chExt cx="0" cy="0"/>
+        </a:xfrm>
+      </p:grpSpPr>
+      <p:sp>
+        <p:nvSpPr>
+          <p:cNvPr id="2" name="Title 1"/>
+          <p:cNvSpPr>
+            <a:spLocks noGrp="1"/>
+          </p:cNvSpPr>
+          <p:nvPr>
+            <p:ph type="title"/>
+          </p:nvPr>
+        </p:nvSpPr>
+        <p:spPr/>
+        <p:txBody>
+          <a:bodyPr/>
+          <a:lstStyle/>
+          <a:p>
+            <a:r>
+              <a:rPr lang="de-CH" dirty="0" smtClean="0"/>
+              <a:t>Fazit - Ilija</a:t>
+            </a:r>
+            <a:endParaRPr lang="de-CH" dirty="0"/>
+          </a:p>
+        </p:txBody>
+      </p:sp>
+      <p:sp>
+        <p:nvSpPr>
+          <p:cNvPr id="3" name="Content Placeholder 2"/>
           <p:cNvSpPr>
             <a:spLocks noGrp="1"/>
           </p:cNvSpPr>
@@ -13891,39 +17245,75 @@
         <p:spPr/>
         <p:txBody>
           <a:bodyPr>
-            <a:noAutofit/>
+            <a:normAutofit/>
           </a:bodyPr>
           <a:lstStyle/>
           <a:p>
-            <a:pPr marL="0" indent="0" algn="ctr">
+            <a:pPr marL="0" indent="0">
               <a:buNone/>
             </a:pPr>
             <a:r>
-              <a:rPr lang="de-CH" sz="19900" dirty="0" smtClean="0"/>
-              <a:t>?</a:t>
-            </a:r>
-            <a:endParaRPr lang="de-CH" sz="19900" dirty="0"/>
+              <a:rPr lang="de-CH" sz="4000" b="1" dirty="0" smtClean="0">
+                <a:solidFill>
+                  <a:srgbClr val="405B03"/>
+                </a:solidFill>
+              </a:rPr>
+              <a:t>+</a:t>
+            </a:r>
+          </a:p>
+          <a:p>
+            <a:r>
+              <a:rPr lang="de-CH" dirty="0" smtClean="0"/>
+              <a:t>Sehr interessantes und lehrreiches Projekt</a:t>
+            </a:r>
+          </a:p>
+          <a:p>
+            <a:r>
+              <a:rPr lang="de-CH" dirty="0" smtClean="0"/>
+              <a:t>Verwirklichung eines Kindheitstraums</a:t>
+            </a:r>
+          </a:p>
+          <a:p>
+            <a:r>
+              <a:rPr lang="de-CH" dirty="0" smtClean="0"/>
+              <a:t>Gute </a:t>
+            </a:r>
+            <a:r>
+              <a:rPr lang="de-CH" dirty="0" smtClean="0"/>
+              <a:t>Zusammenarbeit</a:t>
+            </a:r>
+          </a:p>
+          <a:p>
+            <a:r>
+              <a:rPr lang="de-CH" dirty="0" err="1" smtClean="0"/>
+              <a:t>Assembly</a:t>
+            </a:r>
+            <a:r>
+              <a:rPr lang="de-CH" dirty="0" smtClean="0"/>
+              <a:t>??</a:t>
+            </a:r>
+            <a:endParaRPr lang="de-CH" dirty="0" smtClean="0"/>
           </a:p>
         </p:txBody>
       </p:sp>
     </p:spTree>
     <p:extLst>
       <p:ext uri="{BB962C8B-B14F-4D97-AF65-F5344CB8AC3E}">
-        <p14:creationId xmlns:p14="http://schemas.microsoft.com/office/powerpoint/2010/main" val="2682229460"/>
+        <p14:creationId xmlns:p14="http://schemas.microsoft.com/office/powerpoint/2010/main" xmlns="" val="1306575274"/>
       </p:ext>
     </p:extLst>
   </p:cSld>
   <p:clrMapOvr>
     <a:masterClrMapping/>
   </p:clrMapOvr>
-  <mc:AlternateContent xmlns:mc="http://schemas.openxmlformats.org/markup-compatibility/2006" xmlns:p14="http://schemas.microsoft.com/office/powerpoint/2010/main">
-    <mc:Choice Requires="p14">
+  <mc:AlternateContent xmlns:mc="http://schemas.openxmlformats.org/markup-compatibility/2006">
+    <mc:Choice xmlns:p14="http://schemas.microsoft.com/office/powerpoint/2010/main" xmlns="" Requires="p14">
       <p:transition spd="slow" p14:dur="1200">
         <p14:prism/>
       </p:transition>
     </mc:Choice>
-    <mc:Fallback xmlns="">
-      <p:transition xmlns:p14="http://schemas.microsoft.com/office/powerpoint/2010/main" spd="slow">
+    <mc:Fallback>
+      <p:transition spd="slow">
         <p:fade/>
       </p:transition>
     </mc:Fallback>
@@ -13931,14 +17321,1015 @@
   <p:timing>
     <p:tnLst>
       <p:par>
-        <p:cTn xmlns:p14="http://schemas.microsoft.com/office/powerpoint/2010/main" id="1" dur="indefinite" restart="never" nodeType="tmRoot"/>
+        <p:cTn id="1" dur="indefinite" restart="never" nodeType="tmRoot">
+          <p:childTnLst>
+            <p:seq concurrent="1" nextAc="seek">
+              <p:cTn id="2" dur="indefinite" nodeType="mainSeq">
+                <p:childTnLst>
+                  <p:par>
+                    <p:cTn id="3" fill="hold">
+                      <p:stCondLst>
+                        <p:cond delay="indefinite"/>
+                      </p:stCondLst>
+                      <p:childTnLst>
+                        <p:par>
+                          <p:cTn id="4" fill="hold">
+                            <p:stCondLst>
+                              <p:cond delay="0"/>
+                            </p:stCondLst>
+                            <p:childTnLst>
+                              <p:par>
+                                <p:cTn id="5" presetID="1" presetClass="entr" presetSubtype="0" fill="hold" nodeType="clickEffect">
+                                  <p:stCondLst>
+                                    <p:cond delay="0"/>
+                                  </p:stCondLst>
+                                  <p:childTnLst>
+                                    <p:set>
+                                      <p:cBhvr>
+                                        <p:cTn id="6" dur="1" fill="hold">
+                                          <p:stCondLst>
+                                            <p:cond delay="0"/>
+                                          </p:stCondLst>
+                                        </p:cTn>
+                                        <p:tgtEl>
+                                          <p:spTgt spid="3">
+                                            <p:txEl>
+                                              <p:pRg st="1" end="1"/>
+                                            </p:txEl>
+                                          </p:spTgt>
+                                        </p:tgtEl>
+                                        <p:attrNameLst>
+                                          <p:attrName>style.visibility</p:attrName>
+                                        </p:attrNameLst>
+                                      </p:cBhvr>
+                                      <p:to>
+                                        <p:strVal val="visible"/>
+                                      </p:to>
+                                    </p:set>
+                                  </p:childTnLst>
+                                </p:cTn>
+                              </p:par>
+                            </p:childTnLst>
+                          </p:cTn>
+                        </p:par>
+                      </p:childTnLst>
+                    </p:cTn>
+                  </p:par>
+                  <p:par>
+                    <p:cTn id="7" fill="hold">
+                      <p:stCondLst>
+                        <p:cond delay="indefinite"/>
+                      </p:stCondLst>
+                      <p:childTnLst>
+                        <p:par>
+                          <p:cTn id="8" fill="hold">
+                            <p:stCondLst>
+                              <p:cond delay="0"/>
+                            </p:stCondLst>
+                            <p:childTnLst>
+                              <p:par>
+                                <p:cTn id="9" presetID="1" presetClass="entr" presetSubtype="0" fill="hold" nodeType="clickEffect">
+                                  <p:stCondLst>
+                                    <p:cond delay="0"/>
+                                  </p:stCondLst>
+                                  <p:childTnLst>
+                                    <p:set>
+                                      <p:cBhvr>
+                                        <p:cTn id="10" dur="1" fill="hold">
+                                          <p:stCondLst>
+                                            <p:cond delay="0"/>
+                                          </p:stCondLst>
+                                        </p:cTn>
+                                        <p:tgtEl>
+                                          <p:spTgt spid="3">
+                                            <p:txEl>
+                                              <p:pRg st="2" end="2"/>
+                                            </p:txEl>
+                                          </p:spTgt>
+                                        </p:tgtEl>
+                                        <p:attrNameLst>
+                                          <p:attrName>style.visibility</p:attrName>
+                                        </p:attrNameLst>
+                                      </p:cBhvr>
+                                      <p:to>
+                                        <p:strVal val="visible"/>
+                                      </p:to>
+                                    </p:set>
+                                  </p:childTnLst>
+                                </p:cTn>
+                              </p:par>
+                            </p:childTnLst>
+                          </p:cTn>
+                        </p:par>
+                      </p:childTnLst>
+                    </p:cTn>
+                  </p:par>
+                  <p:par>
+                    <p:cTn id="11" fill="hold">
+                      <p:stCondLst>
+                        <p:cond delay="indefinite"/>
+                      </p:stCondLst>
+                      <p:childTnLst>
+                        <p:par>
+                          <p:cTn id="12" fill="hold">
+                            <p:stCondLst>
+                              <p:cond delay="0"/>
+                            </p:stCondLst>
+                            <p:childTnLst>
+                              <p:par>
+                                <p:cTn id="13" presetID="1" presetClass="entr" presetSubtype="0" fill="hold" nodeType="clickEffect">
+                                  <p:stCondLst>
+                                    <p:cond delay="0"/>
+                                  </p:stCondLst>
+                                  <p:childTnLst>
+                                    <p:set>
+                                      <p:cBhvr>
+                                        <p:cTn id="14" dur="1" fill="hold">
+                                          <p:stCondLst>
+                                            <p:cond delay="0"/>
+                                          </p:stCondLst>
+                                        </p:cTn>
+                                        <p:tgtEl>
+                                          <p:spTgt spid="3">
+                                            <p:txEl>
+                                              <p:pRg st="3" end="3"/>
+                                            </p:txEl>
+                                          </p:spTgt>
+                                        </p:tgtEl>
+                                        <p:attrNameLst>
+                                          <p:attrName>style.visibility</p:attrName>
+                                        </p:attrNameLst>
+                                      </p:cBhvr>
+                                      <p:to>
+                                        <p:strVal val="visible"/>
+                                      </p:to>
+                                    </p:set>
+                                  </p:childTnLst>
+                                </p:cTn>
+                              </p:par>
+                            </p:childTnLst>
+                          </p:cTn>
+                        </p:par>
+                      </p:childTnLst>
+                    </p:cTn>
+                  </p:par>
+                  <p:par>
+                    <p:cTn id="15" fill="hold">
+                      <p:stCondLst>
+                        <p:cond delay="indefinite"/>
+                      </p:stCondLst>
+                      <p:childTnLst>
+                        <p:par>
+                          <p:cTn id="16" fill="hold">
+                            <p:stCondLst>
+                              <p:cond delay="0"/>
+                            </p:stCondLst>
+                            <p:childTnLst>
+                              <p:par>
+                                <p:cTn id="17" presetID="1" presetClass="entr" presetSubtype="0" fill="hold" nodeType="clickEffect">
+                                  <p:stCondLst>
+                                    <p:cond delay="0"/>
+                                  </p:stCondLst>
+                                  <p:childTnLst>
+                                    <p:set>
+                                      <p:cBhvr>
+                                        <p:cTn id="18" dur="1" fill="hold">
+                                          <p:stCondLst>
+                                            <p:cond delay="0"/>
+                                          </p:stCondLst>
+                                        </p:cTn>
+                                        <p:tgtEl>
+                                          <p:spTgt spid="3">
+                                            <p:txEl>
+                                              <p:pRg st="4" end="4"/>
+                                            </p:txEl>
+                                          </p:spTgt>
+                                        </p:tgtEl>
+                                        <p:attrNameLst>
+                                          <p:attrName>style.visibility</p:attrName>
+                                        </p:attrNameLst>
+                                      </p:cBhvr>
+                                      <p:to>
+                                        <p:strVal val="visible"/>
+                                      </p:to>
+                                    </p:set>
+                                  </p:childTnLst>
+                                </p:cTn>
+                              </p:par>
+                            </p:childTnLst>
+                          </p:cTn>
+                        </p:par>
+                      </p:childTnLst>
+                    </p:cTn>
+                  </p:par>
+                </p:childTnLst>
+              </p:cTn>
+              <p:prevCondLst>
+                <p:cond evt="onPrev" delay="0">
+                  <p:tgtEl>
+                    <p:sldTgt/>
+                  </p:tgtEl>
+                </p:cond>
+              </p:prevCondLst>
+              <p:nextCondLst>
+                <p:cond evt="onNext" delay="0">
+                  <p:tgtEl>
+                    <p:sldTgt/>
+                  </p:tgtEl>
+                </p:cond>
+              </p:nextCondLst>
+            </p:seq>
+          </p:childTnLst>
+        </p:cTn>
       </p:par>
     </p:tnLst>
   </p:timing>
 </p:sld>
 </file>
 
-<file path=ppt/slides/slide31.xml><?xml version="1.0" encoding="utf-8"?>
+<file path=ppt/slides/slide35.xml><?xml version="1.0" encoding="utf-8"?>
+<p:sld xmlns:a="http://schemas.openxmlformats.org/drawingml/2006/main" xmlns:r="http://schemas.openxmlformats.org/officeDocument/2006/relationships" xmlns:p="http://schemas.openxmlformats.org/presentationml/2006/main">
+  <p:cSld>
+    <p:spTree>
+      <p:nvGrpSpPr>
+        <p:cNvPr id="1" name=""/>
+        <p:cNvGrpSpPr/>
+        <p:nvPr/>
+      </p:nvGrpSpPr>
+      <p:grpSpPr>
+        <a:xfrm>
+          <a:off x="0" y="0"/>
+          <a:ext cx="0" cy="0"/>
+          <a:chOff x="0" y="0"/>
+          <a:chExt cx="0" cy="0"/>
+        </a:xfrm>
+      </p:grpSpPr>
+      <p:sp>
+        <p:nvSpPr>
+          <p:cNvPr id="2" name="Title 1"/>
+          <p:cNvSpPr>
+            <a:spLocks noGrp="1"/>
+          </p:cNvSpPr>
+          <p:nvPr>
+            <p:ph type="title"/>
+          </p:nvPr>
+        </p:nvSpPr>
+        <p:spPr/>
+        <p:txBody>
+          <a:bodyPr/>
+          <a:lstStyle/>
+          <a:p>
+            <a:r>
+              <a:rPr lang="de-CH" dirty="0" smtClean="0"/>
+              <a:t>Fazit - Ilija</a:t>
+            </a:r>
+            <a:endParaRPr lang="de-CH" dirty="0"/>
+          </a:p>
+        </p:txBody>
+      </p:sp>
+      <p:sp>
+        <p:nvSpPr>
+          <p:cNvPr id="3" name="Content Placeholder 2"/>
+          <p:cNvSpPr>
+            <a:spLocks noGrp="1"/>
+          </p:cNvSpPr>
+          <p:nvPr>
+            <p:ph idx="1"/>
+          </p:nvPr>
+        </p:nvSpPr>
+        <p:spPr/>
+        <p:txBody>
+          <a:bodyPr>
+            <a:normAutofit/>
+          </a:bodyPr>
+          <a:lstStyle/>
+          <a:p>
+            <a:pPr marL="0" indent="0">
+              <a:buNone/>
+            </a:pPr>
+            <a:r>
+              <a:rPr lang="de-CH" sz="4300" b="1" dirty="0" smtClean="0">
+                <a:solidFill>
+                  <a:srgbClr val="FF0000"/>
+                </a:solidFill>
+              </a:rPr>
+              <a:t>-</a:t>
+            </a:r>
+            <a:endParaRPr lang="de-CH" sz="4300" b="1" dirty="0">
+              <a:solidFill>
+                <a:srgbClr val="FF0000"/>
+              </a:solidFill>
+            </a:endParaRPr>
+          </a:p>
+          <a:p>
+            <a:r>
+              <a:rPr lang="de-CH" dirty="0"/>
+              <a:t>Grosser Zeitdruck</a:t>
+            </a:r>
+          </a:p>
+          <a:p>
+            <a:r>
+              <a:rPr lang="de-CH" dirty="0"/>
+              <a:t>Nicht vermarkt bar aufgrund des </a:t>
+            </a:r>
+            <a:r>
+              <a:rPr lang="de-CH" dirty="0" smtClean="0"/>
+              <a:t>Copyrights</a:t>
+            </a:r>
+          </a:p>
+          <a:p>
+            <a:pPr lvl="1"/>
+            <a:r>
+              <a:rPr lang="de-CH" sz="2000" dirty="0" smtClean="0"/>
+              <a:t>Hätte </a:t>
+            </a:r>
+            <a:r>
+              <a:rPr lang="de-CH" sz="2000" dirty="0"/>
+              <a:t>sich gut verkauft</a:t>
+            </a:r>
+          </a:p>
+        </p:txBody>
+      </p:sp>
+    </p:spTree>
+    <p:extLst>
+      <p:ext uri="{BB962C8B-B14F-4D97-AF65-F5344CB8AC3E}">
+        <p14:creationId xmlns:p14="http://schemas.microsoft.com/office/powerpoint/2010/main" xmlns="" val="1090883704"/>
+      </p:ext>
+    </p:extLst>
+  </p:cSld>
+  <p:clrMapOvr>
+    <a:masterClrMapping/>
+  </p:clrMapOvr>
+  <mc:AlternateContent xmlns:mc="http://schemas.openxmlformats.org/markup-compatibility/2006">
+    <mc:Choice xmlns:p14="http://schemas.microsoft.com/office/powerpoint/2010/main" xmlns="" Requires="p14">
+      <p:transition spd="slow" p14:dur="1200">
+        <p14:prism/>
+      </p:transition>
+    </mc:Choice>
+    <mc:Fallback>
+      <p:transition spd="slow">
+        <p:fade/>
+      </p:transition>
+    </mc:Fallback>
+  </mc:AlternateContent>
+  <p:timing>
+    <p:tnLst>
+      <p:par>
+        <p:cTn id="1" dur="indefinite" restart="never" nodeType="tmRoot">
+          <p:childTnLst>
+            <p:seq concurrent="1" nextAc="seek">
+              <p:cTn id="2" dur="indefinite" nodeType="mainSeq">
+                <p:childTnLst>
+                  <p:par>
+                    <p:cTn id="3" fill="hold">
+                      <p:stCondLst>
+                        <p:cond delay="indefinite"/>
+                      </p:stCondLst>
+                      <p:childTnLst>
+                        <p:par>
+                          <p:cTn id="4" fill="hold">
+                            <p:stCondLst>
+                              <p:cond delay="0"/>
+                            </p:stCondLst>
+                            <p:childTnLst>
+                              <p:par>
+                                <p:cTn id="5" presetID="1" presetClass="entr" presetSubtype="0" fill="hold" nodeType="clickEffect">
+                                  <p:stCondLst>
+                                    <p:cond delay="0"/>
+                                  </p:stCondLst>
+                                  <p:childTnLst>
+                                    <p:set>
+                                      <p:cBhvr>
+                                        <p:cTn id="6" dur="1" fill="hold">
+                                          <p:stCondLst>
+                                            <p:cond delay="0"/>
+                                          </p:stCondLst>
+                                        </p:cTn>
+                                        <p:tgtEl>
+                                          <p:spTgt spid="3">
+                                            <p:txEl>
+                                              <p:pRg st="1" end="1"/>
+                                            </p:txEl>
+                                          </p:spTgt>
+                                        </p:tgtEl>
+                                        <p:attrNameLst>
+                                          <p:attrName>style.visibility</p:attrName>
+                                        </p:attrNameLst>
+                                      </p:cBhvr>
+                                      <p:to>
+                                        <p:strVal val="visible"/>
+                                      </p:to>
+                                    </p:set>
+                                  </p:childTnLst>
+                                </p:cTn>
+                              </p:par>
+                            </p:childTnLst>
+                          </p:cTn>
+                        </p:par>
+                      </p:childTnLst>
+                    </p:cTn>
+                  </p:par>
+                  <p:par>
+                    <p:cTn id="7" fill="hold">
+                      <p:stCondLst>
+                        <p:cond delay="indefinite"/>
+                      </p:stCondLst>
+                      <p:childTnLst>
+                        <p:par>
+                          <p:cTn id="8" fill="hold">
+                            <p:stCondLst>
+                              <p:cond delay="0"/>
+                            </p:stCondLst>
+                            <p:childTnLst>
+                              <p:par>
+                                <p:cTn id="9" presetID="1" presetClass="entr" presetSubtype="0" fill="hold" nodeType="clickEffect">
+                                  <p:stCondLst>
+                                    <p:cond delay="0"/>
+                                  </p:stCondLst>
+                                  <p:childTnLst>
+                                    <p:set>
+                                      <p:cBhvr>
+                                        <p:cTn id="10" dur="1" fill="hold">
+                                          <p:stCondLst>
+                                            <p:cond delay="0"/>
+                                          </p:stCondLst>
+                                        </p:cTn>
+                                        <p:tgtEl>
+                                          <p:spTgt spid="3">
+                                            <p:txEl>
+                                              <p:pRg st="2" end="2"/>
+                                            </p:txEl>
+                                          </p:spTgt>
+                                        </p:tgtEl>
+                                        <p:attrNameLst>
+                                          <p:attrName>style.visibility</p:attrName>
+                                        </p:attrNameLst>
+                                      </p:cBhvr>
+                                      <p:to>
+                                        <p:strVal val="visible"/>
+                                      </p:to>
+                                    </p:set>
+                                  </p:childTnLst>
+                                </p:cTn>
+                              </p:par>
+                            </p:childTnLst>
+                          </p:cTn>
+                        </p:par>
+                      </p:childTnLst>
+                    </p:cTn>
+                  </p:par>
+                  <p:par>
+                    <p:cTn id="11" fill="hold">
+                      <p:stCondLst>
+                        <p:cond delay="indefinite"/>
+                      </p:stCondLst>
+                      <p:childTnLst>
+                        <p:par>
+                          <p:cTn id="12" fill="hold">
+                            <p:stCondLst>
+                              <p:cond delay="0"/>
+                            </p:stCondLst>
+                            <p:childTnLst>
+                              <p:par>
+                                <p:cTn id="13" presetID="1" presetClass="entr" presetSubtype="0" fill="hold" nodeType="clickEffect">
+                                  <p:stCondLst>
+                                    <p:cond delay="0"/>
+                                  </p:stCondLst>
+                                  <p:childTnLst>
+                                    <p:set>
+                                      <p:cBhvr>
+                                        <p:cTn id="14" dur="1" fill="hold">
+                                          <p:stCondLst>
+                                            <p:cond delay="0"/>
+                                          </p:stCondLst>
+                                        </p:cTn>
+                                        <p:tgtEl>
+                                          <p:spTgt spid="3">
+                                            <p:txEl>
+                                              <p:pRg st="3" end="3"/>
+                                            </p:txEl>
+                                          </p:spTgt>
+                                        </p:tgtEl>
+                                        <p:attrNameLst>
+                                          <p:attrName>style.visibility</p:attrName>
+                                        </p:attrNameLst>
+                                      </p:cBhvr>
+                                      <p:to>
+                                        <p:strVal val="visible"/>
+                                      </p:to>
+                                    </p:set>
+                                  </p:childTnLst>
+                                </p:cTn>
+                              </p:par>
+                            </p:childTnLst>
+                          </p:cTn>
+                        </p:par>
+                      </p:childTnLst>
+                    </p:cTn>
+                  </p:par>
+                </p:childTnLst>
+              </p:cTn>
+              <p:prevCondLst>
+                <p:cond evt="onPrev" delay="0">
+                  <p:tgtEl>
+                    <p:sldTgt/>
+                  </p:tgtEl>
+                </p:cond>
+              </p:prevCondLst>
+              <p:nextCondLst>
+                <p:cond evt="onNext" delay="0">
+                  <p:tgtEl>
+                    <p:sldTgt/>
+                  </p:tgtEl>
+                </p:cond>
+              </p:nextCondLst>
+            </p:seq>
+          </p:childTnLst>
+        </p:cTn>
+      </p:par>
+    </p:tnLst>
+  </p:timing>
+</p:sld>
+</file>
+
+<file path=ppt/slides/slide36.xml><?xml version="1.0" encoding="utf-8"?>
+<p:sld xmlns:a="http://schemas.openxmlformats.org/drawingml/2006/main" xmlns:r="http://schemas.openxmlformats.org/officeDocument/2006/relationships" xmlns:p="http://schemas.openxmlformats.org/presentationml/2006/main">
+  <p:cSld>
+    <p:spTree>
+      <p:nvGrpSpPr>
+        <p:cNvPr id="1" name=""/>
+        <p:cNvGrpSpPr/>
+        <p:nvPr/>
+      </p:nvGrpSpPr>
+      <p:grpSpPr>
+        <a:xfrm>
+          <a:off x="0" y="0"/>
+          <a:ext cx="0" cy="0"/>
+          <a:chOff x="0" y="0"/>
+          <a:chExt cx="0" cy="0"/>
+        </a:xfrm>
+      </p:grpSpPr>
+      <p:sp>
+        <p:nvSpPr>
+          <p:cNvPr id="2" name="Title 1"/>
+          <p:cNvSpPr>
+            <a:spLocks noGrp="1"/>
+          </p:cNvSpPr>
+          <p:nvPr>
+            <p:ph type="title"/>
+          </p:nvPr>
+        </p:nvSpPr>
+        <p:spPr/>
+        <p:txBody>
+          <a:bodyPr/>
+          <a:lstStyle/>
+          <a:p>
+            <a:r>
+              <a:rPr lang="de-CH" dirty="0" smtClean="0"/>
+              <a:t>Fazit - Lukas</a:t>
+            </a:r>
+            <a:endParaRPr lang="de-CH" dirty="0"/>
+          </a:p>
+        </p:txBody>
+      </p:sp>
+      <p:sp>
+        <p:nvSpPr>
+          <p:cNvPr id="3" name="Content Placeholder 2"/>
+          <p:cNvSpPr>
+            <a:spLocks noGrp="1"/>
+          </p:cNvSpPr>
+          <p:nvPr>
+            <p:ph idx="1"/>
+          </p:nvPr>
+        </p:nvSpPr>
+        <p:spPr/>
+        <p:txBody>
+          <a:bodyPr>
+            <a:normAutofit/>
+          </a:bodyPr>
+          <a:lstStyle/>
+          <a:p>
+            <a:pPr marL="0" indent="0">
+              <a:buNone/>
+            </a:pPr>
+            <a:r>
+              <a:rPr lang="de-CH" sz="4000" b="1" dirty="0" smtClean="0">
+                <a:solidFill>
+                  <a:srgbClr val="405B03"/>
+                </a:solidFill>
+              </a:rPr>
+              <a:t>+</a:t>
+            </a:r>
+          </a:p>
+          <a:p>
+            <a:r>
+              <a:rPr lang="de-CH" dirty="0" smtClean="0"/>
+              <a:t>Lernen an echtem Projekt</a:t>
+            </a:r>
+          </a:p>
+          <a:p>
+            <a:r>
+              <a:rPr lang="de-CH" dirty="0" smtClean="0"/>
+              <a:t>Gute gegenseitige Unterstützung</a:t>
+            </a:r>
+          </a:p>
+          <a:p>
+            <a:r>
+              <a:rPr lang="de-CH" dirty="0" smtClean="0"/>
+              <a:t>Grundstein für Zukunft</a:t>
+            </a:r>
+          </a:p>
+        </p:txBody>
+      </p:sp>
+    </p:spTree>
+    <p:extLst>
+      <p:ext uri="{BB962C8B-B14F-4D97-AF65-F5344CB8AC3E}">
+        <p14:creationId xmlns:p14="http://schemas.microsoft.com/office/powerpoint/2010/main" xmlns="" val="1165028694"/>
+      </p:ext>
+    </p:extLst>
+  </p:cSld>
+  <p:clrMapOvr>
+    <a:masterClrMapping/>
+  </p:clrMapOvr>
+  <mc:AlternateContent xmlns:mc="http://schemas.openxmlformats.org/markup-compatibility/2006">
+    <mc:Choice xmlns:p14="http://schemas.microsoft.com/office/powerpoint/2010/main" xmlns="" Requires="p14">
+      <p:transition spd="slow" p14:dur="1200">
+        <p14:prism/>
+      </p:transition>
+    </mc:Choice>
+    <mc:Fallback>
+      <p:transition spd="slow">
+        <p:fade/>
+      </p:transition>
+    </mc:Fallback>
+  </mc:AlternateContent>
+  <p:timing>
+    <p:tnLst>
+      <p:par>
+        <p:cTn id="1" dur="indefinite" restart="never" nodeType="tmRoot">
+          <p:childTnLst>
+            <p:seq concurrent="1" nextAc="seek">
+              <p:cTn id="2" dur="indefinite" nodeType="mainSeq">
+                <p:childTnLst>
+                  <p:par>
+                    <p:cTn id="3" fill="hold">
+                      <p:stCondLst>
+                        <p:cond delay="indefinite"/>
+                      </p:stCondLst>
+                      <p:childTnLst>
+                        <p:par>
+                          <p:cTn id="4" fill="hold">
+                            <p:stCondLst>
+                              <p:cond delay="0"/>
+                            </p:stCondLst>
+                            <p:childTnLst>
+                              <p:par>
+                                <p:cTn id="5" presetID="1" presetClass="entr" presetSubtype="0" fill="hold" nodeType="clickEffect">
+                                  <p:stCondLst>
+                                    <p:cond delay="0"/>
+                                  </p:stCondLst>
+                                  <p:childTnLst>
+                                    <p:set>
+                                      <p:cBhvr>
+                                        <p:cTn id="6" dur="1" fill="hold">
+                                          <p:stCondLst>
+                                            <p:cond delay="0"/>
+                                          </p:stCondLst>
+                                        </p:cTn>
+                                        <p:tgtEl>
+                                          <p:spTgt spid="3">
+                                            <p:txEl>
+                                              <p:pRg st="1" end="1"/>
+                                            </p:txEl>
+                                          </p:spTgt>
+                                        </p:tgtEl>
+                                        <p:attrNameLst>
+                                          <p:attrName>style.visibility</p:attrName>
+                                        </p:attrNameLst>
+                                      </p:cBhvr>
+                                      <p:to>
+                                        <p:strVal val="visible"/>
+                                      </p:to>
+                                    </p:set>
+                                  </p:childTnLst>
+                                </p:cTn>
+                              </p:par>
+                            </p:childTnLst>
+                          </p:cTn>
+                        </p:par>
+                      </p:childTnLst>
+                    </p:cTn>
+                  </p:par>
+                  <p:par>
+                    <p:cTn id="7" fill="hold">
+                      <p:stCondLst>
+                        <p:cond delay="indefinite"/>
+                      </p:stCondLst>
+                      <p:childTnLst>
+                        <p:par>
+                          <p:cTn id="8" fill="hold">
+                            <p:stCondLst>
+                              <p:cond delay="0"/>
+                            </p:stCondLst>
+                            <p:childTnLst>
+                              <p:par>
+                                <p:cTn id="9" presetID="1" presetClass="entr" presetSubtype="0" fill="hold" nodeType="clickEffect">
+                                  <p:stCondLst>
+                                    <p:cond delay="0"/>
+                                  </p:stCondLst>
+                                  <p:childTnLst>
+                                    <p:set>
+                                      <p:cBhvr>
+                                        <p:cTn id="10" dur="1" fill="hold">
+                                          <p:stCondLst>
+                                            <p:cond delay="0"/>
+                                          </p:stCondLst>
+                                        </p:cTn>
+                                        <p:tgtEl>
+                                          <p:spTgt spid="3">
+                                            <p:txEl>
+                                              <p:pRg st="2" end="2"/>
+                                            </p:txEl>
+                                          </p:spTgt>
+                                        </p:tgtEl>
+                                        <p:attrNameLst>
+                                          <p:attrName>style.visibility</p:attrName>
+                                        </p:attrNameLst>
+                                      </p:cBhvr>
+                                      <p:to>
+                                        <p:strVal val="visible"/>
+                                      </p:to>
+                                    </p:set>
+                                  </p:childTnLst>
+                                </p:cTn>
+                              </p:par>
+                            </p:childTnLst>
+                          </p:cTn>
+                        </p:par>
+                      </p:childTnLst>
+                    </p:cTn>
+                  </p:par>
+                  <p:par>
+                    <p:cTn id="11" fill="hold">
+                      <p:stCondLst>
+                        <p:cond delay="indefinite"/>
+                      </p:stCondLst>
+                      <p:childTnLst>
+                        <p:par>
+                          <p:cTn id="12" fill="hold">
+                            <p:stCondLst>
+                              <p:cond delay="0"/>
+                            </p:stCondLst>
+                            <p:childTnLst>
+                              <p:par>
+                                <p:cTn id="13" presetID="1" presetClass="entr" presetSubtype="0" fill="hold" nodeType="clickEffect">
+                                  <p:stCondLst>
+                                    <p:cond delay="0"/>
+                                  </p:stCondLst>
+                                  <p:childTnLst>
+                                    <p:set>
+                                      <p:cBhvr>
+                                        <p:cTn id="14" dur="1" fill="hold">
+                                          <p:stCondLst>
+                                            <p:cond delay="0"/>
+                                          </p:stCondLst>
+                                        </p:cTn>
+                                        <p:tgtEl>
+                                          <p:spTgt spid="3">
+                                            <p:txEl>
+                                              <p:pRg st="3" end="3"/>
+                                            </p:txEl>
+                                          </p:spTgt>
+                                        </p:tgtEl>
+                                        <p:attrNameLst>
+                                          <p:attrName>style.visibility</p:attrName>
+                                        </p:attrNameLst>
+                                      </p:cBhvr>
+                                      <p:to>
+                                        <p:strVal val="visible"/>
+                                      </p:to>
+                                    </p:set>
+                                  </p:childTnLst>
+                                </p:cTn>
+                              </p:par>
+                            </p:childTnLst>
+                          </p:cTn>
+                        </p:par>
+                      </p:childTnLst>
+                    </p:cTn>
+                  </p:par>
+                </p:childTnLst>
+              </p:cTn>
+              <p:prevCondLst>
+                <p:cond evt="onPrev" delay="0">
+                  <p:tgtEl>
+                    <p:sldTgt/>
+                  </p:tgtEl>
+                </p:cond>
+              </p:prevCondLst>
+              <p:nextCondLst>
+                <p:cond evt="onNext" delay="0">
+                  <p:tgtEl>
+                    <p:sldTgt/>
+                  </p:tgtEl>
+                </p:cond>
+              </p:nextCondLst>
+            </p:seq>
+          </p:childTnLst>
+        </p:cTn>
+      </p:par>
+    </p:tnLst>
+  </p:timing>
+</p:sld>
+</file>
+
+<file path=ppt/slides/slide37.xml><?xml version="1.0" encoding="utf-8"?>
+<p:sld xmlns:a="http://schemas.openxmlformats.org/drawingml/2006/main" xmlns:r="http://schemas.openxmlformats.org/officeDocument/2006/relationships" xmlns:p="http://schemas.openxmlformats.org/presentationml/2006/main">
+  <p:cSld>
+    <p:spTree>
+      <p:nvGrpSpPr>
+        <p:cNvPr id="1" name=""/>
+        <p:cNvGrpSpPr/>
+        <p:nvPr/>
+      </p:nvGrpSpPr>
+      <p:grpSpPr>
+        <a:xfrm>
+          <a:off x="0" y="0"/>
+          <a:ext cx="0" cy="0"/>
+          <a:chOff x="0" y="0"/>
+          <a:chExt cx="0" cy="0"/>
+        </a:xfrm>
+      </p:grpSpPr>
+      <p:sp>
+        <p:nvSpPr>
+          <p:cNvPr id="2" name="Title 1"/>
+          <p:cNvSpPr>
+            <a:spLocks noGrp="1"/>
+          </p:cNvSpPr>
+          <p:nvPr>
+            <p:ph type="title"/>
+          </p:nvPr>
+        </p:nvSpPr>
+        <p:spPr/>
+        <p:txBody>
+          <a:bodyPr/>
+          <a:lstStyle/>
+          <a:p>
+            <a:r>
+              <a:rPr lang="de-CH" dirty="0" smtClean="0"/>
+              <a:t>Fazit - Lukas</a:t>
+            </a:r>
+            <a:endParaRPr lang="de-CH" dirty="0"/>
+          </a:p>
+        </p:txBody>
+      </p:sp>
+      <p:sp>
+        <p:nvSpPr>
+          <p:cNvPr id="3" name="Content Placeholder 2"/>
+          <p:cNvSpPr>
+            <a:spLocks noGrp="1"/>
+          </p:cNvSpPr>
+          <p:nvPr>
+            <p:ph idx="1"/>
+          </p:nvPr>
+        </p:nvSpPr>
+        <p:spPr/>
+        <p:txBody>
+          <a:bodyPr>
+            <a:normAutofit/>
+          </a:bodyPr>
+          <a:lstStyle/>
+          <a:p>
+            <a:pPr marL="0" indent="0">
+              <a:buNone/>
+            </a:pPr>
+            <a:r>
+              <a:rPr lang="de-CH" sz="4300" b="1" dirty="0" smtClean="0">
+                <a:solidFill>
+                  <a:srgbClr val="FF0000"/>
+                </a:solidFill>
+              </a:rPr>
+              <a:t>-</a:t>
+            </a:r>
+            <a:endParaRPr lang="de-CH" sz="4300" b="1" dirty="0">
+              <a:solidFill>
+                <a:srgbClr val="FF0000"/>
+              </a:solidFill>
+            </a:endParaRPr>
+          </a:p>
+          <a:p>
+            <a:r>
+              <a:rPr lang="de-CH" dirty="0" smtClean="0"/>
+              <a:t>Zeitdruck durch hohe Ziele</a:t>
+            </a:r>
+          </a:p>
+        </p:txBody>
+      </p:sp>
+    </p:spTree>
+    <p:extLst>
+      <p:ext uri="{BB962C8B-B14F-4D97-AF65-F5344CB8AC3E}">
+        <p14:creationId xmlns:p14="http://schemas.microsoft.com/office/powerpoint/2010/main" xmlns="" val="1190527043"/>
+      </p:ext>
+    </p:extLst>
+  </p:cSld>
+  <p:clrMapOvr>
+    <a:masterClrMapping/>
+  </p:clrMapOvr>
+  <mc:AlternateContent xmlns:mc="http://schemas.openxmlformats.org/markup-compatibility/2006">
+    <mc:Choice xmlns:p14="http://schemas.microsoft.com/office/powerpoint/2010/main" xmlns="" Requires="p14">
+      <p:transition spd="slow" p14:dur="1200">
+        <p14:prism/>
+      </p:transition>
+    </mc:Choice>
+    <mc:Fallback>
+      <p:transition spd="slow">
+        <p:fade/>
+      </p:transition>
+    </mc:Fallback>
+  </mc:AlternateContent>
+  <p:timing>
+    <p:tnLst>
+      <p:par>
+        <p:cTn id="1" dur="indefinite" restart="never" nodeType="tmRoot">
+          <p:childTnLst>
+            <p:seq concurrent="1" nextAc="seek">
+              <p:cTn id="2" dur="indefinite" nodeType="mainSeq">
+                <p:childTnLst>
+                  <p:par>
+                    <p:cTn id="3" fill="hold">
+                      <p:stCondLst>
+                        <p:cond delay="indefinite"/>
+                      </p:stCondLst>
+                      <p:childTnLst>
+                        <p:par>
+                          <p:cTn id="4" fill="hold">
+                            <p:stCondLst>
+                              <p:cond delay="0"/>
+                            </p:stCondLst>
+                            <p:childTnLst>
+                              <p:par>
+                                <p:cTn id="5" presetID="1" presetClass="entr" presetSubtype="0" fill="hold" nodeType="clickEffect">
+                                  <p:stCondLst>
+                                    <p:cond delay="0"/>
+                                  </p:stCondLst>
+                                  <p:childTnLst>
+                                    <p:set>
+                                      <p:cBhvr>
+                                        <p:cTn id="6" dur="1" fill="hold">
+                                          <p:stCondLst>
+                                            <p:cond delay="0"/>
+                                          </p:stCondLst>
+                                        </p:cTn>
+                                        <p:tgtEl>
+                                          <p:spTgt spid="3">
+                                            <p:txEl>
+                                              <p:pRg st="1" end="1"/>
+                                            </p:txEl>
+                                          </p:spTgt>
+                                        </p:tgtEl>
+                                        <p:attrNameLst>
+                                          <p:attrName>style.visibility</p:attrName>
+                                        </p:attrNameLst>
+                                      </p:cBhvr>
+                                      <p:to>
+                                        <p:strVal val="visible"/>
+                                      </p:to>
+                                    </p:set>
+                                  </p:childTnLst>
+                                </p:cTn>
+                              </p:par>
+                            </p:childTnLst>
+                          </p:cTn>
+                        </p:par>
+                      </p:childTnLst>
+                    </p:cTn>
+                  </p:par>
+                </p:childTnLst>
+              </p:cTn>
+              <p:prevCondLst>
+                <p:cond evt="onPrev" delay="0">
+                  <p:tgtEl>
+                    <p:sldTgt/>
+                  </p:tgtEl>
+                </p:cond>
+              </p:prevCondLst>
+              <p:nextCondLst>
+                <p:cond evt="onNext" delay="0">
+                  <p:tgtEl>
+                    <p:sldTgt/>
+                  </p:tgtEl>
+                </p:cond>
+              </p:nextCondLst>
+            </p:seq>
+          </p:childTnLst>
+        </p:cTn>
+      </p:par>
+    </p:tnLst>
+  </p:timing>
+</p:sld>
+</file>
+
+<file path=ppt/slides/slide38.xml><?xml version="1.0" encoding="utf-8"?>
 <p:sld xmlns:a="http://schemas.openxmlformats.org/drawingml/2006/main" xmlns:r="http://schemas.openxmlformats.org/officeDocument/2006/relationships" xmlns:p="http://schemas.openxmlformats.org/presentationml/2006/main">
   <p:cSld>
     <p:spTree>
@@ -13992,31 +18383,31 @@
           </a:lstStyle>
           <a:p>
             <a:r>
-              <a:rPr lang="de-CH" sz="6000" dirty="0" smtClean="0"/>
-              <a:t>Danke für die Aufmerksamkeit!</a:t>
-            </a:r>
-            <a:endParaRPr lang="de-CH" sz="6000" dirty="0"/>
+              <a:rPr lang="de-CH" sz="8000" dirty="0" smtClean="0"/>
+              <a:t>Demo</a:t>
+            </a:r>
+            <a:endParaRPr lang="de-CH" sz="8000" dirty="0"/>
           </a:p>
         </p:txBody>
       </p:sp>
     </p:spTree>
     <p:extLst>
       <p:ext uri="{BB962C8B-B14F-4D97-AF65-F5344CB8AC3E}">
-        <p14:creationId xmlns:p14="http://schemas.microsoft.com/office/powerpoint/2010/main" val="4271919466"/>
+        <p14:creationId xmlns:p14="http://schemas.microsoft.com/office/powerpoint/2010/main" xmlns="" val="2169402728"/>
       </p:ext>
     </p:extLst>
   </p:cSld>
   <p:clrMapOvr>
     <a:masterClrMapping/>
   </p:clrMapOvr>
-  <mc:AlternateContent xmlns:mc="http://schemas.openxmlformats.org/markup-compatibility/2006" xmlns:p14="http://schemas.microsoft.com/office/powerpoint/2010/main">
-    <mc:Choice Requires="p14">
+  <mc:AlternateContent xmlns:mc="http://schemas.openxmlformats.org/markup-compatibility/2006">
+    <mc:Choice xmlns:p14="http://schemas.microsoft.com/office/powerpoint/2010/main" xmlns="" Requires="p14">
       <p:transition spd="slow" p14:dur="1200">
         <p14:prism/>
       </p:transition>
     </mc:Choice>
-    <mc:Fallback xmlns="">
-      <p:transition xmlns:p14="http://schemas.microsoft.com/office/powerpoint/2010/main" spd="slow">
+    <mc:Fallback>
+      <p:transition spd="slow">
         <p:fade/>
       </p:transition>
     </mc:Fallback>
@@ -14024,7 +18415,107 @@
   <p:timing>
     <p:tnLst>
       <p:par>
-        <p:cTn xmlns:p14="http://schemas.microsoft.com/office/powerpoint/2010/main" id="1" dur="indefinite" restart="never" nodeType="tmRoot"/>
+        <p:cTn id="1" dur="indefinite" restart="never" nodeType="tmRoot"/>
+      </p:par>
+    </p:tnLst>
+  </p:timing>
+</p:sld>
+</file>
+
+<file path=ppt/slides/slide39.xml><?xml version="1.0" encoding="utf-8"?>
+<p:sld xmlns:a="http://schemas.openxmlformats.org/drawingml/2006/main" xmlns:r="http://schemas.openxmlformats.org/officeDocument/2006/relationships" xmlns:p="http://schemas.openxmlformats.org/presentationml/2006/main">
+  <p:cSld>
+    <p:spTree>
+      <p:nvGrpSpPr>
+        <p:cNvPr id="1" name=""/>
+        <p:cNvGrpSpPr/>
+        <p:nvPr/>
+      </p:nvGrpSpPr>
+      <p:grpSpPr>
+        <a:xfrm>
+          <a:off x="0" y="0"/>
+          <a:ext cx="0" cy="0"/>
+          <a:chOff x="0" y="0"/>
+          <a:chExt cx="0" cy="0"/>
+        </a:xfrm>
+      </p:grpSpPr>
+      <p:sp>
+        <p:nvSpPr>
+          <p:cNvPr id="6" name="Titel 5"/>
+          <p:cNvSpPr>
+            <a:spLocks noGrp="1"/>
+          </p:cNvSpPr>
+          <p:nvPr>
+            <p:ph type="title"/>
+          </p:nvPr>
+        </p:nvSpPr>
+        <p:spPr/>
+        <p:txBody>
+          <a:bodyPr/>
+          <a:lstStyle/>
+          <a:p>
+            <a:r>
+              <a:rPr lang="de-CH" dirty="0" smtClean="0"/>
+              <a:t>Fragen?</a:t>
+            </a:r>
+            <a:endParaRPr lang="de-CH" dirty="0"/>
+          </a:p>
+        </p:txBody>
+      </p:sp>
+      <p:sp>
+        <p:nvSpPr>
+          <p:cNvPr id="7" name="Inhaltsplatzhalter 6"/>
+          <p:cNvSpPr>
+            <a:spLocks noGrp="1"/>
+          </p:cNvSpPr>
+          <p:nvPr>
+            <p:ph idx="1"/>
+          </p:nvPr>
+        </p:nvSpPr>
+        <p:spPr/>
+        <p:txBody>
+          <a:bodyPr>
+            <a:noAutofit/>
+          </a:bodyPr>
+          <a:lstStyle/>
+          <a:p>
+            <a:pPr marL="0" indent="0" algn="ctr">
+              <a:buNone/>
+            </a:pPr>
+            <a:r>
+              <a:rPr lang="de-CH" sz="19900" dirty="0" smtClean="0"/>
+              <a:t>?</a:t>
+            </a:r>
+            <a:endParaRPr lang="de-CH" sz="19900" dirty="0"/>
+          </a:p>
+        </p:txBody>
+      </p:sp>
+    </p:spTree>
+    <p:extLst>
+      <p:ext uri="{BB962C8B-B14F-4D97-AF65-F5344CB8AC3E}">
+        <p14:creationId xmlns:p14="http://schemas.microsoft.com/office/powerpoint/2010/main" xmlns="" val="2682229460"/>
+      </p:ext>
+    </p:extLst>
+  </p:cSld>
+  <p:clrMapOvr>
+    <a:masterClrMapping/>
+  </p:clrMapOvr>
+  <mc:AlternateContent xmlns:mc="http://schemas.openxmlformats.org/markup-compatibility/2006">
+    <mc:Choice xmlns:p14="http://schemas.microsoft.com/office/powerpoint/2010/main" xmlns="" Requires="p14">
+      <p:transition spd="slow" p14:dur="1200">
+        <p14:prism/>
+      </p:transition>
+    </mc:Choice>
+    <mc:Fallback>
+      <p:transition spd="slow">
+        <p:fade/>
+      </p:transition>
+    </mc:Fallback>
+  </mc:AlternateContent>
+  <p:timing>
+    <p:tnLst>
+      <p:par>
+        <p:cTn id="1" dur="indefinite" restart="never" nodeType="tmRoot"/>
       </p:par>
     </p:tnLst>
   </p:timing>
@@ -14110,21 +18601,21 @@
     </p:spTree>
     <p:extLst>
       <p:ext uri="{BB962C8B-B14F-4D97-AF65-F5344CB8AC3E}">
-        <p14:creationId xmlns:p14="http://schemas.microsoft.com/office/powerpoint/2010/main" val="3066904835"/>
+        <p14:creationId xmlns:p14="http://schemas.microsoft.com/office/powerpoint/2010/main" xmlns="" val="3066904835"/>
       </p:ext>
     </p:extLst>
   </p:cSld>
   <p:clrMapOvr>
     <a:masterClrMapping/>
   </p:clrMapOvr>
-  <mc:AlternateContent xmlns:mc="http://schemas.openxmlformats.org/markup-compatibility/2006" xmlns:p14="http://schemas.microsoft.com/office/powerpoint/2010/main">
-    <mc:Choice Requires="p14">
+  <mc:AlternateContent xmlns:mc="http://schemas.openxmlformats.org/markup-compatibility/2006">
+    <mc:Choice xmlns:p14="http://schemas.microsoft.com/office/powerpoint/2010/main" xmlns="" Requires="p14">
       <p:transition spd="slow" p14:dur="1200">
         <p14:prism/>
       </p:transition>
     </mc:Choice>
-    <mc:Fallback xmlns="">
-      <p:transition xmlns:p14="http://schemas.microsoft.com/office/powerpoint/2010/main" spd="slow">
+    <mc:Fallback>
+      <p:transition spd="slow">
         <p:fade/>
       </p:transition>
     </mc:Fallback>
@@ -14132,7 +18623,7 @@
   <p:timing>
     <p:tnLst>
       <p:par>
-        <p:cTn xmlns:p14="http://schemas.microsoft.com/office/powerpoint/2010/main" id="1" dur="indefinite" restart="never" nodeType="tmRoot">
+        <p:cTn id="1" dur="indefinite" restart="never" nodeType="tmRoot">
           <p:childTnLst>
             <p:seq concurrent="1" nextAc="seek">
               <p:cTn id="2" dur="indefinite" nodeType="mainSeq">
@@ -14260,6 +18751,99 @@
 </p:sld>
 </file>
 
+<file path=ppt/slides/slide40.xml><?xml version="1.0" encoding="utf-8"?>
+<p:sld xmlns:a="http://schemas.openxmlformats.org/drawingml/2006/main" xmlns:r="http://schemas.openxmlformats.org/officeDocument/2006/relationships" xmlns:p="http://schemas.openxmlformats.org/presentationml/2006/main">
+  <p:cSld>
+    <p:spTree>
+      <p:nvGrpSpPr>
+        <p:cNvPr id="1" name=""/>
+        <p:cNvGrpSpPr/>
+        <p:nvPr/>
+      </p:nvGrpSpPr>
+      <p:grpSpPr>
+        <a:xfrm>
+          <a:off x="0" y="0"/>
+          <a:ext cx="0" cy="0"/>
+          <a:chOff x="0" y="0"/>
+          <a:chExt cx="0" cy="0"/>
+        </a:xfrm>
+      </p:grpSpPr>
+      <p:sp>
+        <p:nvSpPr>
+          <p:cNvPr id="2" name="Titel 1"/>
+          <p:cNvSpPr txBox="1">
+            <a:spLocks/>
+          </p:cNvSpPr>
+          <p:nvPr/>
+        </p:nvSpPr>
+        <p:spPr>
+          <a:xfrm>
+            <a:off x="457200" y="2263458"/>
+            <a:ext cx="8229600" cy="1143000"/>
+          </a:xfrm>
+          <a:prstGeom prst="rect">
+            <a:avLst/>
+          </a:prstGeom>
+        </p:spPr>
+        <p:txBody>
+          <a:bodyPr/>
+          <a:lstStyle>
+            <a:lvl1pPr algn="ctr" defTabSz="914400" rtl="0" eaLnBrk="1" latinLnBrk="0" hangingPunct="1">
+              <a:spcBef>
+                <a:spcPct val="0"/>
+              </a:spcBef>
+              <a:buNone/>
+              <a:defRPr sz="4600" kern="1200">
+                <a:solidFill>
+                  <a:schemeClr val="bg1"/>
+                </a:solidFill>
+                <a:latin typeface="+mj-lt"/>
+                <a:ea typeface="+mj-ea"/>
+                <a:cs typeface="+mj-cs"/>
+              </a:defRPr>
+            </a:lvl1pPr>
+          </a:lstStyle>
+          <a:p>
+            <a:r>
+              <a:rPr lang="de-CH" sz="6000" dirty="0" smtClean="0"/>
+              <a:t>Danke für die Aufmerksamkeit!</a:t>
+            </a:r>
+            <a:endParaRPr lang="de-CH" sz="6000" dirty="0"/>
+          </a:p>
+        </p:txBody>
+      </p:sp>
+    </p:spTree>
+    <p:extLst>
+      <p:ext uri="{BB962C8B-B14F-4D97-AF65-F5344CB8AC3E}">
+        <p14:creationId xmlns:p14="http://schemas.microsoft.com/office/powerpoint/2010/main" xmlns="" val="4271919466"/>
+      </p:ext>
+    </p:extLst>
+  </p:cSld>
+  <p:clrMapOvr>
+    <a:masterClrMapping/>
+  </p:clrMapOvr>
+  <mc:AlternateContent xmlns:mc="http://schemas.openxmlformats.org/markup-compatibility/2006">
+    <mc:Choice xmlns:p14="http://schemas.microsoft.com/office/powerpoint/2010/main" xmlns="" Requires="p14">
+      <p:transition spd="slow" p14:dur="1200">
+        <p14:prism/>
+      </p:transition>
+    </mc:Choice>
+    <mc:Fallback>
+      <p:transition spd="slow">
+        <p:fade/>
+      </p:transition>
+    </mc:Fallback>
+  </mc:AlternateContent>
+  <p:timing>
+    <p:tnLst>
+      <p:par>
+        <p:cTn id="1" dur="indefinite" restart="never" nodeType="tmRoot"/>
+      </p:par>
+    </p:tnLst>
+  </p:timing>
+</p:sld>
+</file>
+
 <file path=ppt/slides/slide5.xml><?xml version="1.0" encoding="utf-8"?>
 <p:sld xmlns:a="http://schemas.openxmlformats.org/drawingml/2006/main" xmlns:r="http://schemas.openxmlformats.org/officeDocument/2006/relationships" xmlns:p="http://schemas.openxmlformats.org/presentationml/2006/main">
   <p:cSld>
@@ -14376,21 +18960,21 @@
     </p:spTree>
     <p:extLst>
       <p:ext uri="{BB962C8B-B14F-4D97-AF65-F5344CB8AC3E}">
-        <p14:creationId xmlns:p14="http://schemas.microsoft.com/office/powerpoint/2010/main" val="3025817099"/>
+        <p14:creationId xmlns:p14="http://schemas.microsoft.com/office/powerpoint/2010/main" xmlns="" val="3025817099"/>
       </p:ext>
     </p:extLst>
   </p:cSld>
   <p:clrMapOvr>
     <a:masterClrMapping/>
   </p:clrMapOvr>
-  <mc:AlternateContent xmlns:mc="http://schemas.openxmlformats.org/markup-compatibility/2006" xmlns:p14="http://schemas.microsoft.com/office/powerpoint/2010/main">
-    <mc:Choice Requires="p14">
+  <mc:AlternateContent xmlns:mc="http://schemas.openxmlformats.org/markup-compatibility/2006">
+    <mc:Choice xmlns:p14="http://schemas.microsoft.com/office/powerpoint/2010/main" xmlns="" Requires="p14">
       <p:transition spd="slow" p14:dur="1200">
         <p14:prism/>
       </p:transition>
     </mc:Choice>
-    <mc:Fallback xmlns="">
-      <p:transition xmlns:p14="http://schemas.microsoft.com/office/powerpoint/2010/main" spd="slow">
+    <mc:Fallback>
+      <p:transition spd="slow">
         <p:fade/>
       </p:transition>
     </mc:Fallback>
@@ -14398,7 +18982,7 @@
   <p:timing>
     <p:tnLst>
       <p:par>
-        <p:cTn xmlns:p14="http://schemas.microsoft.com/office/powerpoint/2010/main" id="1" dur="indefinite" restart="never" nodeType="tmRoot">
+        <p:cTn id="1" dur="indefinite" restart="never" nodeType="tmRoot">
           <p:childTnLst>
             <p:seq concurrent="1" nextAc="seek">
               <p:cTn id="2" dur="indefinite" nodeType="mainSeq">
@@ -14868,10 +19452,10 @@
           </p:nvPr>
         </p:nvPicPr>
         <p:blipFill>
-          <a:blip r:embed="rId2">
+          <a:blip r:embed="rId2" cstate="print">
             <a:extLst>
               <a:ext uri="{28A0092B-C50C-407E-A947-70E740481C1C}">
-                <a14:useLocalDpi xmlns:a14="http://schemas.microsoft.com/office/drawing/2010/main" val="0"/>
+                <a14:useLocalDpi xmlns:a14="http://schemas.microsoft.com/office/drawing/2010/main" xmlns="" val="0"/>
               </a:ext>
             </a:extLst>
           </a:blip>
@@ -14901,10 +19485,10 @@
           </p:nvPr>
         </p:nvPicPr>
         <p:blipFill>
-          <a:blip r:embed="rId3">
+          <a:blip r:embed="rId3" cstate="print">
             <a:extLst>
               <a:ext uri="{28A0092B-C50C-407E-A947-70E740481C1C}">
-                <a14:useLocalDpi xmlns:a14="http://schemas.microsoft.com/office/drawing/2010/main" val="0"/>
+                <a14:useLocalDpi xmlns:a14="http://schemas.microsoft.com/office/drawing/2010/main" xmlns="" val="0"/>
               </a:ext>
             </a:extLst>
           </a:blip>
@@ -14922,21 +19506,21 @@
     </p:spTree>
     <p:extLst>
       <p:ext uri="{BB962C8B-B14F-4D97-AF65-F5344CB8AC3E}">
-        <p14:creationId xmlns:p14="http://schemas.microsoft.com/office/powerpoint/2010/main" val="2991355206"/>
+        <p14:creationId xmlns:p14="http://schemas.microsoft.com/office/powerpoint/2010/main" xmlns="" val="2991355206"/>
       </p:ext>
     </p:extLst>
   </p:cSld>
   <p:clrMapOvr>
     <a:masterClrMapping/>
   </p:clrMapOvr>
-  <mc:AlternateContent xmlns:mc="http://schemas.openxmlformats.org/markup-compatibility/2006" xmlns:p14="http://schemas.microsoft.com/office/powerpoint/2010/main">
-    <mc:Choice Requires="p14">
+  <mc:AlternateContent xmlns:mc="http://schemas.openxmlformats.org/markup-compatibility/2006">
+    <mc:Choice xmlns:p14="http://schemas.microsoft.com/office/powerpoint/2010/main" xmlns="" Requires="p14">
       <p:transition spd="slow" p14:dur="1200">
         <p14:prism/>
       </p:transition>
     </mc:Choice>
-    <mc:Fallback xmlns="">
-      <p:transition xmlns:p14="http://schemas.microsoft.com/office/powerpoint/2010/main" spd="slow">
+    <mc:Fallback>
+      <p:transition spd="slow">
         <p:fade/>
       </p:transition>
     </mc:Fallback>
@@ -14944,7 +19528,7 @@
   <p:timing>
     <p:tnLst>
       <p:par>
-        <p:cTn xmlns:p14="http://schemas.microsoft.com/office/powerpoint/2010/main" id="1" dur="indefinite" restart="never" nodeType="tmRoot">
+        <p:cTn id="1" dur="indefinite" restart="never" nodeType="tmRoot">
           <p:childTnLst>
             <p:seq concurrent="1" nextAc="seek">
               <p:cTn id="2" dur="indefinite" nodeType="mainSeq">
@@ -15246,21 +19830,21 @@
     </p:spTree>
     <p:extLst>
       <p:ext uri="{BB962C8B-B14F-4D97-AF65-F5344CB8AC3E}">
-        <p14:creationId xmlns:p14="http://schemas.microsoft.com/office/powerpoint/2010/main" val="2805056239"/>
+        <p14:creationId xmlns:p14="http://schemas.microsoft.com/office/powerpoint/2010/main" xmlns="" val="2805056239"/>
       </p:ext>
     </p:extLst>
   </p:cSld>
   <p:clrMapOvr>
     <a:masterClrMapping/>
   </p:clrMapOvr>
-  <mc:AlternateContent xmlns:mc="http://schemas.openxmlformats.org/markup-compatibility/2006" xmlns:p14="http://schemas.microsoft.com/office/powerpoint/2010/main">
-    <mc:Choice Requires="p14">
+  <mc:AlternateContent xmlns:mc="http://schemas.openxmlformats.org/markup-compatibility/2006">
+    <mc:Choice xmlns:p14="http://schemas.microsoft.com/office/powerpoint/2010/main" xmlns="" Requires="p14">
       <p:transition spd="slow" p14:dur="1200">
         <p14:prism/>
       </p:transition>
     </mc:Choice>
-    <mc:Fallback xmlns="">
-      <p:transition xmlns:p14="http://schemas.microsoft.com/office/powerpoint/2010/main" spd="slow">
+    <mc:Fallback>
+      <p:transition spd="slow">
         <p:fade/>
       </p:transition>
     </mc:Fallback>
@@ -15268,7 +19852,7 @@
   <p:timing>
     <p:tnLst>
       <p:par>
-        <p:cTn xmlns:p14="http://schemas.microsoft.com/office/powerpoint/2010/main" id="1" dur="indefinite" restart="never" nodeType="tmRoot">
+        <p:cTn id="1" dur="indefinite" restart="never" nodeType="tmRoot">
           <p:childTnLst>
             <p:seq concurrent="1" nextAc="seek">
               <p:cTn id="2" dur="indefinite" nodeType="mainSeq">
@@ -15528,21 +20112,21 @@
     </p:spTree>
     <p:extLst>
       <p:ext uri="{BB962C8B-B14F-4D97-AF65-F5344CB8AC3E}">
-        <p14:creationId xmlns:p14="http://schemas.microsoft.com/office/powerpoint/2010/main" val="2480961179"/>
+        <p14:creationId xmlns:p14="http://schemas.microsoft.com/office/powerpoint/2010/main" xmlns="" val="2480961179"/>
       </p:ext>
     </p:extLst>
   </p:cSld>
   <p:clrMapOvr>
     <a:masterClrMapping/>
   </p:clrMapOvr>
-  <mc:AlternateContent xmlns:mc="http://schemas.openxmlformats.org/markup-compatibility/2006" xmlns:p14="http://schemas.microsoft.com/office/powerpoint/2010/main">
-    <mc:Choice Requires="p14">
+  <mc:AlternateContent xmlns:mc="http://schemas.openxmlformats.org/markup-compatibility/2006">
+    <mc:Choice xmlns:p14="http://schemas.microsoft.com/office/powerpoint/2010/main" xmlns="" Requires="p14">
       <p:transition spd="slow" p14:dur="1200">
         <p14:prism/>
       </p:transition>
     </mc:Choice>
-    <mc:Fallback xmlns="">
-      <p:transition xmlns:p14="http://schemas.microsoft.com/office/powerpoint/2010/main" spd="slow">
+    <mc:Fallback>
+      <p:transition spd="slow">
         <p:fade/>
       </p:transition>
     </mc:Fallback>
@@ -15550,7 +20134,7 @@
   <p:timing>
     <p:tnLst>
       <p:par>
-        <p:cTn xmlns:p14="http://schemas.microsoft.com/office/powerpoint/2010/main" id="1" dur="indefinite" restart="never" nodeType="tmRoot">
+        <p:cTn id="1" dur="indefinite" restart="never" nodeType="tmRoot">
           <p:childTnLst>
             <p:seq concurrent="1" nextAc="seek">
               <p:cTn id="2" dur="indefinite" nodeType="mainSeq">
@@ -15867,7 +20451,7 @@
           <p:nvPr/>
         </p:nvPicPr>
         <p:blipFill>
-          <a:blip r:embed="rId2"/>
+          <a:blip r:embed="rId2" cstate="print"/>
           <a:stretch>
             <a:fillRect/>
           </a:stretch>
@@ -15891,7 +20475,7 @@
           <p:nvPr/>
         </p:nvPicPr>
         <p:blipFill rotWithShape="1">
-          <a:blip r:embed="rId3"/>
+          <a:blip r:embed="rId3" cstate="print"/>
           <a:srcRect l="2754" t="2472" r="2359" b="3402"/>
           <a:stretch/>
         </p:blipFill>
@@ -15914,10 +20498,10 @@
           <p:nvPr/>
         </p:nvPicPr>
         <p:blipFill>
-          <a:blip r:embed="rId4">
+          <a:blip r:embed="rId4" cstate="print">
             <a:extLst>
               <a:ext uri="{BEBA8EAE-BF5A-486C-A8C5-ECC9F3942E4B}">
-                <a14:imgProps xmlns:a14="http://schemas.microsoft.com/office/drawing/2010/main">
+                <a14:imgProps xmlns:a14="http://schemas.microsoft.com/office/drawing/2010/main" xmlns="">
                   <a14:imgLayer r:embed="rId5">
                     <a14:imgEffect>
                       <a14:backgroundRemoval t="3500" b="96438" l="3063" r="96438"/>
@@ -15950,7 +20534,7 @@
           <p:nvPr/>
         </p:nvPicPr>
         <p:blipFill>
-          <a:blip r:embed="rId6"/>
+          <a:blip r:embed="rId6" cstate="print"/>
           <a:stretch>
             <a:fillRect/>
           </a:stretch>
@@ -15968,21 +20552,21 @@
     </p:spTree>
     <p:extLst>
       <p:ext uri="{BB962C8B-B14F-4D97-AF65-F5344CB8AC3E}">
-        <p14:creationId xmlns:p14="http://schemas.microsoft.com/office/powerpoint/2010/main" val="3612435666"/>
+        <p14:creationId xmlns:p14="http://schemas.microsoft.com/office/powerpoint/2010/main" xmlns="" val="3612435666"/>
       </p:ext>
     </p:extLst>
   </p:cSld>
   <p:clrMapOvr>
     <a:masterClrMapping/>
   </p:clrMapOvr>
-  <mc:AlternateContent xmlns:mc="http://schemas.openxmlformats.org/markup-compatibility/2006" xmlns:p14="http://schemas.microsoft.com/office/powerpoint/2010/main">
-    <mc:Choice Requires="p14">
+  <mc:AlternateContent xmlns:mc="http://schemas.openxmlformats.org/markup-compatibility/2006">
+    <mc:Choice xmlns:p14="http://schemas.microsoft.com/office/powerpoint/2010/main" xmlns="" Requires="p14">
       <p:transition spd="slow" p14:dur="1200">
         <p14:prism/>
       </p:transition>
     </mc:Choice>
-    <mc:Fallback xmlns="">
-      <p:transition xmlns:p14="http://schemas.microsoft.com/office/powerpoint/2010/main" spd="slow">
+    <mc:Fallback>
+      <p:transition spd="slow">
         <p:fade/>
       </p:transition>
     </mc:Fallback>
@@ -15990,7 +20574,7 @@
   <p:timing>
     <p:tnLst>
       <p:par>
-        <p:cTn xmlns:p14="http://schemas.microsoft.com/office/powerpoint/2010/main" id="1" dur="indefinite" restart="never" nodeType="tmRoot">
+        <p:cTn id="1" dur="indefinite" restart="never" nodeType="tmRoot">
           <p:childTnLst>
             <p:seq concurrent="1" nextAc="seek">
               <p:cTn id="2" dur="indefinite" nodeType="mainSeq">

--- a/Resources/docs/CGR Präsentation.pptx
+++ b/Resources/docs/CGR Präsentation.pptx
@@ -148,7 +148,7 @@
   </p:defaultTextStyle>
   <p:extLst>
     <p:ext uri="{521415D9-36F7-43E2-AB2F-B90AF26B5E84}">
-      <p14:sectionLst xmlns:p14="http://schemas.microsoft.com/office/powerpoint/2010/main" xmlns="">
+      <p14:sectionLst xmlns:p14="http://schemas.microsoft.com/office/powerpoint/2010/main">
         <p14:section name="Default Section" id="{E16DA98D-B9F8-D54F-81A7-63E61C5161A4}">
           <p14:sldIdLst>
             <p14:sldId id="256"/>
@@ -169,11 +169,20 @@
             <p14:sldId id="273"/>
             <p14:sldId id="272"/>
             <p14:sldId id="277"/>
+            <p14:sldId id="289"/>
+            <p14:sldId id="290"/>
+            <p14:sldId id="291"/>
+            <p14:sldId id="269"/>
+            <p14:sldId id="270"/>
+            <p14:sldId id="278"/>
             <p14:sldId id="268"/>
             <p14:sldId id="279"/>
-            <p14:sldId id="278"/>
-            <p14:sldId id="269"/>
-            <p14:sldId id="270"/>
+            <p14:sldId id="292"/>
+            <p14:sldId id="293"/>
+            <p14:sldId id="294"/>
+            <p14:sldId id="295"/>
+            <p14:sldId id="296"/>
+            <p14:sldId id="297"/>
             <p14:sldId id="271"/>
             <p14:sldId id="280"/>
             <p14:sldId id="281"/>
@@ -273,7 +282,7 @@
             <a:fld id="{789F516F-1FA8-7C41-BBD1-DC2FBAEBBB08}" type="datetimeFigureOut">
               <a:rPr lang="de-DE" smtClean="0"/>
               <a:pPr/>
-              <a:t>03.06.2013</a:t>
+              <a:t>6/3/13</a:t>
             </a:fld>
             <a:endParaRPr lang="de-CH"/>
           </a:p>
@@ -442,7 +451,7 @@
     </p:spTree>
     <p:extLst>
       <p:ext uri="{BB962C8B-B14F-4D97-AF65-F5344CB8AC3E}">
-        <p14:creationId xmlns:p14="http://schemas.microsoft.com/office/powerpoint/2010/main" xmlns="" val="3484662688"/>
+        <p14:creationId xmlns:p14="http://schemas.microsoft.com/office/powerpoint/2010/main" val="3484662688"/>
       </p:ext>
     </p:extLst>
   </p:cSld>
@@ -617,7 +626,7 @@
     </p:spTree>
     <p:extLst>
       <p:ext uri="{BB962C8B-B14F-4D97-AF65-F5344CB8AC3E}">
-        <p14:creationId xmlns:p14="http://schemas.microsoft.com/office/powerpoint/2010/main" xmlns="" val="439564370"/>
+        <p14:creationId xmlns:p14="http://schemas.microsoft.com/office/powerpoint/2010/main" val="439564370"/>
       </p:ext>
     </p:extLst>
   </p:cSld>
@@ -906,7 +915,7 @@
             <a:fld id="{679BC7E7-EA8E-4DA7-915E-CC098D9BADCB}" type="datetimeFigureOut">
               <a:rPr lang="en-US" smtClean="0"/>
               <a:pPr/>
-              <a:t>6/3/2013</a:t>
+              <a:t>6/3/13</a:t>
             </a:fld>
             <a:endParaRPr lang="en-US"/>
           </a:p>
@@ -994,13 +1003,13 @@
   <p:clrMapOvr>
     <a:overrideClrMapping bg1="lt1" tx1="dk1" bg2="lt2" tx2="dk2" accent1="accent1" accent2="accent2" accent3="accent3" accent4="accent4" accent5="accent5" accent6="accent6" hlink="hlink" folHlink="folHlink"/>
   </p:clrMapOvr>
-  <mc:AlternateContent xmlns:mc="http://schemas.openxmlformats.org/markup-compatibility/2006">
-    <mc:Choice xmlns:p14="http://schemas.microsoft.com/office/powerpoint/2010/main" xmlns="" Requires="p14">
+  <mc:AlternateContent xmlns:mc="http://schemas.openxmlformats.org/markup-compatibility/2006" xmlns:p14="http://schemas.microsoft.com/office/powerpoint/2010/main">
+    <mc:Choice Requires="p14">
       <p:transition spd="slow" p14:dur="1200">
         <p14:prism/>
       </p:transition>
     </mc:Choice>
-    <mc:Fallback>
+    <mc:Fallback xmlns="">
       <p:transition spd="slow">
         <p:fade/>
       </p:transition>
@@ -1049,7 +1058,7 @@
             <a:fld id="{679BC7E7-EA8E-4DA7-915E-CC098D9BADCB}" type="datetimeFigureOut">
               <a:rPr lang="en-US" smtClean="0"/>
               <a:pPr/>
-              <a:t>6/3/2013</a:t>
+              <a:t>6/3/13</a:t>
             </a:fld>
             <a:endParaRPr lang="en-US"/>
           </a:p>
@@ -1103,13 +1112,13 @@
   <p:clrMapOvr>
     <a:overrideClrMapping bg1="lt1" tx1="dk1" bg2="lt2" tx2="dk2" accent1="accent1" accent2="accent2" accent3="accent3" accent4="accent4" accent5="accent5" accent6="accent6" hlink="hlink" folHlink="folHlink"/>
   </p:clrMapOvr>
-  <mc:AlternateContent xmlns:mc="http://schemas.openxmlformats.org/markup-compatibility/2006">
-    <mc:Choice xmlns:p14="http://schemas.microsoft.com/office/powerpoint/2010/main" xmlns="" Requires="p14">
+  <mc:AlternateContent xmlns:mc="http://schemas.openxmlformats.org/markup-compatibility/2006" xmlns:p14="http://schemas.microsoft.com/office/powerpoint/2010/main">
+    <mc:Choice Requires="p14">
       <p:transition spd="slow" p14:dur="1200">
         <p14:prism/>
       </p:transition>
     </mc:Choice>
-    <mc:Fallback>
+    <mc:Fallback xmlns="">
       <p:transition spd="slow">
         <p:fade/>
       </p:transition>
@@ -1368,7 +1377,7 @@
             <a:fld id="{679BC7E7-EA8E-4DA7-915E-CC098D9BADCB}" type="datetimeFigureOut">
               <a:rPr lang="en-US" smtClean="0"/>
               <a:pPr/>
-              <a:t>6/3/2013</a:t>
+              <a:t>6/3/13</a:t>
             </a:fld>
             <a:endParaRPr lang="en-US"/>
           </a:p>
@@ -1422,13 +1431,13 @@
   <p:clrMapOvr>
     <a:masterClrMapping/>
   </p:clrMapOvr>
-  <mc:AlternateContent xmlns:mc="http://schemas.openxmlformats.org/markup-compatibility/2006">
-    <mc:Choice xmlns:p14="http://schemas.microsoft.com/office/powerpoint/2010/main" xmlns="" Requires="p14">
+  <mc:AlternateContent xmlns:mc="http://schemas.openxmlformats.org/markup-compatibility/2006" xmlns:p14="http://schemas.microsoft.com/office/powerpoint/2010/main">
+    <mc:Choice Requires="p14">
       <p:transition spd="slow" p14:dur="1200">
         <p14:prism/>
       </p:transition>
     </mc:Choice>
-    <mc:Fallback>
+    <mc:Fallback xmlns="">
       <p:transition spd="slow">
         <p:fade/>
       </p:transition>
@@ -1607,7 +1616,7 @@
             <a:fld id="{679BC7E7-EA8E-4DA7-915E-CC098D9BADCB}" type="datetimeFigureOut">
               <a:rPr lang="en-US" smtClean="0"/>
               <a:pPr/>
-              <a:t>6/3/2013</a:t>
+              <a:t>6/3/13</a:t>
             </a:fld>
             <a:endParaRPr lang="en-US"/>
           </a:p>
@@ -1706,13 +1715,13 @@
   <p:clrMapOvr>
     <a:masterClrMapping/>
   </p:clrMapOvr>
-  <mc:AlternateContent xmlns:mc="http://schemas.openxmlformats.org/markup-compatibility/2006">
-    <mc:Choice xmlns:p14="http://schemas.microsoft.com/office/powerpoint/2010/main" xmlns="" Requires="p14">
+  <mc:AlternateContent xmlns:mc="http://schemas.openxmlformats.org/markup-compatibility/2006" xmlns:p14="http://schemas.microsoft.com/office/powerpoint/2010/main">
+    <mc:Choice Requires="p14">
       <p:transition spd="slow" p14:dur="1200">
         <p14:prism/>
       </p:transition>
     </mc:Choice>
-    <mc:Fallback>
+    <mc:Fallback xmlns="">
       <p:transition spd="slow">
         <p:fade/>
       </p:transition>
@@ -1891,7 +1900,7 @@
             <a:fld id="{679BC7E7-EA8E-4DA7-915E-CC098D9BADCB}" type="datetimeFigureOut">
               <a:rPr lang="en-US" smtClean="0"/>
               <a:pPr/>
-              <a:t>6/3/2013</a:t>
+              <a:t>6/3/13</a:t>
             </a:fld>
             <a:endParaRPr lang="en-US"/>
           </a:p>
@@ -2084,13 +2093,13 @@
   <p:clrMapOvr>
     <a:masterClrMapping/>
   </p:clrMapOvr>
-  <mc:AlternateContent xmlns:mc="http://schemas.openxmlformats.org/markup-compatibility/2006">
-    <mc:Choice xmlns:p14="http://schemas.microsoft.com/office/powerpoint/2010/main" xmlns="" Requires="p14">
+  <mc:AlternateContent xmlns:mc="http://schemas.openxmlformats.org/markup-compatibility/2006" xmlns:p14="http://schemas.microsoft.com/office/powerpoint/2010/main">
+    <mc:Choice Requires="p14">
       <p:transition spd="slow" p14:dur="1200">
         <p14:prism/>
       </p:transition>
     </mc:Choice>
-    <mc:Fallback>
+    <mc:Fallback xmlns="">
       <p:transition spd="slow">
         <p:fade/>
       </p:transition>
@@ -2230,7 +2239,7 @@
             <a:fld id="{679BC7E7-EA8E-4DA7-915E-CC098D9BADCB}" type="datetimeFigureOut">
               <a:rPr lang="en-US" smtClean="0"/>
               <a:pPr/>
-              <a:t>6/3/2013</a:t>
+              <a:t>6/3/13</a:t>
             </a:fld>
             <a:endParaRPr lang="en-US"/>
           </a:p>
@@ -2284,13 +2293,13 @@
   <p:clrMapOvr>
     <a:masterClrMapping/>
   </p:clrMapOvr>
-  <mc:AlternateContent xmlns:mc="http://schemas.openxmlformats.org/markup-compatibility/2006">
-    <mc:Choice xmlns:p14="http://schemas.microsoft.com/office/powerpoint/2010/main" xmlns="" Requires="p14">
+  <mc:AlternateContent xmlns:mc="http://schemas.openxmlformats.org/markup-compatibility/2006" xmlns:p14="http://schemas.microsoft.com/office/powerpoint/2010/main">
+    <mc:Choice Requires="p14">
       <p:transition spd="slow" p14:dur="1200">
         <p14:prism/>
       </p:transition>
     </mc:Choice>
-    <mc:Fallback>
+    <mc:Fallback xmlns="">
       <p:transition spd="slow">
         <p:fade/>
       </p:transition>
@@ -2437,7 +2446,7 @@
             <a:fld id="{679BC7E7-EA8E-4DA7-915E-CC098D9BADCB}" type="datetimeFigureOut">
               <a:rPr lang="en-US" smtClean="0"/>
               <a:pPr/>
-              <a:t>6/3/2013</a:t>
+              <a:t>6/3/13</a:t>
             </a:fld>
             <a:endParaRPr lang="en-US"/>
           </a:p>
@@ -2491,13 +2500,13 @@
   <p:clrMapOvr>
     <a:masterClrMapping/>
   </p:clrMapOvr>
-  <mc:AlternateContent xmlns:mc="http://schemas.openxmlformats.org/markup-compatibility/2006">
-    <mc:Choice xmlns:p14="http://schemas.microsoft.com/office/powerpoint/2010/main" xmlns="" Requires="p14">
+  <mc:AlternateContent xmlns:mc="http://schemas.openxmlformats.org/markup-compatibility/2006" xmlns:p14="http://schemas.microsoft.com/office/powerpoint/2010/main">
+    <mc:Choice Requires="p14">
       <p:transition spd="slow" p14:dur="1200">
         <p14:prism/>
       </p:transition>
     </mc:Choice>
-    <mc:Fallback>
+    <mc:Fallback xmlns="">
       <p:transition spd="slow">
         <p:fade/>
       </p:transition>
@@ -2555,7 +2564,7 @@
             <a:fld id="{679BC7E7-EA8E-4DA7-915E-CC098D9BADCB}" type="datetimeFigureOut">
               <a:rPr lang="en-US" smtClean="0"/>
               <a:pPr/>
-              <a:t>6/3/2013</a:t>
+              <a:t>6/3/13</a:t>
             </a:fld>
             <a:endParaRPr lang="en-US"/>
           </a:p>
@@ -2609,13 +2618,13 @@
   <p:clrMapOvr>
     <a:overrideClrMapping bg1="lt1" tx1="dk1" bg2="lt2" tx2="dk2" accent1="accent1" accent2="accent2" accent3="accent3" accent4="accent4" accent5="accent5" accent6="accent6" hlink="hlink" folHlink="folHlink"/>
   </p:clrMapOvr>
-  <mc:AlternateContent xmlns:mc="http://schemas.openxmlformats.org/markup-compatibility/2006">
-    <mc:Choice xmlns:p14="http://schemas.microsoft.com/office/powerpoint/2010/main" xmlns="" Requires="p14">
+  <mc:AlternateContent xmlns:mc="http://schemas.openxmlformats.org/markup-compatibility/2006" xmlns:p14="http://schemas.microsoft.com/office/powerpoint/2010/main">
+    <mc:Choice Requires="p14">
       <p:transition spd="slow" p14:dur="1200">
         <p14:prism/>
       </p:transition>
     </mc:Choice>
-    <mc:Fallback>
+    <mc:Fallback xmlns="">
       <p:transition spd="slow">
         <p:fade/>
       </p:transition>
@@ -2738,7 +2747,7 @@
             <a:fld id="{679BC7E7-EA8E-4DA7-915E-CC098D9BADCB}" type="datetimeFigureOut">
               <a:rPr lang="en-US" smtClean="0"/>
               <a:pPr/>
-              <a:t>6/3/2013</a:t>
+              <a:t>6/3/13</a:t>
             </a:fld>
             <a:endParaRPr lang="en-US"/>
           </a:p>
@@ -2792,13 +2801,13 @@
   <p:clrMapOvr>
     <a:masterClrMapping/>
   </p:clrMapOvr>
-  <mc:AlternateContent xmlns:mc="http://schemas.openxmlformats.org/markup-compatibility/2006">
-    <mc:Choice xmlns:p14="http://schemas.microsoft.com/office/powerpoint/2010/main" xmlns="" Requires="p14">
+  <mc:AlternateContent xmlns:mc="http://schemas.openxmlformats.org/markup-compatibility/2006" xmlns:p14="http://schemas.microsoft.com/office/powerpoint/2010/main">
+    <mc:Choice Requires="p14">
       <p:transition spd="slow" p14:dur="1200">
         <p14:prism/>
       </p:transition>
     </mc:Choice>
-    <mc:Fallback>
+    <mc:Fallback xmlns="">
       <p:transition spd="slow">
         <p:fade/>
       </p:transition>
@@ -3016,7 +3025,7 @@
             <a:fld id="{679BC7E7-EA8E-4DA7-915E-CC098D9BADCB}" type="datetimeFigureOut">
               <a:rPr lang="en-US" smtClean="0"/>
               <a:pPr/>
-              <a:t>6/3/2013</a:t>
+              <a:t>6/3/13</a:t>
             </a:fld>
             <a:endParaRPr lang="en-US"/>
           </a:p>
@@ -3117,13 +3126,13 @@
   <p:clrMapOvr>
     <a:masterClrMapping/>
   </p:clrMapOvr>
-  <mc:AlternateContent xmlns:mc="http://schemas.openxmlformats.org/markup-compatibility/2006">
-    <mc:Choice xmlns:p14="http://schemas.microsoft.com/office/powerpoint/2010/main" xmlns="" Requires="p14">
+  <mc:AlternateContent xmlns:mc="http://schemas.openxmlformats.org/markup-compatibility/2006" xmlns:p14="http://schemas.microsoft.com/office/powerpoint/2010/main">
+    <mc:Choice Requires="p14">
       <p:transition spd="slow" p14:dur="1200">
         <p14:prism/>
       </p:transition>
     </mc:Choice>
-    <mc:Fallback>
+    <mc:Fallback xmlns="">
       <p:transition spd="slow">
         <p:fade/>
       </p:transition>
@@ -3364,7 +3373,7 @@
             <a:fld id="{679BC7E7-EA8E-4DA7-915E-CC098D9BADCB}" type="datetimeFigureOut">
               <a:rPr lang="en-US" smtClean="0"/>
               <a:pPr/>
-              <a:t>6/3/2013</a:t>
+              <a:t>6/3/13</a:t>
             </a:fld>
             <a:endParaRPr lang="en-US"/>
           </a:p>
@@ -3418,13 +3427,13 @@
   <p:clrMapOvr>
     <a:masterClrMapping/>
   </p:clrMapOvr>
-  <mc:AlternateContent xmlns:mc="http://schemas.openxmlformats.org/markup-compatibility/2006">
-    <mc:Choice xmlns:p14="http://schemas.microsoft.com/office/powerpoint/2010/main" xmlns="" Requires="p14">
+  <mc:AlternateContent xmlns:mc="http://schemas.openxmlformats.org/markup-compatibility/2006" xmlns:p14="http://schemas.microsoft.com/office/powerpoint/2010/main">
+    <mc:Choice Requires="p14">
       <p:transition spd="slow" p14:dur="1200">
         <p14:prism/>
       </p:transition>
     </mc:Choice>
-    <mc:Fallback>
+    <mc:Fallback xmlns="">
       <p:transition spd="slow">
         <p:fade/>
       </p:transition>
@@ -3819,7 +3828,7 @@
             <a:fld id="{679BC7E7-EA8E-4DA7-915E-CC098D9BADCB}" type="datetimeFigureOut">
               <a:rPr lang="en-US" smtClean="0"/>
               <a:pPr/>
-              <a:t>6/3/2013</a:t>
+              <a:t>6/3/13</a:t>
             </a:fld>
             <a:endParaRPr lang="en-US"/>
           </a:p>
@@ -3873,13 +3882,13 @@
   <p:clrMapOvr>
     <a:masterClrMapping/>
   </p:clrMapOvr>
-  <mc:AlternateContent xmlns:mc="http://schemas.openxmlformats.org/markup-compatibility/2006">
-    <mc:Choice xmlns:p14="http://schemas.microsoft.com/office/powerpoint/2010/main" xmlns="" Requires="p14">
+  <mc:AlternateContent xmlns:mc="http://schemas.openxmlformats.org/markup-compatibility/2006" xmlns:p14="http://schemas.microsoft.com/office/powerpoint/2010/main">
+    <mc:Choice Requires="p14">
       <p:transition spd="slow" p14:dur="1200">
         <p14:prism/>
       </p:transition>
     </mc:Choice>
-    <mc:Fallback>
+    <mc:Fallback xmlns="">
       <p:transition spd="slow">
         <p:fade/>
       </p:transition>
@@ -4031,7 +4040,7 @@
             <a:fld id="{679BC7E7-EA8E-4DA7-915E-CC098D9BADCB}" type="datetimeFigureOut">
               <a:rPr lang="en-US" smtClean="0"/>
               <a:pPr/>
-              <a:t>6/3/2013</a:t>
+              <a:t>6/3/13</a:t>
             </a:fld>
             <a:endParaRPr lang="en-US"/>
           </a:p>
@@ -4170,13 +4179,13 @@
   <p:clrMapOvr>
     <a:masterClrMapping/>
   </p:clrMapOvr>
-  <mc:AlternateContent xmlns:mc="http://schemas.openxmlformats.org/markup-compatibility/2006">
-    <mc:Choice xmlns:p14="http://schemas.microsoft.com/office/powerpoint/2010/main" xmlns="" Requires="p14">
+  <mc:AlternateContent xmlns:mc="http://schemas.openxmlformats.org/markup-compatibility/2006" xmlns:p14="http://schemas.microsoft.com/office/powerpoint/2010/main">
+    <mc:Choice Requires="p14">
       <p:transition spd="slow" p14:dur="1200">
         <p14:prism/>
       </p:transition>
     </mc:Choice>
-    <mc:Fallback>
+    <mc:Fallback xmlns="">
       <p:transition spd="slow">
         <p:fade/>
       </p:transition>
@@ -4328,7 +4337,7 @@
             <a:fld id="{679BC7E7-EA8E-4DA7-915E-CC098D9BADCB}" type="datetimeFigureOut">
               <a:rPr lang="en-US" smtClean="0"/>
               <a:pPr/>
-              <a:t>6/3/2013</a:t>
+              <a:t>6/3/13</a:t>
             </a:fld>
             <a:endParaRPr lang="en-US"/>
           </a:p>
@@ -4552,13 +4561,13 @@
   <p:clrMapOvr>
     <a:masterClrMapping/>
   </p:clrMapOvr>
-  <mc:AlternateContent xmlns:mc="http://schemas.openxmlformats.org/markup-compatibility/2006">
-    <mc:Choice xmlns:p14="http://schemas.microsoft.com/office/powerpoint/2010/main" xmlns="" Requires="p14">
+  <mc:AlternateContent xmlns:mc="http://schemas.openxmlformats.org/markup-compatibility/2006" xmlns:p14="http://schemas.microsoft.com/office/powerpoint/2010/main">
+    <mc:Choice Requires="p14">
       <p:transition spd="slow" p14:dur="1200">
         <p14:prism/>
       </p:transition>
     </mc:Choice>
-    <mc:Fallback>
+    <mc:Fallback xmlns="">
       <p:transition spd="slow">
         <p:fade/>
       </p:transition>
@@ -4710,7 +4719,7 @@
             <a:fld id="{679BC7E7-EA8E-4DA7-915E-CC098D9BADCB}" type="datetimeFigureOut">
               <a:rPr lang="en-US" smtClean="0"/>
               <a:pPr/>
-              <a:t>6/3/2013</a:t>
+              <a:t>6/3/13</a:t>
             </a:fld>
             <a:endParaRPr lang="en-US"/>
           </a:p>
@@ -5147,13 +5156,13 @@
   <p:clrMapOvr>
     <a:masterClrMapping/>
   </p:clrMapOvr>
-  <mc:AlternateContent xmlns:mc="http://schemas.openxmlformats.org/markup-compatibility/2006">
-    <mc:Choice xmlns:p14="http://schemas.microsoft.com/office/powerpoint/2010/main" xmlns="" Requires="p14">
+  <mc:AlternateContent xmlns:mc="http://schemas.openxmlformats.org/markup-compatibility/2006" xmlns:p14="http://schemas.microsoft.com/office/powerpoint/2010/main">
+    <mc:Choice Requires="p14">
       <p:transition spd="slow" p14:dur="1200">
         <p14:prism/>
       </p:transition>
     </mc:Choice>
-    <mc:Fallback>
+    <mc:Fallback xmlns="">
       <p:transition spd="slow">
         <p:fade/>
       </p:transition>
@@ -5220,7 +5229,7 @@
             <a:fld id="{679BC7E7-EA8E-4DA7-915E-CC098D9BADCB}" type="datetimeFigureOut">
               <a:rPr lang="en-US" smtClean="0"/>
               <a:pPr/>
-              <a:t>6/3/2013</a:t>
+              <a:t>6/3/13</a:t>
             </a:fld>
             <a:endParaRPr lang="en-US"/>
           </a:p>
@@ -5274,13 +5283,13 @@
   <p:clrMapOvr>
     <a:masterClrMapping/>
   </p:clrMapOvr>
-  <mc:AlternateContent xmlns:mc="http://schemas.openxmlformats.org/markup-compatibility/2006">
-    <mc:Choice xmlns:p14="http://schemas.microsoft.com/office/powerpoint/2010/main" xmlns="" Requires="p14">
+  <mc:AlternateContent xmlns:mc="http://schemas.openxmlformats.org/markup-compatibility/2006" xmlns:p14="http://schemas.microsoft.com/office/powerpoint/2010/main">
+    <mc:Choice Requires="p14">
       <p:transition spd="slow" p14:dur="1200">
         <p14:prism/>
       </p:transition>
     </mc:Choice>
-    <mc:Fallback>
+    <mc:Fallback xmlns="">
       <p:transition spd="slow">
         <p:fade/>
       </p:transition>
@@ -5443,7 +5452,7 @@
             <a:fld id="{679BC7E7-EA8E-4DA7-915E-CC098D9BADCB}" type="datetimeFigureOut">
               <a:rPr lang="en-US" smtClean="0"/>
               <a:pPr/>
-              <a:t>6/3/2013</a:t>
+              <a:t>6/3/13</a:t>
             </a:fld>
             <a:endParaRPr lang="en-US"/>
           </a:p>
@@ -5551,13 +5560,13 @@
     <p:sldLayoutId id="2147483675" r:id="rId15"/>
     <p:sldLayoutId id="2147483676" r:id="rId16"/>
   </p:sldLayoutIdLst>
-  <mc:AlternateContent xmlns:mc="http://schemas.openxmlformats.org/markup-compatibility/2006">
-    <mc:Choice xmlns:p14="http://schemas.microsoft.com/office/powerpoint/2010/main" xmlns="" Requires="p14">
+  <mc:AlternateContent xmlns:mc="http://schemas.openxmlformats.org/markup-compatibility/2006" xmlns:p14="http://schemas.microsoft.com/office/powerpoint/2010/main">
+    <mc:Choice Requires="p14">
       <p:transition spd="slow" p14:dur="1200">
         <p14:prism/>
       </p:transition>
     </mc:Choice>
-    <mc:Fallback>
+    <mc:Fallback xmlns="">
       <p:transition spd="slow">
         <p:fade/>
       </p:transition>
@@ -5971,20 +5980,20 @@
     </p:spTree>
     <p:extLst>
       <p:ext uri="{BB962C8B-B14F-4D97-AF65-F5344CB8AC3E}">
-        <p14:creationId xmlns:p14="http://schemas.microsoft.com/office/powerpoint/2010/main" xmlns="" val="2084181368"/>
+        <p14:creationId xmlns:p14="http://schemas.microsoft.com/office/powerpoint/2010/main" val="2084181368"/>
       </p:ext>
     </p:extLst>
   </p:cSld>
   <p:clrMapOvr>
     <a:masterClrMapping/>
   </p:clrMapOvr>
-  <mc:AlternateContent xmlns:mc="http://schemas.openxmlformats.org/markup-compatibility/2006">
-    <mc:Choice xmlns:p14="http://schemas.microsoft.com/office/powerpoint/2010/main" xmlns="" Requires="p14">
+  <mc:AlternateContent xmlns:mc="http://schemas.openxmlformats.org/markup-compatibility/2006" xmlns:p14="http://schemas.microsoft.com/office/powerpoint/2010/main">
+    <mc:Choice Requires="p14">
       <p:transition spd="slow" p14:dur="900">
         <p14:warp dir="in"/>
       </p:transition>
     </mc:Choice>
-    <mc:Fallback>
+    <mc:Fallback xmlns="">
       <p:transition spd="slow">
         <p:fade/>
       </p:transition>
@@ -5993,7 +6002,7 @@
   <p:timing>
     <p:tnLst>
       <p:par>
-        <p:cTn id="1" dur="indefinite" restart="never" nodeType="tmRoot"/>
+        <p:cTn xmlns:p14="http://schemas.microsoft.com/office/powerpoint/2010/main" id="1" dur="indefinite" restart="never" nodeType="tmRoot"/>
       </p:par>
     </p:tnLst>
   </p:timing>
@@ -6081,7 +6090,7 @@
           <a:blip r:embed="rId2" cstate="print">
             <a:extLst>
               <a:ext uri="{BEBA8EAE-BF5A-486C-A8C5-ECC9F3942E4B}">
-                <a14:imgProps xmlns:a14="http://schemas.microsoft.com/office/drawing/2010/main" xmlns="">
+                <a14:imgProps xmlns:a14="http://schemas.microsoft.com/office/drawing/2010/main">
                   <a14:imgLayer r:embed="rId3">
                     <a14:imgEffect>
                       <a14:backgroundRemoval t="3813" b="95813" l="4250" r="97250"/>
@@ -6117,7 +6126,7 @@
           <a:blip r:embed="rId4" cstate="print">
             <a:extLst>
               <a:ext uri="{28A0092B-C50C-407E-A947-70E740481C1C}">
-                <a14:useLocalDpi xmlns:a14="http://schemas.microsoft.com/office/drawing/2010/main" xmlns="" val="0"/>
+                <a14:useLocalDpi xmlns:a14="http://schemas.microsoft.com/office/drawing/2010/main" val="0"/>
               </a:ext>
             </a:extLst>
           </a:blip>
@@ -6147,7 +6156,7 @@
           <a:blip r:embed="rId5" cstate="print">
             <a:extLst>
               <a:ext uri="{28A0092B-C50C-407E-A947-70E740481C1C}">
-                <a14:useLocalDpi xmlns:a14="http://schemas.microsoft.com/office/drawing/2010/main" xmlns="" val="0"/>
+                <a14:useLocalDpi xmlns:a14="http://schemas.microsoft.com/office/drawing/2010/main" val="0"/>
               </a:ext>
             </a:extLst>
           </a:blip>
@@ -6177,7 +6186,7 @@
           <a:blip r:embed="rId6" cstate="print">
             <a:extLst>
               <a:ext uri="{28A0092B-C50C-407E-A947-70E740481C1C}">
-                <a14:useLocalDpi xmlns:a14="http://schemas.microsoft.com/office/drawing/2010/main" xmlns="" val="0"/>
+                <a14:useLocalDpi xmlns:a14="http://schemas.microsoft.com/office/drawing/2010/main" val="0"/>
               </a:ext>
             </a:extLst>
           </a:blip>
@@ -6198,20 +6207,20 @@
     </p:spTree>
     <p:extLst>
       <p:ext uri="{BB962C8B-B14F-4D97-AF65-F5344CB8AC3E}">
-        <p14:creationId xmlns:p14="http://schemas.microsoft.com/office/powerpoint/2010/main" xmlns="" val="6677563"/>
+        <p14:creationId xmlns:p14="http://schemas.microsoft.com/office/powerpoint/2010/main" val="6677563"/>
       </p:ext>
     </p:extLst>
   </p:cSld>
   <p:clrMapOvr>
     <a:masterClrMapping/>
   </p:clrMapOvr>
-  <mc:AlternateContent xmlns:mc="http://schemas.openxmlformats.org/markup-compatibility/2006">
-    <mc:Choice xmlns:p14="http://schemas.microsoft.com/office/powerpoint/2010/main" xmlns="" Requires="p14">
+  <mc:AlternateContent xmlns:mc="http://schemas.openxmlformats.org/markup-compatibility/2006" xmlns:p14="http://schemas.microsoft.com/office/powerpoint/2010/main">
+    <mc:Choice Requires="p14">
       <p:transition spd="slow" p14:dur="1200">
         <p14:prism/>
       </p:transition>
     </mc:Choice>
-    <mc:Fallback>
+    <mc:Fallback xmlns="">
       <p:transition spd="slow">
         <p:fade/>
       </p:transition>
@@ -6220,7 +6229,7 @@
   <p:timing>
     <p:tnLst>
       <p:par>
-        <p:cTn id="1" dur="indefinite" restart="never" nodeType="tmRoot">
+        <p:cTn xmlns:p14="http://schemas.microsoft.com/office/powerpoint/2010/main" id="1" dur="indefinite" restart="never" nodeType="tmRoot">
           <p:childTnLst>
             <p:seq concurrent="1" nextAc="seek">
               <p:cTn id="2" dur="indefinite" nodeType="mainSeq">
@@ -6646,7 +6655,7 @@
           <a:blip r:embed="rId2" cstate="print">
             <a:extLst>
               <a:ext uri="{BEBA8EAE-BF5A-486C-A8C5-ECC9F3942E4B}">
-                <a14:imgProps xmlns:a14="http://schemas.microsoft.com/office/drawing/2010/main" xmlns="">
+                <a14:imgProps xmlns:a14="http://schemas.microsoft.com/office/drawing/2010/main">
                   <a14:imgLayer r:embed="rId3">
                     <a14:imgEffect>
                       <a14:backgroundRemoval t="0" b="99722" l="3333" r="98750">
@@ -6693,7 +6702,7 @@
           <a:blip r:embed="rId4" cstate="print">
             <a:extLst>
               <a:ext uri="{BEBA8EAE-BF5A-486C-A8C5-ECC9F3942E4B}">
-                <a14:imgProps xmlns:a14="http://schemas.microsoft.com/office/drawing/2010/main" xmlns="">
+                <a14:imgProps xmlns:a14="http://schemas.microsoft.com/office/drawing/2010/main">
                   <a14:imgLayer r:embed="rId5">
                     <a14:imgEffect>
                       <a14:backgroundRemoval t="0" b="100000" l="0" r="100000"/>
@@ -6793,20 +6802,20 @@
     </p:spTree>
     <p:extLst>
       <p:ext uri="{BB962C8B-B14F-4D97-AF65-F5344CB8AC3E}">
-        <p14:creationId xmlns:p14="http://schemas.microsoft.com/office/powerpoint/2010/main" xmlns="" val="787863190"/>
+        <p14:creationId xmlns:p14="http://schemas.microsoft.com/office/powerpoint/2010/main" val="787863190"/>
       </p:ext>
     </p:extLst>
   </p:cSld>
   <p:clrMapOvr>
     <a:masterClrMapping/>
   </p:clrMapOvr>
-  <mc:AlternateContent xmlns:mc="http://schemas.openxmlformats.org/markup-compatibility/2006">
-    <mc:Choice xmlns:p14="http://schemas.microsoft.com/office/powerpoint/2010/main" xmlns="" Requires="p14">
+  <mc:AlternateContent xmlns:mc="http://schemas.openxmlformats.org/markup-compatibility/2006" xmlns:p14="http://schemas.microsoft.com/office/powerpoint/2010/main">
+    <mc:Choice Requires="p14">
       <p:transition spd="slow" p14:dur="1200">
         <p14:prism/>
       </p:transition>
     </mc:Choice>
-    <mc:Fallback>
+    <mc:Fallback xmlns="">
       <p:transition spd="slow">
         <p:fade/>
       </p:transition>
@@ -6815,7 +6824,7 @@
   <p:timing>
     <p:tnLst>
       <p:par>
-        <p:cTn id="1" dur="indefinite" restart="never" nodeType="tmRoot">
+        <p:cTn xmlns:p14="http://schemas.microsoft.com/office/powerpoint/2010/main" id="1" dur="indefinite" restart="never" nodeType="tmRoot">
           <p:childTnLst>
             <p:seq concurrent="1" nextAc="seek">
               <p:cTn id="2" dur="indefinite" nodeType="mainSeq">
@@ -7463,20 +7472,20 @@
     </p:spTree>
     <p:extLst>
       <p:ext uri="{BB962C8B-B14F-4D97-AF65-F5344CB8AC3E}">
-        <p14:creationId xmlns:p14="http://schemas.microsoft.com/office/powerpoint/2010/main" xmlns="" val="1855678142"/>
+        <p14:creationId xmlns:p14="http://schemas.microsoft.com/office/powerpoint/2010/main" val="1855678142"/>
       </p:ext>
     </p:extLst>
   </p:cSld>
   <p:clrMapOvr>
     <a:masterClrMapping/>
   </p:clrMapOvr>
-  <mc:AlternateContent xmlns:mc="http://schemas.openxmlformats.org/markup-compatibility/2006">
-    <mc:Choice xmlns:p14="http://schemas.microsoft.com/office/powerpoint/2010/main" xmlns="" Requires="p14">
+  <mc:AlternateContent xmlns:mc="http://schemas.openxmlformats.org/markup-compatibility/2006" xmlns:p14="http://schemas.microsoft.com/office/powerpoint/2010/main">
+    <mc:Choice Requires="p14">
       <p:transition spd="slow" p14:dur="1200">
         <p14:prism/>
       </p:transition>
     </mc:Choice>
-    <mc:Fallback>
+    <mc:Fallback xmlns="">
       <p:transition spd="slow">
         <p:fade/>
       </p:transition>
@@ -7485,7 +7494,7 @@
   <p:timing>
     <p:tnLst>
       <p:par>
-        <p:cTn id="1" dur="indefinite" restart="never" nodeType="tmRoot">
+        <p:cTn xmlns:p14="http://schemas.microsoft.com/office/powerpoint/2010/main" id="1" dur="indefinite" restart="never" nodeType="tmRoot">
           <p:childTnLst>
             <p:seq concurrent="1" nextAc="seek">
               <p:cTn id="2" dur="indefinite" nodeType="mainSeq">
@@ -7622,20 +7631,20 @@
     </p:spTree>
     <p:extLst>
       <p:ext uri="{BB962C8B-B14F-4D97-AF65-F5344CB8AC3E}">
-        <p14:creationId xmlns:p14="http://schemas.microsoft.com/office/powerpoint/2010/main" xmlns="" val="497561131"/>
+        <p14:creationId xmlns:p14="http://schemas.microsoft.com/office/powerpoint/2010/main" val="497561131"/>
       </p:ext>
     </p:extLst>
   </p:cSld>
   <p:clrMapOvr>
     <a:masterClrMapping/>
   </p:clrMapOvr>
-  <mc:AlternateContent xmlns:mc="http://schemas.openxmlformats.org/markup-compatibility/2006">
-    <mc:Choice xmlns:p14="http://schemas.microsoft.com/office/powerpoint/2010/main" xmlns="" Requires="p14">
+  <mc:AlternateContent xmlns:mc="http://schemas.openxmlformats.org/markup-compatibility/2006" xmlns:p14="http://schemas.microsoft.com/office/powerpoint/2010/main">
+    <mc:Choice Requires="p14">
       <p:transition spd="slow" p14:dur="1200">
         <p14:prism/>
       </p:transition>
     </mc:Choice>
-    <mc:Fallback>
+    <mc:Fallback xmlns="">
       <p:transition spd="slow">
         <p:fade/>
       </p:transition>
@@ -7644,7 +7653,7 @@
   <p:timing>
     <p:tnLst>
       <p:par>
-        <p:cTn id="1" dur="indefinite" restart="never" nodeType="tmRoot">
+        <p:cTn xmlns:p14="http://schemas.microsoft.com/office/powerpoint/2010/main" id="1" dur="indefinite" restart="never" nodeType="tmRoot">
           <p:childTnLst>
             <p:seq concurrent="1" nextAc="seek">
               <p:cTn id="2" dur="indefinite" nodeType="mainSeq">
@@ -7781,20 +7790,20 @@
     </p:spTree>
     <p:extLst>
       <p:ext uri="{BB962C8B-B14F-4D97-AF65-F5344CB8AC3E}">
-        <p14:creationId xmlns:p14="http://schemas.microsoft.com/office/powerpoint/2010/main" xmlns="" val="1417798178"/>
+        <p14:creationId xmlns:p14="http://schemas.microsoft.com/office/powerpoint/2010/main" val="1417798178"/>
       </p:ext>
     </p:extLst>
   </p:cSld>
   <p:clrMapOvr>
     <a:masterClrMapping/>
   </p:clrMapOvr>
-  <mc:AlternateContent xmlns:mc="http://schemas.openxmlformats.org/markup-compatibility/2006">
-    <mc:Choice xmlns:p14="http://schemas.microsoft.com/office/powerpoint/2010/main" xmlns="" Requires="p14">
+  <mc:AlternateContent xmlns:mc="http://schemas.openxmlformats.org/markup-compatibility/2006" xmlns:p14="http://schemas.microsoft.com/office/powerpoint/2010/main">
+    <mc:Choice Requires="p14">
       <p:transition spd="slow" p14:dur="1200">
         <p14:prism/>
       </p:transition>
     </mc:Choice>
-    <mc:Fallback>
+    <mc:Fallback xmlns="">
       <p:transition spd="slow">
         <p:fade/>
       </p:transition>
@@ -7803,7 +7812,7 @@
   <p:timing>
     <p:tnLst>
       <p:par>
-        <p:cTn id="1" dur="indefinite" restart="never" nodeType="tmRoot">
+        <p:cTn xmlns:p14="http://schemas.microsoft.com/office/powerpoint/2010/main" id="1" dur="indefinite" restart="never" nodeType="tmRoot">
           <p:childTnLst>
             <p:seq concurrent="1" nextAc="seek">
               <p:cTn id="2" dur="indefinite" nodeType="mainSeq">
@@ -7940,20 +7949,20 @@
     </p:spTree>
     <p:extLst>
       <p:ext uri="{BB962C8B-B14F-4D97-AF65-F5344CB8AC3E}">
-        <p14:creationId xmlns:p14="http://schemas.microsoft.com/office/powerpoint/2010/main" xmlns="" val="1417798178"/>
+        <p14:creationId xmlns:p14="http://schemas.microsoft.com/office/powerpoint/2010/main" val="1417798178"/>
       </p:ext>
     </p:extLst>
   </p:cSld>
   <p:clrMapOvr>
     <a:masterClrMapping/>
   </p:clrMapOvr>
-  <mc:AlternateContent xmlns:mc="http://schemas.openxmlformats.org/markup-compatibility/2006">
-    <mc:Choice xmlns:p14="http://schemas.microsoft.com/office/powerpoint/2010/main" xmlns="" Requires="p14">
+  <mc:AlternateContent xmlns:mc="http://schemas.openxmlformats.org/markup-compatibility/2006" xmlns:p14="http://schemas.microsoft.com/office/powerpoint/2010/main">
+    <mc:Choice Requires="p14">
       <p:transition spd="slow" p14:dur="1200">
         <p14:prism/>
       </p:transition>
     </mc:Choice>
-    <mc:Fallback>
+    <mc:Fallback xmlns="">
       <p:transition spd="slow">
         <p:fade/>
       </p:transition>
@@ -7962,7 +7971,7 @@
   <p:timing>
     <p:tnLst>
       <p:par>
-        <p:cTn id="1" dur="indefinite" restart="never" nodeType="tmRoot">
+        <p:cTn xmlns:p14="http://schemas.microsoft.com/office/powerpoint/2010/main" id="1" dur="indefinite" restart="never" nodeType="tmRoot">
           <p:childTnLst>
             <p:seq concurrent="1" nextAc="seek">
               <p:cTn id="2" dur="indefinite" nodeType="mainSeq">
@@ -8135,20 +8144,20 @@
     </p:spTree>
     <p:extLst>
       <p:ext uri="{BB962C8B-B14F-4D97-AF65-F5344CB8AC3E}">
-        <p14:creationId xmlns:p14="http://schemas.microsoft.com/office/powerpoint/2010/main" xmlns="" val="343737319"/>
+        <p14:creationId xmlns:p14="http://schemas.microsoft.com/office/powerpoint/2010/main" val="343737319"/>
       </p:ext>
     </p:extLst>
   </p:cSld>
   <p:clrMapOvr>
     <a:masterClrMapping/>
   </p:clrMapOvr>
-  <mc:AlternateContent xmlns:mc="http://schemas.openxmlformats.org/markup-compatibility/2006">
-    <mc:Choice xmlns:p14="http://schemas.microsoft.com/office/powerpoint/2010/main" xmlns="" Requires="p14">
+  <mc:AlternateContent xmlns:mc="http://schemas.openxmlformats.org/markup-compatibility/2006" xmlns:p14="http://schemas.microsoft.com/office/powerpoint/2010/main">
+    <mc:Choice Requires="p14">
       <p:transition spd="slow" p14:dur="1200">
         <p14:prism/>
       </p:transition>
     </mc:Choice>
-    <mc:Fallback>
+    <mc:Fallback xmlns="">
       <p:transition spd="slow">
         <p:fade/>
       </p:transition>
@@ -8157,7 +8166,7 @@
   <p:timing>
     <p:tnLst>
       <p:par>
-        <p:cTn id="1" dur="indefinite" restart="never" nodeType="tmRoot">
+        <p:cTn xmlns:p14="http://schemas.microsoft.com/office/powerpoint/2010/main" id="1" dur="indefinite" restart="never" nodeType="tmRoot">
           <p:childTnLst>
             <p:seq concurrent="1" nextAc="seek">
               <p:cTn id="2" dur="indefinite" nodeType="mainSeq">
@@ -8843,20 +8852,20 @@
     </p:spTree>
     <p:extLst>
       <p:ext uri="{BB962C8B-B14F-4D97-AF65-F5344CB8AC3E}">
-        <p14:creationId xmlns:p14="http://schemas.microsoft.com/office/powerpoint/2010/main" xmlns="" val="407749352"/>
+        <p14:creationId xmlns:p14="http://schemas.microsoft.com/office/powerpoint/2010/main" val="407749352"/>
       </p:ext>
     </p:extLst>
   </p:cSld>
   <p:clrMapOvr>
     <a:masterClrMapping/>
   </p:clrMapOvr>
-  <mc:AlternateContent xmlns:mc="http://schemas.openxmlformats.org/markup-compatibility/2006">
-    <mc:Choice xmlns:p14="http://schemas.microsoft.com/office/powerpoint/2010/main" xmlns="" Requires="p14">
+  <mc:AlternateContent xmlns:mc="http://schemas.openxmlformats.org/markup-compatibility/2006" xmlns:p14="http://schemas.microsoft.com/office/powerpoint/2010/main">
+    <mc:Choice Requires="p14">
       <p:transition spd="slow" p14:dur="1200">
         <p14:prism/>
       </p:transition>
     </mc:Choice>
-    <mc:Fallback>
+    <mc:Fallback xmlns="">
       <p:transition spd="slow">
         <p:fade/>
       </p:transition>
@@ -8865,7 +8874,7 @@
   <p:timing>
     <p:tnLst>
       <p:par>
-        <p:cTn id="1" dur="indefinite" restart="never" nodeType="tmRoot">
+        <p:cTn xmlns:p14="http://schemas.microsoft.com/office/powerpoint/2010/main" id="1" dur="indefinite" restart="never" nodeType="tmRoot">
           <p:childTnLst>
             <p:seq concurrent="1" nextAc="seek">
               <p:cTn id="2" dur="indefinite" nodeType="mainSeq">
@@ -9492,20 +9501,20 @@
     </p:spTree>
     <p:extLst>
       <p:ext uri="{BB962C8B-B14F-4D97-AF65-F5344CB8AC3E}">
-        <p14:creationId xmlns:p14="http://schemas.microsoft.com/office/powerpoint/2010/main" xmlns="" val="3510660102"/>
+        <p14:creationId xmlns:p14="http://schemas.microsoft.com/office/powerpoint/2010/main" val="3510660102"/>
       </p:ext>
     </p:extLst>
   </p:cSld>
   <p:clrMapOvr>
     <a:masterClrMapping/>
   </p:clrMapOvr>
-  <mc:AlternateContent xmlns:mc="http://schemas.openxmlformats.org/markup-compatibility/2006">
-    <mc:Choice xmlns:p14="http://schemas.microsoft.com/office/powerpoint/2010/main" xmlns="" Requires="p14">
+  <mc:AlternateContent xmlns:mc="http://schemas.openxmlformats.org/markup-compatibility/2006" xmlns:p14="http://schemas.microsoft.com/office/powerpoint/2010/main">
+    <mc:Choice Requires="p14">
       <p:transition spd="slow" p14:dur="1200">
         <p14:prism/>
       </p:transition>
     </mc:Choice>
-    <mc:Fallback>
+    <mc:Fallback xmlns="">
       <p:transition spd="slow">
         <p:fade/>
       </p:transition>
@@ -9514,7 +9523,7 @@
   <p:timing>
     <p:tnLst>
       <p:par>
-        <p:cTn id="1" dur="indefinite" restart="never" nodeType="tmRoot">
+        <p:cTn xmlns:p14="http://schemas.microsoft.com/office/powerpoint/2010/main" id="1" dur="indefinite" restart="never" nodeType="tmRoot">
           <p:childTnLst>
             <p:seq concurrent="1" nextAc="seek">
               <p:cTn id="2" dur="indefinite" nodeType="mainSeq">
@@ -10108,13 +10117,13 @@
   <p:clrMapOvr>
     <a:masterClrMapping/>
   </p:clrMapOvr>
-  <mc:AlternateContent xmlns:mc="http://schemas.openxmlformats.org/markup-compatibility/2006">
-    <mc:Choice xmlns:p14="http://schemas.microsoft.com/office/powerpoint/2010/main" xmlns="" Requires="p14">
+  <mc:AlternateContent xmlns:mc="http://schemas.openxmlformats.org/markup-compatibility/2006" xmlns:p14="http://schemas.microsoft.com/office/powerpoint/2010/main">
+    <mc:Choice Requires="p14">
       <p:transition spd="slow" p14:dur="1200">
         <p14:prism/>
       </p:transition>
     </mc:Choice>
-    <mc:Fallback>
+    <mc:Fallback xmlns="">
       <p:transition spd="slow">
         <p:fade/>
       </p:transition>
@@ -10123,7 +10132,7 @@
   <p:timing>
     <p:tnLst>
       <p:par>
-        <p:cTn id="1" dur="indefinite" restart="never" nodeType="tmRoot">
+        <p:cTn xmlns:p14="http://schemas.microsoft.com/office/powerpoint/2010/main" id="1" dur="indefinite" restart="never" nodeType="tmRoot">
           <p:childTnLst>
             <p:seq concurrent="1" nextAc="seek">
               <p:cTn id="2" dur="indefinite" nodeType="mainSeq">
@@ -10469,20 +10478,20 @@
     </p:spTree>
     <p:extLst>
       <p:ext uri="{BB962C8B-B14F-4D97-AF65-F5344CB8AC3E}">
-        <p14:creationId xmlns:p14="http://schemas.microsoft.com/office/powerpoint/2010/main" xmlns="" val="2813714511"/>
+        <p14:creationId xmlns:p14="http://schemas.microsoft.com/office/powerpoint/2010/main" val="2813714511"/>
       </p:ext>
     </p:extLst>
   </p:cSld>
   <p:clrMapOvr>
     <a:masterClrMapping/>
   </p:clrMapOvr>
-  <mc:AlternateContent xmlns:mc="http://schemas.openxmlformats.org/markup-compatibility/2006">
-    <mc:Choice xmlns:p14="http://schemas.microsoft.com/office/powerpoint/2010/main" xmlns="" Requires="p14">
+  <mc:AlternateContent xmlns:mc="http://schemas.openxmlformats.org/markup-compatibility/2006" xmlns:p14="http://schemas.microsoft.com/office/powerpoint/2010/main">
+    <mc:Choice Requires="p14">
       <p:transition spd="slow" p14:dur="1200">
         <p14:prism/>
       </p:transition>
     </mc:Choice>
-    <mc:Fallback>
+    <mc:Fallback xmlns="">
       <p:transition spd="slow">
         <p:fade/>
       </p:transition>
@@ -10491,7 +10500,7 @@
   <p:timing>
     <p:tnLst>
       <p:par>
-        <p:cTn id="1" dur="indefinite" restart="never" nodeType="tmRoot">
+        <p:cTn xmlns:p14="http://schemas.microsoft.com/office/powerpoint/2010/main" id="1" dur="indefinite" restart="never" nodeType="tmRoot">
           <p:childTnLst>
             <p:seq concurrent="1" nextAc="seek">
               <p:cTn id="2" dur="indefinite" nodeType="mainSeq">
@@ -10760,22 +10769,26 @@
             <a:pPr lvl="1"/>
             <a:r>
               <a:rPr lang="de-CH" dirty="0" smtClean="0"/>
-              <a:t>Sprite-Sheet (Bild)</a:t>
+              <a:t>Sprite-</a:t>
+            </a:r>
+            <a:r>
+              <a:rPr lang="de-CH" dirty="0" smtClean="0"/>
+              <a:t>Sheet</a:t>
             </a:r>
           </a:p>
           <a:p>
             <a:pPr lvl="1"/>
             <a:r>
               <a:rPr lang="de-CH" dirty="0" smtClean="0"/>
-              <a:t>Sprite-Sheet-</a:t>
-            </a:r>
-            <a:r>
-              <a:rPr lang="de-CH" dirty="0" err="1" smtClean="0"/>
+              <a:t>Sprite</a:t>
+            </a:r>
+            <a:r>
+              <a:rPr lang="de-CH" dirty="0" smtClean="0"/>
+              <a:t>-Sheet-</a:t>
+            </a:r>
+            <a:r>
+              <a:rPr lang="de-CH" dirty="0" smtClean="0"/>
               <a:t>Plist</a:t>
-            </a:r>
-            <a:r>
-              <a:rPr lang="de-CH" dirty="0" smtClean="0"/>
-              <a:t> (Informationen zu den Frames)</a:t>
             </a:r>
             <a:endParaRPr lang="de-CH" dirty="0"/>
           </a:p>
@@ -10875,13 +10888,13 @@
   <p:clrMapOvr>
     <a:masterClrMapping/>
   </p:clrMapOvr>
-  <mc:AlternateContent xmlns:mc="http://schemas.openxmlformats.org/markup-compatibility/2006">
-    <mc:Choice xmlns:p14="http://schemas.microsoft.com/office/powerpoint/2010/main" xmlns="" Requires="p14">
+  <mc:AlternateContent xmlns:mc="http://schemas.openxmlformats.org/markup-compatibility/2006" xmlns:p14="http://schemas.microsoft.com/office/powerpoint/2010/main">
+    <mc:Choice Requires="p14">
       <p:transition spd="slow" p14:dur="1200">
         <p14:prism/>
       </p:transition>
     </mc:Choice>
-    <mc:Fallback>
+    <mc:Fallback xmlns="">
       <p:transition spd="slow">
         <p:fade/>
       </p:transition>
@@ -10890,7 +10903,7 @@
   <p:timing>
     <p:tnLst>
       <p:par>
-        <p:cTn id="1" dur="indefinite" restart="never" nodeType="tmRoot">
+        <p:cTn xmlns:p14="http://schemas.microsoft.com/office/powerpoint/2010/main" id="1" dur="indefinite" restart="never" nodeType="tmRoot">
           <p:childTnLst>
             <p:seq concurrent="1" nextAc="seek">
               <p:cTn id="2" dur="indefinite" nodeType="mainSeq">
@@ -11545,7 +11558,6 @@
               <a:rPr lang="de-CH" dirty="0" smtClean="0"/>
               <a:t>Unser Gebrauch</a:t>
             </a:r>
-            <a:endParaRPr lang="de-CH" dirty="0" smtClean="0"/>
           </a:p>
           <a:p>
             <a:pPr lvl="1"/>
@@ -11578,13 +11590,13 @@
   <p:clrMapOvr>
     <a:masterClrMapping/>
   </p:clrMapOvr>
-  <mc:AlternateContent xmlns:mc="http://schemas.openxmlformats.org/markup-compatibility/2006">
-    <mc:Choice xmlns:p14="http://schemas.microsoft.com/office/powerpoint/2010/main" xmlns="" Requires="p14">
+  <mc:AlternateContent xmlns:mc="http://schemas.openxmlformats.org/markup-compatibility/2006" xmlns:p14="http://schemas.microsoft.com/office/powerpoint/2010/main">
+    <mc:Choice Requires="p14">
       <p:transition spd="slow" p14:dur="1200">
         <p14:prism/>
       </p:transition>
     </mc:Choice>
-    <mc:Fallback>
+    <mc:Fallback xmlns="">
       <p:transition spd="slow">
         <p:fade/>
       </p:transition>
@@ -11593,7 +11605,7 @@
   <p:timing>
     <p:tnLst>
       <p:par>
-        <p:cTn id="1" dur="indefinite" restart="never" nodeType="tmRoot">
+        <p:cTn xmlns:p14="http://schemas.microsoft.com/office/powerpoint/2010/main" id="1" dur="indefinite" restart="never" nodeType="tmRoot">
           <p:childTnLst>
             <p:seq concurrent="1" nextAc="seek">
               <p:cTn id="2" dur="indefinite" nodeType="mainSeq">
@@ -12009,7 +12021,7 @@
             <a:blip r:embed="rId2" cstate="print">
               <a:extLst>
                 <a:ext uri="{28A0092B-C50C-407E-A947-70E740481C1C}">
-                  <a14:useLocalDpi xmlns:a14="http://schemas.microsoft.com/office/drawing/2010/main" xmlns="" val="0"/>
+                  <a14:useLocalDpi xmlns:a14="http://schemas.microsoft.com/office/drawing/2010/main" val="0"/>
                 </a:ext>
               </a:extLst>
             </a:blip>
@@ -12030,14 +12042,14 @@
             </a:ln>
             <a:extLst>
               <a:ext uri="{909E8E84-426E-40dd-AFC4-6F175D3DCCD1}">
-                <a14:hiddenFill xmlns:a14="http://schemas.microsoft.com/office/drawing/2010/main" xmlns="">
+                <a14:hiddenFill xmlns:a14="http://schemas.microsoft.com/office/drawing/2010/main">
                   <a:solidFill>
                     <a:srgbClr val="FFFFFF"/>
                   </a:solidFill>
                 </a14:hiddenFill>
               </a:ext>
               <a:ext uri="{91240B29-F687-4f45-9708-019B960494DF}">
-                <a14:hiddenLine xmlns:a14="http://schemas.microsoft.com/office/drawing/2010/main" xmlns="" w="9525">
+                <a14:hiddenLine xmlns:a14="http://schemas.microsoft.com/office/drawing/2010/main" w="9525">
                   <a:solidFill>
                     <a:srgbClr val="000000"/>
                   </a:solidFill>
@@ -12061,7 +12073,7 @@
             <a:blip r:embed="rId2" cstate="print">
               <a:extLst>
                 <a:ext uri="{28A0092B-C50C-407E-A947-70E740481C1C}">
-                  <a14:useLocalDpi xmlns:a14="http://schemas.microsoft.com/office/drawing/2010/main" xmlns="" val="0"/>
+                  <a14:useLocalDpi xmlns:a14="http://schemas.microsoft.com/office/drawing/2010/main" val="0"/>
                 </a:ext>
               </a:extLst>
             </a:blip>
@@ -12082,14 +12094,14 @@
             </a:ln>
             <a:extLst>
               <a:ext uri="{909E8E84-426E-40dd-AFC4-6F175D3DCCD1}">
-                <a14:hiddenFill xmlns:a14="http://schemas.microsoft.com/office/drawing/2010/main" xmlns="">
+                <a14:hiddenFill xmlns:a14="http://schemas.microsoft.com/office/drawing/2010/main">
                   <a:solidFill>
                     <a:srgbClr val="FFFFFF"/>
                   </a:solidFill>
                 </a14:hiddenFill>
               </a:ext>
               <a:ext uri="{91240B29-F687-4f45-9708-019B960494DF}">
-                <a14:hiddenLine xmlns:a14="http://schemas.microsoft.com/office/drawing/2010/main" xmlns="" w="9525">
+                <a14:hiddenLine xmlns:a14="http://schemas.microsoft.com/office/drawing/2010/main" w="9525">
                   <a:solidFill>
                     <a:srgbClr val="000000"/>
                   </a:solidFill>
@@ -12114,7 +12126,7 @@
           <a:blip r:embed="rId2" cstate="print">
             <a:extLst>
               <a:ext uri="{28A0092B-C50C-407E-A947-70E740481C1C}">
-                <a14:useLocalDpi xmlns:a14="http://schemas.microsoft.com/office/drawing/2010/main" xmlns="" val="0"/>
+                <a14:useLocalDpi xmlns:a14="http://schemas.microsoft.com/office/drawing/2010/main" val="0"/>
               </a:ext>
             </a:extLst>
           </a:blip>
@@ -12137,14 +12149,14 @@
           </a:ln>
           <a:extLst>
             <a:ext uri="{909E8E84-426E-40dd-AFC4-6F175D3DCCD1}">
-              <a14:hiddenFill xmlns:a14="http://schemas.microsoft.com/office/drawing/2010/main" xmlns="">
+              <a14:hiddenFill xmlns:a14="http://schemas.microsoft.com/office/drawing/2010/main">
                 <a:solidFill>
                   <a:srgbClr val="FFFFFF"/>
                 </a:solidFill>
               </a14:hiddenFill>
             </a:ext>
             <a:ext uri="{91240B29-F687-4f45-9708-019B960494DF}">
-              <a14:hiddenLine xmlns:a14="http://schemas.microsoft.com/office/drawing/2010/main" xmlns="" w="9525">
+              <a14:hiddenLine xmlns:a14="http://schemas.microsoft.com/office/drawing/2010/main" w="9525">
                 <a:solidFill>
                   <a:srgbClr val="000000"/>
                 </a:solidFill>
@@ -12200,20 +12212,20 @@
     </p:spTree>
     <p:extLst>
       <p:ext uri="{BB962C8B-B14F-4D97-AF65-F5344CB8AC3E}">
-        <p14:creationId xmlns:p14="http://schemas.microsoft.com/office/powerpoint/2010/main" xmlns="" val="3505732037"/>
+        <p14:creationId xmlns:p14="http://schemas.microsoft.com/office/powerpoint/2010/main" val="3505732037"/>
       </p:ext>
     </p:extLst>
   </p:cSld>
   <p:clrMapOvr>
     <a:masterClrMapping/>
   </p:clrMapOvr>
-  <mc:AlternateContent xmlns:mc="http://schemas.openxmlformats.org/markup-compatibility/2006">
-    <mc:Choice xmlns:p14="http://schemas.microsoft.com/office/powerpoint/2010/main" xmlns="" Requires="p14">
+  <mc:AlternateContent xmlns:mc="http://schemas.openxmlformats.org/markup-compatibility/2006" xmlns:p14="http://schemas.microsoft.com/office/powerpoint/2010/main">
+    <mc:Choice Requires="p14">
       <p:transition spd="slow" p14:dur="1200">
         <p14:prism/>
       </p:transition>
     </mc:Choice>
-    <mc:Fallback>
+    <mc:Fallback xmlns="">
       <p:transition spd="slow">
         <p:fade/>
       </p:transition>
@@ -12222,7 +12234,7 @@
   <p:timing>
     <p:tnLst>
       <p:par>
-        <p:cTn id="1" dur="indefinite" restart="never" nodeType="tmRoot">
+        <p:cTn xmlns:p14="http://schemas.microsoft.com/office/powerpoint/2010/main" id="1" dur="indefinite" restart="never" nodeType="tmRoot">
           <p:childTnLst>
             <p:seq concurrent="1" nextAc="seek">
               <p:cTn id="2" dur="indefinite" nodeType="mainSeq">
@@ -12374,7 +12386,7 @@
           <a:blip r:embed="rId2" cstate="print">
             <a:extLst>
               <a:ext uri="{28A0092B-C50C-407E-A947-70E740481C1C}">
-                <a14:useLocalDpi xmlns:a14="http://schemas.microsoft.com/office/drawing/2010/main" xmlns="" val="0"/>
+                <a14:useLocalDpi xmlns:a14="http://schemas.microsoft.com/office/drawing/2010/main" val="0"/>
               </a:ext>
             </a:extLst>
           </a:blip>
@@ -12397,14 +12409,14 @@
           </a:ln>
           <a:extLst>
             <a:ext uri="{909E8E84-426E-40dd-AFC4-6F175D3DCCD1}">
-              <a14:hiddenFill xmlns:a14="http://schemas.microsoft.com/office/drawing/2010/main" xmlns="">
+              <a14:hiddenFill xmlns:a14="http://schemas.microsoft.com/office/drawing/2010/main">
                 <a:solidFill>
                   <a:srgbClr val="FFFFFF"/>
                 </a:solidFill>
               </a14:hiddenFill>
             </a:ext>
             <a:ext uri="{91240B29-F687-4f45-9708-019B960494DF}">
-              <a14:hiddenLine xmlns:a14="http://schemas.microsoft.com/office/drawing/2010/main" xmlns="" w="9525">
+              <a14:hiddenLine xmlns:a14="http://schemas.microsoft.com/office/drawing/2010/main" w="9525">
                 <a:solidFill>
                   <a:srgbClr val="000000"/>
                 </a:solidFill>
@@ -12442,7 +12454,7 @@
             <a:blip r:embed="rId2" cstate="print">
               <a:extLst>
                 <a:ext uri="{28A0092B-C50C-407E-A947-70E740481C1C}">
-                  <a14:useLocalDpi xmlns:a14="http://schemas.microsoft.com/office/drawing/2010/main" xmlns="" val="0"/>
+                  <a14:useLocalDpi xmlns:a14="http://schemas.microsoft.com/office/drawing/2010/main" val="0"/>
                 </a:ext>
               </a:extLst>
             </a:blip>
@@ -12463,14 +12475,14 @@
             </a:ln>
             <a:extLst>
               <a:ext uri="{909E8E84-426E-40dd-AFC4-6F175D3DCCD1}">
-                <a14:hiddenFill xmlns:a14="http://schemas.microsoft.com/office/drawing/2010/main" xmlns="">
+                <a14:hiddenFill xmlns:a14="http://schemas.microsoft.com/office/drawing/2010/main">
                   <a:solidFill>
                     <a:srgbClr val="FFFFFF"/>
                   </a:solidFill>
                 </a14:hiddenFill>
               </a:ext>
               <a:ext uri="{91240B29-F687-4f45-9708-019B960494DF}">
-                <a14:hiddenLine xmlns:a14="http://schemas.microsoft.com/office/drawing/2010/main" xmlns="" w="9525">
+                <a14:hiddenLine xmlns:a14="http://schemas.microsoft.com/office/drawing/2010/main" w="9525">
                   <a:solidFill>
                     <a:srgbClr val="000000"/>
                   </a:solidFill>
@@ -12494,7 +12506,7 @@
             <a:blip r:embed="rId2" cstate="print">
               <a:extLst>
                 <a:ext uri="{28A0092B-C50C-407E-A947-70E740481C1C}">
-                  <a14:useLocalDpi xmlns:a14="http://schemas.microsoft.com/office/drawing/2010/main" xmlns="" val="0"/>
+                  <a14:useLocalDpi xmlns:a14="http://schemas.microsoft.com/office/drawing/2010/main" val="0"/>
                 </a:ext>
               </a:extLst>
             </a:blip>
@@ -12515,14 +12527,14 @@
             </a:ln>
             <a:extLst>
               <a:ext uri="{909E8E84-426E-40dd-AFC4-6F175D3DCCD1}">
-                <a14:hiddenFill xmlns:a14="http://schemas.microsoft.com/office/drawing/2010/main" xmlns="">
+                <a14:hiddenFill xmlns:a14="http://schemas.microsoft.com/office/drawing/2010/main">
                   <a:solidFill>
                     <a:srgbClr val="FFFFFF"/>
                   </a:solidFill>
                 </a14:hiddenFill>
               </a:ext>
               <a:ext uri="{91240B29-F687-4f45-9708-019B960494DF}">
-                <a14:hiddenLine xmlns:a14="http://schemas.microsoft.com/office/drawing/2010/main" xmlns="" w="9525">
+                <a14:hiddenLine xmlns:a14="http://schemas.microsoft.com/office/drawing/2010/main" w="9525">
                   <a:solidFill>
                     <a:srgbClr val="000000"/>
                   </a:solidFill>
@@ -12579,20 +12591,20 @@
     </p:spTree>
     <p:extLst>
       <p:ext uri="{BB962C8B-B14F-4D97-AF65-F5344CB8AC3E}">
-        <p14:creationId xmlns:p14="http://schemas.microsoft.com/office/powerpoint/2010/main" xmlns="" val="2180546277"/>
+        <p14:creationId xmlns:p14="http://schemas.microsoft.com/office/powerpoint/2010/main" val="2180546277"/>
       </p:ext>
     </p:extLst>
   </p:cSld>
   <p:clrMapOvr>
     <a:masterClrMapping/>
   </p:clrMapOvr>
-  <mc:AlternateContent xmlns:mc="http://schemas.openxmlformats.org/markup-compatibility/2006">
-    <mc:Choice xmlns:p14="http://schemas.microsoft.com/office/powerpoint/2010/main" xmlns="" Requires="p14">
+  <mc:AlternateContent xmlns:mc="http://schemas.openxmlformats.org/markup-compatibility/2006" xmlns:p14="http://schemas.microsoft.com/office/powerpoint/2010/main">
+    <mc:Choice Requires="p14">
       <p:transition spd="slow" p14:dur="1200">
         <p14:prism/>
       </p:transition>
     </mc:Choice>
-    <mc:Fallback>
+    <mc:Fallback xmlns="">
       <p:transition spd="slow">
         <p:fade/>
       </p:transition>
@@ -12601,7 +12613,7 @@
   <p:timing>
     <p:tnLst>
       <p:par>
-        <p:cTn id="1" dur="indefinite" restart="never" nodeType="tmRoot">
+        <p:cTn xmlns:p14="http://schemas.microsoft.com/office/powerpoint/2010/main" id="1" dur="indefinite" restart="never" nodeType="tmRoot">
           <p:childTnLst>
             <p:seq concurrent="1" nextAc="seek">
               <p:cTn id="2" dur="indefinite" nodeType="mainSeq">
@@ -12768,20 +12780,20 @@
     </p:spTree>
     <p:extLst>
       <p:ext uri="{BB962C8B-B14F-4D97-AF65-F5344CB8AC3E}">
-        <p14:creationId xmlns:p14="http://schemas.microsoft.com/office/powerpoint/2010/main" xmlns="" val="4153822471"/>
+        <p14:creationId xmlns:p14="http://schemas.microsoft.com/office/powerpoint/2010/main" val="4153822471"/>
       </p:ext>
     </p:extLst>
   </p:cSld>
   <p:clrMapOvr>
     <a:masterClrMapping/>
   </p:clrMapOvr>
-  <mc:AlternateContent xmlns:mc="http://schemas.openxmlformats.org/markup-compatibility/2006">
-    <mc:Choice xmlns:p14="http://schemas.microsoft.com/office/powerpoint/2010/main" xmlns="" Requires="p14">
+  <mc:AlternateContent xmlns:mc="http://schemas.openxmlformats.org/markup-compatibility/2006" xmlns:p14="http://schemas.microsoft.com/office/powerpoint/2010/main">
+    <mc:Choice Requires="p14">
       <p:transition spd="slow" p14:dur="1200">
         <p14:prism/>
       </p:transition>
     </mc:Choice>
-    <mc:Fallback>
+    <mc:Fallback xmlns="">
       <p:transition spd="slow">
         <p:fade/>
       </p:transition>
@@ -12790,7 +12802,7 @@
   <p:timing>
     <p:tnLst>
       <p:par>
-        <p:cTn id="1" dur="indefinite" restart="never" nodeType="tmRoot">
+        <p:cTn xmlns:p14="http://schemas.microsoft.com/office/powerpoint/2010/main" id="1" dur="indefinite" restart="never" nodeType="tmRoot">
           <p:childTnLst>
             <p:seq concurrent="1" nextAc="seek">
               <p:cTn id="2" dur="indefinite" nodeType="mainSeq">
@@ -12943,11 +12955,7 @@
             <a:pPr lvl="1"/>
             <a:r>
               <a:rPr lang="de-CH" dirty="0" smtClean="0"/>
-              <a:t>Gute </a:t>
-            </a:r>
-            <a:r>
-              <a:rPr lang="de-CH" dirty="0" smtClean="0"/>
-              <a:t>Integration</a:t>
+              <a:t>Gute Integration</a:t>
             </a:r>
           </a:p>
           <a:p>
@@ -13041,20 +13049,20 @@
     </p:spTree>
     <p:extLst>
       <p:ext uri="{BB962C8B-B14F-4D97-AF65-F5344CB8AC3E}">
-        <p14:creationId xmlns:p14="http://schemas.microsoft.com/office/powerpoint/2010/main" xmlns="" val="1752730562"/>
+        <p14:creationId xmlns:p14="http://schemas.microsoft.com/office/powerpoint/2010/main" val="1752730562"/>
       </p:ext>
     </p:extLst>
   </p:cSld>
   <p:clrMapOvr>
     <a:masterClrMapping/>
   </p:clrMapOvr>
-  <mc:AlternateContent xmlns:mc="http://schemas.openxmlformats.org/markup-compatibility/2006">
-    <mc:Choice xmlns:p14="http://schemas.microsoft.com/office/powerpoint/2010/main" xmlns="" Requires="p14">
+  <mc:AlternateContent xmlns:mc="http://schemas.openxmlformats.org/markup-compatibility/2006" xmlns:p14="http://schemas.microsoft.com/office/powerpoint/2010/main">
+    <mc:Choice Requires="p14">
       <p:transition spd="slow" p14:dur="1200">
         <p14:prism/>
       </p:transition>
     </mc:Choice>
-    <mc:Fallback>
+    <mc:Fallback xmlns="">
       <p:transition spd="slow">
         <p:fade/>
       </p:transition>
@@ -13063,7 +13071,7 @@
   <p:timing>
     <p:tnLst>
       <p:par>
-        <p:cTn id="1" dur="indefinite" restart="never" nodeType="tmRoot">
+        <p:cTn xmlns:p14="http://schemas.microsoft.com/office/powerpoint/2010/main" id="1" dur="indefinite" restart="never" nodeType="tmRoot">
           <p:childTnLst>
             <p:seq concurrent="1" nextAc="seek">
               <p:cTn id="2" dur="indefinite" nodeType="mainSeq">
@@ -13612,7 +13620,7 @@
           <a:blip r:embed="rId2" cstate="print">
             <a:extLst>
               <a:ext uri="{28A0092B-C50C-407E-A947-70E740481C1C}">
-                <a14:useLocalDpi xmlns:a14="http://schemas.microsoft.com/office/drawing/2010/main" xmlns="" val="0"/>
+                <a14:useLocalDpi xmlns:a14="http://schemas.microsoft.com/office/drawing/2010/main" val="0"/>
               </a:ext>
             </a:extLst>
           </a:blip>
@@ -13632,20 +13640,20 @@
     </p:spTree>
     <p:extLst>
       <p:ext uri="{BB962C8B-B14F-4D97-AF65-F5344CB8AC3E}">
-        <p14:creationId xmlns:p14="http://schemas.microsoft.com/office/powerpoint/2010/main" xmlns="" val="1707540623"/>
+        <p14:creationId xmlns:p14="http://schemas.microsoft.com/office/powerpoint/2010/main" val="1707540623"/>
       </p:ext>
     </p:extLst>
   </p:cSld>
   <p:clrMapOvr>
     <a:masterClrMapping/>
   </p:clrMapOvr>
-  <mc:AlternateContent xmlns:mc="http://schemas.openxmlformats.org/markup-compatibility/2006">
-    <mc:Choice xmlns:p14="http://schemas.microsoft.com/office/powerpoint/2010/main" xmlns="" Requires="p14">
+  <mc:AlternateContent xmlns:mc="http://schemas.openxmlformats.org/markup-compatibility/2006" xmlns:p14="http://schemas.microsoft.com/office/powerpoint/2010/main">
+    <mc:Choice Requires="p14">
       <p:transition spd="slow" p14:dur="1200">
         <p14:prism/>
       </p:transition>
     </mc:Choice>
-    <mc:Fallback>
+    <mc:Fallback xmlns="">
       <p:transition spd="slow">
         <p:fade/>
       </p:transition>
@@ -13654,7 +13662,7 @@
   <p:timing>
     <p:tnLst>
       <p:par>
-        <p:cTn id="1" dur="indefinite" restart="never" nodeType="tmRoot">
+        <p:cTn xmlns:p14="http://schemas.microsoft.com/office/powerpoint/2010/main" id="1" dur="indefinite" restart="never" nodeType="tmRoot">
           <p:childTnLst>
             <p:seq concurrent="1" nextAc="seek">
               <p:cTn id="2" dur="indefinite" nodeType="mainSeq">
@@ -13860,13 +13868,13 @@
   <p:clrMapOvr>
     <a:masterClrMapping/>
   </p:clrMapOvr>
-  <mc:AlternateContent xmlns:mc="http://schemas.openxmlformats.org/markup-compatibility/2006">
-    <mc:Choice xmlns:p14="http://schemas.microsoft.com/office/powerpoint/2010/main" xmlns="" Requires="p14">
+  <mc:AlternateContent xmlns:mc="http://schemas.openxmlformats.org/markup-compatibility/2006" xmlns:p14="http://schemas.microsoft.com/office/powerpoint/2010/main">
+    <mc:Choice Requires="p14">
       <p:transition spd="slow" p14:dur="1200">
         <p14:prism/>
       </p:transition>
     </mc:Choice>
-    <mc:Fallback>
+    <mc:Fallback xmlns="">
       <p:transition spd="slow">
         <p:fade/>
       </p:transition>
@@ -13875,7 +13883,7 @@
   <p:timing>
     <p:tnLst>
       <p:par>
-        <p:cTn id="1" dur="indefinite" restart="never" nodeType="tmRoot">
+        <p:cTn xmlns:p14="http://schemas.microsoft.com/office/powerpoint/2010/main" id="1" dur="indefinite" restart="never" nodeType="tmRoot">
           <p:childTnLst>
             <p:seq concurrent="1" nextAc="seek">
               <p:cTn id="2" dur="indefinite" nodeType="mainSeq">
@@ -14050,13 +14058,13 @@
   <p:clrMapOvr>
     <a:masterClrMapping/>
   </p:clrMapOvr>
-  <mc:AlternateContent xmlns:mc="http://schemas.openxmlformats.org/markup-compatibility/2006">
-    <mc:Choice xmlns:p14="http://schemas.microsoft.com/office/powerpoint/2010/main" xmlns="" Requires="p14">
+  <mc:AlternateContent xmlns:mc="http://schemas.openxmlformats.org/markup-compatibility/2006" xmlns:p14="http://schemas.microsoft.com/office/powerpoint/2010/main">
+    <mc:Choice Requires="p14">
       <p:transition spd="slow" p14:dur="1200">
         <p14:prism/>
       </p:transition>
     </mc:Choice>
-    <mc:Fallback>
+    <mc:Fallback xmlns="">
       <p:transition spd="slow">
         <p:fade/>
       </p:transition>
@@ -14065,7 +14073,7 @@
   <p:timing>
     <p:tnLst>
       <p:par>
-        <p:cTn id="1" dur="indefinite" restart="never" nodeType="tmRoot"/>
+        <p:cTn xmlns:p14="http://schemas.microsoft.com/office/powerpoint/2010/main" id="1" dur="indefinite" restart="never" nodeType="tmRoot"/>
       </p:par>
     </p:tnLst>
   </p:timing>
@@ -14170,11 +14178,11 @@
             <a:pPr lvl="1"/>
             <a:r>
               <a:rPr lang="de-CH" dirty="0" smtClean="0"/>
-              <a:t>Dynamisches Lesen der </a:t>
-            </a:r>
-            <a:r>
-              <a:rPr lang="de-CH" dirty="0" err="1" smtClean="0"/>
-              <a:t>Tile-Map</a:t>
+              <a:t>Dynamisches </a:t>
+            </a:r>
+            <a:r>
+              <a:rPr lang="de-CH" dirty="0" smtClean="0"/>
+              <a:t>Lesen</a:t>
             </a:r>
             <a:endParaRPr lang="de-CH" dirty="0" smtClean="0"/>
           </a:p>
@@ -14185,13 +14193,13 @@
   <p:clrMapOvr>
     <a:masterClrMapping/>
   </p:clrMapOvr>
-  <mc:AlternateContent xmlns:mc="http://schemas.openxmlformats.org/markup-compatibility/2006">
-    <mc:Choice xmlns:p14="http://schemas.microsoft.com/office/powerpoint/2010/main" xmlns="" Requires="p14">
+  <mc:AlternateContent xmlns:mc="http://schemas.openxmlformats.org/markup-compatibility/2006" xmlns:p14="http://schemas.microsoft.com/office/powerpoint/2010/main">
+    <mc:Choice Requires="p14">
       <p:transition spd="slow" p14:dur="1200">
         <p14:prism/>
       </p:transition>
     </mc:Choice>
-    <mc:Fallback>
+    <mc:Fallback xmlns="">
       <p:transition spd="slow">
         <p:fade/>
       </p:transition>
@@ -14200,7 +14208,7 @@
   <p:timing>
     <p:tnLst>
       <p:par>
-        <p:cTn id="1" dur="indefinite" restart="never" nodeType="tmRoot">
+        <p:cTn xmlns:p14="http://schemas.microsoft.com/office/powerpoint/2010/main" id="1" dur="indefinite" restart="never" nodeType="tmRoot">
           <p:childTnLst>
             <p:seq concurrent="1" nextAc="seek">
               <p:cTn id="2" dur="indefinite" nodeType="mainSeq">
@@ -14624,7 +14632,7 @@
           <a:blip r:embed="rId2" cstate="print">
             <a:extLst>
               <a:ext uri="{28A0092B-C50C-407E-A947-70E740481C1C}">
-                <a14:useLocalDpi xmlns:a14="http://schemas.microsoft.com/office/drawing/2010/main" xmlns="" val="0"/>
+                <a14:useLocalDpi xmlns:a14="http://schemas.microsoft.com/office/drawing/2010/main" val="0"/>
               </a:ext>
             </a:extLst>
           </a:blip>
@@ -14645,20 +14653,20 @@
     </p:spTree>
     <p:extLst>
       <p:ext uri="{BB962C8B-B14F-4D97-AF65-F5344CB8AC3E}">
-        <p14:creationId xmlns:p14="http://schemas.microsoft.com/office/powerpoint/2010/main" xmlns="" val="2174959257"/>
+        <p14:creationId xmlns:p14="http://schemas.microsoft.com/office/powerpoint/2010/main" val="2174959257"/>
       </p:ext>
     </p:extLst>
   </p:cSld>
   <p:clrMapOvr>
     <a:masterClrMapping/>
   </p:clrMapOvr>
-  <mc:AlternateContent xmlns:mc="http://schemas.openxmlformats.org/markup-compatibility/2006">
-    <mc:Choice xmlns:p14="http://schemas.microsoft.com/office/powerpoint/2010/main" xmlns="" Requires="p14">
+  <mc:AlternateContent xmlns:mc="http://schemas.openxmlformats.org/markup-compatibility/2006" xmlns:p14="http://schemas.microsoft.com/office/powerpoint/2010/main">
+    <mc:Choice Requires="p14">
       <p:transition spd="slow" p14:dur="1200">
         <p14:prism/>
       </p:transition>
     </mc:Choice>
-    <mc:Fallback>
+    <mc:Fallback xmlns="">
       <p:transition spd="slow">
         <p:fade/>
       </p:transition>
@@ -14667,7 +14675,7 @@
   <p:timing>
     <p:tnLst>
       <p:par>
-        <p:cTn id="1" dur="indefinite" restart="never" nodeType="tmRoot">
+        <p:cTn xmlns:p14="http://schemas.microsoft.com/office/powerpoint/2010/main" id="1" dur="indefinite" restart="never" nodeType="tmRoot">
           <p:childTnLst>
             <p:seq concurrent="1" nextAc="seek">
               <p:cTn id="2" dur="indefinite" nodeType="mainSeq">
@@ -15190,24 +15198,30 @@
             <a:pPr lvl="1"/>
             <a:r>
               <a:rPr lang="de-CH" dirty="0" smtClean="0"/>
-              <a:t>Statisch (Bewegen sich nie)</a:t>
+              <a:t>Statisch</a:t>
             </a:r>
           </a:p>
           <a:p>
             <a:pPr lvl="1"/>
             <a:r>
               <a:rPr lang="de-CH" dirty="0" smtClean="0"/>
-              <a:t>Dynamisch (Bewegen sich, schwerkraftabhängig)</a:t>
+              <a:t>Dynamisch </a:t>
             </a:r>
           </a:p>
           <a:p>
             <a:pPr lvl="1"/>
             <a:r>
               <a:rPr lang="de-CH" dirty="0" smtClean="0"/>
-              <a:t>Semi-Dynamisch (Bewegen sich, schwerkraftunabhängig)</a:t>
-            </a:r>
-          </a:p>
-          <a:p>
+              <a:t>Semi</a:t>
+            </a:r>
+            <a:r>
+              <a:rPr lang="de-CH" dirty="0" smtClean="0"/>
+              <a:t>-</a:t>
+            </a:r>
+            <a:r>
+              <a:rPr lang="de-CH" dirty="0" smtClean="0"/>
+              <a:t>Dynamisch</a:t>
+            </a:r>
             <a:endParaRPr lang="de-CH" dirty="0"/>
           </a:p>
         </p:txBody>
@@ -15217,13 +15231,13 @@
   <p:clrMapOvr>
     <a:masterClrMapping/>
   </p:clrMapOvr>
-  <mc:AlternateContent xmlns:mc="http://schemas.openxmlformats.org/markup-compatibility/2006">
-    <mc:Choice xmlns:p14="http://schemas.microsoft.com/office/powerpoint/2010/main" xmlns="" Requires="p14">
+  <mc:AlternateContent xmlns:mc="http://schemas.openxmlformats.org/markup-compatibility/2006" xmlns:p14="http://schemas.microsoft.com/office/powerpoint/2010/main">
+    <mc:Choice Requires="p14">
       <p:transition spd="slow" p14:dur="1200">
         <p14:prism/>
       </p:transition>
     </mc:Choice>
-    <mc:Fallback>
+    <mc:Fallback xmlns="">
       <p:transition spd="slow">
         <p:fade/>
       </p:transition>
@@ -15232,7 +15246,7 @@
   <p:timing>
     <p:tnLst>
       <p:par>
-        <p:cTn id="1" dur="indefinite" restart="never" nodeType="tmRoot">
+        <p:cTn xmlns:p14="http://schemas.microsoft.com/office/powerpoint/2010/main" id="1" dur="indefinite" restart="never" nodeType="tmRoot">
           <p:childTnLst>
             <p:seq concurrent="1" nextAc="seek">
               <p:cTn id="2" dur="indefinite" nodeType="mainSeq">
@@ -15764,13 +15778,13 @@
   <p:clrMapOvr>
     <a:masterClrMapping/>
   </p:clrMapOvr>
-  <mc:AlternateContent xmlns:mc="http://schemas.openxmlformats.org/markup-compatibility/2006">
-    <mc:Choice xmlns:p14="http://schemas.microsoft.com/office/powerpoint/2010/main" xmlns="" Requires="p14">
+  <mc:AlternateContent xmlns:mc="http://schemas.openxmlformats.org/markup-compatibility/2006" xmlns:p14="http://schemas.microsoft.com/office/powerpoint/2010/main">
+    <mc:Choice Requires="p14">
       <p:transition spd="slow" p14:dur="1200">
         <p14:prism/>
       </p:transition>
     </mc:Choice>
-    <mc:Fallback>
+    <mc:Fallback xmlns="">
       <p:transition spd="slow">
         <p:fade/>
       </p:transition>
@@ -15779,7 +15793,7 @@
   <p:timing>
     <p:tnLst>
       <p:par>
-        <p:cTn id="1" dur="indefinite" restart="never" nodeType="tmRoot">
+        <p:cTn xmlns:p14="http://schemas.microsoft.com/office/powerpoint/2010/main" id="1" dur="indefinite" restart="never" nodeType="tmRoot">
           <p:childTnLst>
             <p:seq concurrent="1" nextAc="seek">
               <p:cTn id="2" dur="indefinite" nodeType="mainSeq">
@@ -16295,13 +16309,13 @@
   <p:clrMapOvr>
     <a:masterClrMapping/>
   </p:clrMapOvr>
-  <mc:AlternateContent xmlns:mc="http://schemas.openxmlformats.org/markup-compatibility/2006">
-    <mc:Choice xmlns:p14="http://schemas.microsoft.com/office/powerpoint/2010/main" xmlns="" Requires="p14">
+  <mc:AlternateContent xmlns:mc="http://schemas.openxmlformats.org/markup-compatibility/2006" xmlns:p14="http://schemas.microsoft.com/office/powerpoint/2010/main">
+    <mc:Choice Requires="p14">
       <p:transition spd="slow" p14:dur="1200">
         <p14:prism/>
       </p:transition>
     </mc:Choice>
-    <mc:Fallback>
+    <mc:Fallback xmlns="">
       <p:transition spd="slow">
         <p:fade/>
       </p:transition>
@@ -16310,7 +16324,7 @@
   <p:timing>
     <p:tnLst>
       <p:par>
-        <p:cTn id="1" dur="indefinite" restart="never" nodeType="tmRoot">
+        <p:cTn xmlns:p14="http://schemas.microsoft.com/office/powerpoint/2010/main" id="1" dur="indefinite" restart="never" nodeType="tmRoot">
           <p:childTnLst>
             <p:seq concurrent="1" nextAc="seek">
               <p:cTn id="2" dur="indefinite" nodeType="mainSeq">
@@ -16734,11 +16748,7 @@
           <a:p>
             <a:r>
               <a:rPr lang="de-CH" dirty="0" smtClean="0"/>
-              <a:t>Übernahme </a:t>
-            </a:r>
-            <a:r>
-              <a:rPr lang="de-CH" dirty="0" smtClean="0"/>
-              <a:t>von</a:t>
+              <a:t>Übernahme von</a:t>
             </a:r>
           </a:p>
           <a:p>
@@ -16785,9 +16795,12 @@
             <a:pPr lvl="1"/>
             <a:r>
               <a:rPr lang="de-CH" dirty="0" smtClean="0"/>
-              <a:t>Möglicherweise Start eines eigenen Projekts</a:t>
-            </a:r>
-            <a:endParaRPr lang="de-CH" dirty="0" smtClean="0"/>
+              <a:t>Start </a:t>
+            </a:r>
+            <a:r>
+              <a:rPr lang="de-CH" dirty="0" smtClean="0"/>
+              <a:t>eines eigenen Projekts</a:t>
+            </a:r>
           </a:p>
           <a:p>
             <a:endParaRPr lang="de-CH" dirty="0"/>
@@ -16797,20 +16810,20 @@
     </p:spTree>
     <p:extLst>
       <p:ext uri="{BB962C8B-B14F-4D97-AF65-F5344CB8AC3E}">
-        <p14:creationId xmlns:p14="http://schemas.microsoft.com/office/powerpoint/2010/main" xmlns="" val="1216741519"/>
+        <p14:creationId xmlns:p14="http://schemas.microsoft.com/office/powerpoint/2010/main" val="1216741519"/>
       </p:ext>
     </p:extLst>
   </p:cSld>
   <p:clrMapOvr>
     <a:masterClrMapping/>
   </p:clrMapOvr>
-  <mc:AlternateContent xmlns:mc="http://schemas.openxmlformats.org/markup-compatibility/2006">
-    <mc:Choice xmlns:p14="http://schemas.microsoft.com/office/powerpoint/2010/main" xmlns="" Requires="p14">
+  <mc:AlternateContent xmlns:mc="http://schemas.openxmlformats.org/markup-compatibility/2006" xmlns:p14="http://schemas.microsoft.com/office/powerpoint/2010/main">
+    <mc:Choice Requires="p14">
       <p:transition spd="slow" p14:dur="1200">
         <p14:prism/>
       </p:transition>
     </mc:Choice>
-    <mc:Fallback>
+    <mc:Fallback xmlns="">
       <p:transition spd="slow">
         <p:fade/>
       </p:transition>
@@ -16819,7 +16832,7 @@
   <p:timing>
     <p:tnLst>
       <p:par>
-        <p:cTn id="1" dur="indefinite" restart="never" nodeType="tmRoot">
+        <p:cTn xmlns:p14="http://schemas.microsoft.com/office/powerpoint/2010/main" id="1" dur="indefinite" restart="never" nodeType="tmRoot">
           <p:childTnLst>
             <p:seq concurrent="1" nextAc="seek">
               <p:cTn id="2" dur="indefinite" nodeType="mainSeq">
@@ -17276,11 +17289,7 @@
           <a:p>
             <a:r>
               <a:rPr lang="de-CH" dirty="0" smtClean="0"/>
-              <a:t>Gute </a:t>
-            </a:r>
-            <a:r>
-              <a:rPr lang="de-CH" dirty="0" smtClean="0"/>
-              <a:t>Zusammenarbeit</a:t>
+              <a:t>Gute Zusammenarbeit</a:t>
             </a:r>
           </a:p>
           <a:p>
@@ -17292,27 +17301,26 @@
               <a:rPr lang="de-CH" dirty="0" smtClean="0"/>
               <a:t>??</a:t>
             </a:r>
-            <a:endParaRPr lang="de-CH" dirty="0" smtClean="0"/>
           </a:p>
         </p:txBody>
       </p:sp>
     </p:spTree>
     <p:extLst>
       <p:ext uri="{BB962C8B-B14F-4D97-AF65-F5344CB8AC3E}">
-        <p14:creationId xmlns:p14="http://schemas.microsoft.com/office/powerpoint/2010/main" xmlns="" val="1306575274"/>
+        <p14:creationId xmlns:p14="http://schemas.microsoft.com/office/powerpoint/2010/main" val="1306575274"/>
       </p:ext>
     </p:extLst>
   </p:cSld>
   <p:clrMapOvr>
     <a:masterClrMapping/>
   </p:clrMapOvr>
-  <mc:AlternateContent xmlns:mc="http://schemas.openxmlformats.org/markup-compatibility/2006">
-    <mc:Choice xmlns:p14="http://schemas.microsoft.com/office/powerpoint/2010/main" xmlns="" Requires="p14">
+  <mc:AlternateContent xmlns:mc="http://schemas.openxmlformats.org/markup-compatibility/2006" xmlns:p14="http://schemas.microsoft.com/office/powerpoint/2010/main">
+    <mc:Choice Requires="p14">
       <p:transition spd="slow" p14:dur="1200">
         <p14:prism/>
       </p:transition>
     </mc:Choice>
-    <mc:Fallback>
+    <mc:Fallback xmlns="">
       <p:transition spd="slow">
         <p:fade/>
       </p:transition>
@@ -17321,7 +17329,7 @@
   <p:timing>
     <p:tnLst>
       <p:par>
-        <p:cTn id="1" dur="indefinite" restart="never" nodeType="tmRoot">
+        <p:cTn xmlns:p14="http://schemas.microsoft.com/office/powerpoint/2010/main" id="1" dur="indefinite" restart="never" nodeType="tmRoot">
           <p:childTnLst>
             <p:seq concurrent="1" nextAc="seek">
               <p:cTn id="2" dur="indefinite" nodeType="mainSeq">
@@ -17630,12 +17638,19 @@
           <a:p>
             <a:r>
               <a:rPr lang="de-CH" dirty="0"/>
-              <a:t>Nicht vermarkt bar aufgrund des </a:t>
+              <a:t>Nicht vermarkt </a:t>
+            </a:r>
+            <a:r>
+              <a:rPr lang="en-US" dirty="0" smtClean="0">
+                <a:sym typeface="Wingdings"/>
+              </a:rPr>
+              <a:t> </a:t>
             </a:r>
             <a:r>
               <a:rPr lang="de-CH" dirty="0" smtClean="0"/>
               <a:t>Copyrights</a:t>
             </a:r>
+            <a:endParaRPr lang="de-CH" dirty="0" smtClean="0"/>
           </a:p>
           <a:p>
             <a:pPr lvl="1"/>
@@ -17653,20 +17668,20 @@
     </p:spTree>
     <p:extLst>
       <p:ext uri="{BB962C8B-B14F-4D97-AF65-F5344CB8AC3E}">
-        <p14:creationId xmlns:p14="http://schemas.microsoft.com/office/powerpoint/2010/main" xmlns="" val="1090883704"/>
+        <p14:creationId xmlns:p14="http://schemas.microsoft.com/office/powerpoint/2010/main" val="1090883704"/>
       </p:ext>
     </p:extLst>
   </p:cSld>
   <p:clrMapOvr>
     <a:masterClrMapping/>
   </p:clrMapOvr>
-  <mc:AlternateContent xmlns:mc="http://schemas.openxmlformats.org/markup-compatibility/2006">
-    <mc:Choice xmlns:p14="http://schemas.microsoft.com/office/powerpoint/2010/main" xmlns="" Requires="p14">
+  <mc:AlternateContent xmlns:mc="http://schemas.openxmlformats.org/markup-compatibility/2006" xmlns:p14="http://schemas.microsoft.com/office/powerpoint/2010/main">
+    <mc:Choice Requires="p14">
       <p:transition spd="slow" p14:dur="1200">
         <p14:prism/>
       </p:transition>
     </mc:Choice>
-    <mc:Fallback>
+    <mc:Fallback xmlns="">
       <p:transition spd="slow">
         <p:fade/>
       </p:transition>
@@ -17675,7 +17690,7 @@
   <p:timing>
     <p:tnLst>
       <p:par>
-        <p:cTn id="1" dur="indefinite" restart="never" nodeType="tmRoot">
+        <p:cTn xmlns:p14="http://schemas.microsoft.com/office/powerpoint/2010/main" id="1" dur="indefinite" restart="never" nodeType="tmRoot">
           <p:childTnLst>
             <p:seq concurrent="1" nextAc="seek">
               <p:cTn id="2" dur="indefinite" nodeType="mainSeq">
@@ -17944,20 +17959,20 @@
     </p:spTree>
     <p:extLst>
       <p:ext uri="{BB962C8B-B14F-4D97-AF65-F5344CB8AC3E}">
-        <p14:creationId xmlns:p14="http://schemas.microsoft.com/office/powerpoint/2010/main" xmlns="" val="1165028694"/>
+        <p14:creationId xmlns:p14="http://schemas.microsoft.com/office/powerpoint/2010/main" val="1165028694"/>
       </p:ext>
     </p:extLst>
   </p:cSld>
   <p:clrMapOvr>
     <a:masterClrMapping/>
   </p:clrMapOvr>
-  <mc:AlternateContent xmlns:mc="http://schemas.openxmlformats.org/markup-compatibility/2006">
-    <mc:Choice xmlns:p14="http://schemas.microsoft.com/office/powerpoint/2010/main" xmlns="" Requires="p14">
+  <mc:AlternateContent xmlns:mc="http://schemas.openxmlformats.org/markup-compatibility/2006" xmlns:p14="http://schemas.microsoft.com/office/powerpoint/2010/main">
+    <mc:Choice Requires="p14">
       <p:transition spd="slow" p14:dur="1200">
         <p14:prism/>
       </p:transition>
     </mc:Choice>
-    <mc:Fallback>
+    <mc:Fallback xmlns="">
       <p:transition spd="slow">
         <p:fade/>
       </p:transition>
@@ -17966,7 +17981,7 @@
   <p:timing>
     <p:tnLst>
       <p:par>
-        <p:cTn id="1" dur="indefinite" restart="never" nodeType="tmRoot">
+        <p:cTn xmlns:p14="http://schemas.microsoft.com/office/powerpoint/2010/main" id="1" dur="indefinite" restart="never" nodeType="tmRoot">
           <p:childTnLst>
             <p:seq concurrent="1" nextAc="seek">
               <p:cTn id="2" dur="indefinite" nodeType="mainSeq">
@@ -18228,20 +18243,20 @@
     </p:spTree>
     <p:extLst>
       <p:ext uri="{BB962C8B-B14F-4D97-AF65-F5344CB8AC3E}">
-        <p14:creationId xmlns:p14="http://schemas.microsoft.com/office/powerpoint/2010/main" xmlns="" val="1190527043"/>
+        <p14:creationId xmlns:p14="http://schemas.microsoft.com/office/powerpoint/2010/main" val="1190527043"/>
       </p:ext>
     </p:extLst>
   </p:cSld>
   <p:clrMapOvr>
     <a:masterClrMapping/>
   </p:clrMapOvr>
-  <mc:AlternateContent xmlns:mc="http://schemas.openxmlformats.org/markup-compatibility/2006">
-    <mc:Choice xmlns:p14="http://schemas.microsoft.com/office/powerpoint/2010/main" xmlns="" Requires="p14">
+  <mc:AlternateContent xmlns:mc="http://schemas.openxmlformats.org/markup-compatibility/2006" xmlns:p14="http://schemas.microsoft.com/office/powerpoint/2010/main">
+    <mc:Choice Requires="p14">
       <p:transition spd="slow" p14:dur="1200">
         <p14:prism/>
       </p:transition>
     </mc:Choice>
-    <mc:Fallback>
+    <mc:Fallback xmlns="">
       <p:transition spd="slow">
         <p:fade/>
       </p:transition>
@@ -18250,7 +18265,7 @@
   <p:timing>
     <p:tnLst>
       <p:par>
-        <p:cTn id="1" dur="indefinite" restart="never" nodeType="tmRoot">
+        <p:cTn xmlns:p14="http://schemas.microsoft.com/office/powerpoint/2010/main" id="1" dur="indefinite" restart="never" nodeType="tmRoot">
           <p:childTnLst>
             <p:seq concurrent="1" nextAc="seek">
               <p:cTn id="2" dur="indefinite" nodeType="mainSeq">
@@ -18393,20 +18408,20 @@
     </p:spTree>
     <p:extLst>
       <p:ext uri="{BB962C8B-B14F-4D97-AF65-F5344CB8AC3E}">
-        <p14:creationId xmlns:p14="http://schemas.microsoft.com/office/powerpoint/2010/main" xmlns="" val="2169402728"/>
+        <p14:creationId xmlns:p14="http://schemas.microsoft.com/office/powerpoint/2010/main" val="2169402728"/>
       </p:ext>
     </p:extLst>
   </p:cSld>
   <p:clrMapOvr>
     <a:masterClrMapping/>
   </p:clrMapOvr>
-  <mc:AlternateContent xmlns:mc="http://schemas.openxmlformats.org/markup-compatibility/2006">
-    <mc:Choice xmlns:p14="http://schemas.microsoft.com/office/powerpoint/2010/main" xmlns="" Requires="p14">
+  <mc:AlternateContent xmlns:mc="http://schemas.openxmlformats.org/markup-compatibility/2006" xmlns:p14="http://schemas.microsoft.com/office/powerpoint/2010/main">
+    <mc:Choice Requires="p14">
       <p:transition spd="slow" p14:dur="1200">
         <p14:prism/>
       </p:transition>
     </mc:Choice>
-    <mc:Fallback>
+    <mc:Fallback xmlns="">
       <p:transition spd="slow">
         <p:fade/>
       </p:transition>
@@ -18415,7 +18430,7 @@
   <p:timing>
     <p:tnLst>
       <p:par>
-        <p:cTn id="1" dur="indefinite" restart="never" nodeType="tmRoot"/>
+        <p:cTn xmlns:p14="http://schemas.microsoft.com/office/powerpoint/2010/main" id="1" dur="indefinite" restart="never" nodeType="tmRoot"/>
       </p:par>
     </p:tnLst>
   </p:timing>
@@ -18493,20 +18508,20 @@
     </p:spTree>
     <p:extLst>
       <p:ext uri="{BB962C8B-B14F-4D97-AF65-F5344CB8AC3E}">
-        <p14:creationId xmlns:p14="http://schemas.microsoft.com/office/powerpoint/2010/main" xmlns="" val="2682229460"/>
+        <p14:creationId xmlns:p14="http://schemas.microsoft.com/office/powerpoint/2010/main" val="2682229460"/>
       </p:ext>
     </p:extLst>
   </p:cSld>
   <p:clrMapOvr>
     <a:masterClrMapping/>
   </p:clrMapOvr>
-  <mc:AlternateContent xmlns:mc="http://schemas.openxmlformats.org/markup-compatibility/2006">
-    <mc:Choice xmlns:p14="http://schemas.microsoft.com/office/powerpoint/2010/main" xmlns="" Requires="p14">
+  <mc:AlternateContent xmlns:mc="http://schemas.openxmlformats.org/markup-compatibility/2006" xmlns:p14="http://schemas.microsoft.com/office/powerpoint/2010/main">
+    <mc:Choice Requires="p14">
       <p:transition spd="slow" p14:dur="1200">
         <p14:prism/>
       </p:transition>
     </mc:Choice>
-    <mc:Fallback>
+    <mc:Fallback xmlns="">
       <p:transition spd="slow">
         <p:fade/>
       </p:transition>
@@ -18515,7 +18530,7 @@
   <p:timing>
     <p:tnLst>
       <p:par>
-        <p:cTn id="1" dur="indefinite" restart="never" nodeType="tmRoot"/>
+        <p:cTn xmlns:p14="http://schemas.microsoft.com/office/powerpoint/2010/main" id="1" dur="indefinite" restart="never" nodeType="tmRoot"/>
       </p:par>
     </p:tnLst>
   </p:timing>
@@ -18601,20 +18616,20 @@
     </p:spTree>
     <p:extLst>
       <p:ext uri="{BB962C8B-B14F-4D97-AF65-F5344CB8AC3E}">
-        <p14:creationId xmlns:p14="http://schemas.microsoft.com/office/powerpoint/2010/main" xmlns="" val="3066904835"/>
+        <p14:creationId xmlns:p14="http://schemas.microsoft.com/office/powerpoint/2010/main" val="3066904835"/>
       </p:ext>
     </p:extLst>
   </p:cSld>
   <p:clrMapOvr>
     <a:masterClrMapping/>
   </p:clrMapOvr>
-  <mc:AlternateContent xmlns:mc="http://schemas.openxmlformats.org/markup-compatibility/2006">
-    <mc:Choice xmlns:p14="http://schemas.microsoft.com/office/powerpoint/2010/main" xmlns="" Requires="p14">
+  <mc:AlternateContent xmlns:mc="http://schemas.openxmlformats.org/markup-compatibility/2006" xmlns:p14="http://schemas.microsoft.com/office/powerpoint/2010/main">
+    <mc:Choice Requires="p14">
       <p:transition spd="slow" p14:dur="1200">
         <p14:prism/>
       </p:transition>
     </mc:Choice>
-    <mc:Fallback>
+    <mc:Fallback xmlns="">
       <p:transition spd="slow">
         <p:fade/>
       </p:transition>
@@ -18623,7 +18638,7 @@
   <p:timing>
     <p:tnLst>
       <p:par>
-        <p:cTn id="1" dur="indefinite" restart="never" nodeType="tmRoot">
+        <p:cTn xmlns:p14="http://schemas.microsoft.com/office/powerpoint/2010/main" id="1" dur="indefinite" restart="never" nodeType="tmRoot">
           <p:childTnLst>
             <p:seq concurrent="1" nextAc="seek">
               <p:cTn id="2" dur="indefinite" nodeType="mainSeq">
@@ -18815,20 +18830,20 @@
     </p:spTree>
     <p:extLst>
       <p:ext uri="{BB962C8B-B14F-4D97-AF65-F5344CB8AC3E}">
-        <p14:creationId xmlns:p14="http://schemas.microsoft.com/office/powerpoint/2010/main" xmlns="" val="4271919466"/>
+        <p14:creationId xmlns:p14="http://schemas.microsoft.com/office/powerpoint/2010/main" val="4271919466"/>
       </p:ext>
     </p:extLst>
   </p:cSld>
   <p:clrMapOvr>
     <a:masterClrMapping/>
   </p:clrMapOvr>
-  <mc:AlternateContent xmlns:mc="http://schemas.openxmlformats.org/markup-compatibility/2006">
-    <mc:Choice xmlns:p14="http://schemas.microsoft.com/office/powerpoint/2010/main" xmlns="" Requires="p14">
+  <mc:AlternateContent xmlns:mc="http://schemas.openxmlformats.org/markup-compatibility/2006" xmlns:p14="http://schemas.microsoft.com/office/powerpoint/2010/main">
+    <mc:Choice Requires="p14">
       <p:transition spd="slow" p14:dur="1200">
         <p14:prism/>
       </p:transition>
     </mc:Choice>
-    <mc:Fallback>
+    <mc:Fallback xmlns="">
       <p:transition spd="slow">
         <p:fade/>
       </p:transition>
@@ -18837,7 +18852,7 @@
   <p:timing>
     <p:tnLst>
       <p:par>
-        <p:cTn id="1" dur="indefinite" restart="never" nodeType="tmRoot"/>
+        <p:cTn xmlns:p14="http://schemas.microsoft.com/office/powerpoint/2010/main" id="1" dur="indefinite" restart="never" nodeType="tmRoot"/>
       </p:par>
     </p:tnLst>
   </p:timing>
@@ -18960,20 +18975,20 @@
     </p:spTree>
     <p:extLst>
       <p:ext uri="{BB962C8B-B14F-4D97-AF65-F5344CB8AC3E}">
-        <p14:creationId xmlns:p14="http://schemas.microsoft.com/office/powerpoint/2010/main" xmlns="" val="3025817099"/>
+        <p14:creationId xmlns:p14="http://schemas.microsoft.com/office/powerpoint/2010/main" val="3025817099"/>
       </p:ext>
     </p:extLst>
   </p:cSld>
   <p:clrMapOvr>
     <a:masterClrMapping/>
   </p:clrMapOvr>
-  <mc:AlternateContent xmlns:mc="http://schemas.openxmlformats.org/markup-compatibility/2006">
-    <mc:Choice xmlns:p14="http://schemas.microsoft.com/office/powerpoint/2010/main" xmlns="" Requires="p14">
+  <mc:AlternateContent xmlns:mc="http://schemas.openxmlformats.org/markup-compatibility/2006" xmlns:p14="http://schemas.microsoft.com/office/powerpoint/2010/main">
+    <mc:Choice Requires="p14">
       <p:transition spd="slow" p14:dur="1200">
         <p14:prism/>
       </p:transition>
     </mc:Choice>
-    <mc:Fallback>
+    <mc:Fallback xmlns="">
       <p:transition spd="slow">
         <p:fade/>
       </p:transition>
@@ -18982,7 +18997,7 @@
   <p:timing>
     <p:tnLst>
       <p:par>
-        <p:cTn id="1" dur="indefinite" restart="never" nodeType="tmRoot">
+        <p:cTn xmlns:p14="http://schemas.microsoft.com/office/powerpoint/2010/main" id="1" dur="indefinite" restart="never" nodeType="tmRoot">
           <p:childTnLst>
             <p:seq concurrent="1" nextAc="seek">
               <p:cTn id="2" dur="indefinite" nodeType="mainSeq">
@@ -19455,7 +19470,7 @@
           <a:blip r:embed="rId2" cstate="print">
             <a:extLst>
               <a:ext uri="{28A0092B-C50C-407E-A947-70E740481C1C}">
-                <a14:useLocalDpi xmlns:a14="http://schemas.microsoft.com/office/drawing/2010/main" xmlns="" val="0"/>
+                <a14:useLocalDpi xmlns:a14="http://schemas.microsoft.com/office/drawing/2010/main" val="0"/>
               </a:ext>
             </a:extLst>
           </a:blip>
@@ -19488,7 +19503,7 @@
           <a:blip r:embed="rId3" cstate="print">
             <a:extLst>
               <a:ext uri="{28A0092B-C50C-407E-A947-70E740481C1C}">
-                <a14:useLocalDpi xmlns:a14="http://schemas.microsoft.com/office/drawing/2010/main" xmlns="" val="0"/>
+                <a14:useLocalDpi xmlns:a14="http://schemas.microsoft.com/office/drawing/2010/main" val="0"/>
               </a:ext>
             </a:extLst>
           </a:blip>
@@ -19506,20 +19521,20 @@
     </p:spTree>
     <p:extLst>
       <p:ext uri="{BB962C8B-B14F-4D97-AF65-F5344CB8AC3E}">
-        <p14:creationId xmlns:p14="http://schemas.microsoft.com/office/powerpoint/2010/main" xmlns="" val="2991355206"/>
+        <p14:creationId xmlns:p14="http://schemas.microsoft.com/office/powerpoint/2010/main" val="2991355206"/>
       </p:ext>
     </p:extLst>
   </p:cSld>
   <p:clrMapOvr>
     <a:masterClrMapping/>
   </p:clrMapOvr>
-  <mc:AlternateContent xmlns:mc="http://schemas.openxmlformats.org/markup-compatibility/2006">
-    <mc:Choice xmlns:p14="http://schemas.microsoft.com/office/powerpoint/2010/main" xmlns="" Requires="p14">
+  <mc:AlternateContent xmlns:mc="http://schemas.openxmlformats.org/markup-compatibility/2006" xmlns:p14="http://schemas.microsoft.com/office/powerpoint/2010/main">
+    <mc:Choice Requires="p14">
       <p:transition spd="slow" p14:dur="1200">
         <p14:prism/>
       </p:transition>
     </mc:Choice>
-    <mc:Fallback>
+    <mc:Fallback xmlns="">
       <p:transition spd="slow">
         <p:fade/>
       </p:transition>
@@ -19528,7 +19543,7 @@
   <p:timing>
     <p:tnLst>
       <p:par>
-        <p:cTn id="1" dur="indefinite" restart="never" nodeType="tmRoot">
+        <p:cTn xmlns:p14="http://schemas.microsoft.com/office/powerpoint/2010/main" id="1" dur="indefinite" restart="never" nodeType="tmRoot">
           <p:childTnLst>
             <p:seq concurrent="1" nextAc="seek">
               <p:cTn id="2" dur="indefinite" nodeType="mainSeq">
@@ -19830,20 +19845,20 @@
     </p:spTree>
     <p:extLst>
       <p:ext uri="{BB962C8B-B14F-4D97-AF65-F5344CB8AC3E}">
-        <p14:creationId xmlns:p14="http://schemas.microsoft.com/office/powerpoint/2010/main" xmlns="" val="2805056239"/>
+        <p14:creationId xmlns:p14="http://schemas.microsoft.com/office/powerpoint/2010/main" val="2805056239"/>
       </p:ext>
     </p:extLst>
   </p:cSld>
   <p:clrMapOvr>
     <a:masterClrMapping/>
   </p:clrMapOvr>
-  <mc:AlternateContent xmlns:mc="http://schemas.openxmlformats.org/markup-compatibility/2006">
-    <mc:Choice xmlns:p14="http://schemas.microsoft.com/office/powerpoint/2010/main" xmlns="" Requires="p14">
+  <mc:AlternateContent xmlns:mc="http://schemas.openxmlformats.org/markup-compatibility/2006" xmlns:p14="http://schemas.microsoft.com/office/powerpoint/2010/main">
+    <mc:Choice Requires="p14">
       <p:transition spd="slow" p14:dur="1200">
         <p14:prism/>
       </p:transition>
     </mc:Choice>
-    <mc:Fallback>
+    <mc:Fallback xmlns="">
       <p:transition spd="slow">
         <p:fade/>
       </p:transition>
@@ -19852,7 +19867,7 @@
   <p:timing>
     <p:tnLst>
       <p:par>
-        <p:cTn id="1" dur="indefinite" restart="never" nodeType="tmRoot">
+        <p:cTn xmlns:p14="http://schemas.microsoft.com/office/powerpoint/2010/main" id="1" dur="indefinite" restart="never" nodeType="tmRoot">
           <p:childTnLst>
             <p:seq concurrent="1" nextAc="seek">
               <p:cTn id="2" dur="indefinite" nodeType="mainSeq">
@@ -20112,20 +20127,20 @@
     </p:spTree>
     <p:extLst>
       <p:ext uri="{BB962C8B-B14F-4D97-AF65-F5344CB8AC3E}">
-        <p14:creationId xmlns:p14="http://schemas.microsoft.com/office/powerpoint/2010/main" xmlns="" val="2480961179"/>
+        <p14:creationId xmlns:p14="http://schemas.microsoft.com/office/powerpoint/2010/main" val="2480961179"/>
       </p:ext>
     </p:extLst>
   </p:cSld>
   <p:clrMapOvr>
     <a:masterClrMapping/>
   </p:clrMapOvr>
-  <mc:AlternateContent xmlns:mc="http://schemas.openxmlformats.org/markup-compatibility/2006">
-    <mc:Choice xmlns:p14="http://schemas.microsoft.com/office/powerpoint/2010/main" xmlns="" Requires="p14">
+  <mc:AlternateContent xmlns:mc="http://schemas.openxmlformats.org/markup-compatibility/2006" xmlns:p14="http://schemas.microsoft.com/office/powerpoint/2010/main">
+    <mc:Choice Requires="p14">
       <p:transition spd="slow" p14:dur="1200">
         <p14:prism/>
       </p:transition>
     </mc:Choice>
-    <mc:Fallback>
+    <mc:Fallback xmlns="">
       <p:transition spd="slow">
         <p:fade/>
       </p:transition>
@@ -20134,7 +20149,7 @@
   <p:timing>
     <p:tnLst>
       <p:par>
-        <p:cTn id="1" dur="indefinite" restart="never" nodeType="tmRoot">
+        <p:cTn xmlns:p14="http://schemas.microsoft.com/office/powerpoint/2010/main" id="1" dur="indefinite" restart="never" nodeType="tmRoot">
           <p:childTnLst>
             <p:seq concurrent="1" nextAc="seek">
               <p:cTn id="2" dur="indefinite" nodeType="mainSeq">
@@ -20501,7 +20516,7 @@
           <a:blip r:embed="rId4" cstate="print">
             <a:extLst>
               <a:ext uri="{BEBA8EAE-BF5A-486C-A8C5-ECC9F3942E4B}">
-                <a14:imgProps xmlns:a14="http://schemas.microsoft.com/office/drawing/2010/main" xmlns="">
+                <a14:imgProps xmlns:a14="http://schemas.microsoft.com/office/drawing/2010/main">
                   <a14:imgLayer r:embed="rId5">
                     <a14:imgEffect>
                       <a14:backgroundRemoval t="3500" b="96438" l="3063" r="96438"/>
@@ -20552,20 +20567,20 @@
     </p:spTree>
     <p:extLst>
       <p:ext uri="{BB962C8B-B14F-4D97-AF65-F5344CB8AC3E}">
-        <p14:creationId xmlns:p14="http://schemas.microsoft.com/office/powerpoint/2010/main" xmlns="" val="3612435666"/>
+        <p14:creationId xmlns:p14="http://schemas.microsoft.com/office/powerpoint/2010/main" val="3612435666"/>
       </p:ext>
     </p:extLst>
   </p:cSld>
   <p:clrMapOvr>
     <a:masterClrMapping/>
   </p:clrMapOvr>
-  <mc:AlternateContent xmlns:mc="http://schemas.openxmlformats.org/markup-compatibility/2006">
-    <mc:Choice xmlns:p14="http://schemas.microsoft.com/office/powerpoint/2010/main" xmlns="" Requires="p14">
+  <mc:AlternateContent xmlns:mc="http://schemas.openxmlformats.org/markup-compatibility/2006" xmlns:p14="http://schemas.microsoft.com/office/powerpoint/2010/main">
+    <mc:Choice Requires="p14">
       <p:transition spd="slow" p14:dur="1200">
         <p14:prism/>
       </p:transition>
     </mc:Choice>
-    <mc:Fallback>
+    <mc:Fallback xmlns="">
       <p:transition spd="slow">
         <p:fade/>
       </p:transition>
@@ -20574,7 +20589,7 @@
   <p:timing>
     <p:tnLst>
       <p:par>
-        <p:cTn id="1" dur="indefinite" restart="never" nodeType="tmRoot">
+        <p:cTn xmlns:p14="http://schemas.microsoft.com/office/powerpoint/2010/main" id="1" dur="indefinite" restart="never" nodeType="tmRoot">
           <p:childTnLst>
             <p:seq concurrent="1" nextAc="seek">
               <p:cTn id="2" dur="indefinite" nodeType="mainSeq">
